--- a/그림 만들기.pptx
+++ b/그림 만들기.pptx
@@ -4,8 +4,13 @@
   <p:sldMasterIdLst>
     <p:sldMasterId id="2147483648" r:id="rId1"/>
   </p:sldMasterIdLst>
+  <p:notesMasterIdLst>
+    <p:notesMasterId r:id="rId5"/>
+  </p:notesMasterIdLst>
   <p:sldIdLst>
     <p:sldId id="256" r:id="rId2"/>
+    <p:sldId id="257" r:id="rId3"/>
+    <p:sldId id="258" r:id="rId4"/>
   </p:sldIdLst>
   <p:sldSz cx="9144000" cy="6858000" type="screen4x3"/>
   <p:notesSz cx="6858000" cy="9144000"/>
@@ -107,6 +112,519 @@
 </p:presentation>
 </file>
 
+<file path=ppt/notesMasters/notesMaster1.xml><?xml version="1.0" encoding="utf-8"?>
+<p:notesMaster xmlns:a="http://schemas.openxmlformats.org/drawingml/2006/main" xmlns:r="http://schemas.openxmlformats.org/officeDocument/2006/relationships" xmlns:p="http://schemas.openxmlformats.org/presentationml/2006/main">
+  <p:cSld>
+    <p:bg>
+      <p:bgRef idx="1001">
+        <a:schemeClr val="bg1"/>
+      </p:bgRef>
+    </p:bg>
+    <p:spTree>
+      <p:nvGrpSpPr>
+        <p:cNvPr id="1" name=""/>
+        <p:cNvGrpSpPr/>
+        <p:nvPr/>
+      </p:nvGrpSpPr>
+      <p:grpSpPr>
+        <a:xfrm>
+          <a:off x="0" y="0"/>
+          <a:ext cx="0" cy="0"/>
+          <a:chOff x="0" y="0"/>
+          <a:chExt cx="0" cy="0"/>
+        </a:xfrm>
+      </p:grpSpPr>
+      <p:sp>
+        <p:nvSpPr>
+          <p:cNvPr id="2" name="머리글 개체 틀 1"/>
+          <p:cNvSpPr>
+            <a:spLocks noGrp="1"/>
+          </p:cNvSpPr>
+          <p:nvPr>
+            <p:ph type="hdr" sz="quarter"/>
+          </p:nvPr>
+        </p:nvSpPr>
+        <p:spPr>
+          <a:xfrm>
+            <a:off x="0" y="0"/>
+            <a:ext cx="2971800" cy="457200"/>
+          </a:xfrm>
+          <a:prstGeom prst="rect">
+            <a:avLst/>
+          </a:prstGeom>
+        </p:spPr>
+        <p:txBody>
+          <a:bodyPr vert="horz" lIns="91440" tIns="45720" rIns="91440" bIns="45720" rtlCol="0"/>
+          <a:lstStyle>
+            <a:lvl1pPr algn="l">
+              <a:defRPr sz="1200"/>
+            </a:lvl1pPr>
+          </a:lstStyle>
+          <a:p>
+            <a:endParaRPr lang="ko-KR" altLang="en-US"/>
+          </a:p>
+        </p:txBody>
+      </p:sp>
+      <p:sp>
+        <p:nvSpPr>
+          <p:cNvPr id="3" name="날짜 개체 틀 2"/>
+          <p:cNvSpPr>
+            <a:spLocks noGrp="1"/>
+          </p:cNvSpPr>
+          <p:nvPr>
+            <p:ph type="dt" idx="1"/>
+          </p:nvPr>
+        </p:nvSpPr>
+        <p:spPr>
+          <a:xfrm>
+            <a:off x="3884613" y="0"/>
+            <a:ext cx="2971800" cy="457200"/>
+          </a:xfrm>
+          <a:prstGeom prst="rect">
+            <a:avLst/>
+          </a:prstGeom>
+        </p:spPr>
+        <p:txBody>
+          <a:bodyPr vert="horz" lIns="91440" tIns="45720" rIns="91440" bIns="45720" rtlCol="0"/>
+          <a:lstStyle>
+            <a:lvl1pPr algn="r">
+              <a:defRPr sz="1200"/>
+            </a:lvl1pPr>
+          </a:lstStyle>
+          <a:p>
+            <a:fld id="{B478B745-BF05-4AEA-A995-7E994C8F897E}" type="datetimeFigureOut">
+              <a:rPr lang="ko-KR" altLang="en-US" smtClean="0"/>
+              <a:pPr/>
+              <a:t>2020-06-21</a:t>
+            </a:fld>
+            <a:endParaRPr lang="ko-KR" altLang="en-US"/>
+          </a:p>
+        </p:txBody>
+      </p:sp>
+      <p:sp>
+        <p:nvSpPr>
+          <p:cNvPr id="4" name="슬라이드 이미지 개체 틀 3"/>
+          <p:cNvSpPr>
+            <a:spLocks noGrp="1" noRot="1" noChangeAspect="1"/>
+          </p:cNvSpPr>
+          <p:nvPr>
+            <p:ph type="sldImg" idx="2"/>
+          </p:nvPr>
+        </p:nvSpPr>
+        <p:spPr>
+          <a:xfrm>
+            <a:off x="1143000" y="685800"/>
+            <a:ext cx="4572000" cy="3429000"/>
+          </a:xfrm>
+          <a:prstGeom prst="rect">
+            <a:avLst/>
+          </a:prstGeom>
+          <a:noFill/>
+          <a:ln w="12700">
+            <a:solidFill>
+              <a:prstClr val="black"/>
+            </a:solidFill>
+          </a:ln>
+        </p:spPr>
+        <p:txBody>
+          <a:bodyPr vert="horz" lIns="91440" tIns="45720" rIns="91440" bIns="45720" rtlCol="0" anchor="ctr"/>
+          <a:lstStyle/>
+          <a:p>
+            <a:endParaRPr lang="ko-KR" altLang="en-US"/>
+          </a:p>
+        </p:txBody>
+      </p:sp>
+      <p:sp>
+        <p:nvSpPr>
+          <p:cNvPr id="5" name="슬라이드 노트 개체 틀 4"/>
+          <p:cNvSpPr>
+            <a:spLocks noGrp="1"/>
+          </p:cNvSpPr>
+          <p:nvPr>
+            <p:ph type="body" sz="quarter" idx="3"/>
+          </p:nvPr>
+        </p:nvSpPr>
+        <p:spPr>
+          <a:xfrm>
+            <a:off x="685800" y="4343400"/>
+            <a:ext cx="5486400" cy="4114800"/>
+          </a:xfrm>
+          <a:prstGeom prst="rect">
+            <a:avLst/>
+          </a:prstGeom>
+        </p:spPr>
+        <p:txBody>
+          <a:bodyPr vert="horz" lIns="91440" tIns="45720" rIns="91440" bIns="45720" rtlCol="0">
+            <a:normAutofit/>
+          </a:bodyPr>
+          <a:lstStyle/>
+          <a:p>
+            <a:pPr lvl="0"/>
+            <a:r>
+              <a:rPr lang="ko-KR" altLang="en-US" smtClean="0"/>
+              <a:t>마스터 텍스트 스타일을 편집합니다</a:t>
+            </a:r>
+          </a:p>
+          <a:p>
+            <a:pPr lvl="1"/>
+            <a:r>
+              <a:rPr lang="ko-KR" altLang="en-US" smtClean="0"/>
+              <a:t>둘째 수준</a:t>
+            </a:r>
+          </a:p>
+          <a:p>
+            <a:pPr lvl="2"/>
+            <a:r>
+              <a:rPr lang="ko-KR" altLang="en-US" smtClean="0"/>
+              <a:t>셋째 수준</a:t>
+            </a:r>
+          </a:p>
+          <a:p>
+            <a:pPr lvl="3"/>
+            <a:r>
+              <a:rPr lang="ko-KR" altLang="en-US" smtClean="0"/>
+              <a:t>넷째 수준</a:t>
+            </a:r>
+          </a:p>
+          <a:p>
+            <a:pPr lvl="4"/>
+            <a:r>
+              <a:rPr lang="ko-KR" altLang="en-US" smtClean="0"/>
+              <a:t>다섯째 수준</a:t>
+            </a:r>
+            <a:endParaRPr lang="ko-KR" altLang="en-US"/>
+          </a:p>
+        </p:txBody>
+      </p:sp>
+      <p:sp>
+        <p:nvSpPr>
+          <p:cNvPr id="6" name="바닥글 개체 틀 5"/>
+          <p:cNvSpPr>
+            <a:spLocks noGrp="1"/>
+          </p:cNvSpPr>
+          <p:nvPr>
+            <p:ph type="ftr" sz="quarter" idx="4"/>
+          </p:nvPr>
+        </p:nvSpPr>
+        <p:spPr>
+          <a:xfrm>
+            <a:off x="0" y="8685213"/>
+            <a:ext cx="2971800" cy="457200"/>
+          </a:xfrm>
+          <a:prstGeom prst="rect">
+            <a:avLst/>
+          </a:prstGeom>
+        </p:spPr>
+        <p:txBody>
+          <a:bodyPr vert="horz" lIns="91440" tIns="45720" rIns="91440" bIns="45720" rtlCol="0" anchor="b"/>
+          <a:lstStyle>
+            <a:lvl1pPr algn="l">
+              <a:defRPr sz="1200"/>
+            </a:lvl1pPr>
+          </a:lstStyle>
+          <a:p>
+            <a:endParaRPr lang="ko-KR" altLang="en-US"/>
+          </a:p>
+        </p:txBody>
+      </p:sp>
+      <p:sp>
+        <p:nvSpPr>
+          <p:cNvPr id="7" name="슬라이드 번호 개체 틀 6"/>
+          <p:cNvSpPr>
+            <a:spLocks noGrp="1"/>
+          </p:cNvSpPr>
+          <p:nvPr>
+            <p:ph type="sldNum" sz="quarter" idx="5"/>
+          </p:nvPr>
+        </p:nvSpPr>
+        <p:spPr>
+          <a:xfrm>
+            <a:off x="3884613" y="8685213"/>
+            <a:ext cx="2971800" cy="457200"/>
+          </a:xfrm>
+          <a:prstGeom prst="rect">
+            <a:avLst/>
+          </a:prstGeom>
+        </p:spPr>
+        <p:txBody>
+          <a:bodyPr vert="horz" lIns="91440" tIns="45720" rIns="91440" bIns="45720" rtlCol="0" anchor="b"/>
+          <a:lstStyle>
+            <a:lvl1pPr algn="r">
+              <a:defRPr sz="1200"/>
+            </a:lvl1pPr>
+          </a:lstStyle>
+          <a:p>
+            <a:fld id="{5881E364-06B5-4996-B568-499AD81460E6}" type="slidenum">
+              <a:rPr lang="ko-KR" altLang="en-US" smtClean="0"/>
+              <a:pPr/>
+              <a:t>‹#›</a:t>
+            </a:fld>
+            <a:endParaRPr lang="ko-KR" altLang="en-US"/>
+          </a:p>
+        </p:txBody>
+      </p:sp>
+    </p:spTree>
+  </p:cSld>
+  <p:clrMap bg1="lt1" tx1="dk1" bg2="lt2" tx2="dk2" accent1="accent1" accent2="accent2" accent3="accent3" accent4="accent4" accent5="accent5" accent6="accent6" hlink="hlink" folHlink="folHlink"/>
+  <p:notesStyle>
+    <a:lvl1pPr marL="0" algn="l" defTabSz="914400" rtl="0" eaLnBrk="1" latinLnBrk="1" hangingPunct="1">
+      <a:defRPr sz="1200" kern="1200">
+        <a:solidFill>
+          <a:schemeClr val="tx1"/>
+        </a:solidFill>
+        <a:latin typeface="+mn-lt"/>
+        <a:ea typeface="+mn-ea"/>
+        <a:cs typeface="+mn-cs"/>
+      </a:defRPr>
+    </a:lvl1pPr>
+    <a:lvl2pPr marL="457200" algn="l" defTabSz="914400" rtl="0" eaLnBrk="1" latinLnBrk="1" hangingPunct="1">
+      <a:defRPr sz="1200" kern="1200">
+        <a:solidFill>
+          <a:schemeClr val="tx1"/>
+        </a:solidFill>
+        <a:latin typeface="+mn-lt"/>
+        <a:ea typeface="+mn-ea"/>
+        <a:cs typeface="+mn-cs"/>
+      </a:defRPr>
+    </a:lvl2pPr>
+    <a:lvl3pPr marL="914400" algn="l" defTabSz="914400" rtl="0" eaLnBrk="1" latinLnBrk="1" hangingPunct="1">
+      <a:defRPr sz="1200" kern="1200">
+        <a:solidFill>
+          <a:schemeClr val="tx1"/>
+        </a:solidFill>
+        <a:latin typeface="+mn-lt"/>
+        <a:ea typeface="+mn-ea"/>
+        <a:cs typeface="+mn-cs"/>
+      </a:defRPr>
+    </a:lvl3pPr>
+    <a:lvl4pPr marL="1371600" algn="l" defTabSz="914400" rtl="0" eaLnBrk="1" latinLnBrk="1" hangingPunct="1">
+      <a:defRPr sz="1200" kern="1200">
+        <a:solidFill>
+          <a:schemeClr val="tx1"/>
+        </a:solidFill>
+        <a:latin typeface="+mn-lt"/>
+        <a:ea typeface="+mn-ea"/>
+        <a:cs typeface="+mn-cs"/>
+      </a:defRPr>
+    </a:lvl4pPr>
+    <a:lvl5pPr marL="1828800" algn="l" defTabSz="914400" rtl="0" eaLnBrk="1" latinLnBrk="1" hangingPunct="1">
+      <a:defRPr sz="1200" kern="1200">
+        <a:solidFill>
+          <a:schemeClr val="tx1"/>
+        </a:solidFill>
+        <a:latin typeface="+mn-lt"/>
+        <a:ea typeface="+mn-ea"/>
+        <a:cs typeface="+mn-cs"/>
+      </a:defRPr>
+    </a:lvl5pPr>
+    <a:lvl6pPr marL="2286000" algn="l" defTabSz="914400" rtl="0" eaLnBrk="1" latinLnBrk="1" hangingPunct="1">
+      <a:defRPr sz="1200" kern="1200">
+        <a:solidFill>
+          <a:schemeClr val="tx1"/>
+        </a:solidFill>
+        <a:latin typeface="+mn-lt"/>
+        <a:ea typeface="+mn-ea"/>
+        <a:cs typeface="+mn-cs"/>
+      </a:defRPr>
+    </a:lvl6pPr>
+    <a:lvl7pPr marL="2743200" algn="l" defTabSz="914400" rtl="0" eaLnBrk="1" latinLnBrk="1" hangingPunct="1">
+      <a:defRPr sz="1200" kern="1200">
+        <a:solidFill>
+          <a:schemeClr val="tx1"/>
+        </a:solidFill>
+        <a:latin typeface="+mn-lt"/>
+        <a:ea typeface="+mn-ea"/>
+        <a:cs typeface="+mn-cs"/>
+      </a:defRPr>
+    </a:lvl7pPr>
+    <a:lvl8pPr marL="3200400" algn="l" defTabSz="914400" rtl="0" eaLnBrk="1" latinLnBrk="1" hangingPunct="1">
+      <a:defRPr sz="1200" kern="1200">
+        <a:solidFill>
+          <a:schemeClr val="tx1"/>
+        </a:solidFill>
+        <a:latin typeface="+mn-lt"/>
+        <a:ea typeface="+mn-ea"/>
+        <a:cs typeface="+mn-cs"/>
+      </a:defRPr>
+    </a:lvl8pPr>
+    <a:lvl9pPr marL="3657600" algn="l" defTabSz="914400" rtl="0" eaLnBrk="1" latinLnBrk="1" hangingPunct="1">
+      <a:defRPr sz="1200" kern="1200">
+        <a:solidFill>
+          <a:schemeClr val="tx1"/>
+        </a:solidFill>
+        <a:latin typeface="+mn-lt"/>
+        <a:ea typeface="+mn-ea"/>
+        <a:cs typeface="+mn-cs"/>
+      </a:defRPr>
+    </a:lvl9pPr>
+  </p:notesStyle>
+</p:notesMaster>
+</file>
+
+<file path=ppt/notesSlides/notesSlide1.xml><?xml version="1.0" encoding="utf-8"?>
+<p:notes xmlns:a="http://schemas.openxmlformats.org/drawingml/2006/main" xmlns:r="http://schemas.openxmlformats.org/officeDocument/2006/relationships" xmlns:p="http://schemas.openxmlformats.org/presentationml/2006/main">
+  <p:cSld>
+    <p:spTree>
+      <p:nvGrpSpPr>
+        <p:cNvPr id="1" name=""/>
+        <p:cNvGrpSpPr/>
+        <p:nvPr/>
+      </p:nvGrpSpPr>
+      <p:grpSpPr>
+        <a:xfrm>
+          <a:off x="0" y="0"/>
+          <a:ext cx="0" cy="0"/>
+          <a:chOff x="0" y="0"/>
+          <a:chExt cx="0" cy="0"/>
+        </a:xfrm>
+      </p:grpSpPr>
+      <p:sp>
+        <p:nvSpPr>
+          <p:cNvPr id="2" name="슬라이드 이미지 개체 틀 1"/>
+          <p:cNvSpPr>
+            <a:spLocks noGrp="1" noRot="1" noChangeAspect="1"/>
+          </p:cNvSpPr>
+          <p:nvPr>
+            <p:ph type="sldImg"/>
+          </p:nvPr>
+        </p:nvSpPr>
+        <p:spPr/>
+      </p:sp>
+      <p:sp>
+        <p:nvSpPr>
+          <p:cNvPr id="3" name="슬라이드 노트 개체 틀 2"/>
+          <p:cNvSpPr>
+            <a:spLocks noGrp="1"/>
+          </p:cNvSpPr>
+          <p:nvPr>
+            <p:ph type="body" idx="1"/>
+          </p:nvPr>
+        </p:nvSpPr>
+        <p:spPr/>
+        <p:txBody>
+          <a:bodyPr>
+            <a:normAutofit/>
+          </a:bodyPr>
+          <a:lstStyle/>
+          <a:p>
+            <a:endParaRPr lang="ko-KR" altLang="en-US" dirty="0"/>
+          </a:p>
+        </p:txBody>
+      </p:sp>
+      <p:sp>
+        <p:nvSpPr>
+          <p:cNvPr id="4" name="슬라이드 번호 개체 틀 3"/>
+          <p:cNvSpPr>
+            <a:spLocks noGrp="1"/>
+          </p:cNvSpPr>
+          <p:nvPr>
+            <p:ph type="sldNum" sz="quarter" idx="10"/>
+          </p:nvPr>
+        </p:nvSpPr>
+        <p:spPr/>
+        <p:txBody>
+          <a:bodyPr/>
+          <a:lstStyle/>
+          <a:p>
+            <a:fld id="{5881E364-06B5-4996-B568-499AD81460E6}" type="slidenum">
+              <a:rPr lang="ko-KR" altLang="en-US" smtClean="0"/>
+              <a:pPr/>
+              <a:t>2</a:t>
+            </a:fld>
+            <a:endParaRPr lang="ko-KR" altLang="en-US"/>
+          </a:p>
+        </p:txBody>
+      </p:sp>
+    </p:spTree>
+  </p:cSld>
+  <p:clrMapOvr>
+    <a:masterClrMapping/>
+  </p:clrMapOvr>
+</p:notes>
+</file>
+
+<file path=ppt/notesSlides/notesSlide2.xml><?xml version="1.0" encoding="utf-8"?>
+<p:notes xmlns:a="http://schemas.openxmlformats.org/drawingml/2006/main" xmlns:r="http://schemas.openxmlformats.org/officeDocument/2006/relationships" xmlns:p="http://schemas.openxmlformats.org/presentationml/2006/main">
+  <p:cSld>
+    <p:spTree>
+      <p:nvGrpSpPr>
+        <p:cNvPr id="1" name=""/>
+        <p:cNvGrpSpPr/>
+        <p:nvPr/>
+      </p:nvGrpSpPr>
+      <p:grpSpPr>
+        <a:xfrm>
+          <a:off x="0" y="0"/>
+          <a:ext cx="0" cy="0"/>
+          <a:chOff x="0" y="0"/>
+          <a:chExt cx="0" cy="0"/>
+        </a:xfrm>
+      </p:grpSpPr>
+      <p:sp>
+        <p:nvSpPr>
+          <p:cNvPr id="2" name="슬라이드 이미지 개체 틀 1"/>
+          <p:cNvSpPr>
+            <a:spLocks noGrp="1" noRot="1" noChangeAspect="1"/>
+          </p:cNvSpPr>
+          <p:nvPr>
+            <p:ph type="sldImg"/>
+          </p:nvPr>
+        </p:nvSpPr>
+        <p:spPr/>
+      </p:sp>
+      <p:sp>
+        <p:nvSpPr>
+          <p:cNvPr id="3" name="슬라이드 노트 개체 틀 2"/>
+          <p:cNvSpPr>
+            <a:spLocks noGrp="1"/>
+          </p:cNvSpPr>
+          <p:nvPr>
+            <p:ph type="body" idx="1"/>
+          </p:nvPr>
+        </p:nvSpPr>
+        <p:spPr/>
+        <p:txBody>
+          <a:bodyPr>
+            <a:normAutofit/>
+          </a:bodyPr>
+          <a:lstStyle/>
+          <a:p>
+            <a:endParaRPr lang="ko-KR" altLang="en-US" dirty="0"/>
+          </a:p>
+        </p:txBody>
+      </p:sp>
+      <p:sp>
+        <p:nvSpPr>
+          <p:cNvPr id="4" name="슬라이드 번호 개체 틀 3"/>
+          <p:cNvSpPr>
+            <a:spLocks noGrp="1"/>
+          </p:cNvSpPr>
+          <p:nvPr>
+            <p:ph type="sldNum" sz="quarter" idx="10"/>
+          </p:nvPr>
+        </p:nvSpPr>
+        <p:spPr/>
+        <p:txBody>
+          <a:bodyPr/>
+          <a:lstStyle/>
+          <a:p>
+            <a:fld id="{5881E364-06B5-4996-B568-499AD81460E6}" type="slidenum">
+              <a:rPr lang="ko-KR" altLang="en-US" smtClean="0"/>
+              <a:pPr/>
+              <a:t>3</a:t>
+            </a:fld>
+            <a:endParaRPr lang="ko-KR" altLang="en-US"/>
+          </a:p>
+        </p:txBody>
+      </p:sp>
+    </p:spTree>
+  </p:cSld>
+  <p:clrMapOvr>
+    <a:masterClrMapping/>
+  </p:clrMapOvr>
+</p:notes>
+</file>
+
 <file path=ppt/slideLayouts/slideLayout1.xml><?xml version="1.0" encoding="utf-8"?>
 <p:sldLayout xmlns:a="http://schemas.openxmlformats.org/drawingml/2006/main" xmlns:r="http://schemas.openxmlformats.org/officeDocument/2006/relationships" xmlns:p="http://schemas.openxmlformats.org/presentationml/2006/main" type="title" preserve="1">
   <p:cSld name="제목 슬라이드">
@@ -288,7 +806,8 @@
           <a:p>
             <a:fld id="{823895E5-2D2B-4236-AC77-BC0599642604}" type="datetimeFigureOut">
               <a:rPr lang="ko-KR" altLang="en-US" smtClean="0"/>
-              <a:t>2020-06-20</a:t>
+              <a:pPr/>
+              <a:t>2020-06-21</a:t>
             </a:fld>
             <a:endParaRPr lang="ko-KR" altLang="en-US"/>
           </a:p>
@@ -330,6 +849,7 @@
           <a:p>
             <a:fld id="{11C73845-9167-4E11-A3B3-5E0A271FF9AB}" type="slidenum">
               <a:rPr lang="ko-KR" altLang="en-US" smtClean="0"/>
+              <a:pPr/>
               <a:t>‹#›</a:t>
             </a:fld>
             <a:endParaRPr lang="ko-KR" altLang="en-US"/>
@@ -453,7 +973,8 @@
           <a:p>
             <a:fld id="{823895E5-2D2B-4236-AC77-BC0599642604}" type="datetimeFigureOut">
               <a:rPr lang="ko-KR" altLang="en-US" smtClean="0"/>
-              <a:t>2020-06-20</a:t>
+              <a:pPr/>
+              <a:t>2020-06-21</a:t>
             </a:fld>
             <a:endParaRPr lang="ko-KR" altLang="en-US"/>
           </a:p>
@@ -495,6 +1016,7 @@
           <a:p>
             <a:fld id="{11C73845-9167-4E11-A3B3-5E0A271FF9AB}" type="slidenum">
               <a:rPr lang="ko-KR" altLang="en-US" smtClean="0"/>
+              <a:pPr/>
               <a:t>‹#›</a:t>
             </a:fld>
             <a:endParaRPr lang="ko-KR" altLang="en-US"/>
@@ -628,7 +1150,8 @@
           <a:p>
             <a:fld id="{823895E5-2D2B-4236-AC77-BC0599642604}" type="datetimeFigureOut">
               <a:rPr lang="ko-KR" altLang="en-US" smtClean="0"/>
-              <a:t>2020-06-20</a:t>
+              <a:pPr/>
+              <a:t>2020-06-21</a:t>
             </a:fld>
             <a:endParaRPr lang="ko-KR" altLang="en-US"/>
           </a:p>
@@ -670,6 +1193,7 @@
           <a:p>
             <a:fld id="{11C73845-9167-4E11-A3B3-5E0A271FF9AB}" type="slidenum">
               <a:rPr lang="ko-KR" altLang="en-US" smtClean="0"/>
+              <a:pPr/>
               <a:t>‹#›</a:t>
             </a:fld>
             <a:endParaRPr lang="ko-KR" altLang="en-US"/>
@@ -793,7 +1317,8 @@
           <a:p>
             <a:fld id="{823895E5-2D2B-4236-AC77-BC0599642604}" type="datetimeFigureOut">
               <a:rPr lang="ko-KR" altLang="en-US" smtClean="0"/>
-              <a:t>2020-06-20</a:t>
+              <a:pPr/>
+              <a:t>2020-06-21</a:t>
             </a:fld>
             <a:endParaRPr lang="ko-KR" altLang="en-US"/>
           </a:p>
@@ -835,6 +1360,7 @@
           <a:p>
             <a:fld id="{11C73845-9167-4E11-A3B3-5E0A271FF9AB}" type="slidenum">
               <a:rPr lang="ko-KR" altLang="en-US" smtClean="0"/>
+              <a:pPr/>
               <a:t>‹#›</a:t>
             </a:fld>
             <a:endParaRPr lang="ko-KR" altLang="en-US"/>
@@ -1034,7 +1560,8 @@
           <a:p>
             <a:fld id="{823895E5-2D2B-4236-AC77-BC0599642604}" type="datetimeFigureOut">
               <a:rPr lang="ko-KR" altLang="en-US" smtClean="0"/>
-              <a:t>2020-06-20</a:t>
+              <a:pPr/>
+              <a:t>2020-06-21</a:t>
             </a:fld>
             <a:endParaRPr lang="ko-KR" altLang="en-US"/>
           </a:p>
@@ -1076,6 +1603,7 @@
           <a:p>
             <a:fld id="{11C73845-9167-4E11-A3B3-5E0A271FF9AB}" type="slidenum">
               <a:rPr lang="ko-KR" altLang="en-US" smtClean="0"/>
+              <a:pPr/>
               <a:t>‹#›</a:t>
             </a:fld>
             <a:endParaRPr lang="ko-KR" altLang="en-US"/>
@@ -1317,7 +1845,8 @@
           <a:p>
             <a:fld id="{823895E5-2D2B-4236-AC77-BC0599642604}" type="datetimeFigureOut">
               <a:rPr lang="ko-KR" altLang="en-US" smtClean="0"/>
-              <a:t>2020-06-20</a:t>
+              <a:pPr/>
+              <a:t>2020-06-21</a:t>
             </a:fld>
             <a:endParaRPr lang="ko-KR" altLang="en-US"/>
           </a:p>
@@ -1359,6 +1888,7 @@
           <a:p>
             <a:fld id="{11C73845-9167-4E11-A3B3-5E0A271FF9AB}" type="slidenum">
               <a:rPr lang="ko-KR" altLang="en-US" smtClean="0"/>
+              <a:pPr/>
               <a:t>‹#›</a:t>
             </a:fld>
             <a:endParaRPr lang="ko-KR" altLang="en-US"/>
@@ -1734,7 +2264,8 @@
           <a:p>
             <a:fld id="{823895E5-2D2B-4236-AC77-BC0599642604}" type="datetimeFigureOut">
               <a:rPr lang="ko-KR" altLang="en-US" smtClean="0"/>
-              <a:t>2020-06-20</a:t>
+              <a:pPr/>
+              <a:t>2020-06-21</a:t>
             </a:fld>
             <a:endParaRPr lang="ko-KR" altLang="en-US"/>
           </a:p>
@@ -1776,6 +2307,7 @@
           <a:p>
             <a:fld id="{11C73845-9167-4E11-A3B3-5E0A271FF9AB}" type="slidenum">
               <a:rPr lang="ko-KR" altLang="en-US" smtClean="0"/>
+              <a:pPr/>
               <a:t>‹#›</a:t>
             </a:fld>
             <a:endParaRPr lang="ko-KR" altLang="en-US"/>
@@ -1847,7 +2379,8 @@
           <a:p>
             <a:fld id="{823895E5-2D2B-4236-AC77-BC0599642604}" type="datetimeFigureOut">
               <a:rPr lang="ko-KR" altLang="en-US" smtClean="0"/>
-              <a:t>2020-06-20</a:t>
+              <a:pPr/>
+              <a:t>2020-06-21</a:t>
             </a:fld>
             <a:endParaRPr lang="ko-KR" altLang="en-US"/>
           </a:p>
@@ -1889,6 +2422,7 @@
           <a:p>
             <a:fld id="{11C73845-9167-4E11-A3B3-5E0A271FF9AB}" type="slidenum">
               <a:rPr lang="ko-KR" altLang="en-US" smtClean="0"/>
+              <a:pPr/>
               <a:t>‹#›</a:t>
             </a:fld>
             <a:endParaRPr lang="ko-KR" altLang="en-US"/>
@@ -1937,7 +2471,8 @@
           <a:p>
             <a:fld id="{823895E5-2D2B-4236-AC77-BC0599642604}" type="datetimeFigureOut">
               <a:rPr lang="ko-KR" altLang="en-US" smtClean="0"/>
-              <a:t>2020-06-20</a:t>
+              <a:pPr/>
+              <a:t>2020-06-21</a:t>
             </a:fld>
             <a:endParaRPr lang="ko-KR" altLang="en-US"/>
           </a:p>
@@ -1979,6 +2514,7 @@
           <a:p>
             <a:fld id="{11C73845-9167-4E11-A3B3-5E0A271FF9AB}" type="slidenum">
               <a:rPr lang="ko-KR" altLang="en-US" smtClean="0"/>
+              <a:pPr/>
               <a:t>‹#›</a:t>
             </a:fld>
             <a:endParaRPr lang="ko-KR" altLang="en-US"/>
@@ -2209,7 +2745,8 @@
           <a:p>
             <a:fld id="{823895E5-2D2B-4236-AC77-BC0599642604}" type="datetimeFigureOut">
               <a:rPr lang="ko-KR" altLang="en-US" smtClean="0"/>
-              <a:t>2020-06-20</a:t>
+              <a:pPr/>
+              <a:t>2020-06-21</a:t>
             </a:fld>
             <a:endParaRPr lang="ko-KR" altLang="en-US"/>
           </a:p>
@@ -2251,6 +2788,7 @@
           <a:p>
             <a:fld id="{11C73845-9167-4E11-A3B3-5E0A271FF9AB}" type="slidenum">
               <a:rPr lang="ko-KR" altLang="en-US" smtClean="0"/>
+              <a:pPr/>
               <a:t>‹#›</a:t>
             </a:fld>
             <a:endParaRPr lang="ko-KR" altLang="en-US"/>
@@ -2457,7 +2995,8 @@
           <a:p>
             <a:fld id="{823895E5-2D2B-4236-AC77-BC0599642604}" type="datetimeFigureOut">
               <a:rPr lang="ko-KR" altLang="en-US" smtClean="0"/>
-              <a:t>2020-06-20</a:t>
+              <a:pPr/>
+              <a:t>2020-06-21</a:t>
             </a:fld>
             <a:endParaRPr lang="ko-KR" altLang="en-US"/>
           </a:p>
@@ -2499,6 +3038,7 @@
           <a:p>
             <a:fld id="{11C73845-9167-4E11-A3B3-5E0A271FF9AB}" type="slidenum">
               <a:rPr lang="ko-KR" altLang="en-US" smtClean="0"/>
+              <a:pPr/>
               <a:t>‹#›</a:t>
             </a:fld>
             <a:endParaRPr lang="ko-KR" altLang="en-US"/>
@@ -2665,7 +3205,8 @@
           <a:p>
             <a:fld id="{823895E5-2D2B-4236-AC77-BC0599642604}" type="datetimeFigureOut">
               <a:rPr lang="ko-KR" altLang="en-US" smtClean="0"/>
-              <a:t>2020-06-20</a:t>
+              <a:pPr/>
+              <a:t>2020-06-21</a:t>
             </a:fld>
             <a:endParaRPr lang="ko-KR" altLang="en-US"/>
           </a:p>
@@ -2743,6 +3284,7 @@
           <a:p>
             <a:fld id="{11C73845-9167-4E11-A3B3-5E0A271FF9AB}" type="slidenum">
               <a:rPr lang="ko-KR" altLang="en-US" smtClean="0"/>
+              <a:pPr/>
               <a:t>‹#›</a:t>
             </a:fld>
             <a:endParaRPr lang="ko-KR" altLang="en-US"/>
@@ -3058,7 +3600,7 @@
             <p:nvPr/>
           </p:nvPicPr>
           <p:blipFill>
-            <a:blip r:embed="rId2">
+            <a:blip r:embed="rId2" cstate="print">
               <a:grayscl/>
             </a:blip>
             <a:srcRect/>
@@ -3086,7 +3628,7 @@
             <p:nvPr/>
           </p:nvPicPr>
           <p:blipFill>
-            <a:blip r:embed="rId3">
+            <a:blip r:embed="rId3" cstate="print">
               <a:clrChange>
                 <a:clrFrom>
                   <a:srgbClr val="FFFFFF"/>
@@ -3351,7 +3893,7 @@
             <a:avLst/>
           </a:prstGeom>
           <a:blipFill>
-            <a:blip r:embed="rId4"/>
+            <a:blip r:embed="rId4" cstate="print"/>
             <a:stretch>
               <a:fillRect/>
             </a:stretch>
@@ -3477,7 +4019,7 @@
             <a:avLst/>
           </a:prstGeom>
           <a:blipFill>
-            <a:blip r:embed="rId4"/>
+            <a:blip r:embed="rId4" cstate="print"/>
             <a:stretch>
               <a:fillRect/>
             </a:stretch>
@@ -3603,7 +4145,7 @@
             <a:avLst/>
           </a:prstGeom>
           <a:blipFill>
-            <a:blip r:embed="rId4"/>
+            <a:blip r:embed="rId4" cstate="print"/>
             <a:stretch>
               <a:fillRect/>
             </a:stretch>
@@ -3732,7 +4274,7 @@
             <a:avLst/>
           </a:prstGeom>
           <a:blipFill>
-            <a:blip r:embed="rId4"/>
+            <a:blip r:embed="rId4" cstate="print"/>
             <a:stretch>
               <a:fillRect/>
             </a:stretch>
@@ -3855,6 +4397,1105 @@
       </p:par>
     </p:tnLst>
   </p:timing>
+</p:sld>
+</file>
+
+<file path=ppt/slides/slide2.xml><?xml version="1.0" encoding="utf-8"?>
+<p:sld xmlns:a="http://schemas.openxmlformats.org/drawingml/2006/main" xmlns:r="http://schemas.openxmlformats.org/officeDocument/2006/relationships" xmlns:p="http://schemas.openxmlformats.org/presentationml/2006/main">
+  <p:cSld>
+    <p:spTree>
+      <p:nvGrpSpPr>
+        <p:cNvPr id="1" name=""/>
+        <p:cNvGrpSpPr/>
+        <p:nvPr/>
+      </p:nvGrpSpPr>
+      <p:grpSpPr>
+        <a:xfrm>
+          <a:off x="0" y="0"/>
+          <a:ext cx="0" cy="0"/>
+          <a:chOff x="0" y="0"/>
+          <a:chExt cx="0" cy="0"/>
+        </a:xfrm>
+      </p:grpSpPr>
+      <p:sp>
+        <p:nvSpPr>
+          <p:cNvPr id="4" name="직사각형 3"/>
+          <p:cNvSpPr/>
+          <p:nvPr/>
+        </p:nvSpPr>
+        <p:spPr>
+          <a:xfrm>
+            <a:off x="179512" y="476672"/>
+            <a:ext cx="8640000" cy="5760000"/>
+          </a:xfrm>
+          <a:prstGeom prst="rect">
+            <a:avLst/>
+          </a:prstGeom>
+          <a:blipFill>
+            <a:blip r:embed="rId3" cstate="print"/>
+            <a:stretch>
+              <a:fillRect/>
+            </a:stretch>
+          </a:blipFill>
+          <a:ln>
+            <a:noFill/>
+          </a:ln>
+          <a:effectLst>
+            <a:outerShdw blurRad="63500" sx="102000" sy="102000" algn="ctr" rotWithShape="0">
+              <a:prstClr val="black">
+                <a:alpha val="40000"/>
+              </a:prstClr>
+            </a:outerShdw>
+          </a:effectLst>
+          <a:scene3d>
+            <a:camera prst="orthographicFront"/>
+            <a:lightRig rig="threePt" dir="t"/>
+          </a:scene3d>
+          <a:sp3d>
+            <a:bevelT prst="convex"/>
+          </a:sp3d>
+        </p:spPr>
+        <p:style>
+          <a:lnRef idx="2">
+            <a:schemeClr val="accent1">
+              <a:shade val="50000"/>
+            </a:schemeClr>
+          </a:lnRef>
+          <a:fillRef idx="1">
+            <a:schemeClr val="accent1"/>
+          </a:fillRef>
+          <a:effectRef idx="0">
+            <a:schemeClr val="accent1"/>
+          </a:effectRef>
+          <a:fontRef idx="minor">
+            <a:schemeClr val="lt1"/>
+          </a:fontRef>
+        </p:style>
+        <p:txBody>
+          <a:bodyPr rtlCol="0" anchor="ctr">
+            <a:scene3d>
+              <a:camera prst="orthographicFront"/>
+              <a:lightRig rig="brightRoom" dir="t"/>
+            </a:scene3d>
+            <a:sp3d contourW="6350" prstMaterial="plastic">
+              <a:bevelT w="20320" h="20320" prst="angle"/>
+              <a:contourClr>
+                <a:schemeClr val="accent1">
+                  <a:tint val="100000"/>
+                  <a:shade val="100000"/>
+                  <a:hueMod val="100000"/>
+                  <a:satMod val="100000"/>
+                </a:schemeClr>
+              </a:contourClr>
+            </a:sp3d>
+          </a:bodyPr>
+          <a:lstStyle/>
+          <a:p>
+            <a:pPr algn="ctr"/>
+            <a:r>
+              <a:rPr lang="ko-KR" altLang="en-US" sz="10000" b="1" cap="all" dirty="0" smtClean="0">
+                <a:ln/>
+                <a:solidFill>
+                  <a:schemeClr val="accent1"/>
+                </a:solidFill>
+                <a:effectLst>
+                  <a:outerShdw blurRad="19685" dist="12700" dir="5400000" algn="tl" rotWithShape="0">
+                    <a:schemeClr val="accent1">
+                      <a:satMod val="130000"/>
+                      <a:alpha val="60000"/>
+                    </a:schemeClr>
+                  </a:outerShdw>
+                  <a:reflection blurRad="10000" stA="55000" endPos="48000" dist="500" dir="5400000" sy="-100000" algn="bl" rotWithShape="0"/>
+                </a:effectLst>
+              </a:rPr>
+              <a:t>아직 </a:t>
+            </a:r>
+            <a:endParaRPr lang="en-US" altLang="ko-KR" sz="10000" b="1" cap="all" dirty="0" smtClean="0">
+              <a:ln/>
+              <a:solidFill>
+                <a:schemeClr val="accent1"/>
+              </a:solidFill>
+              <a:effectLst>
+                <a:outerShdw blurRad="19685" dist="12700" dir="5400000" algn="tl" rotWithShape="0">
+                  <a:schemeClr val="accent1">
+                    <a:satMod val="130000"/>
+                    <a:alpha val="60000"/>
+                  </a:schemeClr>
+                </a:outerShdw>
+                <a:reflection blurRad="10000" stA="55000" endPos="48000" dist="500" dir="5400000" sy="-100000" algn="bl" rotWithShape="0"/>
+              </a:effectLst>
+            </a:endParaRPr>
+          </a:p>
+          <a:p>
+            <a:pPr algn="ctr"/>
+            <a:r>
+              <a:rPr lang="ko-KR" altLang="en-US" sz="10000" b="1" cap="all" dirty="0" smtClean="0">
+                <a:ln/>
+                <a:solidFill>
+                  <a:schemeClr val="accent1"/>
+                </a:solidFill>
+                <a:effectLst>
+                  <a:outerShdw blurRad="19685" dist="12700" dir="5400000" algn="tl" rotWithShape="0">
+                    <a:schemeClr val="accent1">
+                      <a:satMod val="130000"/>
+                      <a:alpha val="60000"/>
+                    </a:schemeClr>
+                  </a:outerShdw>
+                  <a:reflection blurRad="10000" stA="55000" endPos="48000" dist="500" dir="5400000" sy="-100000" algn="bl" rotWithShape="0"/>
+                </a:effectLst>
+              </a:rPr>
+              <a:t>미완성입니다</a:t>
+            </a:r>
+            <a:r>
+              <a:rPr lang="en-US" altLang="ko-KR" sz="10000" b="1" cap="all" dirty="0" smtClean="0">
+                <a:ln/>
+                <a:solidFill>
+                  <a:schemeClr val="accent1"/>
+                </a:solidFill>
+                <a:effectLst>
+                  <a:outerShdw blurRad="19685" dist="12700" dir="5400000" algn="tl" rotWithShape="0">
+                    <a:schemeClr val="accent1">
+                      <a:satMod val="130000"/>
+                      <a:alpha val="60000"/>
+                    </a:schemeClr>
+                  </a:outerShdw>
+                  <a:reflection blurRad="10000" stA="55000" endPos="48000" dist="500" dir="5400000" sy="-100000" algn="bl" rotWithShape="0"/>
+                </a:effectLst>
+              </a:rPr>
+              <a:t>.</a:t>
+            </a:r>
+            <a:endParaRPr lang="ko-KR" altLang="en-US" sz="10000" b="1" cap="all" dirty="0" smtClean="0">
+              <a:ln/>
+              <a:solidFill>
+                <a:schemeClr val="accent1"/>
+              </a:solidFill>
+              <a:effectLst>
+                <a:outerShdw blurRad="19685" dist="12700" dir="5400000" algn="tl" rotWithShape="0">
+                  <a:schemeClr val="accent1">
+                    <a:satMod val="130000"/>
+                    <a:alpha val="60000"/>
+                  </a:schemeClr>
+                </a:outerShdw>
+                <a:reflection blurRad="10000" stA="55000" endPos="48000" dist="500" dir="5400000" sy="-100000" algn="bl" rotWithShape="0"/>
+              </a:effectLst>
+            </a:endParaRPr>
+          </a:p>
+        </p:txBody>
+      </p:sp>
+      <p:sp>
+        <p:nvSpPr>
+          <p:cNvPr id="3" name="직사각형 2"/>
+          <p:cNvSpPr/>
+          <p:nvPr/>
+        </p:nvSpPr>
+        <p:spPr>
+          <a:xfrm>
+            <a:off x="6588224" y="692696"/>
+            <a:ext cx="1944000" cy="504000"/>
+          </a:xfrm>
+          <a:prstGeom prst="rect">
+            <a:avLst/>
+          </a:prstGeom>
+          <a:blipFill>
+            <a:blip r:embed="rId3" cstate="print"/>
+            <a:stretch>
+              <a:fillRect/>
+            </a:stretch>
+          </a:blipFill>
+          <a:ln>
+            <a:noFill/>
+          </a:ln>
+          <a:effectLst>
+            <a:outerShdw blurRad="63500" sx="102000" sy="102000" algn="ctr" rotWithShape="0">
+              <a:prstClr val="black">
+                <a:alpha val="40000"/>
+              </a:prstClr>
+            </a:outerShdw>
+          </a:effectLst>
+          <a:scene3d>
+            <a:camera prst="orthographicFront"/>
+            <a:lightRig rig="threePt" dir="t"/>
+          </a:scene3d>
+          <a:sp3d>
+            <a:bevelT prst="convex"/>
+          </a:sp3d>
+        </p:spPr>
+        <p:style>
+          <a:lnRef idx="2">
+            <a:schemeClr val="accent1">
+              <a:shade val="50000"/>
+            </a:schemeClr>
+          </a:lnRef>
+          <a:fillRef idx="1">
+            <a:schemeClr val="accent1"/>
+          </a:fillRef>
+          <a:effectRef idx="0">
+            <a:schemeClr val="accent1"/>
+          </a:effectRef>
+          <a:fontRef idx="minor">
+            <a:schemeClr val="lt1"/>
+          </a:fontRef>
+        </p:style>
+        <p:txBody>
+          <a:bodyPr rtlCol="0" anchor="ctr">
+            <a:scene3d>
+              <a:camera prst="orthographicFront"/>
+              <a:lightRig rig="soft" dir="tl">
+                <a:rot lat="0" lon="0" rev="0"/>
+              </a:lightRig>
+            </a:scene3d>
+            <a:sp3d contourW="25400" prstMaterial="matte">
+              <a:bevelT w="25400" h="55880" prst="artDeco"/>
+              <a:contourClr>
+                <a:schemeClr val="accent2">
+                  <a:tint val="20000"/>
+                </a:schemeClr>
+              </a:contourClr>
+            </a:sp3d>
+          </a:bodyPr>
+          <a:lstStyle/>
+          <a:p>
+            <a:pPr algn="ctr"/>
+            <a:r>
+              <a:rPr lang="ko-KR" altLang="en-US" b="1" spc="50" dirty="0" smtClean="0">
+                <a:ln w="11430">
+                  <a:solidFill>
+                    <a:srgbClr val="00B050"/>
+                  </a:solidFill>
+                </a:ln>
+                <a:solidFill>
+                  <a:srgbClr val="00B050"/>
+                </a:solidFill>
+                <a:effectLst>
+                  <a:glow rad="228600">
+                    <a:schemeClr val="accent6">
+                      <a:satMod val="175000"/>
+                      <a:alpha val="40000"/>
+                    </a:schemeClr>
+                  </a:glow>
+                  <a:outerShdw blurRad="50800" dist="38100" dir="2700000" algn="tl" rotWithShape="0">
+                    <a:prstClr val="black">
+                      <a:alpha val="40000"/>
+                    </a:prstClr>
+                  </a:outerShdw>
+                </a:effectLst>
+              </a:rPr>
+              <a:t>돌아 가기</a:t>
+            </a:r>
+            <a:endParaRPr lang="ko-KR" altLang="en-US" b="1" spc="50" dirty="0">
+              <a:ln w="11430">
+                <a:solidFill>
+                  <a:srgbClr val="00B050"/>
+                </a:solidFill>
+              </a:ln>
+              <a:solidFill>
+                <a:srgbClr val="00B050"/>
+              </a:solidFill>
+              <a:effectLst>
+                <a:glow rad="228600">
+                  <a:schemeClr val="accent6">
+                    <a:satMod val="175000"/>
+                    <a:alpha val="40000"/>
+                  </a:schemeClr>
+                </a:glow>
+                <a:outerShdw blurRad="50800" dist="38100" dir="2700000" algn="tl" rotWithShape="0">
+                  <a:prstClr val="black">
+                    <a:alpha val="40000"/>
+                  </a:prstClr>
+                </a:outerShdw>
+              </a:effectLst>
+            </a:endParaRPr>
+          </a:p>
+        </p:txBody>
+      </p:sp>
+    </p:spTree>
+  </p:cSld>
+  <p:clrMapOvr>
+    <a:masterClrMapping/>
+  </p:clrMapOvr>
+</p:sld>
+</file>
+
+<file path=ppt/slides/slide3.xml><?xml version="1.0" encoding="utf-8"?>
+<p:sld xmlns:a="http://schemas.openxmlformats.org/drawingml/2006/main" xmlns:r="http://schemas.openxmlformats.org/officeDocument/2006/relationships" xmlns:p="http://schemas.openxmlformats.org/presentationml/2006/main">
+  <p:cSld>
+    <p:spTree>
+      <p:nvGrpSpPr>
+        <p:cNvPr id="1" name=""/>
+        <p:cNvGrpSpPr/>
+        <p:nvPr/>
+      </p:nvGrpSpPr>
+      <p:grpSpPr>
+        <a:xfrm>
+          <a:off x="0" y="0"/>
+          <a:ext cx="0" cy="0"/>
+          <a:chOff x="0" y="0"/>
+          <a:chExt cx="0" cy="0"/>
+        </a:xfrm>
+      </p:grpSpPr>
+      <p:grpSp>
+        <p:nvGrpSpPr>
+          <p:cNvPr id="16" name="그룹 15"/>
+          <p:cNvGrpSpPr/>
+          <p:nvPr/>
+        </p:nvGrpSpPr>
+        <p:grpSpPr>
+          <a:xfrm>
+            <a:off x="323528" y="620688"/>
+            <a:ext cx="8640000" cy="5797664"/>
+            <a:chOff x="323528" y="548680"/>
+            <a:chExt cx="8640000" cy="5797664"/>
+          </a:xfrm>
+        </p:grpSpPr>
+        <p:pic>
+          <p:nvPicPr>
+            <p:cNvPr id="1030" name="Picture 6" descr="C:\Users\ediso\AppData\Local\Microsoft\Windows\INetCache\IE\Y7GHTHUT\1200px-AFC_Champions_League_Final_1st_leg[1].jpg"/>
+            <p:cNvPicPr preferRelativeResize="0">
+              <a:picLocks noChangeArrowheads="1"/>
+            </p:cNvPicPr>
+            <p:nvPr/>
+          </p:nvPicPr>
+          <p:blipFill>
+            <a:blip r:embed="rId3" cstate="print">
+              <a:duotone>
+                <a:prstClr val="black"/>
+                <a:schemeClr val="accent5">
+                  <a:tint val="45000"/>
+                  <a:satMod val="400000"/>
+                </a:schemeClr>
+              </a:duotone>
+            </a:blip>
+            <a:srcRect/>
+            <a:stretch>
+              <a:fillRect/>
+            </a:stretch>
+          </p:blipFill>
+          <p:spPr bwMode="auto">
+            <a:xfrm>
+              <a:off x="323528" y="548680"/>
+              <a:ext cx="8640000" cy="5760000"/>
+            </a:xfrm>
+            <a:prstGeom prst="rect">
+              <a:avLst/>
+            </a:prstGeom>
+            <a:noFill/>
+          </p:spPr>
+        </p:pic>
+        <p:sp>
+          <p:nvSpPr>
+            <p:cNvPr id="7" name="직사각형 6"/>
+            <p:cNvSpPr/>
+            <p:nvPr/>
+          </p:nvSpPr>
+          <p:spPr>
+            <a:xfrm>
+              <a:off x="647056" y="809328"/>
+              <a:ext cx="5760640" cy="720000"/>
+            </a:xfrm>
+            <a:prstGeom prst="rect">
+              <a:avLst/>
+            </a:prstGeom>
+            <a:solidFill>
+              <a:schemeClr val="accent5">
+                <a:lumMod val="40000"/>
+                <a:lumOff val="60000"/>
+                <a:alpha val="40000"/>
+              </a:schemeClr>
+            </a:solidFill>
+            <a:ln>
+              <a:solidFill>
+                <a:srgbClr val="92D050"/>
+              </a:solidFill>
+              <a:prstDash val="solid"/>
+            </a:ln>
+            <a:effectLst>
+              <a:outerShdw blurRad="63500" sx="102000" sy="102000" algn="ctr" rotWithShape="0">
+                <a:prstClr val="black">
+                  <a:alpha val="40000"/>
+                </a:prstClr>
+              </a:outerShdw>
+            </a:effectLst>
+            <a:scene3d>
+              <a:camera prst="orthographicFront"/>
+              <a:lightRig rig="threePt" dir="t"/>
+            </a:scene3d>
+            <a:sp3d/>
+          </p:spPr>
+          <p:style>
+            <a:lnRef idx="2">
+              <a:schemeClr val="accent1">
+                <a:shade val="50000"/>
+              </a:schemeClr>
+            </a:lnRef>
+            <a:fillRef idx="1">
+              <a:schemeClr val="accent1"/>
+            </a:fillRef>
+            <a:effectRef idx="0">
+              <a:schemeClr val="accent1"/>
+            </a:effectRef>
+            <a:fontRef idx="minor">
+              <a:schemeClr val="lt1"/>
+            </a:fontRef>
+          </p:style>
+          <p:txBody>
+            <a:bodyPr rtlCol="0" anchor="ctr">
+              <a:scene3d>
+                <a:camera prst="orthographicFront">
+                  <a:rot lat="0" lon="0" rev="0"/>
+                </a:camera>
+                <a:lightRig rig="glow" dir="t">
+                  <a:rot lat="0" lon="0" rev="3600000"/>
+                </a:lightRig>
+              </a:scene3d>
+              <a:sp3d prstMaterial="softEdge">
+                <a:bevelT w="29210" h="16510"/>
+                <a:contourClr>
+                  <a:schemeClr val="accent4">
+                    <a:alpha val="95000"/>
+                  </a:schemeClr>
+                </a:contourClr>
+              </a:sp3d>
+            </a:bodyPr>
+            <a:lstStyle/>
+            <a:p>
+              <a:pPr algn="ctr"/>
+              <a:r>
+                <a:rPr lang="ko-KR" altLang="en-US" sz="3000" b="1" dirty="0" smtClean="0">
+                  <a:ln>
+                    <a:solidFill>
+                      <a:schemeClr val="accent2">
+                        <a:lumMod val="50000"/>
+                      </a:schemeClr>
+                    </a:solidFill>
+                    <a:prstDash val="solid"/>
+                  </a:ln>
+                  <a:gradFill rotWithShape="1">
+                    <a:gsLst>
+                      <a:gs pos="0">
+                        <a:schemeClr val="accent4">
+                          <a:tint val="70000"/>
+                          <a:satMod val="200000"/>
+                        </a:schemeClr>
+                      </a:gs>
+                      <a:gs pos="40000">
+                        <a:schemeClr val="accent4">
+                          <a:tint val="90000"/>
+                          <a:satMod val="130000"/>
+                        </a:schemeClr>
+                      </a:gs>
+                      <a:gs pos="50000">
+                        <a:schemeClr val="accent4">
+                          <a:tint val="90000"/>
+                          <a:satMod val="130000"/>
+                        </a:schemeClr>
+                      </a:gs>
+                      <a:gs pos="68000">
+                        <a:schemeClr val="accent4">
+                          <a:tint val="90000"/>
+                          <a:satMod val="130000"/>
+                        </a:schemeClr>
+                      </a:gs>
+                      <a:gs pos="100000">
+                        <a:schemeClr val="accent4">
+                          <a:tint val="70000"/>
+                          <a:satMod val="200000"/>
+                        </a:schemeClr>
+                      </a:gs>
+                    </a:gsLst>
+                    <a:lin ang="5400000"/>
+                  </a:gradFill>
+                  <a:effectLst>
+                    <a:glow rad="139700">
+                      <a:schemeClr val="accent3">
+                        <a:satMod val="175000"/>
+                        <a:alpha val="40000"/>
+                      </a:schemeClr>
+                    </a:glow>
+                    <a:outerShdw blurRad="88000" dist="50800" dir="5040000" algn="tl">
+                      <a:schemeClr val="accent4">
+                        <a:tint val="80000"/>
+                        <a:satMod val="250000"/>
+                        <a:alpha val="45000"/>
+                      </a:schemeClr>
+                    </a:outerShdw>
+                  </a:effectLst>
+                </a:rPr>
+                <a:t>저장된 게임 선택</a:t>
+              </a:r>
+              <a:endParaRPr lang="ko-KR" altLang="en-US" sz="3000" b="1" dirty="0" smtClean="0">
+                <a:ln>
+                  <a:solidFill>
+                    <a:schemeClr val="accent2">
+                      <a:lumMod val="50000"/>
+                    </a:schemeClr>
+                  </a:solidFill>
+                  <a:prstDash val="solid"/>
+                </a:ln>
+                <a:gradFill rotWithShape="1">
+                  <a:gsLst>
+                    <a:gs pos="0">
+                      <a:schemeClr val="accent4">
+                        <a:tint val="70000"/>
+                        <a:satMod val="200000"/>
+                      </a:schemeClr>
+                    </a:gs>
+                    <a:gs pos="40000">
+                      <a:schemeClr val="accent4">
+                        <a:tint val="90000"/>
+                        <a:satMod val="130000"/>
+                      </a:schemeClr>
+                    </a:gs>
+                    <a:gs pos="50000">
+                      <a:schemeClr val="accent4">
+                        <a:tint val="90000"/>
+                        <a:satMod val="130000"/>
+                      </a:schemeClr>
+                    </a:gs>
+                    <a:gs pos="68000">
+                      <a:schemeClr val="accent4">
+                        <a:tint val="90000"/>
+                        <a:satMod val="130000"/>
+                      </a:schemeClr>
+                    </a:gs>
+                    <a:gs pos="100000">
+                      <a:schemeClr val="accent4">
+                        <a:tint val="70000"/>
+                        <a:satMod val="200000"/>
+                      </a:schemeClr>
+                    </a:gs>
+                  </a:gsLst>
+                  <a:lin ang="5400000"/>
+                </a:gradFill>
+                <a:effectLst>
+                  <a:glow rad="139700">
+                    <a:schemeClr val="accent3">
+                      <a:satMod val="175000"/>
+                      <a:alpha val="40000"/>
+                    </a:schemeClr>
+                  </a:glow>
+                  <a:outerShdw blurRad="88000" dist="50800" dir="5040000" algn="tl">
+                    <a:schemeClr val="accent4">
+                      <a:tint val="80000"/>
+                      <a:satMod val="250000"/>
+                      <a:alpha val="45000"/>
+                    </a:schemeClr>
+                  </a:outerShdw>
+                </a:effectLst>
+              </a:endParaRPr>
+            </a:p>
+          </p:txBody>
+        </p:sp>
+        <p:sp>
+          <p:nvSpPr>
+            <p:cNvPr id="8" name="직사각형 7"/>
+            <p:cNvSpPr/>
+            <p:nvPr/>
+          </p:nvSpPr>
+          <p:spPr>
+            <a:xfrm>
+              <a:off x="647056" y="1745432"/>
+              <a:ext cx="5760640" cy="4392000"/>
+            </a:xfrm>
+            <a:prstGeom prst="rect">
+              <a:avLst/>
+            </a:prstGeom>
+            <a:solidFill>
+              <a:srgbClr val="FFFF00">
+                <a:alpha val="40000"/>
+              </a:srgbClr>
+            </a:solidFill>
+            <a:ln>
+              <a:solidFill>
+                <a:srgbClr val="92D050"/>
+              </a:solidFill>
+              <a:prstDash val="solid"/>
+            </a:ln>
+            <a:effectLst>
+              <a:outerShdw blurRad="63500" sx="102000" sy="102000" algn="ctr" rotWithShape="0">
+                <a:prstClr val="black">
+                  <a:alpha val="40000"/>
+                </a:prstClr>
+              </a:outerShdw>
+            </a:effectLst>
+            <a:scene3d>
+              <a:camera prst="orthographicFront"/>
+              <a:lightRig rig="threePt" dir="t"/>
+            </a:scene3d>
+            <a:sp3d/>
+          </p:spPr>
+          <p:style>
+            <a:lnRef idx="2">
+              <a:schemeClr val="accent1">
+                <a:shade val="50000"/>
+              </a:schemeClr>
+            </a:lnRef>
+            <a:fillRef idx="1">
+              <a:schemeClr val="accent1"/>
+            </a:fillRef>
+            <a:effectRef idx="0">
+              <a:schemeClr val="accent1"/>
+            </a:effectRef>
+            <a:fontRef idx="minor">
+              <a:schemeClr val="lt1"/>
+            </a:fontRef>
+          </p:style>
+          <p:txBody>
+            <a:bodyPr rtlCol="0" anchor="ctr">
+              <a:scene3d>
+                <a:camera prst="orthographicFront"/>
+                <a:lightRig rig="soft" dir="tl">
+                  <a:rot lat="0" lon="0" rev="0"/>
+                </a:lightRig>
+              </a:scene3d>
+              <a:sp3d contourW="25400" prstMaterial="matte">
+                <a:bevelT w="25400" h="55880" prst="artDeco"/>
+                <a:contourClr>
+                  <a:schemeClr val="accent2">
+                    <a:tint val="20000"/>
+                  </a:schemeClr>
+                </a:contourClr>
+              </a:sp3d>
+            </a:bodyPr>
+            <a:lstStyle/>
+            <a:p>
+              <a:pPr algn="ctr"/>
+              <a:endParaRPr lang="ko-KR" altLang="en-US" b="1" spc="50" dirty="0" smtClean="0">
+                <a:ln w="11430">
+                  <a:solidFill>
+                    <a:srgbClr val="00B050"/>
+                  </a:solidFill>
+                </a:ln>
+                <a:solidFill>
+                  <a:srgbClr val="00B050"/>
+                </a:solidFill>
+                <a:effectLst>
+                  <a:glow rad="228600">
+                    <a:schemeClr val="accent6">
+                      <a:satMod val="175000"/>
+                      <a:alpha val="40000"/>
+                    </a:schemeClr>
+                  </a:glow>
+                  <a:outerShdw blurRad="50800" dist="38100" dir="2700000" algn="tl" rotWithShape="0">
+                    <a:prstClr val="black">
+                      <a:alpha val="40000"/>
+                    </a:prstClr>
+                  </a:outerShdw>
+                </a:effectLst>
+              </a:endParaRPr>
+            </a:p>
+          </p:txBody>
+        </p:sp>
+        <p:sp>
+          <p:nvSpPr>
+            <p:cNvPr id="10" name="직사각형 9"/>
+            <p:cNvSpPr/>
+            <p:nvPr/>
+          </p:nvSpPr>
+          <p:spPr>
+            <a:xfrm>
+              <a:off x="791073" y="1889448"/>
+              <a:ext cx="5472608" cy="1224000"/>
+            </a:xfrm>
+            <a:prstGeom prst="rect">
+              <a:avLst/>
+            </a:prstGeom>
+            <a:solidFill>
+              <a:srgbClr val="00B0F0">
+                <a:alpha val="10000"/>
+              </a:srgbClr>
+            </a:solidFill>
+            <a:ln>
+              <a:solidFill>
+                <a:schemeClr val="accent4">
+                  <a:lumMod val="40000"/>
+                  <a:lumOff val="60000"/>
+                </a:schemeClr>
+              </a:solidFill>
+              <a:prstDash val="dash"/>
+            </a:ln>
+            <a:effectLst>
+              <a:outerShdw blurRad="63500" sx="102000" sy="102000" algn="ctr" rotWithShape="0">
+                <a:prstClr val="black">
+                  <a:alpha val="40000"/>
+                </a:prstClr>
+              </a:outerShdw>
+            </a:effectLst>
+            <a:scene3d>
+              <a:camera prst="orthographicFront"/>
+              <a:lightRig rig="threePt" dir="t"/>
+            </a:scene3d>
+            <a:sp3d/>
+          </p:spPr>
+          <p:style>
+            <a:lnRef idx="2">
+              <a:schemeClr val="accent1">
+                <a:shade val="50000"/>
+              </a:schemeClr>
+            </a:lnRef>
+            <a:fillRef idx="1">
+              <a:schemeClr val="accent1"/>
+            </a:fillRef>
+            <a:effectRef idx="0">
+              <a:schemeClr val="accent1"/>
+            </a:effectRef>
+            <a:fontRef idx="minor">
+              <a:schemeClr val="lt1"/>
+            </a:fontRef>
+          </p:style>
+          <p:txBody>
+            <a:bodyPr rtlCol="0" anchor="ctr">
+              <a:scene3d>
+                <a:camera prst="orthographicFront"/>
+                <a:lightRig rig="soft" dir="tl">
+                  <a:rot lat="0" lon="0" rev="0"/>
+                </a:lightRig>
+              </a:scene3d>
+              <a:sp3d contourW="25400" prstMaterial="matte">
+                <a:bevelT w="25400" h="55880" prst="artDeco"/>
+                <a:contourClr>
+                  <a:schemeClr val="accent2">
+                    <a:tint val="20000"/>
+                  </a:schemeClr>
+                </a:contourClr>
+              </a:sp3d>
+            </a:bodyPr>
+            <a:lstStyle/>
+            <a:p>
+              <a:pPr algn="ctr"/>
+              <a:endParaRPr lang="ko-KR" altLang="en-US" b="1" spc="50" dirty="0" smtClean="0">
+                <a:ln w="11430">
+                  <a:solidFill>
+                    <a:srgbClr val="00B050"/>
+                  </a:solidFill>
+                </a:ln>
+                <a:solidFill>
+                  <a:srgbClr val="00B050"/>
+                </a:solidFill>
+                <a:effectLst>
+                  <a:glow rad="228600">
+                    <a:schemeClr val="accent6">
+                      <a:satMod val="175000"/>
+                      <a:alpha val="40000"/>
+                    </a:schemeClr>
+                  </a:glow>
+                  <a:outerShdw blurRad="50800" dist="38100" dir="2700000" algn="tl" rotWithShape="0">
+                    <a:prstClr val="black">
+                      <a:alpha val="40000"/>
+                    </a:prstClr>
+                  </a:outerShdw>
+                </a:effectLst>
+              </a:endParaRPr>
+            </a:p>
+          </p:txBody>
+        </p:sp>
+        <p:sp>
+          <p:nvSpPr>
+            <p:cNvPr id="12" name="직사각형 11"/>
+            <p:cNvSpPr/>
+            <p:nvPr/>
+          </p:nvSpPr>
+          <p:spPr>
+            <a:xfrm>
+              <a:off x="791073" y="3329608"/>
+              <a:ext cx="5472608" cy="1224000"/>
+            </a:xfrm>
+            <a:prstGeom prst="rect">
+              <a:avLst/>
+            </a:prstGeom>
+            <a:solidFill>
+              <a:srgbClr val="00B0F0">
+                <a:alpha val="10000"/>
+              </a:srgbClr>
+            </a:solidFill>
+            <a:ln>
+              <a:solidFill>
+                <a:schemeClr val="accent4">
+                  <a:lumMod val="40000"/>
+                  <a:lumOff val="60000"/>
+                </a:schemeClr>
+              </a:solidFill>
+              <a:prstDash val="dash"/>
+            </a:ln>
+            <a:effectLst>
+              <a:outerShdw blurRad="63500" sx="102000" sy="102000" algn="ctr" rotWithShape="0">
+                <a:prstClr val="black">
+                  <a:alpha val="40000"/>
+                </a:prstClr>
+              </a:outerShdw>
+            </a:effectLst>
+            <a:scene3d>
+              <a:camera prst="orthographicFront"/>
+              <a:lightRig rig="threePt" dir="t"/>
+            </a:scene3d>
+            <a:sp3d/>
+          </p:spPr>
+          <p:style>
+            <a:lnRef idx="2">
+              <a:schemeClr val="accent1">
+                <a:shade val="50000"/>
+              </a:schemeClr>
+            </a:lnRef>
+            <a:fillRef idx="1">
+              <a:schemeClr val="accent1"/>
+            </a:fillRef>
+            <a:effectRef idx="0">
+              <a:schemeClr val="accent1"/>
+            </a:effectRef>
+            <a:fontRef idx="minor">
+              <a:schemeClr val="lt1"/>
+            </a:fontRef>
+          </p:style>
+          <p:txBody>
+            <a:bodyPr rtlCol="0" anchor="ctr">
+              <a:scene3d>
+                <a:camera prst="orthographicFront"/>
+                <a:lightRig rig="soft" dir="tl">
+                  <a:rot lat="0" lon="0" rev="0"/>
+                </a:lightRig>
+              </a:scene3d>
+              <a:sp3d contourW="25400" prstMaterial="matte">
+                <a:bevelT w="25400" h="55880" prst="artDeco"/>
+                <a:contourClr>
+                  <a:schemeClr val="accent2">
+                    <a:tint val="20000"/>
+                  </a:schemeClr>
+                </a:contourClr>
+              </a:sp3d>
+            </a:bodyPr>
+            <a:lstStyle/>
+            <a:p>
+              <a:pPr algn="ctr"/>
+              <a:endParaRPr lang="ko-KR" altLang="en-US" b="1" spc="50" dirty="0" smtClean="0">
+                <a:ln w="11430">
+                  <a:solidFill>
+                    <a:srgbClr val="00B050"/>
+                  </a:solidFill>
+                </a:ln>
+                <a:solidFill>
+                  <a:srgbClr val="00B050"/>
+                </a:solidFill>
+                <a:effectLst>
+                  <a:glow rad="228600">
+                    <a:schemeClr val="accent6">
+                      <a:satMod val="175000"/>
+                      <a:alpha val="40000"/>
+                    </a:schemeClr>
+                  </a:glow>
+                  <a:outerShdw blurRad="50800" dist="38100" dir="2700000" algn="tl" rotWithShape="0">
+                    <a:prstClr val="black">
+                      <a:alpha val="40000"/>
+                    </a:prstClr>
+                  </a:outerShdw>
+                </a:effectLst>
+              </a:endParaRPr>
+            </a:p>
+          </p:txBody>
+        </p:sp>
+        <p:sp>
+          <p:nvSpPr>
+            <p:cNvPr id="13" name="직사각형 12"/>
+            <p:cNvSpPr/>
+            <p:nvPr/>
+          </p:nvSpPr>
+          <p:spPr>
+            <a:xfrm>
+              <a:off x="791073" y="4769768"/>
+              <a:ext cx="5472608" cy="1224000"/>
+            </a:xfrm>
+            <a:prstGeom prst="rect">
+              <a:avLst/>
+            </a:prstGeom>
+            <a:solidFill>
+              <a:srgbClr val="00B0F0">
+                <a:alpha val="10000"/>
+              </a:srgbClr>
+            </a:solidFill>
+            <a:ln>
+              <a:solidFill>
+                <a:schemeClr val="accent4">
+                  <a:lumMod val="40000"/>
+                  <a:lumOff val="60000"/>
+                </a:schemeClr>
+              </a:solidFill>
+              <a:prstDash val="dash"/>
+            </a:ln>
+            <a:effectLst>
+              <a:outerShdw blurRad="63500" sx="102000" sy="102000" algn="ctr" rotWithShape="0">
+                <a:prstClr val="black">
+                  <a:alpha val="40000"/>
+                </a:prstClr>
+              </a:outerShdw>
+            </a:effectLst>
+            <a:scene3d>
+              <a:camera prst="orthographicFront"/>
+              <a:lightRig rig="threePt" dir="t"/>
+            </a:scene3d>
+            <a:sp3d/>
+          </p:spPr>
+          <p:style>
+            <a:lnRef idx="2">
+              <a:schemeClr val="accent1">
+                <a:shade val="50000"/>
+              </a:schemeClr>
+            </a:lnRef>
+            <a:fillRef idx="1">
+              <a:schemeClr val="accent1"/>
+            </a:fillRef>
+            <a:effectRef idx="0">
+              <a:schemeClr val="accent1"/>
+            </a:effectRef>
+            <a:fontRef idx="minor">
+              <a:schemeClr val="lt1"/>
+            </a:fontRef>
+          </p:style>
+          <p:txBody>
+            <a:bodyPr rtlCol="0" anchor="ctr">
+              <a:scene3d>
+                <a:camera prst="orthographicFront"/>
+                <a:lightRig rig="soft" dir="tl">
+                  <a:rot lat="0" lon="0" rev="0"/>
+                </a:lightRig>
+              </a:scene3d>
+              <a:sp3d contourW="25400" prstMaterial="matte">
+                <a:bevelT w="25400" h="55880" prst="artDeco"/>
+                <a:contourClr>
+                  <a:schemeClr val="accent2">
+                    <a:tint val="20000"/>
+                  </a:schemeClr>
+                </a:contourClr>
+              </a:sp3d>
+            </a:bodyPr>
+            <a:lstStyle/>
+            <a:p>
+              <a:pPr algn="ctr"/>
+              <a:endParaRPr lang="ko-KR" altLang="en-US" b="1" spc="50" dirty="0" smtClean="0">
+                <a:ln w="11430">
+                  <a:solidFill>
+                    <a:srgbClr val="00B050"/>
+                  </a:solidFill>
+                </a:ln>
+                <a:solidFill>
+                  <a:srgbClr val="00B050"/>
+                </a:solidFill>
+                <a:effectLst>
+                  <a:glow rad="228600">
+                    <a:schemeClr val="accent6">
+                      <a:satMod val="175000"/>
+                      <a:alpha val="40000"/>
+                    </a:schemeClr>
+                  </a:glow>
+                  <a:outerShdw blurRad="50800" dist="38100" dir="2700000" algn="tl" rotWithShape="0">
+                    <a:prstClr val="black">
+                      <a:alpha val="40000"/>
+                    </a:prstClr>
+                  </a:outerShdw>
+                </a:effectLst>
+              </a:endParaRPr>
+            </a:p>
+          </p:txBody>
+        </p:sp>
+        <p:pic>
+          <p:nvPicPr>
+            <p:cNvPr id="14" name="그림 13" descr="soccer-player-vector-image-27547.png"/>
+            <p:cNvPicPr>
+              <a:picLocks noChangeAspect="1"/>
+            </p:cNvPicPr>
+            <p:nvPr/>
+          </p:nvPicPr>
+          <p:blipFill>
+            <a:blip r:embed="rId4" cstate="print">
+              <a:clrChange>
+                <a:clrFrom>
+                  <a:srgbClr val="FFFFFF"/>
+                </a:clrFrom>
+                <a:clrTo>
+                  <a:srgbClr val="FFFFFF">
+                    <a:alpha val="0"/>
+                  </a:srgbClr>
+                </a:clrTo>
+              </a:clrChange>
+            </a:blip>
+            <a:srcRect l="16843" r="18915"/>
+            <a:stretch>
+              <a:fillRect/>
+            </a:stretch>
+          </p:blipFill>
+          <p:spPr>
+            <a:xfrm flipH="1">
+              <a:off x="6588224" y="1340768"/>
+              <a:ext cx="2342565" cy="5005576"/>
+            </a:xfrm>
+            <a:prstGeom prst="rect">
+              <a:avLst/>
+            </a:prstGeom>
+            <a:ln>
+              <a:noFill/>
+            </a:ln>
+            <a:effectLst>
+              <a:glow rad="228600">
+                <a:schemeClr val="accent6">
+                  <a:satMod val="175000"/>
+                  <a:alpha val="40000"/>
+                </a:schemeClr>
+              </a:glow>
+              <a:outerShdw blurRad="190500" dist="228600" dir="2700000" algn="ctr">
+                <a:srgbClr val="000000">
+                  <a:alpha val="30000"/>
+                </a:srgbClr>
+              </a:outerShdw>
+            </a:effectLst>
+            <a:scene3d>
+              <a:camera prst="isometricOffAxis1Right"/>
+              <a:lightRig rig="threePt" dir="t"/>
+            </a:scene3d>
+          </p:spPr>
+        </p:pic>
+        <p:pic>
+          <p:nvPicPr>
+            <p:cNvPr id="1031" name="Picture 7" descr="C:\Users\ediso\AppData\Local\Microsoft\Windows\INetCache\IE\8SOMCZ2D\football-161132_960_720[1].png"/>
+            <p:cNvPicPr>
+              <a:picLocks noChangeAspect="1" noChangeArrowheads="1"/>
+            </p:cNvPicPr>
+            <p:nvPr/>
+          </p:nvPicPr>
+          <p:blipFill>
+            <a:blip r:embed="rId5" cstate="print"/>
+            <a:stretch>
+              <a:fillRect/>
+            </a:stretch>
+          </p:blipFill>
+          <p:spPr bwMode="auto">
+            <a:xfrm>
+              <a:off x="6948264" y="5517232"/>
+              <a:ext cx="463906" cy="517848"/>
+            </a:xfrm>
+            <a:prstGeom prst="rect">
+              <a:avLst/>
+            </a:prstGeom>
+            <a:noFill/>
+            <a:ln>
+              <a:noFill/>
+            </a:ln>
+            <a:effectLst>
+              <a:glow rad="139700">
+                <a:schemeClr val="accent6">
+                  <a:satMod val="175000"/>
+                  <a:alpha val="40000"/>
+                </a:schemeClr>
+              </a:glow>
+            </a:effectLst>
+            <a:scene3d>
+              <a:camera prst="isometricOffAxis2Left"/>
+              <a:lightRig rig="threePt" dir="t"/>
+            </a:scene3d>
+          </p:spPr>
+        </p:pic>
+      </p:grpSp>
+    </p:spTree>
+  </p:cSld>
+  <p:clrMapOvr>
+    <a:masterClrMapping/>
+  </p:clrMapOvr>
 </p:sld>
 </file>
 
@@ -4139,14 +5780,16 @@
   <a:objectDefaults>
     <a:spDef>
       <a:spPr>
-        <a:blipFill>
-          <a:blip xmlns:r="http://schemas.openxmlformats.org/officeDocument/2006/relationships" r:embed="rId1"/>
-          <a:stretch>
-            <a:fillRect/>
-          </a:stretch>
-        </a:blipFill>
+        <a:solidFill>
+          <a:srgbClr val="92D050">
+            <a:alpha val="40000"/>
+          </a:srgbClr>
+        </a:solidFill>
         <a:ln>
-          <a:noFill/>
+          <a:solidFill>
+            <a:srgbClr val="92D050"/>
+          </a:solidFill>
+          <a:prstDash val="solid"/>
         </a:ln>
         <a:effectLst>
           <a:outerShdw blurRad="63500" sx="102000" sy="102000" algn="ctr" rotWithShape="0">
@@ -4159,9 +5802,7 @@
           <a:camera prst="orthographicFront"/>
           <a:lightRig rig="threePt" dir="t"/>
         </a:scene3d>
-        <a:sp3d>
-          <a:bevelT prst="convex"/>
-        </a:sp3d>
+        <a:sp3d/>
       </a:spPr>
       <a:bodyPr rtlCol="0" anchor="ctr">
         <a:scene3d>
@@ -4226,4 +5867,287 @@
   </a:objectDefaults>
   <a:extraClrSchemeLst/>
 </a:theme>
+</file>
+
+<file path=ppt/theme/theme2.xml><?xml version="1.0" encoding="utf-8"?>
+<a:theme xmlns:a="http://schemas.openxmlformats.org/drawingml/2006/main" name="Office 테마">
+  <a:themeElements>
+    <a:clrScheme name="Office">
+      <a:dk1>
+        <a:sysClr val="windowText" lastClr="000000"/>
+      </a:dk1>
+      <a:lt1>
+        <a:sysClr val="window" lastClr="FFFFFF"/>
+      </a:lt1>
+      <a:dk2>
+        <a:srgbClr val="1F497D"/>
+      </a:dk2>
+      <a:lt2>
+        <a:srgbClr val="EEECE1"/>
+      </a:lt2>
+      <a:accent1>
+        <a:srgbClr val="4F81BD"/>
+      </a:accent1>
+      <a:accent2>
+        <a:srgbClr val="C0504D"/>
+      </a:accent2>
+      <a:accent3>
+        <a:srgbClr val="9BBB59"/>
+      </a:accent3>
+      <a:accent4>
+        <a:srgbClr val="8064A2"/>
+      </a:accent4>
+      <a:accent5>
+        <a:srgbClr val="4BACC6"/>
+      </a:accent5>
+      <a:accent6>
+        <a:srgbClr val="F79646"/>
+      </a:accent6>
+      <a:hlink>
+        <a:srgbClr val="0000FF"/>
+      </a:hlink>
+      <a:folHlink>
+        <a:srgbClr val="800080"/>
+      </a:folHlink>
+    </a:clrScheme>
+    <a:fontScheme name="Office">
+      <a:majorFont>
+        <a:latin typeface="맑은 고딕"/>
+        <a:ea typeface=""/>
+        <a:cs typeface=""/>
+        <a:font script="Jpan" typeface="ＭＳ Ｐゴシック"/>
+        <a:font script="Hang" typeface="맑은 고딕"/>
+        <a:font script="Hans" typeface="宋体"/>
+        <a:font script="Hant" typeface="新細明體"/>
+        <a:font script="Arab" typeface="Times New Roman"/>
+        <a:font script="Hebr" typeface="Times New Roman"/>
+        <a:font script="Thai" typeface="Angsana New"/>
+        <a:font script="Ethi" typeface="Nyala"/>
+        <a:font script="Beng" typeface="Vrinda"/>
+        <a:font script="Gujr" typeface="Shruti"/>
+        <a:font script="Khmr" typeface="MoolBoran"/>
+        <a:font script="Knda" typeface="Tunga"/>
+        <a:font script="Guru" typeface="Raavi"/>
+        <a:font script="Cans" typeface="Euphemia"/>
+        <a:font script="Cher" typeface="Plantagenet Cherokee"/>
+        <a:font script="Yiii" typeface="Microsoft Yi Baiti"/>
+        <a:font script="Tibt" typeface="Microsoft Himalaya"/>
+        <a:font script="Thaa" typeface="MV Boli"/>
+        <a:font script="Deva" typeface="Mangal"/>
+        <a:font script="Telu" typeface="Gautami"/>
+        <a:font script="Taml" typeface="Latha"/>
+        <a:font script="Syrc" typeface="Estrangelo Edessa"/>
+        <a:font script="Orya" typeface="Kalinga"/>
+        <a:font script="Mlym" typeface="Kartika"/>
+        <a:font script="Laoo" typeface="DokChampa"/>
+        <a:font script="Sinh" typeface="Iskoola Pota"/>
+        <a:font script="Mong" typeface="Mongolian Baiti"/>
+        <a:font script="Viet" typeface="Times New Roman"/>
+        <a:font script="Uigh" typeface="Microsoft Uighur"/>
+      </a:majorFont>
+      <a:minorFont>
+        <a:latin typeface="맑은 고딕"/>
+        <a:ea typeface=""/>
+        <a:cs typeface=""/>
+        <a:font script="Jpan" typeface="ＭＳ Ｐゴシック"/>
+        <a:font script="Hang" typeface="맑은 고딕"/>
+        <a:font script="Hans" typeface="宋体"/>
+        <a:font script="Hant" typeface="新細明體"/>
+        <a:font script="Arab" typeface="Arial"/>
+        <a:font script="Hebr" typeface="Arial"/>
+        <a:font script="Thai" typeface="Cordia New"/>
+        <a:font script="Ethi" typeface="Nyala"/>
+        <a:font script="Beng" typeface="Vrinda"/>
+        <a:font script="Gujr" typeface="Shruti"/>
+        <a:font script="Khmr" typeface="DaunPenh"/>
+        <a:font script="Knda" typeface="Tunga"/>
+        <a:font script="Guru" typeface="Raavi"/>
+        <a:font script="Cans" typeface="Euphemia"/>
+        <a:font script="Cher" typeface="Plantagenet Cherokee"/>
+        <a:font script="Yiii" typeface="Microsoft Yi Baiti"/>
+        <a:font script="Tibt" typeface="Microsoft Himalaya"/>
+        <a:font script="Thaa" typeface="MV Boli"/>
+        <a:font script="Deva" typeface="Mangal"/>
+        <a:font script="Telu" typeface="Gautami"/>
+        <a:font script="Taml" typeface="Latha"/>
+        <a:font script="Syrc" typeface="Estrangelo Edessa"/>
+        <a:font script="Orya" typeface="Kalinga"/>
+        <a:font script="Mlym" typeface="Kartika"/>
+        <a:font script="Laoo" typeface="DokChampa"/>
+        <a:font script="Sinh" typeface="Iskoola Pota"/>
+        <a:font script="Mong" typeface="Mongolian Baiti"/>
+        <a:font script="Viet" typeface="Arial"/>
+        <a:font script="Uigh" typeface="Microsoft Uighur"/>
+      </a:minorFont>
+    </a:fontScheme>
+    <a:fmtScheme name="Office">
+      <a:fillStyleLst>
+        <a:solidFill>
+          <a:schemeClr val="phClr"/>
+        </a:solidFill>
+        <a:gradFill rotWithShape="1">
+          <a:gsLst>
+            <a:gs pos="0">
+              <a:schemeClr val="phClr">
+                <a:tint val="50000"/>
+                <a:satMod val="300000"/>
+              </a:schemeClr>
+            </a:gs>
+            <a:gs pos="35000">
+              <a:schemeClr val="phClr">
+                <a:tint val="37000"/>
+                <a:satMod val="300000"/>
+              </a:schemeClr>
+            </a:gs>
+            <a:gs pos="100000">
+              <a:schemeClr val="phClr">
+                <a:tint val="15000"/>
+                <a:satMod val="350000"/>
+              </a:schemeClr>
+            </a:gs>
+          </a:gsLst>
+          <a:lin ang="16200000" scaled="1"/>
+        </a:gradFill>
+        <a:gradFill rotWithShape="1">
+          <a:gsLst>
+            <a:gs pos="0">
+              <a:schemeClr val="phClr">
+                <a:shade val="51000"/>
+                <a:satMod val="130000"/>
+              </a:schemeClr>
+            </a:gs>
+            <a:gs pos="80000">
+              <a:schemeClr val="phClr">
+                <a:shade val="93000"/>
+                <a:satMod val="130000"/>
+              </a:schemeClr>
+            </a:gs>
+            <a:gs pos="100000">
+              <a:schemeClr val="phClr">
+                <a:shade val="94000"/>
+                <a:satMod val="135000"/>
+              </a:schemeClr>
+            </a:gs>
+          </a:gsLst>
+          <a:lin ang="16200000" scaled="0"/>
+        </a:gradFill>
+      </a:fillStyleLst>
+      <a:lnStyleLst>
+        <a:ln w="9525" cap="flat" cmpd="sng" algn="ctr">
+          <a:solidFill>
+            <a:schemeClr val="phClr">
+              <a:shade val="95000"/>
+              <a:satMod val="105000"/>
+            </a:schemeClr>
+          </a:solidFill>
+          <a:prstDash val="solid"/>
+        </a:ln>
+        <a:ln w="25400" cap="flat" cmpd="sng" algn="ctr">
+          <a:solidFill>
+            <a:schemeClr val="phClr"/>
+          </a:solidFill>
+          <a:prstDash val="solid"/>
+        </a:ln>
+        <a:ln w="38100" cap="flat" cmpd="sng" algn="ctr">
+          <a:solidFill>
+            <a:schemeClr val="phClr"/>
+          </a:solidFill>
+          <a:prstDash val="solid"/>
+        </a:ln>
+      </a:lnStyleLst>
+      <a:effectStyleLst>
+        <a:effectStyle>
+          <a:effectLst>
+            <a:outerShdw blurRad="40000" dist="20000" dir="5400000" rotWithShape="0">
+              <a:srgbClr val="000000">
+                <a:alpha val="38000"/>
+              </a:srgbClr>
+            </a:outerShdw>
+          </a:effectLst>
+        </a:effectStyle>
+        <a:effectStyle>
+          <a:effectLst>
+            <a:outerShdw blurRad="40000" dist="23000" dir="5400000" rotWithShape="0">
+              <a:srgbClr val="000000">
+                <a:alpha val="35000"/>
+              </a:srgbClr>
+            </a:outerShdw>
+          </a:effectLst>
+        </a:effectStyle>
+        <a:effectStyle>
+          <a:effectLst>
+            <a:outerShdw blurRad="40000" dist="23000" dir="5400000" rotWithShape="0">
+              <a:srgbClr val="000000">
+                <a:alpha val="35000"/>
+              </a:srgbClr>
+            </a:outerShdw>
+          </a:effectLst>
+          <a:scene3d>
+            <a:camera prst="orthographicFront">
+              <a:rot lat="0" lon="0" rev="0"/>
+            </a:camera>
+            <a:lightRig rig="threePt" dir="t">
+              <a:rot lat="0" lon="0" rev="1200000"/>
+            </a:lightRig>
+          </a:scene3d>
+          <a:sp3d>
+            <a:bevelT w="63500" h="25400"/>
+          </a:sp3d>
+        </a:effectStyle>
+      </a:effectStyleLst>
+      <a:bgFillStyleLst>
+        <a:solidFill>
+          <a:schemeClr val="phClr"/>
+        </a:solidFill>
+        <a:gradFill rotWithShape="1">
+          <a:gsLst>
+            <a:gs pos="0">
+              <a:schemeClr val="phClr">
+                <a:tint val="40000"/>
+                <a:satMod val="350000"/>
+              </a:schemeClr>
+            </a:gs>
+            <a:gs pos="40000">
+              <a:schemeClr val="phClr">
+                <a:tint val="45000"/>
+                <a:shade val="99000"/>
+                <a:satMod val="350000"/>
+              </a:schemeClr>
+            </a:gs>
+            <a:gs pos="100000">
+              <a:schemeClr val="phClr">
+                <a:shade val="20000"/>
+                <a:satMod val="255000"/>
+              </a:schemeClr>
+            </a:gs>
+          </a:gsLst>
+          <a:path path="circle">
+            <a:fillToRect l="50000" t="-80000" r="50000" b="180000"/>
+          </a:path>
+        </a:gradFill>
+        <a:gradFill rotWithShape="1">
+          <a:gsLst>
+            <a:gs pos="0">
+              <a:schemeClr val="phClr">
+                <a:tint val="80000"/>
+                <a:satMod val="300000"/>
+              </a:schemeClr>
+            </a:gs>
+            <a:gs pos="100000">
+              <a:schemeClr val="phClr">
+                <a:shade val="30000"/>
+                <a:satMod val="200000"/>
+              </a:schemeClr>
+            </a:gs>
+          </a:gsLst>
+          <a:path path="circle">
+            <a:fillToRect l="50000" t="50000" r="50000" b="50000"/>
+          </a:path>
+        </a:gradFill>
+      </a:bgFillStyleLst>
+    </a:fmtScheme>
+  </a:themeElements>
+  <a:objectDefaults/>
+  <a:extraClrSchemeLst/>
+</a:theme>
 </file>
--- a/그림 만들기.pptx
+++ b/그림 만들기.pptx
@@ -5,12 +5,14 @@
     <p:sldMasterId id="2147483648" r:id="rId1"/>
   </p:sldMasterIdLst>
   <p:notesMasterIdLst>
-    <p:notesMasterId r:id="rId5"/>
+    <p:notesMasterId r:id="rId7"/>
   </p:notesMasterIdLst>
   <p:sldIdLst>
     <p:sldId id="256" r:id="rId2"/>
-    <p:sldId id="257" r:id="rId3"/>
-    <p:sldId id="258" r:id="rId4"/>
+    <p:sldId id="260" r:id="rId3"/>
+    <p:sldId id="257" r:id="rId4"/>
+    <p:sldId id="258" r:id="rId5"/>
+    <p:sldId id="259" r:id="rId6"/>
   </p:sldIdLst>
   <p:sldSz cx="9144000" cy="6858000" type="screen4x3"/>
   <p:notesSz cx="6858000" cy="9144000"/>
@@ -195,7 +197,7 @@
             <a:fld id="{B478B745-BF05-4AEA-A995-7E994C8F897E}" type="datetimeFigureOut">
               <a:rPr lang="ko-KR" altLang="en-US" smtClean="0"/>
               <a:pPr/>
-              <a:t>2020-06-21</a:t>
+              <a:t>2020-07-01</a:t>
             </a:fld>
             <a:endParaRPr lang="ko-KR" altLang="en-US"/>
           </a:p>
@@ -529,7 +531,7 @@
             <a:fld id="{5881E364-06B5-4996-B568-499AD81460E6}" type="slidenum">
               <a:rPr lang="ko-KR" altLang="en-US" smtClean="0"/>
               <a:pPr/>
-              <a:t>2</a:t>
+              <a:t>3</a:t>
             </a:fld>
             <a:endParaRPr lang="ko-KR" altLang="en-US"/>
           </a:p>
@@ -611,7 +613,7 @@
             <a:fld id="{5881E364-06B5-4996-B568-499AD81460E6}" type="slidenum">
               <a:rPr lang="ko-KR" altLang="en-US" smtClean="0"/>
               <a:pPr/>
-              <a:t>3</a:t>
+              <a:t>4</a:t>
             </a:fld>
             <a:endParaRPr lang="ko-KR" altLang="en-US"/>
           </a:p>
@@ -807,7 +809,7 @@
             <a:fld id="{823895E5-2D2B-4236-AC77-BC0599642604}" type="datetimeFigureOut">
               <a:rPr lang="ko-KR" altLang="en-US" smtClean="0"/>
               <a:pPr/>
-              <a:t>2020-06-21</a:t>
+              <a:t>2020-07-01</a:t>
             </a:fld>
             <a:endParaRPr lang="ko-KR" altLang="en-US"/>
           </a:p>
@@ -974,7 +976,7 @@
             <a:fld id="{823895E5-2D2B-4236-AC77-BC0599642604}" type="datetimeFigureOut">
               <a:rPr lang="ko-KR" altLang="en-US" smtClean="0"/>
               <a:pPr/>
-              <a:t>2020-06-21</a:t>
+              <a:t>2020-07-01</a:t>
             </a:fld>
             <a:endParaRPr lang="ko-KR" altLang="en-US"/>
           </a:p>
@@ -1151,7 +1153,7 @@
             <a:fld id="{823895E5-2D2B-4236-AC77-BC0599642604}" type="datetimeFigureOut">
               <a:rPr lang="ko-KR" altLang="en-US" smtClean="0"/>
               <a:pPr/>
-              <a:t>2020-06-21</a:t>
+              <a:t>2020-07-01</a:t>
             </a:fld>
             <a:endParaRPr lang="ko-KR" altLang="en-US"/>
           </a:p>
@@ -1318,7 +1320,7 @@
             <a:fld id="{823895E5-2D2B-4236-AC77-BC0599642604}" type="datetimeFigureOut">
               <a:rPr lang="ko-KR" altLang="en-US" smtClean="0"/>
               <a:pPr/>
-              <a:t>2020-06-21</a:t>
+              <a:t>2020-07-01</a:t>
             </a:fld>
             <a:endParaRPr lang="ko-KR" altLang="en-US"/>
           </a:p>
@@ -1561,7 +1563,7 @@
             <a:fld id="{823895E5-2D2B-4236-AC77-BC0599642604}" type="datetimeFigureOut">
               <a:rPr lang="ko-KR" altLang="en-US" smtClean="0"/>
               <a:pPr/>
-              <a:t>2020-06-21</a:t>
+              <a:t>2020-07-01</a:t>
             </a:fld>
             <a:endParaRPr lang="ko-KR" altLang="en-US"/>
           </a:p>
@@ -1846,7 +1848,7 @@
             <a:fld id="{823895E5-2D2B-4236-AC77-BC0599642604}" type="datetimeFigureOut">
               <a:rPr lang="ko-KR" altLang="en-US" smtClean="0"/>
               <a:pPr/>
-              <a:t>2020-06-21</a:t>
+              <a:t>2020-07-01</a:t>
             </a:fld>
             <a:endParaRPr lang="ko-KR" altLang="en-US"/>
           </a:p>
@@ -2265,7 +2267,7 @@
             <a:fld id="{823895E5-2D2B-4236-AC77-BC0599642604}" type="datetimeFigureOut">
               <a:rPr lang="ko-KR" altLang="en-US" smtClean="0"/>
               <a:pPr/>
-              <a:t>2020-06-21</a:t>
+              <a:t>2020-07-01</a:t>
             </a:fld>
             <a:endParaRPr lang="ko-KR" altLang="en-US"/>
           </a:p>
@@ -2380,7 +2382,7 @@
             <a:fld id="{823895E5-2D2B-4236-AC77-BC0599642604}" type="datetimeFigureOut">
               <a:rPr lang="ko-KR" altLang="en-US" smtClean="0"/>
               <a:pPr/>
-              <a:t>2020-06-21</a:t>
+              <a:t>2020-07-01</a:t>
             </a:fld>
             <a:endParaRPr lang="ko-KR" altLang="en-US"/>
           </a:p>
@@ -2472,7 +2474,7 @@
             <a:fld id="{823895E5-2D2B-4236-AC77-BC0599642604}" type="datetimeFigureOut">
               <a:rPr lang="ko-KR" altLang="en-US" smtClean="0"/>
               <a:pPr/>
-              <a:t>2020-06-21</a:t>
+              <a:t>2020-07-01</a:t>
             </a:fld>
             <a:endParaRPr lang="ko-KR" altLang="en-US"/>
           </a:p>
@@ -2746,7 +2748,7 @@
             <a:fld id="{823895E5-2D2B-4236-AC77-BC0599642604}" type="datetimeFigureOut">
               <a:rPr lang="ko-KR" altLang="en-US" smtClean="0"/>
               <a:pPr/>
-              <a:t>2020-06-21</a:t>
+              <a:t>2020-07-01</a:t>
             </a:fld>
             <a:endParaRPr lang="ko-KR" altLang="en-US"/>
           </a:p>
@@ -2996,7 +2998,7 @@
             <a:fld id="{823895E5-2D2B-4236-AC77-BC0599642604}" type="datetimeFigureOut">
               <a:rPr lang="ko-KR" altLang="en-US" smtClean="0"/>
               <a:pPr/>
-              <a:t>2020-06-21</a:t>
+              <a:t>2020-07-01</a:t>
             </a:fld>
             <a:endParaRPr lang="ko-KR" altLang="en-US"/>
           </a:p>
@@ -3206,7 +3208,7 @@
             <a:fld id="{823895E5-2D2B-4236-AC77-BC0599642604}" type="datetimeFigureOut">
               <a:rPr lang="ko-KR" altLang="en-US" smtClean="0"/>
               <a:pPr/>
-              <a:t>2020-06-21</a:t>
+              <a:t>2020-07-01</a:t>
             </a:fld>
             <a:endParaRPr lang="ko-KR" altLang="en-US"/>
           </a:p>
@@ -4417,6 +4419,391 @@
           <a:chExt cx="0" cy="0"/>
         </a:xfrm>
       </p:grpSpPr>
+      <p:grpSp>
+        <p:nvGrpSpPr>
+          <p:cNvPr id="11" name="그룹 10"/>
+          <p:cNvGrpSpPr/>
+          <p:nvPr/>
+        </p:nvGrpSpPr>
+        <p:grpSpPr>
+          <a:xfrm>
+            <a:off x="395536" y="1268760"/>
+            <a:ext cx="1800200" cy="2053392"/>
+            <a:chOff x="2051720" y="1340768"/>
+            <a:chExt cx="1800200" cy="2053392"/>
+          </a:xfrm>
+        </p:grpSpPr>
+        <p:sp>
+          <p:nvSpPr>
+            <p:cNvPr id="13" name="모서리가 둥근 직사각형 12"/>
+            <p:cNvSpPr/>
+            <p:nvPr/>
+          </p:nvSpPr>
+          <p:spPr>
+            <a:xfrm>
+              <a:off x="2051720" y="1484784"/>
+              <a:ext cx="1800000" cy="1800000"/>
+            </a:xfrm>
+            <a:prstGeom prst="roundRect">
+              <a:avLst/>
+            </a:prstGeom>
+            <a:solidFill>
+              <a:schemeClr val="accent4">
+                <a:lumMod val="60000"/>
+                <a:lumOff val="40000"/>
+              </a:schemeClr>
+            </a:solidFill>
+            <a:ln>
+              <a:solidFill>
+                <a:schemeClr val="accent1">
+                  <a:lumMod val="20000"/>
+                  <a:lumOff val="80000"/>
+                </a:schemeClr>
+              </a:solidFill>
+              <a:prstDash val="solid"/>
+            </a:ln>
+            <a:effectLst>
+              <a:outerShdw blurRad="63500" sx="102000" sy="102000" algn="ctr" rotWithShape="0">
+                <a:prstClr val="black">
+                  <a:alpha val="40000"/>
+                </a:prstClr>
+              </a:outerShdw>
+            </a:effectLst>
+            <a:scene3d>
+              <a:camera prst="orthographicFront"/>
+              <a:lightRig rig="threePt" dir="t"/>
+            </a:scene3d>
+            <a:sp3d>
+              <a:bevelT/>
+            </a:sp3d>
+          </p:spPr>
+          <p:style>
+            <a:lnRef idx="2">
+              <a:schemeClr val="accent1">
+                <a:shade val="50000"/>
+              </a:schemeClr>
+            </a:lnRef>
+            <a:fillRef idx="1">
+              <a:schemeClr val="accent1"/>
+            </a:fillRef>
+            <a:effectRef idx="0">
+              <a:schemeClr val="accent1"/>
+            </a:effectRef>
+            <a:fontRef idx="minor">
+              <a:schemeClr val="lt1"/>
+            </a:fontRef>
+          </p:style>
+          <p:txBody>
+            <a:bodyPr rtlCol="0" anchor="ctr">
+              <a:scene3d>
+                <a:camera prst="orthographicFront"/>
+                <a:lightRig rig="soft" dir="tl">
+                  <a:rot lat="0" lon="0" rev="0"/>
+                </a:lightRig>
+              </a:scene3d>
+              <a:sp3d contourW="25400" prstMaterial="matte">
+                <a:contourClr>
+                  <a:schemeClr val="accent2">
+                    <a:tint val="20000"/>
+                  </a:schemeClr>
+                </a:contourClr>
+              </a:sp3d>
+            </a:bodyPr>
+            <a:lstStyle/>
+            <a:p>
+              <a:pPr algn="ctr"/>
+              <a:endParaRPr lang="ko-KR" altLang="en-US" b="1" spc="50" dirty="0" smtClean="0">
+                <a:ln w="11430">
+                  <a:solidFill>
+                    <a:srgbClr val="00B050"/>
+                  </a:solidFill>
+                </a:ln>
+                <a:solidFill>
+                  <a:srgbClr val="00B050"/>
+                </a:solidFill>
+                <a:effectLst>
+                  <a:glow rad="228600">
+                    <a:schemeClr val="accent6">
+                      <a:satMod val="175000"/>
+                      <a:alpha val="40000"/>
+                    </a:schemeClr>
+                  </a:glow>
+                  <a:outerShdw blurRad="50800" dist="38100" dir="2700000" algn="tl" rotWithShape="0">
+                    <a:prstClr val="black">
+                      <a:alpha val="40000"/>
+                    </a:prstClr>
+                  </a:outerShdw>
+                </a:effectLst>
+              </a:endParaRPr>
+            </a:p>
+          </p:txBody>
+        </p:sp>
+        <p:pic>
+          <p:nvPicPr>
+            <p:cNvPr id="12" name="Picture 2" descr="C:\Users\ediso\AppData\Local\Microsoft\Windows\INetCache\IE\NN258UOJ\Football-Transparent[1].png"/>
+            <p:cNvPicPr>
+              <a:picLocks noChangeAspect="1" noChangeArrowheads="1"/>
+            </p:cNvPicPr>
+            <p:nvPr/>
+          </p:nvPicPr>
+          <p:blipFill>
+            <a:blip r:embed="rId2" cstate="print">
+              <a:duotone>
+                <a:schemeClr val="accent5">
+                  <a:shade val="45000"/>
+                  <a:satMod val="135000"/>
+                </a:schemeClr>
+                <a:prstClr val="white"/>
+              </a:duotone>
+              <a:lum/>
+            </a:blip>
+            <a:srcRect/>
+            <a:stretch>
+              <a:fillRect/>
+            </a:stretch>
+          </p:blipFill>
+          <p:spPr bwMode="auto">
+            <a:xfrm>
+              <a:off x="2051720" y="1484784"/>
+              <a:ext cx="1800000" cy="1800000"/>
+            </a:xfrm>
+            <a:prstGeom prst="rect">
+              <a:avLst/>
+            </a:prstGeom>
+            <a:noFill/>
+          </p:spPr>
+        </p:pic>
+        <p:sp>
+          <p:nvSpPr>
+            <p:cNvPr id="14" name="직사각형 13"/>
+            <p:cNvSpPr/>
+            <p:nvPr/>
+          </p:nvSpPr>
+          <p:spPr>
+            <a:xfrm>
+              <a:off x="2627784" y="1916832"/>
+              <a:ext cx="1224136" cy="1477328"/>
+            </a:xfrm>
+            <a:prstGeom prst="rect">
+              <a:avLst/>
+            </a:prstGeom>
+            <a:noFill/>
+          </p:spPr>
+          <p:txBody>
+            <a:bodyPr wrap="square" lIns="91440" tIns="45720" rIns="91440" bIns="45720">
+              <a:spAutoFit/>
+              <a:scene3d>
+                <a:camera prst="orthographicFront"/>
+                <a:lightRig rig="threePt" dir="t"/>
+              </a:scene3d>
+              <a:sp3d extrusionH="57150">
+                <a:bevelT w="69850" h="38100" prst="cross"/>
+              </a:sp3d>
+            </a:bodyPr>
+            <a:lstStyle/>
+            <a:p>
+              <a:pPr algn="ctr"/>
+              <a:r>
+                <a:rPr lang="en-US" altLang="ko-KR" sz="9000" b="1" cap="none" spc="100" dirty="0" smtClean="0">
+                  <a:ln w="76200">
+                    <a:solidFill>
+                      <a:schemeClr val="tx2">
+                        <a:lumMod val="60000"/>
+                        <a:lumOff val="40000"/>
+                      </a:schemeClr>
+                    </a:solidFill>
+                    <a:prstDash val="solid"/>
+                  </a:ln>
+                  <a:solidFill>
+                    <a:srgbClr val="00B0F0"/>
+                  </a:solidFill>
+                  <a:effectLst>
+                    <a:glow rad="228600">
+                      <a:schemeClr val="accent6">
+                        <a:satMod val="175000"/>
+                        <a:alpha val="40000"/>
+                      </a:schemeClr>
+                    </a:glow>
+                    <a:outerShdw blurRad="50800" dist="38100" dir="8100000" algn="tr" rotWithShape="0">
+                      <a:prstClr val="black">
+                        <a:alpha val="40000"/>
+                      </a:prstClr>
+                    </a:outerShdw>
+                  </a:effectLst>
+                </a:rPr>
+                <a:t>O</a:t>
+              </a:r>
+              <a:endParaRPr lang="en-US" altLang="ko-KR" sz="9000" b="1" cap="none" spc="100" dirty="0">
+                <a:ln w="76200">
+                  <a:solidFill>
+                    <a:schemeClr val="tx2">
+                      <a:lumMod val="60000"/>
+                      <a:lumOff val="40000"/>
+                    </a:schemeClr>
+                  </a:solidFill>
+                  <a:prstDash val="solid"/>
+                </a:ln>
+                <a:solidFill>
+                  <a:srgbClr val="00B0F0"/>
+                </a:solidFill>
+                <a:effectLst>
+                  <a:glow rad="228600">
+                    <a:schemeClr val="accent6">
+                      <a:satMod val="175000"/>
+                      <a:alpha val="40000"/>
+                    </a:schemeClr>
+                  </a:glow>
+                  <a:outerShdw blurRad="50800" dist="38100" dir="8100000" algn="tr" rotWithShape="0">
+                    <a:prstClr val="black">
+                      <a:alpha val="40000"/>
+                    </a:prstClr>
+                  </a:outerShdw>
+                </a:effectLst>
+              </a:endParaRPr>
+            </a:p>
+          </p:txBody>
+        </p:sp>
+        <p:sp>
+          <p:nvSpPr>
+            <p:cNvPr id="15" name="직사각형 14"/>
+            <p:cNvSpPr/>
+            <p:nvPr/>
+          </p:nvSpPr>
+          <p:spPr>
+            <a:xfrm>
+              <a:off x="2123728" y="1340768"/>
+              <a:ext cx="1003801" cy="1938992"/>
+            </a:xfrm>
+            <a:prstGeom prst="rect">
+              <a:avLst/>
+            </a:prstGeom>
+            <a:noFill/>
+          </p:spPr>
+          <p:txBody>
+            <a:bodyPr wrap="none" lIns="91440" tIns="45720" rIns="91440" bIns="45720">
+              <a:spAutoFit/>
+              <a:scene3d>
+                <a:camera prst="orthographicFront"/>
+                <a:lightRig rig="threePt" dir="t"/>
+              </a:scene3d>
+              <a:sp3d extrusionH="57150">
+                <a:bevelT w="69850" h="38100" prst="cross"/>
+              </a:sp3d>
+            </a:bodyPr>
+            <a:lstStyle/>
+            <a:p>
+              <a:pPr algn="ctr"/>
+              <a:r>
+                <a:rPr lang="en-US" altLang="ko-KR" sz="12000" b="1" cap="none" spc="100" dirty="0" smtClean="0">
+                  <a:ln w="76200">
+                    <a:solidFill>
+                      <a:schemeClr val="tx2">
+                        <a:lumMod val="60000"/>
+                        <a:lumOff val="40000"/>
+                      </a:schemeClr>
+                    </a:solidFill>
+                    <a:prstDash val="solid"/>
+                  </a:ln>
+                  <a:solidFill>
+                    <a:srgbClr val="00B0F0"/>
+                  </a:solidFill>
+                  <a:effectLst>
+                    <a:glow rad="228600">
+                      <a:schemeClr val="accent6">
+                        <a:satMod val="175000"/>
+                        <a:alpha val="40000"/>
+                      </a:schemeClr>
+                    </a:glow>
+                    <a:outerShdw blurRad="50800" dist="38100" dir="8100000" algn="tr" rotWithShape="0">
+                      <a:prstClr val="black">
+                        <a:alpha val="40000"/>
+                      </a:prstClr>
+                    </a:outerShdw>
+                  </a:effectLst>
+                </a:rPr>
+                <a:t>F</a:t>
+              </a:r>
+              <a:endParaRPr lang="en-US" altLang="ko-KR" sz="12000" b="1" cap="none" spc="100" dirty="0">
+                <a:ln w="76200">
+                  <a:solidFill>
+                    <a:schemeClr val="tx2">
+                      <a:lumMod val="60000"/>
+                      <a:lumOff val="40000"/>
+                    </a:schemeClr>
+                  </a:solidFill>
+                  <a:prstDash val="solid"/>
+                </a:ln>
+                <a:solidFill>
+                  <a:srgbClr val="00B0F0"/>
+                </a:solidFill>
+                <a:effectLst>
+                  <a:glow rad="228600">
+                    <a:schemeClr val="accent6">
+                      <a:satMod val="175000"/>
+                      <a:alpha val="40000"/>
+                    </a:schemeClr>
+                  </a:glow>
+                  <a:outerShdw blurRad="50800" dist="38100" dir="8100000" algn="tr" rotWithShape="0">
+                    <a:prstClr val="black">
+                      <a:alpha val="40000"/>
+                    </a:prstClr>
+                  </a:outerShdw>
+                </a:effectLst>
+              </a:endParaRPr>
+            </a:p>
+          </p:txBody>
+        </p:sp>
+      </p:grpSp>
+      <p:pic>
+        <p:nvPicPr>
+          <p:cNvPr id="28" name="그림 27" descr="11225.png"/>
+          <p:cNvPicPr>
+            <a:picLocks noChangeAspect="1"/>
+          </p:cNvPicPr>
+          <p:nvPr/>
+        </p:nvPicPr>
+        <p:blipFill>
+          <a:blip r:embed="rId3" cstate="print"/>
+          <a:srcRect l="28172" t="27420" r="19241" b="10886"/>
+          <a:stretch>
+            <a:fillRect/>
+          </a:stretch>
+        </p:blipFill>
+        <p:spPr>
+          <a:xfrm>
+            <a:off x="5724128" y="2492896"/>
+            <a:ext cx="2016224" cy="1944216"/>
+          </a:xfrm>
+          <a:prstGeom prst="rect">
+            <a:avLst/>
+          </a:prstGeom>
+        </p:spPr>
+      </p:pic>
+    </p:spTree>
+  </p:cSld>
+  <p:clrMapOvr>
+    <a:masterClrMapping/>
+  </p:clrMapOvr>
+</p:sld>
+</file>
+
+<file path=ppt/slides/slide3.xml><?xml version="1.0" encoding="utf-8"?>
+<p:sld xmlns:a="http://schemas.openxmlformats.org/drawingml/2006/main" xmlns:r="http://schemas.openxmlformats.org/officeDocument/2006/relationships" xmlns:p="http://schemas.openxmlformats.org/presentationml/2006/main">
+  <p:cSld>
+    <p:spTree>
+      <p:nvGrpSpPr>
+        <p:cNvPr id="1" name=""/>
+        <p:cNvGrpSpPr/>
+        <p:nvPr/>
+      </p:nvGrpSpPr>
+      <p:grpSpPr>
+        <a:xfrm>
+          <a:off x="0" y="0"/>
+          <a:ext cx="0" cy="0"/>
+          <a:chOff x="0" y="0"/>
+          <a:chExt cx="0" cy="0"/>
+        </a:xfrm>
+      </p:grpSpPr>
       <p:sp>
         <p:nvSpPr>
           <p:cNvPr id="4" name="직사각형 3"/>
@@ -4716,7 +5103,7 @@
 </p:sld>
 </file>
 
-<file path=ppt/slides/slide3.xml><?xml version="1.0" encoding="utf-8"?>
+<file path=ppt/slides/slide4.xml><?xml version="1.0" encoding="utf-8"?>
 <p:sld xmlns:a="http://schemas.openxmlformats.org/drawingml/2006/main" xmlns:r="http://schemas.openxmlformats.org/officeDocument/2006/relationships" xmlns:p="http://schemas.openxmlformats.org/presentationml/2006/main">
   <p:cSld>
     <p:spTree>
@@ -4922,66 +5309,6 @@
                 </a:rPr>
                 <a:t>저장된 게임 선택</a:t>
               </a:r>
-              <a:endParaRPr lang="ko-KR" altLang="en-US" sz="3000" b="1" dirty="0" smtClean="0">
-                <a:ln>
-                  <a:solidFill>
-                    <a:schemeClr val="accent2">
-                      <a:lumMod val="50000"/>
-                    </a:schemeClr>
-                  </a:solidFill>
-                  <a:prstDash val="solid"/>
-                </a:ln>
-                <a:gradFill rotWithShape="1">
-                  <a:gsLst>
-                    <a:gs pos="0">
-                      <a:schemeClr val="accent4">
-                        <a:tint val="70000"/>
-                        <a:satMod val="200000"/>
-                      </a:schemeClr>
-                    </a:gs>
-                    <a:gs pos="40000">
-                      <a:schemeClr val="accent4">
-                        <a:tint val="90000"/>
-                        <a:satMod val="130000"/>
-                      </a:schemeClr>
-                    </a:gs>
-                    <a:gs pos="50000">
-                      <a:schemeClr val="accent4">
-                        <a:tint val="90000"/>
-                        <a:satMod val="130000"/>
-                      </a:schemeClr>
-                    </a:gs>
-                    <a:gs pos="68000">
-                      <a:schemeClr val="accent4">
-                        <a:tint val="90000"/>
-                        <a:satMod val="130000"/>
-                      </a:schemeClr>
-                    </a:gs>
-                    <a:gs pos="100000">
-                      <a:schemeClr val="accent4">
-                        <a:tint val="70000"/>
-                        <a:satMod val="200000"/>
-                      </a:schemeClr>
-                    </a:gs>
-                  </a:gsLst>
-                  <a:lin ang="5400000"/>
-                </a:gradFill>
-                <a:effectLst>
-                  <a:glow rad="139700">
-                    <a:schemeClr val="accent3">
-                      <a:satMod val="175000"/>
-                      <a:alpha val="40000"/>
-                    </a:schemeClr>
-                  </a:glow>
-                  <a:outerShdw blurRad="88000" dist="50800" dir="5040000" algn="tl">
-                    <a:schemeClr val="accent4">
-                      <a:tint val="80000"/>
-                      <a:satMod val="250000"/>
-                      <a:alpha val="45000"/>
-                    </a:schemeClr>
-                  </a:outerShdw>
-                </a:effectLst>
-              </a:endParaRPr>
             </a:p>
           </p:txBody>
         </p:sp>
@@ -5488,6 +5815,489 @@
               <a:camera prst="isometricOffAxis2Left"/>
               <a:lightRig rig="threePt" dir="t"/>
             </a:scene3d>
+          </p:spPr>
+        </p:pic>
+      </p:grpSp>
+    </p:spTree>
+  </p:cSld>
+  <p:clrMapOvr>
+    <a:masterClrMapping/>
+  </p:clrMapOvr>
+</p:sld>
+</file>
+
+<file path=ppt/slides/slide5.xml><?xml version="1.0" encoding="utf-8"?>
+<p:sld xmlns:a="http://schemas.openxmlformats.org/drawingml/2006/main" xmlns:r="http://schemas.openxmlformats.org/officeDocument/2006/relationships" xmlns:p="http://schemas.openxmlformats.org/presentationml/2006/main">
+  <p:cSld>
+    <p:spTree>
+      <p:nvGrpSpPr>
+        <p:cNvPr id="1" name=""/>
+        <p:cNvGrpSpPr/>
+        <p:nvPr/>
+      </p:nvGrpSpPr>
+      <p:grpSpPr>
+        <a:xfrm>
+          <a:off x="0" y="0"/>
+          <a:ext cx="0" cy="0"/>
+          <a:chOff x="0" y="0"/>
+          <a:chExt cx="0" cy="0"/>
+        </a:xfrm>
+      </p:grpSpPr>
+      <p:grpSp>
+        <p:nvGrpSpPr>
+          <p:cNvPr id="8" name="그룹 7"/>
+          <p:cNvGrpSpPr/>
+          <p:nvPr/>
+        </p:nvGrpSpPr>
+        <p:grpSpPr>
+          <a:xfrm>
+            <a:off x="323528" y="404664"/>
+            <a:ext cx="8640000" cy="5760000"/>
+            <a:chOff x="323528" y="404664"/>
+            <a:chExt cx="8640000" cy="5760000"/>
+          </a:xfrm>
+        </p:grpSpPr>
+        <p:pic>
+          <p:nvPicPr>
+            <p:cNvPr id="2" name="그림 1" descr="crop-athlete-kicking-soccer-ball_23-2147817301.jpg"/>
+            <p:cNvPicPr preferRelativeResize="0">
+              <a:picLocks/>
+            </p:cNvPicPr>
+            <p:nvPr/>
+          </p:nvPicPr>
+          <p:blipFill>
+            <a:blip r:embed="rId2" cstate="print"/>
+            <a:stretch>
+              <a:fillRect/>
+            </a:stretch>
+          </p:blipFill>
+          <p:spPr>
+            <a:xfrm>
+              <a:off x="323528" y="404664"/>
+              <a:ext cx="8640000" cy="5760000"/>
+            </a:xfrm>
+            <a:prstGeom prst="rect">
+              <a:avLst/>
+            </a:prstGeom>
+            <a:effectLst/>
+          </p:spPr>
+        </p:pic>
+        <p:sp>
+          <p:nvSpPr>
+            <p:cNvPr id="3" name="직사각형 2"/>
+            <p:cNvSpPr/>
+            <p:nvPr/>
+          </p:nvSpPr>
+          <p:spPr>
+            <a:xfrm>
+              <a:off x="1187624" y="1268760"/>
+              <a:ext cx="7632848" cy="4752528"/>
+            </a:xfrm>
+            <a:prstGeom prst="rect">
+              <a:avLst/>
+            </a:prstGeom>
+            <a:solidFill>
+              <a:srgbClr val="92D050">
+                <a:alpha val="70000"/>
+              </a:srgbClr>
+            </a:solidFill>
+            <a:ln>
+              <a:solidFill>
+                <a:schemeClr val="accent3">
+                  <a:lumMod val="60000"/>
+                  <a:lumOff val="40000"/>
+                </a:schemeClr>
+              </a:solidFill>
+              <a:prstDash val="solid"/>
+            </a:ln>
+            <a:effectLst/>
+            <a:scene3d>
+              <a:camera prst="orthographicFront"/>
+              <a:lightRig rig="threePt" dir="t"/>
+            </a:scene3d>
+            <a:sp3d/>
+          </p:spPr>
+          <p:style>
+            <a:lnRef idx="2">
+              <a:schemeClr val="accent1">
+                <a:shade val="50000"/>
+              </a:schemeClr>
+            </a:lnRef>
+            <a:fillRef idx="1">
+              <a:schemeClr val="accent1"/>
+            </a:fillRef>
+            <a:effectRef idx="0">
+              <a:schemeClr val="accent1"/>
+            </a:effectRef>
+            <a:fontRef idx="minor">
+              <a:schemeClr val="lt1"/>
+            </a:fontRef>
+          </p:style>
+          <p:txBody>
+            <a:bodyPr rtlCol="0" anchor="ctr">
+              <a:scene3d>
+                <a:camera prst="orthographicFront"/>
+                <a:lightRig rig="soft" dir="tl">
+                  <a:rot lat="0" lon="0" rev="0"/>
+                </a:lightRig>
+              </a:scene3d>
+              <a:sp3d contourW="25400" prstMaterial="matte">
+                <a:bevelT w="25400" h="55880" prst="artDeco"/>
+                <a:contourClr>
+                  <a:schemeClr val="accent2">
+                    <a:tint val="20000"/>
+                  </a:schemeClr>
+                </a:contourClr>
+              </a:sp3d>
+            </a:bodyPr>
+            <a:lstStyle/>
+            <a:p>
+              <a:pPr algn="ctr"/>
+              <a:endParaRPr lang="ko-KR" altLang="en-US" b="1" spc="50" dirty="0" smtClean="0">
+                <a:ln w="11430">
+                  <a:solidFill>
+                    <a:srgbClr val="00B050"/>
+                  </a:solidFill>
+                </a:ln>
+                <a:solidFill>
+                  <a:srgbClr val="00B050"/>
+                </a:solidFill>
+                <a:effectLst>
+                  <a:glow rad="228600">
+                    <a:schemeClr val="accent6">
+                      <a:satMod val="175000"/>
+                      <a:alpha val="40000"/>
+                    </a:schemeClr>
+                  </a:glow>
+                  <a:outerShdw blurRad="50800" dist="38100" dir="2700000" algn="tl" rotWithShape="0">
+                    <a:prstClr val="black">
+                      <a:alpha val="40000"/>
+                    </a:prstClr>
+                  </a:outerShdw>
+                </a:effectLst>
+              </a:endParaRPr>
+            </a:p>
+          </p:txBody>
+        </p:sp>
+        <p:sp>
+          <p:nvSpPr>
+            <p:cNvPr id="4" name="직사각형 3"/>
+            <p:cNvSpPr/>
+            <p:nvPr/>
+          </p:nvSpPr>
+          <p:spPr>
+            <a:xfrm>
+              <a:off x="539552" y="1268760"/>
+              <a:ext cx="648072" cy="4752528"/>
+            </a:xfrm>
+            <a:prstGeom prst="rect">
+              <a:avLst/>
+            </a:prstGeom>
+            <a:solidFill>
+              <a:srgbClr val="92D050">
+                <a:alpha val="70000"/>
+              </a:srgbClr>
+            </a:solidFill>
+            <a:ln>
+              <a:solidFill>
+                <a:schemeClr val="accent3">
+                  <a:lumMod val="60000"/>
+                  <a:lumOff val="40000"/>
+                </a:schemeClr>
+              </a:solidFill>
+              <a:prstDash val="solid"/>
+            </a:ln>
+            <a:effectLst/>
+            <a:scene3d>
+              <a:camera prst="orthographicFront"/>
+              <a:lightRig rig="threePt" dir="t"/>
+            </a:scene3d>
+            <a:sp3d/>
+          </p:spPr>
+          <p:style>
+            <a:lnRef idx="2">
+              <a:schemeClr val="accent1">
+                <a:shade val="50000"/>
+              </a:schemeClr>
+            </a:lnRef>
+            <a:fillRef idx="1">
+              <a:schemeClr val="accent1"/>
+            </a:fillRef>
+            <a:effectRef idx="0">
+              <a:schemeClr val="accent1"/>
+            </a:effectRef>
+            <a:fontRef idx="minor">
+              <a:schemeClr val="lt1"/>
+            </a:fontRef>
+          </p:style>
+          <p:txBody>
+            <a:bodyPr rtlCol="0" anchor="ctr">
+              <a:scene3d>
+                <a:camera prst="orthographicFront"/>
+                <a:lightRig rig="soft" dir="tl">
+                  <a:rot lat="0" lon="0" rev="0"/>
+                </a:lightRig>
+              </a:scene3d>
+              <a:sp3d contourW="25400" prstMaterial="matte">
+                <a:bevelT w="25400" h="55880" prst="artDeco"/>
+                <a:contourClr>
+                  <a:schemeClr val="accent2">
+                    <a:tint val="20000"/>
+                  </a:schemeClr>
+                </a:contourClr>
+              </a:sp3d>
+            </a:bodyPr>
+            <a:lstStyle/>
+            <a:p>
+              <a:pPr algn="ctr"/>
+              <a:endParaRPr lang="ko-KR" altLang="en-US" b="1" spc="50" dirty="0" smtClean="0">
+                <a:ln w="11430">
+                  <a:solidFill>
+                    <a:srgbClr val="00B050"/>
+                  </a:solidFill>
+                </a:ln>
+                <a:solidFill>
+                  <a:srgbClr val="00B050"/>
+                </a:solidFill>
+                <a:effectLst>
+                  <a:glow rad="228600">
+                    <a:schemeClr val="accent6">
+                      <a:satMod val="175000"/>
+                      <a:alpha val="40000"/>
+                    </a:schemeClr>
+                  </a:glow>
+                  <a:outerShdw blurRad="50800" dist="38100" dir="2700000" algn="tl" rotWithShape="0">
+                    <a:prstClr val="black">
+                      <a:alpha val="40000"/>
+                    </a:prstClr>
+                  </a:outerShdw>
+                </a:effectLst>
+              </a:endParaRPr>
+            </a:p>
+          </p:txBody>
+        </p:sp>
+        <p:sp>
+          <p:nvSpPr>
+            <p:cNvPr id="5" name="직사각형 4"/>
+            <p:cNvSpPr/>
+            <p:nvPr/>
+          </p:nvSpPr>
+          <p:spPr>
+            <a:xfrm>
+              <a:off x="1187624" y="620688"/>
+              <a:ext cx="7632848" cy="648072"/>
+            </a:xfrm>
+            <a:prstGeom prst="rect">
+              <a:avLst/>
+            </a:prstGeom>
+            <a:solidFill>
+              <a:srgbClr val="92D050">
+                <a:alpha val="70000"/>
+              </a:srgbClr>
+            </a:solidFill>
+            <a:ln>
+              <a:solidFill>
+                <a:schemeClr val="accent3">
+                  <a:lumMod val="60000"/>
+                  <a:lumOff val="40000"/>
+                </a:schemeClr>
+              </a:solidFill>
+              <a:prstDash val="solid"/>
+            </a:ln>
+            <a:effectLst/>
+            <a:scene3d>
+              <a:camera prst="orthographicFront"/>
+              <a:lightRig rig="threePt" dir="t"/>
+            </a:scene3d>
+            <a:sp3d/>
+          </p:spPr>
+          <p:style>
+            <a:lnRef idx="2">
+              <a:schemeClr val="accent1">
+                <a:shade val="50000"/>
+              </a:schemeClr>
+            </a:lnRef>
+            <a:fillRef idx="1">
+              <a:schemeClr val="accent1"/>
+            </a:fillRef>
+            <a:effectRef idx="0">
+              <a:schemeClr val="accent1"/>
+            </a:effectRef>
+            <a:fontRef idx="minor">
+              <a:schemeClr val="lt1"/>
+            </a:fontRef>
+          </p:style>
+          <p:txBody>
+            <a:bodyPr rtlCol="0" anchor="ctr">
+              <a:scene3d>
+                <a:camera prst="orthographicFront"/>
+                <a:lightRig rig="soft" dir="tl">
+                  <a:rot lat="0" lon="0" rev="0"/>
+                </a:lightRig>
+              </a:scene3d>
+              <a:sp3d contourW="25400" prstMaterial="matte">
+                <a:bevelT w="25400" h="55880" prst="artDeco"/>
+                <a:contourClr>
+                  <a:schemeClr val="accent2">
+                    <a:tint val="20000"/>
+                  </a:schemeClr>
+                </a:contourClr>
+              </a:sp3d>
+            </a:bodyPr>
+            <a:lstStyle/>
+            <a:p>
+              <a:pPr algn="ctr"/>
+              <a:endParaRPr lang="ko-KR" altLang="en-US" b="1" spc="50" dirty="0" smtClean="0">
+                <a:ln w="11430">
+                  <a:solidFill>
+                    <a:srgbClr val="00B050"/>
+                  </a:solidFill>
+                </a:ln>
+                <a:solidFill>
+                  <a:srgbClr val="00B050"/>
+                </a:solidFill>
+                <a:effectLst>
+                  <a:glow rad="228600">
+                    <a:schemeClr val="accent6">
+                      <a:satMod val="175000"/>
+                      <a:alpha val="40000"/>
+                    </a:schemeClr>
+                  </a:glow>
+                  <a:outerShdw blurRad="50800" dist="38100" dir="2700000" algn="tl" rotWithShape="0">
+                    <a:prstClr val="black">
+                      <a:alpha val="40000"/>
+                    </a:prstClr>
+                  </a:outerShdw>
+                </a:effectLst>
+              </a:endParaRPr>
+            </a:p>
+          </p:txBody>
+        </p:sp>
+        <p:sp>
+          <p:nvSpPr>
+            <p:cNvPr id="13" name="직사각형 12"/>
+            <p:cNvSpPr/>
+            <p:nvPr/>
+          </p:nvSpPr>
+          <p:spPr>
+            <a:xfrm>
+              <a:off x="539552" y="620688"/>
+              <a:ext cx="648072" cy="648072"/>
+            </a:xfrm>
+            <a:prstGeom prst="rect">
+              <a:avLst/>
+            </a:prstGeom>
+            <a:solidFill>
+              <a:srgbClr val="92D050"/>
+            </a:solidFill>
+            <a:ln>
+              <a:solidFill>
+                <a:schemeClr val="accent3">
+                  <a:lumMod val="60000"/>
+                  <a:lumOff val="40000"/>
+                </a:schemeClr>
+              </a:solidFill>
+              <a:prstDash val="solid"/>
+            </a:ln>
+            <a:effectLst>
+              <a:outerShdw blurRad="63500" sx="102000" sy="102000" algn="ctr" rotWithShape="0">
+                <a:prstClr val="black">
+                  <a:alpha val="40000"/>
+                </a:prstClr>
+              </a:outerShdw>
+            </a:effectLst>
+            <a:scene3d>
+              <a:camera prst="orthographicFront"/>
+              <a:lightRig rig="threePt" dir="t"/>
+            </a:scene3d>
+            <a:sp3d/>
+          </p:spPr>
+          <p:style>
+            <a:lnRef idx="2">
+              <a:schemeClr val="accent1">
+                <a:shade val="50000"/>
+              </a:schemeClr>
+            </a:lnRef>
+            <a:fillRef idx="1">
+              <a:schemeClr val="accent1"/>
+            </a:fillRef>
+            <a:effectRef idx="0">
+              <a:schemeClr val="accent1"/>
+            </a:effectRef>
+            <a:fontRef idx="minor">
+              <a:schemeClr val="lt1"/>
+            </a:fontRef>
+          </p:style>
+          <p:txBody>
+            <a:bodyPr rtlCol="0" anchor="ctr">
+              <a:scene3d>
+                <a:camera prst="orthographicFront"/>
+                <a:lightRig rig="soft" dir="tl">
+                  <a:rot lat="0" lon="0" rev="0"/>
+                </a:lightRig>
+              </a:scene3d>
+              <a:sp3d contourW="25400" prstMaterial="matte">
+                <a:bevelT w="25400" h="55880" prst="artDeco"/>
+                <a:contourClr>
+                  <a:schemeClr val="accent2">
+                    <a:tint val="20000"/>
+                  </a:schemeClr>
+                </a:contourClr>
+              </a:sp3d>
+            </a:bodyPr>
+            <a:lstStyle/>
+            <a:p>
+              <a:pPr algn="ctr"/>
+              <a:endParaRPr lang="ko-KR" altLang="en-US" b="1" spc="50" dirty="0" smtClean="0">
+                <a:ln w="11430">
+                  <a:solidFill>
+                    <a:srgbClr val="00B050"/>
+                  </a:solidFill>
+                </a:ln>
+                <a:solidFill>
+                  <a:srgbClr val="00B050"/>
+                </a:solidFill>
+                <a:effectLst>
+                  <a:glow rad="228600">
+                    <a:schemeClr val="accent6">
+                      <a:satMod val="175000"/>
+                      <a:alpha val="40000"/>
+                    </a:schemeClr>
+                  </a:glow>
+                  <a:outerShdw blurRad="50800" dist="38100" dir="2700000" algn="tl" rotWithShape="0">
+                    <a:prstClr val="black">
+                      <a:alpha val="40000"/>
+                    </a:prstClr>
+                  </a:outerShdw>
+                </a:effectLst>
+              </a:endParaRPr>
+            </a:p>
+          </p:txBody>
+        </p:sp>
+        <p:pic>
+          <p:nvPicPr>
+            <p:cNvPr id="14" name="그림 13" descr="11225.png"/>
+            <p:cNvPicPr preferRelativeResize="0">
+              <a:picLocks/>
+            </p:cNvPicPr>
+            <p:nvPr/>
+          </p:nvPicPr>
+          <p:blipFill>
+            <a:blip r:embed="rId3" cstate="print"/>
+            <a:srcRect l="28172" t="27420" r="19241" b="10886"/>
+            <a:stretch>
+              <a:fillRect/>
+            </a:stretch>
+          </p:blipFill>
+          <p:spPr>
+            <a:xfrm>
+              <a:off x="539552" y="620688"/>
+              <a:ext cx="648000" cy="648000"/>
+            </a:xfrm>
+            <a:prstGeom prst="rect">
+              <a:avLst/>
+            </a:prstGeom>
+            <a:effectLst/>
           </p:spPr>
         </p:pic>
       </p:grpSp>

--- a/그림 만들기.pptx
+++ b/그림 만들기.pptx
@@ -197,7 +197,7 @@
             <a:fld id="{B478B745-BF05-4AEA-A995-7E994C8F897E}" type="datetimeFigureOut">
               <a:rPr lang="ko-KR" altLang="en-US" smtClean="0"/>
               <a:pPr/>
-              <a:t>2020-07-01</a:t>
+              <a:t>2020-07-03</a:t>
             </a:fld>
             <a:endParaRPr lang="ko-KR" altLang="en-US"/>
           </a:p>
@@ -809,7 +809,7 @@
             <a:fld id="{823895E5-2D2B-4236-AC77-BC0599642604}" type="datetimeFigureOut">
               <a:rPr lang="ko-KR" altLang="en-US" smtClean="0"/>
               <a:pPr/>
-              <a:t>2020-07-01</a:t>
+              <a:t>2020-07-03</a:t>
             </a:fld>
             <a:endParaRPr lang="ko-KR" altLang="en-US"/>
           </a:p>
@@ -976,7 +976,7 @@
             <a:fld id="{823895E5-2D2B-4236-AC77-BC0599642604}" type="datetimeFigureOut">
               <a:rPr lang="ko-KR" altLang="en-US" smtClean="0"/>
               <a:pPr/>
-              <a:t>2020-07-01</a:t>
+              <a:t>2020-07-03</a:t>
             </a:fld>
             <a:endParaRPr lang="ko-KR" altLang="en-US"/>
           </a:p>
@@ -1153,7 +1153,7 @@
             <a:fld id="{823895E5-2D2B-4236-AC77-BC0599642604}" type="datetimeFigureOut">
               <a:rPr lang="ko-KR" altLang="en-US" smtClean="0"/>
               <a:pPr/>
-              <a:t>2020-07-01</a:t>
+              <a:t>2020-07-03</a:t>
             </a:fld>
             <a:endParaRPr lang="ko-KR" altLang="en-US"/>
           </a:p>
@@ -1320,7 +1320,7 @@
             <a:fld id="{823895E5-2D2B-4236-AC77-BC0599642604}" type="datetimeFigureOut">
               <a:rPr lang="ko-KR" altLang="en-US" smtClean="0"/>
               <a:pPr/>
-              <a:t>2020-07-01</a:t>
+              <a:t>2020-07-03</a:t>
             </a:fld>
             <a:endParaRPr lang="ko-KR" altLang="en-US"/>
           </a:p>
@@ -1563,7 +1563,7 @@
             <a:fld id="{823895E5-2D2B-4236-AC77-BC0599642604}" type="datetimeFigureOut">
               <a:rPr lang="ko-KR" altLang="en-US" smtClean="0"/>
               <a:pPr/>
-              <a:t>2020-07-01</a:t>
+              <a:t>2020-07-03</a:t>
             </a:fld>
             <a:endParaRPr lang="ko-KR" altLang="en-US"/>
           </a:p>
@@ -1848,7 +1848,7 @@
             <a:fld id="{823895E5-2D2B-4236-AC77-BC0599642604}" type="datetimeFigureOut">
               <a:rPr lang="ko-KR" altLang="en-US" smtClean="0"/>
               <a:pPr/>
-              <a:t>2020-07-01</a:t>
+              <a:t>2020-07-03</a:t>
             </a:fld>
             <a:endParaRPr lang="ko-KR" altLang="en-US"/>
           </a:p>
@@ -2267,7 +2267,7 @@
             <a:fld id="{823895E5-2D2B-4236-AC77-BC0599642604}" type="datetimeFigureOut">
               <a:rPr lang="ko-KR" altLang="en-US" smtClean="0"/>
               <a:pPr/>
-              <a:t>2020-07-01</a:t>
+              <a:t>2020-07-03</a:t>
             </a:fld>
             <a:endParaRPr lang="ko-KR" altLang="en-US"/>
           </a:p>
@@ -2382,7 +2382,7 @@
             <a:fld id="{823895E5-2D2B-4236-AC77-BC0599642604}" type="datetimeFigureOut">
               <a:rPr lang="ko-KR" altLang="en-US" smtClean="0"/>
               <a:pPr/>
-              <a:t>2020-07-01</a:t>
+              <a:t>2020-07-03</a:t>
             </a:fld>
             <a:endParaRPr lang="ko-KR" altLang="en-US"/>
           </a:p>
@@ -2474,7 +2474,7 @@
             <a:fld id="{823895E5-2D2B-4236-AC77-BC0599642604}" type="datetimeFigureOut">
               <a:rPr lang="ko-KR" altLang="en-US" smtClean="0"/>
               <a:pPr/>
-              <a:t>2020-07-01</a:t>
+              <a:t>2020-07-03</a:t>
             </a:fld>
             <a:endParaRPr lang="ko-KR" altLang="en-US"/>
           </a:p>
@@ -2748,7 +2748,7 @@
             <a:fld id="{823895E5-2D2B-4236-AC77-BC0599642604}" type="datetimeFigureOut">
               <a:rPr lang="ko-KR" altLang="en-US" smtClean="0"/>
               <a:pPr/>
-              <a:t>2020-07-01</a:t>
+              <a:t>2020-07-03</a:t>
             </a:fld>
             <a:endParaRPr lang="ko-KR" altLang="en-US"/>
           </a:p>
@@ -2998,7 +2998,7 @@
             <a:fld id="{823895E5-2D2B-4236-AC77-BC0599642604}" type="datetimeFigureOut">
               <a:rPr lang="ko-KR" altLang="en-US" smtClean="0"/>
               <a:pPr/>
-              <a:t>2020-07-01</a:t>
+              <a:t>2020-07-03</a:t>
             </a:fld>
             <a:endParaRPr lang="ko-KR" altLang="en-US"/>
           </a:p>
@@ -3208,7 +3208,7 @@
             <a:fld id="{823895E5-2D2B-4236-AC77-BC0599642604}" type="datetimeFigureOut">
               <a:rPr lang="ko-KR" altLang="en-US" smtClean="0"/>
               <a:pPr/>
-              <a:t>2020-07-01</a:t>
+              <a:t>2020-07-03</a:t>
             </a:fld>
             <a:endParaRPr lang="ko-KR" altLang="en-US"/>
           </a:p>
@@ -4779,6 +4779,111 @@
           </a:prstGeom>
         </p:spPr>
       </p:pic>
+      <p:sp>
+        <p:nvSpPr>
+          <p:cNvPr id="16" name="모서리가 둥근 직사각형 15"/>
+          <p:cNvSpPr/>
+          <p:nvPr/>
+        </p:nvSpPr>
+        <p:spPr>
+          <a:xfrm>
+            <a:off x="2627784" y="3789040"/>
+            <a:ext cx="1800000" cy="1800000"/>
+          </a:xfrm>
+          <a:prstGeom prst="roundRect">
+            <a:avLst/>
+          </a:prstGeom>
+          <a:solidFill>
+            <a:schemeClr val="accent4">
+              <a:lumMod val="60000"/>
+              <a:lumOff val="40000"/>
+            </a:schemeClr>
+          </a:solidFill>
+          <a:ln>
+            <a:solidFill>
+              <a:schemeClr val="accent1">
+                <a:lumMod val="20000"/>
+                <a:lumOff val="80000"/>
+              </a:schemeClr>
+            </a:solidFill>
+            <a:prstDash val="solid"/>
+          </a:ln>
+          <a:effectLst>
+            <a:outerShdw blurRad="63500" sx="102000" sy="102000" algn="ctr" rotWithShape="0">
+              <a:prstClr val="black">
+                <a:alpha val="40000"/>
+              </a:prstClr>
+            </a:outerShdw>
+          </a:effectLst>
+          <a:scene3d>
+            <a:camera prst="orthographicFront"/>
+            <a:lightRig rig="threePt" dir="t"/>
+          </a:scene3d>
+          <a:sp3d>
+            <a:bevelT/>
+          </a:sp3d>
+        </p:spPr>
+        <p:style>
+          <a:lnRef idx="2">
+            <a:schemeClr val="accent1">
+              <a:shade val="50000"/>
+            </a:schemeClr>
+          </a:lnRef>
+          <a:fillRef idx="1">
+            <a:schemeClr val="accent1"/>
+          </a:fillRef>
+          <a:effectRef idx="0">
+            <a:schemeClr val="accent1"/>
+          </a:effectRef>
+          <a:fontRef idx="minor">
+            <a:schemeClr val="lt1"/>
+          </a:fontRef>
+        </p:style>
+        <p:txBody>
+          <a:bodyPr rtlCol="0" anchor="ctr">
+            <a:scene3d>
+              <a:camera prst="orthographicFront"/>
+              <a:lightRig rig="soft" dir="tl">
+                <a:rot lat="0" lon="0" rev="0"/>
+              </a:lightRig>
+            </a:scene3d>
+            <a:sp3d contourW="25400" prstMaterial="matte">
+              <a:contourClr>
+                <a:schemeClr val="accent2">
+                  <a:tint val="20000"/>
+                </a:schemeClr>
+              </a:contourClr>
+            </a:sp3d>
+          </a:bodyPr>
+          <a:lstStyle/>
+          <a:p>
+            <a:pPr algn="ctr"/>
+            <a:endParaRPr lang="ko-KR" altLang="en-US" b="1" spc="50" dirty="0" smtClean="0">
+              <a:ln w="11430">
+                <a:solidFill>
+                  <a:srgbClr val="00B050"/>
+                </a:solidFill>
+              </a:ln>
+              <a:solidFill>
+                <a:srgbClr val="00B050"/>
+              </a:solidFill>
+              <a:effectLst>
+                <a:glow rad="228600">
+                  <a:schemeClr val="accent6">
+                    <a:satMod val="175000"/>
+                    <a:alpha val="40000"/>
+                  </a:schemeClr>
+                </a:glow>
+                <a:outerShdw blurRad="50800" dist="38100" dir="2700000" algn="tl" rotWithShape="0">
+                  <a:prstClr val="black">
+                    <a:alpha val="40000"/>
+                  </a:prstClr>
+                </a:outerShdw>
+              </a:effectLst>
+            </a:endParaRPr>
+          </a:p>
+        </p:txBody>
+      </p:sp>
     </p:spTree>
   </p:cSld>
   <p:clrMapOvr>
@@ -5845,7 +5950,7 @@
       </p:grpSpPr>
       <p:grpSp>
         <p:nvGrpSpPr>
-          <p:cNvPr id="8" name="그룹 7"/>
+          <p:cNvPr id="49" name="그룹 48"/>
           <p:cNvGrpSpPr/>
           <p:nvPr/>
         </p:nvGrpSpPr>
@@ -5857,41 +5962,444 @@
             <a:chExt cx="8640000" cy="5760000"/>
           </a:xfrm>
         </p:grpSpPr>
-        <p:pic>
-          <p:nvPicPr>
-            <p:cNvPr id="2" name="그림 1" descr="crop-athlete-kicking-soccer-ball_23-2147817301.jpg"/>
-            <p:cNvPicPr preferRelativeResize="0">
-              <a:picLocks/>
-            </p:cNvPicPr>
+        <p:grpSp>
+          <p:nvGrpSpPr>
+            <p:cNvPr id="47" name="그룹 46"/>
+            <p:cNvGrpSpPr/>
             <p:nvPr/>
-          </p:nvPicPr>
-          <p:blipFill>
-            <a:blip r:embed="rId2" cstate="print"/>
-            <a:stretch>
-              <a:fillRect/>
-            </a:stretch>
-          </p:blipFill>
-          <p:spPr>
+          </p:nvGrpSpPr>
+          <p:grpSpPr>
             <a:xfrm>
               <a:off x="323528" y="404664"/>
               <a:ext cx="8640000" cy="5760000"/>
+              <a:chOff x="323528" y="404664"/>
+              <a:chExt cx="8640000" cy="5760000"/>
             </a:xfrm>
-            <a:prstGeom prst="rect">
-              <a:avLst/>
-            </a:prstGeom>
-            <a:effectLst/>
-          </p:spPr>
-        </p:pic>
+          </p:grpSpPr>
+          <p:pic>
+            <p:nvPicPr>
+              <p:cNvPr id="2" name="그림 1" descr="crop-athlete-kicking-soccer-ball_23-2147817301.jpg"/>
+              <p:cNvPicPr preferRelativeResize="0">
+                <a:picLocks/>
+              </p:cNvPicPr>
+              <p:nvPr/>
+            </p:nvPicPr>
+            <p:blipFill>
+              <a:blip r:embed="rId2" cstate="print"/>
+              <a:stretch>
+                <a:fillRect/>
+              </a:stretch>
+            </p:blipFill>
+            <p:spPr>
+              <a:xfrm>
+                <a:off x="323528" y="404664"/>
+                <a:ext cx="8640000" cy="5760000"/>
+              </a:xfrm>
+              <a:prstGeom prst="rect">
+                <a:avLst/>
+              </a:prstGeom>
+              <a:effectLst/>
+            </p:spPr>
+          </p:pic>
+          <p:sp>
+            <p:nvSpPr>
+              <p:cNvPr id="3" name="직사각형 2"/>
+              <p:cNvSpPr/>
+              <p:nvPr/>
+            </p:nvSpPr>
+            <p:spPr>
+              <a:xfrm>
+                <a:off x="1835696" y="1268760"/>
+                <a:ext cx="6984776" cy="4752528"/>
+              </a:xfrm>
+              <a:prstGeom prst="rect">
+                <a:avLst/>
+              </a:prstGeom>
+              <a:solidFill>
+                <a:srgbClr val="92D050">
+                  <a:alpha val="70000"/>
+                </a:srgbClr>
+              </a:solidFill>
+              <a:ln>
+                <a:solidFill>
+                  <a:schemeClr val="accent3">
+                    <a:lumMod val="60000"/>
+                    <a:lumOff val="40000"/>
+                  </a:schemeClr>
+                </a:solidFill>
+                <a:prstDash val="solid"/>
+              </a:ln>
+              <a:effectLst/>
+              <a:scene3d>
+                <a:camera prst="orthographicFront"/>
+                <a:lightRig rig="threePt" dir="t"/>
+              </a:scene3d>
+              <a:sp3d/>
+            </p:spPr>
+            <p:style>
+              <a:lnRef idx="2">
+                <a:schemeClr val="accent1">
+                  <a:shade val="50000"/>
+                </a:schemeClr>
+              </a:lnRef>
+              <a:fillRef idx="1">
+                <a:schemeClr val="accent1"/>
+              </a:fillRef>
+              <a:effectRef idx="0">
+                <a:schemeClr val="accent1"/>
+              </a:effectRef>
+              <a:fontRef idx="minor">
+                <a:schemeClr val="lt1"/>
+              </a:fontRef>
+            </p:style>
+            <p:txBody>
+              <a:bodyPr rtlCol="0" anchor="ctr">
+                <a:scene3d>
+                  <a:camera prst="orthographicFront"/>
+                  <a:lightRig rig="soft" dir="tl">
+                    <a:rot lat="0" lon="0" rev="0"/>
+                  </a:lightRig>
+                </a:scene3d>
+                <a:sp3d contourW="25400" prstMaterial="matte">
+                  <a:bevelT w="25400" h="55880" prst="artDeco"/>
+                  <a:contourClr>
+                    <a:schemeClr val="accent2">
+                      <a:tint val="20000"/>
+                    </a:schemeClr>
+                  </a:contourClr>
+                </a:sp3d>
+              </a:bodyPr>
+              <a:lstStyle/>
+              <a:p>
+                <a:pPr algn="ctr"/>
+                <a:endParaRPr lang="ko-KR" altLang="en-US" b="1" spc="50" dirty="0" smtClean="0">
+                  <a:ln w="11430">
+                    <a:solidFill>
+                      <a:srgbClr val="00B050"/>
+                    </a:solidFill>
+                  </a:ln>
+                  <a:solidFill>
+                    <a:srgbClr val="00B050"/>
+                  </a:solidFill>
+                  <a:effectLst>
+                    <a:glow rad="228600">
+                      <a:schemeClr val="accent6">
+                        <a:satMod val="175000"/>
+                        <a:alpha val="40000"/>
+                      </a:schemeClr>
+                    </a:glow>
+                    <a:outerShdw blurRad="50800" dist="38100" dir="2700000" algn="tl" rotWithShape="0">
+                      <a:prstClr val="black">
+                        <a:alpha val="40000"/>
+                      </a:prstClr>
+                    </a:outerShdw>
+                  </a:effectLst>
+                </a:endParaRPr>
+              </a:p>
+            </p:txBody>
+          </p:sp>
+          <p:sp>
+            <p:nvSpPr>
+              <p:cNvPr id="4" name="직사각형 3"/>
+              <p:cNvSpPr/>
+              <p:nvPr/>
+            </p:nvSpPr>
+            <p:spPr>
+              <a:xfrm>
+                <a:off x="539552" y="1268760"/>
+                <a:ext cx="1296144" cy="4752528"/>
+              </a:xfrm>
+              <a:prstGeom prst="rect">
+                <a:avLst/>
+              </a:prstGeom>
+              <a:solidFill>
+                <a:srgbClr val="92D050">
+                  <a:alpha val="70000"/>
+                </a:srgbClr>
+              </a:solidFill>
+              <a:ln>
+                <a:solidFill>
+                  <a:schemeClr val="accent3">
+                    <a:lumMod val="60000"/>
+                    <a:lumOff val="40000"/>
+                  </a:schemeClr>
+                </a:solidFill>
+                <a:prstDash val="solid"/>
+              </a:ln>
+              <a:effectLst/>
+              <a:scene3d>
+                <a:camera prst="orthographicFront"/>
+                <a:lightRig rig="threePt" dir="t"/>
+              </a:scene3d>
+              <a:sp3d/>
+            </p:spPr>
+            <p:style>
+              <a:lnRef idx="2">
+                <a:schemeClr val="accent1">
+                  <a:shade val="50000"/>
+                </a:schemeClr>
+              </a:lnRef>
+              <a:fillRef idx="1">
+                <a:schemeClr val="accent1"/>
+              </a:fillRef>
+              <a:effectRef idx="0">
+                <a:schemeClr val="accent1"/>
+              </a:effectRef>
+              <a:fontRef idx="minor">
+                <a:schemeClr val="lt1"/>
+              </a:fontRef>
+            </p:style>
+            <p:txBody>
+              <a:bodyPr rtlCol="0" anchor="ctr">
+                <a:scene3d>
+                  <a:camera prst="orthographicFront"/>
+                  <a:lightRig rig="soft" dir="tl">
+                    <a:rot lat="0" lon="0" rev="0"/>
+                  </a:lightRig>
+                </a:scene3d>
+                <a:sp3d contourW="25400" prstMaterial="matte">
+                  <a:bevelT w="25400" h="55880" prst="artDeco"/>
+                  <a:contourClr>
+                    <a:schemeClr val="accent2">
+                      <a:tint val="20000"/>
+                    </a:schemeClr>
+                  </a:contourClr>
+                </a:sp3d>
+              </a:bodyPr>
+              <a:lstStyle/>
+              <a:p>
+                <a:pPr algn="ctr"/>
+                <a:endParaRPr lang="ko-KR" altLang="en-US" b="1" spc="50" dirty="0" smtClean="0">
+                  <a:ln w="11430">
+                    <a:solidFill>
+                      <a:srgbClr val="00B050"/>
+                    </a:solidFill>
+                  </a:ln>
+                  <a:solidFill>
+                    <a:srgbClr val="00B050"/>
+                  </a:solidFill>
+                  <a:effectLst>
+                    <a:glow rad="228600">
+                      <a:schemeClr val="accent6">
+                        <a:satMod val="175000"/>
+                        <a:alpha val="40000"/>
+                      </a:schemeClr>
+                    </a:glow>
+                    <a:outerShdw blurRad="50800" dist="38100" dir="2700000" algn="tl" rotWithShape="0">
+                      <a:prstClr val="black">
+                        <a:alpha val="40000"/>
+                      </a:prstClr>
+                    </a:outerShdw>
+                  </a:effectLst>
+                </a:endParaRPr>
+              </a:p>
+            </p:txBody>
+          </p:sp>
+          <p:sp>
+            <p:nvSpPr>
+              <p:cNvPr id="5" name="직사각형 4"/>
+              <p:cNvSpPr/>
+              <p:nvPr/>
+            </p:nvSpPr>
+            <p:spPr>
+              <a:xfrm>
+                <a:off x="1835696" y="620688"/>
+                <a:ext cx="6984776" cy="648072"/>
+              </a:xfrm>
+              <a:prstGeom prst="rect">
+                <a:avLst/>
+              </a:prstGeom>
+              <a:solidFill>
+                <a:srgbClr val="92D050">
+                  <a:alpha val="70000"/>
+                </a:srgbClr>
+              </a:solidFill>
+              <a:ln>
+                <a:solidFill>
+                  <a:schemeClr val="accent3">
+                    <a:lumMod val="60000"/>
+                    <a:lumOff val="40000"/>
+                  </a:schemeClr>
+                </a:solidFill>
+                <a:prstDash val="solid"/>
+              </a:ln>
+              <a:effectLst/>
+              <a:scene3d>
+                <a:camera prst="orthographicFront"/>
+                <a:lightRig rig="threePt" dir="t"/>
+              </a:scene3d>
+              <a:sp3d/>
+            </p:spPr>
+            <p:style>
+              <a:lnRef idx="2">
+                <a:schemeClr val="accent1">
+                  <a:shade val="50000"/>
+                </a:schemeClr>
+              </a:lnRef>
+              <a:fillRef idx="1">
+                <a:schemeClr val="accent1"/>
+              </a:fillRef>
+              <a:effectRef idx="0">
+                <a:schemeClr val="accent1"/>
+              </a:effectRef>
+              <a:fontRef idx="minor">
+                <a:schemeClr val="lt1"/>
+              </a:fontRef>
+            </p:style>
+            <p:txBody>
+              <a:bodyPr rtlCol="0" anchor="ctr">
+                <a:scene3d>
+                  <a:camera prst="orthographicFront"/>
+                  <a:lightRig rig="soft" dir="tl">
+                    <a:rot lat="0" lon="0" rev="0"/>
+                  </a:lightRig>
+                </a:scene3d>
+                <a:sp3d contourW="25400" prstMaterial="matte">
+                  <a:bevelT w="25400" h="55880" prst="artDeco"/>
+                  <a:contourClr>
+                    <a:schemeClr val="accent2">
+                      <a:tint val="20000"/>
+                    </a:schemeClr>
+                  </a:contourClr>
+                </a:sp3d>
+              </a:bodyPr>
+              <a:lstStyle/>
+              <a:p>
+                <a:pPr algn="ctr"/>
+                <a:endParaRPr lang="ko-KR" altLang="en-US" b="1" spc="50" dirty="0" smtClean="0">
+                  <a:ln w="11430">
+                    <a:solidFill>
+                      <a:srgbClr val="00B050"/>
+                    </a:solidFill>
+                  </a:ln>
+                  <a:solidFill>
+                    <a:srgbClr val="00B050"/>
+                  </a:solidFill>
+                  <a:effectLst>
+                    <a:glow rad="228600">
+                      <a:schemeClr val="accent6">
+                        <a:satMod val="175000"/>
+                        <a:alpha val="40000"/>
+                      </a:schemeClr>
+                    </a:glow>
+                    <a:outerShdw blurRad="50800" dist="38100" dir="2700000" algn="tl" rotWithShape="0">
+                      <a:prstClr val="black">
+                        <a:alpha val="40000"/>
+                      </a:prstClr>
+                    </a:outerShdw>
+                  </a:effectLst>
+                </a:endParaRPr>
+              </a:p>
+            </p:txBody>
+          </p:sp>
+          <p:sp>
+            <p:nvSpPr>
+              <p:cNvPr id="38" name="직사각형 37"/>
+              <p:cNvSpPr/>
+              <p:nvPr/>
+            </p:nvSpPr>
+            <p:spPr>
+              <a:xfrm>
+                <a:off x="1187624" y="620688"/>
+                <a:ext cx="648072" cy="648072"/>
+              </a:xfrm>
+              <a:prstGeom prst="rect">
+                <a:avLst/>
+              </a:prstGeom>
+              <a:solidFill>
+                <a:srgbClr val="92D050">
+                  <a:alpha val="70000"/>
+                </a:srgbClr>
+              </a:solidFill>
+              <a:ln>
+                <a:solidFill>
+                  <a:schemeClr val="accent3">
+                    <a:lumMod val="60000"/>
+                    <a:lumOff val="40000"/>
+                  </a:schemeClr>
+                </a:solidFill>
+                <a:prstDash val="solid"/>
+              </a:ln>
+              <a:effectLst/>
+              <a:scene3d>
+                <a:camera prst="orthographicFront"/>
+                <a:lightRig rig="threePt" dir="t"/>
+              </a:scene3d>
+              <a:sp3d/>
+            </p:spPr>
+            <p:style>
+              <a:lnRef idx="2">
+                <a:schemeClr val="accent1">
+                  <a:shade val="50000"/>
+                </a:schemeClr>
+              </a:lnRef>
+              <a:fillRef idx="1">
+                <a:schemeClr val="accent1"/>
+              </a:fillRef>
+              <a:effectRef idx="0">
+                <a:schemeClr val="accent1"/>
+              </a:effectRef>
+              <a:fontRef idx="minor">
+                <a:schemeClr val="lt1"/>
+              </a:fontRef>
+            </p:style>
+            <p:txBody>
+              <a:bodyPr rtlCol="0" anchor="ctr">
+                <a:scene3d>
+                  <a:camera prst="orthographicFront"/>
+                  <a:lightRig rig="soft" dir="tl">
+                    <a:rot lat="0" lon="0" rev="0"/>
+                  </a:lightRig>
+                </a:scene3d>
+                <a:sp3d contourW="25400" prstMaterial="matte">
+                  <a:bevelT w="25400" h="55880" prst="artDeco"/>
+                  <a:contourClr>
+                    <a:schemeClr val="accent2">
+                      <a:tint val="20000"/>
+                    </a:schemeClr>
+                  </a:contourClr>
+                </a:sp3d>
+              </a:bodyPr>
+              <a:lstStyle/>
+              <a:p>
+                <a:pPr algn="ctr"/>
+                <a:endParaRPr lang="ko-KR" altLang="en-US" b="1" spc="50" dirty="0" smtClean="0">
+                  <a:ln w="11430">
+                    <a:solidFill>
+                      <a:srgbClr val="00B050"/>
+                    </a:solidFill>
+                  </a:ln>
+                  <a:solidFill>
+                    <a:srgbClr val="00B050"/>
+                  </a:solidFill>
+                  <a:effectLst>
+                    <a:glow rad="228600">
+                      <a:schemeClr val="accent6">
+                        <a:satMod val="175000"/>
+                        <a:alpha val="40000"/>
+                      </a:schemeClr>
+                    </a:glow>
+                    <a:outerShdw blurRad="50800" dist="38100" dir="2700000" algn="tl" rotWithShape="0">
+                      <a:prstClr val="black">
+                        <a:alpha val="40000"/>
+                      </a:prstClr>
+                    </a:outerShdw>
+                  </a:effectLst>
+                </a:endParaRPr>
+              </a:p>
+            </p:txBody>
+          </p:sp>
+        </p:grpSp>
         <p:sp>
           <p:nvSpPr>
-            <p:cNvPr id="3" name="직사각형 2"/>
+            <p:cNvPr id="48" name="직사각형 47"/>
             <p:cNvSpPr/>
             <p:nvPr/>
           </p:nvSpPr>
           <p:spPr>
             <a:xfrm>
-              <a:off x="1187624" y="1268760"/>
-              <a:ext cx="7632848" cy="4752528"/>
+              <a:off x="539552" y="620688"/>
+              <a:ext cx="648072" cy="648072"/>
             </a:xfrm>
             <a:prstGeom prst="rect">
               <a:avLst/>
@@ -5979,200 +6487,21 @@
             </a:p>
           </p:txBody>
         </p:sp>
-        <p:sp>
-          <p:nvSpPr>
-            <p:cNvPr id="4" name="직사각형 3"/>
-            <p:cNvSpPr/>
-            <p:nvPr/>
-          </p:nvSpPr>
-          <p:spPr>
-            <a:xfrm>
-              <a:off x="539552" y="1268760"/>
-              <a:ext cx="648072" cy="4752528"/>
-            </a:xfrm>
-            <a:prstGeom prst="rect">
-              <a:avLst/>
-            </a:prstGeom>
-            <a:solidFill>
-              <a:srgbClr val="92D050">
-                <a:alpha val="70000"/>
-              </a:srgbClr>
-            </a:solidFill>
-            <a:ln>
-              <a:solidFill>
-                <a:schemeClr val="accent3">
-                  <a:lumMod val="60000"/>
-                  <a:lumOff val="40000"/>
-                </a:schemeClr>
-              </a:solidFill>
-              <a:prstDash val="solid"/>
-            </a:ln>
-            <a:effectLst/>
-            <a:scene3d>
-              <a:camera prst="orthographicFront"/>
-              <a:lightRig rig="threePt" dir="t"/>
-            </a:scene3d>
-            <a:sp3d/>
-          </p:spPr>
-          <p:style>
-            <a:lnRef idx="2">
-              <a:schemeClr val="accent1">
-                <a:shade val="50000"/>
-              </a:schemeClr>
-            </a:lnRef>
-            <a:fillRef idx="1">
-              <a:schemeClr val="accent1"/>
-            </a:fillRef>
-            <a:effectRef idx="0">
-              <a:schemeClr val="accent1"/>
-            </a:effectRef>
-            <a:fontRef idx="minor">
-              <a:schemeClr val="lt1"/>
-            </a:fontRef>
-          </p:style>
-          <p:txBody>
-            <a:bodyPr rtlCol="0" anchor="ctr">
-              <a:scene3d>
-                <a:camera prst="orthographicFront"/>
-                <a:lightRig rig="soft" dir="tl">
-                  <a:rot lat="0" lon="0" rev="0"/>
-                </a:lightRig>
-              </a:scene3d>
-              <a:sp3d contourW="25400" prstMaterial="matte">
-                <a:bevelT w="25400" h="55880" prst="artDeco"/>
-                <a:contourClr>
-                  <a:schemeClr val="accent2">
-                    <a:tint val="20000"/>
-                  </a:schemeClr>
-                </a:contourClr>
-              </a:sp3d>
-            </a:bodyPr>
-            <a:lstStyle/>
-            <a:p>
-              <a:pPr algn="ctr"/>
-              <a:endParaRPr lang="ko-KR" altLang="en-US" b="1" spc="50" dirty="0" smtClean="0">
-                <a:ln w="11430">
-                  <a:solidFill>
-                    <a:srgbClr val="00B050"/>
-                  </a:solidFill>
-                </a:ln>
-                <a:solidFill>
-                  <a:srgbClr val="00B050"/>
-                </a:solidFill>
-                <a:effectLst>
-                  <a:glow rad="228600">
-                    <a:schemeClr val="accent6">
-                      <a:satMod val="175000"/>
-                      <a:alpha val="40000"/>
-                    </a:schemeClr>
-                  </a:glow>
-                  <a:outerShdw blurRad="50800" dist="38100" dir="2700000" algn="tl" rotWithShape="0">
-                    <a:prstClr val="black">
-                      <a:alpha val="40000"/>
-                    </a:prstClr>
-                  </a:outerShdw>
-                </a:effectLst>
-              </a:endParaRPr>
-            </a:p>
-          </p:txBody>
-        </p:sp>
-        <p:sp>
-          <p:nvSpPr>
-            <p:cNvPr id="5" name="직사각형 4"/>
-            <p:cNvSpPr/>
-            <p:nvPr/>
-          </p:nvSpPr>
-          <p:spPr>
-            <a:xfrm>
-              <a:off x="1187624" y="620688"/>
-              <a:ext cx="7632848" cy="648072"/>
-            </a:xfrm>
-            <a:prstGeom prst="rect">
-              <a:avLst/>
-            </a:prstGeom>
-            <a:solidFill>
-              <a:srgbClr val="92D050">
-                <a:alpha val="70000"/>
-              </a:srgbClr>
-            </a:solidFill>
-            <a:ln>
-              <a:solidFill>
-                <a:schemeClr val="accent3">
-                  <a:lumMod val="60000"/>
-                  <a:lumOff val="40000"/>
-                </a:schemeClr>
-              </a:solidFill>
-              <a:prstDash val="solid"/>
-            </a:ln>
-            <a:effectLst/>
-            <a:scene3d>
-              <a:camera prst="orthographicFront"/>
-              <a:lightRig rig="threePt" dir="t"/>
-            </a:scene3d>
-            <a:sp3d/>
-          </p:spPr>
-          <p:style>
-            <a:lnRef idx="2">
-              <a:schemeClr val="accent1">
-                <a:shade val="50000"/>
-              </a:schemeClr>
-            </a:lnRef>
-            <a:fillRef idx="1">
-              <a:schemeClr val="accent1"/>
-            </a:fillRef>
-            <a:effectRef idx="0">
-              <a:schemeClr val="accent1"/>
-            </a:effectRef>
-            <a:fontRef idx="minor">
-              <a:schemeClr val="lt1"/>
-            </a:fontRef>
-          </p:style>
-          <p:txBody>
-            <a:bodyPr rtlCol="0" anchor="ctr">
-              <a:scene3d>
-                <a:camera prst="orthographicFront"/>
-                <a:lightRig rig="soft" dir="tl">
-                  <a:rot lat="0" lon="0" rev="0"/>
-                </a:lightRig>
-              </a:scene3d>
-              <a:sp3d contourW="25400" prstMaterial="matte">
-                <a:bevelT w="25400" h="55880" prst="artDeco"/>
-                <a:contourClr>
-                  <a:schemeClr val="accent2">
-                    <a:tint val="20000"/>
-                  </a:schemeClr>
-                </a:contourClr>
-              </a:sp3d>
-            </a:bodyPr>
-            <a:lstStyle/>
-            <a:p>
-              <a:pPr algn="ctr"/>
-              <a:endParaRPr lang="ko-KR" altLang="en-US" b="1" spc="50" dirty="0" smtClean="0">
-                <a:ln w="11430">
-                  <a:solidFill>
-                    <a:srgbClr val="00B050"/>
-                  </a:solidFill>
-                </a:ln>
-                <a:solidFill>
-                  <a:srgbClr val="00B050"/>
-                </a:solidFill>
-                <a:effectLst>
-                  <a:glow rad="228600">
-                    <a:schemeClr val="accent6">
-                      <a:satMod val="175000"/>
-                      <a:alpha val="40000"/>
-                    </a:schemeClr>
-                  </a:glow>
-                  <a:outerShdw blurRad="50800" dist="38100" dir="2700000" algn="tl" rotWithShape="0">
-                    <a:prstClr val="black">
-                      <a:alpha val="40000"/>
-                    </a:prstClr>
-                  </a:outerShdw>
-                </a:effectLst>
-              </a:endParaRPr>
-            </a:p>
-          </p:txBody>
-        </p:sp>
+      </p:grpSp>
+      <p:grpSp>
+        <p:nvGrpSpPr>
+          <p:cNvPr id="45" name="그룹 44"/>
+          <p:cNvGrpSpPr/>
+          <p:nvPr/>
+        </p:nvGrpSpPr>
+        <p:grpSpPr>
+          <a:xfrm>
+            <a:off x="539552" y="620688"/>
+            <a:ext cx="648072" cy="648072"/>
+            <a:chOff x="-1116632" y="1412776"/>
+            <a:chExt cx="648072" cy="648072"/>
+          </a:xfrm>
+        </p:grpSpPr>
         <p:sp>
           <p:nvSpPr>
             <p:cNvPr id="13" name="직사각형 12"/>
@@ -6181,7 +6510,7 @@
           </p:nvSpPr>
           <p:spPr>
             <a:xfrm>
-              <a:off x="539552" y="620688"/>
+              <a:off x="-1116632" y="1412776"/>
               <a:ext cx="648072" cy="648072"/>
             </a:xfrm>
             <a:prstGeom prst="rect">
@@ -6291,8 +6620,8 @@
           </p:blipFill>
           <p:spPr>
             <a:xfrm>
-              <a:off x="539552" y="620688"/>
-              <a:ext cx="648000" cy="648000"/>
+              <a:off x="-1116632" y="1412776"/>
+              <a:ext cx="648072" cy="648000"/>
             </a:xfrm>
             <a:prstGeom prst="rect">
               <a:avLst/>
@@ -6301,6 +6630,1397 @@
           </p:spPr>
         </p:pic>
       </p:grpSp>
+      <p:sp>
+        <p:nvSpPr>
+          <p:cNvPr id="19" name="모서리가 둥근 직사각형 18"/>
+          <p:cNvSpPr/>
+          <p:nvPr/>
+        </p:nvSpPr>
+        <p:spPr>
+          <a:xfrm>
+            <a:off x="611560" y="1412776"/>
+            <a:ext cx="1152128" cy="396000"/>
+          </a:xfrm>
+          <a:prstGeom prst="roundRect">
+            <a:avLst/>
+          </a:prstGeom>
+          <a:solidFill>
+            <a:schemeClr val="accent5">
+              <a:lumMod val="60000"/>
+              <a:lumOff val="40000"/>
+            </a:schemeClr>
+          </a:solidFill>
+          <a:ln>
+            <a:solidFill>
+              <a:schemeClr val="accent1">
+                <a:lumMod val="20000"/>
+                <a:lumOff val="80000"/>
+              </a:schemeClr>
+            </a:solidFill>
+            <a:prstDash val="solid"/>
+          </a:ln>
+          <a:effectLst>
+            <a:glow rad="101600">
+              <a:schemeClr val="accent3">
+                <a:satMod val="175000"/>
+                <a:alpha val="40000"/>
+              </a:schemeClr>
+            </a:glow>
+          </a:effectLst>
+          <a:scene3d>
+            <a:camera prst="orthographicFront"/>
+            <a:lightRig rig="threePt" dir="t"/>
+          </a:scene3d>
+          <a:sp3d>
+            <a:bevelT w="114300" prst="artDeco"/>
+          </a:sp3d>
+        </p:spPr>
+        <p:style>
+          <a:lnRef idx="2">
+            <a:schemeClr val="accent1">
+              <a:shade val="50000"/>
+            </a:schemeClr>
+          </a:lnRef>
+          <a:fillRef idx="1">
+            <a:schemeClr val="accent1"/>
+          </a:fillRef>
+          <a:effectRef idx="0">
+            <a:schemeClr val="accent1"/>
+          </a:effectRef>
+          <a:fontRef idx="minor">
+            <a:schemeClr val="lt1"/>
+          </a:fontRef>
+        </p:style>
+        <p:txBody>
+          <a:bodyPr rtlCol="0" anchor="ctr"/>
+          <a:lstStyle/>
+          <a:p>
+            <a:pPr algn="ctr"/>
+            <a:r>
+              <a:rPr lang="ko-KR" altLang="en-US" sz="1200" b="1" spc="50" dirty="0" smtClean="0">
+                <a:ln w="13500">
+                  <a:solidFill>
+                    <a:schemeClr val="accent1">
+                      <a:shade val="2500"/>
+                      <a:alpha val="6500"/>
+                    </a:schemeClr>
+                  </a:solidFill>
+                  <a:prstDash val="solid"/>
+                </a:ln>
+                <a:solidFill>
+                  <a:schemeClr val="accent1">
+                    <a:lumMod val="50000"/>
+                  </a:schemeClr>
+                </a:solidFill>
+                <a:effectLst>
+                  <a:innerShdw blurRad="50900" dist="38500" dir="13500000">
+                    <a:srgbClr val="000000">
+                      <a:alpha val="60000"/>
+                    </a:srgbClr>
+                  </a:innerShdw>
+                </a:effectLst>
+              </a:rPr>
+              <a:t>메시지 박스</a:t>
+            </a:r>
+            <a:endParaRPr lang="ko-KR" altLang="en-US" sz="1200" b="1" spc="50" dirty="0" smtClean="0">
+              <a:ln w="13500">
+                <a:solidFill>
+                  <a:schemeClr val="accent1">
+                    <a:shade val="2500"/>
+                    <a:alpha val="6500"/>
+                  </a:schemeClr>
+                </a:solidFill>
+                <a:prstDash val="solid"/>
+              </a:ln>
+              <a:solidFill>
+                <a:schemeClr val="accent1">
+                  <a:lumMod val="50000"/>
+                </a:schemeClr>
+              </a:solidFill>
+              <a:effectLst>
+                <a:innerShdw blurRad="50900" dist="38500" dir="13500000">
+                  <a:srgbClr val="000000">
+                    <a:alpha val="60000"/>
+                  </a:srgbClr>
+                </a:innerShdw>
+              </a:effectLst>
+            </a:endParaRPr>
+          </a:p>
+        </p:txBody>
+      </p:sp>
+      <p:grpSp>
+        <p:nvGrpSpPr>
+          <p:cNvPr id="44" name="그룹 43"/>
+          <p:cNvGrpSpPr/>
+          <p:nvPr/>
+        </p:nvGrpSpPr>
+        <p:grpSpPr>
+          <a:xfrm>
+            <a:off x="1259632" y="692696"/>
+            <a:ext cx="504000" cy="504000"/>
+            <a:chOff x="-972616" y="692696"/>
+            <a:chExt cx="648000" cy="648000"/>
+          </a:xfrm>
+        </p:grpSpPr>
+        <p:sp>
+          <p:nvSpPr>
+            <p:cNvPr id="42" name="직사각형 41"/>
+            <p:cNvSpPr/>
+            <p:nvPr/>
+          </p:nvSpPr>
+          <p:spPr>
+            <a:xfrm>
+              <a:off x="-972616" y="692696"/>
+              <a:ext cx="648000" cy="648000"/>
+            </a:xfrm>
+            <a:prstGeom prst="rect">
+              <a:avLst/>
+            </a:prstGeom>
+            <a:solidFill>
+              <a:schemeClr val="accent4">
+                <a:lumMod val="60000"/>
+                <a:lumOff val="40000"/>
+              </a:schemeClr>
+            </a:solidFill>
+            <a:ln>
+              <a:solidFill>
+                <a:schemeClr val="accent1">
+                  <a:lumMod val="20000"/>
+                  <a:lumOff val="80000"/>
+                </a:schemeClr>
+              </a:solidFill>
+              <a:prstDash val="solid"/>
+            </a:ln>
+            <a:effectLst>
+              <a:outerShdw blurRad="63500" sx="102000" sy="102000" algn="ctr" rotWithShape="0">
+                <a:prstClr val="black">
+                  <a:alpha val="40000"/>
+                </a:prstClr>
+              </a:outerShdw>
+            </a:effectLst>
+            <a:scene3d>
+              <a:camera prst="orthographicFront"/>
+              <a:lightRig rig="threePt" dir="t"/>
+            </a:scene3d>
+            <a:sp3d>
+              <a:bevelT prst="slope"/>
+            </a:sp3d>
+          </p:spPr>
+          <p:style>
+            <a:lnRef idx="2">
+              <a:schemeClr val="accent1">
+                <a:shade val="50000"/>
+              </a:schemeClr>
+            </a:lnRef>
+            <a:fillRef idx="1">
+              <a:schemeClr val="accent1"/>
+            </a:fillRef>
+            <a:effectRef idx="0">
+              <a:schemeClr val="accent1"/>
+            </a:effectRef>
+            <a:fontRef idx="minor">
+              <a:schemeClr val="lt1"/>
+            </a:fontRef>
+          </p:style>
+          <p:txBody>
+            <a:bodyPr rtlCol="0" anchor="ctr">
+              <a:scene3d>
+                <a:camera prst="orthographicFront"/>
+                <a:lightRig rig="soft" dir="tl">
+                  <a:rot lat="0" lon="0" rev="0"/>
+                </a:lightRig>
+              </a:scene3d>
+              <a:sp3d contourW="25400" prstMaterial="matte">
+                <a:contourClr>
+                  <a:schemeClr val="accent2">
+                    <a:tint val="20000"/>
+                  </a:schemeClr>
+                </a:contourClr>
+              </a:sp3d>
+            </a:bodyPr>
+            <a:lstStyle/>
+            <a:p>
+              <a:pPr algn="ctr"/>
+              <a:endParaRPr lang="ko-KR" altLang="en-US" b="1" spc="50" dirty="0" smtClean="0">
+                <a:ln w="11430">
+                  <a:solidFill>
+                    <a:srgbClr val="00B050"/>
+                  </a:solidFill>
+                </a:ln>
+                <a:solidFill>
+                  <a:srgbClr val="00B050"/>
+                </a:solidFill>
+                <a:effectLst>
+                  <a:glow rad="228600">
+                    <a:schemeClr val="accent6">
+                      <a:satMod val="175000"/>
+                      <a:alpha val="40000"/>
+                    </a:schemeClr>
+                  </a:glow>
+                  <a:outerShdw blurRad="50800" dist="38100" dir="2700000" algn="tl" rotWithShape="0">
+                    <a:prstClr val="black">
+                      <a:alpha val="40000"/>
+                    </a:prstClr>
+                  </a:outerShdw>
+                </a:effectLst>
+              </a:endParaRPr>
+            </a:p>
+          </p:txBody>
+        </p:sp>
+        <p:pic>
+          <p:nvPicPr>
+            <p:cNvPr id="1029" name="Picture 5" descr="C:\Users\ediso\AppData\Local\Microsoft\Windows\INetCache\IE\8SOMCZ2D\save-icon-1257065_960_720[1].png"/>
+            <p:cNvPicPr preferRelativeResize="0">
+              <a:picLocks noChangeArrowheads="1"/>
+            </p:cNvPicPr>
+            <p:nvPr/>
+          </p:nvPicPr>
+          <p:blipFill>
+            <a:blip r:embed="rId4" cstate="print">
+              <a:clrChange>
+                <a:clrFrom>
+                  <a:srgbClr val="3771C8"/>
+                </a:clrFrom>
+                <a:clrTo>
+                  <a:srgbClr val="3771C8">
+                    <a:alpha val="0"/>
+                  </a:srgbClr>
+                </a:clrTo>
+              </a:clrChange>
+            </a:blip>
+            <a:srcRect/>
+            <a:stretch>
+              <a:fillRect/>
+            </a:stretch>
+          </p:blipFill>
+          <p:spPr bwMode="auto">
+            <a:xfrm>
+              <a:off x="-900608" y="764704"/>
+              <a:ext cx="504000" cy="504000"/>
+            </a:xfrm>
+            <a:prstGeom prst="rect">
+              <a:avLst/>
+            </a:prstGeom>
+            <a:noFill/>
+          </p:spPr>
+        </p:pic>
+      </p:grpSp>
+      <p:sp>
+        <p:nvSpPr>
+          <p:cNvPr id="50" name="모서리가 둥근 직사각형 49"/>
+          <p:cNvSpPr/>
+          <p:nvPr/>
+        </p:nvSpPr>
+        <p:spPr>
+          <a:xfrm>
+            <a:off x="611560" y="1916832"/>
+            <a:ext cx="1152128" cy="396000"/>
+          </a:xfrm>
+          <a:prstGeom prst="roundRect">
+            <a:avLst/>
+          </a:prstGeom>
+          <a:solidFill>
+            <a:schemeClr val="accent5">
+              <a:lumMod val="60000"/>
+              <a:lumOff val="40000"/>
+            </a:schemeClr>
+          </a:solidFill>
+          <a:ln>
+            <a:solidFill>
+              <a:schemeClr val="accent1">
+                <a:lumMod val="20000"/>
+                <a:lumOff val="80000"/>
+              </a:schemeClr>
+            </a:solidFill>
+            <a:prstDash val="solid"/>
+          </a:ln>
+          <a:effectLst>
+            <a:glow rad="101600">
+              <a:schemeClr val="accent3">
+                <a:satMod val="175000"/>
+                <a:alpha val="40000"/>
+              </a:schemeClr>
+            </a:glow>
+          </a:effectLst>
+          <a:scene3d>
+            <a:camera prst="orthographicFront"/>
+            <a:lightRig rig="threePt" dir="t"/>
+          </a:scene3d>
+          <a:sp3d>
+            <a:bevelT w="114300" prst="artDeco"/>
+          </a:sp3d>
+        </p:spPr>
+        <p:style>
+          <a:lnRef idx="2">
+            <a:schemeClr val="accent1">
+              <a:shade val="50000"/>
+            </a:schemeClr>
+          </a:lnRef>
+          <a:fillRef idx="1">
+            <a:schemeClr val="accent1"/>
+          </a:fillRef>
+          <a:effectRef idx="0">
+            <a:schemeClr val="accent1"/>
+          </a:effectRef>
+          <a:fontRef idx="minor">
+            <a:schemeClr val="lt1"/>
+          </a:fontRef>
+        </p:style>
+        <p:txBody>
+          <a:bodyPr rtlCol="0" anchor="ctr"/>
+          <a:lstStyle/>
+          <a:p>
+            <a:pPr algn="ctr"/>
+            <a:r>
+              <a:rPr lang="ko-KR" altLang="en-US" sz="1200" b="1" spc="50" dirty="0" smtClean="0">
+                <a:ln w="13500">
+                  <a:solidFill>
+                    <a:schemeClr val="accent1">
+                      <a:shade val="2500"/>
+                      <a:alpha val="6500"/>
+                    </a:schemeClr>
+                  </a:solidFill>
+                  <a:prstDash val="solid"/>
+                </a:ln>
+                <a:solidFill>
+                  <a:schemeClr val="accent1">
+                    <a:lumMod val="50000"/>
+                  </a:schemeClr>
+                </a:solidFill>
+                <a:effectLst>
+                  <a:innerShdw blurRad="50900" dist="38500" dir="13500000">
+                    <a:srgbClr val="000000">
+                      <a:alpha val="60000"/>
+                    </a:srgbClr>
+                  </a:innerShdw>
+                </a:effectLst>
+              </a:rPr>
+              <a:t>현재상황</a:t>
+            </a:r>
+            <a:endParaRPr lang="ko-KR" altLang="en-US" sz="1200" b="1" spc="50" dirty="0" smtClean="0">
+              <a:ln w="13500">
+                <a:solidFill>
+                  <a:schemeClr val="accent1">
+                    <a:shade val="2500"/>
+                    <a:alpha val="6500"/>
+                  </a:schemeClr>
+                </a:solidFill>
+                <a:prstDash val="solid"/>
+              </a:ln>
+              <a:solidFill>
+                <a:schemeClr val="accent1">
+                  <a:lumMod val="50000"/>
+                </a:schemeClr>
+              </a:solidFill>
+              <a:effectLst>
+                <a:innerShdw blurRad="50900" dist="38500" dir="13500000">
+                  <a:srgbClr val="000000">
+                    <a:alpha val="60000"/>
+                  </a:srgbClr>
+                </a:innerShdw>
+              </a:effectLst>
+            </a:endParaRPr>
+          </a:p>
+        </p:txBody>
+      </p:sp>
+      <p:sp>
+        <p:nvSpPr>
+          <p:cNvPr id="51" name="모서리가 둥근 직사각형 50"/>
+          <p:cNvSpPr/>
+          <p:nvPr/>
+        </p:nvSpPr>
+        <p:spPr>
+          <a:xfrm>
+            <a:off x="611560" y="2420888"/>
+            <a:ext cx="1152128" cy="396000"/>
+          </a:xfrm>
+          <a:prstGeom prst="roundRect">
+            <a:avLst/>
+          </a:prstGeom>
+          <a:solidFill>
+            <a:schemeClr val="accent5">
+              <a:lumMod val="60000"/>
+              <a:lumOff val="40000"/>
+            </a:schemeClr>
+          </a:solidFill>
+          <a:ln>
+            <a:solidFill>
+              <a:schemeClr val="accent1">
+                <a:lumMod val="20000"/>
+                <a:lumOff val="80000"/>
+              </a:schemeClr>
+            </a:solidFill>
+            <a:prstDash val="solid"/>
+          </a:ln>
+          <a:effectLst>
+            <a:glow rad="101600">
+              <a:schemeClr val="accent3">
+                <a:satMod val="175000"/>
+                <a:alpha val="40000"/>
+              </a:schemeClr>
+            </a:glow>
+          </a:effectLst>
+          <a:scene3d>
+            <a:camera prst="orthographicFront"/>
+            <a:lightRig rig="threePt" dir="t"/>
+          </a:scene3d>
+          <a:sp3d>
+            <a:bevelT w="114300" prst="artDeco"/>
+          </a:sp3d>
+        </p:spPr>
+        <p:style>
+          <a:lnRef idx="2">
+            <a:schemeClr val="accent1">
+              <a:shade val="50000"/>
+            </a:schemeClr>
+          </a:lnRef>
+          <a:fillRef idx="1">
+            <a:schemeClr val="accent1"/>
+          </a:fillRef>
+          <a:effectRef idx="0">
+            <a:schemeClr val="accent1"/>
+          </a:effectRef>
+          <a:fontRef idx="minor">
+            <a:schemeClr val="lt1"/>
+          </a:fontRef>
+        </p:style>
+        <p:txBody>
+          <a:bodyPr rtlCol="0" anchor="ctr"/>
+          <a:lstStyle/>
+          <a:p>
+            <a:pPr algn="ctr"/>
+            <a:r>
+              <a:rPr lang="ko-KR" altLang="en-US" sz="1200" b="1" spc="50" dirty="0" smtClean="0">
+                <a:ln w="13500">
+                  <a:solidFill>
+                    <a:schemeClr val="accent1">
+                      <a:shade val="2500"/>
+                      <a:alpha val="6500"/>
+                    </a:schemeClr>
+                  </a:solidFill>
+                  <a:prstDash val="solid"/>
+                </a:ln>
+                <a:solidFill>
+                  <a:schemeClr val="accent1">
+                    <a:lumMod val="50000"/>
+                  </a:schemeClr>
+                </a:solidFill>
+                <a:effectLst>
+                  <a:innerShdw blurRad="50900" dist="38500" dir="13500000">
+                    <a:srgbClr val="000000">
+                      <a:alpha val="60000"/>
+                    </a:srgbClr>
+                  </a:innerShdw>
+                </a:effectLst>
+              </a:rPr>
+              <a:t>인수 </a:t>
+            </a:r>
+            <a:r>
+              <a:rPr lang="en-US" altLang="ko-KR" sz="1200" b="1" spc="50" dirty="0" smtClean="0">
+                <a:ln w="13500">
+                  <a:solidFill>
+                    <a:schemeClr val="accent1">
+                      <a:shade val="2500"/>
+                      <a:alpha val="6500"/>
+                    </a:schemeClr>
+                  </a:solidFill>
+                  <a:prstDash val="solid"/>
+                </a:ln>
+                <a:solidFill>
+                  <a:schemeClr val="accent1">
+                    <a:lumMod val="50000"/>
+                  </a:schemeClr>
+                </a:solidFill>
+                <a:effectLst>
+                  <a:innerShdw blurRad="50900" dist="38500" dir="13500000">
+                    <a:srgbClr val="000000">
+                      <a:alpha val="60000"/>
+                    </a:srgbClr>
+                  </a:innerShdw>
+                </a:effectLst>
+              </a:rPr>
+              <a:t>/ </a:t>
+            </a:r>
+            <a:r>
+              <a:rPr lang="ko-KR" altLang="en-US" sz="1200" b="1" spc="50" dirty="0" smtClean="0">
+                <a:ln w="13500">
+                  <a:solidFill>
+                    <a:schemeClr val="accent1">
+                      <a:shade val="2500"/>
+                      <a:alpha val="6500"/>
+                    </a:schemeClr>
+                  </a:solidFill>
+                  <a:prstDash val="solid"/>
+                </a:ln>
+                <a:solidFill>
+                  <a:schemeClr val="accent1">
+                    <a:lumMod val="50000"/>
+                  </a:schemeClr>
+                </a:solidFill>
+                <a:effectLst>
+                  <a:innerShdw blurRad="50900" dist="38500" dir="13500000">
+                    <a:srgbClr val="000000">
+                      <a:alpha val="60000"/>
+                    </a:srgbClr>
+                  </a:innerShdw>
+                </a:effectLst>
+              </a:rPr>
+              <a:t>매각</a:t>
+            </a:r>
+            <a:endParaRPr lang="ko-KR" altLang="en-US" sz="1200" b="1" spc="50" dirty="0" smtClean="0">
+              <a:ln w="13500">
+                <a:solidFill>
+                  <a:schemeClr val="accent1">
+                    <a:shade val="2500"/>
+                    <a:alpha val="6500"/>
+                  </a:schemeClr>
+                </a:solidFill>
+                <a:prstDash val="solid"/>
+              </a:ln>
+              <a:solidFill>
+                <a:schemeClr val="accent1">
+                  <a:lumMod val="50000"/>
+                </a:schemeClr>
+              </a:solidFill>
+              <a:effectLst>
+                <a:innerShdw blurRad="50900" dist="38500" dir="13500000">
+                  <a:srgbClr val="000000">
+                    <a:alpha val="60000"/>
+                  </a:srgbClr>
+                </a:innerShdw>
+              </a:effectLst>
+            </a:endParaRPr>
+          </a:p>
+        </p:txBody>
+      </p:sp>
+      <p:sp>
+        <p:nvSpPr>
+          <p:cNvPr id="52" name="모서리가 둥근 직사각형 51"/>
+          <p:cNvSpPr/>
+          <p:nvPr/>
+        </p:nvSpPr>
+        <p:spPr>
+          <a:xfrm>
+            <a:off x="611560" y="2924944"/>
+            <a:ext cx="1152128" cy="396000"/>
+          </a:xfrm>
+          <a:prstGeom prst="roundRect">
+            <a:avLst/>
+          </a:prstGeom>
+          <a:solidFill>
+            <a:schemeClr val="accent5">
+              <a:lumMod val="60000"/>
+              <a:lumOff val="40000"/>
+            </a:schemeClr>
+          </a:solidFill>
+          <a:ln>
+            <a:solidFill>
+              <a:schemeClr val="accent1">
+                <a:lumMod val="20000"/>
+                <a:lumOff val="80000"/>
+              </a:schemeClr>
+            </a:solidFill>
+            <a:prstDash val="solid"/>
+          </a:ln>
+          <a:effectLst>
+            <a:glow rad="101600">
+              <a:schemeClr val="accent3">
+                <a:satMod val="175000"/>
+                <a:alpha val="40000"/>
+              </a:schemeClr>
+            </a:glow>
+          </a:effectLst>
+          <a:scene3d>
+            <a:camera prst="orthographicFront"/>
+            <a:lightRig rig="threePt" dir="t"/>
+          </a:scene3d>
+          <a:sp3d>
+            <a:bevelT w="114300" prst="artDeco"/>
+          </a:sp3d>
+        </p:spPr>
+        <p:style>
+          <a:lnRef idx="2">
+            <a:schemeClr val="accent1">
+              <a:shade val="50000"/>
+            </a:schemeClr>
+          </a:lnRef>
+          <a:fillRef idx="1">
+            <a:schemeClr val="accent1"/>
+          </a:fillRef>
+          <a:effectRef idx="0">
+            <a:schemeClr val="accent1"/>
+          </a:effectRef>
+          <a:fontRef idx="minor">
+            <a:schemeClr val="lt1"/>
+          </a:fontRef>
+        </p:style>
+        <p:txBody>
+          <a:bodyPr rtlCol="0" anchor="ctr"/>
+          <a:lstStyle/>
+          <a:p>
+            <a:pPr algn="ctr"/>
+            <a:r>
+              <a:rPr lang="ko-KR" altLang="en-US" sz="1200" b="1" spc="50" dirty="0" smtClean="0">
+                <a:ln w="13500">
+                  <a:solidFill>
+                    <a:schemeClr val="accent1">
+                      <a:shade val="2500"/>
+                      <a:alpha val="6500"/>
+                    </a:schemeClr>
+                  </a:solidFill>
+                  <a:prstDash val="solid"/>
+                </a:ln>
+                <a:solidFill>
+                  <a:schemeClr val="accent1">
+                    <a:lumMod val="50000"/>
+                  </a:schemeClr>
+                </a:solidFill>
+                <a:effectLst>
+                  <a:innerShdw blurRad="50900" dist="38500" dir="13500000">
+                    <a:srgbClr val="000000">
+                      <a:alpha val="60000"/>
+                    </a:srgbClr>
+                  </a:innerShdw>
+                </a:effectLst>
+              </a:rPr>
+              <a:t>재정 관리</a:t>
+            </a:r>
+            <a:endParaRPr lang="ko-KR" altLang="en-US" sz="1200" b="1" spc="50" dirty="0" smtClean="0">
+              <a:ln w="13500">
+                <a:solidFill>
+                  <a:schemeClr val="accent1">
+                    <a:shade val="2500"/>
+                    <a:alpha val="6500"/>
+                  </a:schemeClr>
+                </a:solidFill>
+                <a:prstDash val="solid"/>
+              </a:ln>
+              <a:solidFill>
+                <a:schemeClr val="accent1">
+                  <a:lumMod val="50000"/>
+                </a:schemeClr>
+              </a:solidFill>
+              <a:effectLst>
+                <a:innerShdw blurRad="50900" dist="38500" dir="13500000">
+                  <a:srgbClr val="000000">
+                    <a:alpha val="60000"/>
+                  </a:srgbClr>
+                </a:innerShdw>
+              </a:effectLst>
+            </a:endParaRPr>
+          </a:p>
+        </p:txBody>
+      </p:sp>
+      <p:sp>
+        <p:nvSpPr>
+          <p:cNvPr id="53" name="모서리가 둥근 직사각형 52"/>
+          <p:cNvSpPr/>
+          <p:nvPr/>
+        </p:nvSpPr>
+        <p:spPr>
+          <a:xfrm>
+            <a:off x="611560" y="3429000"/>
+            <a:ext cx="1152128" cy="396000"/>
+          </a:xfrm>
+          <a:prstGeom prst="roundRect">
+            <a:avLst/>
+          </a:prstGeom>
+          <a:solidFill>
+            <a:schemeClr val="accent5">
+              <a:lumMod val="60000"/>
+              <a:lumOff val="40000"/>
+            </a:schemeClr>
+          </a:solidFill>
+          <a:ln>
+            <a:solidFill>
+              <a:schemeClr val="accent1">
+                <a:lumMod val="20000"/>
+                <a:lumOff val="80000"/>
+              </a:schemeClr>
+            </a:solidFill>
+            <a:prstDash val="solid"/>
+          </a:ln>
+          <a:effectLst>
+            <a:glow rad="101600">
+              <a:schemeClr val="accent3">
+                <a:satMod val="175000"/>
+                <a:alpha val="40000"/>
+              </a:schemeClr>
+            </a:glow>
+          </a:effectLst>
+          <a:scene3d>
+            <a:camera prst="orthographicFront"/>
+            <a:lightRig rig="threePt" dir="t"/>
+          </a:scene3d>
+          <a:sp3d>
+            <a:bevelT w="114300" prst="artDeco"/>
+          </a:sp3d>
+        </p:spPr>
+        <p:style>
+          <a:lnRef idx="2">
+            <a:schemeClr val="accent1">
+              <a:shade val="50000"/>
+            </a:schemeClr>
+          </a:lnRef>
+          <a:fillRef idx="1">
+            <a:schemeClr val="accent1"/>
+          </a:fillRef>
+          <a:effectRef idx="0">
+            <a:schemeClr val="accent1"/>
+          </a:effectRef>
+          <a:fontRef idx="minor">
+            <a:schemeClr val="lt1"/>
+          </a:fontRef>
+        </p:style>
+        <p:txBody>
+          <a:bodyPr rtlCol="0" anchor="ctr"/>
+          <a:lstStyle/>
+          <a:p>
+            <a:pPr algn="ctr"/>
+            <a:r>
+              <a:rPr lang="ko-KR" altLang="en-US" sz="1200" b="1" spc="50" dirty="0" smtClean="0">
+                <a:ln w="13500">
+                  <a:solidFill>
+                    <a:schemeClr val="accent1">
+                      <a:shade val="2500"/>
+                      <a:alpha val="6500"/>
+                    </a:schemeClr>
+                  </a:solidFill>
+                  <a:prstDash val="solid"/>
+                </a:ln>
+                <a:solidFill>
+                  <a:schemeClr val="accent1">
+                    <a:lumMod val="50000"/>
+                  </a:schemeClr>
+                </a:solidFill>
+                <a:effectLst>
+                  <a:innerShdw blurRad="50900" dist="38500" dir="13500000">
+                    <a:srgbClr val="000000">
+                      <a:alpha val="60000"/>
+                    </a:srgbClr>
+                  </a:innerShdw>
+                </a:effectLst>
+              </a:rPr>
+              <a:t>팀 선수단 </a:t>
+            </a:r>
+            <a:endParaRPr lang="ko-KR" altLang="en-US" sz="1200" b="1" spc="50" dirty="0" smtClean="0">
+              <a:ln w="13500">
+                <a:solidFill>
+                  <a:schemeClr val="accent1">
+                    <a:shade val="2500"/>
+                    <a:alpha val="6500"/>
+                  </a:schemeClr>
+                </a:solidFill>
+                <a:prstDash val="solid"/>
+              </a:ln>
+              <a:solidFill>
+                <a:schemeClr val="accent1">
+                  <a:lumMod val="50000"/>
+                </a:schemeClr>
+              </a:solidFill>
+              <a:effectLst>
+                <a:innerShdw blurRad="50900" dist="38500" dir="13500000">
+                  <a:srgbClr val="000000">
+                    <a:alpha val="60000"/>
+                  </a:srgbClr>
+                </a:innerShdw>
+              </a:effectLst>
+            </a:endParaRPr>
+          </a:p>
+        </p:txBody>
+      </p:sp>
+      <p:sp>
+        <p:nvSpPr>
+          <p:cNvPr id="54" name="모서리가 둥근 직사각형 53"/>
+          <p:cNvSpPr/>
+          <p:nvPr/>
+        </p:nvSpPr>
+        <p:spPr>
+          <a:xfrm>
+            <a:off x="611560" y="3933056"/>
+            <a:ext cx="1152128" cy="396000"/>
+          </a:xfrm>
+          <a:prstGeom prst="roundRect">
+            <a:avLst/>
+          </a:prstGeom>
+          <a:solidFill>
+            <a:schemeClr val="accent5">
+              <a:lumMod val="60000"/>
+              <a:lumOff val="40000"/>
+            </a:schemeClr>
+          </a:solidFill>
+          <a:ln>
+            <a:solidFill>
+              <a:schemeClr val="accent1">
+                <a:lumMod val="20000"/>
+                <a:lumOff val="80000"/>
+              </a:schemeClr>
+            </a:solidFill>
+            <a:prstDash val="solid"/>
+          </a:ln>
+          <a:effectLst>
+            <a:glow rad="101600">
+              <a:schemeClr val="accent3">
+                <a:satMod val="175000"/>
+                <a:alpha val="40000"/>
+              </a:schemeClr>
+            </a:glow>
+          </a:effectLst>
+          <a:scene3d>
+            <a:camera prst="orthographicFront"/>
+            <a:lightRig rig="threePt" dir="t"/>
+          </a:scene3d>
+          <a:sp3d>
+            <a:bevelT w="114300" prst="artDeco"/>
+          </a:sp3d>
+        </p:spPr>
+        <p:style>
+          <a:lnRef idx="2">
+            <a:schemeClr val="accent1">
+              <a:shade val="50000"/>
+            </a:schemeClr>
+          </a:lnRef>
+          <a:fillRef idx="1">
+            <a:schemeClr val="accent1"/>
+          </a:fillRef>
+          <a:effectRef idx="0">
+            <a:schemeClr val="accent1"/>
+          </a:effectRef>
+          <a:fontRef idx="minor">
+            <a:schemeClr val="lt1"/>
+          </a:fontRef>
+        </p:style>
+        <p:txBody>
+          <a:bodyPr rtlCol="0" anchor="ctr"/>
+          <a:lstStyle/>
+          <a:p>
+            <a:pPr algn="ctr"/>
+            <a:r>
+              <a:rPr lang="ko-KR" altLang="en-US" sz="1200" b="1" spc="50" dirty="0" smtClean="0">
+                <a:ln w="13500">
+                  <a:solidFill>
+                    <a:schemeClr val="accent1">
+                      <a:shade val="2500"/>
+                      <a:alpha val="6500"/>
+                    </a:schemeClr>
+                  </a:solidFill>
+                  <a:prstDash val="solid"/>
+                </a:ln>
+                <a:solidFill>
+                  <a:schemeClr val="accent1">
+                    <a:lumMod val="50000"/>
+                  </a:schemeClr>
+                </a:solidFill>
+                <a:effectLst>
+                  <a:innerShdw blurRad="50900" dist="38500" dir="13500000">
+                    <a:srgbClr val="000000">
+                      <a:alpha val="60000"/>
+                    </a:srgbClr>
+                  </a:innerShdw>
+                </a:effectLst>
+              </a:rPr>
+              <a:t>팀 </a:t>
+            </a:r>
+            <a:r>
+              <a:rPr lang="ko-KR" altLang="en-US" sz="1200" b="1" spc="50" dirty="0" err="1" smtClean="0">
+                <a:ln w="13500">
+                  <a:solidFill>
+                    <a:schemeClr val="accent1">
+                      <a:shade val="2500"/>
+                      <a:alpha val="6500"/>
+                    </a:schemeClr>
+                  </a:solidFill>
+                  <a:prstDash val="solid"/>
+                </a:ln>
+                <a:solidFill>
+                  <a:schemeClr val="accent1">
+                    <a:lumMod val="50000"/>
+                  </a:schemeClr>
+                </a:solidFill>
+                <a:effectLst>
+                  <a:innerShdw blurRad="50900" dist="38500" dir="13500000">
+                    <a:srgbClr val="000000">
+                      <a:alpha val="60000"/>
+                    </a:srgbClr>
+                  </a:innerShdw>
+                </a:effectLst>
+              </a:rPr>
+              <a:t>코치단</a:t>
+            </a:r>
+            <a:endParaRPr lang="ko-KR" altLang="en-US" sz="1200" b="1" spc="50" dirty="0" smtClean="0">
+              <a:ln w="13500">
+                <a:solidFill>
+                  <a:schemeClr val="accent1">
+                    <a:shade val="2500"/>
+                    <a:alpha val="6500"/>
+                  </a:schemeClr>
+                </a:solidFill>
+                <a:prstDash val="solid"/>
+              </a:ln>
+              <a:solidFill>
+                <a:schemeClr val="accent1">
+                  <a:lumMod val="50000"/>
+                </a:schemeClr>
+              </a:solidFill>
+              <a:effectLst>
+                <a:innerShdw blurRad="50900" dist="38500" dir="13500000">
+                  <a:srgbClr val="000000">
+                    <a:alpha val="60000"/>
+                  </a:srgbClr>
+                </a:innerShdw>
+              </a:effectLst>
+            </a:endParaRPr>
+          </a:p>
+        </p:txBody>
+      </p:sp>
+      <p:sp>
+        <p:nvSpPr>
+          <p:cNvPr id="55" name="모서리가 둥근 직사각형 54"/>
+          <p:cNvSpPr/>
+          <p:nvPr/>
+        </p:nvSpPr>
+        <p:spPr>
+          <a:xfrm>
+            <a:off x="611560" y="4437112"/>
+            <a:ext cx="1152128" cy="396000"/>
+          </a:xfrm>
+          <a:prstGeom prst="roundRect">
+            <a:avLst/>
+          </a:prstGeom>
+          <a:solidFill>
+            <a:schemeClr val="accent5">
+              <a:lumMod val="60000"/>
+              <a:lumOff val="40000"/>
+            </a:schemeClr>
+          </a:solidFill>
+          <a:ln>
+            <a:solidFill>
+              <a:schemeClr val="accent1">
+                <a:lumMod val="20000"/>
+                <a:lumOff val="80000"/>
+              </a:schemeClr>
+            </a:solidFill>
+            <a:prstDash val="solid"/>
+          </a:ln>
+          <a:effectLst>
+            <a:glow rad="101600">
+              <a:schemeClr val="accent3">
+                <a:satMod val="175000"/>
+                <a:alpha val="40000"/>
+              </a:schemeClr>
+            </a:glow>
+          </a:effectLst>
+          <a:scene3d>
+            <a:camera prst="orthographicFront"/>
+            <a:lightRig rig="threePt" dir="t"/>
+          </a:scene3d>
+          <a:sp3d>
+            <a:bevelT w="114300" prst="artDeco"/>
+          </a:sp3d>
+        </p:spPr>
+        <p:style>
+          <a:lnRef idx="2">
+            <a:schemeClr val="accent1">
+              <a:shade val="50000"/>
+            </a:schemeClr>
+          </a:lnRef>
+          <a:fillRef idx="1">
+            <a:schemeClr val="accent1"/>
+          </a:fillRef>
+          <a:effectRef idx="0">
+            <a:schemeClr val="accent1"/>
+          </a:effectRef>
+          <a:fontRef idx="minor">
+            <a:schemeClr val="lt1"/>
+          </a:fontRef>
+        </p:style>
+        <p:txBody>
+          <a:bodyPr rtlCol="0" anchor="ctr"/>
+          <a:lstStyle/>
+          <a:p>
+            <a:pPr algn="ctr"/>
+            <a:r>
+              <a:rPr lang="ko-KR" altLang="en-US" sz="1200" b="1" spc="50" dirty="0" smtClean="0">
+                <a:ln w="13500">
+                  <a:solidFill>
+                    <a:schemeClr val="accent1">
+                      <a:shade val="2500"/>
+                      <a:alpha val="6500"/>
+                    </a:schemeClr>
+                  </a:solidFill>
+                  <a:prstDash val="solid"/>
+                </a:ln>
+                <a:solidFill>
+                  <a:schemeClr val="accent1">
+                    <a:lumMod val="50000"/>
+                  </a:schemeClr>
+                </a:solidFill>
+                <a:effectLst>
+                  <a:innerShdw blurRad="50900" dist="38500" dir="13500000">
+                    <a:srgbClr val="000000">
+                      <a:alpha val="60000"/>
+                    </a:srgbClr>
+                  </a:innerShdw>
+                </a:effectLst>
+              </a:rPr>
+              <a:t>팀 직원</a:t>
+            </a:r>
+            <a:endParaRPr lang="ko-KR" altLang="en-US" sz="1200" b="1" spc="50" dirty="0" smtClean="0">
+              <a:ln w="13500">
+                <a:solidFill>
+                  <a:schemeClr val="accent1">
+                    <a:shade val="2500"/>
+                    <a:alpha val="6500"/>
+                  </a:schemeClr>
+                </a:solidFill>
+                <a:prstDash val="solid"/>
+              </a:ln>
+              <a:solidFill>
+                <a:schemeClr val="accent1">
+                  <a:lumMod val="50000"/>
+                </a:schemeClr>
+              </a:solidFill>
+              <a:effectLst>
+                <a:innerShdw blurRad="50900" dist="38500" dir="13500000">
+                  <a:srgbClr val="000000">
+                    <a:alpha val="60000"/>
+                  </a:srgbClr>
+                </a:innerShdw>
+              </a:effectLst>
+            </a:endParaRPr>
+          </a:p>
+        </p:txBody>
+      </p:sp>
+      <p:sp>
+        <p:nvSpPr>
+          <p:cNvPr id="56" name="모서리가 둥근 직사각형 55"/>
+          <p:cNvSpPr/>
+          <p:nvPr/>
+        </p:nvSpPr>
+        <p:spPr>
+          <a:xfrm>
+            <a:off x="611560" y="4941168"/>
+            <a:ext cx="1152128" cy="396000"/>
+          </a:xfrm>
+          <a:prstGeom prst="roundRect">
+            <a:avLst/>
+          </a:prstGeom>
+          <a:solidFill>
+            <a:schemeClr val="accent5">
+              <a:lumMod val="60000"/>
+              <a:lumOff val="40000"/>
+            </a:schemeClr>
+          </a:solidFill>
+          <a:ln>
+            <a:solidFill>
+              <a:schemeClr val="accent1">
+                <a:lumMod val="20000"/>
+                <a:lumOff val="80000"/>
+              </a:schemeClr>
+            </a:solidFill>
+            <a:prstDash val="solid"/>
+          </a:ln>
+          <a:effectLst>
+            <a:glow rad="101600">
+              <a:schemeClr val="accent3">
+                <a:satMod val="175000"/>
+                <a:alpha val="40000"/>
+              </a:schemeClr>
+            </a:glow>
+          </a:effectLst>
+          <a:scene3d>
+            <a:camera prst="orthographicFront"/>
+            <a:lightRig rig="threePt" dir="t"/>
+          </a:scene3d>
+          <a:sp3d>
+            <a:bevelT w="114300" prst="artDeco"/>
+          </a:sp3d>
+        </p:spPr>
+        <p:style>
+          <a:lnRef idx="2">
+            <a:schemeClr val="accent1">
+              <a:shade val="50000"/>
+            </a:schemeClr>
+          </a:lnRef>
+          <a:fillRef idx="1">
+            <a:schemeClr val="accent1"/>
+          </a:fillRef>
+          <a:effectRef idx="0">
+            <a:schemeClr val="accent1"/>
+          </a:effectRef>
+          <a:fontRef idx="minor">
+            <a:schemeClr val="lt1"/>
+          </a:fontRef>
+        </p:style>
+        <p:txBody>
+          <a:bodyPr rtlCol="0" anchor="ctr"/>
+          <a:lstStyle/>
+          <a:p>
+            <a:pPr algn="ctr"/>
+            <a:r>
+              <a:rPr lang="ko-KR" altLang="en-US" sz="1200" b="1" spc="50" dirty="0" smtClean="0">
+                <a:ln w="13500">
+                  <a:solidFill>
+                    <a:schemeClr val="accent1">
+                      <a:shade val="2500"/>
+                      <a:alpha val="6500"/>
+                    </a:schemeClr>
+                  </a:solidFill>
+                  <a:prstDash val="solid"/>
+                </a:ln>
+                <a:solidFill>
+                  <a:schemeClr val="accent1">
+                    <a:lumMod val="50000"/>
+                  </a:schemeClr>
+                </a:solidFill>
+                <a:effectLst>
+                  <a:innerShdw blurRad="50900" dist="38500" dir="13500000">
+                    <a:srgbClr val="000000">
+                      <a:alpha val="60000"/>
+                    </a:srgbClr>
+                  </a:innerShdw>
+                </a:effectLst>
+              </a:rPr>
+              <a:t>스폰서</a:t>
+            </a:r>
+            <a:endParaRPr lang="ko-KR" altLang="en-US" sz="1200" b="1" spc="50" dirty="0" smtClean="0">
+              <a:ln w="13500">
+                <a:solidFill>
+                  <a:schemeClr val="accent1">
+                    <a:shade val="2500"/>
+                    <a:alpha val="6500"/>
+                  </a:schemeClr>
+                </a:solidFill>
+                <a:prstDash val="solid"/>
+              </a:ln>
+              <a:solidFill>
+                <a:schemeClr val="accent1">
+                  <a:lumMod val="50000"/>
+                </a:schemeClr>
+              </a:solidFill>
+              <a:effectLst>
+                <a:innerShdw blurRad="50900" dist="38500" dir="13500000">
+                  <a:srgbClr val="000000">
+                    <a:alpha val="60000"/>
+                  </a:srgbClr>
+                </a:innerShdw>
+              </a:effectLst>
+            </a:endParaRPr>
+          </a:p>
+        </p:txBody>
+      </p:sp>
+      <p:sp>
+        <p:nvSpPr>
+          <p:cNvPr id="57" name="모서리가 둥근 직사각형 56"/>
+          <p:cNvSpPr/>
+          <p:nvPr/>
+        </p:nvSpPr>
+        <p:spPr>
+          <a:xfrm>
+            <a:off x="611560" y="5445224"/>
+            <a:ext cx="1152128" cy="396000"/>
+          </a:xfrm>
+          <a:prstGeom prst="roundRect">
+            <a:avLst/>
+          </a:prstGeom>
+          <a:solidFill>
+            <a:schemeClr val="accent5">
+              <a:lumMod val="60000"/>
+              <a:lumOff val="40000"/>
+            </a:schemeClr>
+          </a:solidFill>
+          <a:ln>
+            <a:solidFill>
+              <a:schemeClr val="accent1">
+                <a:lumMod val="20000"/>
+                <a:lumOff val="80000"/>
+              </a:schemeClr>
+            </a:solidFill>
+            <a:prstDash val="solid"/>
+          </a:ln>
+          <a:effectLst>
+            <a:glow rad="101600">
+              <a:schemeClr val="accent3">
+                <a:satMod val="175000"/>
+                <a:alpha val="40000"/>
+              </a:schemeClr>
+            </a:glow>
+          </a:effectLst>
+          <a:scene3d>
+            <a:camera prst="orthographicFront"/>
+            <a:lightRig rig="threePt" dir="t"/>
+          </a:scene3d>
+          <a:sp3d>
+            <a:bevelT w="114300" prst="artDeco"/>
+          </a:sp3d>
+        </p:spPr>
+        <p:style>
+          <a:lnRef idx="2">
+            <a:schemeClr val="accent1">
+              <a:shade val="50000"/>
+            </a:schemeClr>
+          </a:lnRef>
+          <a:fillRef idx="1">
+            <a:schemeClr val="accent1"/>
+          </a:fillRef>
+          <a:effectRef idx="0">
+            <a:schemeClr val="accent1"/>
+          </a:effectRef>
+          <a:fontRef idx="minor">
+            <a:schemeClr val="lt1"/>
+          </a:fontRef>
+        </p:style>
+        <p:txBody>
+          <a:bodyPr rtlCol="0" anchor="ctr"/>
+          <a:lstStyle/>
+          <a:p>
+            <a:pPr algn="ctr"/>
+            <a:r>
+              <a:rPr lang="ko-KR" altLang="en-US" sz="1200" b="1" spc="50" dirty="0" smtClean="0">
+                <a:ln w="13500">
+                  <a:solidFill>
+                    <a:schemeClr val="accent1">
+                      <a:shade val="2500"/>
+                      <a:alpha val="6500"/>
+                    </a:schemeClr>
+                  </a:solidFill>
+                  <a:prstDash val="solid"/>
+                </a:ln>
+                <a:solidFill>
+                  <a:schemeClr val="accent1">
+                    <a:lumMod val="50000"/>
+                  </a:schemeClr>
+                </a:solidFill>
+                <a:effectLst>
+                  <a:innerShdw blurRad="50900" dist="38500" dir="13500000">
+                    <a:srgbClr val="000000">
+                      <a:alpha val="60000"/>
+                    </a:srgbClr>
+                  </a:innerShdw>
+                </a:effectLst>
+              </a:rPr>
+              <a:t>행동하기</a:t>
+            </a:r>
+            <a:endParaRPr lang="ko-KR" altLang="en-US" sz="1200" b="1" spc="50" dirty="0" smtClean="0">
+              <a:ln w="13500">
+                <a:solidFill>
+                  <a:schemeClr val="accent1">
+                    <a:shade val="2500"/>
+                    <a:alpha val="6500"/>
+                  </a:schemeClr>
+                </a:solidFill>
+                <a:prstDash val="solid"/>
+              </a:ln>
+              <a:solidFill>
+                <a:schemeClr val="accent1">
+                  <a:lumMod val="50000"/>
+                </a:schemeClr>
+              </a:solidFill>
+              <a:effectLst>
+                <a:innerShdw blurRad="50900" dist="38500" dir="13500000">
+                  <a:srgbClr val="000000">
+                    <a:alpha val="60000"/>
+                  </a:srgbClr>
+                </a:innerShdw>
+              </a:effectLst>
+            </a:endParaRPr>
+          </a:p>
+        </p:txBody>
+      </p:sp>
+      <p:sp>
+        <p:nvSpPr>
+          <p:cNvPr id="59" name="모서리가 둥근 직사각형 58"/>
+          <p:cNvSpPr/>
+          <p:nvPr/>
+        </p:nvSpPr>
+        <p:spPr>
+          <a:xfrm>
+            <a:off x="1907704" y="692696"/>
+            <a:ext cx="6804016" cy="504000"/>
+          </a:xfrm>
+          <a:prstGeom prst="roundRect">
+            <a:avLst/>
+          </a:prstGeom>
+          <a:solidFill>
+            <a:srgbClr val="0070C0">
+              <a:alpha val="70000"/>
+            </a:srgbClr>
+          </a:solidFill>
+          <a:ln>
+            <a:solidFill>
+              <a:schemeClr val="tx1"/>
+            </a:solidFill>
+            <a:prstDash val="solid"/>
+          </a:ln>
+          <a:effectLst/>
+          <a:scene3d>
+            <a:camera prst="orthographicFront"/>
+            <a:lightRig rig="threePt" dir="t"/>
+          </a:scene3d>
+          <a:sp3d/>
+        </p:spPr>
+        <p:style>
+          <a:lnRef idx="2">
+            <a:schemeClr val="accent1">
+              <a:shade val="50000"/>
+            </a:schemeClr>
+          </a:lnRef>
+          <a:fillRef idx="1">
+            <a:schemeClr val="accent1"/>
+          </a:fillRef>
+          <a:effectRef idx="0">
+            <a:schemeClr val="accent1"/>
+          </a:effectRef>
+          <a:fontRef idx="minor">
+            <a:schemeClr val="lt1"/>
+          </a:fontRef>
+        </p:style>
+        <p:txBody>
+          <a:bodyPr rtlCol="0" anchor="ctr">
+            <a:scene3d>
+              <a:camera prst="orthographicFront"/>
+              <a:lightRig rig="soft" dir="tl">
+                <a:rot lat="0" lon="0" rev="0"/>
+              </a:lightRig>
+            </a:scene3d>
+            <a:sp3d contourW="25400" prstMaterial="matte">
+              <a:bevelT w="25400" h="55880" prst="artDeco"/>
+              <a:contourClr>
+                <a:schemeClr val="accent2">
+                  <a:tint val="20000"/>
+                </a:schemeClr>
+              </a:contourClr>
+            </a:sp3d>
+          </a:bodyPr>
+          <a:lstStyle/>
+          <a:p>
+            <a:pPr algn="ctr"/>
+            <a:endParaRPr lang="ko-KR" altLang="en-US" b="1" spc="50" dirty="0" smtClean="0">
+              <a:ln w="11430">
+                <a:solidFill>
+                  <a:srgbClr val="00B050"/>
+                </a:solidFill>
+              </a:ln>
+              <a:solidFill>
+                <a:srgbClr val="00B050"/>
+              </a:solidFill>
+              <a:effectLst>
+                <a:glow rad="228600">
+                  <a:schemeClr val="accent6">
+                    <a:satMod val="175000"/>
+                    <a:alpha val="40000"/>
+                  </a:schemeClr>
+                </a:glow>
+                <a:outerShdw blurRad="50800" dist="38100" dir="2700000" algn="tl" rotWithShape="0">
+                  <a:prstClr val="black">
+                    <a:alpha val="40000"/>
+                  </a:prstClr>
+                </a:outerShdw>
+              </a:effectLst>
+            </a:endParaRPr>
+          </a:p>
+        </p:txBody>
+      </p:sp>
     </p:spTree>
   </p:cSld>
   <p:clrMapOvr>
@@ -6592,22 +8312,19 @@
       <a:spPr>
         <a:solidFill>
           <a:srgbClr val="92D050">
-            <a:alpha val="40000"/>
+            <a:alpha val="70000"/>
           </a:srgbClr>
         </a:solidFill>
         <a:ln>
           <a:solidFill>
-            <a:srgbClr val="92D050"/>
+            <a:schemeClr val="accent3">
+              <a:lumMod val="60000"/>
+              <a:lumOff val="40000"/>
+            </a:schemeClr>
           </a:solidFill>
           <a:prstDash val="solid"/>
         </a:ln>
-        <a:effectLst>
-          <a:outerShdw blurRad="63500" sx="102000" sy="102000" algn="ctr" rotWithShape="0">
-            <a:prstClr val="black">
-              <a:alpha val="40000"/>
-            </a:prstClr>
-          </a:outerShdw>
-        </a:effectLst>
+        <a:effectLst/>
         <a:scene3d>
           <a:camera prst="orthographicFront"/>
           <a:lightRig rig="threePt" dir="t"/>

--- a/그림 만들기.pptx
+++ b/그림 만들기.pptx
@@ -5,7 +5,7 @@
     <p:sldMasterId id="2147483648" r:id="rId1"/>
   </p:sldMasterIdLst>
   <p:notesMasterIdLst>
-    <p:notesMasterId r:id="rId7"/>
+    <p:notesMasterId r:id="rId8"/>
   </p:notesMasterIdLst>
   <p:sldIdLst>
     <p:sldId id="256" r:id="rId2"/>
@@ -13,6 +13,7 @@
     <p:sldId id="257" r:id="rId4"/>
     <p:sldId id="258" r:id="rId5"/>
     <p:sldId id="259" r:id="rId6"/>
+    <p:sldId id="261" r:id="rId7"/>
   </p:sldIdLst>
   <p:sldSz cx="9144000" cy="6858000" type="screen4x3"/>
   <p:notesSz cx="6858000" cy="9144000"/>
@@ -197,7 +198,7 @@
             <a:fld id="{B478B745-BF05-4AEA-A995-7E994C8F897E}" type="datetimeFigureOut">
               <a:rPr lang="ko-KR" altLang="en-US" smtClean="0"/>
               <a:pPr/>
-              <a:t>2020-07-03</a:t>
+              <a:t>2020-07-07</a:t>
             </a:fld>
             <a:endParaRPr lang="ko-KR" altLang="en-US"/>
           </a:p>
@@ -809,7 +810,7 @@
             <a:fld id="{823895E5-2D2B-4236-AC77-BC0599642604}" type="datetimeFigureOut">
               <a:rPr lang="ko-KR" altLang="en-US" smtClean="0"/>
               <a:pPr/>
-              <a:t>2020-07-03</a:t>
+              <a:t>2020-07-07</a:t>
             </a:fld>
             <a:endParaRPr lang="ko-KR" altLang="en-US"/>
           </a:p>
@@ -976,7 +977,7 @@
             <a:fld id="{823895E5-2D2B-4236-AC77-BC0599642604}" type="datetimeFigureOut">
               <a:rPr lang="ko-KR" altLang="en-US" smtClean="0"/>
               <a:pPr/>
-              <a:t>2020-07-03</a:t>
+              <a:t>2020-07-07</a:t>
             </a:fld>
             <a:endParaRPr lang="ko-KR" altLang="en-US"/>
           </a:p>
@@ -1153,7 +1154,7 @@
             <a:fld id="{823895E5-2D2B-4236-AC77-BC0599642604}" type="datetimeFigureOut">
               <a:rPr lang="ko-KR" altLang="en-US" smtClean="0"/>
               <a:pPr/>
-              <a:t>2020-07-03</a:t>
+              <a:t>2020-07-07</a:t>
             </a:fld>
             <a:endParaRPr lang="ko-KR" altLang="en-US"/>
           </a:p>
@@ -1320,7 +1321,7 @@
             <a:fld id="{823895E5-2D2B-4236-AC77-BC0599642604}" type="datetimeFigureOut">
               <a:rPr lang="ko-KR" altLang="en-US" smtClean="0"/>
               <a:pPr/>
-              <a:t>2020-07-03</a:t>
+              <a:t>2020-07-07</a:t>
             </a:fld>
             <a:endParaRPr lang="ko-KR" altLang="en-US"/>
           </a:p>
@@ -1563,7 +1564,7 @@
             <a:fld id="{823895E5-2D2B-4236-AC77-BC0599642604}" type="datetimeFigureOut">
               <a:rPr lang="ko-KR" altLang="en-US" smtClean="0"/>
               <a:pPr/>
-              <a:t>2020-07-03</a:t>
+              <a:t>2020-07-07</a:t>
             </a:fld>
             <a:endParaRPr lang="ko-KR" altLang="en-US"/>
           </a:p>
@@ -1848,7 +1849,7 @@
             <a:fld id="{823895E5-2D2B-4236-AC77-BC0599642604}" type="datetimeFigureOut">
               <a:rPr lang="ko-KR" altLang="en-US" smtClean="0"/>
               <a:pPr/>
-              <a:t>2020-07-03</a:t>
+              <a:t>2020-07-07</a:t>
             </a:fld>
             <a:endParaRPr lang="ko-KR" altLang="en-US"/>
           </a:p>
@@ -2267,7 +2268,7 @@
             <a:fld id="{823895E5-2D2B-4236-AC77-BC0599642604}" type="datetimeFigureOut">
               <a:rPr lang="ko-KR" altLang="en-US" smtClean="0"/>
               <a:pPr/>
-              <a:t>2020-07-03</a:t>
+              <a:t>2020-07-07</a:t>
             </a:fld>
             <a:endParaRPr lang="ko-KR" altLang="en-US"/>
           </a:p>
@@ -2382,7 +2383,7 @@
             <a:fld id="{823895E5-2D2B-4236-AC77-BC0599642604}" type="datetimeFigureOut">
               <a:rPr lang="ko-KR" altLang="en-US" smtClean="0"/>
               <a:pPr/>
-              <a:t>2020-07-03</a:t>
+              <a:t>2020-07-07</a:t>
             </a:fld>
             <a:endParaRPr lang="ko-KR" altLang="en-US"/>
           </a:p>
@@ -2474,7 +2475,7 @@
             <a:fld id="{823895E5-2D2B-4236-AC77-BC0599642604}" type="datetimeFigureOut">
               <a:rPr lang="ko-KR" altLang="en-US" smtClean="0"/>
               <a:pPr/>
-              <a:t>2020-07-03</a:t>
+              <a:t>2020-07-07</a:t>
             </a:fld>
             <a:endParaRPr lang="ko-KR" altLang="en-US"/>
           </a:p>
@@ -2748,7 +2749,7 @@
             <a:fld id="{823895E5-2D2B-4236-AC77-BC0599642604}" type="datetimeFigureOut">
               <a:rPr lang="ko-KR" altLang="en-US" smtClean="0"/>
               <a:pPr/>
-              <a:t>2020-07-03</a:t>
+              <a:t>2020-07-07</a:t>
             </a:fld>
             <a:endParaRPr lang="ko-KR" altLang="en-US"/>
           </a:p>
@@ -2998,7 +2999,7 @@
             <a:fld id="{823895E5-2D2B-4236-AC77-BC0599642604}" type="datetimeFigureOut">
               <a:rPr lang="ko-KR" altLang="en-US" smtClean="0"/>
               <a:pPr/>
-              <a:t>2020-07-03</a:t>
+              <a:t>2020-07-07</a:t>
             </a:fld>
             <a:endParaRPr lang="ko-KR" altLang="en-US"/>
           </a:p>
@@ -3208,7 +3209,7 @@
             <a:fld id="{823895E5-2D2B-4236-AC77-BC0599642604}" type="datetimeFigureOut">
               <a:rPr lang="ko-KR" altLang="en-US" smtClean="0"/>
               <a:pPr/>
-              <a:t>2020-07-03</a:t>
+              <a:t>2020-07-07</a:t>
             </a:fld>
             <a:endParaRPr lang="ko-KR" altLang="en-US"/>
           </a:p>
@@ -6722,29 +6723,6 @@
               </a:rPr>
               <a:t>메시지 박스</a:t>
             </a:r>
-            <a:endParaRPr lang="ko-KR" altLang="en-US" sz="1200" b="1" spc="50" dirty="0" smtClean="0">
-              <a:ln w="13500">
-                <a:solidFill>
-                  <a:schemeClr val="accent1">
-                    <a:shade val="2500"/>
-                    <a:alpha val="6500"/>
-                  </a:schemeClr>
-                </a:solidFill>
-                <a:prstDash val="solid"/>
-              </a:ln>
-              <a:solidFill>
-                <a:schemeClr val="accent1">
-                  <a:lumMod val="50000"/>
-                </a:schemeClr>
-              </a:solidFill>
-              <a:effectLst>
-                <a:innerShdw blurRad="50900" dist="38500" dir="13500000">
-                  <a:srgbClr val="000000">
-                    <a:alpha val="60000"/>
-                  </a:srgbClr>
-                </a:innerShdw>
-              </a:effectLst>
-            </a:endParaRPr>
           </a:p>
         </p:txBody>
       </p:sp>
@@ -6997,29 +6975,6 @@
               </a:rPr>
               <a:t>현재상황</a:t>
             </a:r>
-            <a:endParaRPr lang="ko-KR" altLang="en-US" sz="1200" b="1" spc="50" dirty="0" smtClean="0">
-              <a:ln w="13500">
-                <a:solidFill>
-                  <a:schemeClr val="accent1">
-                    <a:shade val="2500"/>
-                    <a:alpha val="6500"/>
-                  </a:schemeClr>
-                </a:solidFill>
-                <a:prstDash val="solid"/>
-              </a:ln>
-              <a:solidFill>
-                <a:schemeClr val="accent1">
-                  <a:lumMod val="50000"/>
-                </a:schemeClr>
-              </a:solidFill>
-              <a:effectLst>
-                <a:innerShdw blurRad="50900" dist="38500" dir="13500000">
-                  <a:srgbClr val="000000">
-                    <a:alpha val="60000"/>
-                  </a:srgbClr>
-                </a:innerShdw>
-              </a:effectLst>
-            </a:endParaRPr>
           </a:p>
         </p:txBody>
       </p:sp>
@@ -7167,29 +7122,6 @@
               </a:rPr>
               <a:t>매각</a:t>
             </a:r>
-            <a:endParaRPr lang="ko-KR" altLang="en-US" sz="1200" b="1" spc="50" dirty="0" smtClean="0">
-              <a:ln w="13500">
-                <a:solidFill>
-                  <a:schemeClr val="accent1">
-                    <a:shade val="2500"/>
-                    <a:alpha val="6500"/>
-                  </a:schemeClr>
-                </a:solidFill>
-                <a:prstDash val="solid"/>
-              </a:ln>
-              <a:solidFill>
-                <a:schemeClr val="accent1">
-                  <a:lumMod val="50000"/>
-                </a:schemeClr>
-              </a:solidFill>
-              <a:effectLst>
-                <a:innerShdw blurRad="50900" dist="38500" dir="13500000">
-                  <a:srgbClr val="000000">
-                    <a:alpha val="60000"/>
-                  </a:srgbClr>
-                </a:innerShdw>
-              </a:effectLst>
-            </a:endParaRPr>
           </a:p>
         </p:txBody>
       </p:sp>
@@ -7285,29 +7217,6 @@
               </a:rPr>
               <a:t>재정 관리</a:t>
             </a:r>
-            <a:endParaRPr lang="ko-KR" altLang="en-US" sz="1200" b="1" spc="50" dirty="0" smtClean="0">
-              <a:ln w="13500">
-                <a:solidFill>
-                  <a:schemeClr val="accent1">
-                    <a:shade val="2500"/>
-                    <a:alpha val="6500"/>
-                  </a:schemeClr>
-                </a:solidFill>
-                <a:prstDash val="solid"/>
-              </a:ln>
-              <a:solidFill>
-                <a:schemeClr val="accent1">
-                  <a:lumMod val="50000"/>
-                </a:schemeClr>
-              </a:solidFill>
-              <a:effectLst>
-                <a:innerShdw blurRad="50900" dist="38500" dir="13500000">
-                  <a:srgbClr val="000000">
-                    <a:alpha val="60000"/>
-                  </a:srgbClr>
-                </a:innerShdw>
-              </a:effectLst>
-            </a:endParaRPr>
           </a:p>
         </p:txBody>
       </p:sp>
@@ -7403,29 +7312,6 @@
               </a:rPr>
               <a:t>팀 선수단 </a:t>
             </a:r>
-            <a:endParaRPr lang="ko-KR" altLang="en-US" sz="1200" b="1" spc="50" dirty="0" smtClean="0">
-              <a:ln w="13500">
-                <a:solidFill>
-                  <a:schemeClr val="accent1">
-                    <a:shade val="2500"/>
-                    <a:alpha val="6500"/>
-                  </a:schemeClr>
-                </a:solidFill>
-                <a:prstDash val="solid"/>
-              </a:ln>
-              <a:solidFill>
-                <a:schemeClr val="accent1">
-                  <a:lumMod val="50000"/>
-                </a:schemeClr>
-              </a:solidFill>
-              <a:effectLst>
-                <a:innerShdw blurRad="50900" dist="38500" dir="13500000">
-                  <a:srgbClr val="000000">
-                    <a:alpha val="60000"/>
-                  </a:srgbClr>
-                </a:innerShdw>
-              </a:effectLst>
-            </a:endParaRPr>
           </a:p>
         </p:txBody>
       </p:sp>
@@ -7665,29 +7551,6 @@
               </a:rPr>
               <a:t>팀 직원</a:t>
             </a:r>
-            <a:endParaRPr lang="ko-KR" altLang="en-US" sz="1200" b="1" spc="50" dirty="0" smtClean="0">
-              <a:ln w="13500">
-                <a:solidFill>
-                  <a:schemeClr val="accent1">
-                    <a:shade val="2500"/>
-                    <a:alpha val="6500"/>
-                  </a:schemeClr>
-                </a:solidFill>
-                <a:prstDash val="solid"/>
-              </a:ln>
-              <a:solidFill>
-                <a:schemeClr val="accent1">
-                  <a:lumMod val="50000"/>
-                </a:schemeClr>
-              </a:solidFill>
-              <a:effectLst>
-                <a:innerShdw blurRad="50900" dist="38500" dir="13500000">
-                  <a:srgbClr val="000000">
-                    <a:alpha val="60000"/>
-                  </a:srgbClr>
-                </a:innerShdw>
-              </a:effectLst>
-            </a:endParaRPr>
           </a:p>
         </p:txBody>
       </p:sp>
@@ -7783,29 +7646,6 @@
               </a:rPr>
               <a:t>스폰서</a:t>
             </a:r>
-            <a:endParaRPr lang="ko-KR" altLang="en-US" sz="1200" b="1" spc="50" dirty="0" smtClean="0">
-              <a:ln w="13500">
-                <a:solidFill>
-                  <a:schemeClr val="accent1">
-                    <a:shade val="2500"/>
-                    <a:alpha val="6500"/>
-                  </a:schemeClr>
-                </a:solidFill>
-                <a:prstDash val="solid"/>
-              </a:ln>
-              <a:solidFill>
-                <a:schemeClr val="accent1">
-                  <a:lumMod val="50000"/>
-                </a:schemeClr>
-              </a:solidFill>
-              <a:effectLst>
-                <a:innerShdw blurRad="50900" dist="38500" dir="13500000">
-                  <a:srgbClr val="000000">
-                    <a:alpha val="60000"/>
-                  </a:srgbClr>
-                </a:innerShdw>
-              </a:effectLst>
-            </a:endParaRPr>
           </a:p>
         </p:txBody>
       </p:sp>
@@ -7901,54 +7741,105 @@
               </a:rPr>
               <a:t>행동하기</a:t>
             </a:r>
-            <a:endParaRPr lang="ko-KR" altLang="en-US" sz="1200" b="1" spc="50" dirty="0" smtClean="0">
-              <a:ln w="13500">
-                <a:solidFill>
-                  <a:schemeClr val="accent1">
-                    <a:shade val="2500"/>
-                    <a:alpha val="6500"/>
-                  </a:schemeClr>
-                </a:solidFill>
-                <a:prstDash val="solid"/>
-              </a:ln>
-              <a:solidFill>
-                <a:schemeClr val="accent1">
-                  <a:lumMod val="50000"/>
-                </a:schemeClr>
-              </a:solidFill>
-              <a:effectLst>
-                <a:innerShdw blurRad="50900" dist="38500" dir="13500000">
-                  <a:srgbClr val="000000">
-                    <a:alpha val="60000"/>
-                  </a:srgbClr>
-                </a:innerShdw>
-              </a:effectLst>
-            </a:endParaRPr>
-          </a:p>
-        </p:txBody>
-      </p:sp>
-      <p:sp>
-        <p:nvSpPr>
-          <p:cNvPr id="59" name="모서리가 둥근 직사각형 58"/>
+          </a:p>
+        </p:txBody>
+      </p:sp>
+    </p:spTree>
+  </p:cSld>
+  <p:clrMapOvr>
+    <a:masterClrMapping/>
+  </p:clrMapOvr>
+</p:sld>
+</file>
+
+<file path=ppt/slides/slide6.xml><?xml version="1.0" encoding="utf-8"?>
+<p:sld xmlns:a="http://schemas.openxmlformats.org/drawingml/2006/main" xmlns:r="http://schemas.openxmlformats.org/officeDocument/2006/relationships" xmlns:p="http://schemas.openxmlformats.org/presentationml/2006/main">
+  <p:cSld>
+    <p:spTree>
+      <p:nvGrpSpPr>
+        <p:cNvPr id="1" name=""/>
+        <p:cNvGrpSpPr/>
+        <p:nvPr/>
+      </p:nvGrpSpPr>
+      <p:grpSpPr>
+        <a:xfrm>
+          <a:off x="0" y="0"/>
+          <a:ext cx="0" cy="0"/>
+          <a:chOff x="0" y="0"/>
+          <a:chExt cx="0" cy="0"/>
+        </a:xfrm>
+      </p:grpSpPr>
+      <p:pic>
+        <p:nvPicPr>
+          <p:cNvPr id="54" name="그림 53" descr="1215125.png"/>
+          <p:cNvPicPr preferRelativeResize="0">
+            <a:picLocks/>
+          </p:cNvPicPr>
+          <p:nvPr/>
+        </p:nvPicPr>
+        <p:blipFill>
+          <a:blip r:embed="rId2" cstate="print"/>
+          <a:stretch>
+            <a:fillRect/>
+          </a:stretch>
+        </p:blipFill>
+        <p:spPr>
+          <a:xfrm>
+            <a:off x="251520" y="620688"/>
+            <a:ext cx="8640000" cy="5760000"/>
+          </a:xfrm>
+          <a:prstGeom prst="rect">
+            <a:avLst/>
+          </a:prstGeom>
+        </p:spPr>
+      </p:pic>
+      <p:pic>
+        <p:nvPicPr>
+          <p:cNvPr id="55" name="그림 54" descr="125125125.png"/>
+          <p:cNvPicPr preferRelativeResize="0">
+            <a:picLocks/>
+          </p:cNvPicPr>
+          <p:nvPr/>
+        </p:nvPicPr>
+        <p:blipFill>
+          <a:blip r:embed="rId3" cstate="print"/>
+          <a:stretch>
+            <a:fillRect/>
+          </a:stretch>
+        </p:blipFill>
+        <p:spPr>
+          <a:xfrm>
+            <a:off x="4572000" y="1556792"/>
+            <a:ext cx="4104456" cy="4608512"/>
+          </a:xfrm>
+          <a:prstGeom prst="rect">
+            <a:avLst/>
+          </a:prstGeom>
+          <a:ln w="57150">
+            <a:solidFill>
+              <a:srgbClr val="00B0F0"/>
+            </a:solidFill>
+          </a:ln>
+        </p:spPr>
+      </p:pic>
+      <p:sp>
+        <p:nvSpPr>
+          <p:cNvPr id="58" name="직사각형 57"/>
           <p:cNvSpPr/>
           <p:nvPr/>
         </p:nvSpPr>
         <p:spPr>
           <a:xfrm>
-            <a:off x="1907704" y="692696"/>
-            <a:ext cx="6804016" cy="504000"/>
+            <a:off x="4860032" y="2348880"/>
+            <a:ext cx="1080120" cy="360040"/>
           </a:xfrm>
-          <a:prstGeom prst="roundRect">
+          <a:prstGeom prst="rect">
             <a:avLst/>
           </a:prstGeom>
-          <a:solidFill>
-            <a:srgbClr val="0070C0">
-              <a:alpha val="70000"/>
-            </a:srgbClr>
-          </a:solidFill>
-          <a:ln>
+          <a:noFill/>
+          <a:ln w="38100">
             <a:solidFill>
-              <a:schemeClr val="tx1"/>
+              <a:srgbClr val="FFFF00"/>
             </a:solidFill>
             <a:prstDash val="solid"/>
           </a:ln>
@@ -7996,6 +7887,2011 @@
           <a:p>
             <a:pPr algn="ctr"/>
             <a:endParaRPr lang="ko-KR" altLang="en-US" b="1" spc="50" dirty="0" smtClean="0">
+              <a:ln w="11430">
+                <a:solidFill>
+                  <a:srgbClr val="00B050"/>
+                </a:solidFill>
+              </a:ln>
+              <a:solidFill>
+                <a:srgbClr val="00B050"/>
+              </a:solidFill>
+              <a:effectLst>
+                <a:glow rad="228600">
+                  <a:schemeClr val="accent6">
+                    <a:satMod val="175000"/>
+                    <a:alpha val="40000"/>
+                  </a:schemeClr>
+                </a:glow>
+                <a:outerShdw blurRad="50800" dist="38100" dir="2700000" algn="tl" rotWithShape="0">
+                  <a:prstClr val="black">
+                    <a:alpha val="40000"/>
+                  </a:prstClr>
+                </a:outerShdw>
+              </a:effectLst>
+            </a:endParaRPr>
+          </a:p>
+        </p:txBody>
+      </p:sp>
+      <p:sp>
+        <p:nvSpPr>
+          <p:cNvPr id="59" name="직사각형 58"/>
+          <p:cNvSpPr/>
+          <p:nvPr/>
+        </p:nvSpPr>
+        <p:spPr>
+          <a:xfrm>
+            <a:off x="4860032" y="2780928"/>
+            <a:ext cx="1080120" cy="288032"/>
+          </a:xfrm>
+          <a:prstGeom prst="rect">
+            <a:avLst/>
+          </a:prstGeom>
+          <a:noFill/>
+          <a:ln w="38100">
+            <a:solidFill>
+              <a:srgbClr val="FFFF00"/>
+            </a:solidFill>
+            <a:prstDash val="solid"/>
+          </a:ln>
+          <a:effectLst/>
+          <a:scene3d>
+            <a:camera prst="orthographicFront"/>
+            <a:lightRig rig="threePt" dir="t"/>
+          </a:scene3d>
+          <a:sp3d/>
+        </p:spPr>
+        <p:style>
+          <a:lnRef idx="2">
+            <a:schemeClr val="accent1">
+              <a:shade val="50000"/>
+            </a:schemeClr>
+          </a:lnRef>
+          <a:fillRef idx="1">
+            <a:schemeClr val="accent1"/>
+          </a:fillRef>
+          <a:effectRef idx="0">
+            <a:schemeClr val="accent1"/>
+          </a:effectRef>
+          <a:fontRef idx="minor">
+            <a:schemeClr val="lt1"/>
+          </a:fontRef>
+        </p:style>
+        <p:txBody>
+          <a:bodyPr rtlCol="0" anchor="ctr">
+            <a:scene3d>
+              <a:camera prst="orthographicFront"/>
+              <a:lightRig rig="soft" dir="tl">
+                <a:rot lat="0" lon="0" rev="0"/>
+              </a:lightRig>
+            </a:scene3d>
+            <a:sp3d contourW="25400" prstMaterial="matte">
+              <a:bevelT w="25400" h="55880" prst="artDeco"/>
+              <a:contourClr>
+                <a:schemeClr val="accent2">
+                  <a:tint val="20000"/>
+                </a:schemeClr>
+              </a:contourClr>
+            </a:sp3d>
+          </a:bodyPr>
+          <a:lstStyle/>
+          <a:p>
+            <a:pPr algn="ctr"/>
+            <a:endParaRPr lang="ko-KR" altLang="en-US" b="1" spc="50" dirty="0" smtClean="0">
+              <a:ln w="11430">
+                <a:solidFill>
+                  <a:srgbClr val="00B050"/>
+                </a:solidFill>
+              </a:ln>
+              <a:solidFill>
+                <a:srgbClr val="00B050"/>
+              </a:solidFill>
+              <a:effectLst>
+                <a:glow rad="228600">
+                  <a:schemeClr val="accent6">
+                    <a:satMod val="175000"/>
+                    <a:alpha val="40000"/>
+                  </a:schemeClr>
+                </a:glow>
+                <a:outerShdw blurRad="50800" dist="38100" dir="2700000" algn="tl" rotWithShape="0">
+                  <a:prstClr val="black">
+                    <a:alpha val="40000"/>
+                  </a:prstClr>
+                </a:outerShdw>
+              </a:effectLst>
+            </a:endParaRPr>
+          </a:p>
+        </p:txBody>
+      </p:sp>
+      <p:sp>
+        <p:nvSpPr>
+          <p:cNvPr id="60" name="직사각형 59"/>
+          <p:cNvSpPr/>
+          <p:nvPr/>
+        </p:nvSpPr>
+        <p:spPr>
+          <a:xfrm>
+            <a:off x="4644008" y="2596842"/>
+            <a:ext cx="432048" cy="400110"/>
+          </a:xfrm>
+          <a:prstGeom prst="rect">
+            <a:avLst/>
+          </a:prstGeom>
+          <a:noFill/>
+        </p:spPr>
+        <p:txBody>
+          <a:bodyPr wrap="square" lIns="91440" tIns="45720" rIns="91440" bIns="45720">
+            <a:spAutoFit/>
+            <a:scene3d>
+              <a:camera prst="orthographicFront"/>
+              <a:lightRig rig="glow" dir="tl">
+                <a:rot lat="0" lon="0" rev="5400000"/>
+              </a:lightRig>
+            </a:scene3d>
+            <a:sp3d extrusionH="57150" contourW="12700">
+              <a:bevelT w="25400" h="25400"/>
+              <a:contourClr>
+                <a:schemeClr val="accent6">
+                  <a:shade val="73000"/>
+                </a:schemeClr>
+              </a:contourClr>
+            </a:sp3d>
+          </a:bodyPr>
+          <a:lstStyle/>
+          <a:p>
+            <a:pPr algn="ctr"/>
+            <a:r>
+              <a:rPr lang="ko-KR" altLang="en-US" sz="2000" b="1" dirty="0" smtClean="0">
+                <a:ln w="11430">
+                  <a:solidFill>
+                    <a:srgbClr val="FFFF00"/>
+                  </a:solidFill>
+                </a:ln>
+                <a:solidFill>
+                  <a:srgbClr val="FFFF00"/>
+                </a:solidFill>
+                <a:effectLst>
+                  <a:glow rad="139700">
+                    <a:schemeClr val="accent3">
+                      <a:satMod val="175000"/>
+                      <a:alpha val="40000"/>
+                    </a:schemeClr>
+                  </a:glow>
+                  <a:outerShdw blurRad="80000" dist="40000" dir="5040000" algn="tl">
+                    <a:srgbClr val="000000">
+                      <a:alpha val="30000"/>
+                    </a:srgbClr>
+                  </a:outerShdw>
+                </a:effectLst>
+              </a:rPr>
+              <a:t>㉡</a:t>
+            </a:r>
+            <a:endParaRPr lang="en-US" altLang="ko-KR" sz="2000" b="1" cap="none" spc="0" dirty="0">
+              <a:ln w="11430">
+                <a:solidFill>
+                  <a:srgbClr val="FFFF00"/>
+                </a:solidFill>
+              </a:ln>
+              <a:solidFill>
+                <a:srgbClr val="FFFF00"/>
+              </a:solidFill>
+              <a:effectLst>
+                <a:glow rad="139700">
+                  <a:schemeClr val="accent3">
+                    <a:satMod val="175000"/>
+                    <a:alpha val="40000"/>
+                  </a:schemeClr>
+                </a:glow>
+                <a:outerShdw blurRad="80000" dist="40000" dir="5040000" algn="tl">
+                  <a:srgbClr val="000000">
+                    <a:alpha val="30000"/>
+                  </a:srgbClr>
+                </a:outerShdw>
+              </a:effectLst>
+            </a:endParaRPr>
+          </a:p>
+        </p:txBody>
+      </p:sp>
+      <p:sp>
+        <p:nvSpPr>
+          <p:cNvPr id="61" name="직사각형 60"/>
+          <p:cNvSpPr/>
+          <p:nvPr/>
+        </p:nvSpPr>
+        <p:spPr>
+          <a:xfrm>
+            <a:off x="4860032" y="3140968"/>
+            <a:ext cx="1080120" cy="360040"/>
+          </a:xfrm>
+          <a:prstGeom prst="rect">
+            <a:avLst/>
+          </a:prstGeom>
+          <a:noFill/>
+          <a:ln w="38100">
+            <a:solidFill>
+              <a:srgbClr val="FFFF00"/>
+            </a:solidFill>
+            <a:prstDash val="solid"/>
+          </a:ln>
+          <a:effectLst/>
+          <a:scene3d>
+            <a:camera prst="orthographicFront"/>
+            <a:lightRig rig="threePt" dir="t"/>
+          </a:scene3d>
+          <a:sp3d/>
+        </p:spPr>
+        <p:style>
+          <a:lnRef idx="2">
+            <a:schemeClr val="accent1">
+              <a:shade val="50000"/>
+            </a:schemeClr>
+          </a:lnRef>
+          <a:fillRef idx="1">
+            <a:schemeClr val="accent1"/>
+          </a:fillRef>
+          <a:effectRef idx="0">
+            <a:schemeClr val="accent1"/>
+          </a:effectRef>
+          <a:fontRef idx="minor">
+            <a:schemeClr val="lt1"/>
+          </a:fontRef>
+        </p:style>
+        <p:txBody>
+          <a:bodyPr rtlCol="0" anchor="ctr">
+            <a:scene3d>
+              <a:camera prst="orthographicFront"/>
+              <a:lightRig rig="soft" dir="tl">
+                <a:rot lat="0" lon="0" rev="0"/>
+              </a:lightRig>
+            </a:scene3d>
+            <a:sp3d contourW="25400" prstMaterial="matte">
+              <a:bevelT w="25400" h="55880" prst="artDeco"/>
+              <a:contourClr>
+                <a:schemeClr val="accent2">
+                  <a:tint val="20000"/>
+                </a:schemeClr>
+              </a:contourClr>
+            </a:sp3d>
+          </a:bodyPr>
+          <a:lstStyle/>
+          <a:p>
+            <a:pPr algn="ctr"/>
+            <a:endParaRPr lang="ko-KR" altLang="en-US" b="1" spc="50" dirty="0" smtClean="0">
+              <a:ln w="11430">
+                <a:solidFill>
+                  <a:srgbClr val="00B050"/>
+                </a:solidFill>
+              </a:ln>
+              <a:solidFill>
+                <a:srgbClr val="00B050"/>
+              </a:solidFill>
+              <a:effectLst>
+                <a:glow rad="228600">
+                  <a:schemeClr val="accent6">
+                    <a:satMod val="175000"/>
+                    <a:alpha val="40000"/>
+                  </a:schemeClr>
+                </a:glow>
+                <a:outerShdw blurRad="50800" dist="38100" dir="2700000" algn="tl" rotWithShape="0">
+                  <a:prstClr val="black">
+                    <a:alpha val="40000"/>
+                  </a:prstClr>
+                </a:outerShdw>
+              </a:effectLst>
+            </a:endParaRPr>
+          </a:p>
+        </p:txBody>
+      </p:sp>
+      <p:sp>
+        <p:nvSpPr>
+          <p:cNvPr id="62" name="직사각형 61"/>
+          <p:cNvSpPr/>
+          <p:nvPr/>
+        </p:nvSpPr>
+        <p:spPr>
+          <a:xfrm>
+            <a:off x="4644008" y="3028890"/>
+            <a:ext cx="432048" cy="400110"/>
+          </a:xfrm>
+          <a:prstGeom prst="rect">
+            <a:avLst/>
+          </a:prstGeom>
+          <a:noFill/>
+        </p:spPr>
+        <p:txBody>
+          <a:bodyPr wrap="square" lIns="91440" tIns="45720" rIns="91440" bIns="45720">
+            <a:spAutoFit/>
+            <a:scene3d>
+              <a:camera prst="orthographicFront"/>
+              <a:lightRig rig="glow" dir="tl">
+                <a:rot lat="0" lon="0" rev="5400000"/>
+              </a:lightRig>
+            </a:scene3d>
+            <a:sp3d extrusionH="57150" contourW="12700">
+              <a:bevelT w="25400" h="25400"/>
+              <a:contourClr>
+                <a:schemeClr val="accent6">
+                  <a:shade val="73000"/>
+                </a:schemeClr>
+              </a:contourClr>
+            </a:sp3d>
+          </a:bodyPr>
+          <a:lstStyle/>
+          <a:p>
+            <a:pPr algn="ctr"/>
+            <a:r>
+              <a:rPr lang="ko-KR" altLang="en-US" sz="2000" b="1" dirty="0" smtClean="0">
+                <a:ln w="11430">
+                  <a:solidFill>
+                    <a:srgbClr val="FFFF00"/>
+                  </a:solidFill>
+                </a:ln>
+                <a:solidFill>
+                  <a:srgbClr val="FFFF00"/>
+                </a:solidFill>
+                <a:effectLst>
+                  <a:glow rad="139700">
+                    <a:schemeClr val="accent3">
+                      <a:satMod val="175000"/>
+                      <a:alpha val="40000"/>
+                    </a:schemeClr>
+                  </a:glow>
+                  <a:outerShdw blurRad="80000" dist="40000" dir="5040000" algn="tl">
+                    <a:srgbClr val="000000">
+                      <a:alpha val="30000"/>
+                    </a:srgbClr>
+                  </a:outerShdw>
+                </a:effectLst>
+              </a:rPr>
+              <a:t>㉢</a:t>
+            </a:r>
+            <a:endParaRPr lang="en-US" altLang="ko-KR" sz="2000" b="1" cap="none" spc="0" dirty="0">
+              <a:ln w="11430">
+                <a:solidFill>
+                  <a:srgbClr val="FFFF00"/>
+                </a:solidFill>
+              </a:ln>
+              <a:solidFill>
+                <a:srgbClr val="FFFF00"/>
+              </a:solidFill>
+              <a:effectLst>
+                <a:glow rad="139700">
+                  <a:schemeClr val="accent3">
+                    <a:satMod val="175000"/>
+                    <a:alpha val="40000"/>
+                  </a:schemeClr>
+                </a:glow>
+                <a:outerShdw blurRad="80000" dist="40000" dir="5040000" algn="tl">
+                  <a:srgbClr val="000000">
+                    <a:alpha val="30000"/>
+                  </a:srgbClr>
+                </a:outerShdw>
+              </a:effectLst>
+            </a:endParaRPr>
+          </a:p>
+        </p:txBody>
+      </p:sp>
+      <p:sp>
+        <p:nvSpPr>
+          <p:cNvPr id="63" name="직사각형 62"/>
+          <p:cNvSpPr/>
+          <p:nvPr/>
+        </p:nvSpPr>
+        <p:spPr>
+          <a:xfrm>
+            <a:off x="4860032" y="3573016"/>
+            <a:ext cx="1080120" cy="360040"/>
+          </a:xfrm>
+          <a:prstGeom prst="rect">
+            <a:avLst/>
+          </a:prstGeom>
+          <a:noFill/>
+          <a:ln w="38100">
+            <a:solidFill>
+              <a:srgbClr val="FFFF00"/>
+            </a:solidFill>
+            <a:prstDash val="solid"/>
+          </a:ln>
+          <a:effectLst/>
+          <a:scene3d>
+            <a:camera prst="orthographicFront"/>
+            <a:lightRig rig="threePt" dir="t"/>
+          </a:scene3d>
+          <a:sp3d/>
+        </p:spPr>
+        <p:style>
+          <a:lnRef idx="2">
+            <a:schemeClr val="accent1">
+              <a:shade val="50000"/>
+            </a:schemeClr>
+          </a:lnRef>
+          <a:fillRef idx="1">
+            <a:schemeClr val="accent1"/>
+          </a:fillRef>
+          <a:effectRef idx="0">
+            <a:schemeClr val="accent1"/>
+          </a:effectRef>
+          <a:fontRef idx="minor">
+            <a:schemeClr val="lt1"/>
+          </a:fontRef>
+        </p:style>
+        <p:txBody>
+          <a:bodyPr rtlCol="0" anchor="ctr">
+            <a:scene3d>
+              <a:camera prst="orthographicFront"/>
+              <a:lightRig rig="soft" dir="tl">
+                <a:rot lat="0" lon="0" rev="0"/>
+              </a:lightRig>
+            </a:scene3d>
+            <a:sp3d contourW="25400" prstMaterial="matte">
+              <a:bevelT w="25400" h="55880" prst="artDeco"/>
+              <a:contourClr>
+                <a:schemeClr val="accent2">
+                  <a:tint val="20000"/>
+                </a:schemeClr>
+              </a:contourClr>
+            </a:sp3d>
+          </a:bodyPr>
+          <a:lstStyle/>
+          <a:p>
+            <a:pPr algn="ctr"/>
+            <a:endParaRPr lang="ko-KR" altLang="en-US" b="1" spc="50" dirty="0" smtClean="0">
+              <a:ln w="11430">
+                <a:solidFill>
+                  <a:srgbClr val="00B050"/>
+                </a:solidFill>
+              </a:ln>
+              <a:solidFill>
+                <a:srgbClr val="00B050"/>
+              </a:solidFill>
+              <a:effectLst>
+                <a:glow rad="228600">
+                  <a:schemeClr val="accent6">
+                    <a:satMod val="175000"/>
+                    <a:alpha val="40000"/>
+                  </a:schemeClr>
+                </a:glow>
+                <a:outerShdw blurRad="50800" dist="38100" dir="2700000" algn="tl" rotWithShape="0">
+                  <a:prstClr val="black">
+                    <a:alpha val="40000"/>
+                  </a:prstClr>
+                </a:outerShdw>
+              </a:effectLst>
+            </a:endParaRPr>
+          </a:p>
+        </p:txBody>
+      </p:sp>
+      <p:sp>
+        <p:nvSpPr>
+          <p:cNvPr id="64" name="직사각형 63"/>
+          <p:cNvSpPr/>
+          <p:nvPr/>
+        </p:nvSpPr>
+        <p:spPr>
+          <a:xfrm>
+            <a:off x="4644008" y="3460938"/>
+            <a:ext cx="432048" cy="400110"/>
+          </a:xfrm>
+          <a:prstGeom prst="rect">
+            <a:avLst/>
+          </a:prstGeom>
+          <a:noFill/>
+        </p:spPr>
+        <p:txBody>
+          <a:bodyPr wrap="square" lIns="91440" tIns="45720" rIns="91440" bIns="45720">
+            <a:spAutoFit/>
+            <a:scene3d>
+              <a:camera prst="orthographicFront"/>
+              <a:lightRig rig="glow" dir="tl">
+                <a:rot lat="0" lon="0" rev="5400000"/>
+              </a:lightRig>
+            </a:scene3d>
+            <a:sp3d extrusionH="57150" contourW="12700">
+              <a:bevelT w="25400" h="25400"/>
+              <a:contourClr>
+                <a:schemeClr val="accent6">
+                  <a:shade val="73000"/>
+                </a:schemeClr>
+              </a:contourClr>
+            </a:sp3d>
+          </a:bodyPr>
+          <a:lstStyle/>
+          <a:p>
+            <a:pPr algn="ctr"/>
+            <a:r>
+              <a:rPr lang="ko-KR" altLang="en-US" sz="2000" b="1" dirty="0" smtClean="0">
+                <a:ln w="11430">
+                  <a:solidFill>
+                    <a:srgbClr val="FFFF00"/>
+                  </a:solidFill>
+                </a:ln>
+                <a:solidFill>
+                  <a:srgbClr val="FFFF00"/>
+                </a:solidFill>
+                <a:effectLst>
+                  <a:glow rad="139700">
+                    <a:schemeClr val="accent3">
+                      <a:satMod val="175000"/>
+                      <a:alpha val="40000"/>
+                    </a:schemeClr>
+                  </a:glow>
+                  <a:outerShdw blurRad="80000" dist="40000" dir="5040000" algn="tl">
+                    <a:srgbClr val="000000">
+                      <a:alpha val="30000"/>
+                    </a:srgbClr>
+                  </a:outerShdw>
+                </a:effectLst>
+              </a:rPr>
+              <a:t>㉣</a:t>
+            </a:r>
+            <a:endParaRPr lang="en-US" altLang="ko-KR" sz="2000" b="1" cap="none" spc="0" dirty="0">
+              <a:ln w="11430">
+                <a:solidFill>
+                  <a:srgbClr val="FFFF00"/>
+                </a:solidFill>
+              </a:ln>
+              <a:solidFill>
+                <a:srgbClr val="FFFF00"/>
+              </a:solidFill>
+              <a:effectLst>
+                <a:glow rad="139700">
+                  <a:schemeClr val="accent3">
+                    <a:satMod val="175000"/>
+                    <a:alpha val="40000"/>
+                  </a:schemeClr>
+                </a:glow>
+                <a:outerShdw blurRad="80000" dist="40000" dir="5040000" algn="tl">
+                  <a:srgbClr val="000000">
+                    <a:alpha val="30000"/>
+                  </a:srgbClr>
+                </a:outerShdw>
+              </a:effectLst>
+            </a:endParaRPr>
+          </a:p>
+        </p:txBody>
+      </p:sp>
+      <p:sp>
+        <p:nvSpPr>
+          <p:cNvPr id="96" name="직사각형 95"/>
+          <p:cNvSpPr/>
+          <p:nvPr/>
+        </p:nvSpPr>
+        <p:spPr>
+          <a:xfrm>
+            <a:off x="4860032" y="4005064"/>
+            <a:ext cx="1080120" cy="288032"/>
+          </a:xfrm>
+          <a:prstGeom prst="rect">
+            <a:avLst/>
+          </a:prstGeom>
+          <a:noFill/>
+          <a:ln w="38100">
+            <a:solidFill>
+              <a:srgbClr val="FFFF00"/>
+            </a:solidFill>
+            <a:prstDash val="solid"/>
+          </a:ln>
+          <a:effectLst/>
+          <a:scene3d>
+            <a:camera prst="orthographicFront"/>
+            <a:lightRig rig="threePt" dir="t"/>
+          </a:scene3d>
+          <a:sp3d/>
+        </p:spPr>
+        <p:style>
+          <a:lnRef idx="2">
+            <a:schemeClr val="accent1">
+              <a:shade val="50000"/>
+            </a:schemeClr>
+          </a:lnRef>
+          <a:fillRef idx="1">
+            <a:schemeClr val="accent1"/>
+          </a:fillRef>
+          <a:effectRef idx="0">
+            <a:schemeClr val="accent1"/>
+          </a:effectRef>
+          <a:fontRef idx="minor">
+            <a:schemeClr val="lt1"/>
+          </a:fontRef>
+        </p:style>
+        <p:txBody>
+          <a:bodyPr rtlCol="0" anchor="ctr">
+            <a:scene3d>
+              <a:camera prst="orthographicFront"/>
+              <a:lightRig rig="soft" dir="tl">
+                <a:rot lat="0" lon="0" rev="0"/>
+              </a:lightRig>
+            </a:scene3d>
+            <a:sp3d contourW="25400" prstMaterial="matte">
+              <a:bevelT w="25400" h="55880" prst="artDeco"/>
+              <a:contourClr>
+                <a:schemeClr val="accent2">
+                  <a:tint val="20000"/>
+                </a:schemeClr>
+              </a:contourClr>
+            </a:sp3d>
+          </a:bodyPr>
+          <a:lstStyle/>
+          <a:p>
+            <a:pPr algn="ctr"/>
+            <a:endParaRPr lang="ko-KR" altLang="en-US" b="1" spc="50" dirty="0" smtClean="0">
+              <a:ln w="11430">
+                <a:solidFill>
+                  <a:srgbClr val="00B050"/>
+                </a:solidFill>
+              </a:ln>
+              <a:solidFill>
+                <a:srgbClr val="00B050"/>
+              </a:solidFill>
+              <a:effectLst>
+                <a:glow rad="228600">
+                  <a:schemeClr val="accent6">
+                    <a:satMod val="175000"/>
+                    <a:alpha val="40000"/>
+                  </a:schemeClr>
+                </a:glow>
+                <a:outerShdw blurRad="50800" dist="38100" dir="2700000" algn="tl" rotWithShape="0">
+                  <a:prstClr val="black">
+                    <a:alpha val="40000"/>
+                  </a:prstClr>
+                </a:outerShdw>
+              </a:effectLst>
+            </a:endParaRPr>
+          </a:p>
+        </p:txBody>
+      </p:sp>
+      <p:sp>
+        <p:nvSpPr>
+          <p:cNvPr id="97" name="직사각형 96"/>
+          <p:cNvSpPr/>
+          <p:nvPr/>
+        </p:nvSpPr>
+        <p:spPr>
+          <a:xfrm>
+            <a:off x="4644008" y="3861048"/>
+            <a:ext cx="432048" cy="400110"/>
+          </a:xfrm>
+          <a:prstGeom prst="rect">
+            <a:avLst/>
+          </a:prstGeom>
+          <a:noFill/>
+        </p:spPr>
+        <p:txBody>
+          <a:bodyPr wrap="square" lIns="91440" tIns="45720" rIns="91440" bIns="45720">
+            <a:spAutoFit/>
+            <a:scene3d>
+              <a:camera prst="orthographicFront"/>
+              <a:lightRig rig="glow" dir="tl">
+                <a:rot lat="0" lon="0" rev="5400000"/>
+              </a:lightRig>
+            </a:scene3d>
+            <a:sp3d extrusionH="57150" contourW="12700">
+              <a:bevelT w="25400" h="25400"/>
+              <a:contourClr>
+                <a:schemeClr val="accent6">
+                  <a:shade val="73000"/>
+                </a:schemeClr>
+              </a:contourClr>
+            </a:sp3d>
+          </a:bodyPr>
+          <a:lstStyle/>
+          <a:p>
+            <a:pPr algn="ctr"/>
+            <a:r>
+              <a:rPr lang="ko-KR" altLang="en-US" sz="2000" b="1" dirty="0" smtClean="0">
+                <a:ln w="11430">
+                  <a:solidFill>
+                    <a:srgbClr val="FFFF00"/>
+                  </a:solidFill>
+                </a:ln>
+                <a:solidFill>
+                  <a:srgbClr val="FFFF00"/>
+                </a:solidFill>
+                <a:effectLst>
+                  <a:glow rad="139700">
+                    <a:schemeClr val="accent3">
+                      <a:satMod val="175000"/>
+                      <a:alpha val="40000"/>
+                    </a:schemeClr>
+                  </a:glow>
+                  <a:outerShdw blurRad="80000" dist="40000" dir="5040000" algn="tl">
+                    <a:srgbClr val="000000">
+                      <a:alpha val="30000"/>
+                    </a:srgbClr>
+                  </a:outerShdw>
+                </a:effectLst>
+              </a:rPr>
+              <a:t>㉤</a:t>
+            </a:r>
+            <a:endParaRPr lang="en-US" altLang="ko-KR" sz="2000" b="1" cap="none" spc="0" dirty="0">
+              <a:ln w="11430">
+                <a:solidFill>
+                  <a:srgbClr val="FFFF00"/>
+                </a:solidFill>
+              </a:ln>
+              <a:solidFill>
+                <a:srgbClr val="FFFF00"/>
+              </a:solidFill>
+              <a:effectLst>
+                <a:glow rad="139700">
+                  <a:schemeClr val="accent3">
+                    <a:satMod val="175000"/>
+                    <a:alpha val="40000"/>
+                  </a:schemeClr>
+                </a:glow>
+                <a:outerShdw blurRad="80000" dist="40000" dir="5040000" algn="tl">
+                  <a:srgbClr val="000000">
+                    <a:alpha val="30000"/>
+                  </a:srgbClr>
+                </a:outerShdw>
+              </a:effectLst>
+            </a:endParaRPr>
+          </a:p>
+        </p:txBody>
+      </p:sp>
+      <p:sp>
+        <p:nvSpPr>
+          <p:cNvPr id="98" name="직사각형 97"/>
+          <p:cNvSpPr/>
+          <p:nvPr/>
+        </p:nvSpPr>
+        <p:spPr>
+          <a:xfrm>
+            <a:off x="4860032" y="4365104"/>
+            <a:ext cx="1080120" cy="360040"/>
+          </a:xfrm>
+          <a:prstGeom prst="rect">
+            <a:avLst/>
+          </a:prstGeom>
+          <a:noFill/>
+          <a:ln w="38100">
+            <a:solidFill>
+              <a:srgbClr val="FFFF00"/>
+            </a:solidFill>
+            <a:prstDash val="solid"/>
+          </a:ln>
+          <a:effectLst/>
+          <a:scene3d>
+            <a:camera prst="orthographicFront"/>
+            <a:lightRig rig="threePt" dir="t"/>
+          </a:scene3d>
+          <a:sp3d/>
+        </p:spPr>
+        <p:style>
+          <a:lnRef idx="2">
+            <a:schemeClr val="accent1">
+              <a:shade val="50000"/>
+            </a:schemeClr>
+          </a:lnRef>
+          <a:fillRef idx="1">
+            <a:schemeClr val="accent1"/>
+          </a:fillRef>
+          <a:effectRef idx="0">
+            <a:schemeClr val="accent1"/>
+          </a:effectRef>
+          <a:fontRef idx="minor">
+            <a:schemeClr val="lt1"/>
+          </a:fontRef>
+        </p:style>
+        <p:txBody>
+          <a:bodyPr rtlCol="0" anchor="ctr">
+            <a:scene3d>
+              <a:camera prst="orthographicFront"/>
+              <a:lightRig rig="soft" dir="tl">
+                <a:rot lat="0" lon="0" rev="0"/>
+              </a:lightRig>
+            </a:scene3d>
+            <a:sp3d contourW="25400" prstMaterial="matte">
+              <a:bevelT w="25400" h="55880" prst="artDeco"/>
+              <a:contourClr>
+                <a:schemeClr val="accent2">
+                  <a:tint val="20000"/>
+                </a:schemeClr>
+              </a:contourClr>
+            </a:sp3d>
+          </a:bodyPr>
+          <a:lstStyle/>
+          <a:p>
+            <a:pPr algn="ctr"/>
+            <a:endParaRPr lang="ko-KR" altLang="en-US" b="1" spc="50" dirty="0" smtClean="0">
+              <a:ln w="11430">
+                <a:solidFill>
+                  <a:srgbClr val="00B050"/>
+                </a:solidFill>
+              </a:ln>
+              <a:solidFill>
+                <a:srgbClr val="00B050"/>
+              </a:solidFill>
+              <a:effectLst>
+                <a:glow rad="228600">
+                  <a:schemeClr val="accent6">
+                    <a:satMod val="175000"/>
+                    <a:alpha val="40000"/>
+                  </a:schemeClr>
+                </a:glow>
+                <a:outerShdw blurRad="50800" dist="38100" dir="2700000" algn="tl" rotWithShape="0">
+                  <a:prstClr val="black">
+                    <a:alpha val="40000"/>
+                  </a:prstClr>
+                </a:outerShdw>
+              </a:effectLst>
+            </a:endParaRPr>
+          </a:p>
+        </p:txBody>
+      </p:sp>
+      <p:sp>
+        <p:nvSpPr>
+          <p:cNvPr id="99" name="직사각형 98"/>
+          <p:cNvSpPr/>
+          <p:nvPr/>
+        </p:nvSpPr>
+        <p:spPr>
+          <a:xfrm>
+            <a:off x="4644008" y="4221088"/>
+            <a:ext cx="432048" cy="400110"/>
+          </a:xfrm>
+          <a:prstGeom prst="rect">
+            <a:avLst/>
+          </a:prstGeom>
+          <a:noFill/>
+        </p:spPr>
+        <p:txBody>
+          <a:bodyPr wrap="square" lIns="91440" tIns="45720" rIns="91440" bIns="45720">
+            <a:spAutoFit/>
+            <a:scene3d>
+              <a:camera prst="orthographicFront"/>
+              <a:lightRig rig="glow" dir="tl">
+                <a:rot lat="0" lon="0" rev="5400000"/>
+              </a:lightRig>
+            </a:scene3d>
+            <a:sp3d extrusionH="57150" contourW="12700">
+              <a:bevelT w="25400" h="25400"/>
+              <a:contourClr>
+                <a:schemeClr val="accent6">
+                  <a:shade val="73000"/>
+                </a:schemeClr>
+              </a:contourClr>
+            </a:sp3d>
+          </a:bodyPr>
+          <a:lstStyle/>
+          <a:p>
+            <a:pPr algn="ctr"/>
+            <a:r>
+              <a:rPr lang="ko-KR" altLang="en-US" sz="2000" b="1" dirty="0" smtClean="0">
+                <a:ln w="11430">
+                  <a:solidFill>
+                    <a:srgbClr val="FFFF00"/>
+                  </a:solidFill>
+                </a:ln>
+                <a:solidFill>
+                  <a:srgbClr val="FFFF00"/>
+                </a:solidFill>
+                <a:effectLst>
+                  <a:glow rad="139700">
+                    <a:schemeClr val="accent3">
+                      <a:satMod val="175000"/>
+                      <a:alpha val="40000"/>
+                    </a:schemeClr>
+                  </a:glow>
+                  <a:outerShdw blurRad="80000" dist="40000" dir="5040000" algn="tl">
+                    <a:srgbClr val="000000">
+                      <a:alpha val="30000"/>
+                    </a:srgbClr>
+                  </a:outerShdw>
+                </a:effectLst>
+              </a:rPr>
+              <a:t>㉦</a:t>
+            </a:r>
+            <a:endParaRPr lang="en-US" altLang="ko-KR" sz="2000" b="1" cap="none" spc="0" dirty="0">
+              <a:ln w="11430">
+                <a:solidFill>
+                  <a:srgbClr val="FFFF00"/>
+                </a:solidFill>
+              </a:ln>
+              <a:solidFill>
+                <a:srgbClr val="FFFF00"/>
+              </a:solidFill>
+              <a:effectLst>
+                <a:glow rad="139700">
+                  <a:schemeClr val="accent3">
+                    <a:satMod val="175000"/>
+                    <a:alpha val="40000"/>
+                  </a:schemeClr>
+                </a:glow>
+                <a:outerShdw blurRad="80000" dist="40000" dir="5040000" algn="tl">
+                  <a:srgbClr val="000000">
+                    <a:alpha val="30000"/>
+                  </a:srgbClr>
+                </a:outerShdw>
+              </a:effectLst>
+            </a:endParaRPr>
+          </a:p>
+        </p:txBody>
+      </p:sp>
+      <p:sp>
+        <p:nvSpPr>
+          <p:cNvPr id="100" name="직사각형 99"/>
+          <p:cNvSpPr/>
+          <p:nvPr/>
+        </p:nvSpPr>
+        <p:spPr>
+          <a:xfrm>
+            <a:off x="4860032" y="4797152"/>
+            <a:ext cx="1080120" cy="288032"/>
+          </a:xfrm>
+          <a:prstGeom prst="rect">
+            <a:avLst/>
+          </a:prstGeom>
+          <a:noFill/>
+          <a:ln w="38100">
+            <a:solidFill>
+              <a:srgbClr val="FFFF00"/>
+            </a:solidFill>
+            <a:prstDash val="solid"/>
+          </a:ln>
+          <a:effectLst/>
+          <a:scene3d>
+            <a:camera prst="orthographicFront"/>
+            <a:lightRig rig="threePt" dir="t"/>
+          </a:scene3d>
+          <a:sp3d/>
+        </p:spPr>
+        <p:style>
+          <a:lnRef idx="2">
+            <a:schemeClr val="accent1">
+              <a:shade val="50000"/>
+            </a:schemeClr>
+          </a:lnRef>
+          <a:fillRef idx="1">
+            <a:schemeClr val="accent1"/>
+          </a:fillRef>
+          <a:effectRef idx="0">
+            <a:schemeClr val="accent1"/>
+          </a:effectRef>
+          <a:fontRef idx="minor">
+            <a:schemeClr val="lt1"/>
+          </a:fontRef>
+        </p:style>
+        <p:txBody>
+          <a:bodyPr rtlCol="0" anchor="ctr">
+            <a:scene3d>
+              <a:camera prst="orthographicFront"/>
+              <a:lightRig rig="soft" dir="tl">
+                <a:rot lat="0" lon="0" rev="0"/>
+              </a:lightRig>
+            </a:scene3d>
+            <a:sp3d contourW="25400" prstMaterial="matte">
+              <a:bevelT w="25400" h="55880" prst="artDeco"/>
+              <a:contourClr>
+                <a:schemeClr val="accent2">
+                  <a:tint val="20000"/>
+                </a:schemeClr>
+              </a:contourClr>
+            </a:sp3d>
+          </a:bodyPr>
+          <a:lstStyle/>
+          <a:p>
+            <a:pPr algn="ctr"/>
+            <a:endParaRPr lang="ko-KR" altLang="en-US" b="1" spc="50" dirty="0" smtClean="0">
+              <a:ln w="11430">
+                <a:solidFill>
+                  <a:srgbClr val="00B050"/>
+                </a:solidFill>
+              </a:ln>
+              <a:solidFill>
+                <a:srgbClr val="00B050"/>
+              </a:solidFill>
+              <a:effectLst>
+                <a:glow rad="228600">
+                  <a:schemeClr val="accent6">
+                    <a:satMod val="175000"/>
+                    <a:alpha val="40000"/>
+                  </a:schemeClr>
+                </a:glow>
+                <a:outerShdw blurRad="50800" dist="38100" dir="2700000" algn="tl" rotWithShape="0">
+                  <a:prstClr val="black">
+                    <a:alpha val="40000"/>
+                  </a:prstClr>
+                </a:outerShdw>
+              </a:effectLst>
+            </a:endParaRPr>
+          </a:p>
+        </p:txBody>
+      </p:sp>
+      <p:sp>
+        <p:nvSpPr>
+          <p:cNvPr id="101" name="직사각형 100"/>
+          <p:cNvSpPr/>
+          <p:nvPr/>
+        </p:nvSpPr>
+        <p:spPr>
+          <a:xfrm>
+            <a:off x="4644008" y="4653136"/>
+            <a:ext cx="432048" cy="400110"/>
+          </a:xfrm>
+          <a:prstGeom prst="rect">
+            <a:avLst/>
+          </a:prstGeom>
+          <a:noFill/>
+        </p:spPr>
+        <p:txBody>
+          <a:bodyPr wrap="square" lIns="91440" tIns="45720" rIns="91440" bIns="45720">
+            <a:spAutoFit/>
+            <a:scene3d>
+              <a:camera prst="orthographicFront"/>
+              <a:lightRig rig="glow" dir="tl">
+                <a:rot lat="0" lon="0" rev="5400000"/>
+              </a:lightRig>
+            </a:scene3d>
+            <a:sp3d extrusionH="57150" contourW="12700">
+              <a:bevelT w="25400" h="25400"/>
+              <a:contourClr>
+                <a:schemeClr val="accent6">
+                  <a:shade val="73000"/>
+                </a:schemeClr>
+              </a:contourClr>
+            </a:sp3d>
+          </a:bodyPr>
+          <a:lstStyle/>
+          <a:p>
+            <a:pPr algn="ctr"/>
+            <a:r>
+              <a:rPr lang="ko-KR" altLang="en-US" sz="2000" b="1" dirty="0" smtClean="0">
+                <a:ln w="11430">
+                  <a:solidFill>
+                    <a:srgbClr val="FFFF00"/>
+                  </a:solidFill>
+                </a:ln>
+                <a:solidFill>
+                  <a:srgbClr val="FFFF00"/>
+                </a:solidFill>
+                <a:effectLst>
+                  <a:glow rad="139700">
+                    <a:schemeClr val="accent3">
+                      <a:satMod val="175000"/>
+                      <a:alpha val="40000"/>
+                    </a:schemeClr>
+                  </a:glow>
+                  <a:outerShdw blurRad="80000" dist="40000" dir="5040000" algn="tl">
+                    <a:srgbClr val="000000">
+                      <a:alpha val="30000"/>
+                    </a:srgbClr>
+                  </a:outerShdw>
+                </a:effectLst>
+              </a:rPr>
+              <a:t>㉧</a:t>
+            </a:r>
+            <a:endParaRPr lang="en-US" altLang="ko-KR" sz="2000" b="1" cap="none" spc="0" dirty="0">
+              <a:ln w="11430">
+                <a:solidFill>
+                  <a:srgbClr val="FFFF00"/>
+                </a:solidFill>
+              </a:ln>
+              <a:solidFill>
+                <a:srgbClr val="FFFF00"/>
+              </a:solidFill>
+              <a:effectLst>
+                <a:glow rad="139700">
+                  <a:schemeClr val="accent3">
+                    <a:satMod val="175000"/>
+                    <a:alpha val="40000"/>
+                  </a:schemeClr>
+                </a:glow>
+                <a:outerShdw blurRad="80000" dist="40000" dir="5040000" algn="tl">
+                  <a:srgbClr val="000000">
+                    <a:alpha val="30000"/>
+                  </a:srgbClr>
+                </a:outerShdw>
+              </a:effectLst>
+            </a:endParaRPr>
+          </a:p>
+        </p:txBody>
+      </p:sp>
+      <p:sp>
+        <p:nvSpPr>
+          <p:cNvPr id="102" name="직사각형 101"/>
+          <p:cNvSpPr/>
+          <p:nvPr/>
+        </p:nvSpPr>
+        <p:spPr>
+          <a:xfrm>
+            <a:off x="4860032" y="5157192"/>
+            <a:ext cx="1080120" cy="360040"/>
+          </a:xfrm>
+          <a:prstGeom prst="rect">
+            <a:avLst/>
+          </a:prstGeom>
+          <a:noFill/>
+          <a:ln w="38100">
+            <a:solidFill>
+              <a:srgbClr val="FFFF00"/>
+            </a:solidFill>
+            <a:prstDash val="solid"/>
+          </a:ln>
+          <a:effectLst/>
+          <a:scene3d>
+            <a:camera prst="orthographicFront"/>
+            <a:lightRig rig="threePt" dir="t"/>
+          </a:scene3d>
+          <a:sp3d/>
+        </p:spPr>
+        <p:style>
+          <a:lnRef idx="2">
+            <a:schemeClr val="accent1">
+              <a:shade val="50000"/>
+            </a:schemeClr>
+          </a:lnRef>
+          <a:fillRef idx="1">
+            <a:schemeClr val="accent1"/>
+          </a:fillRef>
+          <a:effectRef idx="0">
+            <a:schemeClr val="accent1"/>
+          </a:effectRef>
+          <a:fontRef idx="minor">
+            <a:schemeClr val="lt1"/>
+          </a:fontRef>
+        </p:style>
+        <p:txBody>
+          <a:bodyPr rtlCol="0" anchor="ctr">
+            <a:scene3d>
+              <a:camera prst="orthographicFront"/>
+              <a:lightRig rig="soft" dir="tl">
+                <a:rot lat="0" lon="0" rev="0"/>
+              </a:lightRig>
+            </a:scene3d>
+            <a:sp3d contourW="25400" prstMaterial="matte">
+              <a:bevelT w="25400" h="55880" prst="artDeco"/>
+              <a:contourClr>
+                <a:schemeClr val="accent2">
+                  <a:tint val="20000"/>
+                </a:schemeClr>
+              </a:contourClr>
+            </a:sp3d>
+          </a:bodyPr>
+          <a:lstStyle/>
+          <a:p>
+            <a:pPr algn="ctr"/>
+            <a:endParaRPr lang="ko-KR" altLang="en-US" b="1" spc="50" dirty="0" smtClean="0">
+              <a:ln w="11430">
+                <a:solidFill>
+                  <a:srgbClr val="00B050"/>
+                </a:solidFill>
+              </a:ln>
+              <a:solidFill>
+                <a:srgbClr val="00B050"/>
+              </a:solidFill>
+              <a:effectLst>
+                <a:glow rad="228600">
+                  <a:schemeClr val="accent6">
+                    <a:satMod val="175000"/>
+                    <a:alpha val="40000"/>
+                  </a:schemeClr>
+                </a:glow>
+                <a:outerShdw blurRad="50800" dist="38100" dir="2700000" algn="tl" rotWithShape="0">
+                  <a:prstClr val="black">
+                    <a:alpha val="40000"/>
+                  </a:prstClr>
+                </a:outerShdw>
+              </a:effectLst>
+            </a:endParaRPr>
+          </a:p>
+        </p:txBody>
+      </p:sp>
+      <p:sp>
+        <p:nvSpPr>
+          <p:cNvPr id="103" name="직사각형 102"/>
+          <p:cNvSpPr/>
+          <p:nvPr/>
+        </p:nvSpPr>
+        <p:spPr>
+          <a:xfrm>
+            <a:off x="4644008" y="5045114"/>
+            <a:ext cx="432048" cy="400110"/>
+          </a:xfrm>
+          <a:prstGeom prst="rect">
+            <a:avLst/>
+          </a:prstGeom>
+          <a:noFill/>
+        </p:spPr>
+        <p:txBody>
+          <a:bodyPr wrap="square" lIns="91440" tIns="45720" rIns="91440" bIns="45720">
+            <a:spAutoFit/>
+            <a:scene3d>
+              <a:camera prst="orthographicFront"/>
+              <a:lightRig rig="glow" dir="tl">
+                <a:rot lat="0" lon="0" rev="5400000"/>
+              </a:lightRig>
+            </a:scene3d>
+            <a:sp3d extrusionH="57150" contourW="12700">
+              <a:bevelT w="25400" h="25400"/>
+              <a:contourClr>
+                <a:schemeClr val="accent6">
+                  <a:shade val="73000"/>
+                </a:schemeClr>
+              </a:contourClr>
+            </a:sp3d>
+          </a:bodyPr>
+          <a:lstStyle/>
+          <a:p>
+            <a:pPr algn="ctr"/>
+            <a:r>
+              <a:rPr lang="ko-KR" altLang="en-US" sz="2000" b="1" dirty="0" smtClean="0">
+                <a:ln w="11430">
+                  <a:solidFill>
+                    <a:srgbClr val="FFFF00"/>
+                  </a:solidFill>
+                </a:ln>
+                <a:solidFill>
+                  <a:srgbClr val="FFFF00"/>
+                </a:solidFill>
+                <a:effectLst>
+                  <a:glow rad="139700">
+                    <a:schemeClr val="accent3">
+                      <a:satMod val="175000"/>
+                      <a:alpha val="40000"/>
+                    </a:schemeClr>
+                  </a:glow>
+                  <a:outerShdw blurRad="80000" dist="40000" dir="5040000" algn="tl">
+                    <a:srgbClr val="000000">
+                      <a:alpha val="30000"/>
+                    </a:srgbClr>
+                  </a:outerShdw>
+                </a:effectLst>
+              </a:rPr>
+              <a:t>㉨</a:t>
+            </a:r>
+            <a:endParaRPr lang="en-US" altLang="ko-KR" sz="2000" b="1" cap="none" spc="0" dirty="0">
+              <a:ln w="11430">
+                <a:solidFill>
+                  <a:srgbClr val="FFFF00"/>
+                </a:solidFill>
+              </a:ln>
+              <a:solidFill>
+                <a:srgbClr val="FFFF00"/>
+              </a:solidFill>
+              <a:effectLst>
+                <a:glow rad="139700">
+                  <a:schemeClr val="accent3">
+                    <a:satMod val="175000"/>
+                    <a:alpha val="40000"/>
+                  </a:schemeClr>
+                </a:glow>
+                <a:outerShdw blurRad="80000" dist="40000" dir="5040000" algn="tl">
+                  <a:srgbClr val="000000">
+                    <a:alpha val="30000"/>
+                  </a:srgbClr>
+                </a:outerShdw>
+              </a:effectLst>
+            </a:endParaRPr>
+          </a:p>
+        </p:txBody>
+      </p:sp>
+      <p:sp>
+        <p:nvSpPr>
+          <p:cNvPr id="104" name="직사각형 103"/>
+          <p:cNvSpPr/>
+          <p:nvPr/>
+        </p:nvSpPr>
+        <p:spPr>
+          <a:xfrm>
+            <a:off x="4860032" y="5557302"/>
+            <a:ext cx="1080120" cy="360040"/>
+          </a:xfrm>
+          <a:prstGeom prst="rect">
+            <a:avLst/>
+          </a:prstGeom>
+          <a:noFill/>
+          <a:ln w="38100">
+            <a:solidFill>
+              <a:srgbClr val="FFFF00"/>
+            </a:solidFill>
+            <a:prstDash val="solid"/>
+          </a:ln>
+          <a:effectLst/>
+          <a:scene3d>
+            <a:camera prst="orthographicFront"/>
+            <a:lightRig rig="threePt" dir="t"/>
+          </a:scene3d>
+          <a:sp3d/>
+        </p:spPr>
+        <p:style>
+          <a:lnRef idx="2">
+            <a:schemeClr val="accent1">
+              <a:shade val="50000"/>
+            </a:schemeClr>
+          </a:lnRef>
+          <a:fillRef idx="1">
+            <a:schemeClr val="accent1"/>
+          </a:fillRef>
+          <a:effectRef idx="0">
+            <a:schemeClr val="accent1"/>
+          </a:effectRef>
+          <a:fontRef idx="minor">
+            <a:schemeClr val="lt1"/>
+          </a:fontRef>
+        </p:style>
+        <p:txBody>
+          <a:bodyPr rtlCol="0" anchor="ctr">
+            <a:scene3d>
+              <a:camera prst="orthographicFront"/>
+              <a:lightRig rig="soft" dir="tl">
+                <a:rot lat="0" lon="0" rev="0"/>
+              </a:lightRig>
+            </a:scene3d>
+            <a:sp3d contourW="25400" prstMaterial="matte">
+              <a:bevelT w="25400" h="55880" prst="artDeco"/>
+              <a:contourClr>
+                <a:schemeClr val="accent2">
+                  <a:tint val="20000"/>
+                </a:schemeClr>
+              </a:contourClr>
+            </a:sp3d>
+          </a:bodyPr>
+          <a:lstStyle/>
+          <a:p>
+            <a:pPr algn="ctr"/>
+            <a:endParaRPr lang="ko-KR" altLang="en-US" b="1" spc="50" dirty="0" smtClean="0">
+              <a:ln w="11430">
+                <a:solidFill>
+                  <a:srgbClr val="00B050"/>
+                </a:solidFill>
+              </a:ln>
+              <a:solidFill>
+                <a:srgbClr val="00B050"/>
+              </a:solidFill>
+              <a:effectLst>
+                <a:glow rad="228600">
+                  <a:schemeClr val="accent6">
+                    <a:satMod val="175000"/>
+                    <a:alpha val="40000"/>
+                  </a:schemeClr>
+                </a:glow>
+                <a:outerShdw blurRad="50800" dist="38100" dir="2700000" algn="tl" rotWithShape="0">
+                  <a:prstClr val="black">
+                    <a:alpha val="40000"/>
+                  </a:prstClr>
+                </a:outerShdw>
+              </a:effectLst>
+            </a:endParaRPr>
+          </a:p>
+        </p:txBody>
+      </p:sp>
+      <p:sp>
+        <p:nvSpPr>
+          <p:cNvPr id="105" name="직사각형 104"/>
+          <p:cNvSpPr/>
+          <p:nvPr/>
+        </p:nvSpPr>
+        <p:spPr>
+          <a:xfrm>
+            <a:off x="4644008" y="5445224"/>
+            <a:ext cx="432048" cy="400110"/>
+          </a:xfrm>
+          <a:prstGeom prst="rect">
+            <a:avLst/>
+          </a:prstGeom>
+          <a:noFill/>
+        </p:spPr>
+        <p:txBody>
+          <a:bodyPr wrap="square" lIns="91440" tIns="45720" rIns="91440" bIns="45720">
+            <a:spAutoFit/>
+            <a:scene3d>
+              <a:camera prst="orthographicFront"/>
+              <a:lightRig rig="glow" dir="tl">
+                <a:rot lat="0" lon="0" rev="5400000"/>
+              </a:lightRig>
+            </a:scene3d>
+            <a:sp3d extrusionH="57150" contourW="12700">
+              <a:bevelT w="25400" h="25400"/>
+              <a:contourClr>
+                <a:schemeClr val="accent6">
+                  <a:shade val="73000"/>
+                </a:schemeClr>
+              </a:contourClr>
+            </a:sp3d>
+          </a:bodyPr>
+          <a:lstStyle/>
+          <a:p>
+            <a:pPr algn="ctr"/>
+            <a:r>
+              <a:rPr lang="ko-KR" altLang="en-US" sz="2000" b="1" dirty="0" smtClean="0">
+                <a:ln w="11430">
+                  <a:solidFill>
+                    <a:srgbClr val="FFFF00"/>
+                  </a:solidFill>
+                </a:ln>
+                <a:solidFill>
+                  <a:srgbClr val="FFFF00"/>
+                </a:solidFill>
+                <a:effectLst>
+                  <a:glow rad="139700">
+                    <a:schemeClr val="accent3">
+                      <a:satMod val="175000"/>
+                      <a:alpha val="40000"/>
+                    </a:schemeClr>
+                  </a:glow>
+                  <a:outerShdw blurRad="80000" dist="40000" dir="5040000" algn="tl">
+                    <a:srgbClr val="000000">
+                      <a:alpha val="30000"/>
+                    </a:srgbClr>
+                  </a:outerShdw>
+                </a:effectLst>
+              </a:rPr>
+              <a:t>㉩</a:t>
+            </a:r>
+            <a:endParaRPr lang="en-US" altLang="ko-KR" sz="2000" b="1" cap="none" spc="0" dirty="0">
+              <a:ln w="11430">
+                <a:solidFill>
+                  <a:srgbClr val="FFFF00"/>
+                </a:solidFill>
+              </a:ln>
+              <a:solidFill>
+                <a:srgbClr val="FFFF00"/>
+              </a:solidFill>
+              <a:effectLst>
+                <a:glow rad="139700">
+                  <a:schemeClr val="accent3">
+                    <a:satMod val="175000"/>
+                    <a:alpha val="40000"/>
+                  </a:schemeClr>
+                </a:glow>
+                <a:outerShdw blurRad="80000" dist="40000" dir="5040000" algn="tl">
+                  <a:srgbClr val="000000">
+                    <a:alpha val="30000"/>
+                  </a:srgbClr>
+                </a:outerShdw>
+              </a:effectLst>
+            </a:endParaRPr>
+          </a:p>
+        </p:txBody>
+      </p:sp>
+      <p:sp>
+        <p:nvSpPr>
+          <p:cNvPr id="107" name="직사각형 106"/>
+          <p:cNvSpPr/>
+          <p:nvPr/>
+        </p:nvSpPr>
+        <p:spPr>
+          <a:xfrm>
+            <a:off x="4788024" y="1772816"/>
+            <a:ext cx="576064" cy="504056"/>
+          </a:xfrm>
+          <a:prstGeom prst="rect">
+            <a:avLst/>
+          </a:prstGeom>
+          <a:noFill/>
+          <a:ln w="38100">
+            <a:solidFill>
+              <a:srgbClr val="002060"/>
+            </a:solidFill>
+            <a:prstDash val="solid"/>
+          </a:ln>
+          <a:effectLst/>
+          <a:scene3d>
+            <a:camera prst="orthographicFront"/>
+            <a:lightRig rig="threePt" dir="t"/>
+          </a:scene3d>
+          <a:sp3d/>
+        </p:spPr>
+        <p:style>
+          <a:lnRef idx="2">
+            <a:schemeClr val="accent1">
+              <a:shade val="50000"/>
+            </a:schemeClr>
+          </a:lnRef>
+          <a:fillRef idx="1">
+            <a:schemeClr val="accent1"/>
+          </a:fillRef>
+          <a:effectRef idx="0">
+            <a:schemeClr val="accent1"/>
+          </a:effectRef>
+          <a:fontRef idx="minor">
+            <a:schemeClr val="lt1"/>
+          </a:fontRef>
+        </p:style>
+        <p:txBody>
+          <a:bodyPr rtlCol="0" anchor="ctr">
+            <a:scene3d>
+              <a:camera prst="orthographicFront"/>
+              <a:lightRig rig="soft" dir="tl">
+                <a:rot lat="0" lon="0" rev="0"/>
+              </a:lightRig>
+            </a:scene3d>
+            <a:sp3d contourW="25400" prstMaterial="matte">
+              <a:bevelT w="25400" h="55880" prst="artDeco"/>
+              <a:contourClr>
+                <a:schemeClr val="accent2">
+                  <a:tint val="20000"/>
+                </a:schemeClr>
+              </a:contourClr>
+            </a:sp3d>
+          </a:bodyPr>
+          <a:lstStyle/>
+          <a:p>
+            <a:pPr algn="ctr"/>
+            <a:endParaRPr lang="ko-KR" altLang="en-US" b="1" spc="50" dirty="0" smtClean="0">
+              <a:ln w="11430">
+                <a:solidFill>
+                  <a:srgbClr val="00B050"/>
+                </a:solidFill>
+              </a:ln>
+              <a:solidFill>
+                <a:srgbClr val="00B050"/>
+              </a:solidFill>
+              <a:effectLst>
+                <a:glow rad="228600">
+                  <a:schemeClr val="accent6">
+                    <a:satMod val="175000"/>
+                    <a:alpha val="40000"/>
+                  </a:schemeClr>
+                </a:glow>
+                <a:outerShdw blurRad="50800" dist="38100" dir="2700000" algn="tl" rotWithShape="0">
+                  <a:prstClr val="black">
+                    <a:alpha val="40000"/>
+                  </a:prstClr>
+                </a:outerShdw>
+              </a:effectLst>
+            </a:endParaRPr>
+          </a:p>
+        </p:txBody>
+      </p:sp>
+      <p:sp>
+        <p:nvSpPr>
+          <p:cNvPr id="108" name="직사각형 107"/>
+          <p:cNvSpPr/>
+          <p:nvPr/>
+        </p:nvSpPr>
+        <p:spPr>
+          <a:xfrm>
+            <a:off x="5436096" y="1772816"/>
+            <a:ext cx="504056" cy="504056"/>
+          </a:xfrm>
+          <a:prstGeom prst="rect">
+            <a:avLst/>
+          </a:prstGeom>
+          <a:noFill/>
+          <a:ln w="38100">
+            <a:solidFill>
+              <a:srgbClr val="002060"/>
+            </a:solidFill>
+            <a:prstDash val="solid"/>
+          </a:ln>
+          <a:effectLst/>
+          <a:scene3d>
+            <a:camera prst="orthographicFront"/>
+            <a:lightRig rig="threePt" dir="t"/>
+          </a:scene3d>
+          <a:sp3d/>
+        </p:spPr>
+        <p:style>
+          <a:lnRef idx="2">
+            <a:schemeClr val="accent1">
+              <a:shade val="50000"/>
+            </a:schemeClr>
+          </a:lnRef>
+          <a:fillRef idx="1">
+            <a:schemeClr val="accent1"/>
+          </a:fillRef>
+          <a:effectRef idx="0">
+            <a:schemeClr val="accent1"/>
+          </a:effectRef>
+          <a:fontRef idx="minor">
+            <a:schemeClr val="lt1"/>
+          </a:fontRef>
+        </p:style>
+        <p:txBody>
+          <a:bodyPr rtlCol="0" anchor="ctr">
+            <a:scene3d>
+              <a:camera prst="orthographicFront"/>
+              <a:lightRig rig="soft" dir="tl">
+                <a:rot lat="0" lon="0" rev="0"/>
+              </a:lightRig>
+            </a:scene3d>
+            <a:sp3d contourW="25400" prstMaterial="matte">
+              <a:bevelT w="25400" h="55880" prst="artDeco"/>
+              <a:contourClr>
+                <a:schemeClr val="accent2">
+                  <a:tint val="20000"/>
+                </a:schemeClr>
+              </a:contourClr>
+            </a:sp3d>
+          </a:bodyPr>
+          <a:lstStyle/>
+          <a:p>
+            <a:pPr algn="ctr"/>
+            <a:endParaRPr lang="ko-KR" altLang="en-US" b="1" spc="50" dirty="0" smtClean="0">
+              <a:ln w="11430">
+                <a:solidFill>
+                  <a:srgbClr val="00B050"/>
+                </a:solidFill>
+              </a:ln>
+              <a:solidFill>
+                <a:srgbClr val="00B050"/>
+              </a:solidFill>
+              <a:effectLst>
+                <a:glow rad="228600">
+                  <a:schemeClr val="accent6">
+                    <a:satMod val="175000"/>
+                    <a:alpha val="40000"/>
+                  </a:schemeClr>
+                </a:glow>
+                <a:outerShdw blurRad="50800" dist="38100" dir="2700000" algn="tl" rotWithShape="0">
+                  <a:prstClr val="black">
+                    <a:alpha val="40000"/>
+                  </a:prstClr>
+                </a:outerShdw>
+              </a:effectLst>
+            </a:endParaRPr>
+          </a:p>
+        </p:txBody>
+      </p:sp>
+      <p:sp>
+        <p:nvSpPr>
+          <p:cNvPr id="111" name="직사각형 110"/>
+          <p:cNvSpPr/>
+          <p:nvPr/>
+        </p:nvSpPr>
+        <p:spPr>
+          <a:xfrm>
+            <a:off x="5220072" y="1556792"/>
+            <a:ext cx="432048" cy="400110"/>
+          </a:xfrm>
+          <a:prstGeom prst="rect">
+            <a:avLst/>
+          </a:prstGeom>
+          <a:noFill/>
+        </p:spPr>
+        <p:txBody>
+          <a:bodyPr wrap="square" lIns="91440" tIns="45720" rIns="91440" bIns="45720">
+            <a:spAutoFit/>
+            <a:scene3d>
+              <a:camera prst="orthographicFront"/>
+              <a:lightRig rig="glow" dir="tl">
+                <a:rot lat="0" lon="0" rev="5400000"/>
+              </a:lightRig>
+            </a:scene3d>
+            <a:sp3d extrusionH="57150" contourW="12700">
+              <a:bevelT w="25400" h="25400"/>
+              <a:contourClr>
+                <a:schemeClr val="accent6">
+                  <a:shade val="73000"/>
+                </a:schemeClr>
+              </a:contourClr>
+            </a:sp3d>
+          </a:bodyPr>
+          <a:lstStyle/>
+          <a:p>
+            <a:pPr algn="ctr"/>
+            <a:r>
+              <a:rPr lang="ko-KR" altLang="en-US" sz="2000" b="1" dirty="0" smtClean="0">
+                <a:ln w="11430">
+                  <a:solidFill>
+                    <a:srgbClr val="FFFF00"/>
+                  </a:solidFill>
+                </a:ln>
+                <a:solidFill>
+                  <a:srgbClr val="002060"/>
+                </a:solidFill>
+                <a:effectLst>
+                  <a:glow rad="228600">
+                    <a:schemeClr val="accent5">
+                      <a:satMod val="175000"/>
+                      <a:alpha val="40000"/>
+                    </a:schemeClr>
+                  </a:glow>
+                  <a:outerShdw blurRad="80000" dist="40000" dir="5040000" algn="tl">
+                    <a:srgbClr val="000000">
+                      <a:alpha val="30000"/>
+                    </a:srgbClr>
+                  </a:outerShdw>
+                </a:effectLst>
+              </a:rPr>
+              <a:t>㉯</a:t>
+            </a:r>
+            <a:endParaRPr lang="en-US" altLang="ko-KR" sz="2000" b="1" cap="none" spc="0" dirty="0">
+              <a:ln w="11430">
+                <a:solidFill>
+                  <a:srgbClr val="FFFF00"/>
+                </a:solidFill>
+              </a:ln>
+              <a:solidFill>
+                <a:srgbClr val="002060"/>
+              </a:solidFill>
+              <a:effectLst>
+                <a:glow rad="228600">
+                  <a:schemeClr val="accent5">
+                    <a:satMod val="175000"/>
+                    <a:alpha val="40000"/>
+                  </a:schemeClr>
+                </a:glow>
+                <a:outerShdw blurRad="80000" dist="40000" dir="5040000" algn="tl">
+                  <a:srgbClr val="000000">
+                    <a:alpha val="30000"/>
+                  </a:srgbClr>
+                </a:outerShdw>
+              </a:effectLst>
+            </a:endParaRPr>
+          </a:p>
+        </p:txBody>
+      </p:sp>
+      <p:sp>
+        <p:nvSpPr>
+          <p:cNvPr id="56" name="직사각형 55"/>
+          <p:cNvSpPr/>
+          <p:nvPr/>
+        </p:nvSpPr>
+        <p:spPr>
+          <a:xfrm>
+            <a:off x="4644008" y="2204864"/>
+            <a:ext cx="432048" cy="400110"/>
+          </a:xfrm>
+          <a:prstGeom prst="rect">
+            <a:avLst/>
+          </a:prstGeom>
+          <a:noFill/>
+        </p:spPr>
+        <p:txBody>
+          <a:bodyPr wrap="square" lIns="91440" tIns="45720" rIns="91440" bIns="45720">
+            <a:spAutoFit/>
+            <a:scene3d>
+              <a:camera prst="orthographicFront"/>
+              <a:lightRig rig="glow" dir="tl">
+                <a:rot lat="0" lon="0" rev="5400000"/>
+              </a:lightRig>
+            </a:scene3d>
+            <a:sp3d extrusionH="57150" contourW="12700">
+              <a:bevelT w="25400" h="25400"/>
+              <a:contourClr>
+                <a:schemeClr val="accent6">
+                  <a:shade val="73000"/>
+                </a:schemeClr>
+              </a:contourClr>
+            </a:sp3d>
+          </a:bodyPr>
+          <a:lstStyle/>
+          <a:p>
+            <a:pPr algn="ctr"/>
+            <a:r>
+              <a:rPr lang="ko-KR" altLang="en-US" sz="2000" b="1" dirty="0" smtClean="0">
+                <a:ln w="11430">
+                  <a:solidFill>
+                    <a:srgbClr val="FFFF00"/>
+                  </a:solidFill>
+                </a:ln>
+                <a:solidFill>
+                  <a:srgbClr val="FFFF00"/>
+                </a:solidFill>
+                <a:effectLst>
+                  <a:glow rad="139700">
+                    <a:schemeClr val="accent3">
+                      <a:satMod val="175000"/>
+                      <a:alpha val="40000"/>
+                    </a:schemeClr>
+                  </a:glow>
+                  <a:outerShdw blurRad="80000" dist="40000" dir="5040000" algn="tl">
+                    <a:srgbClr val="000000">
+                      <a:alpha val="30000"/>
+                    </a:srgbClr>
+                  </a:outerShdw>
+                </a:effectLst>
+              </a:rPr>
+              <a:t>㉠</a:t>
+            </a:r>
+            <a:endParaRPr lang="en-US" altLang="ko-KR" sz="2000" b="1" cap="none" spc="0" dirty="0">
+              <a:ln w="11430">
+                <a:solidFill>
+                  <a:srgbClr val="FFFF00"/>
+                </a:solidFill>
+              </a:ln>
+              <a:solidFill>
+                <a:srgbClr val="FFFF00"/>
+              </a:solidFill>
+              <a:effectLst>
+                <a:glow rad="139700">
+                  <a:schemeClr val="accent3">
+                    <a:satMod val="175000"/>
+                    <a:alpha val="40000"/>
+                  </a:schemeClr>
+                </a:glow>
+                <a:outerShdw blurRad="80000" dist="40000" dir="5040000" algn="tl">
+                  <a:srgbClr val="000000">
+                    <a:alpha val="30000"/>
+                  </a:srgbClr>
+                </a:outerShdw>
+              </a:effectLst>
+            </a:endParaRPr>
+          </a:p>
+        </p:txBody>
+      </p:sp>
+      <p:sp>
+        <p:nvSpPr>
+          <p:cNvPr id="112" name="직사각형 111"/>
+          <p:cNvSpPr/>
+          <p:nvPr/>
+        </p:nvSpPr>
+        <p:spPr>
+          <a:xfrm>
+            <a:off x="4644008" y="1556792"/>
+            <a:ext cx="432048" cy="400110"/>
+          </a:xfrm>
+          <a:prstGeom prst="rect">
+            <a:avLst/>
+          </a:prstGeom>
+          <a:noFill/>
+        </p:spPr>
+        <p:txBody>
+          <a:bodyPr wrap="square" lIns="91440" tIns="45720" rIns="91440" bIns="45720">
+            <a:spAutoFit/>
+            <a:scene3d>
+              <a:camera prst="orthographicFront"/>
+              <a:lightRig rig="glow" dir="tl">
+                <a:rot lat="0" lon="0" rev="5400000"/>
+              </a:lightRig>
+            </a:scene3d>
+            <a:sp3d extrusionH="57150" contourW="12700">
+              <a:bevelT w="25400" h="25400"/>
+              <a:contourClr>
+                <a:schemeClr val="accent6">
+                  <a:shade val="73000"/>
+                </a:schemeClr>
+              </a:contourClr>
+            </a:sp3d>
+          </a:bodyPr>
+          <a:lstStyle/>
+          <a:p>
+            <a:pPr algn="ctr"/>
+            <a:r>
+              <a:rPr lang="ko-KR" altLang="en-US" sz="2000" b="1" cap="none" spc="0" dirty="0" smtClean="0">
+                <a:ln w="11430">
+                  <a:solidFill>
+                    <a:srgbClr val="FFFF00"/>
+                  </a:solidFill>
+                </a:ln>
+                <a:solidFill>
+                  <a:srgbClr val="002060"/>
+                </a:solidFill>
+                <a:effectLst>
+                  <a:glow rad="228600">
+                    <a:schemeClr val="accent5">
+                      <a:satMod val="175000"/>
+                      <a:alpha val="40000"/>
+                    </a:schemeClr>
+                  </a:glow>
+                  <a:outerShdw blurRad="80000" dist="40000" dir="5040000" algn="tl">
+                    <a:srgbClr val="000000">
+                      <a:alpha val="30000"/>
+                    </a:srgbClr>
+                  </a:outerShdw>
+                </a:effectLst>
+              </a:rPr>
+              <a:t>㉮</a:t>
+            </a:r>
+            <a:endParaRPr lang="en-US" altLang="ko-KR" sz="2000" b="1" cap="none" spc="0" dirty="0">
+              <a:ln w="11430">
+                <a:solidFill>
+                  <a:srgbClr val="FFFF00"/>
+                </a:solidFill>
+              </a:ln>
+              <a:solidFill>
+                <a:srgbClr val="002060"/>
+              </a:solidFill>
+              <a:effectLst>
+                <a:glow rad="228600">
+                  <a:schemeClr val="accent5">
+                    <a:satMod val="175000"/>
+                    <a:alpha val="40000"/>
+                  </a:schemeClr>
+                </a:glow>
+                <a:outerShdw blurRad="80000" dist="40000" dir="5040000" algn="tl">
+                  <a:srgbClr val="000000">
+                    <a:alpha val="30000"/>
+                  </a:srgbClr>
+                </a:outerShdw>
+              </a:effectLst>
+            </a:endParaRPr>
+          </a:p>
+        </p:txBody>
+      </p:sp>
+      <p:sp>
+        <p:nvSpPr>
+          <p:cNvPr id="113" name="직사각형 112"/>
+          <p:cNvSpPr/>
+          <p:nvPr/>
+        </p:nvSpPr>
+        <p:spPr>
+          <a:xfrm>
+            <a:off x="6732240" y="836712"/>
+            <a:ext cx="1944000" cy="504000"/>
+          </a:xfrm>
+          <a:prstGeom prst="rect">
+            <a:avLst/>
+          </a:prstGeom>
+          <a:blipFill>
+            <a:blip r:embed="rId4" cstate="print"/>
+            <a:stretch>
+              <a:fillRect/>
+            </a:stretch>
+          </a:blipFill>
+          <a:ln>
+            <a:noFill/>
+          </a:ln>
+          <a:effectLst>
+            <a:outerShdw blurRad="63500" sx="102000" sy="102000" algn="ctr" rotWithShape="0">
+              <a:prstClr val="black">
+                <a:alpha val="40000"/>
+              </a:prstClr>
+            </a:outerShdw>
+          </a:effectLst>
+          <a:scene3d>
+            <a:camera prst="orthographicFront"/>
+            <a:lightRig rig="threePt" dir="t"/>
+          </a:scene3d>
+          <a:sp3d>
+            <a:bevelT prst="convex"/>
+          </a:sp3d>
+        </p:spPr>
+        <p:style>
+          <a:lnRef idx="2">
+            <a:schemeClr val="accent1">
+              <a:shade val="50000"/>
+            </a:schemeClr>
+          </a:lnRef>
+          <a:fillRef idx="1">
+            <a:schemeClr val="accent1"/>
+          </a:fillRef>
+          <a:effectRef idx="0">
+            <a:schemeClr val="accent1"/>
+          </a:effectRef>
+          <a:fontRef idx="minor">
+            <a:schemeClr val="lt1"/>
+          </a:fontRef>
+        </p:style>
+        <p:txBody>
+          <a:bodyPr rtlCol="0" anchor="ctr">
+            <a:scene3d>
+              <a:camera prst="orthographicFront"/>
+              <a:lightRig rig="soft" dir="tl">
+                <a:rot lat="0" lon="0" rev="0"/>
+              </a:lightRig>
+            </a:scene3d>
+            <a:sp3d contourW="25400" prstMaterial="matte">
+              <a:bevelT w="25400" h="55880" prst="artDeco"/>
+              <a:contourClr>
+                <a:schemeClr val="accent2">
+                  <a:tint val="20000"/>
+                </a:schemeClr>
+              </a:contourClr>
+            </a:sp3d>
+          </a:bodyPr>
+          <a:lstStyle/>
+          <a:p>
+            <a:pPr algn="ctr"/>
+            <a:r>
+              <a:rPr lang="ko-KR" altLang="en-US" b="1" spc="50" dirty="0" smtClean="0">
+                <a:ln w="11430">
+                  <a:solidFill>
+                    <a:srgbClr val="00B050"/>
+                  </a:solidFill>
+                </a:ln>
+                <a:solidFill>
+                  <a:srgbClr val="00B050"/>
+                </a:solidFill>
+                <a:effectLst>
+                  <a:glow rad="228600">
+                    <a:schemeClr val="accent6">
+                      <a:satMod val="175000"/>
+                      <a:alpha val="40000"/>
+                    </a:schemeClr>
+                  </a:glow>
+                  <a:outerShdw blurRad="50800" dist="38100" dir="2700000" algn="tl" rotWithShape="0">
+                    <a:prstClr val="black">
+                      <a:alpha val="40000"/>
+                    </a:prstClr>
+                  </a:outerShdw>
+                </a:effectLst>
+              </a:rPr>
+              <a:t>돌아 가기</a:t>
+            </a:r>
+            <a:endParaRPr lang="ko-KR" altLang="en-US" b="1" spc="50" dirty="0">
               <a:ln w="11430">
                 <a:solidFill>
                   <a:srgbClr val="00B050"/>

--- a/그림 만들기.pptx
+++ b/그림 만들기.pptx
@@ -5,15 +5,16 @@
     <p:sldMasterId id="2147483648" r:id="rId1"/>
   </p:sldMasterIdLst>
   <p:notesMasterIdLst>
-    <p:notesMasterId r:id="rId8"/>
+    <p:notesMasterId r:id="rId9"/>
   </p:notesMasterIdLst>
   <p:sldIdLst>
     <p:sldId id="256" r:id="rId2"/>
     <p:sldId id="260" r:id="rId3"/>
     <p:sldId id="257" r:id="rId4"/>
     <p:sldId id="258" r:id="rId5"/>
-    <p:sldId id="259" r:id="rId6"/>
-    <p:sldId id="261" r:id="rId7"/>
+    <p:sldId id="262" r:id="rId6"/>
+    <p:sldId id="259" r:id="rId7"/>
+    <p:sldId id="261" r:id="rId8"/>
   </p:sldIdLst>
   <p:sldSz cx="9144000" cy="6858000" type="screen4x3"/>
   <p:notesSz cx="6858000" cy="9144000"/>
@@ -198,7 +199,7 @@
             <a:fld id="{B478B745-BF05-4AEA-A995-7E994C8F897E}" type="datetimeFigureOut">
               <a:rPr lang="ko-KR" altLang="en-US" smtClean="0"/>
               <a:pPr/>
-              <a:t>2020-07-07</a:t>
+              <a:t>2020-07-11</a:t>
             </a:fld>
             <a:endParaRPr lang="ko-KR" altLang="en-US"/>
           </a:p>
@@ -810,7 +811,7 @@
             <a:fld id="{823895E5-2D2B-4236-AC77-BC0599642604}" type="datetimeFigureOut">
               <a:rPr lang="ko-KR" altLang="en-US" smtClean="0"/>
               <a:pPr/>
-              <a:t>2020-07-07</a:t>
+              <a:t>2020-07-11</a:t>
             </a:fld>
             <a:endParaRPr lang="ko-KR" altLang="en-US"/>
           </a:p>
@@ -977,7 +978,7 @@
             <a:fld id="{823895E5-2D2B-4236-AC77-BC0599642604}" type="datetimeFigureOut">
               <a:rPr lang="ko-KR" altLang="en-US" smtClean="0"/>
               <a:pPr/>
-              <a:t>2020-07-07</a:t>
+              <a:t>2020-07-11</a:t>
             </a:fld>
             <a:endParaRPr lang="ko-KR" altLang="en-US"/>
           </a:p>
@@ -1154,7 +1155,7 @@
             <a:fld id="{823895E5-2D2B-4236-AC77-BC0599642604}" type="datetimeFigureOut">
               <a:rPr lang="ko-KR" altLang="en-US" smtClean="0"/>
               <a:pPr/>
-              <a:t>2020-07-07</a:t>
+              <a:t>2020-07-11</a:t>
             </a:fld>
             <a:endParaRPr lang="ko-KR" altLang="en-US"/>
           </a:p>
@@ -1321,7 +1322,7 @@
             <a:fld id="{823895E5-2D2B-4236-AC77-BC0599642604}" type="datetimeFigureOut">
               <a:rPr lang="ko-KR" altLang="en-US" smtClean="0"/>
               <a:pPr/>
-              <a:t>2020-07-07</a:t>
+              <a:t>2020-07-11</a:t>
             </a:fld>
             <a:endParaRPr lang="ko-KR" altLang="en-US"/>
           </a:p>
@@ -1564,7 +1565,7 @@
             <a:fld id="{823895E5-2D2B-4236-AC77-BC0599642604}" type="datetimeFigureOut">
               <a:rPr lang="ko-KR" altLang="en-US" smtClean="0"/>
               <a:pPr/>
-              <a:t>2020-07-07</a:t>
+              <a:t>2020-07-11</a:t>
             </a:fld>
             <a:endParaRPr lang="ko-KR" altLang="en-US"/>
           </a:p>
@@ -1849,7 +1850,7 @@
             <a:fld id="{823895E5-2D2B-4236-AC77-BC0599642604}" type="datetimeFigureOut">
               <a:rPr lang="ko-KR" altLang="en-US" smtClean="0"/>
               <a:pPr/>
-              <a:t>2020-07-07</a:t>
+              <a:t>2020-07-11</a:t>
             </a:fld>
             <a:endParaRPr lang="ko-KR" altLang="en-US"/>
           </a:p>
@@ -2268,7 +2269,7 @@
             <a:fld id="{823895E5-2D2B-4236-AC77-BC0599642604}" type="datetimeFigureOut">
               <a:rPr lang="ko-KR" altLang="en-US" smtClean="0"/>
               <a:pPr/>
-              <a:t>2020-07-07</a:t>
+              <a:t>2020-07-11</a:t>
             </a:fld>
             <a:endParaRPr lang="ko-KR" altLang="en-US"/>
           </a:p>
@@ -2383,7 +2384,7 @@
             <a:fld id="{823895E5-2D2B-4236-AC77-BC0599642604}" type="datetimeFigureOut">
               <a:rPr lang="ko-KR" altLang="en-US" smtClean="0"/>
               <a:pPr/>
-              <a:t>2020-07-07</a:t>
+              <a:t>2020-07-11</a:t>
             </a:fld>
             <a:endParaRPr lang="ko-KR" altLang="en-US"/>
           </a:p>
@@ -2475,7 +2476,7 @@
             <a:fld id="{823895E5-2D2B-4236-AC77-BC0599642604}" type="datetimeFigureOut">
               <a:rPr lang="ko-KR" altLang="en-US" smtClean="0"/>
               <a:pPr/>
-              <a:t>2020-07-07</a:t>
+              <a:t>2020-07-11</a:t>
             </a:fld>
             <a:endParaRPr lang="ko-KR" altLang="en-US"/>
           </a:p>
@@ -2749,7 +2750,7 @@
             <a:fld id="{823895E5-2D2B-4236-AC77-BC0599642604}" type="datetimeFigureOut">
               <a:rPr lang="ko-KR" altLang="en-US" smtClean="0"/>
               <a:pPr/>
-              <a:t>2020-07-07</a:t>
+              <a:t>2020-07-11</a:t>
             </a:fld>
             <a:endParaRPr lang="ko-KR" altLang="en-US"/>
           </a:p>
@@ -2999,7 +3000,7 @@
             <a:fld id="{823895E5-2D2B-4236-AC77-BC0599642604}" type="datetimeFigureOut">
               <a:rPr lang="ko-KR" altLang="en-US" smtClean="0"/>
               <a:pPr/>
-              <a:t>2020-07-07</a:t>
+              <a:t>2020-07-11</a:t>
             </a:fld>
             <a:endParaRPr lang="ko-KR" altLang="en-US"/>
           </a:p>
@@ -3209,7 +3210,7 @@
             <a:fld id="{823895E5-2D2B-4236-AC77-BC0599642604}" type="datetimeFigureOut">
               <a:rPr lang="ko-KR" altLang="en-US" smtClean="0"/>
               <a:pPr/>
-              <a:t>2020-07-07</a:t>
+              <a:t>2020-07-11</a:t>
             </a:fld>
             <a:endParaRPr lang="ko-KR" altLang="en-US"/>
           </a:p>
@@ -4772,7 +4773,7 @@
         </p:blipFill>
         <p:spPr>
           <a:xfrm>
-            <a:off x="5724128" y="2492896"/>
+            <a:off x="5652120" y="1340768"/>
             <a:ext cx="2016224" cy="1944216"/>
           </a:xfrm>
           <a:prstGeom prst="rect">
@@ -4788,7 +4789,7 @@
         </p:nvSpPr>
         <p:spPr>
           <a:xfrm>
-            <a:off x="2627784" y="3789040"/>
+            <a:off x="2915816" y="1484784"/>
             <a:ext cx="1800000" cy="1800000"/>
           </a:xfrm>
           <a:prstGeom prst="roundRect">
@@ -5413,7 +5414,70 @@
                     </a:outerShdw>
                   </a:effectLst>
                 </a:rPr>
-                <a:t>저장된 게임 선택</a:t>
+                <a:t>저장된 게임 </a:t>
+              </a:r>
+              <a:r>
+                <a:rPr lang="ko-KR" altLang="en-US" sz="3000" b="1" dirty="0" smtClean="0">
+                  <a:ln>
+                    <a:solidFill>
+                      <a:schemeClr val="accent2">
+                        <a:lumMod val="50000"/>
+                      </a:schemeClr>
+                    </a:solidFill>
+                    <a:prstDash val="solid"/>
+                  </a:ln>
+                  <a:gradFill rotWithShape="1">
+                    <a:gsLst>
+                      <a:gs pos="0">
+                        <a:schemeClr val="accent4">
+                          <a:tint val="70000"/>
+                          <a:satMod val="200000"/>
+                        </a:schemeClr>
+                      </a:gs>
+                      <a:gs pos="40000">
+                        <a:schemeClr val="accent4">
+                          <a:tint val="90000"/>
+                          <a:satMod val="130000"/>
+                        </a:schemeClr>
+                      </a:gs>
+                      <a:gs pos="50000">
+                        <a:schemeClr val="accent4">
+                          <a:tint val="90000"/>
+                          <a:satMod val="130000"/>
+                        </a:schemeClr>
+                      </a:gs>
+                      <a:gs pos="68000">
+                        <a:schemeClr val="accent4">
+                          <a:tint val="90000"/>
+                          <a:satMod val="130000"/>
+                        </a:schemeClr>
+                      </a:gs>
+                      <a:gs pos="100000">
+                        <a:schemeClr val="accent4">
+                          <a:tint val="70000"/>
+                          <a:satMod val="200000"/>
+                        </a:schemeClr>
+                      </a:gs>
+                    </a:gsLst>
+                    <a:lin ang="5400000"/>
+                  </a:gradFill>
+                  <a:effectLst>
+                    <a:glow rad="139700">
+                      <a:schemeClr val="accent3">
+                        <a:satMod val="175000"/>
+                        <a:alpha val="40000"/>
+                      </a:schemeClr>
+                    </a:glow>
+                    <a:outerShdw blurRad="88000" dist="50800" dir="5040000" algn="tl">
+                      <a:schemeClr val="accent4">
+                        <a:tint val="80000"/>
+                        <a:satMod val="250000"/>
+                        <a:alpha val="45000"/>
+                      </a:schemeClr>
+                    </a:outerShdw>
+                  </a:effectLst>
+                </a:rPr>
+                <a:t>선택</a:t>
               </a:r>
             </a:p>
           </p:txBody>
@@ -5933,6 +5997,792 @@
 </file>
 
 <file path=ppt/slides/slide5.xml><?xml version="1.0" encoding="utf-8"?>
+<p:sld xmlns:a="http://schemas.openxmlformats.org/drawingml/2006/main" xmlns:r="http://schemas.openxmlformats.org/officeDocument/2006/relationships" xmlns:p="http://schemas.openxmlformats.org/presentationml/2006/main">
+  <p:cSld>
+    <p:spTree>
+      <p:nvGrpSpPr>
+        <p:cNvPr id="1" name=""/>
+        <p:cNvGrpSpPr/>
+        <p:nvPr/>
+      </p:nvGrpSpPr>
+      <p:grpSpPr>
+        <a:xfrm>
+          <a:off x="0" y="0"/>
+          <a:ext cx="0" cy="0"/>
+          <a:chOff x="0" y="0"/>
+          <a:chExt cx="0" cy="0"/>
+        </a:xfrm>
+      </p:grpSpPr>
+      <p:grpSp>
+        <p:nvGrpSpPr>
+          <p:cNvPr id="2" name="그룹 1"/>
+          <p:cNvGrpSpPr/>
+          <p:nvPr/>
+        </p:nvGrpSpPr>
+        <p:grpSpPr>
+          <a:xfrm>
+            <a:off x="323528" y="620688"/>
+            <a:ext cx="8640000" cy="5797664"/>
+            <a:chOff x="323528" y="548680"/>
+            <a:chExt cx="8640000" cy="5797664"/>
+          </a:xfrm>
+        </p:grpSpPr>
+        <p:pic>
+          <p:nvPicPr>
+            <p:cNvPr id="3" name="Picture 6" descr="C:\Users\ediso\AppData\Local\Microsoft\Windows\INetCache\IE\Y7GHTHUT\1200px-AFC_Champions_League_Final_1st_leg[1].jpg"/>
+            <p:cNvPicPr preferRelativeResize="0">
+              <a:picLocks noChangeArrowheads="1"/>
+            </p:cNvPicPr>
+            <p:nvPr/>
+          </p:nvPicPr>
+          <p:blipFill>
+            <a:blip r:embed="rId2" cstate="print">
+              <a:duotone>
+                <a:prstClr val="black"/>
+                <a:schemeClr val="accent5">
+                  <a:tint val="45000"/>
+                  <a:satMod val="400000"/>
+                </a:schemeClr>
+              </a:duotone>
+            </a:blip>
+            <a:srcRect/>
+            <a:stretch>
+              <a:fillRect/>
+            </a:stretch>
+          </p:blipFill>
+          <p:spPr bwMode="auto">
+            <a:xfrm>
+              <a:off x="323528" y="548680"/>
+              <a:ext cx="8640000" cy="5760000"/>
+            </a:xfrm>
+            <a:prstGeom prst="rect">
+              <a:avLst/>
+            </a:prstGeom>
+            <a:noFill/>
+          </p:spPr>
+        </p:pic>
+        <p:sp>
+          <p:nvSpPr>
+            <p:cNvPr id="4" name="직사각형 3"/>
+            <p:cNvSpPr/>
+            <p:nvPr/>
+          </p:nvSpPr>
+          <p:spPr>
+            <a:xfrm>
+              <a:off x="647056" y="809328"/>
+              <a:ext cx="5760640" cy="720000"/>
+            </a:xfrm>
+            <a:prstGeom prst="rect">
+              <a:avLst/>
+            </a:prstGeom>
+            <a:solidFill>
+              <a:schemeClr val="accent5">
+                <a:lumMod val="40000"/>
+                <a:lumOff val="60000"/>
+                <a:alpha val="40000"/>
+              </a:schemeClr>
+            </a:solidFill>
+            <a:ln>
+              <a:solidFill>
+                <a:srgbClr val="92D050"/>
+              </a:solidFill>
+              <a:prstDash val="solid"/>
+            </a:ln>
+            <a:effectLst>
+              <a:outerShdw blurRad="63500" sx="102000" sy="102000" algn="ctr" rotWithShape="0">
+                <a:prstClr val="black">
+                  <a:alpha val="40000"/>
+                </a:prstClr>
+              </a:outerShdw>
+            </a:effectLst>
+            <a:scene3d>
+              <a:camera prst="orthographicFront"/>
+              <a:lightRig rig="threePt" dir="t"/>
+            </a:scene3d>
+            <a:sp3d/>
+          </p:spPr>
+          <p:style>
+            <a:lnRef idx="2">
+              <a:schemeClr val="accent1">
+                <a:shade val="50000"/>
+              </a:schemeClr>
+            </a:lnRef>
+            <a:fillRef idx="1">
+              <a:schemeClr val="accent1"/>
+            </a:fillRef>
+            <a:effectRef idx="0">
+              <a:schemeClr val="accent1"/>
+            </a:effectRef>
+            <a:fontRef idx="minor">
+              <a:schemeClr val="lt1"/>
+            </a:fontRef>
+          </p:style>
+          <p:txBody>
+            <a:bodyPr rtlCol="0" anchor="ctr">
+              <a:scene3d>
+                <a:camera prst="orthographicFront">
+                  <a:rot lat="0" lon="0" rev="0"/>
+                </a:camera>
+                <a:lightRig rig="glow" dir="t">
+                  <a:rot lat="0" lon="0" rev="3600000"/>
+                </a:lightRig>
+              </a:scene3d>
+              <a:sp3d prstMaterial="softEdge">
+                <a:bevelT w="29210" h="16510"/>
+                <a:contourClr>
+                  <a:schemeClr val="accent4">
+                    <a:alpha val="95000"/>
+                  </a:schemeClr>
+                </a:contourClr>
+              </a:sp3d>
+            </a:bodyPr>
+            <a:lstStyle/>
+            <a:p>
+              <a:pPr algn="ctr"/>
+              <a:r>
+                <a:rPr lang="ko-KR" altLang="en-US" sz="3000" b="1" dirty="0" smtClean="0">
+                  <a:ln>
+                    <a:solidFill>
+                      <a:schemeClr val="accent2">
+                        <a:lumMod val="50000"/>
+                      </a:schemeClr>
+                    </a:solidFill>
+                    <a:prstDash val="solid"/>
+                  </a:ln>
+                  <a:gradFill rotWithShape="1">
+                    <a:gsLst>
+                      <a:gs pos="0">
+                        <a:schemeClr val="accent4">
+                          <a:tint val="70000"/>
+                          <a:satMod val="200000"/>
+                        </a:schemeClr>
+                      </a:gs>
+                      <a:gs pos="40000">
+                        <a:schemeClr val="accent4">
+                          <a:tint val="90000"/>
+                          <a:satMod val="130000"/>
+                        </a:schemeClr>
+                      </a:gs>
+                      <a:gs pos="50000">
+                        <a:schemeClr val="accent4">
+                          <a:tint val="90000"/>
+                          <a:satMod val="130000"/>
+                        </a:schemeClr>
+                      </a:gs>
+                      <a:gs pos="68000">
+                        <a:schemeClr val="accent4">
+                          <a:tint val="90000"/>
+                          <a:satMod val="130000"/>
+                        </a:schemeClr>
+                      </a:gs>
+                      <a:gs pos="100000">
+                        <a:schemeClr val="accent4">
+                          <a:tint val="70000"/>
+                          <a:satMod val="200000"/>
+                        </a:schemeClr>
+                      </a:gs>
+                    </a:gsLst>
+                    <a:lin ang="5400000"/>
+                  </a:gradFill>
+                  <a:effectLst>
+                    <a:glow rad="139700">
+                      <a:schemeClr val="accent3">
+                        <a:satMod val="175000"/>
+                        <a:alpha val="40000"/>
+                      </a:schemeClr>
+                    </a:glow>
+                    <a:outerShdw blurRad="88000" dist="50800" dir="5040000" algn="tl">
+                      <a:schemeClr val="accent4">
+                        <a:tint val="80000"/>
+                        <a:satMod val="250000"/>
+                        <a:alpha val="45000"/>
+                      </a:schemeClr>
+                    </a:outerShdw>
+                  </a:effectLst>
+                </a:rPr>
+                <a:t>저장할 파일 </a:t>
+              </a:r>
+              <a:r>
+                <a:rPr lang="ko-KR" altLang="en-US" sz="3000" b="1" dirty="0" smtClean="0">
+                  <a:ln>
+                    <a:solidFill>
+                      <a:schemeClr val="accent2">
+                        <a:lumMod val="50000"/>
+                      </a:schemeClr>
+                    </a:solidFill>
+                    <a:prstDash val="solid"/>
+                  </a:ln>
+                  <a:gradFill rotWithShape="1">
+                    <a:gsLst>
+                      <a:gs pos="0">
+                        <a:schemeClr val="accent4">
+                          <a:tint val="70000"/>
+                          <a:satMod val="200000"/>
+                        </a:schemeClr>
+                      </a:gs>
+                      <a:gs pos="40000">
+                        <a:schemeClr val="accent4">
+                          <a:tint val="90000"/>
+                          <a:satMod val="130000"/>
+                        </a:schemeClr>
+                      </a:gs>
+                      <a:gs pos="50000">
+                        <a:schemeClr val="accent4">
+                          <a:tint val="90000"/>
+                          <a:satMod val="130000"/>
+                        </a:schemeClr>
+                      </a:gs>
+                      <a:gs pos="68000">
+                        <a:schemeClr val="accent4">
+                          <a:tint val="90000"/>
+                          <a:satMod val="130000"/>
+                        </a:schemeClr>
+                      </a:gs>
+                      <a:gs pos="100000">
+                        <a:schemeClr val="accent4">
+                          <a:tint val="70000"/>
+                          <a:satMod val="200000"/>
+                        </a:schemeClr>
+                      </a:gs>
+                    </a:gsLst>
+                    <a:lin ang="5400000"/>
+                  </a:gradFill>
+                  <a:effectLst>
+                    <a:glow rad="139700">
+                      <a:schemeClr val="accent3">
+                        <a:satMod val="175000"/>
+                        <a:alpha val="40000"/>
+                      </a:schemeClr>
+                    </a:glow>
+                    <a:outerShdw blurRad="88000" dist="50800" dir="5040000" algn="tl">
+                      <a:schemeClr val="accent4">
+                        <a:tint val="80000"/>
+                        <a:satMod val="250000"/>
+                        <a:alpha val="45000"/>
+                      </a:schemeClr>
+                    </a:outerShdw>
+                  </a:effectLst>
+                </a:rPr>
+                <a:t>선택</a:t>
+              </a:r>
+            </a:p>
+          </p:txBody>
+        </p:sp>
+        <p:sp>
+          <p:nvSpPr>
+            <p:cNvPr id="5" name="직사각형 4"/>
+            <p:cNvSpPr/>
+            <p:nvPr/>
+          </p:nvSpPr>
+          <p:spPr>
+            <a:xfrm>
+              <a:off x="647056" y="1745432"/>
+              <a:ext cx="5760640" cy="4392000"/>
+            </a:xfrm>
+            <a:prstGeom prst="rect">
+              <a:avLst/>
+            </a:prstGeom>
+            <a:solidFill>
+              <a:srgbClr val="FFFF00">
+                <a:alpha val="40000"/>
+              </a:srgbClr>
+            </a:solidFill>
+            <a:ln>
+              <a:solidFill>
+                <a:srgbClr val="92D050"/>
+              </a:solidFill>
+              <a:prstDash val="solid"/>
+            </a:ln>
+            <a:effectLst>
+              <a:outerShdw blurRad="63500" sx="102000" sy="102000" algn="ctr" rotWithShape="0">
+                <a:prstClr val="black">
+                  <a:alpha val="40000"/>
+                </a:prstClr>
+              </a:outerShdw>
+            </a:effectLst>
+            <a:scene3d>
+              <a:camera prst="orthographicFront"/>
+              <a:lightRig rig="threePt" dir="t"/>
+            </a:scene3d>
+            <a:sp3d/>
+          </p:spPr>
+          <p:style>
+            <a:lnRef idx="2">
+              <a:schemeClr val="accent1">
+                <a:shade val="50000"/>
+              </a:schemeClr>
+            </a:lnRef>
+            <a:fillRef idx="1">
+              <a:schemeClr val="accent1"/>
+            </a:fillRef>
+            <a:effectRef idx="0">
+              <a:schemeClr val="accent1"/>
+            </a:effectRef>
+            <a:fontRef idx="minor">
+              <a:schemeClr val="lt1"/>
+            </a:fontRef>
+          </p:style>
+          <p:txBody>
+            <a:bodyPr rtlCol="0" anchor="ctr">
+              <a:scene3d>
+                <a:camera prst="orthographicFront"/>
+                <a:lightRig rig="soft" dir="tl">
+                  <a:rot lat="0" lon="0" rev="0"/>
+                </a:lightRig>
+              </a:scene3d>
+              <a:sp3d contourW="25400" prstMaterial="matte">
+                <a:bevelT w="25400" h="55880" prst="artDeco"/>
+                <a:contourClr>
+                  <a:schemeClr val="accent2">
+                    <a:tint val="20000"/>
+                  </a:schemeClr>
+                </a:contourClr>
+              </a:sp3d>
+            </a:bodyPr>
+            <a:lstStyle/>
+            <a:p>
+              <a:pPr algn="ctr"/>
+              <a:endParaRPr lang="ko-KR" altLang="en-US" b="1" spc="50" dirty="0" smtClean="0">
+                <a:ln w="11430">
+                  <a:solidFill>
+                    <a:srgbClr val="00B050"/>
+                  </a:solidFill>
+                </a:ln>
+                <a:solidFill>
+                  <a:srgbClr val="00B050"/>
+                </a:solidFill>
+                <a:effectLst>
+                  <a:glow rad="228600">
+                    <a:schemeClr val="accent6">
+                      <a:satMod val="175000"/>
+                      <a:alpha val="40000"/>
+                    </a:schemeClr>
+                  </a:glow>
+                  <a:outerShdw blurRad="50800" dist="38100" dir="2700000" algn="tl" rotWithShape="0">
+                    <a:prstClr val="black">
+                      <a:alpha val="40000"/>
+                    </a:prstClr>
+                  </a:outerShdw>
+                </a:effectLst>
+              </a:endParaRPr>
+            </a:p>
+          </p:txBody>
+        </p:sp>
+        <p:sp>
+          <p:nvSpPr>
+            <p:cNvPr id="6" name="직사각형 5"/>
+            <p:cNvSpPr/>
+            <p:nvPr/>
+          </p:nvSpPr>
+          <p:spPr>
+            <a:xfrm>
+              <a:off x="791073" y="1889448"/>
+              <a:ext cx="5472608" cy="1224000"/>
+            </a:xfrm>
+            <a:prstGeom prst="rect">
+              <a:avLst/>
+            </a:prstGeom>
+            <a:solidFill>
+              <a:srgbClr val="00B0F0">
+                <a:alpha val="10000"/>
+              </a:srgbClr>
+            </a:solidFill>
+            <a:ln>
+              <a:solidFill>
+                <a:schemeClr val="accent4">
+                  <a:lumMod val="40000"/>
+                  <a:lumOff val="60000"/>
+                </a:schemeClr>
+              </a:solidFill>
+              <a:prstDash val="dash"/>
+            </a:ln>
+            <a:effectLst>
+              <a:outerShdw blurRad="63500" sx="102000" sy="102000" algn="ctr" rotWithShape="0">
+                <a:prstClr val="black">
+                  <a:alpha val="40000"/>
+                </a:prstClr>
+              </a:outerShdw>
+            </a:effectLst>
+            <a:scene3d>
+              <a:camera prst="orthographicFront"/>
+              <a:lightRig rig="threePt" dir="t"/>
+            </a:scene3d>
+            <a:sp3d/>
+          </p:spPr>
+          <p:style>
+            <a:lnRef idx="2">
+              <a:schemeClr val="accent1">
+                <a:shade val="50000"/>
+              </a:schemeClr>
+            </a:lnRef>
+            <a:fillRef idx="1">
+              <a:schemeClr val="accent1"/>
+            </a:fillRef>
+            <a:effectRef idx="0">
+              <a:schemeClr val="accent1"/>
+            </a:effectRef>
+            <a:fontRef idx="minor">
+              <a:schemeClr val="lt1"/>
+            </a:fontRef>
+          </p:style>
+          <p:txBody>
+            <a:bodyPr rtlCol="0" anchor="ctr">
+              <a:scene3d>
+                <a:camera prst="orthographicFront"/>
+                <a:lightRig rig="soft" dir="tl">
+                  <a:rot lat="0" lon="0" rev="0"/>
+                </a:lightRig>
+              </a:scene3d>
+              <a:sp3d contourW="25400" prstMaterial="matte">
+                <a:bevelT w="25400" h="55880" prst="artDeco"/>
+                <a:contourClr>
+                  <a:schemeClr val="accent2">
+                    <a:tint val="20000"/>
+                  </a:schemeClr>
+                </a:contourClr>
+              </a:sp3d>
+            </a:bodyPr>
+            <a:lstStyle/>
+            <a:p>
+              <a:pPr algn="ctr"/>
+              <a:endParaRPr lang="ko-KR" altLang="en-US" b="1" spc="50" dirty="0" smtClean="0">
+                <a:ln w="11430">
+                  <a:solidFill>
+                    <a:srgbClr val="00B050"/>
+                  </a:solidFill>
+                </a:ln>
+                <a:solidFill>
+                  <a:srgbClr val="00B050"/>
+                </a:solidFill>
+                <a:effectLst>
+                  <a:glow rad="228600">
+                    <a:schemeClr val="accent6">
+                      <a:satMod val="175000"/>
+                      <a:alpha val="40000"/>
+                    </a:schemeClr>
+                  </a:glow>
+                  <a:outerShdw blurRad="50800" dist="38100" dir="2700000" algn="tl" rotWithShape="0">
+                    <a:prstClr val="black">
+                      <a:alpha val="40000"/>
+                    </a:prstClr>
+                  </a:outerShdw>
+                </a:effectLst>
+              </a:endParaRPr>
+            </a:p>
+          </p:txBody>
+        </p:sp>
+        <p:sp>
+          <p:nvSpPr>
+            <p:cNvPr id="7" name="직사각형 6"/>
+            <p:cNvSpPr/>
+            <p:nvPr/>
+          </p:nvSpPr>
+          <p:spPr>
+            <a:xfrm>
+              <a:off x="791073" y="3329608"/>
+              <a:ext cx="5472608" cy="1224000"/>
+            </a:xfrm>
+            <a:prstGeom prst="rect">
+              <a:avLst/>
+            </a:prstGeom>
+            <a:solidFill>
+              <a:srgbClr val="00B0F0">
+                <a:alpha val="10000"/>
+              </a:srgbClr>
+            </a:solidFill>
+            <a:ln>
+              <a:solidFill>
+                <a:schemeClr val="accent4">
+                  <a:lumMod val="40000"/>
+                  <a:lumOff val="60000"/>
+                </a:schemeClr>
+              </a:solidFill>
+              <a:prstDash val="dash"/>
+            </a:ln>
+            <a:effectLst>
+              <a:outerShdw blurRad="63500" sx="102000" sy="102000" algn="ctr" rotWithShape="0">
+                <a:prstClr val="black">
+                  <a:alpha val="40000"/>
+                </a:prstClr>
+              </a:outerShdw>
+            </a:effectLst>
+            <a:scene3d>
+              <a:camera prst="orthographicFront"/>
+              <a:lightRig rig="threePt" dir="t"/>
+            </a:scene3d>
+            <a:sp3d/>
+          </p:spPr>
+          <p:style>
+            <a:lnRef idx="2">
+              <a:schemeClr val="accent1">
+                <a:shade val="50000"/>
+              </a:schemeClr>
+            </a:lnRef>
+            <a:fillRef idx="1">
+              <a:schemeClr val="accent1"/>
+            </a:fillRef>
+            <a:effectRef idx="0">
+              <a:schemeClr val="accent1"/>
+            </a:effectRef>
+            <a:fontRef idx="minor">
+              <a:schemeClr val="lt1"/>
+            </a:fontRef>
+          </p:style>
+          <p:txBody>
+            <a:bodyPr rtlCol="0" anchor="ctr">
+              <a:scene3d>
+                <a:camera prst="orthographicFront"/>
+                <a:lightRig rig="soft" dir="tl">
+                  <a:rot lat="0" lon="0" rev="0"/>
+                </a:lightRig>
+              </a:scene3d>
+              <a:sp3d contourW="25400" prstMaterial="matte">
+                <a:bevelT w="25400" h="55880" prst="artDeco"/>
+                <a:contourClr>
+                  <a:schemeClr val="accent2">
+                    <a:tint val="20000"/>
+                  </a:schemeClr>
+                </a:contourClr>
+              </a:sp3d>
+            </a:bodyPr>
+            <a:lstStyle/>
+            <a:p>
+              <a:pPr algn="ctr"/>
+              <a:endParaRPr lang="ko-KR" altLang="en-US" b="1" spc="50" dirty="0" smtClean="0">
+                <a:ln w="11430">
+                  <a:solidFill>
+                    <a:srgbClr val="00B050"/>
+                  </a:solidFill>
+                </a:ln>
+                <a:solidFill>
+                  <a:srgbClr val="00B050"/>
+                </a:solidFill>
+                <a:effectLst>
+                  <a:glow rad="228600">
+                    <a:schemeClr val="accent6">
+                      <a:satMod val="175000"/>
+                      <a:alpha val="40000"/>
+                    </a:schemeClr>
+                  </a:glow>
+                  <a:outerShdw blurRad="50800" dist="38100" dir="2700000" algn="tl" rotWithShape="0">
+                    <a:prstClr val="black">
+                      <a:alpha val="40000"/>
+                    </a:prstClr>
+                  </a:outerShdw>
+                </a:effectLst>
+              </a:endParaRPr>
+            </a:p>
+          </p:txBody>
+        </p:sp>
+        <p:sp>
+          <p:nvSpPr>
+            <p:cNvPr id="8" name="직사각형 7"/>
+            <p:cNvSpPr/>
+            <p:nvPr/>
+          </p:nvSpPr>
+          <p:spPr>
+            <a:xfrm>
+              <a:off x="791073" y="4769768"/>
+              <a:ext cx="5472608" cy="1224000"/>
+            </a:xfrm>
+            <a:prstGeom prst="rect">
+              <a:avLst/>
+            </a:prstGeom>
+            <a:solidFill>
+              <a:srgbClr val="00B0F0">
+                <a:alpha val="10000"/>
+              </a:srgbClr>
+            </a:solidFill>
+            <a:ln>
+              <a:solidFill>
+                <a:schemeClr val="accent4">
+                  <a:lumMod val="40000"/>
+                  <a:lumOff val="60000"/>
+                </a:schemeClr>
+              </a:solidFill>
+              <a:prstDash val="dash"/>
+            </a:ln>
+            <a:effectLst>
+              <a:outerShdw blurRad="63500" sx="102000" sy="102000" algn="ctr" rotWithShape="0">
+                <a:prstClr val="black">
+                  <a:alpha val="40000"/>
+                </a:prstClr>
+              </a:outerShdw>
+            </a:effectLst>
+            <a:scene3d>
+              <a:camera prst="orthographicFront"/>
+              <a:lightRig rig="threePt" dir="t"/>
+            </a:scene3d>
+            <a:sp3d/>
+          </p:spPr>
+          <p:style>
+            <a:lnRef idx="2">
+              <a:schemeClr val="accent1">
+                <a:shade val="50000"/>
+              </a:schemeClr>
+            </a:lnRef>
+            <a:fillRef idx="1">
+              <a:schemeClr val="accent1"/>
+            </a:fillRef>
+            <a:effectRef idx="0">
+              <a:schemeClr val="accent1"/>
+            </a:effectRef>
+            <a:fontRef idx="minor">
+              <a:schemeClr val="lt1"/>
+            </a:fontRef>
+          </p:style>
+          <p:txBody>
+            <a:bodyPr rtlCol="0" anchor="ctr">
+              <a:scene3d>
+                <a:camera prst="orthographicFront"/>
+                <a:lightRig rig="soft" dir="tl">
+                  <a:rot lat="0" lon="0" rev="0"/>
+                </a:lightRig>
+              </a:scene3d>
+              <a:sp3d contourW="25400" prstMaterial="matte">
+                <a:bevelT w="25400" h="55880" prst="artDeco"/>
+                <a:contourClr>
+                  <a:schemeClr val="accent2">
+                    <a:tint val="20000"/>
+                  </a:schemeClr>
+                </a:contourClr>
+              </a:sp3d>
+            </a:bodyPr>
+            <a:lstStyle/>
+            <a:p>
+              <a:pPr algn="ctr"/>
+              <a:endParaRPr lang="ko-KR" altLang="en-US" b="1" spc="50" dirty="0" smtClean="0">
+                <a:ln w="11430">
+                  <a:solidFill>
+                    <a:srgbClr val="00B050"/>
+                  </a:solidFill>
+                </a:ln>
+                <a:solidFill>
+                  <a:srgbClr val="00B050"/>
+                </a:solidFill>
+                <a:effectLst>
+                  <a:glow rad="228600">
+                    <a:schemeClr val="accent6">
+                      <a:satMod val="175000"/>
+                      <a:alpha val="40000"/>
+                    </a:schemeClr>
+                  </a:glow>
+                  <a:outerShdw blurRad="50800" dist="38100" dir="2700000" algn="tl" rotWithShape="0">
+                    <a:prstClr val="black">
+                      <a:alpha val="40000"/>
+                    </a:prstClr>
+                  </a:outerShdw>
+                </a:effectLst>
+              </a:endParaRPr>
+            </a:p>
+          </p:txBody>
+        </p:sp>
+        <p:pic>
+          <p:nvPicPr>
+            <p:cNvPr id="9" name="그림 8" descr="soccer-player-vector-image-27547.png"/>
+            <p:cNvPicPr>
+              <a:picLocks noChangeAspect="1"/>
+            </p:cNvPicPr>
+            <p:nvPr/>
+          </p:nvPicPr>
+          <p:blipFill>
+            <a:blip r:embed="rId3" cstate="print">
+              <a:clrChange>
+                <a:clrFrom>
+                  <a:srgbClr val="FFFFFF"/>
+                </a:clrFrom>
+                <a:clrTo>
+                  <a:srgbClr val="FFFFFF">
+                    <a:alpha val="0"/>
+                  </a:srgbClr>
+                </a:clrTo>
+              </a:clrChange>
+            </a:blip>
+            <a:srcRect l="16843" r="18915"/>
+            <a:stretch>
+              <a:fillRect/>
+            </a:stretch>
+          </p:blipFill>
+          <p:spPr>
+            <a:xfrm flipH="1">
+              <a:off x="6588224" y="1340768"/>
+              <a:ext cx="2342565" cy="5005576"/>
+            </a:xfrm>
+            <a:prstGeom prst="rect">
+              <a:avLst/>
+            </a:prstGeom>
+            <a:ln>
+              <a:noFill/>
+            </a:ln>
+            <a:effectLst>
+              <a:glow rad="228600">
+                <a:schemeClr val="accent6">
+                  <a:satMod val="175000"/>
+                  <a:alpha val="40000"/>
+                </a:schemeClr>
+              </a:glow>
+              <a:outerShdw blurRad="190500" dist="228600" dir="2700000" algn="ctr">
+                <a:srgbClr val="000000">
+                  <a:alpha val="30000"/>
+                </a:srgbClr>
+              </a:outerShdw>
+            </a:effectLst>
+            <a:scene3d>
+              <a:camera prst="isometricOffAxis1Right"/>
+              <a:lightRig rig="threePt" dir="t"/>
+            </a:scene3d>
+          </p:spPr>
+        </p:pic>
+        <p:pic>
+          <p:nvPicPr>
+            <p:cNvPr id="10" name="Picture 7" descr="C:\Users\ediso\AppData\Local\Microsoft\Windows\INetCache\IE\8SOMCZ2D\football-161132_960_720[1].png"/>
+            <p:cNvPicPr>
+              <a:picLocks noChangeAspect="1" noChangeArrowheads="1"/>
+            </p:cNvPicPr>
+            <p:nvPr/>
+          </p:nvPicPr>
+          <p:blipFill>
+            <a:blip r:embed="rId4" cstate="print"/>
+            <a:stretch>
+              <a:fillRect/>
+            </a:stretch>
+          </p:blipFill>
+          <p:spPr bwMode="auto">
+            <a:xfrm>
+              <a:off x="6948264" y="5517232"/>
+              <a:ext cx="463906" cy="517848"/>
+            </a:xfrm>
+            <a:prstGeom prst="rect">
+              <a:avLst/>
+            </a:prstGeom>
+            <a:noFill/>
+            <a:ln>
+              <a:noFill/>
+            </a:ln>
+            <a:effectLst>
+              <a:glow rad="139700">
+                <a:schemeClr val="accent6">
+                  <a:satMod val="175000"/>
+                  <a:alpha val="40000"/>
+                </a:schemeClr>
+              </a:glow>
+            </a:effectLst>
+            <a:scene3d>
+              <a:camera prst="isometricOffAxis2Left"/>
+              <a:lightRig rig="threePt" dir="t"/>
+            </a:scene3d>
+          </p:spPr>
+        </p:pic>
+      </p:grpSp>
+    </p:spTree>
+  </p:cSld>
+  <p:clrMapOvr>
+    <a:masterClrMapping/>
+  </p:clrMapOvr>
+</p:sld>
+</file>
+
+<file path=ppt/slides/slide6.xml><?xml version="1.0" encoding="utf-8"?>
 <p:sld xmlns:a="http://schemas.openxmlformats.org/drawingml/2006/main" xmlns:r="http://schemas.openxmlformats.org/officeDocument/2006/relationships" xmlns:p="http://schemas.openxmlformats.org/presentationml/2006/main">
   <p:cSld>
     <p:spTree>
@@ -7744,6 +8594,152 @@
           </a:p>
         </p:txBody>
       </p:sp>
+      <p:grpSp>
+        <p:nvGrpSpPr>
+          <p:cNvPr id="29" name="그룹 28"/>
+          <p:cNvGrpSpPr/>
+          <p:nvPr/>
+        </p:nvGrpSpPr>
+        <p:grpSpPr>
+          <a:xfrm>
+            <a:off x="8172400" y="620688"/>
+            <a:ext cx="648072" cy="648072"/>
+            <a:chOff x="-972616" y="1916832"/>
+            <a:chExt cx="504000" cy="504000"/>
+          </a:xfrm>
+        </p:grpSpPr>
+        <p:sp>
+          <p:nvSpPr>
+            <p:cNvPr id="27" name="직사각형 26"/>
+            <p:cNvSpPr/>
+            <p:nvPr/>
+          </p:nvSpPr>
+          <p:spPr>
+            <a:xfrm>
+              <a:off x="-972616" y="1916832"/>
+              <a:ext cx="504000" cy="504000"/>
+            </a:xfrm>
+            <a:prstGeom prst="rect">
+              <a:avLst/>
+            </a:prstGeom>
+            <a:solidFill>
+              <a:schemeClr val="accent4">
+                <a:lumMod val="60000"/>
+                <a:lumOff val="40000"/>
+              </a:schemeClr>
+            </a:solidFill>
+            <a:ln>
+              <a:solidFill>
+                <a:schemeClr val="accent1">
+                  <a:lumMod val="20000"/>
+                  <a:lumOff val="80000"/>
+                </a:schemeClr>
+              </a:solidFill>
+              <a:prstDash val="solid"/>
+            </a:ln>
+            <a:effectLst>
+              <a:outerShdw blurRad="63500" sx="102000" sy="102000" algn="ctr" rotWithShape="0">
+                <a:prstClr val="black">
+                  <a:alpha val="40000"/>
+                </a:prstClr>
+              </a:outerShdw>
+            </a:effectLst>
+            <a:scene3d>
+              <a:camera prst="orthographicFront"/>
+              <a:lightRig rig="threePt" dir="t"/>
+            </a:scene3d>
+            <a:sp3d>
+              <a:bevelT prst="slope"/>
+            </a:sp3d>
+          </p:spPr>
+          <p:style>
+            <a:lnRef idx="2">
+              <a:schemeClr val="accent1">
+                <a:shade val="50000"/>
+              </a:schemeClr>
+            </a:lnRef>
+            <a:fillRef idx="1">
+              <a:schemeClr val="accent1"/>
+            </a:fillRef>
+            <a:effectRef idx="0">
+              <a:schemeClr val="accent1"/>
+            </a:effectRef>
+            <a:fontRef idx="minor">
+              <a:schemeClr val="lt1"/>
+            </a:fontRef>
+          </p:style>
+          <p:txBody>
+            <a:bodyPr rtlCol="0" anchor="ctr">
+              <a:scene3d>
+                <a:camera prst="orthographicFront"/>
+                <a:lightRig rig="soft" dir="tl">
+                  <a:rot lat="0" lon="0" rev="0"/>
+                </a:lightRig>
+              </a:scene3d>
+              <a:sp3d contourW="25400" prstMaterial="matte">
+                <a:contourClr>
+                  <a:schemeClr val="accent2">
+                    <a:tint val="20000"/>
+                  </a:schemeClr>
+                </a:contourClr>
+              </a:sp3d>
+            </a:bodyPr>
+            <a:lstStyle/>
+            <a:p>
+              <a:pPr algn="ctr"/>
+              <a:endParaRPr lang="ko-KR" altLang="en-US" b="1" spc="50" dirty="0" smtClean="0">
+                <a:ln w="11430">
+                  <a:solidFill>
+                    <a:srgbClr val="00B050"/>
+                  </a:solidFill>
+                </a:ln>
+                <a:solidFill>
+                  <a:srgbClr val="00B050"/>
+                </a:solidFill>
+                <a:effectLst>
+                  <a:glow rad="228600">
+                    <a:schemeClr val="accent6">
+                      <a:satMod val="175000"/>
+                      <a:alpha val="40000"/>
+                    </a:schemeClr>
+                  </a:glow>
+                  <a:outerShdw blurRad="50800" dist="38100" dir="2700000" algn="tl" rotWithShape="0">
+                    <a:prstClr val="black">
+                      <a:alpha val="40000"/>
+                    </a:prstClr>
+                  </a:outerShdw>
+                </a:effectLst>
+              </a:endParaRPr>
+            </a:p>
+          </p:txBody>
+        </p:sp>
+        <p:pic>
+          <p:nvPicPr>
+            <p:cNvPr id="1026" name="Picture 2" descr="C:\Users\ediso\AppData\Local\Microsoft\Windows\INetCache\IE\Y7GHTHUT\arrow-1314470_640[1].png"/>
+            <p:cNvPicPr>
+              <a:picLocks noChangeAspect="1" noChangeArrowheads="1"/>
+            </p:cNvPicPr>
+            <p:nvPr/>
+          </p:nvPicPr>
+          <p:blipFill>
+            <a:blip r:embed="rId5" cstate="print"/>
+            <a:srcRect/>
+            <a:stretch>
+              <a:fillRect/>
+            </a:stretch>
+          </p:blipFill>
+          <p:spPr bwMode="auto">
+            <a:xfrm>
+              <a:off x="-900568" y="1988880"/>
+              <a:ext cx="360000" cy="360000"/>
+            </a:xfrm>
+            <a:prstGeom prst="rect">
+              <a:avLst/>
+            </a:prstGeom>
+            <a:noFill/>
+          </p:spPr>
+        </p:pic>
+      </p:grpSp>
     </p:spTree>
   </p:cSld>
   <p:clrMapOvr>
@@ -7752,7 +8748,7 @@
 </p:sld>
 </file>
 
-<file path=ppt/slides/slide6.xml><?xml version="1.0" encoding="utf-8"?>
+<file path=ppt/slides/slide7.xml><?xml version="1.0" encoding="utf-8"?>
 <p:sld xmlns:a="http://schemas.openxmlformats.org/drawingml/2006/main" xmlns:r="http://schemas.openxmlformats.org/officeDocument/2006/relationships" xmlns:p="http://schemas.openxmlformats.org/presentationml/2006/main">
   <p:cSld>
     <p:spTree>
@@ -7769,278 +8765,317 @@
           <a:chExt cx="0" cy="0"/>
         </a:xfrm>
       </p:grpSpPr>
-      <p:pic>
-        <p:nvPicPr>
-          <p:cNvPr id="54" name="그림 53" descr="1215125.png"/>
-          <p:cNvPicPr preferRelativeResize="0">
-            <a:picLocks/>
-          </p:cNvPicPr>
+      <p:grpSp>
+        <p:nvGrpSpPr>
+          <p:cNvPr id="109" name="그룹 108"/>
+          <p:cNvGrpSpPr/>
           <p:nvPr/>
-        </p:nvPicPr>
-        <p:blipFill>
-          <a:blip r:embed="rId2" cstate="print"/>
-          <a:stretch>
-            <a:fillRect/>
-          </a:stretch>
-        </p:blipFill>
-        <p:spPr>
+        </p:nvGrpSpPr>
+        <p:grpSpPr>
           <a:xfrm>
             <a:off x="251520" y="620688"/>
             <a:ext cx="8640000" cy="5760000"/>
+            <a:chOff x="251520" y="620688"/>
+            <a:chExt cx="8640000" cy="5760000"/>
           </a:xfrm>
-          <a:prstGeom prst="rect">
-            <a:avLst/>
-          </a:prstGeom>
-        </p:spPr>
-      </p:pic>
-      <p:pic>
-        <p:nvPicPr>
-          <p:cNvPr id="55" name="그림 54" descr="125125125.png"/>
-          <p:cNvPicPr preferRelativeResize="0">
-            <a:picLocks/>
-          </p:cNvPicPr>
-          <p:nvPr/>
-        </p:nvPicPr>
-        <p:blipFill>
-          <a:blip r:embed="rId3" cstate="print"/>
-          <a:stretch>
-            <a:fillRect/>
-          </a:stretch>
-        </p:blipFill>
-        <p:spPr>
-          <a:xfrm>
-            <a:off x="4572000" y="1556792"/>
-            <a:ext cx="4104456" cy="4608512"/>
-          </a:xfrm>
-          <a:prstGeom prst="rect">
-            <a:avLst/>
-          </a:prstGeom>
-          <a:ln w="57150">
-            <a:solidFill>
-              <a:srgbClr val="00B0F0"/>
-            </a:solidFill>
-          </a:ln>
-        </p:spPr>
-      </p:pic>
-      <p:sp>
-        <p:nvSpPr>
-          <p:cNvPr id="58" name="직사각형 57"/>
-          <p:cNvSpPr/>
-          <p:nvPr/>
-        </p:nvSpPr>
-        <p:spPr>
-          <a:xfrm>
-            <a:off x="4860032" y="2348880"/>
-            <a:ext cx="1080120" cy="360040"/>
-          </a:xfrm>
-          <a:prstGeom prst="rect">
-            <a:avLst/>
-          </a:prstGeom>
-          <a:noFill/>
-          <a:ln w="38100">
-            <a:solidFill>
-              <a:srgbClr val="FFFF00"/>
-            </a:solidFill>
-            <a:prstDash val="solid"/>
-          </a:ln>
-          <a:effectLst/>
-          <a:scene3d>
-            <a:camera prst="orthographicFront"/>
-            <a:lightRig rig="threePt" dir="t"/>
-          </a:scene3d>
-          <a:sp3d/>
-        </p:spPr>
-        <p:style>
-          <a:lnRef idx="2">
-            <a:schemeClr val="accent1">
-              <a:shade val="50000"/>
-            </a:schemeClr>
-          </a:lnRef>
-          <a:fillRef idx="1">
-            <a:schemeClr val="accent1"/>
-          </a:fillRef>
-          <a:effectRef idx="0">
-            <a:schemeClr val="accent1"/>
-          </a:effectRef>
-          <a:fontRef idx="minor">
-            <a:schemeClr val="lt1"/>
-          </a:fontRef>
-        </p:style>
-        <p:txBody>
-          <a:bodyPr rtlCol="0" anchor="ctr">
+        </p:grpSpPr>
+        <p:pic>
+          <p:nvPicPr>
+            <p:cNvPr id="54" name="그림 53" descr="1215125.png"/>
+            <p:cNvPicPr preferRelativeResize="0">
+              <a:picLocks/>
+            </p:cNvPicPr>
+            <p:nvPr/>
+          </p:nvPicPr>
+          <p:blipFill>
+            <a:blip r:embed="rId2" cstate="print"/>
+            <a:stretch>
+              <a:fillRect/>
+            </a:stretch>
+          </p:blipFill>
+          <p:spPr>
+            <a:xfrm>
+              <a:off x="251520" y="620688"/>
+              <a:ext cx="8640000" cy="5760000"/>
+            </a:xfrm>
+            <a:prstGeom prst="rect">
+              <a:avLst/>
+            </a:prstGeom>
+          </p:spPr>
+        </p:pic>
+        <p:pic>
+          <p:nvPicPr>
+            <p:cNvPr id="55" name="그림 54" descr="125125125.png"/>
+            <p:cNvPicPr preferRelativeResize="0">
+              <a:picLocks/>
+            </p:cNvPicPr>
+            <p:nvPr/>
+          </p:nvPicPr>
+          <p:blipFill>
+            <a:blip r:embed="rId3" cstate="print"/>
+            <a:stretch>
+              <a:fillRect/>
+            </a:stretch>
+          </p:blipFill>
+          <p:spPr>
+            <a:xfrm>
+              <a:off x="4572000" y="1556792"/>
+              <a:ext cx="4104456" cy="4608512"/>
+            </a:xfrm>
+            <a:prstGeom prst="rect">
+              <a:avLst/>
+            </a:prstGeom>
+            <a:ln w="57150">
+              <a:solidFill>
+                <a:srgbClr val="00B0F0"/>
+              </a:solidFill>
+            </a:ln>
+          </p:spPr>
+        </p:pic>
+        <p:sp>
+          <p:nvSpPr>
+            <p:cNvPr id="58" name="직사각형 57"/>
+            <p:cNvSpPr/>
+            <p:nvPr/>
+          </p:nvSpPr>
+          <p:spPr>
+            <a:xfrm>
+              <a:off x="4860032" y="2348880"/>
+              <a:ext cx="1080120" cy="360040"/>
+            </a:xfrm>
+            <a:prstGeom prst="rect">
+              <a:avLst/>
+            </a:prstGeom>
+            <a:noFill/>
+            <a:ln w="38100">
+              <a:solidFill>
+                <a:srgbClr val="FFFF00"/>
+              </a:solidFill>
+              <a:prstDash val="solid"/>
+            </a:ln>
+            <a:effectLst/>
             <a:scene3d>
               <a:camera prst="orthographicFront"/>
-              <a:lightRig rig="soft" dir="tl">
-                <a:rot lat="0" lon="0" rev="0"/>
-              </a:lightRig>
+              <a:lightRig rig="threePt" dir="t"/>
             </a:scene3d>
-            <a:sp3d contourW="25400" prstMaterial="matte">
-              <a:bevelT w="25400" h="55880" prst="artDeco"/>
-              <a:contourClr>
-                <a:schemeClr val="accent2">
-                  <a:tint val="20000"/>
-                </a:schemeClr>
-              </a:contourClr>
-            </a:sp3d>
-          </a:bodyPr>
-          <a:lstStyle/>
-          <a:p>
-            <a:pPr algn="ctr"/>
-            <a:endParaRPr lang="ko-KR" altLang="en-US" b="1" spc="50" dirty="0" smtClean="0">
-              <a:ln w="11430">
+            <a:sp3d/>
+          </p:spPr>
+          <p:style>
+            <a:lnRef idx="2">
+              <a:schemeClr val="accent1">
+                <a:shade val="50000"/>
+              </a:schemeClr>
+            </a:lnRef>
+            <a:fillRef idx="1">
+              <a:schemeClr val="accent1"/>
+            </a:fillRef>
+            <a:effectRef idx="0">
+              <a:schemeClr val="accent1"/>
+            </a:effectRef>
+            <a:fontRef idx="minor">
+              <a:schemeClr val="lt1"/>
+            </a:fontRef>
+          </p:style>
+          <p:txBody>
+            <a:bodyPr rtlCol="0" anchor="ctr">
+              <a:scene3d>
+                <a:camera prst="orthographicFront"/>
+                <a:lightRig rig="soft" dir="tl">
+                  <a:rot lat="0" lon="0" rev="0"/>
+                </a:lightRig>
+              </a:scene3d>
+              <a:sp3d contourW="25400" prstMaterial="matte">
+                <a:bevelT w="25400" h="55880" prst="artDeco"/>
+                <a:contourClr>
+                  <a:schemeClr val="accent2">
+                    <a:tint val="20000"/>
+                  </a:schemeClr>
+                </a:contourClr>
+              </a:sp3d>
+            </a:bodyPr>
+            <a:lstStyle/>
+            <a:p>
+              <a:pPr algn="ctr"/>
+              <a:endParaRPr lang="ko-KR" altLang="en-US" b="1" spc="50" dirty="0" smtClean="0">
+                <a:ln w="11430">
+                  <a:solidFill>
+                    <a:srgbClr val="00B050"/>
+                  </a:solidFill>
+                </a:ln>
                 <a:solidFill>
                   <a:srgbClr val="00B050"/>
                 </a:solidFill>
-              </a:ln>
+                <a:effectLst>
+                  <a:glow rad="228600">
+                    <a:schemeClr val="accent6">
+                      <a:satMod val="175000"/>
+                      <a:alpha val="40000"/>
+                    </a:schemeClr>
+                  </a:glow>
+                  <a:outerShdw blurRad="50800" dist="38100" dir="2700000" algn="tl" rotWithShape="0">
+                    <a:prstClr val="black">
+                      <a:alpha val="40000"/>
+                    </a:prstClr>
+                  </a:outerShdw>
+                </a:effectLst>
+              </a:endParaRPr>
+            </a:p>
+          </p:txBody>
+        </p:sp>
+        <p:sp>
+          <p:nvSpPr>
+            <p:cNvPr id="59" name="직사각형 58"/>
+            <p:cNvSpPr/>
+            <p:nvPr/>
+          </p:nvSpPr>
+          <p:spPr>
+            <a:xfrm>
+              <a:off x="4860032" y="2780928"/>
+              <a:ext cx="1080120" cy="288032"/>
+            </a:xfrm>
+            <a:prstGeom prst="rect">
+              <a:avLst/>
+            </a:prstGeom>
+            <a:noFill/>
+            <a:ln w="38100">
               <a:solidFill>
-                <a:srgbClr val="00B050"/>
+                <a:srgbClr val="FFFF00"/>
               </a:solidFill>
-              <a:effectLst>
-                <a:glow rad="228600">
-                  <a:schemeClr val="accent6">
-                    <a:satMod val="175000"/>
-                    <a:alpha val="40000"/>
-                  </a:schemeClr>
-                </a:glow>
-                <a:outerShdw blurRad="50800" dist="38100" dir="2700000" algn="tl" rotWithShape="0">
-                  <a:prstClr val="black">
-                    <a:alpha val="40000"/>
-                  </a:prstClr>
-                </a:outerShdw>
-              </a:effectLst>
-            </a:endParaRPr>
-          </a:p>
-        </p:txBody>
-      </p:sp>
-      <p:sp>
-        <p:nvSpPr>
-          <p:cNvPr id="59" name="직사각형 58"/>
-          <p:cNvSpPr/>
-          <p:nvPr/>
-        </p:nvSpPr>
-        <p:spPr>
-          <a:xfrm>
-            <a:off x="4860032" y="2780928"/>
-            <a:ext cx="1080120" cy="288032"/>
-          </a:xfrm>
-          <a:prstGeom prst="rect">
-            <a:avLst/>
-          </a:prstGeom>
-          <a:noFill/>
-          <a:ln w="38100">
-            <a:solidFill>
-              <a:srgbClr val="FFFF00"/>
-            </a:solidFill>
-            <a:prstDash val="solid"/>
-          </a:ln>
-          <a:effectLst/>
-          <a:scene3d>
-            <a:camera prst="orthographicFront"/>
-            <a:lightRig rig="threePt" dir="t"/>
-          </a:scene3d>
-          <a:sp3d/>
-        </p:spPr>
-        <p:style>
-          <a:lnRef idx="2">
-            <a:schemeClr val="accent1">
-              <a:shade val="50000"/>
-            </a:schemeClr>
-          </a:lnRef>
-          <a:fillRef idx="1">
-            <a:schemeClr val="accent1"/>
-          </a:fillRef>
-          <a:effectRef idx="0">
-            <a:schemeClr val="accent1"/>
-          </a:effectRef>
-          <a:fontRef idx="minor">
-            <a:schemeClr val="lt1"/>
-          </a:fontRef>
-        </p:style>
-        <p:txBody>
-          <a:bodyPr rtlCol="0" anchor="ctr">
+              <a:prstDash val="solid"/>
+            </a:ln>
+            <a:effectLst/>
             <a:scene3d>
               <a:camera prst="orthographicFront"/>
-              <a:lightRig rig="soft" dir="tl">
-                <a:rot lat="0" lon="0" rev="0"/>
-              </a:lightRig>
+              <a:lightRig rig="threePt" dir="t"/>
             </a:scene3d>
-            <a:sp3d contourW="25400" prstMaterial="matte">
-              <a:bevelT w="25400" h="55880" prst="artDeco"/>
-              <a:contourClr>
-                <a:schemeClr val="accent2">
-                  <a:tint val="20000"/>
-                </a:schemeClr>
-              </a:contourClr>
-            </a:sp3d>
-          </a:bodyPr>
-          <a:lstStyle/>
-          <a:p>
-            <a:pPr algn="ctr"/>
-            <a:endParaRPr lang="ko-KR" altLang="en-US" b="1" spc="50" dirty="0" smtClean="0">
-              <a:ln w="11430">
+            <a:sp3d/>
+          </p:spPr>
+          <p:style>
+            <a:lnRef idx="2">
+              <a:schemeClr val="accent1">
+                <a:shade val="50000"/>
+              </a:schemeClr>
+            </a:lnRef>
+            <a:fillRef idx="1">
+              <a:schemeClr val="accent1"/>
+            </a:fillRef>
+            <a:effectRef idx="0">
+              <a:schemeClr val="accent1"/>
+            </a:effectRef>
+            <a:fontRef idx="minor">
+              <a:schemeClr val="lt1"/>
+            </a:fontRef>
+          </p:style>
+          <p:txBody>
+            <a:bodyPr rtlCol="0" anchor="ctr">
+              <a:scene3d>
+                <a:camera prst="orthographicFront"/>
+                <a:lightRig rig="soft" dir="tl">
+                  <a:rot lat="0" lon="0" rev="0"/>
+                </a:lightRig>
+              </a:scene3d>
+              <a:sp3d contourW="25400" prstMaterial="matte">
+                <a:bevelT w="25400" h="55880" prst="artDeco"/>
+                <a:contourClr>
+                  <a:schemeClr val="accent2">
+                    <a:tint val="20000"/>
+                  </a:schemeClr>
+                </a:contourClr>
+              </a:sp3d>
+            </a:bodyPr>
+            <a:lstStyle/>
+            <a:p>
+              <a:pPr algn="ctr"/>
+              <a:endParaRPr lang="ko-KR" altLang="en-US" b="1" spc="50" dirty="0" smtClean="0">
+                <a:ln w="11430">
+                  <a:solidFill>
+                    <a:srgbClr val="00B050"/>
+                  </a:solidFill>
+                </a:ln>
                 <a:solidFill>
                   <a:srgbClr val="00B050"/>
                 </a:solidFill>
-              </a:ln>
-              <a:solidFill>
-                <a:srgbClr val="00B050"/>
-              </a:solidFill>
-              <a:effectLst>
-                <a:glow rad="228600">
+                <a:effectLst>
+                  <a:glow rad="228600">
+                    <a:schemeClr val="accent6">
+                      <a:satMod val="175000"/>
+                      <a:alpha val="40000"/>
+                    </a:schemeClr>
+                  </a:glow>
+                  <a:outerShdw blurRad="50800" dist="38100" dir="2700000" algn="tl" rotWithShape="0">
+                    <a:prstClr val="black">
+                      <a:alpha val="40000"/>
+                    </a:prstClr>
+                  </a:outerShdw>
+                </a:effectLst>
+              </a:endParaRPr>
+            </a:p>
+          </p:txBody>
+        </p:sp>
+        <p:sp>
+          <p:nvSpPr>
+            <p:cNvPr id="60" name="직사각형 59"/>
+            <p:cNvSpPr/>
+            <p:nvPr/>
+          </p:nvSpPr>
+          <p:spPr>
+            <a:xfrm>
+              <a:off x="4644008" y="2596842"/>
+              <a:ext cx="432048" cy="400110"/>
+            </a:xfrm>
+            <a:prstGeom prst="rect">
+              <a:avLst/>
+            </a:prstGeom>
+            <a:noFill/>
+          </p:spPr>
+          <p:txBody>
+            <a:bodyPr wrap="square" lIns="91440" tIns="45720" rIns="91440" bIns="45720">
+              <a:spAutoFit/>
+              <a:scene3d>
+                <a:camera prst="orthographicFront"/>
+                <a:lightRig rig="glow" dir="tl">
+                  <a:rot lat="0" lon="0" rev="5400000"/>
+                </a:lightRig>
+              </a:scene3d>
+              <a:sp3d extrusionH="57150" contourW="12700">
+                <a:bevelT w="25400" h="25400"/>
+                <a:contourClr>
                   <a:schemeClr val="accent6">
-                    <a:satMod val="175000"/>
-                    <a:alpha val="40000"/>
+                    <a:shade val="73000"/>
                   </a:schemeClr>
-                </a:glow>
-                <a:outerShdw blurRad="50800" dist="38100" dir="2700000" algn="tl" rotWithShape="0">
-                  <a:prstClr val="black">
-                    <a:alpha val="40000"/>
-                  </a:prstClr>
-                </a:outerShdw>
-              </a:effectLst>
-            </a:endParaRPr>
-          </a:p>
-        </p:txBody>
-      </p:sp>
-      <p:sp>
-        <p:nvSpPr>
-          <p:cNvPr id="60" name="직사각형 59"/>
-          <p:cNvSpPr/>
-          <p:nvPr/>
-        </p:nvSpPr>
-        <p:spPr>
-          <a:xfrm>
-            <a:off x="4644008" y="2596842"/>
-            <a:ext cx="432048" cy="400110"/>
-          </a:xfrm>
-          <a:prstGeom prst="rect">
-            <a:avLst/>
-          </a:prstGeom>
-          <a:noFill/>
-        </p:spPr>
-        <p:txBody>
-          <a:bodyPr wrap="square" lIns="91440" tIns="45720" rIns="91440" bIns="45720">
-            <a:spAutoFit/>
-            <a:scene3d>
-              <a:camera prst="orthographicFront"/>
-              <a:lightRig rig="glow" dir="tl">
-                <a:rot lat="0" lon="0" rev="5400000"/>
-              </a:lightRig>
-            </a:scene3d>
-            <a:sp3d extrusionH="57150" contourW="12700">
-              <a:bevelT w="25400" h="25400"/>
-              <a:contourClr>
-                <a:schemeClr val="accent6">
-                  <a:shade val="73000"/>
-                </a:schemeClr>
-              </a:contourClr>
-            </a:sp3d>
-          </a:bodyPr>
-          <a:lstStyle/>
-          <a:p>
-            <a:pPr algn="ctr"/>
-            <a:r>
-              <a:rPr lang="ko-KR" altLang="en-US" sz="2000" b="1" dirty="0" smtClean="0">
+                </a:contourClr>
+              </a:sp3d>
+            </a:bodyPr>
+            <a:lstStyle/>
+            <a:p>
+              <a:pPr algn="ctr"/>
+              <a:r>
+                <a:rPr lang="ko-KR" altLang="en-US" sz="2000" b="1" dirty="0" smtClean="0">
+                  <a:ln w="11430">
+                    <a:solidFill>
+                      <a:srgbClr val="FFFF00"/>
+                    </a:solidFill>
+                  </a:ln>
+                  <a:solidFill>
+                    <a:srgbClr val="FFFF00"/>
+                  </a:solidFill>
+                  <a:effectLst>
+                    <a:glow rad="139700">
+                      <a:schemeClr val="accent3">
+                        <a:satMod val="175000"/>
+                        <a:alpha val="40000"/>
+                      </a:schemeClr>
+                    </a:glow>
+                    <a:outerShdw blurRad="80000" dist="40000" dir="5040000" algn="tl">
+                      <a:srgbClr val="000000">
+                        <a:alpha val="30000"/>
+                      </a:srgbClr>
+                    </a:outerShdw>
+                  </a:effectLst>
+                </a:rPr>
+                <a:t>㉡</a:t>
+              </a:r>
+              <a:endParaRPr lang="en-US" altLang="ko-KR" sz="2000" b="1" cap="none" spc="0" dirty="0">
                 <a:ln w="11430">
                   <a:solidFill>
                     <a:srgbClr val="FFFF00"/>
@@ -8062,164 +9097,164 @@
                     </a:srgbClr>
                   </a:outerShdw>
                 </a:effectLst>
-              </a:rPr>
-              <a:t>㉡</a:t>
-            </a:r>
-            <a:endParaRPr lang="en-US" altLang="ko-KR" sz="2000" b="1" cap="none" spc="0" dirty="0">
-              <a:ln w="11430">
-                <a:solidFill>
-                  <a:srgbClr val="FFFF00"/>
-                </a:solidFill>
-              </a:ln>
+              </a:endParaRPr>
+            </a:p>
+          </p:txBody>
+        </p:sp>
+        <p:sp>
+          <p:nvSpPr>
+            <p:cNvPr id="61" name="직사각형 60"/>
+            <p:cNvSpPr/>
+            <p:nvPr/>
+          </p:nvSpPr>
+          <p:spPr>
+            <a:xfrm>
+              <a:off x="4860032" y="3140968"/>
+              <a:ext cx="1080120" cy="360040"/>
+            </a:xfrm>
+            <a:prstGeom prst="rect">
+              <a:avLst/>
+            </a:prstGeom>
+            <a:noFill/>
+            <a:ln w="38100">
               <a:solidFill>
                 <a:srgbClr val="FFFF00"/>
               </a:solidFill>
-              <a:effectLst>
-                <a:glow rad="139700">
-                  <a:schemeClr val="accent3">
-                    <a:satMod val="175000"/>
-                    <a:alpha val="40000"/>
-                  </a:schemeClr>
-                </a:glow>
-                <a:outerShdw blurRad="80000" dist="40000" dir="5040000" algn="tl">
-                  <a:srgbClr val="000000">
-                    <a:alpha val="30000"/>
-                  </a:srgbClr>
-                </a:outerShdw>
-              </a:effectLst>
-            </a:endParaRPr>
-          </a:p>
-        </p:txBody>
-      </p:sp>
-      <p:sp>
-        <p:nvSpPr>
-          <p:cNvPr id="61" name="직사각형 60"/>
-          <p:cNvSpPr/>
-          <p:nvPr/>
-        </p:nvSpPr>
-        <p:spPr>
-          <a:xfrm>
-            <a:off x="4860032" y="3140968"/>
-            <a:ext cx="1080120" cy="360040"/>
-          </a:xfrm>
-          <a:prstGeom prst="rect">
-            <a:avLst/>
-          </a:prstGeom>
-          <a:noFill/>
-          <a:ln w="38100">
-            <a:solidFill>
-              <a:srgbClr val="FFFF00"/>
-            </a:solidFill>
-            <a:prstDash val="solid"/>
-          </a:ln>
-          <a:effectLst/>
-          <a:scene3d>
-            <a:camera prst="orthographicFront"/>
-            <a:lightRig rig="threePt" dir="t"/>
-          </a:scene3d>
-          <a:sp3d/>
-        </p:spPr>
-        <p:style>
-          <a:lnRef idx="2">
-            <a:schemeClr val="accent1">
-              <a:shade val="50000"/>
-            </a:schemeClr>
-          </a:lnRef>
-          <a:fillRef idx="1">
-            <a:schemeClr val="accent1"/>
-          </a:fillRef>
-          <a:effectRef idx="0">
-            <a:schemeClr val="accent1"/>
-          </a:effectRef>
-          <a:fontRef idx="minor">
-            <a:schemeClr val="lt1"/>
-          </a:fontRef>
-        </p:style>
-        <p:txBody>
-          <a:bodyPr rtlCol="0" anchor="ctr">
+              <a:prstDash val="solid"/>
+            </a:ln>
+            <a:effectLst/>
             <a:scene3d>
               <a:camera prst="orthographicFront"/>
-              <a:lightRig rig="soft" dir="tl">
-                <a:rot lat="0" lon="0" rev="0"/>
-              </a:lightRig>
+              <a:lightRig rig="threePt" dir="t"/>
             </a:scene3d>
-            <a:sp3d contourW="25400" prstMaterial="matte">
-              <a:bevelT w="25400" h="55880" prst="artDeco"/>
-              <a:contourClr>
-                <a:schemeClr val="accent2">
-                  <a:tint val="20000"/>
-                </a:schemeClr>
-              </a:contourClr>
-            </a:sp3d>
-          </a:bodyPr>
-          <a:lstStyle/>
-          <a:p>
-            <a:pPr algn="ctr"/>
-            <a:endParaRPr lang="ko-KR" altLang="en-US" b="1" spc="50" dirty="0" smtClean="0">
-              <a:ln w="11430">
+            <a:sp3d/>
+          </p:spPr>
+          <p:style>
+            <a:lnRef idx="2">
+              <a:schemeClr val="accent1">
+                <a:shade val="50000"/>
+              </a:schemeClr>
+            </a:lnRef>
+            <a:fillRef idx="1">
+              <a:schemeClr val="accent1"/>
+            </a:fillRef>
+            <a:effectRef idx="0">
+              <a:schemeClr val="accent1"/>
+            </a:effectRef>
+            <a:fontRef idx="minor">
+              <a:schemeClr val="lt1"/>
+            </a:fontRef>
+          </p:style>
+          <p:txBody>
+            <a:bodyPr rtlCol="0" anchor="ctr">
+              <a:scene3d>
+                <a:camera prst="orthographicFront"/>
+                <a:lightRig rig="soft" dir="tl">
+                  <a:rot lat="0" lon="0" rev="0"/>
+                </a:lightRig>
+              </a:scene3d>
+              <a:sp3d contourW="25400" prstMaterial="matte">
+                <a:bevelT w="25400" h="55880" prst="artDeco"/>
+                <a:contourClr>
+                  <a:schemeClr val="accent2">
+                    <a:tint val="20000"/>
+                  </a:schemeClr>
+                </a:contourClr>
+              </a:sp3d>
+            </a:bodyPr>
+            <a:lstStyle/>
+            <a:p>
+              <a:pPr algn="ctr"/>
+              <a:endParaRPr lang="ko-KR" altLang="en-US" b="1" spc="50" dirty="0" smtClean="0">
+                <a:ln w="11430">
+                  <a:solidFill>
+                    <a:srgbClr val="00B050"/>
+                  </a:solidFill>
+                </a:ln>
                 <a:solidFill>
                   <a:srgbClr val="00B050"/>
                 </a:solidFill>
-              </a:ln>
-              <a:solidFill>
-                <a:srgbClr val="00B050"/>
-              </a:solidFill>
-              <a:effectLst>
-                <a:glow rad="228600">
+                <a:effectLst>
+                  <a:glow rad="228600">
+                    <a:schemeClr val="accent6">
+                      <a:satMod val="175000"/>
+                      <a:alpha val="40000"/>
+                    </a:schemeClr>
+                  </a:glow>
+                  <a:outerShdw blurRad="50800" dist="38100" dir="2700000" algn="tl" rotWithShape="0">
+                    <a:prstClr val="black">
+                      <a:alpha val="40000"/>
+                    </a:prstClr>
+                  </a:outerShdw>
+                </a:effectLst>
+              </a:endParaRPr>
+            </a:p>
+          </p:txBody>
+        </p:sp>
+        <p:sp>
+          <p:nvSpPr>
+            <p:cNvPr id="62" name="직사각형 61"/>
+            <p:cNvSpPr/>
+            <p:nvPr/>
+          </p:nvSpPr>
+          <p:spPr>
+            <a:xfrm>
+              <a:off x="4644008" y="3028890"/>
+              <a:ext cx="432048" cy="400110"/>
+            </a:xfrm>
+            <a:prstGeom prst="rect">
+              <a:avLst/>
+            </a:prstGeom>
+            <a:noFill/>
+          </p:spPr>
+          <p:txBody>
+            <a:bodyPr wrap="square" lIns="91440" tIns="45720" rIns="91440" bIns="45720">
+              <a:spAutoFit/>
+              <a:scene3d>
+                <a:camera prst="orthographicFront"/>
+                <a:lightRig rig="glow" dir="tl">
+                  <a:rot lat="0" lon="0" rev="5400000"/>
+                </a:lightRig>
+              </a:scene3d>
+              <a:sp3d extrusionH="57150" contourW="12700">
+                <a:bevelT w="25400" h="25400"/>
+                <a:contourClr>
                   <a:schemeClr val="accent6">
-                    <a:satMod val="175000"/>
-                    <a:alpha val="40000"/>
+                    <a:shade val="73000"/>
                   </a:schemeClr>
-                </a:glow>
-                <a:outerShdw blurRad="50800" dist="38100" dir="2700000" algn="tl" rotWithShape="0">
-                  <a:prstClr val="black">
-                    <a:alpha val="40000"/>
-                  </a:prstClr>
-                </a:outerShdw>
-              </a:effectLst>
-            </a:endParaRPr>
-          </a:p>
-        </p:txBody>
-      </p:sp>
-      <p:sp>
-        <p:nvSpPr>
-          <p:cNvPr id="62" name="직사각형 61"/>
-          <p:cNvSpPr/>
-          <p:nvPr/>
-        </p:nvSpPr>
-        <p:spPr>
-          <a:xfrm>
-            <a:off x="4644008" y="3028890"/>
-            <a:ext cx="432048" cy="400110"/>
-          </a:xfrm>
-          <a:prstGeom prst="rect">
-            <a:avLst/>
-          </a:prstGeom>
-          <a:noFill/>
-        </p:spPr>
-        <p:txBody>
-          <a:bodyPr wrap="square" lIns="91440" tIns="45720" rIns="91440" bIns="45720">
-            <a:spAutoFit/>
-            <a:scene3d>
-              <a:camera prst="orthographicFront"/>
-              <a:lightRig rig="glow" dir="tl">
-                <a:rot lat="0" lon="0" rev="5400000"/>
-              </a:lightRig>
-            </a:scene3d>
-            <a:sp3d extrusionH="57150" contourW="12700">
-              <a:bevelT w="25400" h="25400"/>
-              <a:contourClr>
-                <a:schemeClr val="accent6">
-                  <a:shade val="73000"/>
-                </a:schemeClr>
-              </a:contourClr>
-            </a:sp3d>
-          </a:bodyPr>
-          <a:lstStyle/>
-          <a:p>
-            <a:pPr algn="ctr"/>
-            <a:r>
-              <a:rPr lang="ko-KR" altLang="en-US" sz="2000" b="1" dirty="0" smtClean="0">
+                </a:contourClr>
+              </a:sp3d>
+            </a:bodyPr>
+            <a:lstStyle/>
+            <a:p>
+              <a:pPr algn="ctr"/>
+              <a:r>
+                <a:rPr lang="ko-KR" altLang="en-US" sz="2000" b="1" dirty="0" smtClean="0">
+                  <a:ln w="11430">
+                    <a:solidFill>
+                      <a:srgbClr val="FFFF00"/>
+                    </a:solidFill>
+                  </a:ln>
+                  <a:solidFill>
+                    <a:srgbClr val="FFFF00"/>
+                  </a:solidFill>
+                  <a:effectLst>
+                    <a:glow rad="139700">
+                      <a:schemeClr val="accent3">
+                        <a:satMod val="175000"/>
+                        <a:alpha val="40000"/>
+                      </a:schemeClr>
+                    </a:glow>
+                    <a:outerShdw blurRad="80000" dist="40000" dir="5040000" algn="tl">
+                      <a:srgbClr val="000000">
+                        <a:alpha val="30000"/>
+                      </a:srgbClr>
+                    </a:outerShdw>
+                  </a:effectLst>
+                </a:rPr>
+                <a:t>㉢</a:t>
+              </a:r>
+              <a:endParaRPr lang="en-US" altLang="ko-KR" sz="2000" b="1" cap="none" spc="0" dirty="0">
                 <a:ln w="11430">
                   <a:solidFill>
                     <a:srgbClr val="FFFF00"/>
@@ -8241,164 +9276,164 @@
                     </a:srgbClr>
                   </a:outerShdw>
                 </a:effectLst>
-              </a:rPr>
-              <a:t>㉢</a:t>
-            </a:r>
-            <a:endParaRPr lang="en-US" altLang="ko-KR" sz="2000" b="1" cap="none" spc="0" dirty="0">
-              <a:ln w="11430">
-                <a:solidFill>
-                  <a:srgbClr val="FFFF00"/>
-                </a:solidFill>
-              </a:ln>
+              </a:endParaRPr>
+            </a:p>
+          </p:txBody>
+        </p:sp>
+        <p:sp>
+          <p:nvSpPr>
+            <p:cNvPr id="63" name="직사각형 62"/>
+            <p:cNvSpPr/>
+            <p:nvPr/>
+          </p:nvSpPr>
+          <p:spPr>
+            <a:xfrm>
+              <a:off x="4860032" y="3573016"/>
+              <a:ext cx="1080120" cy="360040"/>
+            </a:xfrm>
+            <a:prstGeom prst="rect">
+              <a:avLst/>
+            </a:prstGeom>
+            <a:noFill/>
+            <a:ln w="38100">
               <a:solidFill>
                 <a:srgbClr val="FFFF00"/>
               </a:solidFill>
-              <a:effectLst>
-                <a:glow rad="139700">
-                  <a:schemeClr val="accent3">
-                    <a:satMod val="175000"/>
-                    <a:alpha val="40000"/>
-                  </a:schemeClr>
-                </a:glow>
-                <a:outerShdw blurRad="80000" dist="40000" dir="5040000" algn="tl">
-                  <a:srgbClr val="000000">
-                    <a:alpha val="30000"/>
-                  </a:srgbClr>
-                </a:outerShdw>
-              </a:effectLst>
-            </a:endParaRPr>
-          </a:p>
-        </p:txBody>
-      </p:sp>
-      <p:sp>
-        <p:nvSpPr>
-          <p:cNvPr id="63" name="직사각형 62"/>
-          <p:cNvSpPr/>
-          <p:nvPr/>
-        </p:nvSpPr>
-        <p:spPr>
-          <a:xfrm>
-            <a:off x="4860032" y="3573016"/>
-            <a:ext cx="1080120" cy="360040"/>
-          </a:xfrm>
-          <a:prstGeom prst="rect">
-            <a:avLst/>
-          </a:prstGeom>
-          <a:noFill/>
-          <a:ln w="38100">
-            <a:solidFill>
-              <a:srgbClr val="FFFF00"/>
-            </a:solidFill>
-            <a:prstDash val="solid"/>
-          </a:ln>
-          <a:effectLst/>
-          <a:scene3d>
-            <a:camera prst="orthographicFront"/>
-            <a:lightRig rig="threePt" dir="t"/>
-          </a:scene3d>
-          <a:sp3d/>
-        </p:spPr>
-        <p:style>
-          <a:lnRef idx="2">
-            <a:schemeClr val="accent1">
-              <a:shade val="50000"/>
-            </a:schemeClr>
-          </a:lnRef>
-          <a:fillRef idx="1">
-            <a:schemeClr val="accent1"/>
-          </a:fillRef>
-          <a:effectRef idx="0">
-            <a:schemeClr val="accent1"/>
-          </a:effectRef>
-          <a:fontRef idx="minor">
-            <a:schemeClr val="lt1"/>
-          </a:fontRef>
-        </p:style>
-        <p:txBody>
-          <a:bodyPr rtlCol="0" anchor="ctr">
+              <a:prstDash val="solid"/>
+            </a:ln>
+            <a:effectLst/>
             <a:scene3d>
               <a:camera prst="orthographicFront"/>
-              <a:lightRig rig="soft" dir="tl">
-                <a:rot lat="0" lon="0" rev="0"/>
-              </a:lightRig>
+              <a:lightRig rig="threePt" dir="t"/>
             </a:scene3d>
-            <a:sp3d contourW="25400" prstMaterial="matte">
-              <a:bevelT w="25400" h="55880" prst="artDeco"/>
-              <a:contourClr>
-                <a:schemeClr val="accent2">
-                  <a:tint val="20000"/>
-                </a:schemeClr>
-              </a:contourClr>
-            </a:sp3d>
-          </a:bodyPr>
-          <a:lstStyle/>
-          <a:p>
-            <a:pPr algn="ctr"/>
-            <a:endParaRPr lang="ko-KR" altLang="en-US" b="1" spc="50" dirty="0" smtClean="0">
-              <a:ln w="11430">
+            <a:sp3d/>
+          </p:spPr>
+          <p:style>
+            <a:lnRef idx="2">
+              <a:schemeClr val="accent1">
+                <a:shade val="50000"/>
+              </a:schemeClr>
+            </a:lnRef>
+            <a:fillRef idx="1">
+              <a:schemeClr val="accent1"/>
+            </a:fillRef>
+            <a:effectRef idx="0">
+              <a:schemeClr val="accent1"/>
+            </a:effectRef>
+            <a:fontRef idx="minor">
+              <a:schemeClr val="lt1"/>
+            </a:fontRef>
+          </p:style>
+          <p:txBody>
+            <a:bodyPr rtlCol="0" anchor="ctr">
+              <a:scene3d>
+                <a:camera prst="orthographicFront"/>
+                <a:lightRig rig="soft" dir="tl">
+                  <a:rot lat="0" lon="0" rev="0"/>
+                </a:lightRig>
+              </a:scene3d>
+              <a:sp3d contourW="25400" prstMaterial="matte">
+                <a:bevelT w="25400" h="55880" prst="artDeco"/>
+                <a:contourClr>
+                  <a:schemeClr val="accent2">
+                    <a:tint val="20000"/>
+                  </a:schemeClr>
+                </a:contourClr>
+              </a:sp3d>
+            </a:bodyPr>
+            <a:lstStyle/>
+            <a:p>
+              <a:pPr algn="ctr"/>
+              <a:endParaRPr lang="ko-KR" altLang="en-US" b="1" spc="50" dirty="0" smtClean="0">
+                <a:ln w="11430">
+                  <a:solidFill>
+                    <a:srgbClr val="00B050"/>
+                  </a:solidFill>
+                </a:ln>
                 <a:solidFill>
                   <a:srgbClr val="00B050"/>
                 </a:solidFill>
-              </a:ln>
-              <a:solidFill>
-                <a:srgbClr val="00B050"/>
-              </a:solidFill>
-              <a:effectLst>
-                <a:glow rad="228600">
+                <a:effectLst>
+                  <a:glow rad="228600">
+                    <a:schemeClr val="accent6">
+                      <a:satMod val="175000"/>
+                      <a:alpha val="40000"/>
+                    </a:schemeClr>
+                  </a:glow>
+                  <a:outerShdw blurRad="50800" dist="38100" dir="2700000" algn="tl" rotWithShape="0">
+                    <a:prstClr val="black">
+                      <a:alpha val="40000"/>
+                    </a:prstClr>
+                  </a:outerShdw>
+                </a:effectLst>
+              </a:endParaRPr>
+            </a:p>
+          </p:txBody>
+        </p:sp>
+        <p:sp>
+          <p:nvSpPr>
+            <p:cNvPr id="64" name="직사각형 63"/>
+            <p:cNvSpPr/>
+            <p:nvPr/>
+          </p:nvSpPr>
+          <p:spPr>
+            <a:xfrm>
+              <a:off x="4644008" y="3460938"/>
+              <a:ext cx="432048" cy="400110"/>
+            </a:xfrm>
+            <a:prstGeom prst="rect">
+              <a:avLst/>
+            </a:prstGeom>
+            <a:noFill/>
+          </p:spPr>
+          <p:txBody>
+            <a:bodyPr wrap="square" lIns="91440" tIns="45720" rIns="91440" bIns="45720">
+              <a:spAutoFit/>
+              <a:scene3d>
+                <a:camera prst="orthographicFront"/>
+                <a:lightRig rig="glow" dir="tl">
+                  <a:rot lat="0" lon="0" rev="5400000"/>
+                </a:lightRig>
+              </a:scene3d>
+              <a:sp3d extrusionH="57150" contourW="12700">
+                <a:bevelT w="25400" h="25400"/>
+                <a:contourClr>
                   <a:schemeClr val="accent6">
-                    <a:satMod val="175000"/>
-                    <a:alpha val="40000"/>
+                    <a:shade val="73000"/>
                   </a:schemeClr>
-                </a:glow>
-                <a:outerShdw blurRad="50800" dist="38100" dir="2700000" algn="tl" rotWithShape="0">
-                  <a:prstClr val="black">
-                    <a:alpha val="40000"/>
-                  </a:prstClr>
-                </a:outerShdw>
-              </a:effectLst>
-            </a:endParaRPr>
-          </a:p>
-        </p:txBody>
-      </p:sp>
-      <p:sp>
-        <p:nvSpPr>
-          <p:cNvPr id="64" name="직사각형 63"/>
-          <p:cNvSpPr/>
-          <p:nvPr/>
-        </p:nvSpPr>
-        <p:spPr>
-          <a:xfrm>
-            <a:off x="4644008" y="3460938"/>
-            <a:ext cx="432048" cy="400110"/>
-          </a:xfrm>
-          <a:prstGeom prst="rect">
-            <a:avLst/>
-          </a:prstGeom>
-          <a:noFill/>
-        </p:spPr>
-        <p:txBody>
-          <a:bodyPr wrap="square" lIns="91440" tIns="45720" rIns="91440" bIns="45720">
-            <a:spAutoFit/>
-            <a:scene3d>
-              <a:camera prst="orthographicFront"/>
-              <a:lightRig rig="glow" dir="tl">
-                <a:rot lat="0" lon="0" rev="5400000"/>
-              </a:lightRig>
-            </a:scene3d>
-            <a:sp3d extrusionH="57150" contourW="12700">
-              <a:bevelT w="25400" h="25400"/>
-              <a:contourClr>
-                <a:schemeClr val="accent6">
-                  <a:shade val="73000"/>
-                </a:schemeClr>
-              </a:contourClr>
-            </a:sp3d>
-          </a:bodyPr>
-          <a:lstStyle/>
-          <a:p>
-            <a:pPr algn="ctr"/>
-            <a:r>
-              <a:rPr lang="ko-KR" altLang="en-US" sz="2000" b="1" dirty="0" smtClean="0">
+                </a:contourClr>
+              </a:sp3d>
+            </a:bodyPr>
+            <a:lstStyle/>
+            <a:p>
+              <a:pPr algn="ctr"/>
+              <a:r>
+                <a:rPr lang="ko-KR" altLang="en-US" sz="2000" b="1" dirty="0" smtClean="0">
+                  <a:ln w="11430">
+                    <a:solidFill>
+                      <a:srgbClr val="FFFF00"/>
+                    </a:solidFill>
+                  </a:ln>
+                  <a:solidFill>
+                    <a:srgbClr val="FFFF00"/>
+                  </a:solidFill>
+                  <a:effectLst>
+                    <a:glow rad="139700">
+                      <a:schemeClr val="accent3">
+                        <a:satMod val="175000"/>
+                        <a:alpha val="40000"/>
+                      </a:schemeClr>
+                    </a:glow>
+                    <a:outerShdw blurRad="80000" dist="40000" dir="5040000" algn="tl">
+                      <a:srgbClr val="000000">
+                        <a:alpha val="30000"/>
+                      </a:srgbClr>
+                    </a:outerShdw>
+                  </a:effectLst>
+                </a:rPr>
+                <a:t>㉣</a:t>
+              </a:r>
+              <a:endParaRPr lang="en-US" altLang="ko-KR" sz="2000" b="1" cap="none" spc="0" dirty="0">
                 <a:ln w="11430">
                   <a:solidFill>
                     <a:srgbClr val="FFFF00"/>
@@ -8420,164 +9455,164 @@
                     </a:srgbClr>
                   </a:outerShdw>
                 </a:effectLst>
-              </a:rPr>
-              <a:t>㉣</a:t>
-            </a:r>
-            <a:endParaRPr lang="en-US" altLang="ko-KR" sz="2000" b="1" cap="none" spc="0" dirty="0">
-              <a:ln w="11430">
-                <a:solidFill>
-                  <a:srgbClr val="FFFF00"/>
-                </a:solidFill>
-              </a:ln>
+              </a:endParaRPr>
+            </a:p>
+          </p:txBody>
+        </p:sp>
+        <p:sp>
+          <p:nvSpPr>
+            <p:cNvPr id="96" name="직사각형 95"/>
+            <p:cNvSpPr/>
+            <p:nvPr/>
+          </p:nvSpPr>
+          <p:spPr>
+            <a:xfrm>
+              <a:off x="4860032" y="4005064"/>
+              <a:ext cx="1080120" cy="288032"/>
+            </a:xfrm>
+            <a:prstGeom prst="rect">
+              <a:avLst/>
+            </a:prstGeom>
+            <a:noFill/>
+            <a:ln w="38100">
               <a:solidFill>
                 <a:srgbClr val="FFFF00"/>
               </a:solidFill>
-              <a:effectLst>
-                <a:glow rad="139700">
-                  <a:schemeClr val="accent3">
-                    <a:satMod val="175000"/>
-                    <a:alpha val="40000"/>
-                  </a:schemeClr>
-                </a:glow>
-                <a:outerShdw blurRad="80000" dist="40000" dir="5040000" algn="tl">
-                  <a:srgbClr val="000000">
-                    <a:alpha val="30000"/>
-                  </a:srgbClr>
-                </a:outerShdw>
-              </a:effectLst>
-            </a:endParaRPr>
-          </a:p>
-        </p:txBody>
-      </p:sp>
-      <p:sp>
-        <p:nvSpPr>
-          <p:cNvPr id="96" name="직사각형 95"/>
-          <p:cNvSpPr/>
-          <p:nvPr/>
-        </p:nvSpPr>
-        <p:spPr>
-          <a:xfrm>
-            <a:off x="4860032" y="4005064"/>
-            <a:ext cx="1080120" cy="288032"/>
-          </a:xfrm>
-          <a:prstGeom prst="rect">
-            <a:avLst/>
-          </a:prstGeom>
-          <a:noFill/>
-          <a:ln w="38100">
-            <a:solidFill>
-              <a:srgbClr val="FFFF00"/>
-            </a:solidFill>
-            <a:prstDash val="solid"/>
-          </a:ln>
-          <a:effectLst/>
-          <a:scene3d>
-            <a:camera prst="orthographicFront"/>
-            <a:lightRig rig="threePt" dir="t"/>
-          </a:scene3d>
-          <a:sp3d/>
-        </p:spPr>
-        <p:style>
-          <a:lnRef idx="2">
-            <a:schemeClr val="accent1">
-              <a:shade val="50000"/>
-            </a:schemeClr>
-          </a:lnRef>
-          <a:fillRef idx="1">
-            <a:schemeClr val="accent1"/>
-          </a:fillRef>
-          <a:effectRef idx="0">
-            <a:schemeClr val="accent1"/>
-          </a:effectRef>
-          <a:fontRef idx="minor">
-            <a:schemeClr val="lt1"/>
-          </a:fontRef>
-        </p:style>
-        <p:txBody>
-          <a:bodyPr rtlCol="0" anchor="ctr">
+              <a:prstDash val="solid"/>
+            </a:ln>
+            <a:effectLst/>
             <a:scene3d>
               <a:camera prst="orthographicFront"/>
-              <a:lightRig rig="soft" dir="tl">
-                <a:rot lat="0" lon="0" rev="0"/>
-              </a:lightRig>
+              <a:lightRig rig="threePt" dir="t"/>
             </a:scene3d>
-            <a:sp3d contourW="25400" prstMaterial="matte">
-              <a:bevelT w="25400" h="55880" prst="artDeco"/>
-              <a:contourClr>
-                <a:schemeClr val="accent2">
-                  <a:tint val="20000"/>
-                </a:schemeClr>
-              </a:contourClr>
-            </a:sp3d>
-          </a:bodyPr>
-          <a:lstStyle/>
-          <a:p>
-            <a:pPr algn="ctr"/>
-            <a:endParaRPr lang="ko-KR" altLang="en-US" b="1" spc="50" dirty="0" smtClean="0">
-              <a:ln w="11430">
+            <a:sp3d/>
+          </p:spPr>
+          <p:style>
+            <a:lnRef idx="2">
+              <a:schemeClr val="accent1">
+                <a:shade val="50000"/>
+              </a:schemeClr>
+            </a:lnRef>
+            <a:fillRef idx="1">
+              <a:schemeClr val="accent1"/>
+            </a:fillRef>
+            <a:effectRef idx="0">
+              <a:schemeClr val="accent1"/>
+            </a:effectRef>
+            <a:fontRef idx="minor">
+              <a:schemeClr val="lt1"/>
+            </a:fontRef>
+          </p:style>
+          <p:txBody>
+            <a:bodyPr rtlCol="0" anchor="ctr">
+              <a:scene3d>
+                <a:camera prst="orthographicFront"/>
+                <a:lightRig rig="soft" dir="tl">
+                  <a:rot lat="0" lon="0" rev="0"/>
+                </a:lightRig>
+              </a:scene3d>
+              <a:sp3d contourW="25400" prstMaterial="matte">
+                <a:bevelT w="25400" h="55880" prst="artDeco"/>
+                <a:contourClr>
+                  <a:schemeClr val="accent2">
+                    <a:tint val="20000"/>
+                  </a:schemeClr>
+                </a:contourClr>
+              </a:sp3d>
+            </a:bodyPr>
+            <a:lstStyle/>
+            <a:p>
+              <a:pPr algn="ctr"/>
+              <a:endParaRPr lang="ko-KR" altLang="en-US" b="1" spc="50" dirty="0" smtClean="0">
+                <a:ln w="11430">
+                  <a:solidFill>
+                    <a:srgbClr val="00B050"/>
+                  </a:solidFill>
+                </a:ln>
                 <a:solidFill>
                   <a:srgbClr val="00B050"/>
                 </a:solidFill>
-              </a:ln>
-              <a:solidFill>
-                <a:srgbClr val="00B050"/>
-              </a:solidFill>
-              <a:effectLst>
-                <a:glow rad="228600">
+                <a:effectLst>
+                  <a:glow rad="228600">
+                    <a:schemeClr val="accent6">
+                      <a:satMod val="175000"/>
+                      <a:alpha val="40000"/>
+                    </a:schemeClr>
+                  </a:glow>
+                  <a:outerShdw blurRad="50800" dist="38100" dir="2700000" algn="tl" rotWithShape="0">
+                    <a:prstClr val="black">
+                      <a:alpha val="40000"/>
+                    </a:prstClr>
+                  </a:outerShdw>
+                </a:effectLst>
+              </a:endParaRPr>
+            </a:p>
+          </p:txBody>
+        </p:sp>
+        <p:sp>
+          <p:nvSpPr>
+            <p:cNvPr id="97" name="직사각형 96"/>
+            <p:cNvSpPr/>
+            <p:nvPr/>
+          </p:nvSpPr>
+          <p:spPr>
+            <a:xfrm>
+              <a:off x="4644008" y="3861048"/>
+              <a:ext cx="432048" cy="400110"/>
+            </a:xfrm>
+            <a:prstGeom prst="rect">
+              <a:avLst/>
+            </a:prstGeom>
+            <a:noFill/>
+          </p:spPr>
+          <p:txBody>
+            <a:bodyPr wrap="square" lIns="91440" tIns="45720" rIns="91440" bIns="45720">
+              <a:spAutoFit/>
+              <a:scene3d>
+                <a:camera prst="orthographicFront"/>
+                <a:lightRig rig="glow" dir="tl">
+                  <a:rot lat="0" lon="0" rev="5400000"/>
+                </a:lightRig>
+              </a:scene3d>
+              <a:sp3d extrusionH="57150" contourW="12700">
+                <a:bevelT w="25400" h="25400"/>
+                <a:contourClr>
                   <a:schemeClr val="accent6">
-                    <a:satMod val="175000"/>
-                    <a:alpha val="40000"/>
+                    <a:shade val="73000"/>
                   </a:schemeClr>
-                </a:glow>
-                <a:outerShdw blurRad="50800" dist="38100" dir="2700000" algn="tl" rotWithShape="0">
-                  <a:prstClr val="black">
-                    <a:alpha val="40000"/>
-                  </a:prstClr>
-                </a:outerShdw>
-              </a:effectLst>
-            </a:endParaRPr>
-          </a:p>
-        </p:txBody>
-      </p:sp>
-      <p:sp>
-        <p:nvSpPr>
-          <p:cNvPr id="97" name="직사각형 96"/>
-          <p:cNvSpPr/>
-          <p:nvPr/>
-        </p:nvSpPr>
-        <p:spPr>
-          <a:xfrm>
-            <a:off x="4644008" y="3861048"/>
-            <a:ext cx="432048" cy="400110"/>
-          </a:xfrm>
-          <a:prstGeom prst="rect">
-            <a:avLst/>
-          </a:prstGeom>
-          <a:noFill/>
-        </p:spPr>
-        <p:txBody>
-          <a:bodyPr wrap="square" lIns="91440" tIns="45720" rIns="91440" bIns="45720">
-            <a:spAutoFit/>
-            <a:scene3d>
-              <a:camera prst="orthographicFront"/>
-              <a:lightRig rig="glow" dir="tl">
-                <a:rot lat="0" lon="0" rev="5400000"/>
-              </a:lightRig>
-            </a:scene3d>
-            <a:sp3d extrusionH="57150" contourW="12700">
-              <a:bevelT w="25400" h="25400"/>
-              <a:contourClr>
-                <a:schemeClr val="accent6">
-                  <a:shade val="73000"/>
-                </a:schemeClr>
-              </a:contourClr>
-            </a:sp3d>
-          </a:bodyPr>
-          <a:lstStyle/>
-          <a:p>
-            <a:pPr algn="ctr"/>
-            <a:r>
-              <a:rPr lang="ko-KR" altLang="en-US" sz="2000" b="1" dirty="0" smtClean="0">
+                </a:contourClr>
+              </a:sp3d>
+            </a:bodyPr>
+            <a:lstStyle/>
+            <a:p>
+              <a:pPr algn="ctr"/>
+              <a:r>
+                <a:rPr lang="ko-KR" altLang="en-US" sz="2000" b="1" dirty="0" smtClean="0">
+                  <a:ln w="11430">
+                    <a:solidFill>
+                      <a:srgbClr val="FFFF00"/>
+                    </a:solidFill>
+                  </a:ln>
+                  <a:solidFill>
+                    <a:srgbClr val="FFFF00"/>
+                  </a:solidFill>
+                  <a:effectLst>
+                    <a:glow rad="139700">
+                      <a:schemeClr val="accent3">
+                        <a:satMod val="175000"/>
+                        <a:alpha val="40000"/>
+                      </a:schemeClr>
+                    </a:glow>
+                    <a:outerShdw blurRad="80000" dist="40000" dir="5040000" algn="tl">
+                      <a:srgbClr val="000000">
+                        <a:alpha val="30000"/>
+                      </a:srgbClr>
+                    </a:outerShdw>
+                  </a:effectLst>
+                </a:rPr>
+                <a:t>㉤</a:t>
+              </a:r>
+              <a:endParaRPr lang="en-US" altLang="ko-KR" sz="2000" b="1" cap="none" spc="0" dirty="0">
                 <a:ln w="11430">
                   <a:solidFill>
                     <a:srgbClr val="FFFF00"/>
@@ -8599,164 +9634,164 @@
                     </a:srgbClr>
                   </a:outerShdw>
                 </a:effectLst>
-              </a:rPr>
-              <a:t>㉤</a:t>
-            </a:r>
-            <a:endParaRPr lang="en-US" altLang="ko-KR" sz="2000" b="1" cap="none" spc="0" dirty="0">
-              <a:ln w="11430">
-                <a:solidFill>
-                  <a:srgbClr val="FFFF00"/>
-                </a:solidFill>
-              </a:ln>
+              </a:endParaRPr>
+            </a:p>
+          </p:txBody>
+        </p:sp>
+        <p:sp>
+          <p:nvSpPr>
+            <p:cNvPr id="98" name="직사각형 97"/>
+            <p:cNvSpPr/>
+            <p:nvPr/>
+          </p:nvSpPr>
+          <p:spPr>
+            <a:xfrm>
+              <a:off x="4860032" y="4365104"/>
+              <a:ext cx="1080120" cy="360040"/>
+            </a:xfrm>
+            <a:prstGeom prst="rect">
+              <a:avLst/>
+            </a:prstGeom>
+            <a:noFill/>
+            <a:ln w="38100">
               <a:solidFill>
                 <a:srgbClr val="FFFF00"/>
               </a:solidFill>
-              <a:effectLst>
-                <a:glow rad="139700">
-                  <a:schemeClr val="accent3">
-                    <a:satMod val="175000"/>
-                    <a:alpha val="40000"/>
-                  </a:schemeClr>
-                </a:glow>
-                <a:outerShdw blurRad="80000" dist="40000" dir="5040000" algn="tl">
-                  <a:srgbClr val="000000">
-                    <a:alpha val="30000"/>
-                  </a:srgbClr>
-                </a:outerShdw>
-              </a:effectLst>
-            </a:endParaRPr>
-          </a:p>
-        </p:txBody>
-      </p:sp>
-      <p:sp>
-        <p:nvSpPr>
-          <p:cNvPr id="98" name="직사각형 97"/>
-          <p:cNvSpPr/>
-          <p:nvPr/>
-        </p:nvSpPr>
-        <p:spPr>
-          <a:xfrm>
-            <a:off x="4860032" y="4365104"/>
-            <a:ext cx="1080120" cy="360040"/>
-          </a:xfrm>
-          <a:prstGeom prst="rect">
-            <a:avLst/>
-          </a:prstGeom>
-          <a:noFill/>
-          <a:ln w="38100">
-            <a:solidFill>
-              <a:srgbClr val="FFFF00"/>
-            </a:solidFill>
-            <a:prstDash val="solid"/>
-          </a:ln>
-          <a:effectLst/>
-          <a:scene3d>
-            <a:camera prst="orthographicFront"/>
-            <a:lightRig rig="threePt" dir="t"/>
-          </a:scene3d>
-          <a:sp3d/>
-        </p:spPr>
-        <p:style>
-          <a:lnRef idx="2">
-            <a:schemeClr val="accent1">
-              <a:shade val="50000"/>
-            </a:schemeClr>
-          </a:lnRef>
-          <a:fillRef idx="1">
-            <a:schemeClr val="accent1"/>
-          </a:fillRef>
-          <a:effectRef idx="0">
-            <a:schemeClr val="accent1"/>
-          </a:effectRef>
-          <a:fontRef idx="minor">
-            <a:schemeClr val="lt1"/>
-          </a:fontRef>
-        </p:style>
-        <p:txBody>
-          <a:bodyPr rtlCol="0" anchor="ctr">
+              <a:prstDash val="solid"/>
+            </a:ln>
+            <a:effectLst/>
             <a:scene3d>
               <a:camera prst="orthographicFront"/>
-              <a:lightRig rig="soft" dir="tl">
-                <a:rot lat="0" lon="0" rev="0"/>
-              </a:lightRig>
+              <a:lightRig rig="threePt" dir="t"/>
             </a:scene3d>
-            <a:sp3d contourW="25400" prstMaterial="matte">
-              <a:bevelT w="25400" h="55880" prst="artDeco"/>
-              <a:contourClr>
-                <a:schemeClr val="accent2">
-                  <a:tint val="20000"/>
-                </a:schemeClr>
-              </a:contourClr>
-            </a:sp3d>
-          </a:bodyPr>
-          <a:lstStyle/>
-          <a:p>
-            <a:pPr algn="ctr"/>
-            <a:endParaRPr lang="ko-KR" altLang="en-US" b="1" spc="50" dirty="0" smtClean="0">
-              <a:ln w="11430">
+            <a:sp3d/>
+          </p:spPr>
+          <p:style>
+            <a:lnRef idx="2">
+              <a:schemeClr val="accent1">
+                <a:shade val="50000"/>
+              </a:schemeClr>
+            </a:lnRef>
+            <a:fillRef idx="1">
+              <a:schemeClr val="accent1"/>
+            </a:fillRef>
+            <a:effectRef idx="0">
+              <a:schemeClr val="accent1"/>
+            </a:effectRef>
+            <a:fontRef idx="minor">
+              <a:schemeClr val="lt1"/>
+            </a:fontRef>
+          </p:style>
+          <p:txBody>
+            <a:bodyPr rtlCol="0" anchor="ctr">
+              <a:scene3d>
+                <a:camera prst="orthographicFront"/>
+                <a:lightRig rig="soft" dir="tl">
+                  <a:rot lat="0" lon="0" rev="0"/>
+                </a:lightRig>
+              </a:scene3d>
+              <a:sp3d contourW="25400" prstMaterial="matte">
+                <a:bevelT w="25400" h="55880" prst="artDeco"/>
+                <a:contourClr>
+                  <a:schemeClr val="accent2">
+                    <a:tint val="20000"/>
+                  </a:schemeClr>
+                </a:contourClr>
+              </a:sp3d>
+            </a:bodyPr>
+            <a:lstStyle/>
+            <a:p>
+              <a:pPr algn="ctr"/>
+              <a:endParaRPr lang="ko-KR" altLang="en-US" b="1" spc="50" dirty="0" smtClean="0">
+                <a:ln w="11430">
+                  <a:solidFill>
+                    <a:srgbClr val="00B050"/>
+                  </a:solidFill>
+                </a:ln>
                 <a:solidFill>
                   <a:srgbClr val="00B050"/>
                 </a:solidFill>
-              </a:ln>
-              <a:solidFill>
-                <a:srgbClr val="00B050"/>
-              </a:solidFill>
-              <a:effectLst>
-                <a:glow rad="228600">
+                <a:effectLst>
+                  <a:glow rad="228600">
+                    <a:schemeClr val="accent6">
+                      <a:satMod val="175000"/>
+                      <a:alpha val="40000"/>
+                    </a:schemeClr>
+                  </a:glow>
+                  <a:outerShdw blurRad="50800" dist="38100" dir="2700000" algn="tl" rotWithShape="0">
+                    <a:prstClr val="black">
+                      <a:alpha val="40000"/>
+                    </a:prstClr>
+                  </a:outerShdw>
+                </a:effectLst>
+              </a:endParaRPr>
+            </a:p>
+          </p:txBody>
+        </p:sp>
+        <p:sp>
+          <p:nvSpPr>
+            <p:cNvPr id="99" name="직사각형 98"/>
+            <p:cNvSpPr/>
+            <p:nvPr/>
+          </p:nvSpPr>
+          <p:spPr>
+            <a:xfrm>
+              <a:off x="4644008" y="4221088"/>
+              <a:ext cx="432048" cy="400110"/>
+            </a:xfrm>
+            <a:prstGeom prst="rect">
+              <a:avLst/>
+            </a:prstGeom>
+            <a:noFill/>
+          </p:spPr>
+          <p:txBody>
+            <a:bodyPr wrap="square" lIns="91440" tIns="45720" rIns="91440" bIns="45720">
+              <a:spAutoFit/>
+              <a:scene3d>
+                <a:camera prst="orthographicFront"/>
+                <a:lightRig rig="glow" dir="tl">
+                  <a:rot lat="0" lon="0" rev="5400000"/>
+                </a:lightRig>
+              </a:scene3d>
+              <a:sp3d extrusionH="57150" contourW="12700">
+                <a:bevelT w="25400" h="25400"/>
+                <a:contourClr>
                   <a:schemeClr val="accent6">
-                    <a:satMod val="175000"/>
-                    <a:alpha val="40000"/>
+                    <a:shade val="73000"/>
                   </a:schemeClr>
-                </a:glow>
-                <a:outerShdw blurRad="50800" dist="38100" dir="2700000" algn="tl" rotWithShape="0">
-                  <a:prstClr val="black">
-                    <a:alpha val="40000"/>
-                  </a:prstClr>
-                </a:outerShdw>
-              </a:effectLst>
-            </a:endParaRPr>
-          </a:p>
-        </p:txBody>
-      </p:sp>
-      <p:sp>
-        <p:nvSpPr>
-          <p:cNvPr id="99" name="직사각형 98"/>
-          <p:cNvSpPr/>
-          <p:nvPr/>
-        </p:nvSpPr>
-        <p:spPr>
-          <a:xfrm>
-            <a:off x="4644008" y="4221088"/>
-            <a:ext cx="432048" cy="400110"/>
-          </a:xfrm>
-          <a:prstGeom prst="rect">
-            <a:avLst/>
-          </a:prstGeom>
-          <a:noFill/>
-        </p:spPr>
-        <p:txBody>
-          <a:bodyPr wrap="square" lIns="91440" tIns="45720" rIns="91440" bIns="45720">
-            <a:spAutoFit/>
-            <a:scene3d>
-              <a:camera prst="orthographicFront"/>
-              <a:lightRig rig="glow" dir="tl">
-                <a:rot lat="0" lon="0" rev="5400000"/>
-              </a:lightRig>
-            </a:scene3d>
-            <a:sp3d extrusionH="57150" contourW="12700">
-              <a:bevelT w="25400" h="25400"/>
-              <a:contourClr>
-                <a:schemeClr val="accent6">
-                  <a:shade val="73000"/>
-                </a:schemeClr>
-              </a:contourClr>
-            </a:sp3d>
-          </a:bodyPr>
-          <a:lstStyle/>
-          <a:p>
-            <a:pPr algn="ctr"/>
-            <a:r>
-              <a:rPr lang="ko-KR" altLang="en-US" sz="2000" b="1" dirty="0" smtClean="0">
+                </a:contourClr>
+              </a:sp3d>
+            </a:bodyPr>
+            <a:lstStyle/>
+            <a:p>
+              <a:pPr algn="ctr"/>
+              <a:r>
+                <a:rPr lang="ko-KR" altLang="en-US" sz="2000" b="1" dirty="0" smtClean="0">
+                  <a:ln w="11430">
+                    <a:solidFill>
+                      <a:srgbClr val="FFFF00"/>
+                    </a:solidFill>
+                  </a:ln>
+                  <a:solidFill>
+                    <a:srgbClr val="FFFF00"/>
+                  </a:solidFill>
+                  <a:effectLst>
+                    <a:glow rad="139700">
+                      <a:schemeClr val="accent3">
+                        <a:satMod val="175000"/>
+                        <a:alpha val="40000"/>
+                      </a:schemeClr>
+                    </a:glow>
+                    <a:outerShdw blurRad="80000" dist="40000" dir="5040000" algn="tl">
+                      <a:srgbClr val="000000">
+                        <a:alpha val="30000"/>
+                      </a:srgbClr>
+                    </a:outerShdw>
+                  </a:effectLst>
+                </a:rPr>
+                <a:t>㉦</a:t>
+              </a:r>
+              <a:endParaRPr lang="en-US" altLang="ko-KR" sz="2000" b="1" cap="none" spc="0" dirty="0">
                 <a:ln w="11430">
                   <a:solidFill>
                     <a:srgbClr val="FFFF00"/>
@@ -8778,164 +9813,164 @@
                     </a:srgbClr>
                   </a:outerShdw>
                 </a:effectLst>
-              </a:rPr>
-              <a:t>㉦</a:t>
-            </a:r>
-            <a:endParaRPr lang="en-US" altLang="ko-KR" sz="2000" b="1" cap="none" spc="0" dirty="0">
-              <a:ln w="11430">
-                <a:solidFill>
-                  <a:srgbClr val="FFFF00"/>
-                </a:solidFill>
-              </a:ln>
+              </a:endParaRPr>
+            </a:p>
+          </p:txBody>
+        </p:sp>
+        <p:sp>
+          <p:nvSpPr>
+            <p:cNvPr id="100" name="직사각형 99"/>
+            <p:cNvSpPr/>
+            <p:nvPr/>
+          </p:nvSpPr>
+          <p:spPr>
+            <a:xfrm>
+              <a:off x="4860032" y="4797152"/>
+              <a:ext cx="1080120" cy="288032"/>
+            </a:xfrm>
+            <a:prstGeom prst="rect">
+              <a:avLst/>
+            </a:prstGeom>
+            <a:noFill/>
+            <a:ln w="38100">
               <a:solidFill>
                 <a:srgbClr val="FFFF00"/>
               </a:solidFill>
-              <a:effectLst>
-                <a:glow rad="139700">
-                  <a:schemeClr val="accent3">
-                    <a:satMod val="175000"/>
-                    <a:alpha val="40000"/>
-                  </a:schemeClr>
-                </a:glow>
-                <a:outerShdw blurRad="80000" dist="40000" dir="5040000" algn="tl">
-                  <a:srgbClr val="000000">
-                    <a:alpha val="30000"/>
-                  </a:srgbClr>
-                </a:outerShdw>
-              </a:effectLst>
-            </a:endParaRPr>
-          </a:p>
-        </p:txBody>
-      </p:sp>
-      <p:sp>
-        <p:nvSpPr>
-          <p:cNvPr id="100" name="직사각형 99"/>
-          <p:cNvSpPr/>
-          <p:nvPr/>
-        </p:nvSpPr>
-        <p:spPr>
-          <a:xfrm>
-            <a:off x="4860032" y="4797152"/>
-            <a:ext cx="1080120" cy="288032"/>
-          </a:xfrm>
-          <a:prstGeom prst="rect">
-            <a:avLst/>
-          </a:prstGeom>
-          <a:noFill/>
-          <a:ln w="38100">
-            <a:solidFill>
-              <a:srgbClr val="FFFF00"/>
-            </a:solidFill>
-            <a:prstDash val="solid"/>
-          </a:ln>
-          <a:effectLst/>
-          <a:scene3d>
-            <a:camera prst="orthographicFront"/>
-            <a:lightRig rig="threePt" dir="t"/>
-          </a:scene3d>
-          <a:sp3d/>
-        </p:spPr>
-        <p:style>
-          <a:lnRef idx="2">
-            <a:schemeClr val="accent1">
-              <a:shade val="50000"/>
-            </a:schemeClr>
-          </a:lnRef>
-          <a:fillRef idx="1">
-            <a:schemeClr val="accent1"/>
-          </a:fillRef>
-          <a:effectRef idx="0">
-            <a:schemeClr val="accent1"/>
-          </a:effectRef>
-          <a:fontRef idx="minor">
-            <a:schemeClr val="lt1"/>
-          </a:fontRef>
-        </p:style>
-        <p:txBody>
-          <a:bodyPr rtlCol="0" anchor="ctr">
+              <a:prstDash val="solid"/>
+            </a:ln>
+            <a:effectLst/>
             <a:scene3d>
               <a:camera prst="orthographicFront"/>
-              <a:lightRig rig="soft" dir="tl">
-                <a:rot lat="0" lon="0" rev="0"/>
-              </a:lightRig>
+              <a:lightRig rig="threePt" dir="t"/>
             </a:scene3d>
-            <a:sp3d contourW="25400" prstMaterial="matte">
-              <a:bevelT w="25400" h="55880" prst="artDeco"/>
-              <a:contourClr>
-                <a:schemeClr val="accent2">
-                  <a:tint val="20000"/>
-                </a:schemeClr>
-              </a:contourClr>
-            </a:sp3d>
-          </a:bodyPr>
-          <a:lstStyle/>
-          <a:p>
-            <a:pPr algn="ctr"/>
-            <a:endParaRPr lang="ko-KR" altLang="en-US" b="1" spc="50" dirty="0" smtClean="0">
-              <a:ln w="11430">
+            <a:sp3d/>
+          </p:spPr>
+          <p:style>
+            <a:lnRef idx="2">
+              <a:schemeClr val="accent1">
+                <a:shade val="50000"/>
+              </a:schemeClr>
+            </a:lnRef>
+            <a:fillRef idx="1">
+              <a:schemeClr val="accent1"/>
+            </a:fillRef>
+            <a:effectRef idx="0">
+              <a:schemeClr val="accent1"/>
+            </a:effectRef>
+            <a:fontRef idx="minor">
+              <a:schemeClr val="lt1"/>
+            </a:fontRef>
+          </p:style>
+          <p:txBody>
+            <a:bodyPr rtlCol="0" anchor="ctr">
+              <a:scene3d>
+                <a:camera prst="orthographicFront"/>
+                <a:lightRig rig="soft" dir="tl">
+                  <a:rot lat="0" lon="0" rev="0"/>
+                </a:lightRig>
+              </a:scene3d>
+              <a:sp3d contourW="25400" prstMaterial="matte">
+                <a:bevelT w="25400" h="55880" prst="artDeco"/>
+                <a:contourClr>
+                  <a:schemeClr val="accent2">
+                    <a:tint val="20000"/>
+                  </a:schemeClr>
+                </a:contourClr>
+              </a:sp3d>
+            </a:bodyPr>
+            <a:lstStyle/>
+            <a:p>
+              <a:pPr algn="ctr"/>
+              <a:endParaRPr lang="ko-KR" altLang="en-US" b="1" spc="50" dirty="0" smtClean="0">
+                <a:ln w="11430">
+                  <a:solidFill>
+                    <a:srgbClr val="00B050"/>
+                  </a:solidFill>
+                </a:ln>
                 <a:solidFill>
                   <a:srgbClr val="00B050"/>
                 </a:solidFill>
-              </a:ln>
-              <a:solidFill>
-                <a:srgbClr val="00B050"/>
-              </a:solidFill>
-              <a:effectLst>
-                <a:glow rad="228600">
+                <a:effectLst>
+                  <a:glow rad="228600">
+                    <a:schemeClr val="accent6">
+                      <a:satMod val="175000"/>
+                      <a:alpha val="40000"/>
+                    </a:schemeClr>
+                  </a:glow>
+                  <a:outerShdw blurRad="50800" dist="38100" dir="2700000" algn="tl" rotWithShape="0">
+                    <a:prstClr val="black">
+                      <a:alpha val="40000"/>
+                    </a:prstClr>
+                  </a:outerShdw>
+                </a:effectLst>
+              </a:endParaRPr>
+            </a:p>
+          </p:txBody>
+        </p:sp>
+        <p:sp>
+          <p:nvSpPr>
+            <p:cNvPr id="101" name="직사각형 100"/>
+            <p:cNvSpPr/>
+            <p:nvPr/>
+          </p:nvSpPr>
+          <p:spPr>
+            <a:xfrm>
+              <a:off x="4644008" y="4653136"/>
+              <a:ext cx="432048" cy="400110"/>
+            </a:xfrm>
+            <a:prstGeom prst="rect">
+              <a:avLst/>
+            </a:prstGeom>
+            <a:noFill/>
+          </p:spPr>
+          <p:txBody>
+            <a:bodyPr wrap="square" lIns="91440" tIns="45720" rIns="91440" bIns="45720">
+              <a:spAutoFit/>
+              <a:scene3d>
+                <a:camera prst="orthographicFront"/>
+                <a:lightRig rig="glow" dir="tl">
+                  <a:rot lat="0" lon="0" rev="5400000"/>
+                </a:lightRig>
+              </a:scene3d>
+              <a:sp3d extrusionH="57150" contourW="12700">
+                <a:bevelT w="25400" h="25400"/>
+                <a:contourClr>
                   <a:schemeClr val="accent6">
-                    <a:satMod val="175000"/>
-                    <a:alpha val="40000"/>
+                    <a:shade val="73000"/>
                   </a:schemeClr>
-                </a:glow>
-                <a:outerShdw blurRad="50800" dist="38100" dir="2700000" algn="tl" rotWithShape="0">
-                  <a:prstClr val="black">
-                    <a:alpha val="40000"/>
-                  </a:prstClr>
-                </a:outerShdw>
-              </a:effectLst>
-            </a:endParaRPr>
-          </a:p>
-        </p:txBody>
-      </p:sp>
-      <p:sp>
-        <p:nvSpPr>
-          <p:cNvPr id="101" name="직사각형 100"/>
-          <p:cNvSpPr/>
-          <p:nvPr/>
-        </p:nvSpPr>
-        <p:spPr>
-          <a:xfrm>
-            <a:off x="4644008" y="4653136"/>
-            <a:ext cx="432048" cy="400110"/>
-          </a:xfrm>
-          <a:prstGeom prst="rect">
-            <a:avLst/>
-          </a:prstGeom>
-          <a:noFill/>
-        </p:spPr>
-        <p:txBody>
-          <a:bodyPr wrap="square" lIns="91440" tIns="45720" rIns="91440" bIns="45720">
-            <a:spAutoFit/>
-            <a:scene3d>
-              <a:camera prst="orthographicFront"/>
-              <a:lightRig rig="glow" dir="tl">
-                <a:rot lat="0" lon="0" rev="5400000"/>
-              </a:lightRig>
-            </a:scene3d>
-            <a:sp3d extrusionH="57150" contourW="12700">
-              <a:bevelT w="25400" h="25400"/>
-              <a:contourClr>
-                <a:schemeClr val="accent6">
-                  <a:shade val="73000"/>
-                </a:schemeClr>
-              </a:contourClr>
-            </a:sp3d>
-          </a:bodyPr>
-          <a:lstStyle/>
-          <a:p>
-            <a:pPr algn="ctr"/>
-            <a:r>
-              <a:rPr lang="ko-KR" altLang="en-US" sz="2000" b="1" dirty="0" smtClean="0">
+                </a:contourClr>
+              </a:sp3d>
+            </a:bodyPr>
+            <a:lstStyle/>
+            <a:p>
+              <a:pPr algn="ctr"/>
+              <a:r>
+                <a:rPr lang="ko-KR" altLang="en-US" sz="2000" b="1" dirty="0" smtClean="0">
+                  <a:ln w="11430">
+                    <a:solidFill>
+                      <a:srgbClr val="FFFF00"/>
+                    </a:solidFill>
+                  </a:ln>
+                  <a:solidFill>
+                    <a:srgbClr val="FFFF00"/>
+                  </a:solidFill>
+                  <a:effectLst>
+                    <a:glow rad="139700">
+                      <a:schemeClr val="accent3">
+                        <a:satMod val="175000"/>
+                        <a:alpha val="40000"/>
+                      </a:schemeClr>
+                    </a:glow>
+                    <a:outerShdw blurRad="80000" dist="40000" dir="5040000" algn="tl">
+                      <a:srgbClr val="000000">
+                        <a:alpha val="30000"/>
+                      </a:srgbClr>
+                    </a:outerShdw>
+                  </a:effectLst>
+                </a:rPr>
+                <a:t>㉧</a:t>
+              </a:r>
+              <a:endParaRPr lang="en-US" altLang="ko-KR" sz="2000" b="1" cap="none" spc="0" dirty="0">
                 <a:ln w="11430">
                   <a:solidFill>
                     <a:srgbClr val="FFFF00"/>
@@ -8957,164 +9992,164 @@
                     </a:srgbClr>
                   </a:outerShdw>
                 </a:effectLst>
-              </a:rPr>
-              <a:t>㉧</a:t>
-            </a:r>
-            <a:endParaRPr lang="en-US" altLang="ko-KR" sz="2000" b="1" cap="none" spc="0" dirty="0">
-              <a:ln w="11430">
-                <a:solidFill>
-                  <a:srgbClr val="FFFF00"/>
-                </a:solidFill>
-              </a:ln>
+              </a:endParaRPr>
+            </a:p>
+          </p:txBody>
+        </p:sp>
+        <p:sp>
+          <p:nvSpPr>
+            <p:cNvPr id="102" name="직사각형 101"/>
+            <p:cNvSpPr/>
+            <p:nvPr/>
+          </p:nvSpPr>
+          <p:spPr>
+            <a:xfrm>
+              <a:off x="4860032" y="5157192"/>
+              <a:ext cx="1080120" cy="360040"/>
+            </a:xfrm>
+            <a:prstGeom prst="rect">
+              <a:avLst/>
+            </a:prstGeom>
+            <a:noFill/>
+            <a:ln w="38100">
               <a:solidFill>
                 <a:srgbClr val="FFFF00"/>
               </a:solidFill>
-              <a:effectLst>
-                <a:glow rad="139700">
-                  <a:schemeClr val="accent3">
-                    <a:satMod val="175000"/>
-                    <a:alpha val="40000"/>
-                  </a:schemeClr>
-                </a:glow>
-                <a:outerShdw blurRad="80000" dist="40000" dir="5040000" algn="tl">
-                  <a:srgbClr val="000000">
-                    <a:alpha val="30000"/>
-                  </a:srgbClr>
-                </a:outerShdw>
-              </a:effectLst>
-            </a:endParaRPr>
-          </a:p>
-        </p:txBody>
-      </p:sp>
-      <p:sp>
-        <p:nvSpPr>
-          <p:cNvPr id="102" name="직사각형 101"/>
-          <p:cNvSpPr/>
-          <p:nvPr/>
-        </p:nvSpPr>
-        <p:spPr>
-          <a:xfrm>
-            <a:off x="4860032" y="5157192"/>
-            <a:ext cx="1080120" cy="360040"/>
-          </a:xfrm>
-          <a:prstGeom prst="rect">
-            <a:avLst/>
-          </a:prstGeom>
-          <a:noFill/>
-          <a:ln w="38100">
-            <a:solidFill>
-              <a:srgbClr val="FFFF00"/>
-            </a:solidFill>
-            <a:prstDash val="solid"/>
-          </a:ln>
-          <a:effectLst/>
-          <a:scene3d>
-            <a:camera prst="orthographicFront"/>
-            <a:lightRig rig="threePt" dir="t"/>
-          </a:scene3d>
-          <a:sp3d/>
-        </p:spPr>
-        <p:style>
-          <a:lnRef idx="2">
-            <a:schemeClr val="accent1">
-              <a:shade val="50000"/>
-            </a:schemeClr>
-          </a:lnRef>
-          <a:fillRef idx="1">
-            <a:schemeClr val="accent1"/>
-          </a:fillRef>
-          <a:effectRef idx="0">
-            <a:schemeClr val="accent1"/>
-          </a:effectRef>
-          <a:fontRef idx="minor">
-            <a:schemeClr val="lt1"/>
-          </a:fontRef>
-        </p:style>
-        <p:txBody>
-          <a:bodyPr rtlCol="0" anchor="ctr">
+              <a:prstDash val="solid"/>
+            </a:ln>
+            <a:effectLst/>
             <a:scene3d>
               <a:camera prst="orthographicFront"/>
-              <a:lightRig rig="soft" dir="tl">
-                <a:rot lat="0" lon="0" rev="0"/>
-              </a:lightRig>
+              <a:lightRig rig="threePt" dir="t"/>
             </a:scene3d>
-            <a:sp3d contourW="25400" prstMaterial="matte">
-              <a:bevelT w="25400" h="55880" prst="artDeco"/>
-              <a:contourClr>
-                <a:schemeClr val="accent2">
-                  <a:tint val="20000"/>
-                </a:schemeClr>
-              </a:contourClr>
-            </a:sp3d>
-          </a:bodyPr>
-          <a:lstStyle/>
-          <a:p>
-            <a:pPr algn="ctr"/>
-            <a:endParaRPr lang="ko-KR" altLang="en-US" b="1" spc="50" dirty="0" smtClean="0">
-              <a:ln w="11430">
+            <a:sp3d/>
+          </p:spPr>
+          <p:style>
+            <a:lnRef idx="2">
+              <a:schemeClr val="accent1">
+                <a:shade val="50000"/>
+              </a:schemeClr>
+            </a:lnRef>
+            <a:fillRef idx="1">
+              <a:schemeClr val="accent1"/>
+            </a:fillRef>
+            <a:effectRef idx="0">
+              <a:schemeClr val="accent1"/>
+            </a:effectRef>
+            <a:fontRef idx="minor">
+              <a:schemeClr val="lt1"/>
+            </a:fontRef>
+          </p:style>
+          <p:txBody>
+            <a:bodyPr rtlCol="0" anchor="ctr">
+              <a:scene3d>
+                <a:camera prst="orthographicFront"/>
+                <a:lightRig rig="soft" dir="tl">
+                  <a:rot lat="0" lon="0" rev="0"/>
+                </a:lightRig>
+              </a:scene3d>
+              <a:sp3d contourW="25400" prstMaterial="matte">
+                <a:bevelT w="25400" h="55880" prst="artDeco"/>
+                <a:contourClr>
+                  <a:schemeClr val="accent2">
+                    <a:tint val="20000"/>
+                  </a:schemeClr>
+                </a:contourClr>
+              </a:sp3d>
+            </a:bodyPr>
+            <a:lstStyle/>
+            <a:p>
+              <a:pPr algn="ctr"/>
+              <a:endParaRPr lang="ko-KR" altLang="en-US" b="1" spc="50" dirty="0" smtClean="0">
+                <a:ln w="11430">
+                  <a:solidFill>
+                    <a:srgbClr val="00B050"/>
+                  </a:solidFill>
+                </a:ln>
                 <a:solidFill>
                   <a:srgbClr val="00B050"/>
                 </a:solidFill>
-              </a:ln>
-              <a:solidFill>
-                <a:srgbClr val="00B050"/>
-              </a:solidFill>
-              <a:effectLst>
-                <a:glow rad="228600">
+                <a:effectLst>
+                  <a:glow rad="228600">
+                    <a:schemeClr val="accent6">
+                      <a:satMod val="175000"/>
+                      <a:alpha val="40000"/>
+                    </a:schemeClr>
+                  </a:glow>
+                  <a:outerShdw blurRad="50800" dist="38100" dir="2700000" algn="tl" rotWithShape="0">
+                    <a:prstClr val="black">
+                      <a:alpha val="40000"/>
+                    </a:prstClr>
+                  </a:outerShdw>
+                </a:effectLst>
+              </a:endParaRPr>
+            </a:p>
+          </p:txBody>
+        </p:sp>
+        <p:sp>
+          <p:nvSpPr>
+            <p:cNvPr id="103" name="직사각형 102"/>
+            <p:cNvSpPr/>
+            <p:nvPr/>
+          </p:nvSpPr>
+          <p:spPr>
+            <a:xfrm>
+              <a:off x="4644008" y="5045114"/>
+              <a:ext cx="432048" cy="400110"/>
+            </a:xfrm>
+            <a:prstGeom prst="rect">
+              <a:avLst/>
+            </a:prstGeom>
+            <a:noFill/>
+          </p:spPr>
+          <p:txBody>
+            <a:bodyPr wrap="square" lIns="91440" tIns="45720" rIns="91440" bIns="45720">
+              <a:spAutoFit/>
+              <a:scene3d>
+                <a:camera prst="orthographicFront"/>
+                <a:lightRig rig="glow" dir="tl">
+                  <a:rot lat="0" lon="0" rev="5400000"/>
+                </a:lightRig>
+              </a:scene3d>
+              <a:sp3d extrusionH="57150" contourW="12700">
+                <a:bevelT w="25400" h="25400"/>
+                <a:contourClr>
                   <a:schemeClr val="accent6">
-                    <a:satMod val="175000"/>
-                    <a:alpha val="40000"/>
+                    <a:shade val="73000"/>
                   </a:schemeClr>
-                </a:glow>
-                <a:outerShdw blurRad="50800" dist="38100" dir="2700000" algn="tl" rotWithShape="0">
-                  <a:prstClr val="black">
-                    <a:alpha val="40000"/>
-                  </a:prstClr>
-                </a:outerShdw>
-              </a:effectLst>
-            </a:endParaRPr>
-          </a:p>
-        </p:txBody>
-      </p:sp>
-      <p:sp>
-        <p:nvSpPr>
-          <p:cNvPr id="103" name="직사각형 102"/>
-          <p:cNvSpPr/>
-          <p:nvPr/>
-        </p:nvSpPr>
-        <p:spPr>
-          <a:xfrm>
-            <a:off x="4644008" y="5045114"/>
-            <a:ext cx="432048" cy="400110"/>
-          </a:xfrm>
-          <a:prstGeom prst="rect">
-            <a:avLst/>
-          </a:prstGeom>
-          <a:noFill/>
-        </p:spPr>
-        <p:txBody>
-          <a:bodyPr wrap="square" lIns="91440" tIns="45720" rIns="91440" bIns="45720">
-            <a:spAutoFit/>
-            <a:scene3d>
-              <a:camera prst="orthographicFront"/>
-              <a:lightRig rig="glow" dir="tl">
-                <a:rot lat="0" lon="0" rev="5400000"/>
-              </a:lightRig>
-            </a:scene3d>
-            <a:sp3d extrusionH="57150" contourW="12700">
-              <a:bevelT w="25400" h="25400"/>
-              <a:contourClr>
-                <a:schemeClr val="accent6">
-                  <a:shade val="73000"/>
-                </a:schemeClr>
-              </a:contourClr>
-            </a:sp3d>
-          </a:bodyPr>
-          <a:lstStyle/>
-          <a:p>
-            <a:pPr algn="ctr"/>
-            <a:r>
-              <a:rPr lang="ko-KR" altLang="en-US" sz="2000" b="1" dirty="0" smtClean="0">
+                </a:contourClr>
+              </a:sp3d>
+            </a:bodyPr>
+            <a:lstStyle/>
+            <a:p>
+              <a:pPr algn="ctr"/>
+              <a:r>
+                <a:rPr lang="ko-KR" altLang="en-US" sz="2000" b="1" dirty="0" smtClean="0">
+                  <a:ln w="11430">
+                    <a:solidFill>
+                      <a:srgbClr val="FFFF00"/>
+                    </a:solidFill>
+                  </a:ln>
+                  <a:solidFill>
+                    <a:srgbClr val="FFFF00"/>
+                  </a:solidFill>
+                  <a:effectLst>
+                    <a:glow rad="139700">
+                      <a:schemeClr val="accent3">
+                        <a:satMod val="175000"/>
+                        <a:alpha val="40000"/>
+                      </a:schemeClr>
+                    </a:glow>
+                    <a:outerShdw blurRad="80000" dist="40000" dir="5040000" algn="tl">
+                      <a:srgbClr val="000000">
+                        <a:alpha val="30000"/>
+                      </a:srgbClr>
+                    </a:outerShdw>
+                  </a:effectLst>
+                </a:rPr>
+                <a:t>㉨</a:t>
+              </a:r>
+              <a:endParaRPr lang="en-US" altLang="ko-KR" sz="2000" b="1" cap="none" spc="0" dirty="0">
                 <a:ln w="11430">
                   <a:solidFill>
                     <a:srgbClr val="FFFF00"/>
@@ -9136,164 +10171,164 @@
                     </a:srgbClr>
                   </a:outerShdw>
                 </a:effectLst>
-              </a:rPr>
-              <a:t>㉨</a:t>
-            </a:r>
-            <a:endParaRPr lang="en-US" altLang="ko-KR" sz="2000" b="1" cap="none" spc="0" dirty="0">
-              <a:ln w="11430">
-                <a:solidFill>
-                  <a:srgbClr val="FFFF00"/>
-                </a:solidFill>
-              </a:ln>
+              </a:endParaRPr>
+            </a:p>
+          </p:txBody>
+        </p:sp>
+        <p:sp>
+          <p:nvSpPr>
+            <p:cNvPr id="104" name="직사각형 103"/>
+            <p:cNvSpPr/>
+            <p:nvPr/>
+          </p:nvSpPr>
+          <p:spPr>
+            <a:xfrm>
+              <a:off x="4860032" y="5557302"/>
+              <a:ext cx="1080120" cy="360040"/>
+            </a:xfrm>
+            <a:prstGeom prst="rect">
+              <a:avLst/>
+            </a:prstGeom>
+            <a:noFill/>
+            <a:ln w="38100">
               <a:solidFill>
                 <a:srgbClr val="FFFF00"/>
               </a:solidFill>
-              <a:effectLst>
-                <a:glow rad="139700">
-                  <a:schemeClr val="accent3">
-                    <a:satMod val="175000"/>
-                    <a:alpha val="40000"/>
-                  </a:schemeClr>
-                </a:glow>
-                <a:outerShdw blurRad="80000" dist="40000" dir="5040000" algn="tl">
-                  <a:srgbClr val="000000">
-                    <a:alpha val="30000"/>
-                  </a:srgbClr>
-                </a:outerShdw>
-              </a:effectLst>
-            </a:endParaRPr>
-          </a:p>
-        </p:txBody>
-      </p:sp>
-      <p:sp>
-        <p:nvSpPr>
-          <p:cNvPr id="104" name="직사각형 103"/>
-          <p:cNvSpPr/>
-          <p:nvPr/>
-        </p:nvSpPr>
-        <p:spPr>
-          <a:xfrm>
-            <a:off x="4860032" y="5557302"/>
-            <a:ext cx="1080120" cy="360040"/>
-          </a:xfrm>
-          <a:prstGeom prst="rect">
-            <a:avLst/>
-          </a:prstGeom>
-          <a:noFill/>
-          <a:ln w="38100">
-            <a:solidFill>
-              <a:srgbClr val="FFFF00"/>
-            </a:solidFill>
-            <a:prstDash val="solid"/>
-          </a:ln>
-          <a:effectLst/>
-          <a:scene3d>
-            <a:camera prst="orthographicFront"/>
-            <a:lightRig rig="threePt" dir="t"/>
-          </a:scene3d>
-          <a:sp3d/>
-        </p:spPr>
-        <p:style>
-          <a:lnRef idx="2">
-            <a:schemeClr val="accent1">
-              <a:shade val="50000"/>
-            </a:schemeClr>
-          </a:lnRef>
-          <a:fillRef idx="1">
-            <a:schemeClr val="accent1"/>
-          </a:fillRef>
-          <a:effectRef idx="0">
-            <a:schemeClr val="accent1"/>
-          </a:effectRef>
-          <a:fontRef idx="minor">
-            <a:schemeClr val="lt1"/>
-          </a:fontRef>
-        </p:style>
-        <p:txBody>
-          <a:bodyPr rtlCol="0" anchor="ctr">
+              <a:prstDash val="solid"/>
+            </a:ln>
+            <a:effectLst/>
             <a:scene3d>
               <a:camera prst="orthographicFront"/>
-              <a:lightRig rig="soft" dir="tl">
-                <a:rot lat="0" lon="0" rev="0"/>
-              </a:lightRig>
+              <a:lightRig rig="threePt" dir="t"/>
             </a:scene3d>
-            <a:sp3d contourW="25400" prstMaterial="matte">
-              <a:bevelT w="25400" h="55880" prst="artDeco"/>
-              <a:contourClr>
-                <a:schemeClr val="accent2">
-                  <a:tint val="20000"/>
-                </a:schemeClr>
-              </a:contourClr>
-            </a:sp3d>
-          </a:bodyPr>
-          <a:lstStyle/>
-          <a:p>
-            <a:pPr algn="ctr"/>
-            <a:endParaRPr lang="ko-KR" altLang="en-US" b="1" spc="50" dirty="0" smtClean="0">
-              <a:ln w="11430">
+            <a:sp3d/>
+          </p:spPr>
+          <p:style>
+            <a:lnRef idx="2">
+              <a:schemeClr val="accent1">
+                <a:shade val="50000"/>
+              </a:schemeClr>
+            </a:lnRef>
+            <a:fillRef idx="1">
+              <a:schemeClr val="accent1"/>
+            </a:fillRef>
+            <a:effectRef idx="0">
+              <a:schemeClr val="accent1"/>
+            </a:effectRef>
+            <a:fontRef idx="minor">
+              <a:schemeClr val="lt1"/>
+            </a:fontRef>
+          </p:style>
+          <p:txBody>
+            <a:bodyPr rtlCol="0" anchor="ctr">
+              <a:scene3d>
+                <a:camera prst="orthographicFront"/>
+                <a:lightRig rig="soft" dir="tl">
+                  <a:rot lat="0" lon="0" rev="0"/>
+                </a:lightRig>
+              </a:scene3d>
+              <a:sp3d contourW="25400" prstMaterial="matte">
+                <a:bevelT w="25400" h="55880" prst="artDeco"/>
+                <a:contourClr>
+                  <a:schemeClr val="accent2">
+                    <a:tint val="20000"/>
+                  </a:schemeClr>
+                </a:contourClr>
+              </a:sp3d>
+            </a:bodyPr>
+            <a:lstStyle/>
+            <a:p>
+              <a:pPr algn="ctr"/>
+              <a:endParaRPr lang="ko-KR" altLang="en-US" b="1" spc="50" dirty="0" smtClean="0">
+                <a:ln w="11430">
+                  <a:solidFill>
+                    <a:srgbClr val="00B050"/>
+                  </a:solidFill>
+                </a:ln>
                 <a:solidFill>
                   <a:srgbClr val="00B050"/>
                 </a:solidFill>
-              </a:ln>
-              <a:solidFill>
-                <a:srgbClr val="00B050"/>
-              </a:solidFill>
-              <a:effectLst>
-                <a:glow rad="228600">
+                <a:effectLst>
+                  <a:glow rad="228600">
+                    <a:schemeClr val="accent6">
+                      <a:satMod val="175000"/>
+                      <a:alpha val="40000"/>
+                    </a:schemeClr>
+                  </a:glow>
+                  <a:outerShdw blurRad="50800" dist="38100" dir="2700000" algn="tl" rotWithShape="0">
+                    <a:prstClr val="black">
+                      <a:alpha val="40000"/>
+                    </a:prstClr>
+                  </a:outerShdw>
+                </a:effectLst>
+              </a:endParaRPr>
+            </a:p>
+          </p:txBody>
+        </p:sp>
+        <p:sp>
+          <p:nvSpPr>
+            <p:cNvPr id="105" name="직사각형 104"/>
+            <p:cNvSpPr/>
+            <p:nvPr/>
+          </p:nvSpPr>
+          <p:spPr>
+            <a:xfrm>
+              <a:off x="4644008" y="5445224"/>
+              <a:ext cx="432048" cy="400110"/>
+            </a:xfrm>
+            <a:prstGeom prst="rect">
+              <a:avLst/>
+            </a:prstGeom>
+            <a:noFill/>
+          </p:spPr>
+          <p:txBody>
+            <a:bodyPr wrap="square" lIns="91440" tIns="45720" rIns="91440" bIns="45720">
+              <a:spAutoFit/>
+              <a:scene3d>
+                <a:camera prst="orthographicFront"/>
+                <a:lightRig rig="glow" dir="tl">
+                  <a:rot lat="0" lon="0" rev="5400000"/>
+                </a:lightRig>
+              </a:scene3d>
+              <a:sp3d extrusionH="57150" contourW="12700">
+                <a:bevelT w="25400" h="25400"/>
+                <a:contourClr>
                   <a:schemeClr val="accent6">
-                    <a:satMod val="175000"/>
-                    <a:alpha val="40000"/>
+                    <a:shade val="73000"/>
                   </a:schemeClr>
-                </a:glow>
-                <a:outerShdw blurRad="50800" dist="38100" dir="2700000" algn="tl" rotWithShape="0">
-                  <a:prstClr val="black">
-                    <a:alpha val="40000"/>
-                  </a:prstClr>
-                </a:outerShdw>
-              </a:effectLst>
-            </a:endParaRPr>
-          </a:p>
-        </p:txBody>
-      </p:sp>
-      <p:sp>
-        <p:nvSpPr>
-          <p:cNvPr id="105" name="직사각형 104"/>
-          <p:cNvSpPr/>
-          <p:nvPr/>
-        </p:nvSpPr>
-        <p:spPr>
-          <a:xfrm>
-            <a:off x="4644008" y="5445224"/>
-            <a:ext cx="432048" cy="400110"/>
-          </a:xfrm>
-          <a:prstGeom prst="rect">
-            <a:avLst/>
-          </a:prstGeom>
-          <a:noFill/>
-        </p:spPr>
-        <p:txBody>
-          <a:bodyPr wrap="square" lIns="91440" tIns="45720" rIns="91440" bIns="45720">
-            <a:spAutoFit/>
-            <a:scene3d>
-              <a:camera prst="orthographicFront"/>
-              <a:lightRig rig="glow" dir="tl">
-                <a:rot lat="0" lon="0" rev="5400000"/>
-              </a:lightRig>
-            </a:scene3d>
-            <a:sp3d extrusionH="57150" contourW="12700">
-              <a:bevelT w="25400" h="25400"/>
-              <a:contourClr>
-                <a:schemeClr val="accent6">
-                  <a:shade val="73000"/>
-                </a:schemeClr>
-              </a:contourClr>
-            </a:sp3d>
-          </a:bodyPr>
-          <a:lstStyle/>
-          <a:p>
-            <a:pPr algn="ctr"/>
-            <a:r>
-              <a:rPr lang="ko-KR" altLang="en-US" sz="2000" b="1" dirty="0" smtClean="0">
+                </a:contourClr>
+              </a:sp3d>
+            </a:bodyPr>
+            <a:lstStyle/>
+            <a:p>
+              <a:pPr algn="ctr"/>
+              <a:r>
+                <a:rPr lang="ko-KR" altLang="en-US" sz="2000" b="1" dirty="0" smtClean="0">
+                  <a:ln w="11430">
+                    <a:solidFill>
+                      <a:srgbClr val="FFFF00"/>
+                    </a:solidFill>
+                  </a:ln>
+                  <a:solidFill>
+                    <a:srgbClr val="FFFF00"/>
+                  </a:solidFill>
+                  <a:effectLst>
+                    <a:glow rad="139700">
+                      <a:schemeClr val="accent3">
+                        <a:satMod val="175000"/>
+                        <a:alpha val="40000"/>
+                      </a:schemeClr>
+                    </a:glow>
+                    <a:outerShdw blurRad="80000" dist="40000" dir="5040000" algn="tl">
+                      <a:srgbClr val="000000">
+                        <a:alpha val="30000"/>
+                      </a:srgbClr>
+                    </a:outerShdw>
+                  </a:effectLst>
+                </a:rPr>
+                <a:t>㉩</a:t>
+              </a:r>
+              <a:endParaRPr lang="en-US" altLang="ko-KR" sz="2000" b="1" cap="none" spc="0" dirty="0">
                 <a:ln w="11430">
                   <a:solidFill>
                     <a:srgbClr val="FFFF00"/>
@@ -9315,254 +10350,254 @@
                     </a:srgbClr>
                   </a:outerShdw>
                 </a:effectLst>
-              </a:rPr>
-              <a:t>㉩</a:t>
-            </a:r>
-            <a:endParaRPr lang="en-US" altLang="ko-KR" sz="2000" b="1" cap="none" spc="0" dirty="0">
-              <a:ln w="11430">
-                <a:solidFill>
-                  <a:srgbClr val="FFFF00"/>
-                </a:solidFill>
-              </a:ln>
+              </a:endParaRPr>
+            </a:p>
+          </p:txBody>
+        </p:sp>
+        <p:sp>
+          <p:nvSpPr>
+            <p:cNvPr id="107" name="직사각형 106"/>
+            <p:cNvSpPr/>
+            <p:nvPr/>
+          </p:nvSpPr>
+          <p:spPr>
+            <a:xfrm>
+              <a:off x="4788024" y="1772816"/>
+              <a:ext cx="576064" cy="504056"/>
+            </a:xfrm>
+            <a:prstGeom prst="rect">
+              <a:avLst/>
+            </a:prstGeom>
+            <a:noFill/>
+            <a:ln w="38100">
               <a:solidFill>
-                <a:srgbClr val="FFFF00"/>
+                <a:srgbClr val="002060"/>
               </a:solidFill>
-              <a:effectLst>
-                <a:glow rad="139700">
-                  <a:schemeClr val="accent3">
-                    <a:satMod val="175000"/>
-                    <a:alpha val="40000"/>
-                  </a:schemeClr>
-                </a:glow>
-                <a:outerShdw blurRad="80000" dist="40000" dir="5040000" algn="tl">
-                  <a:srgbClr val="000000">
-                    <a:alpha val="30000"/>
-                  </a:srgbClr>
-                </a:outerShdw>
-              </a:effectLst>
-            </a:endParaRPr>
-          </a:p>
-        </p:txBody>
-      </p:sp>
-      <p:sp>
-        <p:nvSpPr>
-          <p:cNvPr id="107" name="직사각형 106"/>
-          <p:cNvSpPr/>
-          <p:nvPr/>
-        </p:nvSpPr>
-        <p:spPr>
-          <a:xfrm>
-            <a:off x="4788024" y="1772816"/>
-            <a:ext cx="576064" cy="504056"/>
-          </a:xfrm>
-          <a:prstGeom prst="rect">
-            <a:avLst/>
-          </a:prstGeom>
-          <a:noFill/>
-          <a:ln w="38100">
-            <a:solidFill>
-              <a:srgbClr val="002060"/>
-            </a:solidFill>
-            <a:prstDash val="solid"/>
-          </a:ln>
-          <a:effectLst/>
-          <a:scene3d>
-            <a:camera prst="orthographicFront"/>
-            <a:lightRig rig="threePt" dir="t"/>
-          </a:scene3d>
-          <a:sp3d/>
-        </p:spPr>
-        <p:style>
-          <a:lnRef idx="2">
-            <a:schemeClr val="accent1">
-              <a:shade val="50000"/>
-            </a:schemeClr>
-          </a:lnRef>
-          <a:fillRef idx="1">
-            <a:schemeClr val="accent1"/>
-          </a:fillRef>
-          <a:effectRef idx="0">
-            <a:schemeClr val="accent1"/>
-          </a:effectRef>
-          <a:fontRef idx="minor">
-            <a:schemeClr val="lt1"/>
-          </a:fontRef>
-        </p:style>
-        <p:txBody>
-          <a:bodyPr rtlCol="0" anchor="ctr">
+              <a:prstDash val="solid"/>
+            </a:ln>
+            <a:effectLst/>
             <a:scene3d>
               <a:camera prst="orthographicFront"/>
-              <a:lightRig rig="soft" dir="tl">
-                <a:rot lat="0" lon="0" rev="0"/>
-              </a:lightRig>
+              <a:lightRig rig="threePt" dir="t"/>
             </a:scene3d>
-            <a:sp3d contourW="25400" prstMaterial="matte">
-              <a:bevelT w="25400" h="55880" prst="artDeco"/>
-              <a:contourClr>
-                <a:schemeClr val="accent2">
-                  <a:tint val="20000"/>
-                </a:schemeClr>
-              </a:contourClr>
-            </a:sp3d>
-          </a:bodyPr>
-          <a:lstStyle/>
-          <a:p>
-            <a:pPr algn="ctr"/>
-            <a:endParaRPr lang="ko-KR" altLang="en-US" b="1" spc="50" dirty="0" smtClean="0">
-              <a:ln w="11430">
+            <a:sp3d/>
+          </p:spPr>
+          <p:style>
+            <a:lnRef idx="2">
+              <a:schemeClr val="accent1">
+                <a:shade val="50000"/>
+              </a:schemeClr>
+            </a:lnRef>
+            <a:fillRef idx="1">
+              <a:schemeClr val="accent1"/>
+            </a:fillRef>
+            <a:effectRef idx="0">
+              <a:schemeClr val="accent1"/>
+            </a:effectRef>
+            <a:fontRef idx="minor">
+              <a:schemeClr val="lt1"/>
+            </a:fontRef>
+          </p:style>
+          <p:txBody>
+            <a:bodyPr rtlCol="0" anchor="ctr">
+              <a:scene3d>
+                <a:camera prst="orthographicFront"/>
+                <a:lightRig rig="soft" dir="tl">
+                  <a:rot lat="0" lon="0" rev="0"/>
+                </a:lightRig>
+              </a:scene3d>
+              <a:sp3d contourW="25400" prstMaterial="matte">
+                <a:bevelT w="25400" h="55880" prst="artDeco"/>
+                <a:contourClr>
+                  <a:schemeClr val="accent2">
+                    <a:tint val="20000"/>
+                  </a:schemeClr>
+                </a:contourClr>
+              </a:sp3d>
+            </a:bodyPr>
+            <a:lstStyle/>
+            <a:p>
+              <a:pPr algn="ctr"/>
+              <a:endParaRPr lang="ko-KR" altLang="en-US" b="1" spc="50" dirty="0" smtClean="0">
+                <a:ln w="11430">
+                  <a:solidFill>
+                    <a:srgbClr val="00B050"/>
+                  </a:solidFill>
+                </a:ln>
                 <a:solidFill>
                   <a:srgbClr val="00B050"/>
                 </a:solidFill>
-              </a:ln>
+                <a:effectLst>
+                  <a:glow rad="228600">
+                    <a:schemeClr val="accent6">
+                      <a:satMod val="175000"/>
+                      <a:alpha val="40000"/>
+                    </a:schemeClr>
+                  </a:glow>
+                  <a:outerShdw blurRad="50800" dist="38100" dir="2700000" algn="tl" rotWithShape="0">
+                    <a:prstClr val="black">
+                      <a:alpha val="40000"/>
+                    </a:prstClr>
+                  </a:outerShdw>
+                </a:effectLst>
+              </a:endParaRPr>
+            </a:p>
+          </p:txBody>
+        </p:sp>
+        <p:sp>
+          <p:nvSpPr>
+            <p:cNvPr id="108" name="직사각형 107"/>
+            <p:cNvSpPr/>
+            <p:nvPr/>
+          </p:nvSpPr>
+          <p:spPr>
+            <a:xfrm>
+              <a:off x="5436096" y="1772816"/>
+              <a:ext cx="504056" cy="504056"/>
+            </a:xfrm>
+            <a:prstGeom prst="rect">
+              <a:avLst/>
+            </a:prstGeom>
+            <a:noFill/>
+            <a:ln w="38100">
               <a:solidFill>
-                <a:srgbClr val="00B050"/>
+                <a:srgbClr val="002060"/>
               </a:solidFill>
-              <a:effectLst>
-                <a:glow rad="228600">
-                  <a:schemeClr val="accent6">
-                    <a:satMod val="175000"/>
-                    <a:alpha val="40000"/>
-                  </a:schemeClr>
-                </a:glow>
-                <a:outerShdw blurRad="50800" dist="38100" dir="2700000" algn="tl" rotWithShape="0">
-                  <a:prstClr val="black">
-                    <a:alpha val="40000"/>
-                  </a:prstClr>
-                </a:outerShdw>
-              </a:effectLst>
-            </a:endParaRPr>
-          </a:p>
-        </p:txBody>
-      </p:sp>
-      <p:sp>
-        <p:nvSpPr>
-          <p:cNvPr id="108" name="직사각형 107"/>
-          <p:cNvSpPr/>
-          <p:nvPr/>
-        </p:nvSpPr>
-        <p:spPr>
-          <a:xfrm>
-            <a:off x="5436096" y="1772816"/>
-            <a:ext cx="504056" cy="504056"/>
-          </a:xfrm>
-          <a:prstGeom prst="rect">
-            <a:avLst/>
-          </a:prstGeom>
-          <a:noFill/>
-          <a:ln w="38100">
-            <a:solidFill>
-              <a:srgbClr val="002060"/>
-            </a:solidFill>
-            <a:prstDash val="solid"/>
-          </a:ln>
-          <a:effectLst/>
-          <a:scene3d>
-            <a:camera prst="orthographicFront"/>
-            <a:lightRig rig="threePt" dir="t"/>
-          </a:scene3d>
-          <a:sp3d/>
-        </p:spPr>
-        <p:style>
-          <a:lnRef idx="2">
-            <a:schemeClr val="accent1">
-              <a:shade val="50000"/>
-            </a:schemeClr>
-          </a:lnRef>
-          <a:fillRef idx="1">
-            <a:schemeClr val="accent1"/>
-          </a:fillRef>
-          <a:effectRef idx="0">
-            <a:schemeClr val="accent1"/>
-          </a:effectRef>
-          <a:fontRef idx="minor">
-            <a:schemeClr val="lt1"/>
-          </a:fontRef>
-        </p:style>
-        <p:txBody>
-          <a:bodyPr rtlCol="0" anchor="ctr">
+              <a:prstDash val="solid"/>
+            </a:ln>
+            <a:effectLst/>
             <a:scene3d>
               <a:camera prst="orthographicFront"/>
-              <a:lightRig rig="soft" dir="tl">
-                <a:rot lat="0" lon="0" rev="0"/>
-              </a:lightRig>
+              <a:lightRig rig="threePt" dir="t"/>
             </a:scene3d>
-            <a:sp3d contourW="25400" prstMaterial="matte">
-              <a:bevelT w="25400" h="55880" prst="artDeco"/>
-              <a:contourClr>
-                <a:schemeClr val="accent2">
-                  <a:tint val="20000"/>
-                </a:schemeClr>
-              </a:contourClr>
-            </a:sp3d>
-          </a:bodyPr>
-          <a:lstStyle/>
-          <a:p>
-            <a:pPr algn="ctr"/>
-            <a:endParaRPr lang="ko-KR" altLang="en-US" b="1" spc="50" dirty="0" smtClean="0">
-              <a:ln w="11430">
+            <a:sp3d/>
+          </p:spPr>
+          <p:style>
+            <a:lnRef idx="2">
+              <a:schemeClr val="accent1">
+                <a:shade val="50000"/>
+              </a:schemeClr>
+            </a:lnRef>
+            <a:fillRef idx="1">
+              <a:schemeClr val="accent1"/>
+            </a:fillRef>
+            <a:effectRef idx="0">
+              <a:schemeClr val="accent1"/>
+            </a:effectRef>
+            <a:fontRef idx="minor">
+              <a:schemeClr val="lt1"/>
+            </a:fontRef>
+          </p:style>
+          <p:txBody>
+            <a:bodyPr rtlCol="0" anchor="ctr">
+              <a:scene3d>
+                <a:camera prst="orthographicFront"/>
+                <a:lightRig rig="soft" dir="tl">
+                  <a:rot lat="0" lon="0" rev="0"/>
+                </a:lightRig>
+              </a:scene3d>
+              <a:sp3d contourW="25400" prstMaterial="matte">
+                <a:bevelT w="25400" h="55880" prst="artDeco"/>
+                <a:contourClr>
+                  <a:schemeClr val="accent2">
+                    <a:tint val="20000"/>
+                  </a:schemeClr>
+                </a:contourClr>
+              </a:sp3d>
+            </a:bodyPr>
+            <a:lstStyle/>
+            <a:p>
+              <a:pPr algn="ctr"/>
+              <a:endParaRPr lang="ko-KR" altLang="en-US" b="1" spc="50" dirty="0" smtClean="0">
+                <a:ln w="11430">
+                  <a:solidFill>
+                    <a:srgbClr val="00B050"/>
+                  </a:solidFill>
+                </a:ln>
                 <a:solidFill>
                   <a:srgbClr val="00B050"/>
                 </a:solidFill>
-              </a:ln>
-              <a:solidFill>
-                <a:srgbClr val="00B050"/>
-              </a:solidFill>
-              <a:effectLst>
-                <a:glow rad="228600">
+                <a:effectLst>
+                  <a:glow rad="228600">
+                    <a:schemeClr val="accent6">
+                      <a:satMod val="175000"/>
+                      <a:alpha val="40000"/>
+                    </a:schemeClr>
+                  </a:glow>
+                  <a:outerShdw blurRad="50800" dist="38100" dir="2700000" algn="tl" rotWithShape="0">
+                    <a:prstClr val="black">
+                      <a:alpha val="40000"/>
+                    </a:prstClr>
+                  </a:outerShdw>
+                </a:effectLst>
+              </a:endParaRPr>
+            </a:p>
+          </p:txBody>
+        </p:sp>
+        <p:sp>
+          <p:nvSpPr>
+            <p:cNvPr id="111" name="직사각형 110"/>
+            <p:cNvSpPr/>
+            <p:nvPr/>
+          </p:nvSpPr>
+          <p:spPr>
+            <a:xfrm>
+              <a:off x="5220072" y="1556792"/>
+              <a:ext cx="432048" cy="400110"/>
+            </a:xfrm>
+            <a:prstGeom prst="rect">
+              <a:avLst/>
+            </a:prstGeom>
+            <a:noFill/>
+          </p:spPr>
+          <p:txBody>
+            <a:bodyPr wrap="square" lIns="91440" tIns="45720" rIns="91440" bIns="45720">
+              <a:spAutoFit/>
+              <a:scene3d>
+                <a:camera prst="orthographicFront"/>
+                <a:lightRig rig="glow" dir="tl">
+                  <a:rot lat="0" lon="0" rev="5400000"/>
+                </a:lightRig>
+              </a:scene3d>
+              <a:sp3d extrusionH="57150" contourW="12700">
+                <a:bevelT w="25400" h="25400"/>
+                <a:contourClr>
                   <a:schemeClr val="accent6">
-                    <a:satMod val="175000"/>
-                    <a:alpha val="40000"/>
+                    <a:shade val="73000"/>
                   </a:schemeClr>
-                </a:glow>
-                <a:outerShdw blurRad="50800" dist="38100" dir="2700000" algn="tl" rotWithShape="0">
-                  <a:prstClr val="black">
-                    <a:alpha val="40000"/>
-                  </a:prstClr>
-                </a:outerShdw>
-              </a:effectLst>
-            </a:endParaRPr>
-          </a:p>
-        </p:txBody>
-      </p:sp>
-      <p:sp>
-        <p:nvSpPr>
-          <p:cNvPr id="111" name="직사각형 110"/>
-          <p:cNvSpPr/>
-          <p:nvPr/>
-        </p:nvSpPr>
-        <p:spPr>
-          <a:xfrm>
-            <a:off x="5220072" y="1556792"/>
-            <a:ext cx="432048" cy="400110"/>
-          </a:xfrm>
-          <a:prstGeom prst="rect">
-            <a:avLst/>
-          </a:prstGeom>
-          <a:noFill/>
-        </p:spPr>
-        <p:txBody>
-          <a:bodyPr wrap="square" lIns="91440" tIns="45720" rIns="91440" bIns="45720">
-            <a:spAutoFit/>
-            <a:scene3d>
-              <a:camera prst="orthographicFront"/>
-              <a:lightRig rig="glow" dir="tl">
-                <a:rot lat="0" lon="0" rev="5400000"/>
-              </a:lightRig>
-            </a:scene3d>
-            <a:sp3d extrusionH="57150" contourW="12700">
-              <a:bevelT w="25400" h="25400"/>
-              <a:contourClr>
-                <a:schemeClr val="accent6">
-                  <a:shade val="73000"/>
-                </a:schemeClr>
-              </a:contourClr>
-            </a:sp3d>
-          </a:bodyPr>
-          <a:lstStyle/>
-          <a:p>
-            <a:pPr algn="ctr"/>
-            <a:r>
-              <a:rPr lang="ko-KR" altLang="en-US" sz="2000" b="1" dirty="0" smtClean="0">
+                </a:contourClr>
+              </a:sp3d>
+            </a:bodyPr>
+            <a:lstStyle/>
+            <a:p>
+              <a:pPr algn="ctr"/>
+              <a:r>
+                <a:rPr lang="ko-KR" altLang="en-US" sz="2000" b="1" dirty="0" smtClean="0">
+                  <a:ln w="11430">
+                    <a:solidFill>
+                      <a:srgbClr val="FFFF00"/>
+                    </a:solidFill>
+                  </a:ln>
+                  <a:solidFill>
+                    <a:srgbClr val="002060"/>
+                  </a:solidFill>
+                  <a:effectLst>
+                    <a:glow rad="228600">
+                      <a:schemeClr val="accent5">
+                        <a:satMod val="175000"/>
+                        <a:alpha val="40000"/>
+                      </a:schemeClr>
+                    </a:glow>
+                    <a:outerShdw blurRad="80000" dist="40000" dir="5040000" algn="tl">
+                      <a:srgbClr val="000000">
+                        <a:alpha val="30000"/>
+                      </a:srgbClr>
+                    </a:outerShdw>
+                  </a:effectLst>
+                </a:rPr>
+                <a:t>㉯</a:t>
+              </a:r>
+              <a:endParaRPr lang="en-US" altLang="ko-KR" sz="2000" b="1" cap="none" spc="0" dirty="0">
                 <a:ln w="11430">
                   <a:solidFill>
                     <a:srgbClr val="FFFF00"/>
@@ -9584,74 +10619,74 @@
                     </a:srgbClr>
                   </a:outerShdw>
                 </a:effectLst>
-              </a:rPr>
-              <a:t>㉯</a:t>
-            </a:r>
-            <a:endParaRPr lang="en-US" altLang="ko-KR" sz="2000" b="1" cap="none" spc="0" dirty="0">
-              <a:ln w="11430">
-                <a:solidFill>
-                  <a:srgbClr val="FFFF00"/>
-                </a:solidFill>
-              </a:ln>
-              <a:solidFill>
-                <a:srgbClr val="002060"/>
-              </a:solidFill>
-              <a:effectLst>
-                <a:glow rad="228600">
-                  <a:schemeClr val="accent5">
-                    <a:satMod val="175000"/>
-                    <a:alpha val="40000"/>
+              </a:endParaRPr>
+            </a:p>
+          </p:txBody>
+        </p:sp>
+        <p:sp>
+          <p:nvSpPr>
+            <p:cNvPr id="56" name="직사각형 55"/>
+            <p:cNvSpPr/>
+            <p:nvPr/>
+          </p:nvSpPr>
+          <p:spPr>
+            <a:xfrm>
+              <a:off x="4644008" y="2204864"/>
+              <a:ext cx="432048" cy="400110"/>
+            </a:xfrm>
+            <a:prstGeom prst="rect">
+              <a:avLst/>
+            </a:prstGeom>
+            <a:noFill/>
+          </p:spPr>
+          <p:txBody>
+            <a:bodyPr wrap="square" lIns="91440" tIns="45720" rIns="91440" bIns="45720">
+              <a:spAutoFit/>
+              <a:scene3d>
+                <a:camera prst="orthographicFront"/>
+                <a:lightRig rig="glow" dir="tl">
+                  <a:rot lat="0" lon="0" rev="5400000"/>
+                </a:lightRig>
+              </a:scene3d>
+              <a:sp3d extrusionH="57150" contourW="12700">
+                <a:bevelT w="25400" h="25400"/>
+                <a:contourClr>
+                  <a:schemeClr val="accent6">
+                    <a:shade val="73000"/>
                   </a:schemeClr>
-                </a:glow>
-                <a:outerShdw blurRad="80000" dist="40000" dir="5040000" algn="tl">
-                  <a:srgbClr val="000000">
-                    <a:alpha val="30000"/>
-                  </a:srgbClr>
-                </a:outerShdw>
-              </a:effectLst>
-            </a:endParaRPr>
-          </a:p>
-        </p:txBody>
-      </p:sp>
-      <p:sp>
-        <p:nvSpPr>
-          <p:cNvPr id="56" name="직사각형 55"/>
-          <p:cNvSpPr/>
-          <p:nvPr/>
-        </p:nvSpPr>
-        <p:spPr>
-          <a:xfrm>
-            <a:off x="4644008" y="2204864"/>
-            <a:ext cx="432048" cy="400110"/>
-          </a:xfrm>
-          <a:prstGeom prst="rect">
-            <a:avLst/>
-          </a:prstGeom>
-          <a:noFill/>
-        </p:spPr>
-        <p:txBody>
-          <a:bodyPr wrap="square" lIns="91440" tIns="45720" rIns="91440" bIns="45720">
-            <a:spAutoFit/>
-            <a:scene3d>
-              <a:camera prst="orthographicFront"/>
-              <a:lightRig rig="glow" dir="tl">
-                <a:rot lat="0" lon="0" rev="5400000"/>
-              </a:lightRig>
-            </a:scene3d>
-            <a:sp3d extrusionH="57150" contourW="12700">
-              <a:bevelT w="25400" h="25400"/>
-              <a:contourClr>
-                <a:schemeClr val="accent6">
-                  <a:shade val="73000"/>
-                </a:schemeClr>
-              </a:contourClr>
-            </a:sp3d>
-          </a:bodyPr>
-          <a:lstStyle/>
-          <a:p>
-            <a:pPr algn="ctr"/>
-            <a:r>
-              <a:rPr lang="ko-KR" altLang="en-US" sz="2000" b="1" dirty="0" smtClean="0">
+                </a:contourClr>
+              </a:sp3d>
+            </a:bodyPr>
+            <a:lstStyle/>
+            <a:p>
+              <a:pPr algn="ctr"/>
+              <a:r>
+                <a:rPr lang="ko-KR" altLang="en-US" sz="2000" b="1" dirty="0" smtClean="0">
+                  <a:ln w="11430">
+                    <a:solidFill>
+                      <a:srgbClr val="FFFF00"/>
+                    </a:solidFill>
+                  </a:ln>
+                  <a:solidFill>
+                    <a:srgbClr val="FFFF00"/>
+                  </a:solidFill>
+                  <a:effectLst>
+                    <a:glow rad="139700">
+                      <a:schemeClr val="accent3">
+                        <a:satMod val="175000"/>
+                        <a:alpha val="40000"/>
+                      </a:schemeClr>
+                    </a:glow>
+                    <a:outerShdw blurRad="80000" dist="40000" dir="5040000" algn="tl">
+                      <a:srgbClr val="000000">
+                        <a:alpha val="30000"/>
+                      </a:srgbClr>
+                    </a:outerShdw>
+                  </a:effectLst>
+                </a:rPr>
+                <a:t>㉠</a:t>
+              </a:r>
+              <a:endParaRPr lang="en-US" altLang="ko-KR" sz="2000" b="1" cap="none" spc="0" dirty="0">
                 <a:ln w="11430">
                   <a:solidFill>
                     <a:srgbClr val="FFFF00"/>
@@ -9673,74 +10708,74 @@
                     </a:srgbClr>
                   </a:outerShdw>
                 </a:effectLst>
-              </a:rPr>
-              <a:t>㉠</a:t>
-            </a:r>
-            <a:endParaRPr lang="en-US" altLang="ko-KR" sz="2000" b="1" cap="none" spc="0" dirty="0">
-              <a:ln w="11430">
-                <a:solidFill>
-                  <a:srgbClr val="FFFF00"/>
-                </a:solidFill>
-              </a:ln>
-              <a:solidFill>
-                <a:srgbClr val="FFFF00"/>
-              </a:solidFill>
-              <a:effectLst>
-                <a:glow rad="139700">
-                  <a:schemeClr val="accent3">
-                    <a:satMod val="175000"/>
-                    <a:alpha val="40000"/>
+              </a:endParaRPr>
+            </a:p>
+          </p:txBody>
+        </p:sp>
+        <p:sp>
+          <p:nvSpPr>
+            <p:cNvPr id="112" name="직사각형 111"/>
+            <p:cNvSpPr/>
+            <p:nvPr/>
+          </p:nvSpPr>
+          <p:spPr>
+            <a:xfrm>
+              <a:off x="4644008" y="1556792"/>
+              <a:ext cx="432048" cy="400110"/>
+            </a:xfrm>
+            <a:prstGeom prst="rect">
+              <a:avLst/>
+            </a:prstGeom>
+            <a:noFill/>
+          </p:spPr>
+          <p:txBody>
+            <a:bodyPr wrap="square" lIns="91440" tIns="45720" rIns="91440" bIns="45720">
+              <a:spAutoFit/>
+              <a:scene3d>
+                <a:camera prst="orthographicFront"/>
+                <a:lightRig rig="glow" dir="tl">
+                  <a:rot lat="0" lon="0" rev="5400000"/>
+                </a:lightRig>
+              </a:scene3d>
+              <a:sp3d extrusionH="57150" contourW="12700">
+                <a:bevelT w="25400" h="25400"/>
+                <a:contourClr>
+                  <a:schemeClr val="accent6">
+                    <a:shade val="73000"/>
                   </a:schemeClr>
-                </a:glow>
-                <a:outerShdw blurRad="80000" dist="40000" dir="5040000" algn="tl">
-                  <a:srgbClr val="000000">
-                    <a:alpha val="30000"/>
-                  </a:srgbClr>
-                </a:outerShdw>
-              </a:effectLst>
-            </a:endParaRPr>
-          </a:p>
-        </p:txBody>
-      </p:sp>
-      <p:sp>
-        <p:nvSpPr>
-          <p:cNvPr id="112" name="직사각형 111"/>
-          <p:cNvSpPr/>
-          <p:nvPr/>
-        </p:nvSpPr>
-        <p:spPr>
-          <a:xfrm>
-            <a:off x="4644008" y="1556792"/>
-            <a:ext cx="432048" cy="400110"/>
-          </a:xfrm>
-          <a:prstGeom prst="rect">
-            <a:avLst/>
-          </a:prstGeom>
-          <a:noFill/>
-        </p:spPr>
-        <p:txBody>
-          <a:bodyPr wrap="square" lIns="91440" tIns="45720" rIns="91440" bIns="45720">
-            <a:spAutoFit/>
-            <a:scene3d>
-              <a:camera prst="orthographicFront"/>
-              <a:lightRig rig="glow" dir="tl">
-                <a:rot lat="0" lon="0" rev="5400000"/>
-              </a:lightRig>
-            </a:scene3d>
-            <a:sp3d extrusionH="57150" contourW="12700">
-              <a:bevelT w="25400" h="25400"/>
-              <a:contourClr>
-                <a:schemeClr val="accent6">
-                  <a:shade val="73000"/>
-                </a:schemeClr>
-              </a:contourClr>
-            </a:sp3d>
-          </a:bodyPr>
-          <a:lstStyle/>
-          <a:p>
-            <a:pPr algn="ctr"/>
-            <a:r>
-              <a:rPr lang="ko-KR" altLang="en-US" sz="2000" b="1" cap="none" spc="0" dirty="0" smtClean="0">
+                </a:contourClr>
+              </a:sp3d>
+            </a:bodyPr>
+            <a:lstStyle/>
+            <a:p>
+              <a:pPr algn="ctr"/>
+              <a:r>
+                <a:rPr lang="ko-KR" altLang="en-US" sz="2000" b="1" cap="none" spc="0" dirty="0" smtClean="0">
+                  <a:ln w="11430">
+                    <a:solidFill>
+                      <a:srgbClr val="FFFF00"/>
+                    </a:solidFill>
+                  </a:ln>
+                  <a:solidFill>
+                    <a:srgbClr val="002060"/>
+                  </a:solidFill>
+                  <a:effectLst>
+                    <a:glow rad="228600">
+                      <a:schemeClr val="accent5">
+                        <a:satMod val="175000"/>
+                        <a:alpha val="40000"/>
+                      </a:schemeClr>
+                    </a:glow>
+                    <a:outerShdw blurRad="80000" dist="40000" dir="5040000" algn="tl">
+                      <a:srgbClr val="000000">
+                        <a:alpha val="30000"/>
+                      </a:srgbClr>
+                    </a:outerShdw>
+                  </a:effectLst>
+                </a:rPr>
+                <a:t>㉮</a:t>
+              </a:r>
+              <a:endParaRPr lang="en-US" altLang="ko-KR" sz="2000" b="1" cap="none" spc="0" dirty="0">
                 <a:ln w="11430">
                   <a:solidFill>
                     <a:srgbClr val="FFFF00"/>
@@ -9762,51 +10797,4798 @@
                     </a:srgbClr>
                   </a:outerShdw>
                 </a:effectLst>
-              </a:rPr>
-              <a:t>㉮</a:t>
-            </a:r>
-            <a:endParaRPr lang="en-US" altLang="ko-KR" sz="2000" b="1" cap="none" spc="0" dirty="0">
-              <a:ln w="11430">
+              </a:endParaRPr>
+            </a:p>
+          </p:txBody>
+        </p:sp>
+        <p:sp>
+          <p:nvSpPr>
+            <p:cNvPr id="27" name="직사각형 26"/>
+            <p:cNvSpPr/>
+            <p:nvPr/>
+          </p:nvSpPr>
+          <p:spPr>
+            <a:xfrm>
+              <a:off x="467544" y="836712"/>
+              <a:ext cx="3888432" cy="603448"/>
+            </a:xfrm>
+            <a:prstGeom prst="rect">
+              <a:avLst/>
+            </a:prstGeom>
+            <a:solidFill>
+              <a:srgbClr val="FFC000">
+                <a:alpha val="40000"/>
+              </a:srgbClr>
+            </a:solidFill>
+            <a:ln>
+              <a:solidFill>
+                <a:srgbClr val="92D050"/>
+              </a:solidFill>
+              <a:prstDash val="solid"/>
+            </a:ln>
+            <a:effectLst>
+              <a:outerShdw blurRad="63500" sx="102000" sy="102000" algn="ctr" rotWithShape="0">
+                <a:prstClr val="black">
+                  <a:alpha val="40000"/>
+                </a:prstClr>
+              </a:outerShdw>
+            </a:effectLst>
+            <a:scene3d>
+              <a:camera prst="orthographicFront"/>
+              <a:lightRig rig="threePt" dir="t"/>
+            </a:scene3d>
+            <a:sp3d/>
+          </p:spPr>
+          <p:style>
+            <a:lnRef idx="2">
+              <a:schemeClr val="accent1">
+                <a:shade val="50000"/>
+              </a:schemeClr>
+            </a:lnRef>
+            <a:fillRef idx="1">
+              <a:schemeClr val="accent1"/>
+            </a:fillRef>
+            <a:effectRef idx="0">
+              <a:schemeClr val="accent1"/>
+            </a:effectRef>
+            <a:fontRef idx="minor">
+              <a:schemeClr val="lt1"/>
+            </a:fontRef>
+          </p:style>
+          <p:txBody>
+            <a:bodyPr rtlCol="0" anchor="ctr">
+              <a:scene3d>
+                <a:camera prst="orthographicFront">
+                  <a:rot lat="0" lon="0" rev="0"/>
+                </a:camera>
+                <a:lightRig rig="glow" dir="t">
+                  <a:rot lat="0" lon="0" rev="3600000"/>
+                </a:lightRig>
+              </a:scene3d>
+              <a:sp3d prstMaterial="softEdge">
+                <a:bevelT w="29210" h="16510"/>
+                <a:contourClr>
+                  <a:schemeClr val="accent4">
+                    <a:alpha val="95000"/>
+                  </a:schemeClr>
+                </a:contourClr>
+              </a:sp3d>
+            </a:bodyPr>
+            <a:lstStyle/>
+            <a:p>
+              <a:pPr algn="ctr"/>
+              <a:r>
+                <a:rPr lang="ko-KR" altLang="en-US" sz="3000" b="1" dirty="0" smtClean="0">
+                  <a:ln>
+                    <a:solidFill>
+                      <a:schemeClr val="accent2">
+                        <a:lumMod val="50000"/>
+                      </a:schemeClr>
+                    </a:solidFill>
+                    <a:prstDash val="solid"/>
+                  </a:ln>
+                  <a:solidFill>
+                    <a:schemeClr val="accent1">
+                      <a:lumMod val="20000"/>
+                      <a:lumOff val="80000"/>
+                    </a:schemeClr>
+                  </a:solidFill>
+                  <a:effectLst>
+                    <a:glow rad="139700">
+                      <a:schemeClr val="accent5">
+                        <a:satMod val="175000"/>
+                        <a:alpha val="40000"/>
+                      </a:schemeClr>
+                    </a:glow>
+                    <a:outerShdw blurRad="88000" dist="50800" dir="5040000" algn="tl">
+                      <a:schemeClr val="accent4">
+                        <a:tint val="80000"/>
+                        <a:satMod val="250000"/>
+                        <a:alpha val="45000"/>
+                      </a:schemeClr>
+                    </a:outerShdw>
+                  </a:effectLst>
+                </a:rPr>
+                <a:t>플레이 방법</a:t>
+              </a:r>
+              <a:endParaRPr lang="ko-KR" altLang="en-US" sz="3000" b="1" dirty="0" smtClean="0">
+                <a:ln>
+                  <a:solidFill>
+                    <a:schemeClr val="accent2">
+                      <a:lumMod val="50000"/>
+                    </a:schemeClr>
+                  </a:solidFill>
+                  <a:prstDash val="solid"/>
+                </a:ln>
                 <a:solidFill>
-                  <a:srgbClr val="FFFF00"/>
+                  <a:schemeClr val="accent1">
+                    <a:lumMod val="20000"/>
+                    <a:lumOff val="80000"/>
+                  </a:schemeClr>
                 </a:solidFill>
+                <a:effectLst>
+                  <a:glow rad="139700">
+                    <a:schemeClr val="accent5">
+                      <a:satMod val="175000"/>
+                      <a:alpha val="40000"/>
+                    </a:schemeClr>
+                  </a:glow>
+                  <a:outerShdw blurRad="88000" dist="50800" dir="5040000" algn="tl">
+                    <a:schemeClr val="accent4">
+                      <a:tint val="80000"/>
+                      <a:satMod val="250000"/>
+                      <a:alpha val="45000"/>
+                    </a:schemeClr>
+                  </a:outerShdw>
+                </a:effectLst>
+              </a:endParaRPr>
+            </a:p>
+          </p:txBody>
+        </p:sp>
+        <p:grpSp>
+          <p:nvGrpSpPr>
+            <p:cNvPr id="95" name="그룹 94"/>
+            <p:cNvGrpSpPr/>
+            <p:nvPr/>
+          </p:nvGrpSpPr>
+          <p:grpSpPr>
+            <a:xfrm>
+              <a:off x="395536" y="1628800"/>
+              <a:ext cx="4104456" cy="4536504"/>
+              <a:chOff x="395536" y="1628800"/>
+              <a:chExt cx="4104456" cy="4536504"/>
+            </a:xfrm>
+          </p:grpSpPr>
+          <p:sp>
+            <p:nvSpPr>
+              <p:cNvPr id="28" name="직사각형 27"/>
+              <p:cNvSpPr/>
+              <p:nvPr/>
+            </p:nvSpPr>
+            <p:spPr>
+              <a:xfrm>
+                <a:off x="467544" y="1628800"/>
+                <a:ext cx="3888432" cy="4536504"/>
+              </a:xfrm>
+              <a:prstGeom prst="rect">
+                <a:avLst/>
+              </a:prstGeom>
+              <a:solidFill>
+                <a:srgbClr val="FFFF00">
+                  <a:alpha val="50000"/>
+                </a:srgbClr>
+              </a:solidFill>
+              <a:ln>
+                <a:solidFill>
+                  <a:srgbClr val="92D050"/>
+                </a:solidFill>
+                <a:prstDash val="solid"/>
               </a:ln>
-              <a:solidFill>
-                <a:srgbClr val="002060"/>
-              </a:solidFill>
               <a:effectLst>
-                <a:glow rad="228600">
-                  <a:schemeClr val="accent5">
-                    <a:satMod val="175000"/>
+                <a:outerShdw blurRad="63500" sx="102000" sy="102000" algn="ctr" rotWithShape="0">
+                  <a:prstClr val="black">
                     <a:alpha val="40000"/>
-                  </a:schemeClr>
-                </a:glow>
-                <a:outerShdw blurRad="80000" dist="40000" dir="5040000" algn="tl">
-                  <a:srgbClr val="000000">
-                    <a:alpha val="30000"/>
-                  </a:srgbClr>
+                  </a:prstClr>
                 </a:outerShdw>
               </a:effectLst>
-            </a:endParaRPr>
-          </a:p>
-        </p:txBody>
-      </p:sp>
+              <a:scene3d>
+                <a:camera prst="orthographicFront"/>
+                <a:lightRig rig="threePt" dir="t"/>
+              </a:scene3d>
+              <a:sp3d/>
+            </p:spPr>
+            <p:style>
+              <a:lnRef idx="2">
+                <a:schemeClr val="accent1">
+                  <a:shade val="50000"/>
+                </a:schemeClr>
+              </a:lnRef>
+              <a:fillRef idx="1">
+                <a:schemeClr val="accent1"/>
+              </a:fillRef>
+              <a:effectRef idx="0">
+                <a:schemeClr val="accent1"/>
+              </a:effectRef>
+              <a:fontRef idx="minor">
+                <a:schemeClr val="lt1"/>
+              </a:fontRef>
+            </p:style>
+            <p:txBody>
+              <a:bodyPr rtlCol="0" anchor="ctr">
+                <a:scene3d>
+                  <a:camera prst="orthographicFront">
+                    <a:rot lat="0" lon="0" rev="0"/>
+                  </a:camera>
+                  <a:lightRig rig="glow" dir="t">
+                    <a:rot lat="0" lon="0" rev="3600000"/>
+                  </a:lightRig>
+                </a:scene3d>
+                <a:sp3d prstMaterial="softEdge">
+                  <a:bevelT w="29210" h="16510"/>
+                  <a:contourClr>
+                    <a:schemeClr val="accent4">
+                      <a:alpha val="95000"/>
+                    </a:schemeClr>
+                  </a:contourClr>
+                </a:sp3d>
+              </a:bodyPr>
+              <a:lstStyle/>
+              <a:p>
+                <a:endParaRPr lang="ko-KR" altLang="en-US" sz="3000" b="1" dirty="0" smtClean="0">
+                  <a:ln>
+                    <a:solidFill>
+                      <a:schemeClr val="accent2">
+                        <a:lumMod val="50000"/>
+                      </a:schemeClr>
+                    </a:solidFill>
+                    <a:prstDash val="solid"/>
+                  </a:ln>
+                  <a:solidFill>
+                    <a:schemeClr val="accent1">
+                      <a:lumMod val="20000"/>
+                      <a:lumOff val="80000"/>
+                    </a:schemeClr>
+                  </a:solidFill>
+                  <a:effectLst>
+                    <a:glow rad="101600">
+                      <a:schemeClr val="accent1">
+                        <a:satMod val="175000"/>
+                        <a:alpha val="40000"/>
+                      </a:schemeClr>
+                    </a:glow>
+                    <a:outerShdw blurRad="88000" dist="50800" dir="5040000" algn="tl">
+                      <a:schemeClr val="accent4">
+                        <a:tint val="80000"/>
+                        <a:satMod val="250000"/>
+                        <a:alpha val="45000"/>
+                      </a:schemeClr>
+                    </a:outerShdw>
+                  </a:effectLst>
+                </a:endParaRPr>
+              </a:p>
+            </p:txBody>
+          </p:sp>
+          <p:grpSp>
+            <p:nvGrpSpPr>
+              <p:cNvPr id="31" name="그룹 30"/>
+              <p:cNvGrpSpPr/>
+              <p:nvPr/>
+            </p:nvGrpSpPr>
+            <p:grpSpPr>
+              <a:xfrm>
+                <a:off x="395536" y="1700808"/>
+                <a:ext cx="3960440" cy="400110"/>
+                <a:chOff x="395536" y="1628800"/>
+                <a:chExt cx="3960440" cy="400110"/>
+              </a:xfrm>
+            </p:grpSpPr>
+            <p:sp>
+              <p:nvSpPr>
+                <p:cNvPr id="29" name="직사각형 28"/>
+                <p:cNvSpPr/>
+                <p:nvPr/>
+              </p:nvSpPr>
+              <p:spPr>
+                <a:xfrm>
+                  <a:off x="395536" y="1628800"/>
+                  <a:ext cx="432048" cy="400110"/>
+                </a:xfrm>
+                <a:prstGeom prst="rect">
+                  <a:avLst/>
+                </a:prstGeom>
+                <a:noFill/>
+              </p:spPr>
+              <p:txBody>
+                <a:bodyPr wrap="square" lIns="91440" tIns="45720" rIns="91440" bIns="45720">
+                  <a:spAutoFit/>
+                  <a:scene3d>
+                    <a:camera prst="orthographicFront"/>
+                    <a:lightRig rig="glow" dir="tl">
+                      <a:rot lat="0" lon="0" rev="5400000"/>
+                    </a:lightRig>
+                  </a:scene3d>
+                  <a:sp3d extrusionH="57150" contourW="12700">
+                    <a:bevelT w="25400" h="25400"/>
+                    <a:contourClr>
+                      <a:schemeClr val="accent6">
+                        <a:shade val="73000"/>
+                      </a:schemeClr>
+                    </a:contourClr>
+                  </a:sp3d>
+                </a:bodyPr>
+                <a:lstStyle/>
+                <a:p>
+                  <a:r>
+                    <a:rPr lang="ko-KR" altLang="en-US" sz="2000" b="1" cap="none" spc="0" dirty="0" smtClean="0">
+                      <a:ln w="11430">
+                        <a:solidFill>
+                          <a:srgbClr val="FFFF00"/>
+                        </a:solidFill>
+                      </a:ln>
+                      <a:solidFill>
+                        <a:srgbClr val="002060"/>
+                      </a:solidFill>
+                      <a:effectLst>
+                        <a:glow rad="101600">
+                          <a:schemeClr val="accent1">
+                            <a:satMod val="175000"/>
+                            <a:alpha val="40000"/>
+                          </a:schemeClr>
+                        </a:glow>
+                        <a:outerShdw blurRad="80000" dist="40000" dir="5040000" algn="tl">
+                          <a:srgbClr val="000000">
+                            <a:alpha val="30000"/>
+                          </a:srgbClr>
+                        </a:outerShdw>
+                      </a:effectLst>
+                    </a:rPr>
+                    <a:t>㉮</a:t>
+                  </a:r>
+                  <a:endParaRPr lang="en-US" altLang="ko-KR" sz="2000" b="1" cap="none" spc="0" dirty="0">
+                    <a:ln w="11430">
+                      <a:solidFill>
+                        <a:srgbClr val="FFFF00"/>
+                      </a:solidFill>
+                    </a:ln>
+                    <a:solidFill>
+                      <a:srgbClr val="002060"/>
+                    </a:solidFill>
+                    <a:effectLst>
+                      <a:glow rad="101600">
+                        <a:schemeClr val="accent1">
+                          <a:satMod val="175000"/>
+                          <a:alpha val="40000"/>
+                        </a:schemeClr>
+                      </a:glow>
+                      <a:outerShdw blurRad="80000" dist="40000" dir="5040000" algn="tl">
+                        <a:srgbClr val="000000">
+                          <a:alpha val="30000"/>
+                        </a:srgbClr>
+                      </a:outerShdw>
+                    </a:effectLst>
+                  </a:endParaRPr>
+                </a:p>
+              </p:txBody>
+            </p:sp>
+            <p:sp>
+              <p:nvSpPr>
+                <p:cNvPr id="30" name="직사각형 29"/>
+                <p:cNvSpPr/>
+                <p:nvPr/>
+              </p:nvSpPr>
+              <p:spPr>
+                <a:xfrm>
+                  <a:off x="755576" y="1650866"/>
+                  <a:ext cx="3600400" cy="307777"/>
+                </a:xfrm>
+                <a:prstGeom prst="rect">
+                  <a:avLst/>
+                </a:prstGeom>
+                <a:noFill/>
+              </p:spPr>
+              <p:txBody>
+                <a:bodyPr wrap="square" lIns="91440" tIns="45720" rIns="91440" bIns="45720">
+                  <a:spAutoFit/>
+                </a:bodyPr>
+                <a:lstStyle/>
+                <a:p>
+                  <a:r>
+                    <a:rPr lang="ko-KR" altLang="en-US" sz="1400" b="1" cap="none" spc="0" dirty="0" smtClean="0">
+                      <a:ln w="900" cmpd="sng">
+                        <a:solidFill>
+                          <a:schemeClr val="accent1">
+                            <a:satMod val="190000"/>
+                            <a:alpha val="55000"/>
+                          </a:schemeClr>
+                        </a:solidFill>
+                        <a:prstDash val="solid"/>
+                      </a:ln>
+                      <a:solidFill>
+                        <a:schemeClr val="accent1">
+                          <a:satMod val="200000"/>
+                          <a:tint val="3000"/>
+                        </a:schemeClr>
+                      </a:solidFill>
+                      <a:effectLst>
+                        <a:glow rad="101600">
+                          <a:schemeClr val="accent1">
+                            <a:satMod val="175000"/>
+                            <a:alpha val="40000"/>
+                          </a:schemeClr>
+                        </a:glow>
+                        <a:innerShdw blurRad="101600" dist="76200" dir="5400000">
+                          <a:schemeClr val="accent1">
+                            <a:satMod val="190000"/>
+                            <a:tint val="100000"/>
+                            <a:alpha val="74000"/>
+                          </a:schemeClr>
+                        </a:innerShdw>
+                      </a:effectLst>
+                    </a:rPr>
+                    <a:t>메인 </a:t>
+                  </a:r>
+                  <a:r>
+                    <a:rPr lang="ko-KR" altLang="en-US" sz="1400" b="1" dirty="0" smtClean="0">
+                      <a:ln w="900" cmpd="sng">
+                        <a:solidFill>
+                          <a:schemeClr val="accent1">
+                            <a:satMod val="190000"/>
+                            <a:alpha val="55000"/>
+                          </a:schemeClr>
+                        </a:solidFill>
+                        <a:prstDash val="solid"/>
+                      </a:ln>
+                      <a:solidFill>
+                        <a:schemeClr val="accent1">
+                          <a:satMod val="200000"/>
+                          <a:tint val="3000"/>
+                        </a:schemeClr>
+                      </a:solidFill>
+                      <a:effectLst>
+                        <a:glow rad="101600">
+                          <a:schemeClr val="accent1">
+                            <a:satMod val="175000"/>
+                            <a:alpha val="40000"/>
+                          </a:schemeClr>
+                        </a:glow>
+                        <a:innerShdw blurRad="101600" dist="76200" dir="5400000">
+                          <a:schemeClr val="accent1">
+                            <a:satMod val="190000"/>
+                            <a:tint val="100000"/>
+                            <a:alpha val="74000"/>
+                          </a:schemeClr>
+                        </a:innerShdw>
+                      </a:effectLst>
+                    </a:rPr>
+                    <a:t>로고</a:t>
+                  </a:r>
+                  <a:r>
+                    <a:rPr lang="en-US" altLang="ko-KR" sz="1400" b="1" dirty="0" smtClean="0">
+                      <a:ln w="900" cmpd="sng">
+                        <a:solidFill>
+                          <a:schemeClr val="accent1">
+                            <a:satMod val="190000"/>
+                            <a:alpha val="55000"/>
+                          </a:schemeClr>
+                        </a:solidFill>
+                        <a:prstDash val="solid"/>
+                      </a:ln>
+                      <a:solidFill>
+                        <a:schemeClr val="accent1">
+                          <a:satMod val="200000"/>
+                          <a:tint val="3000"/>
+                        </a:schemeClr>
+                      </a:solidFill>
+                      <a:effectLst>
+                        <a:glow rad="101600">
+                          <a:schemeClr val="accent1">
+                            <a:satMod val="175000"/>
+                            <a:alpha val="40000"/>
+                          </a:schemeClr>
+                        </a:glow>
+                        <a:innerShdw blurRad="101600" dist="76200" dir="5400000">
+                          <a:schemeClr val="accent1">
+                            <a:satMod val="190000"/>
+                            <a:tint val="100000"/>
+                            <a:alpha val="74000"/>
+                          </a:schemeClr>
+                        </a:innerShdw>
+                      </a:effectLst>
+                    </a:rPr>
+                    <a:t> </a:t>
+                  </a:r>
+                  <a:r>
+                    <a:rPr lang="en-US" altLang="ko-KR" sz="1400" b="1" dirty="0" smtClean="0">
+                      <a:ln w="900" cmpd="sng">
+                        <a:solidFill>
+                          <a:schemeClr val="accent1">
+                            <a:satMod val="190000"/>
+                            <a:alpha val="55000"/>
+                          </a:schemeClr>
+                        </a:solidFill>
+                        <a:prstDash val="solid"/>
+                      </a:ln>
+                      <a:solidFill>
+                        <a:schemeClr val="accent1">
+                          <a:satMod val="200000"/>
+                          <a:tint val="3000"/>
+                        </a:schemeClr>
+                      </a:solidFill>
+                      <a:effectLst>
+                        <a:glow rad="101600">
+                          <a:schemeClr val="accent1">
+                            <a:satMod val="175000"/>
+                            <a:alpha val="40000"/>
+                          </a:schemeClr>
+                        </a:glow>
+                        <a:innerShdw blurRad="101600" dist="76200" dir="5400000">
+                          <a:schemeClr val="accent1">
+                            <a:satMod val="190000"/>
+                            <a:tint val="100000"/>
+                            <a:alpha val="74000"/>
+                          </a:schemeClr>
+                        </a:innerShdw>
+                      </a:effectLst>
+                    </a:rPr>
+                    <a:t>: </a:t>
+                  </a:r>
+                  <a:r>
+                    <a:rPr lang="ko-KR" altLang="en-US" sz="1400" b="1" dirty="0" smtClean="0">
+                      <a:ln w="900" cmpd="sng">
+                        <a:solidFill>
+                          <a:schemeClr val="accent1">
+                            <a:satMod val="190000"/>
+                            <a:alpha val="55000"/>
+                          </a:schemeClr>
+                        </a:solidFill>
+                        <a:prstDash val="solid"/>
+                      </a:ln>
+                      <a:solidFill>
+                        <a:schemeClr val="accent1">
+                          <a:satMod val="200000"/>
+                          <a:tint val="3000"/>
+                        </a:schemeClr>
+                      </a:solidFill>
+                      <a:effectLst>
+                        <a:glow rad="101600">
+                          <a:schemeClr val="accent1">
+                            <a:satMod val="175000"/>
+                            <a:alpha val="40000"/>
+                          </a:schemeClr>
+                        </a:glow>
+                        <a:innerShdw blurRad="101600" dist="76200" dir="5400000">
+                          <a:schemeClr val="accent1">
+                            <a:satMod val="190000"/>
+                            <a:tint val="100000"/>
+                            <a:alpha val="74000"/>
+                          </a:schemeClr>
+                        </a:innerShdw>
+                      </a:effectLst>
+                    </a:rPr>
+                    <a:t>게임 메뉴화면으로 돌아갑니다</a:t>
+                  </a:r>
+                  <a:r>
+                    <a:rPr lang="en-US" altLang="ko-KR" sz="1400" b="1" dirty="0" smtClean="0">
+                      <a:ln w="900" cmpd="sng">
+                        <a:solidFill>
+                          <a:schemeClr val="accent1">
+                            <a:satMod val="190000"/>
+                            <a:alpha val="55000"/>
+                          </a:schemeClr>
+                        </a:solidFill>
+                        <a:prstDash val="solid"/>
+                      </a:ln>
+                      <a:solidFill>
+                        <a:schemeClr val="accent1">
+                          <a:satMod val="200000"/>
+                          <a:tint val="3000"/>
+                        </a:schemeClr>
+                      </a:solidFill>
+                      <a:effectLst>
+                        <a:glow rad="101600">
+                          <a:schemeClr val="accent1">
+                            <a:satMod val="175000"/>
+                            <a:alpha val="40000"/>
+                          </a:schemeClr>
+                        </a:glow>
+                        <a:innerShdw blurRad="101600" dist="76200" dir="5400000">
+                          <a:schemeClr val="accent1">
+                            <a:satMod val="190000"/>
+                            <a:tint val="100000"/>
+                            <a:alpha val="74000"/>
+                          </a:schemeClr>
+                        </a:innerShdw>
+                      </a:effectLst>
+                    </a:rPr>
+                    <a:t>.</a:t>
+                  </a:r>
+                  <a:endParaRPr lang="en-US" altLang="ko-KR" sz="1400" b="1" cap="none" spc="0" dirty="0">
+                    <a:ln w="900" cmpd="sng">
+                      <a:solidFill>
+                        <a:schemeClr val="accent1">
+                          <a:satMod val="190000"/>
+                          <a:alpha val="55000"/>
+                        </a:schemeClr>
+                      </a:solidFill>
+                      <a:prstDash val="solid"/>
+                    </a:ln>
+                    <a:solidFill>
+                      <a:schemeClr val="accent1">
+                        <a:satMod val="200000"/>
+                        <a:tint val="3000"/>
+                      </a:schemeClr>
+                    </a:solidFill>
+                    <a:effectLst>
+                      <a:glow rad="101600">
+                        <a:schemeClr val="accent1">
+                          <a:satMod val="175000"/>
+                          <a:alpha val="40000"/>
+                        </a:schemeClr>
+                      </a:glow>
+                      <a:innerShdw blurRad="101600" dist="76200" dir="5400000">
+                        <a:schemeClr val="accent1">
+                          <a:satMod val="190000"/>
+                          <a:tint val="100000"/>
+                          <a:alpha val="74000"/>
+                        </a:schemeClr>
+                      </a:innerShdw>
+                    </a:effectLst>
+                  </a:endParaRPr>
+                </a:p>
+              </p:txBody>
+            </p:sp>
+          </p:grpSp>
+          <p:grpSp>
+            <p:nvGrpSpPr>
+              <p:cNvPr id="32" name="그룹 31"/>
+              <p:cNvGrpSpPr/>
+              <p:nvPr/>
+            </p:nvGrpSpPr>
+            <p:grpSpPr>
+              <a:xfrm>
+                <a:off x="395536" y="2060848"/>
+                <a:ext cx="3960440" cy="400110"/>
+                <a:chOff x="395536" y="1628800"/>
+                <a:chExt cx="3960440" cy="400110"/>
+              </a:xfrm>
+            </p:grpSpPr>
+            <p:sp>
+              <p:nvSpPr>
+                <p:cNvPr id="33" name="직사각형 32"/>
+                <p:cNvSpPr/>
+                <p:nvPr/>
+              </p:nvSpPr>
+              <p:spPr>
+                <a:xfrm>
+                  <a:off x="395536" y="1628800"/>
+                  <a:ext cx="432048" cy="400110"/>
+                </a:xfrm>
+                <a:prstGeom prst="rect">
+                  <a:avLst/>
+                </a:prstGeom>
+                <a:noFill/>
+              </p:spPr>
+              <p:txBody>
+                <a:bodyPr wrap="square" lIns="91440" tIns="45720" rIns="91440" bIns="45720">
+                  <a:spAutoFit/>
+                  <a:scene3d>
+                    <a:camera prst="orthographicFront"/>
+                    <a:lightRig rig="glow" dir="tl">
+                      <a:rot lat="0" lon="0" rev="5400000"/>
+                    </a:lightRig>
+                  </a:scene3d>
+                  <a:sp3d extrusionH="57150" contourW="12700">
+                    <a:bevelT w="25400" h="25400"/>
+                    <a:contourClr>
+                      <a:schemeClr val="accent6">
+                        <a:shade val="73000"/>
+                      </a:schemeClr>
+                    </a:contourClr>
+                  </a:sp3d>
+                </a:bodyPr>
+                <a:lstStyle/>
+                <a:p>
+                  <a:r>
+                    <a:rPr lang="ko-KR" altLang="en-US" sz="2000" b="1" dirty="0" smtClean="0">
+                      <a:ln w="11430">
+                        <a:solidFill>
+                          <a:srgbClr val="FFFF00"/>
+                        </a:solidFill>
+                      </a:ln>
+                      <a:solidFill>
+                        <a:srgbClr val="002060"/>
+                      </a:solidFill>
+                      <a:effectLst>
+                        <a:glow rad="101600">
+                          <a:schemeClr val="accent1">
+                            <a:satMod val="175000"/>
+                            <a:alpha val="40000"/>
+                          </a:schemeClr>
+                        </a:glow>
+                        <a:outerShdw blurRad="80000" dist="40000" dir="5040000" algn="tl">
+                          <a:srgbClr val="000000">
+                            <a:alpha val="30000"/>
+                          </a:srgbClr>
+                        </a:outerShdw>
+                      </a:effectLst>
+                    </a:rPr>
+                    <a:t>㉯</a:t>
+                  </a:r>
+                  <a:endParaRPr lang="en-US" altLang="ko-KR" sz="2000" b="1" dirty="0" smtClean="0">
+                    <a:ln w="11430">
+                      <a:solidFill>
+                        <a:srgbClr val="FFFF00"/>
+                      </a:solidFill>
+                    </a:ln>
+                    <a:solidFill>
+                      <a:srgbClr val="002060"/>
+                    </a:solidFill>
+                    <a:effectLst>
+                      <a:glow rad="101600">
+                        <a:schemeClr val="accent1">
+                          <a:satMod val="175000"/>
+                          <a:alpha val="40000"/>
+                        </a:schemeClr>
+                      </a:glow>
+                      <a:outerShdw blurRad="80000" dist="40000" dir="5040000" algn="tl">
+                        <a:srgbClr val="000000">
+                          <a:alpha val="30000"/>
+                        </a:srgbClr>
+                      </a:outerShdw>
+                    </a:effectLst>
+                  </a:endParaRPr>
+                </a:p>
+              </p:txBody>
+            </p:sp>
+            <p:sp>
+              <p:nvSpPr>
+                <p:cNvPr id="34" name="직사각형 33"/>
+                <p:cNvSpPr/>
+                <p:nvPr/>
+              </p:nvSpPr>
+              <p:spPr>
+                <a:xfrm>
+                  <a:off x="755576" y="1650866"/>
+                  <a:ext cx="3600400" cy="307777"/>
+                </a:xfrm>
+                <a:prstGeom prst="rect">
+                  <a:avLst/>
+                </a:prstGeom>
+                <a:noFill/>
+              </p:spPr>
+              <p:txBody>
+                <a:bodyPr wrap="square" lIns="91440" tIns="45720" rIns="91440" bIns="45720">
+                  <a:spAutoFit/>
+                </a:bodyPr>
+                <a:lstStyle/>
+                <a:p>
+                  <a:r>
+                    <a:rPr lang="ko-KR" altLang="en-US" sz="1400" b="1" dirty="0" smtClean="0">
+                      <a:ln w="900" cmpd="sng">
+                        <a:solidFill>
+                          <a:schemeClr val="accent1">
+                            <a:satMod val="190000"/>
+                            <a:alpha val="55000"/>
+                          </a:schemeClr>
+                        </a:solidFill>
+                        <a:prstDash val="solid"/>
+                      </a:ln>
+                      <a:solidFill>
+                        <a:schemeClr val="accent1">
+                          <a:satMod val="200000"/>
+                          <a:tint val="3000"/>
+                        </a:schemeClr>
+                      </a:solidFill>
+                      <a:effectLst>
+                        <a:glow rad="101600">
+                          <a:schemeClr val="accent1">
+                            <a:satMod val="175000"/>
+                            <a:alpha val="40000"/>
+                          </a:schemeClr>
+                        </a:glow>
+                        <a:innerShdw blurRad="101600" dist="76200" dir="5400000">
+                          <a:schemeClr val="accent1">
+                            <a:satMod val="190000"/>
+                            <a:tint val="100000"/>
+                            <a:alpha val="74000"/>
+                          </a:schemeClr>
+                        </a:innerShdw>
+                      </a:effectLst>
+                    </a:rPr>
+                    <a:t>저장 버튼 </a:t>
+                  </a:r>
+                  <a:r>
+                    <a:rPr lang="en-US" altLang="ko-KR" sz="1400" b="1" dirty="0" smtClean="0">
+                      <a:ln w="900" cmpd="sng">
+                        <a:solidFill>
+                          <a:schemeClr val="accent1">
+                            <a:satMod val="190000"/>
+                            <a:alpha val="55000"/>
+                          </a:schemeClr>
+                        </a:solidFill>
+                        <a:prstDash val="solid"/>
+                      </a:ln>
+                      <a:solidFill>
+                        <a:schemeClr val="accent1">
+                          <a:satMod val="200000"/>
+                          <a:tint val="3000"/>
+                        </a:schemeClr>
+                      </a:solidFill>
+                      <a:effectLst>
+                        <a:glow rad="101600">
+                          <a:schemeClr val="accent1">
+                            <a:satMod val="175000"/>
+                            <a:alpha val="40000"/>
+                          </a:schemeClr>
+                        </a:glow>
+                        <a:innerShdw blurRad="101600" dist="76200" dir="5400000">
+                          <a:schemeClr val="accent1">
+                            <a:satMod val="190000"/>
+                            <a:tint val="100000"/>
+                            <a:alpha val="74000"/>
+                          </a:schemeClr>
+                        </a:innerShdw>
+                      </a:effectLst>
+                    </a:rPr>
+                    <a:t>: </a:t>
+                  </a:r>
+                  <a:r>
+                    <a:rPr lang="ko-KR" altLang="en-US" sz="1400" b="1" dirty="0" smtClean="0">
+                      <a:ln w="900" cmpd="sng">
+                        <a:solidFill>
+                          <a:schemeClr val="accent1">
+                            <a:satMod val="190000"/>
+                            <a:alpha val="55000"/>
+                          </a:schemeClr>
+                        </a:solidFill>
+                        <a:prstDash val="solid"/>
+                      </a:ln>
+                      <a:solidFill>
+                        <a:schemeClr val="accent1">
+                          <a:satMod val="200000"/>
+                          <a:tint val="3000"/>
+                        </a:schemeClr>
+                      </a:solidFill>
+                      <a:effectLst>
+                        <a:glow rad="101600">
+                          <a:schemeClr val="accent1">
+                            <a:satMod val="175000"/>
+                            <a:alpha val="40000"/>
+                          </a:schemeClr>
+                        </a:glow>
+                        <a:innerShdw blurRad="101600" dist="76200" dir="5400000">
+                          <a:schemeClr val="accent1">
+                            <a:satMod val="190000"/>
+                            <a:tint val="100000"/>
+                            <a:alpha val="74000"/>
+                          </a:schemeClr>
+                        </a:innerShdw>
+                      </a:effectLst>
+                    </a:rPr>
+                    <a:t>게임을 저장하는 기능입니다</a:t>
+                  </a:r>
+                  <a:r>
+                    <a:rPr lang="en-US" altLang="ko-KR" sz="1400" b="1" dirty="0" smtClean="0">
+                      <a:ln w="900" cmpd="sng">
+                        <a:solidFill>
+                          <a:schemeClr val="accent1">
+                            <a:satMod val="190000"/>
+                            <a:alpha val="55000"/>
+                          </a:schemeClr>
+                        </a:solidFill>
+                        <a:prstDash val="solid"/>
+                      </a:ln>
+                      <a:solidFill>
+                        <a:schemeClr val="accent1">
+                          <a:satMod val="200000"/>
+                          <a:tint val="3000"/>
+                        </a:schemeClr>
+                      </a:solidFill>
+                      <a:effectLst>
+                        <a:glow rad="101600">
+                          <a:schemeClr val="accent1">
+                            <a:satMod val="175000"/>
+                            <a:alpha val="40000"/>
+                          </a:schemeClr>
+                        </a:glow>
+                        <a:innerShdw blurRad="101600" dist="76200" dir="5400000">
+                          <a:schemeClr val="accent1">
+                            <a:satMod val="190000"/>
+                            <a:tint val="100000"/>
+                            <a:alpha val="74000"/>
+                          </a:schemeClr>
+                        </a:innerShdw>
+                      </a:effectLst>
+                    </a:rPr>
+                    <a:t>.</a:t>
+                  </a:r>
+                  <a:endParaRPr lang="en-US" altLang="ko-KR" sz="1400" b="1" cap="none" spc="0" dirty="0">
+                    <a:ln w="900" cmpd="sng">
+                      <a:solidFill>
+                        <a:schemeClr val="accent1">
+                          <a:satMod val="190000"/>
+                          <a:alpha val="55000"/>
+                        </a:schemeClr>
+                      </a:solidFill>
+                      <a:prstDash val="solid"/>
+                    </a:ln>
+                    <a:solidFill>
+                      <a:schemeClr val="accent1">
+                        <a:satMod val="200000"/>
+                        <a:tint val="3000"/>
+                      </a:schemeClr>
+                    </a:solidFill>
+                    <a:effectLst>
+                      <a:glow rad="101600">
+                        <a:schemeClr val="accent1">
+                          <a:satMod val="175000"/>
+                          <a:alpha val="40000"/>
+                        </a:schemeClr>
+                      </a:glow>
+                      <a:innerShdw blurRad="101600" dist="76200" dir="5400000">
+                        <a:schemeClr val="accent1">
+                          <a:satMod val="190000"/>
+                          <a:tint val="100000"/>
+                          <a:alpha val="74000"/>
+                        </a:schemeClr>
+                      </a:innerShdw>
+                    </a:effectLst>
+                  </a:endParaRPr>
+                </a:p>
+              </p:txBody>
+            </p:sp>
+          </p:grpSp>
+          <p:grpSp>
+            <p:nvGrpSpPr>
+              <p:cNvPr id="38" name="그룹 37"/>
+              <p:cNvGrpSpPr/>
+              <p:nvPr/>
+            </p:nvGrpSpPr>
+            <p:grpSpPr>
+              <a:xfrm>
+                <a:off x="395536" y="5733256"/>
+                <a:ext cx="3960440" cy="400110"/>
+                <a:chOff x="395536" y="1628800"/>
+                <a:chExt cx="3960440" cy="400110"/>
+              </a:xfrm>
+            </p:grpSpPr>
+            <p:sp>
+              <p:nvSpPr>
+                <p:cNvPr id="39" name="직사각형 38"/>
+                <p:cNvSpPr/>
+                <p:nvPr/>
+              </p:nvSpPr>
+              <p:spPr>
+                <a:xfrm>
+                  <a:off x="395536" y="1628800"/>
+                  <a:ext cx="432048" cy="400110"/>
+                </a:xfrm>
+                <a:prstGeom prst="rect">
+                  <a:avLst/>
+                </a:prstGeom>
+                <a:noFill/>
+              </p:spPr>
+              <p:txBody>
+                <a:bodyPr wrap="square" lIns="91440" tIns="45720" rIns="91440" bIns="45720">
+                  <a:spAutoFit/>
+                  <a:scene3d>
+                    <a:camera prst="orthographicFront"/>
+                    <a:lightRig rig="glow" dir="tl">
+                      <a:rot lat="0" lon="0" rev="5400000"/>
+                    </a:lightRig>
+                  </a:scene3d>
+                  <a:sp3d extrusionH="57150" contourW="12700">
+                    <a:bevelT w="25400" h="25400"/>
+                    <a:contourClr>
+                      <a:schemeClr val="accent6">
+                        <a:shade val="73000"/>
+                      </a:schemeClr>
+                    </a:contourClr>
+                  </a:sp3d>
+                </a:bodyPr>
+                <a:lstStyle/>
+                <a:p>
+                  <a:pPr algn="ctr"/>
+                  <a:r>
+                    <a:rPr lang="ko-KR" altLang="en-US" sz="2000" b="1" dirty="0" smtClean="0">
+                      <a:ln w="11430">
+                        <a:solidFill>
+                          <a:srgbClr val="FFFF00"/>
+                        </a:solidFill>
+                      </a:ln>
+                      <a:solidFill>
+                        <a:srgbClr val="FFFF00"/>
+                      </a:solidFill>
+                      <a:effectLst>
+                        <a:glow rad="101600">
+                          <a:schemeClr val="accent1">
+                            <a:satMod val="175000"/>
+                            <a:alpha val="40000"/>
+                          </a:schemeClr>
+                        </a:glow>
+                        <a:outerShdw blurRad="80000" dist="40000" dir="5040000" algn="tl">
+                          <a:srgbClr val="000000">
+                            <a:alpha val="30000"/>
+                          </a:srgbClr>
+                        </a:outerShdw>
+                      </a:effectLst>
+                    </a:rPr>
+                    <a:t>㉩</a:t>
+                  </a:r>
+                  <a:endParaRPr lang="en-US" altLang="ko-KR" sz="2000" b="1" dirty="0">
+                    <a:ln w="11430">
+                      <a:solidFill>
+                        <a:srgbClr val="FFFF00"/>
+                      </a:solidFill>
+                    </a:ln>
+                    <a:solidFill>
+                      <a:srgbClr val="FFFF00"/>
+                    </a:solidFill>
+                    <a:effectLst>
+                      <a:glow rad="101600">
+                        <a:schemeClr val="accent1">
+                          <a:satMod val="175000"/>
+                          <a:alpha val="40000"/>
+                        </a:schemeClr>
+                      </a:glow>
+                      <a:outerShdw blurRad="80000" dist="40000" dir="5040000" algn="tl">
+                        <a:srgbClr val="000000">
+                          <a:alpha val="30000"/>
+                        </a:srgbClr>
+                      </a:outerShdw>
+                    </a:effectLst>
+                  </a:endParaRPr>
+                </a:p>
+              </p:txBody>
+            </p:sp>
+            <p:sp>
+              <p:nvSpPr>
+                <p:cNvPr id="40" name="직사각형 39"/>
+                <p:cNvSpPr/>
+                <p:nvPr/>
+              </p:nvSpPr>
+              <p:spPr>
+                <a:xfrm>
+                  <a:off x="755576" y="1650866"/>
+                  <a:ext cx="3600400" cy="307777"/>
+                </a:xfrm>
+                <a:prstGeom prst="rect">
+                  <a:avLst/>
+                </a:prstGeom>
+                <a:noFill/>
+              </p:spPr>
+              <p:txBody>
+                <a:bodyPr wrap="square" lIns="91440" tIns="45720" rIns="91440" bIns="45720">
+                  <a:spAutoFit/>
+                </a:bodyPr>
+                <a:lstStyle/>
+                <a:p>
+                  <a:r>
+                    <a:rPr lang="ko-KR" altLang="en-US" sz="1400" b="1" dirty="0" smtClean="0">
+                      <a:ln w="900" cmpd="sng">
+                        <a:solidFill>
+                          <a:schemeClr val="accent1">
+                            <a:satMod val="190000"/>
+                            <a:alpha val="55000"/>
+                          </a:schemeClr>
+                        </a:solidFill>
+                        <a:prstDash val="solid"/>
+                      </a:ln>
+                      <a:solidFill>
+                        <a:schemeClr val="accent1">
+                          <a:satMod val="200000"/>
+                          <a:tint val="3000"/>
+                        </a:schemeClr>
+                      </a:solidFill>
+                      <a:effectLst>
+                        <a:glow rad="101600">
+                          <a:schemeClr val="accent1">
+                            <a:satMod val="175000"/>
+                            <a:alpha val="40000"/>
+                          </a:schemeClr>
+                        </a:glow>
+                        <a:innerShdw blurRad="101600" dist="76200" dir="5400000">
+                          <a:schemeClr val="accent1">
+                            <a:satMod val="190000"/>
+                            <a:tint val="100000"/>
+                            <a:alpha val="74000"/>
+                          </a:schemeClr>
+                        </a:innerShdw>
+                      </a:effectLst>
+                    </a:rPr>
+                    <a:t>행동하</a:t>
+                  </a:r>
+                  <a:r>
+                    <a:rPr lang="ko-KR" altLang="en-US" sz="1400" b="1" dirty="0" smtClean="0">
+                      <a:ln w="900" cmpd="sng">
+                        <a:solidFill>
+                          <a:schemeClr val="accent1">
+                            <a:satMod val="190000"/>
+                            <a:alpha val="55000"/>
+                          </a:schemeClr>
+                        </a:solidFill>
+                        <a:prstDash val="solid"/>
+                      </a:ln>
+                      <a:solidFill>
+                        <a:schemeClr val="accent1">
+                          <a:satMod val="200000"/>
+                          <a:tint val="3000"/>
+                        </a:schemeClr>
+                      </a:solidFill>
+                      <a:effectLst>
+                        <a:glow rad="101600">
+                          <a:schemeClr val="accent1">
+                            <a:satMod val="175000"/>
+                            <a:alpha val="40000"/>
+                          </a:schemeClr>
+                        </a:glow>
+                        <a:innerShdw blurRad="101600" dist="76200" dir="5400000">
+                          <a:schemeClr val="accent1">
+                            <a:satMod val="190000"/>
+                            <a:tint val="100000"/>
+                            <a:alpha val="74000"/>
+                          </a:schemeClr>
+                        </a:innerShdw>
+                      </a:effectLst>
+                    </a:rPr>
+                    <a:t>기</a:t>
+                  </a:r>
+                  <a:r>
+                    <a:rPr lang="en-US" altLang="ko-KR" sz="1400" b="1" dirty="0" smtClean="0">
+                      <a:ln w="900" cmpd="sng">
+                        <a:solidFill>
+                          <a:schemeClr val="accent1">
+                            <a:satMod val="190000"/>
+                            <a:alpha val="55000"/>
+                          </a:schemeClr>
+                        </a:solidFill>
+                        <a:prstDash val="solid"/>
+                      </a:ln>
+                      <a:solidFill>
+                        <a:schemeClr val="accent1">
+                          <a:satMod val="200000"/>
+                          <a:tint val="3000"/>
+                        </a:schemeClr>
+                      </a:solidFill>
+                      <a:effectLst>
+                        <a:glow rad="101600">
+                          <a:schemeClr val="accent1">
+                            <a:satMod val="175000"/>
+                            <a:alpha val="40000"/>
+                          </a:schemeClr>
+                        </a:glow>
+                        <a:innerShdw blurRad="101600" dist="76200" dir="5400000">
+                          <a:schemeClr val="accent1">
+                            <a:satMod val="190000"/>
+                            <a:tint val="100000"/>
+                            <a:alpha val="74000"/>
+                          </a:schemeClr>
+                        </a:innerShdw>
+                      </a:effectLst>
+                    </a:rPr>
+                    <a:t> : </a:t>
+                  </a:r>
+                  <a:r>
+                    <a:rPr lang="ko-KR" altLang="en-US" sz="1400" b="1" dirty="0" smtClean="0">
+                      <a:ln w="900" cmpd="sng">
+                        <a:solidFill>
+                          <a:schemeClr val="accent1">
+                            <a:satMod val="190000"/>
+                            <a:alpha val="55000"/>
+                          </a:schemeClr>
+                        </a:solidFill>
+                        <a:prstDash val="solid"/>
+                      </a:ln>
+                      <a:solidFill>
+                        <a:schemeClr val="accent1">
+                          <a:satMod val="200000"/>
+                          <a:tint val="3000"/>
+                        </a:schemeClr>
+                      </a:solidFill>
+                      <a:effectLst>
+                        <a:glow rad="101600">
+                          <a:schemeClr val="accent1">
+                            <a:satMod val="175000"/>
+                            <a:alpha val="40000"/>
+                          </a:schemeClr>
+                        </a:glow>
+                        <a:innerShdw blurRad="101600" dist="76200" dir="5400000">
+                          <a:schemeClr val="accent1">
+                            <a:satMod val="190000"/>
+                            <a:tint val="100000"/>
+                            <a:alpha val="74000"/>
+                          </a:schemeClr>
+                        </a:innerShdw>
+                      </a:effectLst>
+                    </a:rPr>
+                    <a:t>여러 아이템을 사용합니다</a:t>
+                  </a:r>
+                  <a:r>
+                    <a:rPr lang="en-US" altLang="ko-KR" sz="1400" b="1" dirty="0" smtClean="0">
+                      <a:ln w="900" cmpd="sng">
+                        <a:solidFill>
+                          <a:schemeClr val="accent1">
+                            <a:satMod val="190000"/>
+                            <a:alpha val="55000"/>
+                          </a:schemeClr>
+                        </a:solidFill>
+                        <a:prstDash val="solid"/>
+                      </a:ln>
+                      <a:solidFill>
+                        <a:schemeClr val="accent1">
+                          <a:satMod val="200000"/>
+                          <a:tint val="3000"/>
+                        </a:schemeClr>
+                      </a:solidFill>
+                      <a:effectLst>
+                        <a:glow rad="101600">
+                          <a:schemeClr val="accent1">
+                            <a:satMod val="175000"/>
+                            <a:alpha val="40000"/>
+                          </a:schemeClr>
+                        </a:glow>
+                        <a:innerShdw blurRad="101600" dist="76200" dir="5400000">
+                          <a:schemeClr val="accent1">
+                            <a:satMod val="190000"/>
+                            <a:tint val="100000"/>
+                            <a:alpha val="74000"/>
+                          </a:schemeClr>
+                        </a:innerShdw>
+                      </a:effectLst>
+                    </a:rPr>
+                    <a:t>.</a:t>
+                  </a:r>
+                  <a:endParaRPr lang="en-US" altLang="ko-KR" sz="1400" b="1" cap="none" spc="0" dirty="0">
+                    <a:ln w="900" cmpd="sng">
+                      <a:solidFill>
+                        <a:schemeClr val="accent1">
+                          <a:satMod val="190000"/>
+                          <a:alpha val="55000"/>
+                        </a:schemeClr>
+                      </a:solidFill>
+                      <a:prstDash val="solid"/>
+                    </a:ln>
+                    <a:solidFill>
+                      <a:schemeClr val="accent1">
+                        <a:satMod val="200000"/>
+                        <a:tint val="3000"/>
+                      </a:schemeClr>
+                    </a:solidFill>
+                    <a:effectLst>
+                      <a:glow rad="101600">
+                        <a:schemeClr val="accent1">
+                          <a:satMod val="175000"/>
+                          <a:alpha val="40000"/>
+                        </a:schemeClr>
+                      </a:glow>
+                      <a:innerShdw blurRad="101600" dist="76200" dir="5400000">
+                        <a:schemeClr val="accent1">
+                          <a:satMod val="190000"/>
+                          <a:tint val="100000"/>
+                          <a:alpha val="74000"/>
+                        </a:schemeClr>
+                      </a:innerShdw>
+                    </a:effectLst>
+                  </a:endParaRPr>
+                </a:p>
+              </p:txBody>
+            </p:sp>
+          </p:grpSp>
+          <p:grpSp>
+            <p:nvGrpSpPr>
+              <p:cNvPr id="41" name="그룹 40"/>
+              <p:cNvGrpSpPr/>
+              <p:nvPr/>
+            </p:nvGrpSpPr>
+            <p:grpSpPr>
+              <a:xfrm>
+                <a:off x="395536" y="5373216"/>
+                <a:ext cx="3960440" cy="400110"/>
+                <a:chOff x="395536" y="1628800"/>
+                <a:chExt cx="3960440" cy="400110"/>
+              </a:xfrm>
+            </p:grpSpPr>
+            <p:sp>
+              <p:nvSpPr>
+                <p:cNvPr id="42" name="직사각형 41"/>
+                <p:cNvSpPr/>
+                <p:nvPr/>
+              </p:nvSpPr>
+              <p:spPr>
+                <a:xfrm>
+                  <a:off x="395536" y="1628800"/>
+                  <a:ext cx="432048" cy="400110"/>
+                </a:xfrm>
+                <a:prstGeom prst="rect">
+                  <a:avLst/>
+                </a:prstGeom>
+                <a:noFill/>
+              </p:spPr>
+              <p:txBody>
+                <a:bodyPr wrap="square" lIns="91440" tIns="45720" rIns="91440" bIns="45720">
+                  <a:spAutoFit/>
+                  <a:scene3d>
+                    <a:camera prst="orthographicFront"/>
+                    <a:lightRig rig="glow" dir="tl">
+                      <a:rot lat="0" lon="0" rev="5400000"/>
+                    </a:lightRig>
+                  </a:scene3d>
+                  <a:sp3d extrusionH="57150" contourW="12700">
+                    <a:bevelT w="25400" h="25400"/>
+                    <a:contourClr>
+                      <a:schemeClr val="accent6">
+                        <a:shade val="73000"/>
+                      </a:schemeClr>
+                    </a:contourClr>
+                  </a:sp3d>
+                </a:bodyPr>
+                <a:lstStyle/>
+                <a:p>
+                  <a:r>
+                    <a:rPr lang="ko-KR" altLang="en-US" sz="2000" b="1" dirty="0" smtClean="0">
+                      <a:ln w="11430">
+                        <a:solidFill>
+                          <a:srgbClr val="FFFF00"/>
+                        </a:solidFill>
+                      </a:ln>
+                      <a:solidFill>
+                        <a:srgbClr val="FFFF00"/>
+                      </a:solidFill>
+                      <a:effectLst>
+                        <a:glow rad="101600">
+                          <a:schemeClr val="accent1">
+                            <a:satMod val="175000"/>
+                            <a:alpha val="40000"/>
+                          </a:schemeClr>
+                        </a:glow>
+                        <a:outerShdw blurRad="80000" dist="40000" dir="5040000" algn="tl">
+                          <a:srgbClr val="000000">
+                            <a:alpha val="30000"/>
+                          </a:srgbClr>
+                        </a:outerShdw>
+                      </a:effectLst>
+                    </a:rPr>
+                    <a:t>㉨</a:t>
+                  </a:r>
+                  <a:endParaRPr lang="en-US" altLang="ko-KR" sz="2000" b="1" dirty="0" smtClean="0">
+                    <a:ln w="11430">
+                      <a:solidFill>
+                        <a:srgbClr val="FFFF00"/>
+                      </a:solidFill>
+                    </a:ln>
+                    <a:solidFill>
+                      <a:srgbClr val="FFFF00"/>
+                    </a:solidFill>
+                    <a:effectLst>
+                      <a:glow rad="101600">
+                        <a:schemeClr val="accent1">
+                          <a:satMod val="175000"/>
+                          <a:alpha val="40000"/>
+                        </a:schemeClr>
+                      </a:glow>
+                      <a:outerShdw blurRad="80000" dist="40000" dir="5040000" algn="tl">
+                        <a:srgbClr val="000000">
+                          <a:alpha val="30000"/>
+                        </a:srgbClr>
+                      </a:outerShdw>
+                    </a:effectLst>
+                  </a:endParaRPr>
+                </a:p>
+              </p:txBody>
+            </p:sp>
+            <p:sp>
+              <p:nvSpPr>
+                <p:cNvPr id="43" name="직사각형 42"/>
+                <p:cNvSpPr/>
+                <p:nvPr/>
+              </p:nvSpPr>
+              <p:spPr>
+                <a:xfrm>
+                  <a:off x="755576" y="1650866"/>
+                  <a:ext cx="3600400" cy="307777"/>
+                </a:xfrm>
+                <a:prstGeom prst="rect">
+                  <a:avLst/>
+                </a:prstGeom>
+                <a:noFill/>
+              </p:spPr>
+              <p:txBody>
+                <a:bodyPr wrap="square" lIns="91440" tIns="45720" rIns="91440" bIns="45720">
+                  <a:spAutoFit/>
+                </a:bodyPr>
+                <a:lstStyle/>
+                <a:p>
+                  <a:r>
+                    <a:rPr lang="ko-KR" altLang="en-US" sz="1400" b="1" cap="none" spc="0" dirty="0" smtClean="0">
+                      <a:ln w="900" cmpd="sng">
+                        <a:solidFill>
+                          <a:schemeClr val="accent1">
+                            <a:satMod val="190000"/>
+                            <a:alpha val="55000"/>
+                          </a:schemeClr>
+                        </a:solidFill>
+                        <a:prstDash val="solid"/>
+                      </a:ln>
+                      <a:solidFill>
+                        <a:schemeClr val="accent1">
+                          <a:satMod val="200000"/>
+                          <a:tint val="3000"/>
+                        </a:schemeClr>
+                      </a:solidFill>
+                      <a:effectLst>
+                        <a:glow rad="101600">
+                          <a:schemeClr val="accent1">
+                            <a:satMod val="175000"/>
+                            <a:alpha val="40000"/>
+                          </a:schemeClr>
+                        </a:glow>
+                        <a:innerShdw blurRad="101600" dist="76200" dir="5400000">
+                          <a:schemeClr val="accent1">
+                            <a:satMod val="190000"/>
+                            <a:tint val="100000"/>
+                            <a:alpha val="74000"/>
+                          </a:schemeClr>
+                        </a:innerShdw>
+                      </a:effectLst>
+                    </a:rPr>
+                    <a:t>메인 </a:t>
+                  </a:r>
+                  <a:r>
+                    <a:rPr lang="ko-KR" altLang="en-US" sz="1400" b="1" dirty="0" smtClean="0">
+                      <a:ln w="900" cmpd="sng">
+                        <a:solidFill>
+                          <a:schemeClr val="accent1">
+                            <a:satMod val="190000"/>
+                            <a:alpha val="55000"/>
+                          </a:schemeClr>
+                        </a:solidFill>
+                        <a:prstDash val="solid"/>
+                      </a:ln>
+                      <a:solidFill>
+                        <a:schemeClr val="accent1">
+                          <a:satMod val="200000"/>
+                          <a:tint val="3000"/>
+                        </a:schemeClr>
+                      </a:solidFill>
+                      <a:effectLst>
+                        <a:glow rad="101600">
+                          <a:schemeClr val="accent1">
+                            <a:satMod val="175000"/>
+                            <a:alpha val="40000"/>
+                          </a:schemeClr>
+                        </a:glow>
+                        <a:innerShdw blurRad="101600" dist="76200" dir="5400000">
+                          <a:schemeClr val="accent1">
+                            <a:satMod val="190000"/>
+                            <a:tint val="100000"/>
+                            <a:alpha val="74000"/>
+                          </a:schemeClr>
+                        </a:innerShdw>
+                      </a:effectLst>
+                    </a:rPr>
+                    <a:t>로고</a:t>
+                  </a:r>
+                  <a:r>
+                    <a:rPr lang="en-US" altLang="ko-KR" sz="1400" b="1" dirty="0" smtClean="0">
+                      <a:ln w="900" cmpd="sng">
+                        <a:solidFill>
+                          <a:schemeClr val="accent1">
+                            <a:satMod val="190000"/>
+                            <a:alpha val="55000"/>
+                          </a:schemeClr>
+                        </a:solidFill>
+                        <a:prstDash val="solid"/>
+                      </a:ln>
+                      <a:solidFill>
+                        <a:schemeClr val="accent1">
+                          <a:satMod val="200000"/>
+                          <a:tint val="3000"/>
+                        </a:schemeClr>
+                      </a:solidFill>
+                      <a:effectLst>
+                        <a:glow rad="101600">
+                          <a:schemeClr val="accent1">
+                            <a:satMod val="175000"/>
+                            <a:alpha val="40000"/>
+                          </a:schemeClr>
+                        </a:glow>
+                        <a:innerShdw blurRad="101600" dist="76200" dir="5400000">
+                          <a:schemeClr val="accent1">
+                            <a:satMod val="190000"/>
+                            <a:tint val="100000"/>
+                            <a:alpha val="74000"/>
+                          </a:schemeClr>
+                        </a:innerShdw>
+                      </a:effectLst>
+                    </a:rPr>
+                    <a:t> </a:t>
+                  </a:r>
+                  <a:r>
+                    <a:rPr lang="en-US" altLang="ko-KR" sz="1400" b="1" dirty="0" smtClean="0">
+                      <a:ln w="900" cmpd="sng">
+                        <a:solidFill>
+                          <a:schemeClr val="accent1">
+                            <a:satMod val="190000"/>
+                            <a:alpha val="55000"/>
+                          </a:schemeClr>
+                        </a:solidFill>
+                        <a:prstDash val="solid"/>
+                      </a:ln>
+                      <a:solidFill>
+                        <a:schemeClr val="accent1">
+                          <a:satMod val="200000"/>
+                          <a:tint val="3000"/>
+                        </a:schemeClr>
+                      </a:solidFill>
+                      <a:effectLst>
+                        <a:glow rad="101600">
+                          <a:schemeClr val="accent1">
+                            <a:satMod val="175000"/>
+                            <a:alpha val="40000"/>
+                          </a:schemeClr>
+                        </a:glow>
+                        <a:innerShdw blurRad="101600" dist="76200" dir="5400000">
+                          <a:schemeClr val="accent1">
+                            <a:satMod val="190000"/>
+                            <a:tint val="100000"/>
+                            <a:alpha val="74000"/>
+                          </a:schemeClr>
+                        </a:innerShdw>
+                      </a:effectLst>
+                    </a:rPr>
+                    <a:t>: </a:t>
+                  </a:r>
+                  <a:r>
+                    <a:rPr lang="ko-KR" altLang="en-US" sz="1400" b="1" dirty="0" smtClean="0">
+                      <a:ln w="900" cmpd="sng">
+                        <a:solidFill>
+                          <a:schemeClr val="accent1">
+                            <a:satMod val="190000"/>
+                            <a:alpha val="55000"/>
+                          </a:schemeClr>
+                        </a:solidFill>
+                        <a:prstDash val="solid"/>
+                      </a:ln>
+                      <a:solidFill>
+                        <a:schemeClr val="accent1">
+                          <a:satMod val="200000"/>
+                          <a:tint val="3000"/>
+                        </a:schemeClr>
+                      </a:solidFill>
+                      <a:effectLst>
+                        <a:glow rad="101600">
+                          <a:schemeClr val="accent1">
+                            <a:satMod val="175000"/>
+                            <a:alpha val="40000"/>
+                          </a:schemeClr>
+                        </a:glow>
+                        <a:innerShdw blurRad="101600" dist="76200" dir="5400000">
+                          <a:schemeClr val="accent1">
+                            <a:satMod val="190000"/>
+                            <a:tint val="100000"/>
+                            <a:alpha val="74000"/>
+                          </a:schemeClr>
+                        </a:innerShdw>
+                      </a:effectLst>
+                    </a:rPr>
+                    <a:t>게임 메뉴화면으로 돌아갑니다</a:t>
+                  </a:r>
+                  <a:r>
+                    <a:rPr lang="en-US" altLang="ko-KR" sz="1400" b="1" dirty="0" smtClean="0">
+                      <a:ln w="900" cmpd="sng">
+                        <a:solidFill>
+                          <a:schemeClr val="accent1">
+                            <a:satMod val="190000"/>
+                            <a:alpha val="55000"/>
+                          </a:schemeClr>
+                        </a:solidFill>
+                        <a:prstDash val="solid"/>
+                      </a:ln>
+                      <a:solidFill>
+                        <a:schemeClr val="accent1">
+                          <a:satMod val="200000"/>
+                          <a:tint val="3000"/>
+                        </a:schemeClr>
+                      </a:solidFill>
+                      <a:effectLst>
+                        <a:glow rad="101600">
+                          <a:schemeClr val="accent1">
+                            <a:satMod val="175000"/>
+                            <a:alpha val="40000"/>
+                          </a:schemeClr>
+                        </a:glow>
+                        <a:innerShdw blurRad="101600" dist="76200" dir="5400000">
+                          <a:schemeClr val="accent1">
+                            <a:satMod val="190000"/>
+                            <a:tint val="100000"/>
+                            <a:alpha val="74000"/>
+                          </a:schemeClr>
+                        </a:innerShdw>
+                      </a:effectLst>
+                    </a:rPr>
+                    <a:t>.</a:t>
+                  </a:r>
+                  <a:endParaRPr lang="en-US" altLang="ko-KR" sz="1400" b="1" cap="none" spc="0" dirty="0">
+                    <a:ln w="900" cmpd="sng">
+                      <a:solidFill>
+                        <a:schemeClr val="accent1">
+                          <a:satMod val="190000"/>
+                          <a:alpha val="55000"/>
+                        </a:schemeClr>
+                      </a:solidFill>
+                      <a:prstDash val="solid"/>
+                    </a:ln>
+                    <a:solidFill>
+                      <a:schemeClr val="accent1">
+                        <a:satMod val="200000"/>
+                        <a:tint val="3000"/>
+                      </a:schemeClr>
+                    </a:solidFill>
+                    <a:effectLst>
+                      <a:glow rad="101600">
+                        <a:schemeClr val="accent1">
+                          <a:satMod val="175000"/>
+                          <a:alpha val="40000"/>
+                        </a:schemeClr>
+                      </a:glow>
+                      <a:innerShdw blurRad="101600" dist="76200" dir="5400000">
+                        <a:schemeClr val="accent1">
+                          <a:satMod val="190000"/>
+                          <a:tint val="100000"/>
+                          <a:alpha val="74000"/>
+                        </a:schemeClr>
+                      </a:innerShdw>
+                    </a:effectLst>
+                  </a:endParaRPr>
+                </a:p>
+              </p:txBody>
+            </p:sp>
+          </p:grpSp>
+          <p:grpSp>
+            <p:nvGrpSpPr>
+              <p:cNvPr id="44" name="그룹 43"/>
+              <p:cNvGrpSpPr/>
+              <p:nvPr/>
+            </p:nvGrpSpPr>
+            <p:grpSpPr>
+              <a:xfrm>
+                <a:off x="395536" y="5045114"/>
+                <a:ext cx="3960440" cy="400110"/>
+                <a:chOff x="395536" y="1628800"/>
+                <a:chExt cx="3960440" cy="400110"/>
+              </a:xfrm>
+            </p:grpSpPr>
+            <p:sp>
+              <p:nvSpPr>
+                <p:cNvPr id="45" name="직사각형 44"/>
+                <p:cNvSpPr/>
+                <p:nvPr/>
+              </p:nvSpPr>
+              <p:spPr>
+                <a:xfrm>
+                  <a:off x="395536" y="1628800"/>
+                  <a:ext cx="432048" cy="400110"/>
+                </a:xfrm>
+                <a:prstGeom prst="rect">
+                  <a:avLst/>
+                </a:prstGeom>
+                <a:noFill/>
+              </p:spPr>
+              <p:txBody>
+                <a:bodyPr wrap="square" lIns="91440" tIns="45720" rIns="91440" bIns="45720">
+                  <a:spAutoFit/>
+                  <a:scene3d>
+                    <a:camera prst="orthographicFront"/>
+                    <a:lightRig rig="glow" dir="tl">
+                      <a:rot lat="0" lon="0" rev="5400000"/>
+                    </a:lightRig>
+                  </a:scene3d>
+                  <a:sp3d extrusionH="57150" contourW="12700">
+                    <a:bevelT w="25400" h="25400"/>
+                    <a:contourClr>
+                      <a:schemeClr val="accent6">
+                        <a:shade val="73000"/>
+                      </a:schemeClr>
+                    </a:contourClr>
+                  </a:sp3d>
+                </a:bodyPr>
+                <a:lstStyle/>
+                <a:p>
+                  <a:r>
+                    <a:rPr lang="ko-KR" altLang="en-US" sz="2000" b="1" dirty="0" smtClean="0">
+                      <a:ln w="11430">
+                        <a:solidFill>
+                          <a:srgbClr val="FFFF00"/>
+                        </a:solidFill>
+                      </a:ln>
+                      <a:solidFill>
+                        <a:srgbClr val="FFFF00"/>
+                      </a:solidFill>
+                      <a:effectLst>
+                        <a:glow rad="101600">
+                          <a:schemeClr val="accent1">
+                            <a:satMod val="175000"/>
+                            <a:alpha val="40000"/>
+                          </a:schemeClr>
+                        </a:glow>
+                        <a:outerShdw blurRad="80000" dist="40000" dir="5040000" algn="tl">
+                          <a:srgbClr val="000000">
+                            <a:alpha val="30000"/>
+                          </a:srgbClr>
+                        </a:outerShdw>
+                      </a:effectLst>
+                    </a:rPr>
+                    <a:t>㉧</a:t>
+                  </a:r>
+                  <a:endParaRPr lang="en-US" altLang="ko-KR" sz="2000" b="1" dirty="0" smtClean="0">
+                    <a:ln w="11430">
+                      <a:solidFill>
+                        <a:srgbClr val="FFFF00"/>
+                      </a:solidFill>
+                    </a:ln>
+                    <a:solidFill>
+                      <a:srgbClr val="FFFF00"/>
+                    </a:solidFill>
+                    <a:effectLst>
+                      <a:glow rad="101600">
+                        <a:schemeClr val="accent1">
+                          <a:satMod val="175000"/>
+                          <a:alpha val="40000"/>
+                        </a:schemeClr>
+                      </a:glow>
+                      <a:outerShdw blurRad="80000" dist="40000" dir="5040000" algn="tl">
+                        <a:srgbClr val="000000">
+                          <a:alpha val="30000"/>
+                        </a:srgbClr>
+                      </a:outerShdw>
+                    </a:effectLst>
+                  </a:endParaRPr>
+                </a:p>
+              </p:txBody>
+            </p:sp>
+            <p:sp>
+              <p:nvSpPr>
+                <p:cNvPr id="46" name="직사각형 45"/>
+                <p:cNvSpPr/>
+                <p:nvPr/>
+              </p:nvSpPr>
+              <p:spPr>
+                <a:xfrm>
+                  <a:off x="755576" y="1650866"/>
+                  <a:ext cx="3600400" cy="307777"/>
+                </a:xfrm>
+                <a:prstGeom prst="rect">
+                  <a:avLst/>
+                </a:prstGeom>
+                <a:noFill/>
+              </p:spPr>
+              <p:txBody>
+                <a:bodyPr wrap="square" lIns="91440" tIns="45720" rIns="91440" bIns="45720">
+                  <a:spAutoFit/>
+                </a:bodyPr>
+                <a:lstStyle/>
+                <a:p>
+                  <a:r>
+                    <a:rPr lang="ko-KR" altLang="en-US" sz="1400" b="1" dirty="0" smtClean="0">
+                      <a:ln w="900" cmpd="sng">
+                        <a:solidFill>
+                          <a:schemeClr val="accent1">
+                            <a:satMod val="190000"/>
+                            <a:alpha val="55000"/>
+                          </a:schemeClr>
+                        </a:solidFill>
+                        <a:prstDash val="solid"/>
+                      </a:ln>
+                      <a:solidFill>
+                        <a:schemeClr val="accent1">
+                          <a:satMod val="200000"/>
+                          <a:tint val="3000"/>
+                        </a:schemeClr>
+                      </a:solidFill>
+                      <a:effectLst>
+                        <a:glow rad="101600">
+                          <a:schemeClr val="accent1">
+                            <a:satMod val="175000"/>
+                            <a:alpha val="40000"/>
+                          </a:schemeClr>
+                        </a:glow>
+                        <a:innerShdw blurRad="101600" dist="76200" dir="5400000">
+                          <a:schemeClr val="accent1">
+                            <a:satMod val="190000"/>
+                            <a:tint val="100000"/>
+                            <a:alpha val="74000"/>
+                          </a:schemeClr>
+                        </a:innerShdw>
+                      </a:effectLst>
+                    </a:rPr>
+                    <a:t>팀 직원 </a:t>
+                  </a:r>
+                  <a:r>
+                    <a:rPr lang="en-US" altLang="ko-KR" sz="1400" b="1" dirty="0" smtClean="0">
+                      <a:ln w="900" cmpd="sng">
+                        <a:solidFill>
+                          <a:schemeClr val="accent1">
+                            <a:satMod val="190000"/>
+                            <a:alpha val="55000"/>
+                          </a:schemeClr>
+                        </a:solidFill>
+                        <a:prstDash val="solid"/>
+                      </a:ln>
+                      <a:solidFill>
+                        <a:schemeClr val="accent1">
+                          <a:satMod val="200000"/>
+                          <a:tint val="3000"/>
+                        </a:schemeClr>
+                      </a:solidFill>
+                      <a:effectLst>
+                        <a:glow rad="101600">
+                          <a:schemeClr val="accent1">
+                            <a:satMod val="175000"/>
+                            <a:alpha val="40000"/>
+                          </a:schemeClr>
+                        </a:glow>
+                        <a:innerShdw blurRad="101600" dist="76200" dir="5400000">
+                          <a:schemeClr val="accent1">
+                            <a:satMod val="190000"/>
+                            <a:tint val="100000"/>
+                            <a:alpha val="74000"/>
+                          </a:schemeClr>
+                        </a:innerShdw>
+                      </a:effectLst>
+                    </a:rPr>
+                    <a:t>: </a:t>
+                  </a:r>
+                  <a:r>
+                    <a:rPr lang="ko-KR" altLang="en-US" sz="1400" b="1" dirty="0" smtClean="0">
+                      <a:ln w="900" cmpd="sng">
+                        <a:solidFill>
+                          <a:schemeClr val="accent1">
+                            <a:satMod val="190000"/>
+                            <a:alpha val="55000"/>
+                          </a:schemeClr>
+                        </a:solidFill>
+                        <a:prstDash val="solid"/>
+                      </a:ln>
+                      <a:solidFill>
+                        <a:schemeClr val="accent1">
+                          <a:satMod val="200000"/>
+                          <a:tint val="3000"/>
+                        </a:schemeClr>
+                      </a:solidFill>
+                      <a:effectLst>
+                        <a:glow rad="101600">
+                          <a:schemeClr val="accent1">
+                            <a:satMod val="175000"/>
+                            <a:alpha val="40000"/>
+                          </a:schemeClr>
+                        </a:glow>
+                        <a:innerShdw blurRad="101600" dist="76200" dir="5400000">
+                          <a:schemeClr val="accent1">
+                            <a:satMod val="190000"/>
+                            <a:tint val="100000"/>
+                            <a:alpha val="74000"/>
+                          </a:schemeClr>
+                        </a:innerShdw>
+                      </a:effectLst>
+                    </a:rPr>
+                    <a:t>팀 직원을 볼 수 있습니다</a:t>
+                  </a:r>
+                  <a:r>
+                    <a:rPr lang="en-US" altLang="ko-KR" sz="1400" b="1" dirty="0" smtClean="0">
+                      <a:ln w="900" cmpd="sng">
+                        <a:solidFill>
+                          <a:schemeClr val="accent1">
+                            <a:satMod val="190000"/>
+                            <a:alpha val="55000"/>
+                          </a:schemeClr>
+                        </a:solidFill>
+                        <a:prstDash val="solid"/>
+                      </a:ln>
+                      <a:solidFill>
+                        <a:schemeClr val="accent1">
+                          <a:satMod val="200000"/>
+                          <a:tint val="3000"/>
+                        </a:schemeClr>
+                      </a:solidFill>
+                      <a:effectLst>
+                        <a:glow rad="101600">
+                          <a:schemeClr val="accent1">
+                            <a:satMod val="175000"/>
+                            <a:alpha val="40000"/>
+                          </a:schemeClr>
+                        </a:glow>
+                        <a:innerShdw blurRad="101600" dist="76200" dir="5400000">
+                          <a:schemeClr val="accent1">
+                            <a:satMod val="190000"/>
+                            <a:tint val="100000"/>
+                            <a:alpha val="74000"/>
+                          </a:schemeClr>
+                        </a:innerShdw>
+                      </a:effectLst>
+                    </a:rPr>
+                    <a:t>.</a:t>
+                  </a:r>
+                  <a:endParaRPr lang="en-US" altLang="ko-KR" sz="1400" b="1" cap="none" spc="0" dirty="0">
+                    <a:ln w="900" cmpd="sng">
+                      <a:solidFill>
+                        <a:schemeClr val="accent1">
+                          <a:satMod val="190000"/>
+                          <a:alpha val="55000"/>
+                        </a:schemeClr>
+                      </a:solidFill>
+                      <a:prstDash val="solid"/>
+                    </a:ln>
+                    <a:solidFill>
+                      <a:schemeClr val="accent1">
+                        <a:satMod val="200000"/>
+                        <a:tint val="3000"/>
+                      </a:schemeClr>
+                    </a:solidFill>
+                    <a:effectLst>
+                      <a:glow rad="101600">
+                        <a:schemeClr val="accent1">
+                          <a:satMod val="175000"/>
+                          <a:alpha val="40000"/>
+                        </a:schemeClr>
+                      </a:glow>
+                      <a:innerShdw blurRad="101600" dist="76200" dir="5400000">
+                        <a:schemeClr val="accent1">
+                          <a:satMod val="190000"/>
+                          <a:tint val="100000"/>
+                          <a:alpha val="74000"/>
+                        </a:schemeClr>
+                      </a:innerShdw>
+                    </a:effectLst>
+                  </a:endParaRPr>
+                </a:p>
+              </p:txBody>
+            </p:sp>
+          </p:grpSp>
+          <p:grpSp>
+            <p:nvGrpSpPr>
+              <p:cNvPr id="47" name="그룹 46"/>
+              <p:cNvGrpSpPr/>
+              <p:nvPr/>
+            </p:nvGrpSpPr>
+            <p:grpSpPr>
+              <a:xfrm>
+                <a:off x="395536" y="4725144"/>
+                <a:ext cx="3960440" cy="400110"/>
+                <a:chOff x="395536" y="1628800"/>
+                <a:chExt cx="3960440" cy="400110"/>
+              </a:xfrm>
+            </p:grpSpPr>
+            <p:sp>
+              <p:nvSpPr>
+                <p:cNvPr id="48" name="직사각형 47"/>
+                <p:cNvSpPr/>
+                <p:nvPr/>
+              </p:nvSpPr>
+              <p:spPr>
+                <a:xfrm>
+                  <a:off x="395536" y="1628800"/>
+                  <a:ext cx="432048" cy="400110"/>
+                </a:xfrm>
+                <a:prstGeom prst="rect">
+                  <a:avLst/>
+                </a:prstGeom>
+                <a:noFill/>
+              </p:spPr>
+              <p:txBody>
+                <a:bodyPr wrap="square" lIns="91440" tIns="45720" rIns="91440" bIns="45720">
+                  <a:spAutoFit/>
+                  <a:scene3d>
+                    <a:camera prst="orthographicFront"/>
+                    <a:lightRig rig="glow" dir="tl">
+                      <a:rot lat="0" lon="0" rev="5400000"/>
+                    </a:lightRig>
+                  </a:scene3d>
+                  <a:sp3d extrusionH="57150" contourW="12700">
+                    <a:bevelT w="25400" h="25400"/>
+                    <a:contourClr>
+                      <a:schemeClr val="accent6">
+                        <a:shade val="73000"/>
+                      </a:schemeClr>
+                    </a:contourClr>
+                  </a:sp3d>
+                </a:bodyPr>
+                <a:lstStyle/>
+                <a:p>
+                  <a:pPr algn="ctr"/>
+                  <a:r>
+                    <a:rPr lang="ko-KR" altLang="en-US" sz="2000" b="1" dirty="0" smtClean="0">
+                      <a:ln w="11430">
+                        <a:solidFill>
+                          <a:srgbClr val="FFFF00"/>
+                        </a:solidFill>
+                      </a:ln>
+                      <a:solidFill>
+                        <a:srgbClr val="FFFF00"/>
+                      </a:solidFill>
+                      <a:effectLst>
+                        <a:glow rad="101600">
+                          <a:schemeClr val="accent1">
+                            <a:satMod val="175000"/>
+                            <a:alpha val="40000"/>
+                          </a:schemeClr>
+                        </a:glow>
+                        <a:outerShdw blurRad="80000" dist="40000" dir="5040000" algn="tl">
+                          <a:srgbClr val="000000">
+                            <a:alpha val="30000"/>
+                          </a:srgbClr>
+                        </a:outerShdw>
+                      </a:effectLst>
+                    </a:rPr>
+                    <a:t>㉦</a:t>
+                  </a:r>
+                  <a:endParaRPr lang="en-US" altLang="ko-KR" sz="2000" b="1" dirty="0">
+                    <a:ln w="11430">
+                      <a:solidFill>
+                        <a:srgbClr val="FFFF00"/>
+                      </a:solidFill>
+                    </a:ln>
+                    <a:solidFill>
+                      <a:srgbClr val="FFFF00"/>
+                    </a:solidFill>
+                    <a:effectLst>
+                      <a:glow rad="101600">
+                        <a:schemeClr val="accent1">
+                          <a:satMod val="175000"/>
+                          <a:alpha val="40000"/>
+                        </a:schemeClr>
+                      </a:glow>
+                      <a:outerShdw blurRad="80000" dist="40000" dir="5040000" algn="tl">
+                        <a:srgbClr val="000000">
+                          <a:alpha val="30000"/>
+                        </a:srgbClr>
+                      </a:outerShdw>
+                    </a:effectLst>
+                  </a:endParaRPr>
+                </a:p>
+              </p:txBody>
+            </p:sp>
+            <p:sp>
+              <p:nvSpPr>
+                <p:cNvPr id="49" name="직사각형 48"/>
+                <p:cNvSpPr/>
+                <p:nvPr/>
+              </p:nvSpPr>
+              <p:spPr>
+                <a:xfrm>
+                  <a:off x="755576" y="1650866"/>
+                  <a:ext cx="3600400" cy="307777"/>
+                </a:xfrm>
+                <a:prstGeom prst="rect">
+                  <a:avLst/>
+                </a:prstGeom>
+                <a:noFill/>
+              </p:spPr>
+              <p:txBody>
+                <a:bodyPr wrap="square" lIns="91440" tIns="45720" rIns="91440" bIns="45720">
+                  <a:spAutoFit/>
+                </a:bodyPr>
+                <a:lstStyle/>
+                <a:p>
+                  <a:r>
+                    <a:rPr lang="ko-KR" altLang="en-US" sz="1400" b="1" dirty="0" smtClean="0">
+                      <a:ln w="900" cmpd="sng">
+                        <a:solidFill>
+                          <a:schemeClr val="accent1">
+                            <a:satMod val="190000"/>
+                            <a:alpha val="55000"/>
+                          </a:schemeClr>
+                        </a:solidFill>
+                        <a:prstDash val="solid"/>
+                      </a:ln>
+                      <a:solidFill>
+                        <a:schemeClr val="accent1">
+                          <a:satMod val="200000"/>
+                          <a:tint val="3000"/>
+                        </a:schemeClr>
+                      </a:solidFill>
+                      <a:effectLst>
+                        <a:glow rad="101600">
+                          <a:schemeClr val="accent1">
+                            <a:satMod val="175000"/>
+                            <a:alpha val="40000"/>
+                          </a:schemeClr>
+                        </a:glow>
+                        <a:innerShdw blurRad="101600" dist="76200" dir="5400000">
+                          <a:schemeClr val="accent1">
+                            <a:satMod val="190000"/>
+                            <a:tint val="100000"/>
+                            <a:alpha val="74000"/>
+                          </a:schemeClr>
+                        </a:innerShdw>
+                      </a:effectLst>
+                    </a:rPr>
+                    <a:t>팀 </a:t>
+                  </a:r>
+                  <a:r>
+                    <a:rPr lang="ko-KR" altLang="en-US" sz="1400" b="1" dirty="0" err="1" smtClean="0">
+                      <a:ln w="900" cmpd="sng">
+                        <a:solidFill>
+                          <a:schemeClr val="accent1">
+                            <a:satMod val="190000"/>
+                            <a:alpha val="55000"/>
+                          </a:schemeClr>
+                        </a:solidFill>
+                        <a:prstDash val="solid"/>
+                      </a:ln>
+                      <a:solidFill>
+                        <a:schemeClr val="accent1">
+                          <a:satMod val="200000"/>
+                          <a:tint val="3000"/>
+                        </a:schemeClr>
+                      </a:solidFill>
+                      <a:effectLst>
+                        <a:glow rad="101600">
+                          <a:schemeClr val="accent1">
+                            <a:satMod val="175000"/>
+                            <a:alpha val="40000"/>
+                          </a:schemeClr>
+                        </a:glow>
+                        <a:innerShdw blurRad="101600" dist="76200" dir="5400000">
+                          <a:schemeClr val="accent1">
+                            <a:satMod val="190000"/>
+                            <a:tint val="100000"/>
+                            <a:alpha val="74000"/>
+                          </a:schemeClr>
+                        </a:innerShdw>
+                      </a:effectLst>
+                    </a:rPr>
+                    <a:t>코치단</a:t>
+                  </a:r>
+                  <a:r>
+                    <a:rPr lang="ko-KR" altLang="en-US" sz="1400" b="1" dirty="0" smtClean="0">
+                      <a:ln w="900" cmpd="sng">
+                        <a:solidFill>
+                          <a:schemeClr val="accent1">
+                            <a:satMod val="190000"/>
+                            <a:alpha val="55000"/>
+                          </a:schemeClr>
+                        </a:solidFill>
+                        <a:prstDash val="solid"/>
+                      </a:ln>
+                      <a:solidFill>
+                        <a:schemeClr val="accent1">
+                          <a:satMod val="200000"/>
+                          <a:tint val="3000"/>
+                        </a:schemeClr>
+                      </a:solidFill>
+                      <a:effectLst>
+                        <a:glow rad="101600">
+                          <a:schemeClr val="accent1">
+                            <a:satMod val="175000"/>
+                            <a:alpha val="40000"/>
+                          </a:schemeClr>
+                        </a:glow>
+                        <a:innerShdw blurRad="101600" dist="76200" dir="5400000">
+                          <a:schemeClr val="accent1">
+                            <a:satMod val="190000"/>
+                            <a:tint val="100000"/>
+                            <a:alpha val="74000"/>
+                          </a:schemeClr>
+                        </a:innerShdw>
+                      </a:effectLst>
+                    </a:rPr>
+                    <a:t> </a:t>
+                  </a:r>
+                  <a:r>
+                    <a:rPr lang="en-US" altLang="ko-KR" sz="1400" b="1" dirty="0" smtClean="0">
+                      <a:ln w="900" cmpd="sng">
+                        <a:solidFill>
+                          <a:schemeClr val="accent1">
+                            <a:satMod val="190000"/>
+                            <a:alpha val="55000"/>
+                          </a:schemeClr>
+                        </a:solidFill>
+                        <a:prstDash val="solid"/>
+                      </a:ln>
+                      <a:solidFill>
+                        <a:schemeClr val="accent1">
+                          <a:satMod val="200000"/>
+                          <a:tint val="3000"/>
+                        </a:schemeClr>
+                      </a:solidFill>
+                      <a:effectLst>
+                        <a:glow rad="101600">
+                          <a:schemeClr val="accent1">
+                            <a:satMod val="175000"/>
+                            <a:alpha val="40000"/>
+                          </a:schemeClr>
+                        </a:glow>
+                        <a:innerShdw blurRad="101600" dist="76200" dir="5400000">
+                          <a:schemeClr val="accent1">
+                            <a:satMod val="190000"/>
+                            <a:tint val="100000"/>
+                            <a:alpha val="74000"/>
+                          </a:schemeClr>
+                        </a:innerShdw>
+                      </a:effectLst>
+                    </a:rPr>
+                    <a:t>: </a:t>
+                  </a:r>
+                  <a:r>
+                    <a:rPr lang="ko-KR" altLang="en-US" sz="1400" b="1" dirty="0" smtClean="0">
+                      <a:ln w="900" cmpd="sng">
+                        <a:solidFill>
+                          <a:schemeClr val="accent1">
+                            <a:satMod val="190000"/>
+                            <a:alpha val="55000"/>
+                          </a:schemeClr>
+                        </a:solidFill>
+                        <a:prstDash val="solid"/>
+                      </a:ln>
+                      <a:solidFill>
+                        <a:schemeClr val="accent1">
+                          <a:satMod val="200000"/>
+                          <a:tint val="3000"/>
+                        </a:schemeClr>
+                      </a:solidFill>
+                      <a:effectLst>
+                        <a:glow rad="101600">
+                          <a:schemeClr val="accent1">
+                            <a:satMod val="175000"/>
+                            <a:alpha val="40000"/>
+                          </a:schemeClr>
+                        </a:glow>
+                        <a:innerShdw blurRad="101600" dist="76200" dir="5400000">
+                          <a:schemeClr val="accent1">
+                            <a:satMod val="190000"/>
+                            <a:tint val="100000"/>
+                            <a:alpha val="74000"/>
+                          </a:schemeClr>
+                        </a:innerShdw>
+                      </a:effectLst>
+                    </a:rPr>
+                    <a:t>팀 </a:t>
+                  </a:r>
+                  <a:r>
+                    <a:rPr lang="ko-KR" altLang="en-US" sz="1400" b="1" dirty="0" err="1" smtClean="0">
+                      <a:ln w="900" cmpd="sng">
+                        <a:solidFill>
+                          <a:schemeClr val="accent1">
+                            <a:satMod val="190000"/>
+                            <a:alpha val="55000"/>
+                          </a:schemeClr>
+                        </a:solidFill>
+                        <a:prstDash val="solid"/>
+                      </a:ln>
+                      <a:solidFill>
+                        <a:schemeClr val="accent1">
+                          <a:satMod val="200000"/>
+                          <a:tint val="3000"/>
+                        </a:schemeClr>
+                      </a:solidFill>
+                      <a:effectLst>
+                        <a:glow rad="101600">
+                          <a:schemeClr val="accent1">
+                            <a:satMod val="175000"/>
+                            <a:alpha val="40000"/>
+                          </a:schemeClr>
+                        </a:glow>
+                        <a:innerShdw blurRad="101600" dist="76200" dir="5400000">
+                          <a:schemeClr val="accent1">
+                            <a:satMod val="190000"/>
+                            <a:tint val="100000"/>
+                            <a:alpha val="74000"/>
+                          </a:schemeClr>
+                        </a:innerShdw>
+                      </a:effectLst>
+                    </a:rPr>
+                    <a:t>코치단을</a:t>
+                  </a:r>
+                  <a:r>
+                    <a:rPr lang="ko-KR" altLang="en-US" sz="1400" b="1" dirty="0" smtClean="0">
+                      <a:ln w="900" cmpd="sng">
+                        <a:solidFill>
+                          <a:schemeClr val="accent1">
+                            <a:satMod val="190000"/>
+                            <a:alpha val="55000"/>
+                          </a:schemeClr>
+                        </a:solidFill>
+                        <a:prstDash val="solid"/>
+                      </a:ln>
+                      <a:solidFill>
+                        <a:schemeClr val="accent1">
+                          <a:satMod val="200000"/>
+                          <a:tint val="3000"/>
+                        </a:schemeClr>
+                      </a:solidFill>
+                      <a:effectLst>
+                        <a:glow rad="101600">
+                          <a:schemeClr val="accent1">
+                            <a:satMod val="175000"/>
+                            <a:alpha val="40000"/>
+                          </a:schemeClr>
+                        </a:glow>
+                        <a:innerShdw blurRad="101600" dist="76200" dir="5400000">
+                          <a:schemeClr val="accent1">
+                            <a:satMod val="190000"/>
+                            <a:tint val="100000"/>
+                            <a:alpha val="74000"/>
+                          </a:schemeClr>
+                        </a:innerShdw>
+                      </a:effectLst>
+                    </a:rPr>
+                    <a:t> 볼 수 있습니다</a:t>
+                  </a:r>
+                  <a:r>
+                    <a:rPr lang="en-US" altLang="ko-KR" sz="1400" b="1" dirty="0" smtClean="0">
+                      <a:ln w="900" cmpd="sng">
+                        <a:solidFill>
+                          <a:schemeClr val="accent1">
+                            <a:satMod val="190000"/>
+                            <a:alpha val="55000"/>
+                          </a:schemeClr>
+                        </a:solidFill>
+                        <a:prstDash val="solid"/>
+                      </a:ln>
+                      <a:solidFill>
+                        <a:schemeClr val="accent1">
+                          <a:satMod val="200000"/>
+                          <a:tint val="3000"/>
+                        </a:schemeClr>
+                      </a:solidFill>
+                      <a:effectLst>
+                        <a:glow rad="101600">
+                          <a:schemeClr val="accent1">
+                            <a:satMod val="175000"/>
+                            <a:alpha val="40000"/>
+                          </a:schemeClr>
+                        </a:glow>
+                        <a:innerShdw blurRad="101600" dist="76200" dir="5400000">
+                          <a:schemeClr val="accent1">
+                            <a:satMod val="190000"/>
+                            <a:tint val="100000"/>
+                            <a:alpha val="74000"/>
+                          </a:schemeClr>
+                        </a:innerShdw>
+                      </a:effectLst>
+                    </a:rPr>
+                    <a:t>.</a:t>
+                  </a:r>
+                  <a:endParaRPr lang="en-US" altLang="ko-KR" sz="1400" b="1" cap="none" spc="0" dirty="0">
+                    <a:ln w="900" cmpd="sng">
+                      <a:solidFill>
+                        <a:schemeClr val="accent1">
+                          <a:satMod val="190000"/>
+                          <a:alpha val="55000"/>
+                        </a:schemeClr>
+                      </a:solidFill>
+                      <a:prstDash val="solid"/>
+                    </a:ln>
+                    <a:solidFill>
+                      <a:schemeClr val="accent1">
+                        <a:satMod val="200000"/>
+                        <a:tint val="3000"/>
+                      </a:schemeClr>
+                    </a:solidFill>
+                    <a:effectLst>
+                      <a:glow rad="101600">
+                        <a:schemeClr val="accent1">
+                          <a:satMod val="175000"/>
+                          <a:alpha val="40000"/>
+                        </a:schemeClr>
+                      </a:glow>
+                      <a:innerShdw blurRad="101600" dist="76200" dir="5400000">
+                        <a:schemeClr val="accent1">
+                          <a:satMod val="190000"/>
+                          <a:tint val="100000"/>
+                          <a:alpha val="74000"/>
+                        </a:schemeClr>
+                      </a:innerShdw>
+                    </a:effectLst>
+                  </a:endParaRPr>
+                </a:p>
+              </p:txBody>
+            </p:sp>
+          </p:grpSp>
+          <p:grpSp>
+            <p:nvGrpSpPr>
+              <p:cNvPr id="50" name="그룹 49"/>
+              <p:cNvGrpSpPr/>
+              <p:nvPr/>
+            </p:nvGrpSpPr>
+            <p:grpSpPr>
+              <a:xfrm>
+                <a:off x="395536" y="4397042"/>
+                <a:ext cx="3960440" cy="400110"/>
+                <a:chOff x="395536" y="1628800"/>
+                <a:chExt cx="3960440" cy="400110"/>
+              </a:xfrm>
+            </p:grpSpPr>
+            <p:sp>
+              <p:nvSpPr>
+                <p:cNvPr id="51" name="직사각형 50"/>
+                <p:cNvSpPr/>
+                <p:nvPr/>
+              </p:nvSpPr>
+              <p:spPr>
+                <a:xfrm>
+                  <a:off x="395536" y="1628800"/>
+                  <a:ext cx="432048" cy="400110"/>
+                </a:xfrm>
+                <a:prstGeom prst="rect">
+                  <a:avLst/>
+                </a:prstGeom>
+                <a:noFill/>
+              </p:spPr>
+              <p:txBody>
+                <a:bodyPr wrap="square" lIns="91440" tIns="45720" rIns="91440" bIns="45720">
+                  <a:spAutoFit/>
+                  <a:scene3d>
+                    <a:camera prst="orthographicFront"/>
+                    <a:lightRig rig="glow" dir="tl">
+                      <a:rot lat="0" lon="0" rev="5400000"/>
+                    </a:lightRig>
+                  </a:scene3d>
+                  <a:sp3d extrusionH="57150" contourW="12700">
+                    <a:bevelT w="25400" h="25400"/>
+                    <a:contourClr>
+                      <a:schemeClr val="accent6">
+                        <a:shade val="73000"/>
+                      </a:schemeClr>
+                    </a:contourClr>
+                  </a:sp3d>
+                </a:bodyPr>
+                <a:lstStyle/>
+                <a:p>
+                  <a:r>
+                    <a:rPr lang="ko-KR" altLang="en-US" sz="2000" b="1" dirty="0" smtClean="0">
+                      <a:ln w="11430">
+                        <a:solidFill>
+                          <a:srgbClr val="FFFF00"/>
+                        </a:solidFill>
+                      </a:ln>
+                      <a:solidFill>
+                        <a:srgbClr val="FFFF00"/>
+                      </a:solidFill>
+                      <a:effectLst>
+                        <a:glow rad="101600">
+                          <a:schemeClr val="accent1">
+                            <a:satMod val="175000"/>
+                            <a:alpha val="40000"/>
+                          </a:schemeClr>
+                        </a:glow>
+                        <a:outerShdw blurRad="80000" dist="40000" dir="5040000" algn="tl">
+                          <a:srgbClr val="000000">
+                            <a:alpha val="30000"/>
+                          </a:srgbClr>
+                        </a:outerShdw>
+                      </a:effectLst>
+                    </a:rPr>
+                    <a:t>㉤</a:t>
+                  </a:r>
+                  <a:endParaRPr lang="en-US" altLang="ko-KR" sz="2000" b="1" dirty="0" smtClean="0">
+                    <a:ln w="11430">
+                      <a:solidFill>
+                        <a:srgbClr val="FFFF00"/>
+                      </a:solidFill>
+                    </a:ln>
+                    <a:solidFill>
+                      <a:srgbClr val="FFFF00"/>
+                    </a:solidFill>
+                    <a:effectLst>
+                      <a:glow rad="101600">
+                        <a:schemeClr val="accent1">
+                          <a:satMod val="175000"/>
+                          <a:alpha val="40000"/>
+                        </a:schemeClr>
+                      </a:glow>
+                      <a:outerShdw blurRad="80000" dist="40000" dir="5040000" algn="tl">
+                        <a:srgbClr val="000000">
+                          <a:alpha val="30000"/>
+                        </a:srgbClr>
+                      </a:outerShdw>
+                    </a:effectLst>
+                  </a:endParaRPr>
+                </a:p>
+              </p:txBody>
+            </p:sp>
+            <p:sp>
+              <p:nvSpPr>
+                <p:cNvPr id="52" name="직사각형 51"/>
+                <p:cNvSpPr/>
+                <p:nvPr/>
+              </p:nvSpPr>
+              <p:spPr>
+                <a:xfrm>
+                  <a:off x="755576" y="1650866"/>
+                  <a:ext cx="3600400" cy="307777"/>
+                </a:xfrm>
+                <a:prstGeom prst="rect">
+                  <a:avLst/>
+                </a:prstGeom>
+                <a:noFill/>
+              </p:spPr>
+              <p:txBody>
+                <a:bodyPr wrap="square" lIns="91440" tIns="45720" rIns="91440" bIns="45720">
+                  <a:spAutoFit/>
+                </a:bodyPr>
+                <a:lstStyle/>
+                <a:p>
+                  <a:r>
+                    <a:rPr lang="ko-KR" altLang="en-US" sz="1400" b="1" dirty="0" smtClean="0">
+                      <a:ln w="900" cmpd="sng">
+                        <a:solidFill>
+                          <a:schemeClr val="accent1">
+                            <a:satMod val="190000"/>
+                            <a:alpha val="55000"/>
+                          </a:schemeClr>
+                        </a:solidFill>
+                        <a:prstDash val="solid"/>
+                      </a:ln>
+                      <a:solidFill>
+                        <a:schemeClr val="accent1">
+                          <a:satMod val="200000"/>
+                          <a:tint val="3000"/>
+                        </a:schemeClr>
+                      </a:solidFill>
+                      <a:effectLst>
+                        <a:glow rad="101600">
+                          <a:schemeClr val="accent1">
+                            <a:satMod val="175000"/>
+                            <a:alpha val="40000"/>
+                          </a:schemeClr>
+                        </a:glow>
+                        <a:innerShdw blurRad="101600" dist="76200" dir="5400000">
+                          <a:schemeClr val="accent1">
+                            <a:satMod val="190000"/>
+                            <a:tint val="100000"/>
+                            <a:alpha val="74000"/>
+                          </a:schemeClr>
+                        </a:innerShdw>
+                      </a:effectLst>
+                    </a:rPr>
+                    <a:t>팀 선수단</a:t>
+                  </a:r>
+                  <a:r>
+                    <a:rPr lang="en-US" altLang="ko-KR" sz="1400" b="1" dirty="0" smtClean="0">
+                      <a:ln w="900" cmpd="sng">
+                        <a:solidFill>
+                          <a:schemeClr val="accent1">
+                            <a:satMod val="190000"/>
+                            <a:alpha val="55000"/>
+                          </a:schemeClr>
+                        </a:solidFill>
+                        <a:prstDash val="solid"/>
+                      </a:ln>
+                      <a:solidFill>
+                        <a:schemeClr val="accent1">
+                          <a:satMod val="200000"/>
+                          <a:tint val="3000"/>
+                        </a:schemeClr>
+                      </a:solidFill>
+                      <a:effectLst>
+                        <a:glow rad="101600">
+                          <a:schemeClr val="accent1">
+                            <a:satMod val="175000"/>
+                            <a:alpha val="40000"/>
+                          </a:schemeClr>
+                        </a:glow>
+                        <a:innerShdw blurRad="101600" dist="76200" dir="5400000">
+                          <a:schemeClr val="accent1">
+                            <a:satMod val="190000"/>
+                            <a:tint val="100000"/>
+                            <a:alpha val="74000"/>
+                          </a:schemeClr>
+                        </a:innerShdw>
+                      </a:effectLst>
+                    </a:rPr>
+                    <a:t> : </a:t>
+                  </a:r>
+                  <a:r>
+                    <a:rPr lang="ko-KR" altLang="en-US" sz="1400" b="1" dirty="0" smtClean="0">
+                      <a:ln w="900" cmpd="sng">
+                        <a:solidFill>
+                          <a:schemeClr val="accent1">
+                            <a:satMod val="190000"/>
+                            <a:alpha val="55000"/>
+                          </a:schemeClr>
+                        </a:solidFill>
+                        <a:prstDash val="solid"/>
+                      </a:ln>
+                      <a:solidFill>
+                        <a:schemeClr val="accent1">
+                          <a:satMod val="200000"/>
+                          <a:tint val="3000"/>
+                        </a:schemeClr>
+                      </a:solidFill>
+                      <a:effectLst>
+                        <a:glow rad="101600">
+                          <a:schemeClr val="accent1">
+                            <a:satMod val="175000"/>
+                            <a:alpha val="40000"/>
+                          </a:schemeClr>
+                        </a:glow>
+                        <a:innerShdw blurRad="101600" dist="76200" dir="5400000">
+                          <a:schemeClr val="accent1">
+                            <a:satMod val="190000"/>
+                            <a:tint val="100000"/>
+                            <a:alpha val="74000"/>
+                          </a:schemeClr>
+                        </a:innerShdw>
+                      </a:effectLst>
+                    </a:rPr>
+                    <a:t>팀 선수단을 볼 수 있습니다</a:t>
+                  </a:r>
+                  <a:r>
+                    <a:rPr lang="en-US" altLang="ko-KR" sz="1400" b="1" dirty="0" smtClean="0">
+                      <a:ln w="900" cmpd="sng">
+                        <a:solidFill>
+                          <a:schemeClr val="accent1">
+                            <a:satMod val="190000"/>
+                            <a:alpha val="55000"/>
+                          </a:schemeClr>
+                        </a:solidFill>
+                        <a:prstDash val="solid"/>
+                      </a:ln>
+                      <a:solidFill>
+                        <a:schemeClr val="accent1">
+                          <a:satMod val="200000"/>
+                          <a:tint val="3000"/>
+                        </a:schemeClr>
+                      </a:solidFill>
+                      <a:effectLst>
+                        <a:glow rad="101600">
+                          <a:schemeClr val="accent1">
+                            <a:satMod val="175000"/>
+                            <a:alpha val="40000"/>
+                          </a:schemeClr>
+                        </a:glow>
+                        <a:innerShdw blurRad="101600" dist="76200" dir="5400000">
+                          <a:schemeClr val="accent1">
+                            <a:satMod val="190000"/>
+                            <a:tint val="100000"/>
+                            <a:alpha val="74000"/>
+                          </a:schemeClr>
+                        </a:innerShdw>
+                      </a:effectLst>
+                    </a:rPr>
+                    <a:t>.</a:t>
+                  </a:r>
+                  <a:endParaRPr lang="en-US" altLang="ko-KR" sz="1400" b="1" cap="none" spc="0" dirty="0">
+                    <a:ln w="900" cmpd="sng">
+                      <a:solidFill>
+                        <a:schemeClr val="accent1">
+                          <a:satMod val="190000"/>
+                          <a:alpha val="55000"/>
+                        </a:schemeClr>
+                      </a:solidFill>
+                      <a:prstDash val="solid"/>
+                    </a:ln>
+                    <a:solidFill>
+                      <a:schemeClr val="accent1">
+                        <a:satMod val="200000"/>
+                        <a:tint val="3000"/>
+                      </a:schemeClr>
+                    </a:solidFill>
+                    <a:effectLst>
+                      <a:glow rad="101600">
+                        <a:schemeClr val="accent1">
+                          <a:satMod val="175000"/>
+                          <a:alpha val="40000"/>
+                        </a:schemeClr>
+                      </a:glow>
+                      <a:innerShdw blurRad="101600" dist="76200" dir="5400000">
+                        <a:schemeClr val="accent1">
+                          <a:satMod val="190000"/>
+                          <a:tint val="100000"/>
+                          <a:alpha val="74000"/>
+                        </a:schemeClr>
+                      </a:innerShdw>
+                    </a:effectLst>
+                  </a:endParaRPr>
+                </a:p>
+              </p:txBody>
+            </p:sp>
+          </p:grpSp>
+          <p:grpSp>
+            <p:nvGrpSpPr>
+              <p:cNvPr id="53" name="그룹 52"/>
+              <p:cNvGrpSpPr/>
+              <p:nvPr/>
+            </p:nvGrpSpPr>
+            <p:grpSpPr>
+              <a:xfrm>
+                <a:off x="395536" y="4005064"/>
+                <a:ext cx="4032448" cy="400110"/>
+                <a:chOff x="395536" y="1628800"/>
+                <a:chExt cx="4032448" cy="400110"/>
+              </a:xfrm>
+            </p:grpSpPr>
+            <p:sp>
+              <p:nvSpPr>
+                <p:cNvPr id="57" name="직사각형 56"/>
+                <p:cNvSpPr/>
+                <p:nvPr/>
+              </p:nvSpPr>
+              <p:spPr>
+                <a:xfrm>
+                  <a:off x="395536" y="1628800"/>
+                  <a:ext cx="432048" cy="400110"/>
+                </a:xfrm>
+                <a:prstGeom prst="rect">
+                  <a:avLst/>
+                </a:prstGeom>
+                <a:noFill/>
+              </p:spPr>
+              <p:txBody>
+                <a:bodyPr wrap="square" lIns="91440" tIns="45720" rIns="91440" bIns="45720">
+                  <a:spAutoFit/>
+                  <a:scene3d>
+                    <a:camera prst="orthographicFront"/>
+                    <a:lightRig rig="glow" dir="tl">
+                      <a:rot lat="0" lon="0" rev="5400000"/>
+                    </a:lightRig>
+                  </a:scene3d>
+                  <a:sp3d extrusionH="57150" contourW="12700">
+                    <a:bevelT w="25400" h="25400"/>
+                    <a:contourClr>
+                      <a:schemeClr val="accent6">
+                        <a:shade val="73000"/>
+                      </a:schemeClr>
+                    </a:contourClr>
+                  </a:sp3d>
+                </a:bodyPr>
+                <a:lstStyle/>
+                <a:p>
+                  <a:pPr algn="ctr"/>
+                  <a:r>
+                    <a:rPr lang="ko-KR" altLang="en-US" sz="2000" b="1" dirty="0" smtClean="0">
+                      <a:ln w="11430">
+                        <a:solidFill>
+                          <a:srgbClr val="FFFF00"/>
+                        </a:solidFill>
+                      </a:ln>
+                      <a:solidFill>
+                        <a:srgbClr val="FFFF00"/>
+                      </a:solidFill>
+                      <a:effectLst>
+                        <a:glow rad="101600">
+                          <a:schemeClr val="accent1">
+                            <a:satMod val="175000"/>
+                            <a:alpha val="40000"/>
+                          </a:schemeClr>
+                        </a:glow>
+                        <a:outerShdw blurRad="80000" dist="40000" dir="5040000" algn="tl">
+                          <a:srgbClr val="000000">
+                            <a:alpha val="30000"/>
+                          </a:srgbClr>
+                        </a:outerShdw>
+                      </a:effectLst>
+                    </a:rPr>
+                    <a:t>㉣</a:t>
+                  </a:r>
+                  <a:endParaRPr lang="en-US" altLang="ko-KR" sz="2000" b="1" dirty="0">
+                    <a:ln w="11430">
+                      <a:solidFill>
+                        <a:srgbClr val="FFFF00"/>
+                      </a:solidFill>
+                    </a:ln>
+                    <a:solidFill>
+                      <a:srgbClr val="FFFF00"/>
+                    </a:solidFill>
+                    <a:effectLst>
+                      <a:glow rad="101600">
+                        <a:schemeClr val="accent1">
+                          <a:satMod val="175000"/>
+                          <a:alpha val="40000"/>
+                        </a:schemeClr>
+                      </a:glow>
+                      <a:outerShdw blurRad="80000" dist="40000" dir="5040000" algn="tl">
+                        <a:srgbClr val="000000">
+                          <a:alpha val="30000"/>
+                        </a:srgbClr>
+                      </a:outerShdw>
+                    </a:effectLst>
+                  </a:endParaRPr>
+                </a:p>
+              </p:txBody>
+            </p:sp>
+            <p:sp>
+              <p:nvSpPr>
+                <p:cNvPr id="65" name="직사각형 64"/>
+                <p:cNvSpPr/>
+                <p:nvPr/>
+              </p:nvSpPr>
+              <p:spPr>
+                <a:xfrm>
+                  <a:off x="755576" y="1650866"/>
+                  <a:ext cx="3672408" cy="307777"/>
+                </a:xfrm>
+                <a:prstGeom prst="rect">
+                  <a:avLst/>
+                </a:prstGeom>
+                <a:noFill/>
+              </p:spPr>
+              <p:txBody>
+                <a:bodyPr wrap="square" lIns="91440" tIns="45720" rIns="91440" bIns="45720">
+                  <a:spAutoFit/>
+                </a:bodyPr>
+                <a:lstStyle/>
+                <a:p>
+                  <a:r>
+                    <a:rPr lang="ko-KR" altLang="en-US" sz="1400" b="1" dirty="0" smtClean="0">
+                      <a:ln w="900" cmpd="sng">
+                        <a:solidFill>
+                          <a:schemeClr val="accent1">
+                            <a:satMod val="190000"/>
+                            <a:alpha val="55000"/>
+                          </a:schemeClr>
+                        </a:solidFill>
+                        <a:prstDash val="solid"/>
+                      </a:ln>
+                      <a:solidFill>
+                        <a:schemeClr val="accent1">
+                          <a:satMod val="200000"/>
+                          <a:tint val="3000"/>
+                        </a:schemeClr>
+                      </a:solidFill>
+                      <a:effectLst>
+                        <a:glow rad="101600">
+                          <a:schemeClr val="accent1">
+                            <a:satMod val="175000"/>
+                            <a:alpha val="40000"/>
+                          </a:schemeClr>
+                        </a:glow>
+                        <a:innerShdw blurRad="101600" dist="76200" dir="5400000">
+                          <a:schemeClr val="accent1">
+                            <a:satMod val="190000"/>
+                            <a:tint val="100000"/>
+                            <a:alpha val="74000"/>
+                          </a:schemeClr>
+                        </a:innerShdw>
+                      </a:effectLst>
+                    </a:rPr>
+                    <a:t>재정 관리</a:t>
+                  </a:r>
+                  <a:r>
+                    <a:rPr lang="en-US" altLang="ko-KR" sz="1400" b="1" dirty="0" smtClean="0">
+                      <a:ln w="900" cmpd="sng">
+                        <a:solidFill>
+                          <a:schemeClr val="accent1">
+                            <a:satMod val="190000"/>
+                            <a:alpha val="55000"/>
+                          </a:schemeClr>
+                        </a:solidFill>
+                        <a:prstDash val="solid"/>
+                      </a:ln>
+                      <a:solidFill>
+                        <a:schemeClr val="accent1">
+                          <a:satMod val="200000"/>
+                          <a:tint val="3000"/>
+                        </a:schemeClr>
+                      </a:solidFill>
+                      <a:effectLst>
+                        <a:glow rad="101600">
+                          <a:schemeClr val="accent1">
+                            <a:satMod val="175000"/>
+                            <a:alpha val="40000"/>
+                          </a:schemeClr>
+                        </a:glow>
+                        <a:innerShdw blurRad="101600" dist="76200" dir="5400000">
+                          <a:schemeClr val="accent1">
+                            <a:satMod val="190000"/>
+                            <a:tint val="100000"/>
+                            <a:alpha val="74000"/>
+                          </a:schemeClr>
+                        </a:innerShdw>
+                      </a:effectLst>
+                    </a:rPr>
+                    <a:t> : </a:t>
+                  </a:r>
+                  <a:r>
+                    <a:rPr lang="ko-KR" altLang="en-US" sz="1400" b="1" dirty="0" smtClean="0">
+                      <a:ln w="900" cmpd="sng">
+                        <a:solidFill>
+                          <a:schemeClr val="accent1">
+                            <a:satMod val="190000"/>
+                            <a:alpha val="55000"/>
+                          </a:schemeClr>
+                        </a:solidFill>
+                        <a:prstDash val="solid"/>
+                      </a:ln>
+                      <a:solidFill>
+                        <a:schemeClr val="accent1">
+                          <a:satMod val="200000"/>
+                          <a:tint val="3000"/>
+                        </a:schemeClr>
+                      </a:solidFill>
+                      <a:effectLst>
+                        <a:glow rad="101600">
+                          <a:schemeClr val="accent1">
+                            <a:satMod val="175000"/>
+                            <a:alpha val="40000"/>
+                          </a:schemeClr>
+                        </a:glow>
+                        <a:innerShdw blurRad="101600" dist="76200" dir="5400000">
+                          <a:schemeClr val="accent1">
+                            <a:satMod val="190000"/>
+                            <a:tint val="100000"/>
+                            <a:alpha val="74000"/>
+                          </a:schemeClr>
+                        </a:innerShdw>
+                      </a:effectLst>
+                    </a:rPr>
+                    <a:t>플레이어의 재정 상태를 봅니다</a:t>
+                  </a:r>
+                  <a:r>
+                    <a:rPr lang="en-US" altLang="ko-KR" sz="1400" b="1" dirty="0" smtClean="0">
+                      <a:ln w="900" cmpd="sng">
+                        <a:solidFill>
+                          <a:schemeClr val="accent1">
+                            <a:satMod val="190000"/>
+                            <a:alpha val="55000"/>
+                          </a:schemeClr>
+                        </a:solidFill>
+                        <a:prstDash val="solid"/>
+                      </a:ln>
+                      <a:solidFill>
+                        <a:schemeClr val="accent1">
+                          <a:satMod val="200000"/>
+                          <a:tint val="3000"/>
+                        </a:schemeClr>
+                      </a:solidFill>
+                      <a:effectLst>
+                        <a:glow rad="101600">
+                          <a:schemeClr val="accent1">
+                            <a:satMod val="175000"/>
+                            <a:alpha val="40000"/>
+                          </a:schemeClr>
+                        </a:glow>
+                        <a:innerShdw blurRad="101600" dist="76200" dir="5400000">
+                          <a:schemeClr val="accent1">
+                            <a:satMod val="190000"/>
+                            <a:tint val="100000"/>
+                            <a:alpha val="74000"/>
+                          </a:schemeClr>
+                        </a:innerShdw>
+                      </a:effectLst>
+                    </a:rPr>
+                    <a:t>.</a:t>
+                  </a:r>
+                  <a:endParaRPr lang="en-US" altLang="ko-KR" sz="1400" b="1" cap="none" spc="0" dirty="0">
+                    <a:ln w="900" cmpd="sng">
+                      <a:solidFill>
+                        <a:schemeClr val="accent1">
+                          <a:satMod val="190000"/>
+                          <a:alpha val="55000"/>
+                        </a:schemeClr>
+                      </a:solidFill>
+                      <a:prstDash val="solid"/>
+                    </a:ln>
+                    <a:solidFill>
+                      <a:schemeClr val="accent1">
+                        <a:satMod val="200000"/>
+                        <a:tint val="3000"/>
+                      </a:schemeClr>
+                    </a:solidFill>
+                    <a:effectLst>
+                      <a:glow rad="101600">
+                        <a:schemeClr val="accent1">
+                          <a:satMod val="175000"/>
+                          <a:alpha val="40000"/>
+                        </a:schemeClr>
+                      </a:glow>
+                      <a:innerShdw blurRad="101600" dist="76200" dir="5400000">
+                        <a:schemeClr val="accent1">
+                          <a:satMod val="190000"/>
+                          <a:tint val="100000"/>
+                          <a:alpha val="74000"/>
+                        </a:schemeClr>
+                      </a:innerShdw>
+                    </a:effectLst>
+                  </a:endParaRPr>
+                </a:p>
+              </p:txBody>
+            </p:sp>
+          </p:grpSp>
+          <p:grpSp>
+            <p:nvGrpSpPr>
+              <p:cNvPr id="74" name="그룹 73"/>
+              <p:cNvGrpSpPr/>
+              <p:nvPr/>
+            </p:nvGrpSpPr>
+            <p:grpSpPr>
+              <a:xfrm>
+                <a:off x="395536" y="3645022"/>
+                <a:ext cx="4104456" cy="400110"/>
+                <a:chOff x="395536" y="1628800"/>
+                <a:chExt cx="4104456" cy="444640"/>
+              </a:xfrm>
+            </p:grpSpPr>
+            <p:sp>
+              <p:nvSpPr>
+                <p:cNvPr id="75" name="직사각형 74"/>
+                <p:cNvSpPr/>
+                <p:nvPr/>
+              </p:nvSpPr>
+              <p:spPr>
+                <a:xfrm>
+                  <a:off x="395536" y="1628800"/>
+                  <a:ext cx="432048" cy="444640"/>
+                </a:xfrm>
+                <a:prstGeom prst="rect">
+                  <a:avLst/>
+                </a:prstGeom>
+                <a:noFill/>
+              </p:spPr>
+              <p:txBody>
+                <a:bodyPr wrap="square" lIns="91440" tIns="45720" rIns="91440" bIns="45720">
+                  <a:spAutoFit/>
+                  <a:scene3d>
+                    <a:camera prst="orthographicFront"/>
+                    <a:lightRig rig="glow" dir="tl">
+                      <a:rot lat="0" lon="0" rev="5400000"/>
+                    </a:lightRig>
+                  </a:scene3d>
+                  <a:sp3d extrusionH="57150" contourW="12700">
+                    <a:bevelT w="25400" h="25400"/>
+                    <a:contourClr>
+                      <a:schemeClr val="accent6">
+                        <a:shade val="73000"/>
+                      </a:schemeClr>
+                    </a:contourClr>
+                  </a:sp3d>
+                </a:bodyPr>
+                <a:lstStyle/>
+                <a:p>
+                  <a:pPr algn="ctr"/>
+                  <a:r>
+                    <a:rPr lang="ko-KR" altLang="en-US" sz="2000" b="1" dirty="0" smtClean="0">
+                      <a:ln w="11430">
+                        <a:solidFill>
+                          <a:srgbClr val="FFFF00"/>
+                        </a:solidFill>
+                      </a:ln>
+                      <a:solidFill>
+                        <a:srgbClr val="FFFF00"/>
+                      </a:solidFill>
+                      <a:effectLst>
+                        <a:glow rad="101600">
+                          <a:schemeClr val="accent1">
+                            <a:satMod val="175000"/>
+                            <a:alpha val="40000"/>
+                          </a:schemeClr>
+                        </a:glow>
+                        <a:outerShdw blurRad="80000" dist="40000" dir="5040000" algn="tl">
+                          <a:srgbClr val="000000">
+                            <a:alpha val="30000"/>
+                          </a:srgbClr>
+                        </a:outerShdw>
+                      </a:effectLst>
+                    </a:rPr>
+                    <a:t>㉢</a:t>
+                  </a:r>
+                  <a:endParaRPr lang="en-US" altLang="ko-KR" sz="2000" b="1" dirty="0">
+                    <a:ln w="11430">
+                      <a:solidFill>
+                        <a:srgbClr val="FFFF00"/>
+                      </a:solidFill>
+                    </a:ln>
+                    <a:solidFill>
+                      <a:srgbClr val="FFFF00"/>
+                    </a:solidFill>
+                    <a:effectLst>
+                      <a:glow rad="101600">
+                        <a:schemeClr val="accent1">
+                          <a:satMod val="175000"/>
+                          <a:alpha val="40000"/>
+                        </a:schemeClr>
+                      </a:glow>
+                      <a:outerShdw blurRad="80000" dist="40000" dir="5040000" algn="tl">
+                        <a:srgbClr val="000000">
+                          <a:alpha val="30000"/>
+                        </a:srgbClr>
+                      </a:outerShdw>
+                    </a:effectLst>
+                  </a:endParaRPr>
+                </a:p>
+              </p:txBody>
+            </p:sp>
+            <p:sp>
+              <p:nvSpPr>
+                <p:cNvPr id="76" name="직사각형 75"/>
+                <p:cNvSpPr/>
+                <p:nvPr/>
+              </p:nvSpPr>
+              <p:spPr>
+                <a:xfrm>
+                  <a:off x="755576" y="1650868"/>
+                  <a:ext cx="3744416" cy="342031"/>
+                </a:xfrm>
+                <a:prstGeom prst="rect">
+                  <a:avLst/>
+                </a:prstGeom>
+                <a:noFill/>
+              </p:spPr>
+              <p:txBody>
+                <a:bodyPr wrap="square" lIns="91440" tIns="45720" rIns="91440" bIns="45720">
+                  <a:spAutoFit/>
+                </a:bodyPr>
+                <a:lstStyle/>
+                <a:p>
+                  <a:r>
+                    <a:rPr lang="ko-KR" altLang="en-US" sz="1400" b="1" dirty="0" smtClean="0">
+                      <a:ln w="900" cmpd="sng">
+                        <a:solidFill>
+                          <a:schemeClr val="accent1">
+                            <a:satMod val="190000"/>
+                            <a:alpha val="55000"/>
+                          </a:schemeClr>
+                        </a:solidFill>
+                        <a:prstDash val="solid"/>
+                      </a:ln>
+                      <a:solidFill>
+                        <a:schemeClr val="accent1">
+                          <a:satMod val="200000"/>
+                          <a:tint val="3000"/>
+                        </a:schemeClr>
+                      </a:solidFill>
+                      <a:effectLst>
+                        <a:glow rad="101600">
+                          <a:schemeClr val="accent1">
+                            <a:satMod val="175000"/>
+                            <a:alpha val="40000"/>
+                          </a:schemeClr>
+                        </a:glow>
+                        <a:innerShdw blurRad="101600" dist="76200" dir="5400000">
+                          <a:schemeClr val="accent1">
+                            <a:satMod val="190000"/>
+                            <a:tint val="100000"/>
+                            <a:alpha val="74000"/>
+                          </a:schemeClr>
+                        </a:innerShdw>
+                      </a:effectLst>
+                    </a:rPr>
+                    <a:t>인수</a:t>
+                  </a:r>
+                  <a:r>
+                    <a:rPr lang="en-US" altLang="ko-KR" sz="1400" b="1" dirty="0" smtClean="0">
+                      <a:ln w="900" cmpd="sng">
+                        <a:solidFill>
+                          <a:schemeClr val="accent1">
+                            <a:satMod val="190000"/>
+                            <a:alpha val="55000"/>
+                          </a:schemeClr>
+                        </a:solidFill>
+                        <a:prstDash val="solid"/>
+                      </a:ln>
+                      <a:solidFill>
+                        <a:schemeClr val="accent1">
+                          <a:satMod val="200000"/>
+                          <a:tint val="3000"/>
+                        </a:schemeClr>
+                      </a:solidFill>
+                      <a:effectLst>
+                        <a:glow rad="101600">
+                          <a:schemeClr val="accent1">
+                            <a:satMod val="175000"/>
+                            <a:alpha val="40000"/>
+                          </a:schemeClr>
+                        </a:glow>
+                        <a:innerShdw blurRad="101600" dist="76200" dir="5400000">
+                          <a:schemeClr val="accent1">
+                            <a:satMod val="190000"/>
+                            <a:tint val="100000"/>
+                            <a:alpha val="74000"/>
+                          </a:schemeClr>
+                        </a:innerShdw>
+                      </a:effectLst>
+                    </a:rPr>
+                    <a:t>/</a:t>
+                  </a:r>
+                  <a:r>
+                    <a:rPr lang="ko-KR" altLang="en-US" sz="1400" b="1" dirty="0" smtClean="0">
+                      <a:ln w="900" cmpd="sng">
+                        <a:solidFill>
+                          <a:schemeClr val="accent1">
+                            <a:satMod val="190000"/>
+                            <a:alpha val="55000"/>
+                          </a:schemeClr>
+                        </a:solidFill>
+                        <a:prstDash val="solid"/>
+                      </a:ln>
+                      <a:solidFill>
+                        <a:schemeClr val="accent1">
+                          <a:satMod val="200000"/>
+                          <a:tint val="3000"/>
+                        </a:schemeClr>
+                      </a:solidFill>
+                      <a:effectLst>
+                        <a:glow rad="101600">
+                          <a:schemeClr val="accent1">
+                            <a:satMod val="175000"/>
+                            <a:alpha val="40000"/>
+                          </a:schemeClr>
+                        </a:glow>
+                        <a:innerShdw blurRad="101600" dist="76200" dir="5400000">
+                          <a:schemeClr val="accent1">
+                            <a:satMod val="190000"/>
+                            <a:tint val="100000"/>
+                            <a:alpha val="74000"/>
+                          </a:schemeClr>
+                        </a:innerShdw>
+                      </a:effectLst>
+                    </a:rPr>
+                    <a:t>매각</a:t>
+                  </a:r>
+                  <a:r>
+                    <a:rPr lang="en-US" altLang="ko-KR" sz="1400" b="1" dirty="0" smtClean="0">
+                      <a:ln w="900" cmpd="sng">
+                        <a:solidFill>
+                          <a:schemeClr val="accent1">
+                            <a:satMod val="190000"/>
+                            <a:alpha val="55000"/>
+                          </a:schemeClr>
+                        </a:solidFill>
+                        <a:prstDash val="solid"/>
+                      </a:ln>
+                      <a:solidFill>
+                        <a:schemeClr val="accent1">
+                          <a:satMod val="200000"/>
+                          <a:tint val="3000"/>
+                        </a:schemeClr>
+                      </a:solidFill>
+                      <a:effectLst>
+                        <a:glow rad="101600">
+                          <a:schemeClr val="accent1">
+                            <a:satMod val="175000"/>
+                            <a:alpha val="40000"/>
+                          </a:schemeClr>
+                        </a:glow>
+                        <a:innerShdw blurRad="101600" dist="76200" dir="5400000">
+                          <a:schemeClr val="accent1">
+                            <a:satMod val="190000"/>
+                            <a:tint val="100000"/>
+                            <a:alpha val="74000"/>
+                          </a:schemeClr>
+                        </a:innerShdw>
+                      </a:effectLst>
+                    </a:rPr>
+                    <a:t> : </a:t>
+                  </a:r>
+                  <a:r>
+                    <a:rPr lang="ko-KR" altLang="en-US" sz="1400" b="1" dirty="0" smtClean="0">
+                      <a:ln w="900" cmpd="sng">
+                        <a:solidFill>
+                          <a:schemeClr val="accent1">
+                            <a:satMod val="190000"/>
+                            <a:alpha val="55000"/>
+                          </a:schemeClr>
+                        </a:solidFill>
+                        <a:prstDash val="solid"/>
+                      </a:ln>
+                      <a:solidFill>
+                        <a:schemeClr val="accent1">
+                          <a:satMod val="200000"/>
+                          <a:tint val="3000"/>
+                        </a:schemeClr>
+                      </a:solidFill>
+                      <a:effectLst>
+                        <a:glow rad="101600">
+                          <a:schemeClr val="accent1">
+                            <a:satMod val="175000"/>
+                            <a:alpha val="40000"/>
+                          </a:schemeClr>
+                        </a:glow>
+                        <a:innerShdw blurRad="101600" dist="76200" dir="5400000">
+                          <a:schemeClr val="accent1">
+                            <a:satMod val="190000"/>
+                            <a:tint val="100000"/>
+                            <a:alpha val="74000"/>
+                          </a:schemeClr>
+                        </a:innerShdw>
+                      </a:effectLst>
+                    </a:rPr>
+                    <a:t>팀을 인수</a:t>
+                  </a:r>
+                  <a:r>
+                    <a:rPr lang="en-US" altLang="ko-KR" sz="1400" b="1" dirty="0" smtClean="0">
+                      <a:ln w="900" cmpd="sng">
+                        <a:solidFill>
+                          <a:schemeClr val="accent1">
+                            <a:satMod val="190000"/>
+                            <a:alpha val="55000"/>
+                          </a:schemeClr>
+                        </a:solidFill>
+                        <a:prstDash val="solid"/>
+                      </a:ln>
+                      <a:solidFill>
+                        <a:schemeClr val="accent1">
+                          <a:satMod val="200000"/>
+                          <a:tint val="3000"/>
+                        </a:schemeClr>
+                      </a:solidFill>
+                      <a:effectLst>
+                        <a:glow rad="101600">
+                          <a:schemeClr val="accent1">
+                            <a:satMod val="175000"/>
+                            <a:alpha val="40000"/>
+                          </a:schemeClr>
+                        </a:glow>
+                        <a:innerShdw blurRad="101600" dist="76200" dir="5400000">
+                          <a:schemeClr val="accent1">
+                            <a:satMod val="190000"/>
+                            <a:tint val="100000"/>
+                            <a:alpha val="74000"/>
+                          </a:schemeClr>
+                        </a:innerShdw>
+                      </a:effectLst>
+                    </a:rPr>
+                    <a:t>/</a:t>
+                  </a:r>
+                  <a:r>
+                    <a:rPr lang="ko-KR" altLang="en-US" sz="1400" b="1" dirty="0" smtClean="0">
+                      <a:ln w="900" cmpd="sng">
+                        <a:solidFill>
+                          <a:schemeClr val="accent1">
+                            <a:satMod val="190000"/>
+                            <a:alpha val="55000"/>
+                          </a:schemeClr>
+                        </a:solidFill>
+                        <a:prstDash val="solid"/>
+                      </a:ln>
+                      <a:solidFill>
+                        <a:schemeClr val="accent1">
+                          <a:satMod val="200000"/>
+                          <a:tint val="3000"/>
+                        </a:schemeClr>
+                      </a:solidFill>
+                      <a:effectLst>
+                        <a:glow rad="101600">
+                          <a:schemeClr val="accent1">
+                            <a:satMod val="175000"/>
+                            <a:alpha val="40000"/>
+                          </a:schemeClr>
+                        </a:glow>
+                        <a:innerShdw blurRad="101600" dist="76200" dir="5400000">
+                          <a:schemeClr val="accent1">
+                            <a:satMod val="190000"/>
+                            <a:tint val="100000"/>
+                            <a:alpha val="74000"/>
+                          </a:schemeClr>
+                        </a:innerShdw>
+                      </a:effectLst>
+                    </a:rPr>
+                    <a:t>매각 할 수 있습니다</a:t>
+                  </a:r>
+                  <a:r>
+                    <a:rPr lang="en-US" altLang="ko-KR" sz="1400" b="1" dirty="0" smtClean="0">
+                      <a:ln w="900" cmpd="sng">
+                        <a:solidFill>
+                          <a:schemeClr val="accent1">
+                            <a:satMod val="190000"/>
+                            <a:alpha val="55000"/>
+                          </a:schemeClr>
+                        </a:solidFill>
+                        <a:prstDash val="solid"/>
+                      </a:ln>
+                      <a:solidFill>
+                        <a:schemeClr val="accent1">
+                          <a:satMod val="200000"/>
+                          <a:tint val="3000"/>
+                        </a:schemeClr>
+                      </a:solidFill>
+                      <a:effectLst>
+                        <a:glow rad="101600">
+                          <a:schemeClr val="accent1">
+                            <a:satMod val="175000"/>
+                            <a:alpha val="40000"/>
+                          </a:schemeClr>
+                        </a:glow>
+                        <a:innerShdw blurRad="101600" dist="76200" dir="5400000">
+                          <a:schemeClr val="accent1">
+                            <a:satMod val="190000"/>
+                            <a:tint val="100000"/>
+                            <a:alpha val="74000"/>
+                          </a:schemeClr>
+                        </a:innerShdw>
+                      </a:effectLst>
+                    </a:rPr>
+                    <a:t>.</a:t>
+                  </a:r>
+                  <a:endParaRPr lang="en-US" altLang="ko-KR" sz="1400" b="1" cap="none" spc="0" dirty="0">
+                    <a:ln w="900" cmpd="sng">
+                      <a:solidFill>
+                        <a:schemeClr val="accent1">
+                          <a:satMod val="190000"/>
+                          <a:alpha val="55000"/>
+                        </a:schemeClr>
+                      </a:solidFill>
+                      <a:prstDash val="solid"/>
+                    </a:ln>
+                    <a:solidFill>
+                      <a:schemeClr val="accent1">
+                        <a:satMod val="200000"/>
+                        <a:tint val="3000"/>
+                      </a:schemeClr>
+                    </a:solidFill>
+                    <a:effectLst>
+                      <a:glow rad="101600">
+                        <a:schemeClr val="accent1">
+                          <a:satMod val="175000"/>
+                          <a:alpha val="40000"/>
+                        </a:schemeClr>
+                      </a:glow>
+                      <a:innerShdw blurRad="101600" dist="76200" dir="5400000">
+                        <a:schemeClr val="accent1">
+                          <a:satMod val="190000"/>
+                          <a:tint val="100000"/>
+                          <a:alpha val="74000"/>
+                        </a:schemeClr>
+                      </a:innerShdw>
+                    </a:effectLst>
+                  </a:endParaRPr>
+                </a:p>
+              </p:txBody>
+            </p:sp>
+          </p:grpSp>
+          <p:grpSp>
+            <p:nvGrpSpPr>
+              <p:cNvPr id="77" name="그룹 76"/>
+              <p:cNvGrpSpPr/>
+              <p:nvPr/>
+            </p:nvGrpSpPr>
+            <p:grpSpPr>
+              <a:xfrm>
+                <a:off x="395536" y="3140968"/>
+                <a:ext cx="3960440" cy="545286"/>
+                <a:chOff x="395536" y="1628800"/>
+                <a:chExt cx="3960440" cy="545286"/>
+              </a:xfrm>
+            </p:grpSpPr>
+            <p:sp>
+              <p:nvSpPr>
+                <p:cNvPr id="78" name="직사각형 77"/>
+                <p:cNvSpPr/>
+                <p:nvPr/>
+              </p:nvSpPr>
+              <p:spPr>
+                <a:xfrm>
+                  <a:off x="395536" y="1628800"/>
+                  <a:ext cx="432048" cy="400110"/>
+                </a:xfrm>
+                <a:prstGeom prst="rect">
+                  <a:avLst/>
+                </a:prstGeom>
+                <a:noFill/>
+              </p:spPr>
+              <p:txBody>
+                <a:bodyPr wrap="square" lIns="91440" tIns="45720" rIns="91440" bIns="45720">
+                  <a:spAutoFit/>
+                  <a:scene3d>
+                    <a:camera prst="orthographicFront"/>
+                    <a:lightRig rig="glow" dir="tl">
+                      <a:rot lat="0" lon="0" rev="5400000"/>
+                    </a:lightRig>
+                  </a:scene3d>
+                  <a:sp3d extrusionH="57150" contourW="12700">
+                    <a:bevelT w="25400" h="25400"/>
+                    <a:contourClr>
+                      <a:schemeClr val="accent6">
+                        <a:shade val="73000"/>
+                      </a:schemeClr>
+                    </a:contourClr>
+                  </a:sp3d>
+                </a:bodyPr>
+                <a:lstStyle/>
+                <a:p>
+                  <a:pPr algn="ctr"/>
+                  <a:r>
+                    <a:rPr lang="ko-KR" altLang="en-US" sz="2000" b="1" dirty="0" smtClean="0">
+                      <a:ln w="11430">
+                        <a:solidFill>
+                          <a:srgbClr val="FFFF00"/>
+                        </a:solidFill>
+                      </a:ln>
+                      <a:solidFill>
+                        <a:srgbClr val="FFFF00"/>
+                      </a:solidFill>
+                      <a:effectLst>
+                        <a:glow rad="101600">
+                          <a:schemeClr val="accent1">
+                            <a:satMod val="175000"/>
+                            <a:alpha val="40000"/>
+                          </a:schemeClr>
+                        </a:glow>
+                        <a:outerShdw blurRad="80000" dist="40000" dir="5040000" algn="tl">
+                          <a:srgbClr val="000000">
+                            <a:alpha val="30000"/>
+                          </a:srgbClr>
+                        </a:outerShdw>
+                      </a:effectLst>
+                    </a:rPr>
+                    <a:t>㉡</a:t>
+                  </a:r>
+                  <a:endParaRPr lang="en-US" altLang="ko-KR" sz="2000" b="1" dirty="0">
+                    <a:ln w="11430">
+                      <a:solidFill>
+                        <a:srgbClr val="FFFF00"/>
+                      </a:solidFill>
+                    </a:ln>
+                    <a:solidFill>
+                      <a:srgbClr val="FFFF00"/>
+                    </a:solidFill>
+                    <a:effectLst>
+                      <a:glow rad="101600">
+                        <a:schemeClr val="accent1">
+                          <a:satMod val="175000"/>
+                          <a:alpha val="40000"/>
+                        </a:schemeClr>
+                      </a:glow>
+                      <a:outerShdw blurRad="80000" dist="40000" dir="5040000" algn="tl">
+                        <a:srgbClr val="000000">
+                          <a:alpha val="30000"/>
+                        </a:srgbClr>
+                      </a:outerShdw>
+                    </a:effectLst>
+                  </a:endParaRPr>
+                </a:p>
+              </p:txBody>
+            </p:sp>
+            <p:sp>
+              <p:nvSpPr>
+                <p:cNvPr id="79" name="직사각형 78"/>
+                <p:cNvSpPr/>
+                <p:nvPr/>
+              </p:nvSpPr>
+              <p:spPr>
+                <a:xfrm>
+                  <a:off x="755576" y="1650866"/>
+                  <a:ext cx="3600400" cy="523220"/>
+                </a:xfrm>
+                <a:prstGeom prst="rect">
+                  <a:avLst/>
+                </a:prstGeom>
+                <a:noFill/>
+              </p:spPr>
+              <p:txBody>
+                <a:bodyPr wrap="square" lIns="91440" tIns="45720" rIns="91440" bIns="45720">
+                  <a:spAutoFit/>
+                </a:bodyPr>
+                <a:lstStyle/>
+                <a:p>
+                  <a:r>
+                    <a:rPr lang="ko-KR" altLang="en-US" sz="1400" b="1" dirty="0" smtClean="0">
+                      <a:ln w="900" cmpd="sng">
+                        <a:solidFill>
+                          <a:schemeClr val="accent1">
+                            <a:satMod val="190000"/>
+                            <a:alpha val="55000"/>
+                          </a:schemeClr>
+                        </a:solidFill>
+                        <a:prstDash val="solid"/>
+                      </a:ln>
+                      <a:solidFill>
+                        <a:schemeClr val="accent1">
+                          <a:satMod val="200000"/>
+                          <a:tint val="3000"/>
+                        </a:schemeClr>
+                      </a:solidFill>
+                      <a:effectLst>
+                        <a:glow rad="101600">
+                          <a:schemeClr val="accent1">
+                            <a:satMod val="175000"/>
+                            <a:alpha val="40000"/>
+                          </a:schemeClr>
+                        </a:glow>
+                        <a:innerShdw blurRad="101600" dist="76200" dir="5400000">
+                          <a:schemeClr val="accent1">
+                            <a:satMod val="190000"/>
+                            <a:tint val="100000"/>
+                            <a:alpha val="74000"/>
+                          </a:schemeClr>
+                        </a:innerShdw>
+                      </a:effectLst>
+                    </a:rPr>
+                    <a:t>현재 상황</a:t>
+                  </a:r>
+                  <a:r>
+                    <a:rPr lang="en-US" altLang="ko-KR" sz="1400" b="1" dirty="0" smtClean="0">
+                      <a:ln w="900" cmpd="sng">
+                        <a:solidFill>
+                          <a:schemeClr val="accent1">
+                            <a:satMod val="190000"/>
+                            <a:alpha val="55000"/>
+                          </a:schemeClr>
+                        </a:solidFill>
+                        <a:prstDash val="solid"/>
+                      </a:ln>
+                      <a:solidFill>
+                        <a:schemeClr val="accent1">
+                          <a:satMod val="200000"/>
+                          <a:tint val="3000"/>
+                        </a:schemeClr>
+                      </a:solidFill>
+                      <a:effectLst>
+                        <a:glow rad="101600">
+                          <a:schemeClr val="accent1">
+                            <a:satMod val="175000"/>
+                            <a:alpha val="40000"/>
+                          </a:schemeClr>
+                        </a:glow>
+                        <a:innerShdw blurRad="101600" dist="76200" dir="5400000">
+                          <a:schemeClr val="accent1">
+                            <a:satMod val="190000"/>
+                            <a:tint val="100000"/>
+                            <a:alpha val="74000"/>
+                          </a:schemeClr>
+                        </a:innerShdw>
+                      </a:effectLst>
+                    </a:rPr>
+                    <a:t> : </a:t>
+                  </a:r>
+                  <a:r>
+                    <a:rPr lang="ko-KR" altLang="en-US" sz="1400" b="1" dirty="0" smtClean="0">
+                      <a:ln w="900" cmpd="sng">
+                        <a:solidFill>
+                          <a:schemeClr val="accent1">
+                            <a:satMod val="190000"/>
+                            <a:alpha val="55000"/>
+                          </a:schemeClr>
+                        </a:solidFill>
+                        <a:prstDash val="solid"/>
+                      </a:ln>
+                      <a:solidFill>
+                        <a:schemeClr val="accent1">
+                          <a:satMod val="200000"/>
+                          <a:tint val="3000"/>
+                        </a:schemeClr>
+                      </a:solidFill>
+                      <a:effectLst>
+                        <a:glow rad="101600">
+                          <a:schemeClr val="accent1">
+                            <a:satMod val="175000"/>
+                            <a:alpha val="40000"/>
+                          </a:schemeClr>
+                        </a:glow>
+                        <a:innerShdw blurRad="101600" dist="76200" dir="5400000">
+                          <a:schemeClr val="accent1">
+                            <a:satMod val="190000"/>
+                            <a:tint val="100000"/>
+                            <a:alpha val="74000"/>
+                          </a:schemeClr>
+                        </a:innerShdw>
+                      </a:effectLst>
+                    </a:rPr>
+                    <a:t>타 리그 타 팀 정보를 볼 수</a:t>
+                  </a:r>
+                  <a:r>
+                    <a:rPr lang="en-US" altLang="ko-KR" sz="1400" b="1" dirty="0" smtClean="0">
+                      <a:ln w="900" cmpd="sng">
+                        <a:solidFill>
+                          <a:schemeClr val="accent1">
+                            <a:satMod val="190000"/>
+                            <a:alpha val="55000"/>
+                          </a:schemeClr>
+                        </a:solidFill>
+                        <a:prstDash val="solid"/>
+                      </a:ln>
+                      <a:solidFill>
+                        <a:schemeClr val="accent1">
+                          <a:satMod val="200000"/>
+                          <a:tint val="3000"/>
+                        </a:schemeClr>
+                      </a:solidFill>
+                      <a:effectLst>
+                        <a:glow rad="101600">
+                          <a:schemeClr val="accent1">
+                            <a:satMod val="175000"/>
+                            <a:alpha val="40000"/>
+                          </a:schemeClr>
+                        </a:glow>
+                        <a:innerShdw blurRad="101600" dist="76200" dir="5400000">
+                          <a:schemeClr val="accent1">
+                            <a:satMod val="190000"/>
+                            <a:tint val="100000"/>
+                            <a:alpha val="74000"/>
+                          </a:schemeClr>
+                        </a:innerShdw>
+                      </a:effectLst>
+                    </a:rPr>
+                    <a:t/>
+                  </a:r>
+                  <a:br>
+                    <a:rPr lang="en-US" altLang="ko-KR" sz="1400" b="1" dirty="0" smtClean="0">
+                      <a:ln w="900" cmpd="sng">
+                        <a:solidFill>
+                          <a:schemeClr val="accent1">
+                            <a:satMod val="190000"/>
+                            <a:alpha val="55000"/>
+                          </a:schemeClr>
+                        </a:solidFill>
+                        <a:prstDash val="solid"/>
+                      </a:ln>
+                      <a:solidFill>
+                        <a:schemeClr val="accent1">
+                          <a:satMod val="200000"/>
+                          <a:tint val="3000"/>
+                        </a:schemeClr>
+                      </a:solidFill>
+                      <a:effectLst>
+                        <a:glow rad="101600">
+                          <a:schemeClr val="accent1">
+                            <a:satMod val="175000"/>
+                            <a:alpha val="40000"/>
+                          </a:schemeClr>
+                        </a:glow>
+                        <a:innerShdw blurRad="101600" dist="76200" dir="5400000">
+                          <a:schemeClr val="accent1">
+                            <a:satMod val="190000"/>
+                            <a:tint val="100000"/>
+                            <a:alpha val="74000"/>
+                          </a:schemeClr>
+                        </a:innerShdw>
+                      </a:effectLst>
+                    </a:rPr>
+                  </a:br>
+                  <a:r>
+                    <a:rPr lang="en-US" altLang="ko-KR" sz="1400" b="1" dirty="0" smtClean="0">
+                      <a:ln w="900" cmpd="sng">
+                        <a:solidFill>
+                          <a:schemeClr val="accent1">
+                            <a:satMod val="190000"/>
+                            <a:alpha val="55000"/>
+                          </a:schemeClr>
+                        </a:solidFill>
+                        <a:prstDash val="solid"/>
+                      </a:ln>
+                      <a:solidFill>
+                        <a:schemeClr val="accent1">
+                          <a:satMod val="200000"/>
+                          <a:tint val="3000"/>
+                        </a:schemeClr>
+                      </a:solidFill>
+                      <a:effectLst>
+                        <a:glow rad="101600">
+                          <a:schemeClr val="accent1">
+                            <a:satMod val="175000"/>
+                            <a:alpha val="40000"/>
+                          </a:schemeClr>
+                        </a:glow>
+                        <a:innerShdw blurRad="101600" dist="76200" dir="5400000">
+                          <a:schemeClr val="accent1">
+                            <a:satMod val="190000"/>
+                            <a:tint val="100000"/>
+                            <a:alpha val="74000"/>
+                          </a:schemeClr>
+                        </a:innerShdw>
+                      </a:effectLst>
+                    </a:rPr>
+                    <a:t>	</a:t>
+                  </a:r>
+                  <a:r>
+                    <a:rPr lang="ko-KR" altLang="en-US" sz="1400" b="1" dirty="0" smtClean="0">
+                      <a:ln w="900" cmpd="sng">
+                        <a:solidFill>
+                          <a:schemeClr val="accent1">
+                            <a:satMod val="190000"/>
+                            <a:alpha val="55000"/>
+                          </a:schemeClr>
+                        </a:solidFill>
+                        <a:prstDash val="solid"/>
+                      </a:ln>
+                      <a:solidFill>
+                        <a:schemeClr val="accent1">
+                          <a:satMod val="200000"/>
+                          <a:tint val="3000"/>
+                        </a:schemeClr>
+                      </a:solidFill>
+                      <a:effectLst>
+                        <a:glow rad="101600">
+                          <a:schemeClr val="accent1">
+                            <a:satMod val="175000"/>
+                            <a:alpha val="40000"/>
+                          </a:schemeClr>
+                        </a:glow>
+                        <a:innerShdw blurRad="101600" dist="76200" dir="5400000">
+                          <a:schemeClr val="accent1">
+                            <a:satMod val="190000"/>
+                            <a:tint val="100000"/>
+                            <a:alpha val="74000"/>
+                          </a:schemeClr>
+                        </a:innerShdw>
+                      </a:effectLst>
+                    </a:rPr>
+                    <a:t>있습니다</a:t>
+                  </a:r>
+                  <a:r>
+                    <a:rPr lang="en-US" altLang="ko-KR" sz="1400" b="1" dirty="0" smtClean="0">
+                      <a:ln w="900" cmpd="sng">
+                        <a:solidFill>
+                          <a:schemeClr val="accent1">
+                            <a:satMod val="190000"/>
+                            <a:alpha val="55000"/>
+                          </a:schemeClr>
+                        </a:solidFill>
+                        <a:prstDash val="solid"/>
+                      </a:ln>
+                      <a:solidFill>
+                        <a:schemeClr val="accent1">
+                          <a:satMod val="200000"/>
+                          <a:tint val="3000"/>
+                        </a:schemeClr>
+                      </a:solidFill>
+                      <a:effectLst>
+                        <a:glow rad="101600">
+                          <a:schemeClr val="accent1">
+                            <a:satMod val="175000"/>
+                            <a:alpha val="40000"/>
+                          </a:schemeClr>
+                        </a:glow>
+                        <a:innerShdw blurRad="101600" dist="76200" dir="5400000">
+                          <a:schemeClr val="accent1">
+                            <a:satMod val="190000"/>
+                            <a:tint val="100000"/>
+                            <a:alpha val="74000"/>
+                          </a:schemeClr>
+                        </a:innerShdw>
+                      </a:effectLst>
+                    </a:rPr>
+                    <a:t>.</a:t>
+                  </a:r>
+                  <a:endParaRPr lang="en-US" altLang="ko-KR" sz="1400" b="1" cap="none" spc="0" dirty="0">
+                    <a:ln w="900" cmpd="sng">
+                      <a:solidFill>
+                        <a:schemeClr val="accent1">
+                          <a:satMod val="190000"/>
+                          <a:alpha val="55000"/>
+                        </a:schemeClr>
+                      </a:solidFill>
+                      <a:prstDash val="solid"/>
+                    </a:ln>
+                    <a:solidFill>
+                      <a:schemeClr val="accent1">
+                        <a:satMod val="200000"/>
+                        <a:tint val="3000"/>
+                      </a:schemeClr>
+                    </a:solidFill>
+                    <a:effectLst>
+                      <a:glow rad="101600">
+                        <a:schemeClr val="accent1">
+                          <a:satMod val="175000"/>
+                          <a:alpha val="40000"/>
+                        </a:schemeClr>
+                      </a:glow>
+                      <a:innerShdw blurRad="101600" dist="76200" dir="5400000">
+                        <a:schemeClr val="accent1">
+                          <a:satMod val="190000"/>
+                          <a:tint val="100000"/>
+                          <a:alpha val="74000"/>
+                        </a:schemeClr>
+                      </a:innerShdw>
+                    </a:effectLst>
+                  </a:endParaRPr>
+                </a:p>
+              </p:txBody>
+            </p:sp>
+          </p:grpSp>
+          <p:grpSp>
+            <p:nvGrpSpPr>
+              <p:cNvPr id="80" name="그룹 79"/>
+              <p:cNvGrpSpPr/>
+              <p:nvPr/>
+            </p:nvGrpSpPr>
+            <p:grpSpPr>
+              <a:xfrm>
+                <a:off x="395536" y="2780928"/>
+                <a:ext cx="4032448" cy="400110"/>
+                <a:chOff x="395536" y="1628800"/>
+                <a:chExt cx="4032448" cy="400110"/>
+              </a:xfrm>
+            </p:grpSpPr>
+            <p:sp>
+              <p:nvSpPr>
+                <p:cNvPr id="81" name="직사각형 80"/>
+                <p:cNvSpPr/>
+                <p:nvPr/>
+              </p:nvSpPr>
+              <p:spPr>
+                <a:xfrm>
+                  <a:off x="395536" y="1628800"/>
+                  <a:ext cx="432048" cy="400110"/>
+                </a:xfrm>
+                <a:prstGeom prst="rect">
+                  <a:avLst/>
+                </a:prstGeom>
+                <a:noFill/>
+              </p:spPr>
+              <p:txBody>
+                <a:bodyPr wrap="square" lIns="91440" tIns="45720" rIns="91440" bIns="45720">
+                  <a:spAutoFit/>
+                  <a:scene3d>
+                    <a:camera prst="orthographicFront"/>
+                    <a:lightRig rig="glow" dir="tl">
+                      <a:rot lat="0" lon="0" rev="5400000"/>
+                    </a:lightRig>
+                  </a:scene3d>
+                  <a:sp3d extrusionH="57150" contourW="12700">
+                    <a:bevelT w="25400" h="25400"/>
+                    <a:contourClr>
+                      <a:schemeClr val="accent6">
+                        <a:shade val="73000"/>
+                      </a:schemeClr>
+                    </a:contourClr>
+                  </a:sp3d>
+                </a:bodyPr>
+                <a:lstStyle/>
+                <a:p>
+                  <a:r>
+                    <a:rPr lang="ko-KR" altLang="en-US" sz="2000" b="1" dirty="0" smtClean="0">
+                      <a:ln w="11430">
+                        <a:solidFill>
+                          <a:srgbClr val="FFFF00"/>
+                        </a:solidFill>
+                      </a:ln>
+                      <a:solidFill>
+                        <a:srgbClr val="FFFF00"/>
+                      </a:solidFill>
+                      <a:effectLst>
+                        <a:glow rad="101600">
+                          <a:schemeClr val="accent1">
+                            <a:satMod val="175000"/>
+                            <a:alpha val="40000"/>
+                          </a:schemeClr>
+                        </a:glow>
+                        <a:outerShdw blurRad="80000" dist="40000" dir="5040000" algn="tl">
+                          <a:srgbClr val="000000">
+                            <a:alpha val="30000"/>
+                          </a:srgbClr>
+                        </a:outerShdw>
+                      </a:effectLst>
+                    </a:rPr>
+                    <a:t>㉠</a:t>
+                  </a:r>
+                  <a:endParaRPr lang="en-US" altLang="ko-KR" sz="2000" b="1" dirty="0" smtClean="0">
+                    <a:ln w="11430">
+                      <a:solidFill>
+                        <a:srgbClr val="FFFF00"/>
+                      </a:solidFill>
+                    </a:ln>
+                    <a:solidFill>
+                      <a:srgbClr val="FFFF00"/>
+                    </a:solidFill>
+                    <a:effectLst>
+                      <a:glow rad="101600">
+                        <a:schemeClr val="accent1">
+                          <a:satMod val="175000"/>
+                          <a:alpha val="40000"/>
+                        </a:schemeClr>
+                      </a:glow>
+                      <a:outerShdw blurRad="80000" dist="40000" dir="5040000" algn="tl">
+                        <a:srgbClr val="000000">
+                          <a:alpha val="30000"/>
+                        </a:srgbClr>
+                      </a:outerShdw>
+                    </a:effectLst>
+                  </a:endParaRPr>
+                </a:p>
+              </p:txBody>
+            </p:sp>
+            <p:sp>
+              <p:nvSpPr>
+                <p:cNvPr id="82" name="직사각형 81"/>
+                <p:cNvSpPr/>
+                <p:nvPr/>
+              </p:nvSpPr>
+              <p:spPr>
+                <a:xfrm>
+                  <a:off x="755576" y="1650866"/>
+                  <a:ext cx="3672408" cy="307777"/>
+                </a:xfrm>
+                <a:prstGeom prst="rect">
+                  <a:avLst/>
+                </a:prstGeom>
+                <a:noFill/>
+              </p:spPr>
+              <p:txBody>
+                <a:bodyPr wrap="square" lIns="91440" tIns="45720" rIns="91440" bIns="45720">
+                  <a:spAutoFit/>
+                </a:bodyPr>
+                <a:lstStyle/>
+                <a:p>
+                  <a:r>
+                    <a:rPr lang="ko-KR" altLang="en-US" sz="1400" b="1" cap="none" spc="0" dirty="0" smtClean="0">
+                      <a:ln w="900" cmpd="sng">
+                        <a:solidFill>
+                          <a:schemeClr val="accent1">
+                            <a:satMod val="190000"/>
+                            <a:alpha val="55000"/>
+                          </a:schemeClr>
+                        </a:solidFill>
+                        <a:prstDash val="solid"/>
+                      </a:ln>
+                      <a:solidFill>
+                        <a:schemeClr val="accent1">
+                          <a:satMod val="200000"/>
+                          <a:tint val="3000"/>
+                        </a:schemeClr>
+                      </a:solidFill>
+                      <a:effectLst>
+                        <a:glow rad="101600">
+                          <a:schemeClr val="accent1">
+                            <a:satMod val="175000"/>
+                            <a:alpha val="40000"/>
+                          </a:schemeClr>
+                        </a:glow>
+                        <a:innerShdw blurRad="101600" dist="76200" dir="5400000">
+                          <a:schemeClr val="accent1">
+                            <a:satMod val="190000"/>
+                            <a:tint val="100000"/>
+                            <a:alpha val="74000"/>
+                          </a:schemeClr>
+                        </a:innerShdw>
+                      </a:effectLst>
+                    </a:rPr>
+                    <a:t>메시지 박스 </a:t>
+                  </a:r>
+                  <a:r>
+                    <a:rPr lang="en-US" altLang="ko-KR" sz="1400" b="1" dirty="0" smtClean="0">
+                      <a:ln w="900" cmpd="sng">
+                        <a:solidFill>
+                          <a:schemeClr val="accent1">
+                            <a:satMod val="190000"/>
+                            <a:alpha val="55000"/>
+                          </a:schemeClr>
+                        </a:solidFill>
+                        <a:prstDash val="solid"/>
+                      </a:ln>
+                      <a:solidFill>
+                        <a:schemeClr val="accent1">
+                          <a:satMod val="200000"/>
+                          <a:tint val="3000"/>
+                        </a:schemeClr>
+                      </a:solidFill>
+                      <a:effectLst>
+                        <a:glow rad="101600">
+                          <a:schemeClr val="accent1">
+                            <a:satMod val="175000"/>
+                            <a:alpha val="40000"/>
+                          </a:schemeClr>
+                        </a:glow>
+                        <a:innerShdw blurRad="101600" dist="76200" dir="5400000">
+                          <a:schemeClr val="accent1">
+                            <a:satMod val="190000"/>
+                            <a:tint val="100000"/>
+                            <a:alpha val="74000"/>
+                          </a:schemeClr>
+                        </a:innerShdw>
+                      </a:effectLst>
+                    </a:rPr>
+                    <a:t>: </a:t>
+                  </a:r>
+                  <a:r>
+                    <a:rPr lang="ko-KR" altLang="en-US" sz="1400" b="1" dirty="0" smtClean="0">
+                      <a:ln w="900" cmpd="sng">
+                        <a:solidFill>
+                          <a:schemeClr val="accent1">
+                            <a:satMod val="190000"/>
+                            <a:alpha val="55000"/>
+                          </a:schemeClr>
+                        </a:solidFill>
+                        <a:prstDash val="solid"/>
+                      </a:ln>
+                      <a:solidFill>
+                        <a:schemeClr val="accent1">
+                          <a:satMod val="200000"/>
+                          <a:tint val="3000"/>
+                        </a:schemeClr>
+                      </a:solidFill>
+                      <a:effectLst>
+                        <a:glow rad="101600">
+                          <a:schemeClr val="accent1">
+                            <a:satMod val="175000"/>
+                            <a:alpha val="40000"/>
+                          </a:schemeClr>
+                        </a:glow>
+                        <a:innerShdw blurRad="101600" dist="76200" dir="5400000">
+                          <a:schemeClr val="accent1">
+                            <a:satMod val="190000"/>
+                            <a:tint val="100000"/>
+                            <a:alpha val="74000"/>
+                          </a:schemeClr>
+                        </a:innerShdw>
+                      </a:effectLst>
+                    </a:rPr>
+                    <a:t>이벤트가 있을 때 표시됩니다</a:t>
+                  </a:r>
+                  <a:r>
+                    <a:rPr lang="en-US" altLang="ko-KR" sz="1400" b="1" dirty="0" smtClean="0">
+                      <a:ln w="900" cmpd="sng">
+                        <a:solidFill>
+                          <a:schemeClr val="accent1">
+                            <a:satMod val="190000"/>
+                            <a:alpha val="55000"/>
+                          </a:schemeClr>
+                        </a:solidFill>
+                        <a:prstDash val="solid"/>
+                      </a:ln>
+                      <a:solidFill>
+                        <a:schemeClr val="accent1">
+                          <a:satMod val="200000"/>
+                          <a:tint val="3000"/>
+                        </a:schemeClr>
+                      </a:solidFill>
+                      <a:effectLst>
+                        <a:glow rad="101600">
+                          <a:schemeClr val="accent1">
+                            <a:satMod val="175000"/>
+                            <a:alpha val="40000"/>
+                          </a:schemeClr>
+                        </a:glow>
+                        <a:innerShdw blurRad="101600" dist="76200" dir="5400000">
+                          <a:schemeClr val="accent1">
+                            <a:satMod val="190000"/>
+                            <a:tint val="100000"/>
+                            <a:alpha val="74000"/>
+                          </a:schemeClr>
+                        </a:innerShdw>
+                      </a:effectLst>
+                    </a:rPr>
+                    <a:t>.</a:t>
+                  </a:r>
+                  <a:endParaRPr lang="en-US" altLang="ko-KR" sz="1400" b="1" cap="none" spc="0" dirty="0">
+                    <a:ln w="900" cmpd="sng">
+                      <a:solidFill>
+                        <a:schemeClr val="accent1">
+                          <a:satMod val="190000"/>
+                          <a:alpha val="55000"/>
+                        </a:schemeClr>
+                      </a:solidFill>
+                      <a:prstDash val="solid"/>
+                    </a:ln>
+                    <a:solidFill>
+                      <a:schemeClr val="accent1">
+                        <a:satMod val="200000"/>
+                        <a:tint val="3000"/>
+                      </a:schemeClr>
+                    </a:solidFill>
+                    <a:effectLst>
+                      <a:glow rad="101600">
+                        <a:schemeClr val="accent1">
+                          <a:satMod val="175000"/>
+                          <a:alpha val="40000"/>
+                        </a:schemeClr>
+                      </a:glow>
+                      <a:innerShdw blurRad="101600" dist="76200" dir="5400000">
+                        <a:schemeClr val="accent1">
+                          <a:satMod val="190000"/>
+                          <a:tint val="100000"/>
+                          <a:alpha val="74000"/>
+                        </a:schemeClr>
+                      </a:innerShdw>
+                    </a:effectLst>
+                  </a:endParaRPr>
+                </a:p>
+              </p:txBody>
+            </p:sp>
+          </p:grpSp>
+          <p:grpSp>
+            <p:nvGrpSpPr>
+              <p:cNvPr id="87" name="그룹 86"/>
+              <p:cNvGrpSpPr/>
+              <p:nvPr/>
+            </p:nvGrpSpPr>
+            <p:grpSpPr>
+              <a:xfrm>
+                <a:off x="395536" y="2420888"/>
+                <a:ext cx="3960440" cy="400110"/>
+                <a:chOff x="395536" y="1628800"/>
+                <a:chExt cx="3960440" cy="400110"/>
+              </a:xfrm>
+            </p:grpSpPr>
+            <p:sp>
+              <p:nvSpPr>
+                <p:cNvPr id="88" name="직사각형 87"/>
+                <p:cNvSpPr/>
+                <p:nvPr/>
+              </p:nvSpPr>
+              <p:spPr>
+                <a:xfrm>
+                  <a:off x="395536" y="1628800"/>
+                  <a:ext cx="432048" cy="400110"/>
+                </a:xfrm>
+                <a:prstGeom prst="rect">
+                  <a:avLst/>
+                </a:prstGeom>
+                <a:noFill/>
+              </p:spPr>
+              <p:txBody>
+                <a:bodyPr wrap="square" lIns="91440" tIns="45720" rIns="91440" bIns="45720">
+                  <a:spAutoFit/>
+                  <a:scene3d>
+                    <a:camera prst="orthographicFront"/>
+                    <a:lightRig rig="glow" dir="tl">
+                      <a:rot lat="0" lon="0" rev="5400000"/>
+                    </a:lightRig>
+                  </a:scene3d>
+                  <a:sp3d extrusionH="57150" contourW="12700">
+                    <a:bevelT w="25400" h="25400"/>
+                    <a:contourClr>
+                      <a:schemeClr val="accent6">
+                        <a:shade val="73000"/>
+                      </a:schemeClr>
+                    </a:contourClr>
+                  </a:sp3d>
+                </a:bodyPr>
+                <a:lstStyle/>
+                <a:p>
+                  <a:r>
+                    <a:rPr lang="ko-KR" altLang="en-US" sz="2000" b="1" dirty="0" smtClean="0">
+                      <a:ln w="11430">
+                        <a:solidFill>
+                          <a:srgbClr val="FFFF00"/>
+                        </a:solidFill>
+                      </a:ln>
+                      <a:solidFill>
+                        <a:srgbClr val="002060"/>
+                      </a:solidFill>
+                      <a:effectLst>
+                        <a:glow rad="101600">
+                          <a:schemeClr val="accent1">
+                            <a:satMod val="175000"/>
+                            <a:alpha val="40000"/>
+                          </a:schemeClr>
+                        </a:glow>
+                        <a:outerShdw blurRad="80000" dist="40000" dir="5040000" algn="tl">
+                          <a:srgbClr val="000000">
+                            <a:alpha val="30000"/>
+                          </a:srgbClr>
+                        </a:outerShdw>
+                      </a:effectLst>
+                    </a:rPr>
+                    <a:t>㉰</a:t>
+                  </a:r>
+                  <a:endParaRPr lang="en-US" altLang="ko-KR" sz="2000" b="1" dirty="0" smtClean="0">
+                    <a:ln w="11430">
+                      <a:solidFill>
+                        <a:srgbClr val="FFFF00"/>
+                      </a:solidFill>
+                    </a:ln>
+                    <a:solidFill>
+                      <a:srgbClr val="002060"/>
+                    </a:solidFill>
+                    <a:effectLst>
+                      <a:glow rad="101600">
+                        <a:schemeClr val="accent1">
+                          <a:satMod val="175000"/>
+                          <a:alpha val="40000"/>
+                        </a:schemeClr>
+                      </a:glow>
+                      <a:outerShdw blurRad="80000" dist="40000" dir="5040000" algn="tl">
+                        <a:srgbClr val="000000">
+                          <a:alpha val="30000"/>
+                        </a:srgbClr>
+                      </a:outerShdw>
+                    </a:effectLst>
+                  </a:endParaRPr>
+                </a:p>
+              </p:txBody>
+            </p:sp>
+            <p:sp>
+              <p:nvSpPr>
+                <p:cNvPr id="89" name="직사각형 88"/>
+                <p:cNvSpPr/>
+                <p:nvPr/>
+              </p:nvSpPr>
+              <p:spPr>
+                <a:xfrm>
+                  <a:off x="755576" y="1650866"/>
+                  <a:ext cx="3600400" cy="307777"/>
+                </a:xfrm>
+                <a:prstGeom prst="rect">
+                  <a:avLst/>
+                </a:prstGeom>
+                <a:noFill/>
+              </p:spPr>
+              <p:txBody>
+                <a:bodyPr wrap="square" lIns="91440" tIns="45720" rIns="91440" bIns="45720">
+                  <a:spAutoFit/>
+                </a:bodyPr>
+                <a:lstStyle/>
+                <a:p>
+                  <a:r>
+                    <a:rPr lang="ko-KR" altLang="en-US" sz="1400" b="1" dirty="0" smtClean="0">
+                      <a:ln w="900" cmpd="sng">
+                        <a:solidFill>
+                          <a:schemeClr val="accent1">
+                            <a:satMod val="190000"/>
+                            <a:alpha val="55000"/>
+                          </a:schemeClr>
+                        </a:solidFill>
+                        <a:prstDash val="solid"/>
+                      </a:ln>
+                      <a:solidFill>
+                        <a:schemeClr val="accent1">
+                          <a:satMod val="200000"/>
+                          <a:tint val="3000"/>
+                        </a:schemeClr>
+                      </a:solidFill>
+                      <a:effectLst>
+                        <a:glow rad="101600">
+                          <a:schemeClr val="accent1">
+                            <a:satMod val="175000"/>
+                            <a:alpha val="40000"/>
+                          </a:schemeClr>
+                        </a:glow>
+                        <a:innerShdw blurRad="101600" dist="76200" dir="5400000">
+                          <a:schemeClr val="accent1">
+                            <a:satMod val="190000"/>
+                            <a:tint val="100000"/>
+                            <a:alpha val="74000"/>
+                          </a:schemeClr>
+                        </a:innerShdw>
+                      </a:effectLst>
+                    </a:rPr>
+                    <a:t>진</a:t>
+                  </a:r>
+                  <a:r>
+                    <a:rPr lang="ko-KR" altLang="en-US" sz="1400" b="1" dirty="0" smtClean="0">
+                      <a:ln w="900" cmpd="sng">
+                        <a:solidFill>
+                          <a:schemeClr val="accent1">
+                            <a:satMod val="190000"/>
+                            <a:alpha val="55000"/>
+                          </a:schemeClr>
+                        </a:solidFill>
+                        <a:prstDash val="solid"/>
+                      </a:ln>
+                      <a:solidFill>
+                        <a:schemeClr val="accent1">
+                          <a:satMod val="200000"/>
+                          <a:tint val="3000"/>
+                        </a:schemeClr>
+                      </a:solidFill>
+                      <a:effectLst>
+                        <a:glow rad="101600">
+                          <a:schemeClr val="accent1">
+                            <a:satMod val="175000"/>
+                            <a:alpha val="40000"/>
+                          </a:schemeClr>
+                        </a:glow>
+                        <a:innerShdw blurRad="101600" dist="76200" dir="5400000">
+                          <a:schemeClr val="accent1">
+                            <a:satMod val="190000"/>
+                            <a:tint val="100000"/>
+                            <a:alpha val="74000"/>
+                          </a:schemeClr>
+                        </a:innerShdw>
+                      </a:effectLst>
+                    </a:rPr>
+                    <a:t>행</a:t>
+                  </a:r>
+                  <a:r>
+                    <a:rPr lang="ko-KR" altLang="en-US" sz="1400" b="1" dirty="0" smtClean="0">
+                      <a:ln w="900" cmpd="sng">
+                        <a:solidFill>
+                          <a:schemeClr val="accent1">
+                            <a:satMod val="190000"/>
+                            <a:alpha val="55000"/>
+                          </a:schemeClr>
+                        </a:solidFill>
+                        <a:prstDash val="solid"/>
+                      </a:ln>
+                      <a:solidFill>
+                        <a:schemeClr val="accent1">
+                          <a:satMod val="200000"/>
+                          <a:tint val="3000"/>
+                        </a:schemeClr>
+                      </a:solidFill>
+                      <a:effectLst>
+                        <a:glow rad="101600">
+                          <a:schemeClr val="accent1">
+                            <a:satMod val="175000"/>
+                            <a:alpha val="40000"/>
+                          </a:schemeClr>
+                        </a:glow>
+                        <a:innerShdw blurRad="101600" dist="76200" dir="5400000">
+                          <a:schemeClr val="accent1">
+                            <a:satMod val="190000"/>
+                            <a:tint val="100000"/>
+                            <a:alpha val="74000"/>
+                          </a:schemeClr>
+                        </a:innerShdw>
+                      </a:effectLst>
+                    </a:rPr>
+                    <a:t> 버튼 </a:t>
+                  </a:r>
+                  <a:r>
+                    <a:rPr lang="en-US" altLang="ko-KR" sz="1400" b="1" dirty="0" smtClean="0">
+                      <a:ln w="900" cmpd="sng">
+                        <a:solidFill>
+                          <a:schemeClr val="accent1">
+                            <a:satMod val="190000"/>
+                            <a:alpha val="55000"/>
+                          </a:schemeClr>
+                        </a:solidFill>
+                        <a:prstDash val="solid"/>
+                      </a:ln>
+                      <a:solidFill>
+                        <a:schemeClr val="accent1">
+                          <a:satMod val="200000"/>
+                          <a:tint val="3000"/>
+                        </a:schemeClr>
+                      </a:solidFill>
+                      <a:effectLst>
+                        <a:glow rad="101600">
+                          <a:schemeClr val="accent1">
+                            <a:satMod val="175000"/>
+                            <a:alpha val="40000"/>
+                          </a:schemeClr>
+                        </a:glow>
+                        <a:innerShdw blurRad="101600" dist="76200" dir="5400000">
+                          <a:schemeClr val="accent1">
+                            <a:satMod val="190000"/>
+                            <a:tint val="100000"/>
+                            <a:alpha val="74000"/>
+                          </a:schemeClr>
+                        </a:innerShdw>
+                      </a:effectLst>
+                    </a:rPr>
+                    <a:t>: </a:t>
+                  </a:r>
+                  <a:r>
+                    <a:rPr lang="ko-KR" altLang="en-US" sz="1400" b="1" dirty="0" smtClean="0">
+                      <a:ln w="900" cmpd="sng">
+                        <a:solidFill>
+                          <a:schemeClr val="accent1">
+                            <a:satMod val="190000"/>
+                            <a:alpha val="55000"/>
+                          </a:schemeClr>
+                        </a:solidFill>
+                        <a:prstDash val="solid"/>
+                      </a:ln>
+                      <a:solidFill>
+                        <a:schemeClr val="accent1">
+                          <a:satMod val="200000"/>
+                          <a:tint val="3000"/>
+                        </a:schemeClr>
+                      </a:solidFill>
+                      <a:effectLst>
+                        <a:glow rad="101600">
+                          <a:schemeClr val="accent1">
+                            <a:satMod val="175000"/>
+                            <a:alpha val="40000"/>
+                          </a:schemeClr>
+                        </a:glow>
+                        <a:innerShdw blurRad="101600" dist="76200" dir="5400000">
+                          <a:schemeClr val="accent1">
+                            <a:satMod val="190000"/>
+                            <a:tint val="100000"/>
+                            <a:alpha val="74000"/>
+                          </a:schemeClr>
+                        </a:innerShdw>
+                      </a:effectLst>
+                    </a:rPr>
+                    <a:t>게임을 진행하는 기능입니다</a:t>
+                  </a:r>
+                  <a:r>
+                    <a:rPr lang="en-US" altLang="ko-KR" sz="1400" b="1" dirty="0" smtClean="0">
+                      <a:ln w="900" cmpd="sng">
+                        <a:solidFill>
+                          <a:schemeClr val="accent1">
+                            <a:satMod val="190000"/>
+                            <a:alpha val="55000"/>
+                          </a:schemeClr>
+                        </a:solidFill>
+                        <a:prstDash val="solid"/>
+                      </a:ln>
+                      <a:solidFill>
+                        <a:schemeClr val="accent1">
+                          <a:satMod val="200000"/>
+                          <a:tint val="3000"/>
+                        </a:schemeClr>
+                      </a:solidFill>
+                      <a:effectLst>
+                        <a:glow rad="101600">
+                          <a:schemeClr val="accent1">
+                            <a:satMod val="175000"/>
+                            <a:alpha val="40000"/>
+                          </a:schemeClr>
+                        </a:glow>
+                        <a:innerShdw blurRad="101600" dist="76200" dir="5400000">
+                          <a:schemeClr val="accent1">
+                            <a:satMod val="190000"/>
+                            <a:tint val="100000"/>
+                            <a:alpha val="74000"/>
+                          </a:schemeClr>
+                        </a:innerShdw>
+                      </a:effectLst>
+                    </a:rPr>
+                    <a:t>.</a:t>
+                  </a:r>
+                  <a:endParaRPr lang="en-US" altLang="ko-KR" sz="1400" b="1" cap="none" spc="0" dirty="0">
+                    <a:ln w="900" cmpd="sng">
+                      <a:solidFill>
+                        <a:schemeClr val="accent1">
+                          <a:satMod val="190000"/>
+                          <a:alpha val="55000"/>
+                        </a:schemeClr>
+                      </a:solidFill>
+                      <a:prstDash val="solid"/>
+                    </a:ln>
+                    <a:solidFill>
+                      <a:schemeClr val="accent1">
+                        <a:satMod val="200000"/>
+                        <a:tint val="3000"/>
+                      </a:schemeClr>
+                    </a:solidFill>
+                    <a:effectLst>
+                      <a:glow rad="101600">
+                        <a:schemeClr val="accent1">
+                          <a:satMod val="175000"/>
+                          <a:alpha val="40000"/>
+                        </a:schemeClr>
+                      </a:glow>
+                      <a:innerShdw blurRad="101600" dist="76200" dir="5400000">
+                        <a:schemeClr val="accent1">
+                          <a:satMod val="190000"/>
+                          <a:tint val="100000"/>
+                          <a:alpha val="74000"/>
+                        </a:schemeClr>
+                      </a:innerShdw>
+                    </a:effectLst>
+                  </a:endParaRPr>
+                </a:p>
+              </p:txBody>
+            </p:sp>
+          </p:grpSp>
+        </p:grpSp>
+        <p:grpSp>
+          <p:nvGrpSpPr>
+            <p:cNvPr id="90" name="그룹 89"/>
+            <p:cNvGrpSpPr/>
+            <p:nvPr/>
+          </p:nvGrpSpPr>
+          <p:grpSpPr>
+            <a:xfrm>
+              <a:off x="7956376" y="1772816"/>
+              <a:ext cx="504056" cy="431992"/>
+              <a:chOff x="-972616" y="1916832"/>
+              <a:chExt cx="504000" cy="504000"/>
+            </a:xfrm>
+          </p:grpSpPr>
+          <p:sp>
+            <p:nvSpPr>
+              <p:cNvPr id="91" name="직사각형 90"/>
+              <p:cNvSpPr/>
+              <p:nvPr/>
+            </p:nvSpPr>
+            <p:spPr>
+              <a:xfrm>
+                <a:off x="-972616" y="1916832"/>
+                <a:ext cx="504000" cy="504000"/>
+              </a:xfrm>
+              <a:prstGeom prst="rect">
+                <a:avLst/>
+              </a:prstGeom>
+              <a:solidFill>
+                <a:schemeClr val="accent4">
+                  <a:lumMod val="60000"/>
+                  <a:lumOff val="40000"/>
+                </a:schemeClr>
+              </a:solidFill>
+              <a:ln>
+                <a:solidFill>
+                  <a:schemeClr val="accent1">
+                    <a:lumMod val="20000"/>
+                    <a:lumOff val="80000"/>
+                  </a:schemeClr>
+                </a:solidFill>
+                <a:prstDash val="solid"/>
+              </a:ln>
+              <a:effectLst>
+                <a:outerShdw blurRad="63500" sx="102000" sy="102000" algn="ctr" rotWithShape="0">
+                  <a:prstClr val="black">
+                    <a:alpha val="40000"/>
+                  </a:prstClr>
+                </a:outerShdw>
+              </a:effectLst>
+              <a:scene3d>
+                <a:camera prst="orthographicFront"/>
+                <a:lightRig rig="threePt" dir="t"/>
+              </a:scene3d>
+              <a:sp3d>
+                <a:bevelT prst="slope"/>
+              </a:sp3d>
+            </p:spPr>
+            <p:style>
+              <a:lnRef idx="2">
+                <a:schemeClr val="accent1">
+                  <a:shade val="50000"/>
+                </a:schemeClr>
+              </a:lnRef>
+              <a:fillRef idx="1">
+                <a:schemeClr val="accent1"/>
+              </a:fillRef>
+              <a:effectRef idx="0">
+                <a:schemeClr val="accent1"/>
+              </a:effectRef>
+              <a:fontRef idx="minor">
+                <a:schemeClr val="lt1"/>
+              </a:fontRef>
+            </p:style>
+            <p:txBody>
+              <a:bodyPr rtlCol="0" anchor="ctr">
+                <a:scene3d>
+                  <a:camera prst="orthographicFront"/>
+                  <a:lightRig rig="soft" dir="tl">
+                    <a:rot lat="0" lon="0" rev="0"/>
+                  </a:lightRig>
+                </a:scene3d>
+                <a:sp3d contourW="25400" prstMaterial="matte">
+                  <a:contourClr>
+                    <a:schemeClr val="accent2">
+                      <a:tint val="20000"/>
+                    </a:schemeClr>
+                  </a:contourClr>
+                </a:sp3d>
+              </a:bodyPr>
+              <a:lstStyle/>
+              <a:p>
+                <a:pPr algn="ctr"/>
+                <a:endParaRPr lang="ko-KR" altLang="en-US" b="1" spc="50" dirty="0" smtClean="0">
+                  <a:ln w="11430">
+                    <a:solidFill>
+                      <a:srgbClr val="00B050"/>
+                    </a:solidFill>
+                  </a:ln>
+                  <a:solidFill>
+                    <a:srgbClr val="00B050"/>
+                  </a:solidFill>
+                  <a:effectLst>
+                    <a:glow rad="228600">
+                      <a:schemeClr val="accent6">
+                        <a:satMod val="175000"/>
+                        <a:alpha val="40000"/>
+                      </a:schemeClr>
+                    </a:glow>
+                    <a:outerShdw blurRad="50800" dist="38100" dir="2700000" algn="tl" rotWithShape="0">
+                      <a:prstClr val="black">
+                        <a:alpha val="40000"/>
+                      </a:prstClr>
+                    </a:outerShdw>
+                  </a:effectLst>
+                </a:endParaRPr>
+              </a:p>
+            </p:txBody>
+          </p:sp>
+          <p:pic>
+            <p:nvPicPr>
+              <p:cNvPr id="92" name="Picture 2" descr="C:\Users\ediso\AppData\Local\Microsoft\Windows\INetCache\IE\Y7GHTHUT\arrow-1314470_640[1].png"/>
+              <p:cNvPicPr>
+                <a:picLocks noChangeAspect="1" noChangeArrowheads="1"/>
+              </p:cNvPicPr>
+              <p:nvPr/>
+            </p:nvPicPr>
+            <p:blipFill>
+              <a:blip r:embed="rId4" cstate="print"/>
+              <a:srcRect/>
+              <a:stretch>
+                <a:fillRect/>
+              </a:stretch>
+            </p:blipFill>
+            <p:spPr bwMode="auto">
+              <a:xfrm>
+                <a:off x="-900568" y="1988880"/>
+                <a:ext cx="360000" cy="360000"/>
+              </a:xfrm>
+              <a:prstGeom prst="rect">
+                <a:avLst/>
+              </a:prstGeom>
+              <a:noFill/>
+            </p:spPr>
+          </p:pic>
+        </p:grpSp>
+        <p:sp>
+          <p:nvSpPr>
+            <p:cNvPr id="93" name="직사각형 92"/>
+            <p:cNvSpPr/>
+            <p:nvPr/>
+          </p:nvSpPr>
+          <p:spPr>
+            <a:xfrm>
+              <a:off x="7740352" y="1556792"/>
+              <a:ext cx="432048" cy="400110"/>
+            </a:xfrm>
+            <a:prstGeom prst="rect">
+              <a:avLst/>
+            </a:prstGeom>
+            <a:noFill/>
+          </p:spPr>
+          <p:txBody>
+            <a:bodyPr wrap="square" lIns="91440" tIns="45720" rIns="91440" bIns="45720">
+              <a:spAutoFit/>
+              <a:scene3d>
+                <a:camera prst="orthographicFront"/>
+                <a:lightRig rig="glow" dir="tl">
+                  <a:rot lat="0" lon="0" rev="5400000"/>
+                </a:lightRig>
+              </a:scene3d>
+              <a:sp3d extrusionH="57150" contourW="12700">
+                <a:bevelT w="25400" h="25400"/>
+                <a:contourClr>
+                  <a:schemeClr val="accent6">
+                    <a:shade val="73000"/>
+                  </a:schemeClr>
+                </a:contourClr>
+              </a:sp3d>
+            </a:bodyPr>
+            <a:lstStyle/>
+            <a:p>
+              <a:r>
+                <a:rPr lang="ko-KR" altLang="en-US" sz="2000" b="1" dirty="0" smtClean="0">
+                  <a:ln w="11430">
+                    <a:solidFill>
+                      <a:srgbClr val="FFFF00"/>
+                    </a:solidFill>
+                  </a:ln>
+                  <a:solidFill>
+                    <a:srgbClr val="002060"/>
+                  </a:solidFill>
+                  <a:effectLst>
+                    <a:glow rad="228600">
+                      <a:schemeClr val="accent5">
+                        <a:satMod val="175000"/>
+                        <a:alpha val="40000"/>
+                      </a:schemeClr>
+                    </a:glow>
+                    <a:outerShdw blurRad="80000" dist="40000" dir="5040000" algn="tl">
+                      <a:srgbClr val="000000">
+                        <a:alpha val="30000"/>
+                      </a:srgbClr>
+                    </a:outerShdw>
+                  </a:effectLst>
+                </a:rPr>
+                <a:t>㉰</a:t>
+              </a:r>
+              <a:endParaRPr lang="en-US" altLang="ko-KR" sz="2000" b="1" dirty="0" smtClean="0">
+                <a:ln w="11430">
+                  <a:solidFill>
+                    <a:srgbClr val="FFFF00"/>
+                  </a:solidFill>
+                </a:ln>
+                <a:solidFill>
+                  <a:srgbClr val="002060"/>
+                </a:solidFill>
+                <a:effectLst>
+                  <a:glow rad="228600">
+                    <a:schemeClr val="accent5">
+                      <a:satMod val="175000"/>
+                      <a:alpha val="40000"/>
+                    </a:schemeClr>
+                  </a:glow>
+                  <a:outerShdw blurRad="80000" dist="40000" dir="5040000" algn="tl">
+                    <a:srgbClr val="000000">
+                      <a:alpha val="30000"/>
+                    </a:srgbClr>
+                  </a:outerShdw>
+                </a:effectLst>
+              </a:endParaRPr>
+            </a:p>
+          </p:txBody>
+        </p:sp>
+      </p:grpSp>
       <p:sp>
         <p:nvSpPr>
-          <p:cNvPr id="113" name="직사각형 112"/>
+          <p:cNvPr id="110" name="직사각형 109"/>
           <p:cNvSpPr/>
           <p:nvPr/>
         </p:nvSpPr>
         <p:spPr>
           <a:xfrm>
-            <a:off x="6732240" y="836712"/>
+            <a:off x="6732240" y="764704"/>
             <a:ext cx="1944000" cy="504000"/>
           </a:xfrm>
           <a:prstGeom prst="rect">
             <a:avLst/>
           </a:prstGeom>
           <a:blipFill>
-            <a:blip r:embed="rId4" cstate="print"/>
+            <a:blip r:embed="rId5" cstate="print"/>
             <a:stretch>
               <a:fillRect/>
             </a:stretch>

--- a/그림 만들기.pptx
+++ b/그림 만들기.pptx
@@ -199,7 +199,7 @@
             <a:fld id="{B478B745-BF05-4AEA-A995-7E994C8F897E}" type="datetimeFigureOut">
               <a:rPr lang="ko-KR" altLang="en-US" smtClean="0"/>
               <a:pPr/>
-              <a:t>2020-07-11</a:t>
+              <a:t>2020-07-19</a:t>
             </a:fld>
             <a:endParaRPr lang="ko-KR" altLang="en-US"/>
           </a:p>
@@ -811,7 +811,7 @@
             <a:fld id="{823895E5-2D2B-4236-AC77-BC0599642604}" type="datetimeFigureOut">
               <a:rPr lang="ko-KR" altLang="en-US" smtClean="0"/>
               <a:pPr/>
-              <a:t>2020-07-11</a:t>
+              <a:t>2020-07-19</a:t>
             </a:fld>
             <a:endParaRPr lang="ko-KR" altLang="en-US"/>
           </a:p>
@@ -978,7 +978,7 @@
             <a:fld id="{823895E5-2D2B-4236-AC77-BC0599642604}" type="datetimeFigureOut">
               <a:rPr lang="ko-KR" altLang="en-US" smtClean="0"/>
               <a:pPr/>
-              <a:t>2020-07-11</a:t>
+              <a:t>2020-07-19</a:t>
             </a:fld>
             <a:endParaRPr lang="ko-KR" altLang="en-US"/>
           </a:p>
@@ -1155,7 +1155,7 @@
             <a:fld id="{823895E5-2D2B-4236-AC77-BC0599642604}" type="datetimeFigureOut">
               <a:rPr lang="ko-KR" altLang="en-US" smtClean="0"/>
               <a:pPr/>
-              <a:t>2020-07-11</a:t>
+              <a:t>2020-07-19</a:t>
             </a:fld>
             <a:endParaRPr lang="ko-KR" altLang="en-US"/>
           </a:p>
@@ -1322,7 +1322,7 @@
             <a:fld id="{823895E5-2D2B-4236-AC77-BC0599642604}" type="datetimeFigureOut">
               <a:rPr lang="ko-KR" altLang="en-US" smtClean="0"/>
               <a:pPr/>
-              <a:t>2020-07-11</a:t>
+              <a:t>2020-07-19</a:t>
             </a:fld>
             <a:endParaRPr lang="ko-KR" altLang="en-US"/>
           </a:p>
@@ -1565,7 +1565,7 @@
             <a:fld id="{823895E5-2D2B-4236-AC77-BC0599642604}" type="datetimeFigureOut">
               <a:rPr lang="ko-KR" altLang="en-US" smtClean="0"/>
               <a:pPr/>
-              <a:t>2020-07-11</a:t>
+              <a:t>2020-07-19</a:t>
             </a:fld>
             <a:endParaRPr lang="ko-KR" altLang="en-US"/>
           </a:p>
@@ -1850,7 +1850,7 @@
             <a:fld id="{823895E5-2D2B-4236-AC77-BC0599642604}" type="datetimeFigureOut">
               <a:rPr lang="ko-KR" altLang="en-US" smtClean="0"/>
               <a:pPr/>
-              <a:t>2020-07-11</a:t>
+              <a:t>2020-07-19</a:t>
             </a:fld>
             <a:endParaRPr lang="ko-KR" altLang="en-US"/>
           </a:p>
@@ -2269,7 +2269,7 @@
             <a:fld id="{823895E5-2D2B-4236-AC77-BC0599642604}" type="datetimeFigureOut">
               <a:rPr lang="ko-KR" altLang="en-US" smtClean="0"/>
               <a:pPr/>
-              <a:t>2020-07-11</a:t>
+              <a:t>2020-07-19</a:t>
             </a:fld>
             <a:endParaRPr lang="ko-KR" altLang="en-US"/>
           </a:p>
@@ -2384,7 +2384,7 @@
             <a:fld id="{823895E5-2D2B-4236-AC77-BC0599642604}" type="datetimeFigureOut">
               <a:rPr lang="ko-KR" altLang="en-US" smtClean="0"/>
               <a:pPr/>
-              <a:t>2020-07-11</a:t>
+              <a:t>2020-07-19</a:t>
             </a:fld>
             <a:endParaRPr lang="ko-KR" altLang="en-US"/>
           </a:p>
@@ -2476,7 +2476,7 @@
             <a:fld id="{823895E5-2D2B-4236-AC77-BC0599642604}" type="datetimeFigureOut">
               <a:rPr lang="ko-KR" altLang="en-US" smtClean="0"/>
               <a:pPr/>
-              <a:t>2020-07-11</a:t>
+              <a:t>2020-07-19</a:t>
             </a:fld>
             <a:endParaRPr lang="ko-KR" altLang="en-US"/>
           </a:p>
@@ -2750,7 +2750,7 @@
             <a:fld id="{823895E5-2D2B-4236-AC77-BC0599642604}" type="datetimeFigureOut">
               <a:rPr lang="ko-KR" altLang="en-US" smtClean="0"/>
               <a:pPr/>
-              <a:t>2020-07-11</a:t>
+              <a:t>2020-07-19</a:t>
             </a:fld>
             <a:endParaRPr lang="ko-KR" altLang="en-US"/>
           </a:p>
@@ -3000,7 +3000,7 @@
             <a:fld id="{823895E5-2D2B-4236-AC77-BC0599642604}" type="datetimeFigureOut">
               <a:rPr lang="ko-KR" altLang="en-US" smtClean="0"/>
               <a:pPr/>
-              <a:t>2020-07-11</a:t>
+              <a:t>2020-07-19</a:t>
             </a:fld>
             <a:endParaRPr lang="ko-KR" altLang="en-US"/>
           </a:p>
@@ -3210,7 +3210,7 @@
             <a:fld id="{823895E5-2D2B-4236-AC77-BC0599642604}" type="datetimeFigureOut">
               <a:rPr lang="ko-KR" altLang="en-US" smtClean="0"/>
               <a:pPr/>
-              <a:t>2020-07-11</a:t>
+              <a:t>2020-07-19</a:t>
             </a:fld>
             <a:endParaRPr lang="ko-KR" altLang="en-US"/>
           </a:p>
@@ -5414,70 +5414,7 @@
                     </a:outerShdw>
                   </a:effectLst>
                 </a:rPr>
-                <a:t>저장된 게임 </a:t>
-              </a:r>
-              <a:r>
-                <a:rPr lang="ko-KR" altLang="en-US" sz="3000" b="1" dirty="0" smtClean="0">
-                  <a:ln>
-                    <a:solidFill>
-                      <a:schemeClr val="accent2">
-                        <a:lumMod val="50000"/>
-                      </a:schemeClr>
-                    </a:solidFill>
-                    <a:prstDash val="solid"/>
-                  </a:ln>
-                  <a:gradFill rotWithShape="1">
-                    <a:gsLst>
-                      <a:gs pos="0">
-                        <a:schemeClr val="accent4">
-                          <a:tint val="70000"/>
-                          <a:satMod val="200000"/>
-                        </a:schemeClr>
-                      </a:gs>
-                      <a:gs pos="40000">
-                        <a:schemeClr val="accent4">
-                          <a:tint val="90000"/>
-                          <a:satMod val="130000"/>
-                        </a:schemeClr>
-                      </a:gs>
-                      <a:gs pos="50000">
-                        <a:schemeClr val="accent4">
-                          <a:tint val="90000"/>
-                          <a:satMod val="130000"/>
-                        </a:schemeClr>
-                      </a:gs>
-                      <a:gs pos="68000">
-                        <a:schemeClr val="accent4">
-                          <a:tint val="90000"/>
-                          <a:satMod val="130000"/>
-                        </a:schemeClr>
-                      </a:gs>
-                      <a:gs pos="100000">
-                        <a:schemeClr val="accent4">
-                          <a:tint val="70000"/>
-                          <a:satMod val="200000"/>
-                        </a:schemeClr>
-                      </a:gs>
-                    </a:gsLst>
-                    <a:lin ang="5400000"/>
-                  </a:gradFill>
-                  <a:effectLst>
-                    <a:glow rad="139700">
-                      <a:schemeClr val="accent3">
-                        <a:satMod val="175000"/>
-                        <a:alpha val="40000"/>
-                      </a:schemeClr>
-                    </a:glow>
-                    <a:outerShdw blurRad="88000" dist="50800" dir="5040000" algn="tl">
-                      <a:schemeClr val="accent4">
-                        <a:tint val="80000"/>
-                        <a:satMod val="250000"/>
-                        <a:alpha val="45000"/>
-                      </a:schemeClr>
-                    </a:outerShdw>
-                  </a:effectLst>
-                </a:rPr>
-                <a:t>선택</a:t>
+                <a:t>저장된 게임 선택</a:t>
               </a:r>
             </a:p>
           </p:txBody>
@@ -6200,70 +6137,7 @@
                     </a:outerShdw>
                   </a:effectLst>
                 </a:rPr>
-                <a:t>저장할 파일 </a:t>
-              </a:r>
-              <a:r>
-                <a:rPr lang="ko-KR" altLang="en-US" sz="3000" b="1" dirty="0" smtClean="0">
-                  <a:ln>
-                    <a:solidFill>
-                      <a:schemeClr val="accent2">
-                        <a:lumMod val="50000"/>
-                      </a:schemeClr>
-                    </a:solidFill>
-                    <a:prstDash val="solid"/>
-                  </a:ln>
-                  <a:gradFill rotWithShape="1">
-                    <a:gsLst>
-                      <a:gs pos="0">
-                        <a:schemeClr val="accent4">
-                          <a:tint val="70000"/>
-                          <a:satMod val="200000"/>
-                        </a:schemeClr>
-                      </a:gs>
-                      <a:gs pos="40000">
-                        <a:schemeClr val="accent4">
-                          <a:tint val="90000"/>
-                          <a:satMod val="130000"/>
-                        </a:schemeClr>
-                      </a:gs>
-                      <a:gs pos="50000">
-                        <a:schemeClr val="accent4">
-                          <a:tint val="90000"/>
-                          <a:satMod val="130000"/>
-                        </a:schemeClr>
-                      </a:gs>
-                      <a:gs pos="68000">
-                        <a:schemeClr val="accent4">
-                          <a:tint val="90000"/>
-                          <a:satMod val="130000"/>
-                        </a:schemeClr>
-                      </a:gs>
-                      <a:gs pos="100000">
-                        <a:schemeClr val="accent4">
-                          <a:tint val="70000"/>
-                          <a:satMod val="200000"/>
-                        </a:schemeClr>
-                      </a:gs>
-                    </a:gsLst>
-                    <a:lin ang="5400000"/>
-                  </a:gradFill>
-                  <a:effectLst>
-                    <a:glow rad="139700">
-                      <a:schemeClr val="accent3">
-                        <a:satMod val="175000"/>
-                        <a:alpha val="40000"/>
-                      </a:schemeClr>
-                    </a:glow>
-                    <a:outerShdw blurRad="88000" dist="50800" dir="5040000" algn="tl">
-                      <a:schemeClr val="accent4">
-                        <a:tint val="80000"/>
-                        <a:satMod val="250000"/>
-                        <a:alpha val="45000"/>
-                      </a:schemeClr>
-                    </a:outerShdw>
-                  </a:effectLst>
-                </a:rPr>
-                <a:t>선택</a:t>
+                <a:t>저장할 파일 선택</a:t>
               </a:r>
             </a:p>
           </p:txBody>
@@ -8740,6 +8614,995 @@
           </p:spPr>
         </p:pic>
       </p:grpSp>
+      <p:sp>
+        <p:nvSpPr>
+          <p:cNvPr id="28" name="직사각형 27"/>
+          <p:cNvSpPr/>
+          <p:nvPr/>
+        </p:nvSpPr>
+        <p:spPr>
+          <a:xfrm>
+            <a:off x="1907704" y="692696"/>
+            <a:ext cx="6048672" cy="504056"/>
+          </a:xfrm>
+          <a:prstGeom prst="rect">
+            <a:avLst/>
+          </a:prstGeom>
+          <a:solidFill>
+            <a:schemeClr val="accent1">
+              <a:lumMod val="40000"/>
+              <a:lumOff val="60000"/>
+            </a:schemeClr>
+          </a:solidFill>
+          <a:ln>
+            <a:solidFill>
+              <a:schemeClr val="accent3">
+                <a:lumMod val="60000"/>
+                <a:lumOff val="40000"/>
+              </a:schemeClr>
+            </a:solidFill>
+            <a:prstDash val="solid"/>
+          </a:ln>
+          <a:effectLst/>
+          <a:scene3d>
+            <a:camera prst="orthographicFront"/>
+            <a:lightRig rig="threePt" dir="t"/>
+          </a:scene3d>
+          <a:sp3d>
+            <a:bevelT/>
+          </a:sp3d>
+        </p:spPr>
+        <p:style>
+          <a:lnRef idx="2">
+            <a:schemeClr val="accent1">
+              <a:shade val="50000"/>
+            </a:schemeClr>
+          </a:lnRef>
+          <a:fillRef idx="1">
+            <a:schemeClr val="accent1"/>
+          </a:fillRef>
+          <a:effectRef idx="0">
+            <a:schemeClr val="accent1"/>
+          </a:effectRef>
+          <a:fontRef idx="minor">
+            <a:schemeClr val="lt1"/>
+          </a:fontRef>
+        </p:style>
+        <p:txBody>
+          <a:bodyPr rtlCol="0" anchor="ctr">
+            <a:scene3d>
+              <a:camera prst="orthographicFront"/>
+              <a:lightRig rig="flat" dir="tl">
+                <a:rot lat="0" lon="0" rev="6600000"/>
+              </a:lightRig>
+            </a:scene3d>
+            <a:sp3d extrusionH="25400" contourW="8890">
+              <a:bevelT w="38100" h="31750"/>
+              <a:contourClr>
+                <a:schemeClr val="accent2">
+                  <a:shade val="75000"/>
+                </a:schemeClr>
+              </a:contourClr>
+            </a:sp3d>
+          </a:bodyPr>
+          <a:lstStyle/>
+          <a:p>
+            <a:pPr algn="ctr"/>
+            <a:r>
+              <a:rPr lang="ko-KR" altLang="en-US" b="1" dirty="0" smtClean="0">
+                <a:ln w="11430"/>
+                <a:solidFill>
+                  <a:schemeClr val="accent6">
+                    <a:lumMod val="40000"/>
+                    <a:lumOff val="60000"/>
+                  </a:schemeClr>
+                </a:solidFill>
+                <a:effectLst>
+                  <a:glow rad="139700">
+                    <a:schemeClr val="accent5">
+                      <a:satMod val="175000"/>
+                      <a:alpha val="40000"/>
+                    </a:schemeClr>
+                  </a:glow>
+                  <a:outerShdw blurRad="50800" dist="39000" dir="5460000" algn="tl">
+                    <a:srgbClr val="000000">
+                      <a:alpha val="38000"/>
+                    </a:srgbClr>
+                  </a:outerShdw>
+                </a:effectLst>
+              </a:rPr>
+              <a:t>초기 게임 자금 획득을 위한 축구 퀴즈</a:t>
+            </a:r>
+            <a:endParaRPr lang="ko-KR" altLang="en-US" b="1" dirty="0" smtClean="0">
+              <a:ln w="11430"/>
+              <a:solidFill>
+                <a:schemeClr val="accent6">
+                  <a:lumMod val="40000"/>
+                  <a:lumOff val="60000"/>
+                </a:schemeClr>
+              </a:solidFill>
+              <a:effectLst>
+                <a:glow rad="139700">
+                  <a:schemeClr val="accent5">
+                    <a:satMod val="175000"/>
+                    <a:alpha val="40000"/>
+                  </a:schemeClr>
+                </a:glow>
+                <a:outerShdw blurRad="50800" dist="39000" dir="5460000" algn="tl">
+                  <a:srgbClr val="000000">
+                    <a:alpha val="38000"/>
+                  </a:srgbClr>
+                </a:outerShdw>
+              </a:effectLst>
+            </a:endParaRPr>
+          </a:p>
+        </p:txBody>
+      </p:sp>
+      <p:sp>
+        <p:nvSpPr>
+          <p:cNvPr id="35" name="직사각형 34"/>
+          <p:cNvSpPr/>
+          <p:nvPr/>
+        </p:nvSpPr>
+        <p:spPr>
+          <a:xfrm>
+            <a:off x="2051720" y="1556792"/>
+            <a:ext cx="6624736" cy="1008112"/>
+          </a:xfrm>
+          <a:prstGeom prst="rect">
+            <a:avLst/>
+          </a:prstGeom>
+          <a:blipFill>
+            <a:blip r:embed="rId6" cstate="print"/>
+            <a:tile tx="0" ty="0" sx="100000" sy="100000" flip="none" algn="tl"/>
+          </a:blipFill>
+          <a:ln>
+            <a:solidFill>
+              <a:schemeClr val="bg1">
+                <a:lumMod val="65000"/>
+              </a:schemeClr>
+            </a:solidFill>
+            <a:prstDash val="solid"/>
+          </a:ln>
+          <a:effectLst/>
+          <a:scene3d>
+            <a:camera prst="orthographicFront"/>
+            <a:lightRig rig="threePt" dir="t"/>
+          </a:scene3d>
+          <a:sp3d>
+            <a:bevelT/>
+          </a:sp3d>
+        </p:spPr>
+        <p:style>
+          <a:lnRef idx="2">
+            <a:schemeClr val="accent1">
+              <a:shade val="50000"/>
+            </a:schemeClr>
+          </a:lnRef>
+          <a:fillRef idx="1">
+            <a:schemeClr val="accent1"/>
+          </a:fillRef>
+          <a:effectRef idx="0">
+            <a:schemeClr val="accent1"/>
+          </a:effectRef>
+          <a:fontRef idx="minor">
+            <a:schemeClr val="lt1"/>
+          </a:fontRef>
+        </p:style>
+        <p:txBody>
+          <a:bodyPr rtlCol="0" anchor="ctr">
+            <a:scene3d>
+              <a:camera prst="orthographicFront"/>
+              <a:lightRig rig="brightRoom" dir="t"/>
+            </a:scene3d>
+            <a:sp3d contourW="6350" prstMaterial="plastic">
+              <a:bevelT w="20320" h="20320" prst="angle"/>
+              <a:contourClr>
+                <a:schemeClr val="accent1">
+                  <a:tint val="100000"/>
+                  <a:shade val="100000"/>
+                  <a:hueMod val="100000"/>
+                  <a:satMod val="100000"/>
+                </a:schemeClr>
+              </a:contourClr>
+            </a:sp3d>
+          </a:bodyPr>
+          <a:lstStyle/>
+          <a:p>
+            <a:pPr algn="ctr"/>
+            <a:r>
+              <a:rPr lang="ko-KR" altLang="en-US" b="1" cap="all" dirty="0" smtClean="0">
+                <a:ln/>
+                <a:solidFill>
+                  <a:schemeClr val="accent1"/>
+                </a:solidFill>
+                <a:effectLst>
+                  <a:glow rad="228600">
+                    <a:schemeClr val="accent3">
+                      <a:satMod val="175000"/>
+                      <a:alpha val="40000"/>
+                    </a:schemeClr>
+                  </a:glow>
+                  <a:outerShdw blurRad="19685" dist="12700" dir="5400000" algn="tl" rotWithShape="0">
+                    <a:schemeClr val="accent1">
+                      <a:satMod val="130000"/>
+                      <a:alpha val="60000"/>
+                    </a:schemeClr>
+                  </a:outerShdw>
+                  <a:reflection blurRad="10000" stA="55000" endPos="48000" dist="500" dir="5400000" sy="-100000" algn="bl" rotWithShape="0"/>
+                </a:effectLst>
+              </a:rPr>
+              <a:t>다음 두 선수 중</a:t>
+            </a:r>
+            <a:r>
+              <a:rPr lang="en-US" altLang="ko-KR" b="1" cap="all" dirty="0" smtClean="0">
+                <a:ln/>
+                <a:solidFill>
+                  <a:schemeClr val="accent1"/>
+                </a:solidFill>
+                <a:effectLst>
+                  <a:glow rad="228600">
+                    <a:schemeClr val="accent3">
+                      <a:satMod val="175000"/>
+                      <a:alpha val="40000"/>
+                    </a:schemeClr>
+                  </a:glow>
+                  <a:outerShdw blurRad="19685" dist="12700" dir="5400000" algn="tl" rotWithShape="0">
+                    <a:schemeClr val="accent1">
+                      <a:satMod val="130000"/>
+                      <a:alpha val="60000"/>
+                    </a:schemeClr>
+                  </a:outerShdw>
+                  <a:reflection blurRad="10000" stA="55000" endPos="48000" dist="500" dir="5400000" sy="-100000" algn="bl" rotWithShape="0"/>
+                </a:effectLst>
+              </a:rPr>
+              <a:t>, </a:t>
+            </a:r>
+            <a:r>
+              <a:rPr lang="ko-KR" altLang="en-US" b="1" cap="all" dirty="0" smtClean="0">
+                <a:ln/>
+                <a:solidFill>
+                  <a:schemeClr val="accent1"/>
+                </a:solidFill>
+                <a:effectLst>
+                  <a:glow rad="228600">
+                    <a:schemeClr val="accent3">
+                      <a:satMod val="175000"/>
+                      <a:alpha val="40000"/>
+                    </a:schemeClr>
+                  </a:glow>
+                  <a:outerShdw blurRad="19685" dist="12700" dir="5400000" algn="tl" rotWithShape="0">
+                    <a:schemeClr val="accent1">
+                      <a:satMod val="130000"/>
+                      <a:alpha val="60000"/>
+                    </a:schemeClr>
+                  </a:outerShdw>
+                  <a:reflection blurRad="10000" stA="55000" endPos="48000" dist="500" dir="5400000" sy="-100000" algn="bl" rotWithShape="0"/>
+                </a:effectLst>
+              </a:rPr>
+              <a:t>선수 가치가 더 높은 선수를 맞추시오</a:t>
+            </a:r>
+            <a:r>
+              <a:rPr lang="en-US" altLang="ko-KR" b="1" cap="all" dirty="0" smtClean="0">
+                <a:ln/>
+                <a:solidFill>
+                  <a:schemeClr val="accent1"/>
+                </a:solidFill>
+                <a:effectLst>
+                  <a:glow rad="228600">
+                    <a:schemeClr val="accent3">
+                      <a:satMod val="175000"/>
+                      <a:alpha val="40000"/>
+                    </a:schemeClr>
+                  </a:glow>
+                  <a:outerShdw blurRad="19685" dist="12700" dir="5400000" algn="tl" rotWithShape="0">
+                    <a:schemeClr val="accent1">
+                      <a:satMod val="130000"/>
+                      <a:alpha val="60000"/>
+                    </a:schemeClr>
+                  </a:outerShdw>
+                  <a:reflection blurRad="10000" stA="55000" endPos="48000" dist="500" dir="5400000" sy="-100000" algn="bl" rotWithShape="0"/>
+                </a:effectLst>
+              </a:rPr>
+              <a:t>.</a:t>
+            </a:r>
+            <a:br>
+              <a:rPr lang="en-US" altLang="ko-KR" b="1" cap="all" dirty="0" smtClean="0">
+                <a:ln/>
+                <a:solidFill>
+                  <a:schemeClr val="accent1"/>
+                </a:solidFill>
+                <a:effectLst>
+                  <a:glow rad="228600">
+                    <a:schemeClr val="accent3">
+                      <a:satMod val="175000"/>
+                      <a:alpha val="40000"/>
+                    </a:schemeClr>
+                  </a:glow>
+                  <a:outerShdw blurRad="19685" dist="12700" dir="5400000" algn="tl" rotWithShape="0">
+                    <a:schemeClr val="accent1">
+                      <a:satMod val="130000"/>
+                      <a:alpha val="60000"/>
+                    </a:schemeClr>
+                  </a:outerShdw>
+                  <a:reflection blurRad="10000" stA="55000" endPos="48000" dist="500" dir="5400000" sy="-100000" algn="bl" rotWithShape="0"/>
+                </a:effectLst>
+              </a:rPr>
+            </a:br>
+            <a:r>
+              <a:rPr lang="en-US" altLang="ko-KR" b="1" cap="all" dirty="0" smtClean="0">
+                <a:ln/>
+                <a:solidFill>
+                  <a:schemeClr val="accent1"/>
+                </a:solidFill>
+                <a:effectLst>
+                  <a:glow rad="228600">
+                    <a:schemeClr val="accent3">
+                      <a:satMod val="175000"/>
+                      <a:alpha val="40000"/>
+                    </a:schemeClr>
+                  </a:glow>
+                  <a:outerShdw blurRad="19685" dist="12700" dir="5400000" algn="tl" rotWithShape="0">
+                    <a:schemeClr val="accent1">
+                      <a:satMod val="130000"/>
+                      <a:alpha val="60000"/>
+                    </a:schemeClr>
+                  </a:outerShdw>
+                  <a:reflection blurRad="10000" stA="55000" endPos="48000" dist="500" dir="5400000" sy="-100000" algn="bl" rotWithShape="0"/>
+                </a:effectLst>
+              </a:rPr>
+              <a:t>(</a:t>
+            </a:r>
+            <a:r>
+              <a:rPr lang="ko-KR" altLang="en-US" b="1" cap="all" dirty="0" smtClean="0">
+                <a:ln/>
+                <a:solidFill>
+                  <a:schemeClr val="accent1"/>
+                </a:solidFill>
+                <a:effectLst>
+                  <a:glow rad="228600">
+                    <a:schemeClr val="accent3">
+                      <a:satMod val="175000"/>
+                      <a:alpha val="40000"/>
+                    </a:schemeClr>
+                  </a:glow>
+                  <a:outerShdw blurRad="19685" dist="12700" dir="5400000" algn="tl" rotWithShape="0">
+                    <a:schemeClr val="accent1">
+                      <a:satMod val="130000"/>
+                      <a:alpha val="60000"/>
+                    </a:schemeClr>
+                  </a:outerShdw>
+                  <a:reflection blurRad="10000" stA="55000" endPos="48000" dist="500" dir="5400000" sy="-100000" algn="bl" rotWithShape="0"/>
+                </a:effectLst>
+              </a:rPr>
+              <a:t>단</a:t>
+            </a:r>
+            <a:r>
+              <a:rPr lang="en-US" altLang="ko-KR" b="1" cap="all" dirty="0" smtClean="0">
+                <a:ln/>
+                <a:solidFill>
+                  <a:schemeClr val="accent1"/>
+                </a:solidFill>
+                <a:effectLst>
+                  <a:glow rad="228600">
+                    <a:schemeClr val="accent3">
+                      <a:satMod val="175000"/>
+                      <a:alpha val="40000"/>
+                    </a:schemeClr>
+                  </a:glow>
+                  <a:outerShdw blurRad="19685" dist="12700" dir="5400000" algn="tl" rotWithShape="0">
+                    <a:schemeClr val="accent1">
+                      <a:satMod val="130000"/>
+                      <a:alpha val="60000"/>
+                    </a:schemeClr>
+                  </a:outerShdw>
+                  <a:reflection blurRad="10000" stA="55000" endPos="48000" dist="500" dir="5400000" sy="-100000" algn="bl" rotWithShape="0"/>
+                </a:effectLst>
+              </a:rPr>
+              <a:t>, </a:t>
+            </a:r>
+            <a:r>
+              <a:rPr lang="ko-KR" altLang="en-US" b="1" cap="all" dirty="0" smtClean="0">
+                <a:ln/>
+                <a:solidFill>
+                  <a:schemeClr val="accent1"/>
+                </a:solidFill>
+                <a:effectLst>
+                  <a:glow rad="228600">
+                    <a:schemeClr val="accent3">
+                      <a:satMod val="175000"/>
+                      <a:alpha val="40000"/>
+                    </a:schemeClr>
+                  </a:glow>
+                  <a:outerShdw blurRad="19685" dist="12700" dir="5400000" algn="tl" rotWithShape="0">
+                    <a:schemeClr val="accent1">
+                      <a:satMod val="130000"/>
+                      <a:alpha val="60000"/>
+                    </a:schemeClr>
+                  </a:outerShdw>
+                  <a:reflection blurRad="10000" stA="55000" endPos="48000" dist="500" dir="5400000" sy="-100000" algn="bl" rotWithShape="0"/>
+                </a:effectLst>
+              </a:rPr>
+              <a:t>선수 가치는 </a:t>
+            </a:r>
+            <a:r>
+              <a:rPr lang="en-US" altLang="ko-KR" b="1" cap="all" dirty="0" smtClean="0">
+                <a:ln/>
+                <a:solidFill>
+                  <a:schemeClr val="accent1"/>
+                </a:solidFill>
+                <a:effectLst>
+                  <a:glow rad="228600">
+                    <a:schemeClr val="accent3">
+                      <a:satMod val="175000"/>
+                      <a:alpha val="40000"/>
+                    </a:schemeClr>
+                  </a:glow>
+                  <a:outerShdw blurRad="19685" dist="12700" dir="5400000" algn="tl" rotWithShape="0">
+                    <a:schemeClr val="accent1">
+                      <a:satMod val="130000"/>
+                      <a:alpha val="60000"/>
+                    </a:schemeClr>
+                  </a:outerShdw>
+                  <a:reflection blurRad="10000" stA="55000" endPos="48000" dist="500" dir="5400000" sy="-100000" algn="bl" rotWithShape="0"/>
+                </a:effectLst>
+              </a:rPr>
+              <a:t>Football Owner </a:t>
+            </a:r>
+            <a:r>
+              <a:rPr lang="ko-KR" altLang="en-US" b="1" cap="all" dirty="0" smtClean="0">
+                <a:ln/>
+                <a:solidFill>
+                  <a:schemeClr val="accent1"/>
+                </a:solidFill>
+                <a:effectLst>
+                  <a:glow rad="228600">
+                    <a:schemeClr val="accent3">
+                      <a:satMod val="175000"/>
+                      <a:alpha val="40000"/>
+                    </a:schemeClr>
+                  </a:glow>
+                  <a:outerShdw blurRad="19685" dist="12700" dir="5400000" algn="tl" rotWithShape="0">
+                    <a:schemeClr val="accent1">
+                      <a:satMod val="130000"/>
+                      <a:alpha val="60000"/>
+                    </a:schemeClr>
+                  </a:outerShdw>
+                  <a:reflection blurRad="10000" stA="55000" endPos="48000" dist="500" dir="5400000" sy="-100000" algn="bl" rotWithShape="0"/>
+                </a:effectLst>
+              </a:rPr>
+              <a:t>게임 기준임</a:t>
+            </a:r>
+            <a:r>
+              <a:rPr lang="en-US" altLang="ko-KR" b="1" cap="all" dirty="0" smtClean="0">
+                <a:ln/>
+                <a:solidFill>
+                  <a:schemeClr val="accent1"/>
+                </a:solidFill>
+                <a:effectLst>
+                  <a:glow rad="228600">
+                    <a:schemeClr val="accent3">
+                      <a:satMod val="175000"/>
+                      <a:alpha val="40000"/>
+                    </a:schemeClr>
+                  </a:glow>
+                  <a:outerShdw blurRad="19685" dist="12700" dir="5400000" algn="tl" rotWithShape="0">
+                    <a:schemeClr val="accent1">
+                      <a:satMod val="130000"/>
+                      <a:alpha val="60000"/>
+                    </a:schemeClr>
+                  </a:outerShdw>
+                  <a:reflection blurRad="10000" stA="55000" endPos="48000" dist="500" dir="5400000" sy="-100000" algn="bl" rotWithShape="0"/>
+                </a:effectLst>
+              </a:rPr>
+              <a:t>)</a:t>
+            </a:r>
+            <a:endParaRPr lang="ko-KR" altLang="en-US" b="1" cap="all" dirty="0" smtClean="0">
+              <a:ln/>
+              <a:solidFill>
+                <a:schemeClr val="accent1"/>
+              </a:solidFill>
+              <a:effectLst>
+                <a:glow rad="228600">
+                  <a:schemeClr val="accent3">
+                    <a:satMod val="175000"/>
+                    <a:alpha val="40000"/>
+                  </a:schemeClr>
+                </a:glow>
+                <a:outerShdw blurRad="19685" dist="12700" dir="5400000" algn="tl" rotWithShape="0">
+                  <a:schemeClr val="accent1">
+                    <a:satMod val="130000"/>
+                    <a:alpha val="60000"/>
+                  </a:schemeClr>
+                </a:outerShdw>
+                <a:reflection blurRad="10000" stA="55000" endPos="48000" dist="500" dir="5400000" sy="-100000" algn="bl" rotWithShape="0"/>
+              </a:effectLst>
+            </a:endParaRPr>
+          </a:p>
+        </p:txBody>
+      </p:sp>
+      <p:sp>
+        <p:nvSpPr>
+          <p:cNvPr id="36" name="직사각형 35"/>
+          <p:cNvSpPr/>
+          <p:nvPr/>
+        </p:nvSpPr>
+        <p:spPr>
+          <a:xfrm>
+            <a:off x="2051720" y="2780928"/>
+            <a:ext cx="2376264" cy="576064"/>
+          </a:xfrm>
+          <a:prstGeom prst="rect">
+            <a:avLst/>
+          </a:prstGeom>
+          <a:solidFill>
+            <a:schemeClr val="bg2">
+              <a:lumMod val="75000"/>
+            </a:schemeClr>
+          </a:solidFill>
+          <a:ln>
+            <a:solidFill>
+              <a:schemeClr val="bg1">
+                <a:lumMod val="50000"/>
+              </a:schemeClr>
+            </a:solidFill>
+            <a:prstDash val="solid"/>
+          </a:ln>
+          <a:effectLst/>
+          <a:scene3d>
+            <a:camera prst="orthographicFront"/>
+            <a:lightRig rig="threePt" dir="t"/>
+          </a:scene3d>
+          <a:sp3d>
+            <a:bevelT/>
+          </a:sp3d>
+        </p:spPr>
+        <p:style>
+          <a:lnRef idx="2">
+            <a:schemeClr val="accent1">
+              <a:shade val="50000"/>
+            </a:schemeClr>
+          </a:lnRef>
+          <a:fillRef idx="1">
+            <a:schemeClr val="accent1"/>
+          </a:fillRef>
+          <a:effectRef idx="0">
+            <a:schemeClr val="accent1"/>
+          </a:effectRef>
+          <a:fontRef idx="minor">
+            <a:schemeClr val="lt1"/>
+          </a:fontRef>
+        </p:style>
+        <p:txBody>
+          <a:bodyPr rtlCol="0" anchor="ctr">
+            <a:scene3d>
+              <a:camera prst="orthographicFront"/>
+              <a:lightRig rig="flat" dir="tl">
+                <a:rot lat="0" lon="0" rev="6600000"/>
+              </a:lightRig>
+            </a:scene3d>
+            <a:sp3d extrusionH="25400" contourW="8890">
+              <a:contourClr>
+                <a:schemeClr val="accent2">
+                  <a:shade val="75000"/>
+                </a:schemeClr>
+              </a:contourClr>
+            </a:sp3d>
+          </a:bodyPr>
+          <a:lstStyle/>
+          <a:p>
+            <a:r>
+              <a:rPr lang="ko-KR" altLang="en-US" b="1" dirty="0" smtClean="0">
+                <a:ln w="11430"/>
+                <a:solidFill>
+                  <a:schemeClr val="accent6">
+                    <a:lumMod val="40000"/>
+                    <a:lumOff val="60000"/>
+                  </a:schemeClr>
+                </a:solidFill>
+                <a:effectLst>
+                  <a:glow rad="228600">
+                    <a:schemeClr val="accent1">
+                      <a:satMod val="175000"/>
+                      <a:alpha val="40000"/>
+                    </a:schemeClr>
+                  </a:glow>
+                  <a:outerShdw blurRad="50800" dist="39000" dir="5460000" algn="tl">
+                    <a:srgbClr val="000000">
+                      <a:alpha val="38000"/>
+                    </a:srgbClr>
+                  </a:outerShdw>
+                </a:effectLst>
+              </a:rPr>
+              <a:t>  맞춘 횟수  </a:t>
+            </a:r>
+            <a:r>
+              <a:rPr lang="en-US" altLang="ko-KR" b="1" dirty="0" smtClean="0">
+                <a:ln w="11430"/>
+                <a:solidFill>
+                  <a:schemeClr val="accent6">
+                    <a:lumMod val="40000"/>
+                    <a:lumOff val="60000"/>
+                  </a:schemeClr>
+                </a:solidFill>
+                <a:effectLst>
+                  <a:glow rad="228600">
+                    <a:schemeClr val="accent1">
+                      <a:satMod val="175000"/>
+                      <a:alpha val="40000"/>
+                    </a:schemeClr>
+                  </a:glow>
+                  <a:outerShdw blurRad="50800" dist="39000" dir="5460000" algn="tl">
+                    <a:srgbClr val="000000">
+                      <a:alpha val="38000"/>
+                    </a:srgbClr>
+                  </a:outerShdw>
+                </a:effectLst>
+              </a:rPr>
+              <a:t>:</a:t>
+            </a:r>
+            <a:endParaRPr lang="ko-KR" altLang="en-US" b="1" dirty="0" smtClean="0">
+              <a:ln w="11430">
+                <a:noFill/>
+              </a:ln>
+              <a:noFill/>
+              <a:effectLst>
+                <a:glow rad="228600">
+                  <a:schemeClr val="accent1">
+                    <a:satMod val="175000"/>
+                    <a:alpha val="40000"/>
+                  </a:schemeClr>
+                </a:glow>
+                <a:outerShdw blurRad="50800" dist="39000" dir="5460000" algn="tl">
+                  <a:srgbClr val="000000">
+                    <a:alpha val="38000"/>
+                  </a:srgbClr>
+                </a:outerShdw>
+              </a:effectLst>
+            </a:endParaRPr>
+          </a:p>
+        </p:txBody>
+      </p:sp>
+      <p:sp>
+        <p:nvSpPr>
+          <p:cNvPr id="37" name="직사각형 36"/>
+          <p:cNvSpPr/>
+          <p:nvPr/>
+        </p:nvSpPr>
+        <p:spPr>
+          <a:xfrm>
+            <a:off x="2051720" y="3573016"/>
+            <a:ext cx="3240000" cy="2160240"/>
+          </a:xfrm>
+          <a:prstGeom prst="rect">
+            <a:avLst/>
+          </a:prstGeom>
+          <a:solidFill>
+            <a:schemeClr val="accent2">
+              <a:lumMod val="40000"/>
+              <a:lumOff val="60000"/>
+            </a:schemeClr>
+          </a:solidFill>
+          <a:ln>
+            <a:solidFill>
+              <a:schemeClr val="accent3">
+                <a:lumMod val="60000"/>
+                <a:lumOff val="40000"/>
+              </a:schemeClr>
+            </a:solidFill>
+            <a:prstDash val="solid"/>
+          </a:ln>
+          <a:effectLst/>
+          <a:scene3d>
+            <a:camera prst="orthographicFront"/>
+            <a:lightRig rig="threePt" dir="t"/>
+          </a:scene3d>
+          <a:sp3d>
+            <a:bevelT prst="relaxedInset"/>
+          </a:sp3d>
+        </p:spPr>
+        <p:style>
+          <a:lnRef idx="2">
+            <a:schemeClr val="accent1">
+              <a:shade val="50000"/>
+            </a:schemeClr>
+          </a:lnRef>
+          <a:fillRef idx="1">
+            <a:schemeClr val="accent1"/>
+          </a:fillRef>
+          <a:effectRef idx="0">
+            <a:schemeClr val="accent1"/>
+          </a:effectRef>
+          <a:fontRef idx="minor">
+            <a:schemeClr val="lt1"/>
+          </a:fontRef>
+        </p:style>
+        <p:txBody>
+          <a:bodyPr rtlCol="0" anchor="ctr">
+            <a:scene3d>
+              <a:camera prst="orthographicFront"/>
+              <a:lightRig rig="flat" dir="tl">
+                <a:rot lat="0" lon="0" rev="6600000"/>
+              </a:lightRig>
+            </a:scene3d>
+            <a:sp3d extrusionH="25400" contourW="8890">
+              <a:bevelT w="38100" h="31750"/>
+              <a:contourClr>
+                <a:schemeClr val="accent2">
+                  <a:shade val="75000"/>
+                </a:schemeClr>
+              </a:contourClr>
+            </a:sp3d>
+          </a:bodyPr>
+          <a:lstStyle/>
+          <a:p>
+            <a:pPr algn="ctr"/>
+            <a:endParaRPr lang="ko-KR" altLang="en-US" b="1" dirty="0" smtClean="0">
+              <a:ln w="11430"/>
+              <a:solidFill>
+                <a:schemeClr val="accent6">
+                  <a:lumMod val="40000"/>
+                  <a:lumOff val="60000"/>
+                </a:schemeClr>
+              </a:solidFill>
+              <a:effectLst>
+                <a:glow rad="139700">
+                  <a:schemeClr val="accent5">
+                    <a:satMod val="175000"/>
+                    <a:alpha val="40000"/>
+                  </a:schemeClr>
+                </a:glow>
+                <a:outerShdw blurRad="50800" dist="39000" dir="5460000" algn="tl">
+                  <a:srgbClr val="000000">
+                    <a:alpha val="38000"/>
+                  </a:srgbClr>
+                </a:outerShdw>
+              </a:effectLst>
+            </a:endParaRPr>
+          </a:p>
+        </p:txBody>
+      </p:sp>
+      <p:sp>
+        <p:nvSpPr>
+          <p:cNvPr id="39" name="직사각형 38"/>
+          <p:cNvSpPr/>
+          <p:nvPr/>
+        </p:nvSpPr>
+        <p:spPr>
+          <a:xfrm>
+            <a:off x="5436096" y="3573016"/>
+            <a:ext cx="3240000" cy="2160240"/>
+          </a:xfrm>
+          <a:prstGeom prst="rect">
+            <a:avLst/>
+          </a:prstGeom>
+          <a:solidFill>
+            <a:schemeClr val="accent2">
+              <a:lumMod val="40000"/>
+              <a:lumOff val="60000"/>
+            </a:schemeClr>
+          </a:solidFill>
+          <a:ln>
+            <a:solidFill>
+              <a:schemeClr val="accent3">
+                <a:lumMod val="60000"/>
+                <a:lumOff val="40000"/>
+              </a:schemeClr>
+            </a:solidFill>
+            <a:prstDash val="solid"/>
+          </a:ln>
+          <a:effectLst/>
+          <a:scene3d>
+            <a:camera prst="orthographicFront"/>
+            <a:lightRig rig="threePt" dir="t"/>
+          </a:scene3d>
+          <a:sp3d>
+            <a:bevelT prst="relaxedInset"/>
+          </a:sp3d>
+        </p:spPr>
+        <p:style>
+          <a:lnRef idx="2">
+            <a:schemeClr val="accent1">
+              <a:shade val="50000"/>
+            </a:schemeClr>
+          </a:lnRef>
+          <a:fillRef idx="1">
+            <a:schemeClr val="accent1"/>
+          </a:fillRef>
+          <a:effectRef idx="0">
+            <a:schemeClr val="accent1"/>
+          </a:effectRef>
+          <a:fontRef idx="minor">
+            <a:schemeClr val="lt1"/>
+          </a:fontRef>
+        </p:style>
+        <p:txBody>
+          <a:bodyPr rtlCol="0" anchor="ctr">
+            <a:scene3d>
+              <a:camera prst="orthographicFront"/>
+              <a:lightRig rig="flat" dir="tl">
+                <a:rot lat="0" lon="0" rev="6600000"/>
+              </a:lightRig>
+            </a:scene3d>
+            <a:sp3d extrusionH="25400" contourW="8890">
+              <a:bevelT w="38100" h="31750"/>
+              <a:contourClr>
+                <a:schemeClr val="accent2">
+                  <a:shade val="75000"/>
+                </a:schemeClr>
+              </a:contourClr>
+            </a:sp3d>
+          </a:bodyPr>
+          <a:lstStyle/>
+          <a:p>
+            <a:pPr algn="ctr"/>
+            <a:endParaRPr lang="ko-KR" altLang="en-US" b="1" dirty="0" smtClean="0">
+              <a:ln w="11430"/>
+              <a:solidFill>
+                <a:schemeClr val="accent6">
+                  <a:lumMod val="40000"/>
+                  <a:lumOff val="60000"/>
+                </a:schemeClr>
+              </a:solidFill>
+              <a:effectLst>
+                <a:glow rad="139700">
+                  <a:schemeClr val="accent5">
+                    <a:satMod val="175000"/>
+                    <a:alpha val="40000"/>
+                  </a:schemeClr>
+                </a:glow>
+                <a:outerShdw blurRad="50800" dist="39000" dir="5460000" algn="tl">
+                  <a:srgbClr val="000000">
+                    <a:alpha val="38000"/>
+                  </a:srgbClr>
+                </a:outerShdw>
+              </a:effectLst>
+            </a:endParaRPr>
+          </a:p>
+        </p:txBody>
+      </p:sp>
+      <p:sp>
+        <p:nvSpPr>
+          <p:cNvPr id="40" name="직사각형 39"/>
+          <p:cNvSpPr/>
+          <p:nvPr/>
+        </p:nvSpPr>
+        <p:spPr>
+          <a:xfrm>
+            <a:off x="4572000" y="2780928"/>
+            <a:ext cx="4104456" cy="576064"/>
+          </a:xfrm>
+          <a:prstGeom prst="rect">
+            <a:avLst/>
+          </a:prstGeom>
+          <a:solidFill>
+            <a:schemeClr val="bg1">
+              <a:lumMod val="75000"/>
+            </a:schemeClr>
+          </a:solidFill>
+          <a:ln>
+            <a:solidFill>
+              <a:schemeClr val="bg1">
+                <a:lumMod val="50000"/>
+              </a:schemeClr>
+            </a:solidFill>
+            <a:prstDash val="solid"/>
+          </a:ln>
+          <a:effectLst/>
+          <a:scene3d>
+            <a:camera prst="orthographicFront"/>
+            <a:lightRig rig="threePt" dir="t"/>
+          </a:scene3d>
+          <a:sp3d>
+            <a:bevelT/>
+          </a:sp3d>
+        </p:spPr>
+        <p:style>
+          <a:lnRef idx="2">
+            <a:schemeClr val="accent1">
+              <a:shade val="50000"/>
+            </a:schemeClr>
+          </a:lnRef>
+          <a:fillRef idx="1">
+            <a:schemeClr val="accent1"/>
+          </a:fillRef>
+          <a:effectRef idx="0">
+            <a:schemeClr val="accent1"/>
+          </a:effectRef>
+          <a:fontRef idx="minor">
+            <a:schemeClr val="lt1"/>
+          </a:fontRef>
+        </p:style>
+        <p:txBody>
+          <a:bodyPr rtlCol="0" anchor="ctr">
+            <a:scene3d>
+              <a:camera prst="orthographicFront"/>
+              <a:lightRig rig="flat" dir="tl">
+                <a:rot lat="0" lon="0" rev="6600000"/>
+              </a:lightRig>
+            </a:scene3d>
+            <a:sp3d extrusionH="25400" contourW="8890">
+              <a:contourClr>
+                <a:schemeClr val="accent2">
+                  <a:shade val="75000"/>
+                </a:schemeClr>
+              </a:contourClr>
+            </a:sp3d>
+          </a:bodyPr>
+          <a:lstStyle/>
+          <a:p>
+            <a:r>
+              <a:rPr lang="ko-KR" altLang="en-US" b="1" dirty="0" smtClean="0">
+                <a:ln w="11430"/>
+                <a:solidFill>
+                  <a:schemeClr val="accent6">
+                    <a:lumMod val="40000"/>
+                    <a:lumOff val="60000"/>
+                  </a:schemeClr>
+                </a:solidFill>
+                <a:effectLst>
+                  <a:glow rad="228600">
+                    <a:schemeClr val="accent1">
+                      <a:satMod val="175000"/>
+                      <a:alpha val="40000"/>
+                    </a:schemeClr>
+                  </a:glow>
+                  <a:outerShdw blurRad="50800" dist="39000" dir="5460000" algn="tl">
+                    <a:srgbClr val="000000">
+                      <a:alpha val="38000"/>
+                    </a:srgbClr>
+                  </a:outerShdw>
+                </a:effectLst>
+              </a:rPr>
+              <a:t> 현재 게임 자금 </a:t>
+            </a:r>
+            <a:r>
+              <a:rPr lang="en-US" altLang="ko-KR" b="1" dirty="0" smtClean="0">
+                <a:ln w="11430"/>
+                <a:solidFill>
+                  <a:schemeClr val="accent6">
+                    <a:lumMod val="40000"/>
+                    <a:lumOff val="60000"/>
+                  </a:schemeClr>
+                </a:solidFill>
+                <a:effectLst>
+                  <a:glow rad="228600">
+                    <a:schemeClr val="accent1">
+                      <a:satMod val="175000"/>
+                      <a:alpha val="40000"/>
+                    </a:schemeClr>
+                  </a:glow>
+                  <a:outerShdw blurRad="50800" dist="39000" dir="5460000" algn="tl">
+                    <a:srgbClr val="000000">
+                      <a:alpha val="38000"/>
+                    </a:srgbClr>
+                  </a:outerShdw>
+                </a:effectLst>
+              </a:rPr>
+              <a:t>:</a:t>
+            </a:r>
+            <a:endParaRPr lang="ko-KR" altLang="en-US" b="1" dirty="0" smtClean="0">
+              <a:ln w="11430">
+                <a:noFill/>
+              </a:ln>
+              <a:noFill/>
+              <a:effectLst>
+                <a:glow rad="228600">
+                  <a:schemeClr val="accent1">
+                    <a:satMod val="175000"/>
+                    <a:alpha val="40000"/>
+                  </a:schemeClr>
+                </a:glow>
+                <a:outerShdw blurRad="50800" dist="39000" dir="5460000" algn="tl">
+                  <a:srgbClr val="000000">
+                    <a:alpha val="38000"/>
+                  </a:srgbClr>
+                </a:outerShdw>
+              </a:effectLst>
+            </a:endParaRPr>
+          </a:p>
+        </p:txBody>
+      </p:sp>
     </p:spTree>
   </p:cSld>
   <p:clrMapOvr>
@@ -10911,37 +11774,6 @@
                 </a:rPr>
                 <a:t>플레이 방법</a:t>
               </a:r>
-              <a:endParaRPr lang="ko-KR" altLang="en-US" sz="3000" b="1" dirty="0" smtClean="0">
-                <a:ln>
-                  <a:solidFill>
-                    <a:schemeClr val="accent2">
-                      <a:lumMod val="50000"/>
-                    </a:schemeClr>
-                  </a:solidFill>
-                  <a:prstDash val="solid"/>
-                </a:ln>
-                <a:solidFill>
-                  <a:schemeClr val="accent1">
-                    <a:lumMod val="20000"/>
-                    <a:lumOff val="80000"/>
-                  </a:schemeClr>
-                </a:solidFill>
-                <a:effectLst>
-                  <a:glow rad="139700">
-                    <a:schemeClr val="accent5">
-                      <a:satMod val="175000"/>
-                      <a:alpha val="40000"/>
-                    </a:schemeClr>
-                  </a:glow>
-                  <a:outerShdw blurRad="88000" dist="50800" dir="5040000" algn="tl">
-                    <a:schemeClr val="accent4">
-                      <a:tint val="80000"/>
-                      <a:satMod val="250000"/>
-                      <a:alpha val="45000"/>
-                    </a:schemeClr>
-                  </a:outerShdw>
-                </a:effectLst>
-              </a:endParaRPr>
             </a:p>
           </p:txBody>
         </p:sp>
@@ -11295,42 +12127,7 @@
                         </a:innerShdw>
                       </a:effectLst>
                     </a:rPr>
-                    <a:t> </a:t>
-                  </a:r>
-                  <a:r>
-                    <a:rPr lang="en-US" altLang="ko-KR" sz="1400" b="1" dirty="0" smtClean="0">
-                      <a:ln w="900" cmpd="sng">
-                        <a:solidFill>
-                          <a:schemeClr val="accent1">
-                            <a:satMod val="190000"/>
-                            <a:alpha val="55000"/>
-                          </a:schemeClr>
-                        </a:solidFill>
-                        <a:prstDash val="solid"/>
-                      </a:ln>
-                      <a:solidFill>
-                        <a:schemeClr val="accent1">
-                          <a:satMod val="200000"/>
-                          <a:tint val="3000"/>
-                        </a:schemeClr>
-                      </a:solidFill>
-                      <a:effectLst>
-                        <a:glow rad="101600">
-                          <a:schemeClr val="accent1">
-                            <a:satMod val="175000"/>
-                            <a:alpha val="40000"/>
-                          </a:schemeClr>
-                        </a:glow>
-                        <a:innerShdw blurRad="101600" dist="76200" dir="5400000">
-                          <a:schemeClr val="accent1">
-                            <a:satMod val="190000"/>
-                            <a:tint val="100000"/>
-                            <a:alpha val="74000"/>
-                          </a:schemeClr>
-                        </a:innerShdw>
-                      </a:effectLst>
-                    </a:rPr>
-                    <a:t>: </a:t>
+                    <a:t> : </a:t>
                   </a:r>
                   <a:r>
                     <a:rPr lang="ko-KR" altLang="en-US" sz="1400" b="1" dirty="0" smtClean="0">
@@ -11896,42 +12693,7 @@
                         </a:innerShdw>
                       </a:effectLst>
                     </a:rPr>
-                    <a:t>행동하</a:t>
-                  </a:r>
-                  <a:r>
-                    <a:rPr lang="ko-KR" altLang="en-US" sz="1400" b="1" dirty="0" smtClean="0">
-                      <a:ln w="900" cmpd="sng">
-                        <a:solidFill>
-                          <a:schemeClr val="accent1">
-                            <a:satMod val="190000"/>
-                            <a:alpha val="55000"/>
-                          </a:schemeClr>
-                        </a:solidFill>
-                        <a:prstDash val="solid"/>
-                      </a:ln>
-                      <a:solidFill>
-                        <a:schemeClr val="accent1">
-                          <a:satMod val="200000"/>
-                          <a:tint val="3000"/>
-                        </a:schemeClr>
-                      </a:solidFill>
-                      <a:effectLst>
-                        <a:glow rad="101600">
-                          <a:schemeClr val="accent1">
-                            <a:satMod val="175000"/>
-                            <a:alpha val="40000"/>
-                          </a:schemeClr>
-                        </a:glow>
-                        <a:innerShdw blurRad="101600" dist="76200" dir="5400000">
-                          <a:schemeClr val="accent1">
-                            <a:satMod val="190000"/>
-                            <a:tint val="100000"/>
-                            <a:alpha val="74000"/>
-                          </a:schemeClr>
-                        </a:innerShdw>
-                      </a:effectLst>
-                    </a:rPr>
-                    <a:t>기</a:t>
+                    <a:t>행동하기</a:t>
                   </a:r>
                   <a:r>
                     <a:rPr lang="en-US" altLang="ko-KR" sz="1400" b="1" dirty="0" smtClean="0">
@@ -12301,42 +13063,7 @@
                         </a:innerShdw>
                       </a:effectLst>
                     </a:rPr>
-                    <a:t> </a:t>
-                  </a:r>
-                  <a:r>
-                    <a:rPr lang="en-US" altLang="ko-KR" sz="1400" b="1" dirty="0" smtClean="0">
-                      <a:ln w="900" cmpd="sng">
-                        <a:solidFill>
-                          <a:schemeClr val="accent1">
-                            <a:satMod val="190000"/>
-                            <a:alpha val="55000"/>
-                          </a:schemeClr>
-                        </a:solidFill>
-                        <a:prstDash val="solid"/>
-                      </a:ln>
-                      <a:solidFill>
-                        <a:schemeClr val="accent1">
-                          <a:satMod val="200000"/>
-                          <a:tint val="3000"/>
-                        </a:schemeClr>
-                      </a:solidFill>
-                      <a:effectLst>
-                        <a:glow rad="101600">
-                          <a:schemeClr val="accent1">
-                            <a:satMod val="175000"/>
-                            <a:alpha val="40000"/>
-                          </a:schemeClr>
-                        </a:glow>
-                        <a:innerShdw blurRad="101600" dist="76200" dir="5400000">
-                          <a:schemeClr val="accent1">
-                            <a:satMod val="190000"/>
-                            <a:tint val="100000"/>
-                            <a:alpha val="74000"/>
-                          </a:schemeClr>
-                        </a:innerShdw>
-                      </a:effectLst>
-                    </a:rPr>
-                    <a:t>: </a:t>
+                    <a:t> : </a:t>
                   </a:r>
                   <a:r>
                     <a:rPr lang="ko-KR" altLang="en-US" sz="1400" b="1" dirty="0" smtClean="0">
@@ -15124,77 +15851,7 @@
                         </a:innerShdw>
                       </a:effectLst>
                     </a:rPr>
-                    <a:t>진</a:t>
-                  </a:r>
-                  <a:r>
-                    <a:rPr lang="ko-KR" altLang="en-US" sz="1400" b="1" dirty="0" smtClean="0">
-                      <a:ln w="900" cmpd="sng">
-                        <a:solidFill>
-                          <a:schemeClr val="accent1">
-                            <a:satMod val="190000"/>
-                            <a:alpha val="55000"/>
-                          </a:schemeClr>
-                        </a:solidFill>
-                        <a:prstDash val="solid"/>
-                      </a:ln>
-                      <a:solidFill>
-                        <a:schemeClr val="accent1">
-                          <a:satMod val="200000"/>
-                          <a:tint val="3000"/>
-                        </a:schemeClr>
-                      </a:solidFill>
-                      <a:effectLst>
-                        <a:glow rad="101600">
-                          <a:schemeClr val="accent1">
-                            <a:satMod val="175000"/>
-                            <a:alpha val="40000"/>
-                          </a:schemeClr>
-                        </a:glow>
-                        <a:innerShdw blurRad="101600" dist="76200" dir="5400000">
-                          <a:schemeClr val="accent1">
-                            <a:satMod val="190000"/>
-                            <a:tint val="100000"/>
-                            <a:alpha val="74000"/>
-                          </a:schemeClr>
-                        </a:innerShdw>
-                      </a:effectLst>
-                    </a:rPr>
-                    <a:t>행</a:t>
-                  </a:r>
-                  <a:r>
-                    <a:rPr lang="ko-KR" altLang="en-US" sz="1400" b="1" dirty="0" smtClean="0">
-                      <a:ln w="900" cmpd="sng">
-                        <a:solidFill>
-                          <a:schemeClr val="accent1">
-                            <a:satMod val="190000"/>
-                            <a:alpha val="55000"/>
-                          </a:schemeClr>
-                        </a:solidFill>
-                        <a:prstDash val="solid"/>
-                      </a:ln>
-                      <a:solidFill>
-                        <a:schemeClr val="accent1">
-                          <a:satMod val="200000"/>
-                          <a:tint val="3000"/>
-                        </a:schemeClr>
-                      </a:solidFill>
-                      <a:effectLst>
-                        <a:glow rad="101600">
-                          <a:schemeClr val="accent1">
-                            <a:satMod val="175000"/>
-                            <a:alpha val="40000"/>
-                          </a:schemeClr>
-                        </a:glow>
-                        <a:innerShdw blurRad="101600" dist="76200" dir="5400000">
-                          <a:schemeClr val="accent1">
-                            <a:satMod val="190000"/>
-                            <a:tint val="100000"/>
-                            <a:alpha val="74000"/>
-                          </a:schemeClr>
-                        </a:innerShdw>
-                      </a:effectLst>
-                    </a:rPr>
-                    <a:t> 버튼 </a:t>
+                    <a:t>진행 버튼 </a:t>
                   </a:r>
                   <a:r>
                     <a:rPr lang="en-US" altLang="ko-KR" sz="1400" b="1" dirty="0" smtClean="0">
@@ -15989,15 +16646,14 @@
     <a:spDef>
       <a:spPr>
         <a:solidFill>
-          <a:srgbClr val="92D050">
-            <a:alpha val="70000"/>
-          </a:srgbClr>
+          <a:schemeClr val="bg2">
+            <a:lumMod val="75000"/>
+          </a:schemeClr>
         </a:solidFill>
         <a:ln>
           <a:solidFill>
-            <a:schemeClr val="accent3">
-              <a:lumMod val="60000"/>
-              <a:lumOff val="40000"/>
+            <a:schemeClr val="bg1">
+              <a:lumMod val="50000"/>
             </a:schemeClr>
           </a:solidFill>
           <a:prstDash val="solid"/>
@@ -16007,46 +16663,46 @@
           <a:camera prst="orthographicFront"/>
           <a:lightRig rig="threePt" dir="t"/>
         </a:scene3d>
-        <a:sp3d/>
+        <a:sp3d>
+          <a:bevelT/>
+        </a:sp3d>
       </a:spPr>
       <a:bodyPr rtlCol="0" anchor="ctr">
         <a:scene3d>
           <a:camera prst="orthographicFront"/>
-          <a:lightRig rig="soft" dir="tl">
-            <a:rot lat="0" lon="0" rev="0"/>
+          <a:lightRig rig="flat" dir="tl">
+            <a:rot lat="0" lon="0" rev="6600000"/>
           </a:lightRig>
         </a:scene3d>
-        <a:sp3d contourW="25400" prstMaterial="matte">
-          <a:bevelT w="25400" h="55880" prst="artDeco"/>
+        <a:sp3d extrusionH="25400" contourW="8890">
           <a:contourClr>
             <a:schemeClr val="accent2">
-              <a:tint val="20000"/>
+              <a:shade val="75000"/>
             </a:schemeClr>
           </a:contourClr>
         </a:sp3d>
       </a:bodyPr>
       <a:lstStyle>
-        <a:defPPr algn="ctr">
-          <a:defRPr b="1" spc="50" dirty="0" smtClean="0">
-            <a:ln w="11430">
-              <a:solidFill>
-                <a:srgbClr val="00B050"/>
-              </a:solidFill>
-            </a:ln>
+        <a:defPPr>
+          <a:defRPr b="1" dirty="0" smtClean="0">
+            <a:ln w="11430"/>
             <a:solidFill>
-              <a:srgbClr val="00B050"/>
+              <a:schemeClr val="accent6">
+                <a:lumMod val="40000"/>
+                <a:lumOff val="60000"/>
+              </a:schemeClr>
             </a:solidFill>
             <a:effectLst>
               <a:glow rad="228600">
-                <a:schemeClr val="accent6">
+                <a:schemeClr val="accent1">
                   <a:satMod val="175000"/>
                   <a:alpha val="40000"/>
                 </a:schemeClr>
               </a:glow>
-              <a:outerShdw blurRad="50800" dist="38100" dir="2700000" algn="tl" rotWithShape="0">
-                <a:prstClr val="black">
-                  <a:alpha val="40000"/>
-                </a:prstClr>
+              <a:outerShdw blurRad="50800" dist="39000" dir="5460000" algn="tl">
+                <a:srgbClr val="000000">
+                  <a:alpha val="38000"/>
+                </a:srgbClr>
               </a:outerShdw>
             </a:effectLst>
           </a:defRPr>

--- a/그림 만들기.pptx
+++ b/그림 만들기.pptx
@@ -5,7 +5,7 @@
     <p:sldMasterId id="2147483648" r:id="rId1"/>
   </p:sldMasterIdLst>
   <p:notesMasterIdLst>
-    <p:notesMasterId r:id="rId9"/>
+    <p:notesMasterId r:id="rId11"/>
   </p:notesMasterIdLst>
   <p:sldIdLst>
     <p:sldId id="256" r:id="rId2"/>
@@ -14,7 +14,9 @@
     <p:sldId id="258" r:id="rId5"/>
     <p:sldId id="262" r:id="rId6"/>
     <p:sldId id="259" r:id="rId7"/>
-    <p:sldId id="261" r:id="rId8"/>
+    <p:sldId id="263" r:id="rId8"/>
+    <p:sldId id="264" r:id="rId9"/>
+    <p:sldId id="261" r:id="rId10"/>
   </p:sldIdLst>
   <p:sldSz cx="9144000" cy="6858000" type="screen4x3"/>
   <p:notesSz cx="6858000" cy="9144000"/>
@@ -199,7 +201,7 @@
             <a:fld id="{B478B745-BF05-4AEA-A995-7E994C8F897E}" type="datetimeFigureOut">
               <a:rPr lang="ko-KR" altLang="en-US" smtClean="0"/>
               <a:pPr/>
-              <a:t>2020-07-19</a:t>
+              <a:t>2020-07-24</a:t>
             </a:fld>
             <a:endParaRPr lang="ko-KR" altLang="en-US"/>
           </a:p>
@@ -811,7 +813,7 @@
             <a:fld id="{823895E5-2D2B-4236-AC77-BC0599642604}" type="datetimeFigureOut">
               <a:rPr lang="ko-KR" altLang="en-US" smtClean="0"/>
               <a:pPr/>
-              <a:t>2020-07-19</a:t>
+              <a:t>2020-07-24</a:t>
             </a:fld>
             <a:endParaRPr lang="ko-KR" altLang="en-US"/>
           </a:p>
@@ -978,7 +980,7 @@
             <a:fld id="{823895E5-2D2B-4236-AC77-BC0599642604}" type="datetimeFigureOut">
               <a:rPr lang="ko-KR" altLang="en-US" smtClean="0"/>
               <a:pPr/>
-              <a:t>2020-07-19</a:t>
+              <a:t>2020-07-24</a:t>
             </a:fld>
             <a:endParaRPr lang="ko-KR" altLang="en-US"/>
           </a:p>
@@ -1155,7 +1157,7 @@
             <a:fld id="{823895E5-2D2B-4236-AC77-BC0599642604}" type="datetimeFigureOut">
               <a:rPr lang="ko-KR" altLang="en-US" smtClean="0"/>
               <a:pPr/>
-              <a:t>2020-07-19</a:t>
+              <a:t>2020-07-24</a:t>
             </a:fld>
             <a:endParaRPr lang="ko-KR" altLang="en-US"/>
           </a:p>
@@ -1322,7 +1324,7 @@
             <a:fld id="{823895E5-2D2B-4236-AC77-BC0599642604}" type="datetimeFigureOut">
               <a:rPr lang="ko-KR" altLang="en-US" smtClean="0"/>
               <a:pPr/>
-              <a:t>2020-07-19</a:t>
+              <a:t>2020-07-24</a:t>
             </a:fld>
             <a:endParaRPr lang="ko-KR" altLang="en-US"/>
           </a:p>
@@ -1565,7 +1567,7 @@
             <a:fld id="{823895E5-2D2B-4236-AC77-BC0599642604}" type="datetimeFigureOut">
               <a:rPr lang="ko-KR" altLang="en-US" smtClean="0"/>
               <a:pPr/>
-              <a:t>2020-07-19</a:t>
+              <a:t>2020-07-24</a:t>
             </a:fld>
             <a:endParaRPr lang="ko-KR" altLang="en-US"/>
           </a:p>
@@ -1850,7 +1852,7 @@
             <a:fld id="{823895E5-2D2B-4236-AC77-BC0599642604}" type="datetimeFigureOut">
               <a:rPr lang="ko-KR" altLang="en-US" smtClean="0"/>
               <a:pPr/>
-              <a:t>2020-07-19</a:t>
+              <a:t>2020-07-24</a:t>
             </a:fld>
             <a:endParaRPr lang="ko-KR" altLang="en-US"/>
           </a:p>
@@ -2269,7 +2271,7 @@
             <a:fld id="{823895E5-2D2B-4236-AC77-BC0599642604}" type="datetimeFigureOut">
               <a:rPr lang="ko-KR" altLang="en-US" smtClean="0"/>
               <a:pPr/>
-              <a:t>2020-07-19</a:t>
+              <a:t>2020-07-24</a:t>
             </a:fld>
             <a:endParaRPr lang="ko-KR" altLang="en-US"/>
           </a:p>
@@ -2384,7 +2386,7 @@
             <a:fld id="{823895E5-2D2B-4236-AC77-BC0599642604}" type="datetimeFigureOut">
               <a:rPr lang="ko-KR" altLang="en-US" smtClean="0"/>
               <a:pPr/>
-              <a:t>2020-07-19</a:t>
+              <a:t>2020-07-24</a:t>
             </a:fld>
             <a:endParaRPr lang="ko-KR" altLang="en-US"/>
           </a:p>
@@ -2476,7 +2478,7 @@
             <a:fld id="{823895E5-2D2B-4236-AC77-BC0599642604}" type="datetimeFigureOut">
               <a:rPr lang="ko-KR" altLang="en-US" smtClean="0"/>
               <a:pPr/>
-              <a:t>2020-07-19</a:t>
+              <a:t>2020-07-24</a:t>
             </a:fld>
             <a:endParaRPr lang="ko-KR" altLang="en-US"/>
           </a:p>
@@ -2750,7 +2752,7 @@
             <a:fld id="{823895E5-2D2B-4236-AC77-BC0599642604}" type="datetimeFigureOut">
               <a:rPr lang="ko-KR" altLang="en-US" smtClean="0"/>
               <a:pPr/>
-              <a:t>2020-07-19</a:t>
+              <a:t>2020-07-24</a:t>
             </a:fld>
             <a:endParaRPr lang="ko-KR" altLang="en-US"/>
           </a:p>
@@ -3000,7 +3002,7 @@
             <a:fld id="{823895E5-2D2B-4236-AC77-BC0599642604}" type="datetimeFigureOut">
               <a:rPr lang="ko-KR" altLang="en-US" smtClean="0"/>
               <a:pPr/>
-              <a:t>2020-07-19</a:t>
+              <a:t>2020-07-24</a:t>
             </a:fld>
             <a:endParaRPr lang="ko-KR" altLang="en-US"/>
           </a:p>
@@ -3210,7 +3212,7 @@
             <a:fld id="{823895E5-2D2B-4236-AC77-BC0599642604}" type="datetimeFigureOut">
               <a:rPr lang="ko-KR" altLang="en-US" smtClean="0"/>
               <a:pPr/>
-              <a:t>2020-07-19</a:t>
+              <a:t>2020-07-24</a:t>
             </a:fld>
             <a:endParaRPr lang="ko-KR" altLang="en-US"/>
           </a:p>
@@ -8713,28 +8715,6 @@
               </a:rPr>
               <a:t>초기 게임 자금 획득을 위한 축구 퀴즈</a:t>
             </a:r>
-            <a:endParaRPr lang="ko-KR" altLang="en-US" b="1" dirty="0" smtClean="0">
-              <a:ln w="11430"/>
-              <a:solidFill>
-                <a:schemeClr val="accent6">
-                  <a:lumMod val="40000"/>
-                  <a:lumOff val="60000"/>
-                </a:schemeClr>
-              </a:solidFill>
-              <a:effectLst>
-                <a:glow rad="139700">
-                  <a:schemeClr val="accent5">
-                    <a:satMod val="175000"/>
-                    <a:alpha val="40000"/>
-                  </a:schemeClr>
-                </a:glow>
-                <a:outerShdw blurRad="50800" dist="39000" dir="5460000" algn="tl">
-                  <a:srgbClr val="000000">
-                    <a:alpha val="38000"/>
-                  </a:srgbClr>
-                </a:outerShdw>
-              </a:effectLst>
-            </a:endParaRPr>
           </a:p>
         </p:txBody>
       </p:sp>
@@ -9612,6 +9592,5066 @@
 </file>
 
 <file path=ppt/slides/slide7.xml><?xml version="1.0" encoding="utf-8"?>
+<p:sld xmlns:a="http://schemas.openxmlformats.org/drawingml/2006/main" xmlns:r="http://schemas.openxmlformats.org/officeDocument/2006/relationships" xmlns:p="http://schemas.openxmlformats.org/presentationml/2006/main">
+  <p:cSld>
+    <p:spTree>
+      <p:nvGrpSpPr>
+        <p:cNvPr id="1" name=""/>
+        <p:cNvGrpSpPr/>
+        <p:nvPr/>
+      </p:nvGrpSpPr>
+      <p:grpSpPr>
+        <a:xfrm>
+          <a:off x="0" y="0"/>
+          <a:ext cx="0" cy="0"/>
+          <a:chOff x="0" y="0"/>
+          <a:chExt cx="0" cy="0"/>
+        </a:xfrm>
+      </p:grpSpPr>
+      <p:grpSp>
+        <p:nvGrpSpPr>
+          <p:cNvPr id="59" name="그룹 58"/>
+          <p:cNvGrpSpPr/>
+          <p:nvPr/>
+        </p:nvGrpSpPr>
+        <p:grpSpPr>
+          <a:xfrm>
+            <a:off x="323528" y="404664"/>
+            <a:ext cx="8640000" cy="5760000"/>
+            <a:chOff x="323528" y="404664"/>
+            <a:chExt cx="8640000" cy="5760000"/>
+          </a:xfrm>
+        </p:grpSpPr>
+        <p:grpSp>
+          <p:nvGrpSpPr>
+            <p:cNvPr id="6" name="그룹 48"/>
+            <p:cNvGrpSpPr/>
+            <p:nvPr/>
+          </p:nvGrpSpPr>
+          <p:grpSpPr>
+            <a:xfrm>
+              <a:off x="323528" y="404664"/>
+              <a:ext cx="8640000" cy="5760000"/>
+              <a:chOff x="323528" y="404664"/>
+              <a:chExt cx="8640000" cy="5760000"/>
+            </a:xfrm>
+          </p:grpSpPr>
+          <p:grpSp>
+            <p:nvGrpSpPr>
+              <p:cNvPr id="7" name="그룹 46"/>
+              <p:cNvGrpSpPr/>
+              <p:nvPr/>
+            </p:nvGrpSpPr>
+            <p:grpSpPr>
+              <a:xfrm>
+                <a:off x="323528" y="404664"/>
+                <a:ext cx="8640000" cy="5760000"/>
+                <a:chOff x="323528" y="404664"/>
+                <a:chExt cx="8640000" cy="5760000"/>
+              </a:xfrm>
+            </p:grpSpPr>
+            <p:pic>
+              <p:nvPicPr>
+                <p:cNvPr id="2" name="그림 1" descr="crop-athlete-kicking-soccer-ball_23-2147817301.jpg"/>
+                <p:cNvPicPr preferRelativeResize="0">
+                  <a:picLocks/>
+                </p:cNvPicPr>
+                <p:nvPr/>
+              </p:nvPicPr>
+              <p:blipFill>
+                <a:blip r:embed="rId2" cstate="print"/>
+                <a:stretch>
+                  <a:fillRect/>
+                </a:stretch>
+              </p:blipFill>
+              <p:spPr>
+                <a:xfrm>
+                  <a:off x="323528" y="404664"/>
+                  <a:ext cx="8640000" cy="5760000"/>
+                </a:xfrm>
+                <a:prstGeom prst="rect">
+                  <a:avLst/>
+                </a:prstGeom>
+                <a:effectLst/>
+              </p:spPr>
+            </p:pic>
+            <p:sp>
+              <p:nvSpPr>
+                <p:cNvPr id="3" name="직사각형 2"/>
+                <p:cNvSpPr/>
+                <p:nvPr/>
+              </p:nvSpPr>
+              <p:spPr>
+                <a:xfrm>
+                  <a:off x="1835696" y="1268760"/>
+                  <a:ext cx="6984776" cy="4752528"/>
+                </a:xfrm>
+                <a:prstGeom prst="rect">
+                  <a:avLst/>
+                </a:prstGeom>
+                <a:solidFill>
+                  <a:srgbClr val="92D050">
+                    <a:alpha val="70000"/>
+                  </a:srgbClr>
+                </a:solidFill>
+                <a:ln>
+                  <a:solidFill>
+                    <a:schemeClr val="accent3">
+                      <a:lumMod val="60000"/>
+                      <a:lumOff val="40000"/>
+                    </a:schemeClr>
+                  </a:solidFill>
+                  <a:prstDash val="solid"/>
+                </a:ln>
+                <a:effectLst/>
+                <a:scene3d>
+                  <a:camera prst="orthographicFront"/>
+                  <a:lightRig rig="threePt" dir="t"/>
+                </a:scene3d>
+                <a:sp3d/>
+              </p:spPr>
+              <p:style>
+                <a:lnRef idx="2">
+                  <a:schemeClr val="accent1">
+                    <a:shade val="50000"/>
+                  </a:schemeClr>
+                </a:lnRef>
+                <a:fillRef idx="1">
+                  <a:schemeClr val="accent1"/>
+                </a:fillRef>
+                <a:effectRef idx="0">
+                  <a:schemeClr val="accent1"/>
+                </a:effectRef>
+                <a:fontRef idx="minor">
+                  <a:schemeClr val="lt1"/>
+                </a:fontRef>
+              </p:style>
+              <p:txBody>
+                <a:bodyPr rtlCol="0" anchor="ctr">
+                  <a:scene3d>
+                    <a:camera prst="orthographicFront"/>
+                    <a:lightRig rig="soft" dir="tl">
+                      <a:rot lat="0" lon="0" rev="0"/>
+                    </a:lightRig>
+                  </a:scene3d>
+                  <a:sp3d contourW="25400" prstMaterial="matte">
+                    <a:bevelT w="25400" h="55880" prst="artDeco"/>
+                    <a:contourClr>
+                      <a:schemeClr val="accent2">
+                        <a:tint val="20000"/>
+                      </a:schemeClr>
+                    </a:contourClr>
+                  </a:sp3d>
+                </a:bodyPr>
+                <a:lstStyle/>
+                <a:p>
+                  <a:pPr algn="ctr"/>
+                  <a:endParaRPr lang="ko-KR" altLang="en-US" b="1" spc="50" dirty="0" smtClean="0">
+                    <a:ln w="11430">
+                      <a:solidFill>
+                        <a:srgbClr val="00B050"/>
+                      </a:solidFill>
+                    </a:ln>
+                    <a:solidFill>
+                      <a:srgbClr val="00B050"/>
+                    </a:solidFill>
+                    <a:effectLst>
+                      <a:glow rad="228600">
+                        <a:schemeClr val="accent6">
+                          <a:satMod val="175000"/>
+                          <a:alpha val="40000"/>
+                        </a:schemeClr>
+                      </a:glow>
+                      <a:outerShdw blurRad="50800" dist="38100" dir="2700000" algn="tl" rotWithShape="0">
+                        <a:prstClr val="black">
+                          <a:alpha val="40000"/>
+                        </a:prstClr>
+                      </a:outerShdw>
+                    </a:effectLst>
+                  </a:endParaRPr>
+                </a:p>
+              </p:txBody>
+            </p:sp>
+            <p:sp>
+              <p:nvSpPr>
+                <p:cNvPr id="4" name="직사각형 3"/>
+                <p:cNvSpPr/>
+                <p:nvPr/>
+              </p:nvSpPr>
+              <p:spPr>
+                <a:xfrm>
+                  <a:off x="539552" y="1268760"/>
+                  <a:ext cx="1296144" cy="4752528"/>
+                </a:xfrm>
+                <a:prstGeom prst="rect">
+                  <a:avLst/>
+                </a:prstGeom>
+                <a:solidFill>
+                  <a:srgbClr val="92D050">
+                    <a:alpha val="70000"/>
+                  </a:srgbClr>
+                </a:solidFill>
+                <a:ln>
+                  <a:solidFill>
+                    <a:schemeClr val="accent3">
+                      <a:lumMod val="60000"/>
+                      <a:lumOff val="40000"/>
+                    </a:schemeClr>
+                  </a:solidFill>
+                  <a:prstDash val="solid"/>
+                </a:ln>
+                <a:effectLst/>
+                <a:scene3d>
+                  <a:camera prst="orthographicFront"/>
+                  <a:lightRig rig="threePt" dir="t"/>
+                </a:scene3d>
+                <a:sp3d/>
+              </p:spPr>
+              <p:style>
+                <a:lnRef idx="2">
+                  <a:schemeClr val="accent1">
+                    <a:shade val="50000"/>
+                  </a:schemeClr>
+                </a:lnRef>
+                <a:fillRef idx="1">
+                  <a:schemeClr val="accent1"/>
+                </a:fillRef>
+                <a:effectRef idx="0">
+                  <a:schemeClr val="accent1"/>
+                </a:effectRef>
+                <a:fontRef idx="minor">
+                  <a:schemeClr val="lt1"/>
+                </a:fontRef>
+              </p:style>
+              <p:txBody>
+                <a:bodyPr rtlCol="0" anchor="ctr">
+                  <a:scene3d>
+                    <a:camera prst="orthographicFront"/>
+                    <a:lightRig rig="soft" dir="tl">
+                      <a:rot lat="0" lon="0" rev="0"/>
+                    </a:lightRig>
+                  </a:scene3d>
+                  <a:sp3d contourW="25400" prstMaterial="matte">
+                    <a:bevelT w="25400" h="55880" prst="artDeco"/>
+                    <a:contourClr>
+                      <a:schemeClr val="accent2">
+                        <a:tint val="20000"/>
+                      </a:schemeClr>
+                    </a:contourClr>
+                  </a:sp3d>
+                </a:bodyPr>
+                <a:lstStyle/>
+                <a:p>
+                  <a:pPr algn="ctr"/>
+                  <a:endParaRPr lang="ko-KR" altLang="en-US" b="1" spc="50" dirty="0" smtClean="0">
+                    <a:ln w="11430">
+                      <a:solidFill>
+                        <a:srgbClr val="00B050"/>
+                      </a:solidFill>
+                    </a:ln>
+                    <a:solidFill>
+                      <a:srgbClr val="00B050"/>
+                    </a:solidFill>
+                    <a:effectLst>
+                      <a:glow rad="228600">
+                        <a:schemeClr val="accent6">
+                          <a:satMod val="175000"/>
+                          <a:alpha val="40000"/>
+                        </a:schemeClr>
+                      </a:glow>
+                      <a:outerShdw blurRad="50800" dist="38100" dir="2700000" algn="tl" rotWithShape="0">
+                        <a:prstClr val="black">
+                          <a:alpha val="40000"/>
+                        </a:prstClr>
+                      </a:outerShdw>
+                    </a:effectLst>
+                  </a:endParaRPr>
+                </a:p>
+              </p:txBody>
+            </p:sp>
+            <p:sp>
+              <p:nvSpPr>
+                <p:cNvPr id="5" name="직사각형 4"/>
+                <p:cNvSpPr/>
+                <p:nvPr/>
+              </p:nvSpPr>
+              <p:spPr>
+                <a:xfrm>
+                  <a:off x="1835696" y="620688"/>
+                  <a:ext cx="6984776" cy="648072"/>
+                </a:xfrm>
+                <a:prstGeom prst="rect">
+                  <a:avLst/>
+                </a:prstGeom>
+                <a:solidFill>
+                  <a:srgbClr val="92D050">
+                    <a:alpha val="70000"/>
+                  </a:srgbClr>
+                </a:solidFill>
+                <a:ln>
+                  <a:solidFill>
+                    <a:schemeClr val="accent3">
+                      <a:lumMod val="60000"/>
+                      <a:lumOff val="40000"/>
+                    </a:schemeClr>
+                  </a:solidFill>
+                  <a:prstDash val="solid"/>
+                </a:ln>
+                <a:effectLst/>
+                <a:scene3d>
+                  <a:camera prst="orthographicFront"/>
+                  <a:lightRig rig="threePt" dir="t"/>
+                </a:scene3d>
+                <a:sp3d/>
+              </p:spPr>
+              <p:style>
+                <a:lnRef idx="2">
+                  <a:schemeClr val="accent1">
+                    <a:shade val="50000"/>
+                  </a:schemeClr>
+                </a:lnRef>
+                <a:fillRef idx="1">
+                  <a:schemeClr val="accent1"/>
+                </a:fillRef>
+                <a:effectRef idx="0">
+                  <a:schemeClr val="accent1"/>
+                </a:effectRef>
+                <a:fontRef idx="minor">
+                  <a:schemeClr val="lt1"/>
+                </a:fontRef>
+              </p:style>
+              <p:txBody>
+                <a:bodyPr rtlCol="0" anchor="ctr">
+                  <a:scene3d>
+                    <a:camera prst="orthographicFront"/>
+                    <a:lightRig rig="soft" dir="tl">
+                      <a:rot lat="0" lon="0" rev="0"/>
+                    </a:lightRig>
+                  </a:scene3d>
+                  <a:sp3d contourW="25400" prstMaterial="matte">
+                    <a:bevelT w="25400" h="55880" prst="artDeco"/>
+                    <a:contourClr>
+                      <a:schemeClr val="accent2">
+                        <a:tint val="20000"/>
+                      </a:schemeClr>
+                    </a:contourClr>
+                  </a:sp3d>
+                </a:bodyPr>
+                <a:lstStyle/>
+                <a:p>
+                  <a:pPr algn="ctr"/>
+                  <a:endParaRPr lang="ko-KR" altLang="en-US" b="1" spc="50" dirty="0" smtClean="0">
+                    <a:ln w="11430">
+                      <a:solidFill>
+                        <a:srgbClr val="00B050"/>
+                      </a:solidFill>
+                    </a:ln>
+                    <a:solidFill>
+                      <a:srgbClr val="00B050"/>
+                    </a:solidFill>
+                    <a:effectLst>
+                      <a:glow rad="228600">
+                        <a:schemeClr val="accent6">
+                          <a:satMod val="175000"/>
+                          <a:alpha val="40000"/>
+                        </a:schemeClr>
+                      </a:glow>
+                      <a:outerShdw blurRad="50800" dist="38100" dir="2700000" algn="tl" rotWithShape="0">
+                        <a:prstClr val="black">
+                          <a:alpha val="40000"/>
+                        </a:prstClr>
+                      </a:outerShdw>
+                    </a:effectLst>
+                  </a:endParaRPr>
+                </a:p>
+              </p:txBody>
+            </p:sp>
+            <p:sp>
+              <p:nvSpPr>
+                <p:cNvPr id="38" name="직사각형 37"/>
+                <p:cNvSpPr/>
+                <p:nvPr/>
+              </p:nvSpPr>
+              <p:spPr>
+                <a:xfrm>
+                  <a:off x="1187624" y="620688"/>
+                  <a:ext cx="648072" cy="648072"/>
+                </a:xfrm>
+                <a:prstGeom prst="rect">
+                  <a:avLst/>
+                </a:prstGeom>
+                <a:solidFill>
+                  <a:srgbClr val="92D050">
+                    <a:alpha val="70000"/>
+                  </a:srgbClr>
+                </a:solidFill>
+                <a:ln>
+                  <a:solidFill>
+                    <a:schemeClr val="accent3">
+                      <a:lumMod val="60000"/>
+                      <a:lumOff val="40000"/>
+                    </a:schemeClr>
+                  </a:solidFill>
+                  <a:prstDash val="solid"/>
+                </a:ln>
+                <a:effectLst/>
+                <a:scene3d>
+                  <a:camera prst="orthographicFront"/>
+                  <a:lightRig rig="threePt" dir="t"/>
+                </a:scene3d>
+                <a:sp3d/>
+              </p:spPr>
+              <p:style>
+                <a:lnRef idx="2">
+                  <a:schemeClr val="accent1">
+                    <a:shade val="50000"/>
+                  </a:schemeClr>
+                </a:lnRef>
+                <a:fillRef idx="1">
+                  <a:schemeClr val="accent1"/>
+                </a:fillRef>
+                <a:effectRef idx="0">
+                  <a:schemeClr val="accent1"/>
+                </a:effectRef>
+                <a:fontRef idx="minor">
+                  <a:schemeClr val="lt1"/>
+                </a:fontRef>
+              </p:style>
+              <p:txBody>
+                <a:bodyPr rtlCol="0" anchor="ctr">
+                  <a:scene3d>
+                    <a:camera prst="orthographicFront"/>
+                    <a:lightRig rig="soft" dir="tl">
+                      <a:rot lat="0" lon="0" rev="0"/>
+                    </a:lightRig>
+                  </a:scene3d>
+                  <a:sp3d contourW="25400" prstMaterial="matte">
+                    <a:bevelT w="25400" h="55880" prst="artDeco"/>
+                    <a:contourClr>
+                      <a:schemeClr val="accent2">
+                        <a:tint val="20000"/>
+                      </a:schemeClr>
+                    </a:contourClr>
+                  </a:sp3d>
+                </a:bodyPr>
+                <a:lstStyle/>
+                <a:p>
+                  <a:pPr algn="ctr"/>
+                  <a:endParaRPr lang="ko-KR" altLang="en-US" b="1" spc="50" dirty="0" smtClean="0">
+                    <a:ln w="11430">
+                      <a:solidFill>
+                        <a:srgbClr val="00B050"/>
+                      </a:solidFill>
+                    </a:ln>
+                    <a:solidFill>
+                      <a:srgbClr val="00B050"/>
+                    </a:solidFill>
+                    <a:effectLst>
+                      <a:glow rad="228600">
+                        <a:schemeClr val="accent6">
+                          <a:satMod val="175000"/>
+                          <a:alpha val="40000"/>
+                        </a:schemeClr>
+                      </a:glow>
+                      <a:outerShdw blurRad="50800" dist="38100" dir="2700000" algn="tl" rotWithShape="0">
+                        <a:prstClr val="black">
+                          <a:alpha val="40000"/>
+                        </a:prstClr>
+                      </a:outerShdw>
+                    </a:effectLst>
+                  </a:endParaRPr>
+                </a:p>
+              </p:txBody>
+            </p:sp>
+          </p:grpSp>
+          <p:sp>
+            <p:nvSpPr>
+              <p:cNvPr id="48" name="직사각형 47"/>
+              <p:cNvSpPr/>
+              <p:nvPr/>
+            </p:nvSpPr>
+            <p:spPr>
+              <a:xfrm>
+                <a:off x="539552" y="620688"/>
+                <a:ext cx="648072" cy="648072"/>
+              </a:xfrm>
+              <a:prstGeom prst="rect">
+                <a:avLst/>
+              </a:prstGeom>
+              <a:solidFill>
+                <a:srgbClr val="92D050">
+                  <a:alpha val="70000"/>
+                </a:srgbClr>
+              </a:solidFill>
+              <a:ln>
+                <a:solidFill>
+                  <a:schemeClr val="accent3">
+                    <a:lumMod val="60000"/>
+                    <a:lumOff val="40000"/>
+                  </a:schemeClr>
+                </a:solidFill>
+                <a:prstDash val="solid"/>
+              </a:ln>
+              <a:effectLst/>
+              <a:scene3d>
+                <a:camera prst="orthographicFront"/>
+                <a:lightRig rig="threePt" dir="t"/>
+              </a:scene3d>
+              <a:sp3d/>
+            </p:spPr>
+            <p:style>
+              <a:lnRef idx="2">
+                <a:schemeClr val="accent1">
+                  <a:shade val="50000"/>
+                </a:schemeClr>
+              </a:lnRef>
+              <a:fillRef idx="1">
+                <a:schemeClr val="accent1"/>
+              </a:fillRef>
+              <a:effectRef idx="0">
+                <a:schemeClr val="accent1"/>
+              </a:effectRef>
+              <a:fontRef idx="minor">
+                <a:schemeClr val="lt1"/>
+              </a:fontRef>
+            </p:style>
+            <p:txBody>
+              <a:bodyPr rtlCol="0" anchor="ctr">
+                <a:scene3d>
+                  <a:camera prst="orthographicFront"/>
+                  <a:lightRig rig="soft" dir="tl">
+                    <a:rot lat="0" lon="0" rev="0"/>
+                  </a:lightRig>
+                </a:scene3d>
+                <a:sp3d contourW="25400" prstMaterial="matte">
+                  <a:bevelT w="25400" h="55880" prst="artDeco"/>
+                  <a:contourClr>
+                    <a:schemeClr val="accent2">
+                      <a:tint val="20000"/>
+                    </a:schemeClr>
+                  </a:contourClr>
+                </a:sp3d>
+              </a:bodyPr>
+              <a:lstStyle/>
+              <a:p>
+                <a:pPr algn="ctr"/>
+                <a:endParaRPr lang="ko-KR" altLang="en-US" b="1" spc="50" dirty="0" smtClean="0">
+                  <a:ln w="11430">
+                    <a:solidFill>
+                      <a:srgbClr val="00B050"/>
+                    </a:solidFill>
+                  </a:ln>
+                  <a:solidFill>
+                    <a:srgbClr val="00B050"/>
+                  </a:solidFill>
+                  <a:effectLst>
+                    <a:glow rad="228600">
+                      <a:schemeClr val="accent6">
+                        <a:satMod val="175000"/>
+                        <a:alpha val="40000"/>
+                      </a:schemeClr>
+                    </a:glow>
+                    <a:outerShdw blurRad="50800" dist="38100" dir="2700000" algn="tl" rotWithShape="0">
+                      <a:prstClr val="black">
+                        <a:alpha val="40000"/>
+                      </a:prstClr>
+                    </a:outerShdw>
+                  </a:effectLst>
+                </a:endParaRPr>
+              </a:p>
+            </p:txBody>
+          </p:sp>
+        </p:grpSp>
+        <p:sp>
+          <p:nvSpPr>
+            <p:cNvPr id="34" name="직사각형 33"/>
+            <p:cNvSpPr/>
+            <p:nvPr/>
+          </p:nvSpPr>
+          <p:spPr>
+            <a:xfrm>
+              <a:off x="1835696" y="1268760"/>
+              <a:ext cx="1656184" cy="4752528"/>
+            </a:xfrm>
+            <a:prstGeom prst="rect">
+              <a:avLst/>
+            </a:prstGeom>
+            <a:solidFill>
+              <a:srgbClr val="FFFF00">
+                <a:alpha val="30000"/>
+              </a:srgbClr>
+            </a:solidFill>
+            <a:ln>
+              <a:solidFill>
+                <a:schemeClr val="accent3">
+                  <a:lumMod val="60000"/>
+                  <a:lumOff val="40000"/>
+                </a:schemeClr>
+              </a:solidFill>
+              <a:prstDash val="solid"/>
+            </a:ln>
+            <a:effectLst/>
+            <a:scene3d>
+              <a:camera prst="orthographicFront"/>
+              <a:lightRig rig="threePt" dir="t"/>
+            </a:scene3d>
+            <a:sp3d/>
+          </p:spPr>
+          <p:style>
+            <a:lnRef idx="2">
+              <a:schemeClr val="accent1">
+                <a:shade val="50000"/>
+              </a:schemeClr>
+            </a:lnRef>
+            <a:fillRef idx="1">
+              <a:schemeClr val="accent1"/>
+            </a:fillRef>
+            <a:effectRef idx="0">
+              <a:schemeClr val="accent1"/>
+            </a:effectRef>
+            <a:fontRef idx="minor">
+              <a:schemeClr val="lt1"/>
+            </a:fontRef>
+          </p:style>
+          <p:txBody>
+            <a:bodyPr rtlCol="0" anchor="ctr">
+              <a:scene3d>
+                <a:camera prst="orthographicFront"/>
+                <a:lightRig rig="soft" dir="tl">
+                  <a:rot lat="0" lon="0" rev="0"/>
+                </a:lightRig>
+              </a:scene3d>
+              <a:sp3d contourW="25400" prstMaterial="matte">
+                <a:bevelT w="25400" h="55880" prst="artDeco"/>
+                <a:contourClr>
+                  <a:schemeClr val="accent2">
+                    <a:tint val="20000"/>
+                  </a:schemeClr>
+                </a:contourClr>
+              </a:sp3d>
+            </a:bodyPr>
+            <a:lstStyle/>
+            <a:p>
+              <a:pPr algn="ctr"/>
+              <a:endParaRPr lang="ko-KR" altLang="en-US" b="1" spc="50" dirty="0" smtClean="0">
+                <a:ln w="11430">
+                  <a:solidFill>
+                    <a:srgbClr val="00B050"/>
+                  </a:solidFill>
+                </a:ln>
+                <a:solidFill>
+                  <a:srgbClr val="00B050"/>
+                </a:solidFill>
+                <a:effectLst>
+                  <a:glow rad="228600">
+                    <a:schemeClr val="accent6">
+                      <a:satMod val="175000"/>
+                      <a:alpha val="40000"/>
+                    </a:schemeClr>
+                  </a:glow>
+                  <a:outerShdw blurRad="50800" dist="38100" dir="2700000" algn="tl" rotWithShape="0">
+                    <a:prstClr val="black">
+                      <a:alpha val="40000"/>
+                    </a:prstClr>
+                  </a:outerShdw>
+                </a:effectLst>
+              </a:endParaRPr>
+            </a:p>
+          </p:txBody>
+        </p:sp>
+        <p:sp>
+          <p:nvSpPr>
+            <p:cNvPr id="49" name="직사각형 48"/>
+            <p:cNvSpPr/>
+            <p:nvPr/>
+          </p:nvSpPr>
+          <p:spPr>
+            <a:xfrm>
+              <a:off x="3491880" y="1268760"/>
+              <a:ext cx="5328592" cy="1296144"/>
+            </a:xfrm>
+            <a:prstGeom prst="rect">
+              <a:avLst/>
+            </a:prstGeom>
+            <a:solidFill>
+              <a:schemeClr val="accent3">
+                <a:lumMod val="40000"/>
+                <a:lumOff val="60000"/>
+                <a:alpha val="30000"/>
+              </a:schemeClr>
+            </a:solidFill>
+            <a:ln>
+              <a:solidFill>
+                <a:schemeClr val="accent3">
+                  <a:lumMod val="60000"/>
+                  <a:lumOff val="40000"/>
+                </a:schemeClr>
+              </a:solidFill>
+              <a:prstDash val="solid"/>
+            </a:ln>
+            <a:effectLst/>
+            <a:scene3d>
+              <a:camera prst="orthographicFront"/>
+              <a:lightRig rig="threePt" dir="t"/>
+            </a:scene3d>
+            <a:sp3d/>
+          </p:spPr>
+          <p:style>
+            <a:lnRef idx="2">
+              <a:schemeClr val="accent1">
+                <a:shade val="50000"/>
+              </a:schemeClr>
+            </a:lnRef>
+            <a:fillRef idx="1">
+              <a:schemeClr val="accent1"/>
+            </a:fillRef>
+            <a:effectRef idx="0">
+              <a:schemeClr val="accent1"/>
+            </a:effectRef>
+            <a:fontRef idx="minor">
+              <a:schemeClr val="lt1"/>
+            </a:fontRef>
+          </p:style>
+          <p:txBody>
+            <a:bodyPr rtlCol="0" anchor="ctr">
+              <a:scene3d>
+                <a:camera prst="orthographicFront"/>
+                <a:lightRig rig="soft" dir="tl">
+                  <a:rot lat="0" lon="0" rev="0"/>
+                </a:lightRig>
+              </a:scene3d>
+              <a:sp3d contourW="25400" prstMaterial="matte">
+                <a:bevelT w="25400" h="55880" prst="artDeco"/>
+                <a:contourClr>
+                  <a:schemeClr val="accent2">
+                    <a:tint val="20000"/>
+                  </a:schemeClr>
+                </a:contourClr>
+              </a:sp3d>
+            </a:bodyPr>
+            <a:lstStyle/>
+            <a:p>
+              <a:pPr algn="ctr"/>
+              <a:endParaRPr lang="ko-KR" altLang="en-US" b="1" spc="50" dirty="0" smtClean="0">
+                <a:ln w="11430">
+                  <a:solidFill>
+                    <a:srgbClr val="00B050"/>
+                  </a:solidFill>
+                </a:ln>
+                <a:solidFill>
+                  <a:srgbClr val="00B050"/>
+                </a:solidFill>
+                <a:effectLst>
+                  <a:glow rad="228600">
+                    <a:schemeClr val="accent6">
+                      <a:satMod val="175000"/>
+                      <a:alpha val="40000"/>
+                    </a:schemeClr>
+                  </a:glow>
+                  <a:outerShdw blurRad="50800" dist="38100" dir="2700000" algn="tl" rotWithShape="0">
+                    <a:prstClr val="black">
+                      <a:alpha val="40000"/>
+                    </a:prstClr>
+                  </a:outerShdw>
+                </a:effectLst>
+              </a:endParaRPr>
+            </a:p>
+          </p:txBody>
+        </p:sp>
+      </p:grpSp>
+      <p:grpSp>
+        <p:nvGrpSpPr>
+          <p:cNvPr id="8" name="그룹 44"/>
+          <p:cNvGrpSpPr/>
+          <p:nvPr/>
+        </p:nvGrpSpPr>
+        <p:grpSpPr>
+          <a:xfrm>
+            <a:off x="539552" y="620688"/>
+            <a:ext cx="648072" cy="648072"/>
+            <a:chOff x="-1116632" y="1412776"/>
+            <a:chExt cx="648072" cy="648072"/>
+          </a:xfrm>
+        </p:grpSpPr>
+        <p:sp>
+          <p:nvSpPr>
+            <p:cNvPr id="13" name="직사각형 12"/>
+            <p:cNvSpPr/>
+            <p:nvPr/>
+          </p:nvSpPr>
+          <p:spPr>
+            <a:xfrm>
+              <a:off x="-1116632" y="1412776"/>
+              <a:ext cx="648072" cy="648072"/>
+            </a:xfrm>
+            <a:prstGeom prst="rect">
+              <a:avLst/>
+            </a:prstGeom>
+            <a:solidFill>
+              <a:srgbClr val="92D050"/>
+            </a:solidFill>
+            <a:ln>
+              <a:solidFill>
+                <a:schemeClr val="accent3">
+                  <a:lumMod val="60000"/>
+                  <a:lumOff val="40000"/>
+                </a:schemeClr>
+              </a:solidFill>
+              <a:prstDash val="solid"/>
+            </a:ln>
+            <a:effectLst>
+              <a:outerShdw blurRad="63500" sx="102000" sy="102000" algn="ctr" rotWithShape="0">
+                <a:prstClr val="black">
+                  <a:alpha val="40000"/>
+                </a:prstClr>
+              </a:outerShdw>
+            </a:effectLst>
+            <a:scene3d>
+              <a:camera prst="orthographicFront"/>
+              <a:lightRig rig="threePt" dir="t"/>
+            </a:scene3d>
+            <a:sp3d/>
+          </p:spPr>
+          <p:style>
+            <a:lnRef idx="2">
+              <a:schemeClr val="accent1">
+                <a:shade val="50000"/>
+              </a:schemeClr>
+            </a:lnRef>
+            <a:fillRef idx="1">
+              <a:schemeClr val="accent1"/>
+            </a:fillRef>
+            <a:effectRef idx="0">
+              <a:schemeClr val="accent1"/>
+            </a:effectRef>
+            <a:fontRef idx="minor">
+              <a:schemeClr val="lt1"/>
+            </a:fontRef>
+          </p:style>
+          <p:txBody>
+            <a:bodyPr rtlCol="0" anchor="ctr">
+              <a:scene3d>
+                <a:camera prst="orthographicFront"/>
+                <a:lightRig rig="soft" dir="tl">
+                  <a:rot lat="0" lon="0" rev="0"/>
+                </a:lightRig>
+              </a:scene3d>
+              <a:sp3d contourW="25400" prstMaterial="matte">
+                <a:bevelT w="25400" h="55880" prst="artDeco"/>
+                <a:contourClr>
+                  <a:schemeClr val="accent2">
+                    <a:tint val="20000"/>
+                  </a:schemeClr>
+                </a:contourClr>
+              </a:sp3d>
+            </a:bodyPr>
+            <a:lstStyle/>
+            <a:p>
+              <a:pPr algn="ctr"/>
+              <a:endParaRPr lang="ko-KR" altLang="en-US" b="1" spc="50" dirty="0" smtClean="0">
+                <a:ln w="11430">
+                  <a:solidFill>
+                    <a:srgbClr val="00B050"/>
+                  </a:solidFill>
+                </a:ln>
+                <a:solidFill>
+                  <a:srgbClr val="00B050"/>
+                </a:solidFill>
+                <a:effectLst>
+                  <a:glow rad="228600">
+                    <a:schemeClr val="accent6">
+                      <a:satMod val="175000"/>
+                      <a:alpha val="40000"/>
+                    </a:schemeClr>
+                  </a:glow>
+                  <a:outerShdw blurRad="50800" dist="38100" dir="2700000" algn="tl" rotWithShape="0">
+                    <a:prstClr val="black">
+                      <a:alpha val="40000"/>
+                    </a:prstClr>
+                  </a:outerShdw>
+                </a:effectLst>
+              </a:endParaRPr>
+            </a:p>
+          </p:txBody>
+        </p:sp>
+        <p:pic>
+          <p:nvPicPr>
+            <p:cNvPr id="14" name="그림 13" descr="11225.png"/>
+            <p:cNvPicPr preferRelativeResize="0">
+              <a:picLocks/>
+            </p:cNvPicPr>
+            <p:nvPr/>
+          </p:nvPicPr>
+          <p:blipFill>
+            <a:blip r:embed="rId3" cstate="print"/>
+            <a:srcRect l="28172" t="27420" r="19241" b="10886"/>
+            <a:stretch>
+              <a:fillRect/>
+            </a:stretch>
+          </p:blipFill>
+          <p:spPr>
+            <a:xfrm>
+              <a:off x="-1116632" y="1412776"/>
+              <a:ext cx="648072" cy="648000"/>
+            </a:xfrm>
+            <a:prstGeom prst="rect">
+              <a:avLst/>
+            </a:prstGeom>
+            <a:effectLst/>
+          </p:spPr>
+        </p:pic>
+      </p:grpSp>
+      <p:sp>
+        <p:nvSpPr>
+          <p:cNvPr id="19" name="모서리가 둥근 직사각형 18"/>
+          <p:cNvSpPr/>
+          <p:nvPr/>
+        </p:nvSpPr>
+        <p:spPr>
+          <a:xfrm>
+            <a:off x="611560" y="1412776"/>
+            <a:ext cx="1152128" cy="396000"/>
+          </a:xfrm>
+          <a:prstGeom prst="roundRect">
+            <a:avLst/>
+          </a:prstGeom>
+          <a:solidFill>
+            <a:schemeClr val="accent5">
+              <a:lumMod val="60000"/>
+              <a:lumOff val="40000"/>
+            </a:schemeClr>
+          </a:solidFill>
+          <a:ln>
+            <a:solidFill>
+              <a:schemeClr val="accent1">
+                <a:lumMod val="20000"/>
+                <a:lumOff val="80000"/>
+              </a:schemeClr>
+            </a:solidFill>
+            <a:prstDash val="solid"/>
+          </a:ln>
+          <a:effectLst>
+            <a:glow rad="101600">
+              <a:schemeClr val="accent3">
+                <a:satMod val="175000"/>
+                <a:alpha val="40000"/>
+              </a:schemeClr>
+            </a:glow>
+          </a:effectLst>
+          <a:scene3d>
+            <a:camera prst="orthographicFront"/>
+            <a:lightRig rig="threePt" dir="t"/>
+          </a:scene3d>
+          <a:sp3d>
+            <a:bevelT w="114300" prst="artDeco"/>
+          </a:sp3d>
+        </p:spPr>
+        <p:style>
+          <a:lnRef idx="2">
+            <a:schemeClr val="accent1">
+              <a:shade val="50000"/>
+            </a:schemeClr>
+          </a:lnRef>
+          <a:fillRef idx="1">
+            <a:schemeClr val="accent1"/>
+          </a:fillRef>
+          <a:effectRef idx="0">
+            <a:schemeClr val="accent1"/>
+          </a:effectRef>
+          <a:fontRef idx="minor">
+            <a:schemeClr val="lt1"/>
+          </a:fontRef>
+        </p:style>
+        <p:txBody>
+          <a:bodyPr rtlCol="0" anchor="ctr"/>
+          <a:lstStyle/>
+          <a:p>
+            <a:pPr algn="ctr"/>
+            <a:r>
+              <a:rPr lang="ko-KR" altLang="en-US" sz="1200" b="1" spc="50" dirty="0" smtClean="0">
+                <a:ln w="13500">
+                  <a:solidFill>
+                    <a:schemeClr val="accent1">
+                      <a:shade val="2500"/>
+                      <a:alpha val="6500"/>
+                    </a:schemeClr>
+                  </a:solidFill>
+                  <a:prstDash val="solid"/>
+                </a:ln>
+                <a:solidFill>
+                  <a:schemeClr val="accent1">
+                    <a:lumMod val="50000"/>
+                  </a:schemeClr>
+                </a:solidFill>
+                <a:effectLst>
+                  <a:innerShdw blurRad="50900" dist="38500" dir="13500000">
+                    <a:srgbClr val="000000">
+                      <a:alpha val="60000"/>
+                    </a:srgbClr>
+                  </a:innerShdw>
+                </a:effectLst>
+              </a:rPr>
+              <a:t>메시지 박스</a:t>
+            </a:r>
+          </a:p>
+        </p:txBody>
+      </p:sp>
+      <p:grpSp>
+        <p:nvGrpSpPr>
+          <p:cNvPr id="9" name="그룹 43"/>
+          <p:cNvGrpSpPr/>
+          <p:nvPr/>
+        </p:nvGrpSpPr>
+        <p:grpSpPr>
+          <a:xfrm>
+            <a:off x="1259632" y="692696"/>
+            <a:ext cx="504000" cy="504000"/>
+            <a:chOff x="-972616" y="692696"/>
+            <a:chExt cx="648000" cy="648000"/>
+          </a:xfrm>
+        </p:grpSpPr>
+        <p:sp>
+          <p:nvSpPr>
+            <p:cNvPr id="42" name="직사각형 41"/>
+            <p:cNvSpPr/>
+            <p:nvPr/>
+          </p:nvSpPr>
+          <p:spPr>
+            <a:xfrm>
+              <a:off x="-972616" y="692696"/>
+              <a:ext cx="648000" cy="648000"/>
+            </a:xfrm>
+            <a:prstGeom prst="rect">
+              <a:avLst/>
+            </a:prstGeom>
+            <a:solidFill>
+              <a:schemeClr val="accent4">
+                <a:lumMod val="60000"/>
+                <a:lumOff val="40000"/>
+              </a:schemeClr>
+            </a:solidFill>
+            <a:ln>
+              <a:solidFill>
+                <a:schemeClr val="accent1">
+                  <a:lumMod val="20000"/>
+                  <a:lumOff val="80000"/>
+                </a:schemeClr>
+              </a:solidFill>
+              <a:prstDash val="solid"/>
+            </a:ln>
+            <a:effectLst>
+              <a:outerShdw blurRad="63500" sx="102000" sy="102000" algn="ctr" rotWithShape="0">
+                <a:prstClr val="black">
+                  <a:alpha val="40000"/>
+                </a:prstClr>
+              </a:outerShdw>
+            </a:effectLst>
+            <a:scene3d>
+              <a:camera prst="orthographicFront"/>
+              <a:lightRig rig="threePt" dir="t"/>
+            </a:scene3d>
+            <a:sp3d>
+              <a:bevelT prst="slope"/>
+            </a:sp3d>
+          </p:spPr>
+          <p:style>
+            <a:lnRef idx="2">
+              <a:schemeClr val="accent1">
+                <a:shade val="50000"/>
+              </a:schemeClr>
+            </a:lnRef>
+            <a:fillRef idx="1">
+              <a:schemeClr val="accent1"/>
+            </a:fillRef>
+            <a:effectRef idx="0">
+              <a:schemeClr val="accent1"/>
+            </a:effectRef>
+            <a:fontRef idx="minor">
+              <a:schemeClr val="lt1"/>
+            </a:fontRef>
+          </p:style>
+          <p:txBody>
+            <a:bodyPr rtlCol="0" anchor="ctr">
+              <a:scene3d>
+                <a:camera prst="orthographicFront"/>
+                <a:lightRig rig="soft" dir="tl">
+                  <a:rot lat="0" lon="0" rev="0"/>
+                </a:lightRig>
+              </a:scene3d>
+              <a:sp3d contourW="25400" prstMaterial="matte">
+                <a:contourClr>
+                  <a:schemeClr val="accent2">
+                    <a:tint val="20000"/>
+                  </a:schemeClr>
+                </a:contourClr>
+              </a:sp3d>
+            </a:bodyPr>
+            <a:lstStyle/>
+            <a:p>
+              <a:pPr algn="ctr"/>
+              <a:endParaRPr lang="ko-KR" altLang="en-US" b="1" spc="50" dirty="0" smtClean="0">
+                <a:ln w="11430">
+                  <a:solidFill>
+                    <a:srgbClr val="00B050"/>
+                  </a:solidFill>
+                </a:ln>
+                <a:solidFill>
+                  <a:srgbClr val="00B050"/>
+                </a:solidFill>
+                <a:effectLst>
+                  <a:glow rad="228600">
+                    <a:schemeClr val="accent6">
+                      <a:satMod val="175000"/>
+                      <a:alpha val="40000"/>
+                    </a:schemeClr>
+                  </a:glow>
+                  <a:outerShdw blurRad="50800" dist="38100" dir="2700000" algn="tl" rotWithShape="0">
+                    <a:prstClr val="black">
+                      <a:alpha val="40000"/>
+                    </a:prstClr>
+                  </a:outerShdw>
+                </a:effectLst>
+              </a:endParaRPr>
+            </a:p>
+          </p:txBody>
+        </p:sp>
+        <p:pic>
+          <p:nvPicPr>
+            <p:cNvPr id="1029" name="Picture 5" descr="C:\Users\ediso\AppData\Local\Microsoft\Windows\INetCache\IE\8SOMCZ2D\save-icon-1257065_960_720[1].png"/>
+            <p:cNvPicPr preferRelativeResize="0">
+              <a:picLocks noChangeArrowheads="1"/>
+            </p:cNvPicPr>
+            <p:nvPr/>
+          </p:nvPicPr>
+          <p:blipFill>
+            <a:blip r:embed="rId4" cstate="print">
+              <a:clrChange>
+                <a:clrFrom>
+                  <a:srgbClr val="3771C8"/>
+                </a:clrFrom>
+                <a:clrTo>
+                  <a:srgbClr val="3771C8">
+                    <a:alpha val="0"/>
+                  </a:srgbClr>
+                </a:clrTo>
+              </a:clrChange>
+            </a:blip>
+            <a:srcRect/>
+            <a:stretch>
+              <a:fillRect/>
+            </a:stretch>
+          </p:blipFill>
+          <p:spPr bwMode="auto">
+            <a:xfrm>
+              <a:off x="-900608" y="764704"/>
+              <a:ext cx="504000" cy="504000"/>
+            </a:xfrm>
+            <a:prstGeom prst="rect">
+              <a:avLst/>
+            </a:prstGeom>
+            <a:noFill/>
+          </p:spPr>
+        </p:pic>
+      </p:grpSp>
+      <p:sp>
+        <p:nvSpPr>
+          <p:cNvPr id="50" name="모서리가 둥근 직사각형 49"/>
+          <p:cNvSpPr/>
+          <p:nvPr/>
+        </p:nvSpPr>
+        <p:spPr>
+          <a:xfrm>
+            <a:off x="611560" y="1916832"/>
+            <a:ext cx="1152128" cy="396000"/>
+          </a:xfrm>
+          <a:prstGeom prst="roundRect">
+            <a:avLst/>
+          </a:prstGeom>
+          <a:solidFill>
+            <a:schemeClr val="accent5">
+              <a:lumMod val="60000"/>
+              <a:lumOff val="40000"/>
+            </a:schemeClr>
+          </a:solidFill>
+          <a:ln>
+            <a:solidFill>
+              <a:schemeClr val="accent1">
+                <a:lumMod val="20000"/>
+                <a:lumOff val="80000"/>
+              </a:schemeClr>
+            </a:solidFill>
+            <a:prstDash val="solid"/>
+          </a:ln>
+          <a:effectLst>
+            <a:glow rad="101600">
+              <a:schemeClr val="accent3">
+                <a:satMod val="175000"/>
+                <a:alpha val="40000"/>
+              </a:schemeClr>
+            </a:glow>
+          </a:effectLst>
+          <a:scene3d>
+            <a:camera prst="orthographicFront"/>
+            <a:lightRig rig="threePt" dir="t"/>
+          </a:scene3d>
+          <a:sp3d>
+            <a:bevelT w="114300" prst="artDeco"/>
+          </a:sp3d>
+        </p:spPr>
+        <p:style>
+          <a:lnRef idx="2">
+            <a:schemeClr val="accent1">
+              <a:shade val="50000"/>
+            </a:schemeClr>
+          </a:lnRef>
+          <a:fillRef idx="1">
+            <a:schemeClr val="accent1"/>
+          </a:fillRef>
+          <a:effectRef idx="0">
+            <a:schemeClr val="accent1"/>
+          </a:effectRef>
+          <a:fontRef idx="minor">
+            <a:schemeClr val="lt1"/>
+          </a:fontRef>
+        </p:style>
+        <p:txBody>
+          <a:bodyPr rtlCol="0" anchor="ctr"/>
+          <a:lstStyle/>
+          <a:p>
+            <a:pPr algn="ctr"/>
+            <a:r>
+              <a:rPr lang="ko-KR" altLang="en-US" sz="1200" b="1" spc="50" dirty="0" smtClean="0">
+                <a:ln w="13500">
+                  <a:solidFill>
+                    <a:schemeClr val="accent1">
+                      <a:shade val="2500"/>
+                      <a:alpha val="6500"/>
+                    </a:schemeClr>
+                  </a:solidFill>
+                  <a:prstDash val="solid"/>
+                </a:ln>
+                <a:solidFill>
+                  <a:schemeClr val="accent1">
+                    <a:lumMod val="50000"/>
+                  </a:schemeClr>
+                </a:solidFill>
+                <a:effectLst>
+                  <a:innerShdw blurRad="50900" dist="38500" dir="13500000">
+                    <a:srgbClr val="000000">
+                      <a:alpha val="60000"/>
+                    </a:srgbClr>
+                  </a:innerShdw>
+                </a:effectLst>
+              </a:rPr>
+              <a:t>현재상황</a:t>
+            </a:r>
+          </a:p>
+        </p:txBody>
+      </p:sp>
+      <p:sp>
+        <p:nvSpPr>
+          <p:cNvPr id="51" name="모서리가 둥근 직사각형 50"/>
+          <p:cNvSpPr/>
+          <p:nvPr/>
+        </p:nvSpPr>
+        <p:spPr>
+          <a:xfrm>
+            <a:off x="611560" y="2420888"/>
+            <a:ext cx="1152128" cy="396000"/>
+          </a:xfrm>
+          <a:prstGeom prst="roundRect">
+            <a:avLst/>
+          </a:prstGeom>
+          <a:solidFill>
+            <a:schemeClr val="accent5">
+              <a:lumMod val="60000"/>
+              <a:lumOff val="40000"/>
+            </a:schemeClr>
+          </a:solidFill>
+          <a:ln>
+            <a:solidFill>
+              <a:schemeClr val="accent1">
+                <a:lumMod val="20000"/>
+                <a:lumOff val="80000"/>
+              </a:schemeClr>
+            </a:solidFill>
+            <a:prstDash val="solid"/>
+          </a:ln>
+          <a:effectLst>
+            <a:glow rad="101600">
+              <a:schemeClr val="accent3">
+                <a:satMod val="175000"/>
+                <a:alpha val="40000"/>
+              </a:schemeClr>
+            </a:glow>
+          </a:effectLst>
+          <a:scene3d>
+            <a:camera prst="orthographicFront"/>
+            <a:lightRig rig="threePt" dir="t"/>
+          </a:scene3d>
+          <a:sp3d>
+            <a:bevelT w="114300" prst="artDeco"/>
+          </a:sp3d>
+        </p:spPr>
+        <p:style>
+          <a:lnRef idx="2">
+            <a:schemeClr val="accent1">
+              <a:shade val="50000"/>
+            </a:schemeClr>
+          </a:lnRef>
+          <a:fillRef idx="1">
+            <a:schemeClr val="accent1"/>
+          </a:fillRef>
+          <a:effectRef idx="0">
+            <a:schemeClr val="accent1"/>
+          </a:effectRef>
+          <a:fontRef idx="minor">
+            <a:schemeClr val="lt1"/>
+          </a:fontRef>
+        </p:style>
+        <p:txBody>
+          <a:bodyPr rtlCol="0" anchor="ctr"/>
+          <a:lstStyle/>
+          <a:p>
+            <a:pPr algn="ctr"/>
+            <a:r>
+              <a:rPr lang="ko-KR" altLang="en-US" sz="1200" b="1" spc="50" dirty="0" smtClean="0">
+                <a:ln w="13500">
+                  <a:solidFill>
+                    <a:schemeClr val="accent1">
+                      <a:shade val="2500"/>
+                      <a:alpha val="6500"/>
+                    </a:schemeClr>
+                  </a:solidFill>
+                  <a:prstDash val="solid"/>
+                </a:ln>
+                <a:solidFill>
+                  <a:schemeClr val="accent1">
+                    <a:lumMod val="50000"/>
+                  </a:schemeClr>
+                </a:solidFill>
+                <a:effectLst>
+                  <a:innerShdw blurRad="50900" dist="38500" dir="13500000">
+                    <a:srgbClr val="000000">
+                      <a:alpha val="60000"/>
+                    </a:srgbClr>
+                  </a:innerShdw>
+                </a:effectLst>
+              </a:rPr>
+              <a:t>인수 </a:t>
+            </a:r>
+            <a:r>
+              <a:rPr lang="en-US" altLang="ko-KR" sz="1200" b="1" spc="50" dirty="0" smtClean="0">
+                <a:ln w="13500">
+                  <a:solidFill>
+                    <a:schemeClr val="accent1">
+                      <a:shade val="2500"/>
+                      <a:alpha val="6500"/>
+                    </a:schemeClr>
+                  </a:solidFill>
+                  <a:prstDash val="solid"/>
+                </a:ln>
+                <a:solidFill>
+                  <a:schemeClr val="accent1">
+                    <a:lumMod val="50000"/>
+                  </a:schemeClr>
+                </a:solidFill>
+                <a:effectLst>
+                  <a:innerShdw blurRad="50900" dist="38500" dir="13500000">
+                    <a:srgbClr val="000000">
+                      <a:alpha val="60000"/>
+                    </a:srgbClr>
+                  </a:innerShdw>
+                </a:effectLst>
+              </a:rPr>
+              <a:t>/ </a:t>
+            </a:r>
+            <a:r>
+              <a:rPr lang="ko-KR" altLang="en-US" sz="1200" b="1" spc="50" dirty="0" smtClean="0">
+                <a:ln w="13500">
+                  <a:solidFill>
+                    <a:schemeClr val="accent1">
+                      <a:shade val="2500"/>
+                      <a:alpha val="6500"/>
+                    </a:schemeClr>
+                  </a:solidFill>
+                  <a:prstDash val="solid"/>
+                </a:ln>
+                <a:solidFill>
+                  <a:schemeClr val="accent1">
+                    <a:lumMod val="50000"/>
+                  </a:schemeClr>
+                </a:solidFill>
+                <a:effectLst>
+                  <a:innerShdw blurRad="50900" dist="38500" dir="13500000">
+                    <a:srgbClr val="000000">
+                      <a:alpha val="60000"/>
+                    </a:srgbClr>
+                  </a:innerShdw>
+                </a:effectLst>
+              </a:rPr>
+              <a:t>매각</a:t>
+            </a:r>
+          </a:p>
+        </p:txBody>
+      </p:sp>
+      <p:sp>
+        <p:nvSpPr>
+          <p:cNvPr id="52" name="모서리가 둥근 직사각형 51"/>
+          <p:cNvSpPr/>
+          <p:nvPr/>
+        </p:nvSpPr>
+        <p:spPr>
+          <a:xfrm>
+            <a:off x="611560" y="2924944"/>
+            <a:ext cx="1152128" cy="396000"/>
+          </a:xfrm>
+          <a:prstGeom prst="roundRect">
+            <a:avLst/>
+          </a:prstGeom>
+          <a:solidFill>
+            <a:schemeClr val="accent5">
+              <a:lumMod val="60000"/>
+              <a:lumOff val="40000"/>
+            </a:schemeClr>
+          </a:solidFill>
+          <a:ln>
+            <a:solidFill>
+              <a:schemeClr val="accent1">
+                <a:lumMod val="20000"/>
+                <a:lumOff val="80000"/>
+              </a:schemeClr>
+            </a:solidFill>
+            <a:prstDash val="solid"/>
+          </a:ln>
+          <a:effectLst>
+            <a:glow rad="101600">
+              <a:schemeClr val="accent3">
+                <a:satMod val="175000"/>
+                <a:alpha val="40000"/>
+              </a:schemeClr>
+            </a:glow>
+          </a:effectLst>
+          <a:scene3d>
+            <a:camera prst="orthographicFront"/>
+            <a:lightRig rig="threePt" dir="t"/>
+          </a:scene3d>
+          <a:sp3d>
+            <a:bevelT w="114300" prst="artDeco"/>
+          </a:sp3d>
+        </p:spPr>
+        <p:style>
+          <a:lnRef idx="2">
+            <a:schemeClr val="accent1">
+              <a:shade val="50000"/>
+            </a:schemeClr>
+          </a:lnRef>
+          <a:fillRef idx="1">
+            <a:schemeClr val="accent1"/>
+          </a:fillRef>
+          <a:effectRef idx="0">
+            <a:schemeClr val="accent1"/>
+          </a:effectRef>
+          <a:fontRef idx="minor">
+            <a:schemeClr val="lt1"/>
+          </a:fontRef>
+        </p:style>
+        <p:txBody>
+          <a:bodyPr rtlCol="0" anchor="ctr"/>
+          <a:lstStyle/>
+          <a:p>
+            <a:pPr algn="ctr"/>
+            <a:r>
+              <a:rPr lang="ko-KR" altLang="en-US" sz="1200" b="1" spc="50" dirty="0" smtClean="0">
+                <a:ln w="13500">
+                  <a:solidFill>
+                    <a:schemeClr val="accent1">
+                      <a:shade val="2500"/>
+                      <a:alpha val="6500"/>
+                    </a:schemeClr>
+                  </a:solidFill>
+                  <a:prstDash val="solid"/>
+                </a:ln>
+                <a:solidFill>
+                  <a:schemeClr val="accent1">
+                    <a:lumMod val="50000"/>
+                  </a:schemeClr>
+                </a:solidFill>
+                <a:effectLst>
+                  <a:innerShdw blurRad="50900" dist="38500" dir="13500000">
+                    <a:srgbClr val="000000">
+                      <a:alpha val="60000"/>
+                    </a:srgbClr>
+                  </a:innerShdw>
+                </a:effectLst>
+              </a:rPr>
+              <a:t>재정 관리</a:t>
+            </a:r>
+          </a:p>
+        </p:txBody>
+      </p:sp>
+      <p:sp>
+        <p:nvSpPr>
+          <p:cNvPr id="53" name="모서리가 둥근 직사각형 52"/>
+          <p:cNvSpPr/>
+          <p:nvPr/>
+        </p:nvSpPr>
+        <p:spPr>
+          <a:xfrm>
+            <a:off x="611560" y="3429000"/>
+            <a:ext cx="1152128" cy="396000"/>
+          </a:xfrm>
+          <a:prstGeom prst="roundRect">
+            <a:avLst/>
+          </a:prstGeom>
+          <a:solidFill>
+            <a:schemeClr val="accent5">
+              <a:lumMod val="60000"/>
+              <a:lumOff val="40000"/>
+            </a:schemeClr>
+          </a:solidFill>
+          <a:ln>
+            <a:solidFill>
+              <a:schemeClr val="accent1">
+                <a:lumMod val="20000"/>
+                <a:lumOff val="80000"/>
+              </a:schemeClr>
+            </a:solidFill>
+            <a:prstDash val="solid"/>
+          </a:ln>
+          <a:effectLst>
+            <a:glow rad="101600">
+              <a:schemeClr val="accent3">
+                <a:satMod val="175000"/>
+                <a:alpha val="40000"/>
+              </a:schemeClr>
+            </a:glow>
+          </a:effectLst>
+          <a:scene3d>
+            <a:camera prst="orthographicFront"/>
+            <a:lightRig rig="threePt" dir="t"/>
+          </a:scene3d>
+          <a:sp3d>
+            <a:bevelT w="114300" prst="artDeco"/>
+          </a:sp3d>
+        </p:spPr>
+        <p:style>
+          <a:lnRef idx="2">
+            <a:schemeClr val="accent1">
+              <a:shade val="50000"/>
+            </a:schemeClr>
+          </a:lnRef>
+          <a:fillRef idx="1">
+            <a:schemeClr val="accent1"/>
+          </a:fillRef>
+          <a:effectRef idx="0">
+            <a:schemeClr val="accent1"/>
+          </a:effectRef>
+          <a:fontRef idx="minor">
+            <a:schemeClr val="lt1"/>
+          </a:fontRef>
+        </p:style>
+        <p:txBody>
+          <a:bodyPr rtlCol="0" anchor="ctr"/>
+          <a:lstStyle/>
+          <a:p>
+            <a:pPr algn="ctr"/>
+            <a:r>
+              <a:rPr lang="ko-KR" altLang="en-US" sz="1200" b="1" spc="50" dirty="0" smtClean="0">
+                <a:ln w="13500">
+                  <a:solidFill>
+                    <a:schemeClr val="accent1">
+                      <a:shade val="2500"/>
+                      <a:alpha val="6500"/>
+                    </a:schemeClr>
+                  </a:solidFill>
+                  <a:prstDash val="solid"/>
+                </a:ln>
+                <a:solidFill>
+                  <a:schemeClr val="accent1">
+                    <a:lumMod val="50000"/>
+                  </a:schemeClr>
+                </a:solidFill>
+                <a:effectLst>
+                  <a:innerShdw blurRad="50900" dist="38500" dir="13500000">
+                    <a:srgbClr val="000000">
+                      <a:alpha val="60000"/>
+                    </a:srgbClr>
+                  </a:innerShdw>
+                </a:effectLst>
+              </a:rPr>
+              <a:t>팀 선수단 </a:t>
+            </a:r>
+          </a:p>
+        </p:txBody>
+      </p:sp>
+      <p:sp>
+        <p:nvSpPr>
+          <p:cNvPr id="54" name="모서리가 둥근 직사각형 53"/>
+          <p:cNvSpPr/>
+          <p:nvPr/>
+        </p:nvSpPr>
+        <p:spPr>
+          <a:xfrm>
+            <a:off x="611560" y="3933056"/>
+            <a:ext cx="1152128" cy="396000"/>
+          </a:xfrm>
+          <a:prstGeom prst="roundRect">
+            <a:avLst/>
+          </a:prstGeom>
+          <a:solidFill>
+            <a:schemeClr val="accent5">
+              <a:lumMod val="60000"/>
+              <a:lumOff val="40000"/>
+            </a:schemeClr>
+          </a:solidFill>
+          <a:ln>
+            <a:solidFill>
+              <a:schemeClr val="accent1">
+                <a:lumMod val="20000"/>
+                <a:lumOff val="80000"/>
+              </a:schemeClr>
+            </a:solidFill>
+            <a:prstDash val="solid"/>
+          </a:ln>
+          <a:effectLst>
+            <a:glow rad="101600">
+              <a:schemeClr val="accent3">
+                <a:satMod val="175000"/>
+                <a:alpha val="40000"/>
+              </a:schemeClr>
+            </a:glow>
+          </a:effectLst>
+          <a:scene3d>
+            <a:camera prst="orthographicFront"/>
+            <a:lightRig rig="threePt" dir="t"/>
+          </a:scene3d>
+          <a:sp3d>
+            <a:bevelT w="114300" prst="artDeco"/>
+          </a:sp3d>
+        </p:spPr>
+        <p:style>
+          <a:lnRef idx="2">
+            <a:schemeClr val="accent1">
+              <a:shade val="50000"/>
+            </a:schemeClr>
+          </a:lnRef>
+          <a:fillRef idx="1">
+            <a:schemeClr val="accent1"/>
+          </a:fillRef>
+          <a:effectRef idx="0">
+            <a:schemeClr val="accent1"/>
+          </a:effectRef>
+          <a:fontRef idx="minor">
+            <a:schemeClr val="lt1"/>
+          </a:fontRef>
+        </p:style>
+        <p:txBody>
+          <a:bodyPr rtlCol="0" anchor="ctr"/>
+          <a:lstStyle/>
+          <a:p>
+            <a:pPr algn="ctr"/>
+            <a:r>
+              <a:rPr lang="ko-KR" altLang="en-US" sz="1200" b="1" spc="50" dirty="0" smtClean="0">
+                <a:ln w="13500">
+                  <a:solidFill>
+                    <a:schemeClr val="accent1">
+                      <a:shade val="2500"/>
+                      <a:alpha val="6500"/>
+                    </a:schemeClr>
+                  </a:solidFill>
+                  <a:prstDash val="solid"/>
+                </a:ln>
+                <a:solidFill>
+                  <a:schemeClr val="accent1">
+                    <a:lumMod val="50000"/>
+                  </a:schemeClr>
+                </a:solidFill>
+                <a:effectLst>
+                  <a:innerShdw blurRad="50900" dist="38500" dir="13500000">
+                    <a:srgbClr val="000000">
+                      <a:alpha val="60000"/>
+                    </a:srgbClr>
+                  </a:innerShdw>
+                </a:effectLst>
+              </a:rPr>
+              <a:t>팀 </a:t>
+            </a:r>
+            <a:r>
+              <a:rPr lang="ko-KR" altLang="en-US" sz="1200" b="1" spc="50" dirty="0" err="1" smtClean="0">
+                <a:ln w="13500">
+                  <a:solidFill>
+                    <a:schemeClr val="accent1">
+                      <a:shade val="2500"/>
+                      <a:alpha val="6500"/>
+                    </a:schemeClr>
+                  </a:solidFill>
+                  <a:prstDash val="solid"/>
+                </a:ln>
+                <a:solidFill>
+                  <a:schemeClr val="accent1">
+                    <a:lumMod val="50000"/>
+                  </a:schemeClr>
+                </a:solidFill>
+                <a:effectLst>
+                  <a:innerShdw blurRad="50900" dist="38500" dir="13500000">
+                    <a:srgbClr val="000000">
+                      <a:alpha val="60000"/>
+                    </a:srgbClr>
+                  </a:innerShdw>
+                </a:effectLst>
+              </a:rPr>
+              <a:t>코치단</a:t>
+            </a:r>
+            <a:endParaRPr lang="ko-KR" altLang="en-US" sz="1200" b="1" spc="50" dirty="0" smtClean="0">
+              <a:ln w="13500">
+                <a:solidFill>
+                  <a:schemeClr val="accent1">
+                    <a:shade val="2500"/>
+                    <a:alpha val="6500"/>
+                  </a:schemeClr>
+                </a:solidFill>
+                <a:prstDash val="solid"/>
+              </a:ln>
+              <a:solidFill>
+                <a:schemeClr val="accent1">
+                  <a:lumMod val="50000"/>
+                </a:schemeClr>
+              </a:solidFill>
+              <a:effectLst>
+                <a:innerShdw blurRad="50900" dist="38500" dir="13500000">
+                  <a:srgbClr val="000000">
+                    <a:alpha val="60000"/>
+                  </a:srgbClr>
+                </a:innerShdw>
+              </a:effectLst>
+            </a:endParaRPr>
+          </a:p>
+        </p:txBody>
+      </p:sp>
+      <p:sp>
+        <p:nvSpPr>
+          <p:cNvPr id="55" name="모서리가 둥근 직사각형 54"/>
+          <p:cNvSpPr/>
+          <p:nvPr/>
+        </p:nvSpPr>
+        <p:spPr>
+          <a:xfrm>
+            <a:off x="611560" y="4437112"/>
+            <a:ext cx="1152128" cy="396000"/>
+          </a:xfrm>
+          <a:prstGeom prst="roundRect">
+            <a:avLst/>
+          </a:prstGeom>
+          <a:solidFill>
+            <a:schemeClr val="accent5">
+              <a:lumMod val="60000"/>
+              <a:lumOff val="40000"/>
+            </a:schemeClr>
+          </a:solidFill>
+          <a:ln>
+            <a:solidFill>
+              <a:schemeClr val="accent1">
+                <a:lumMod val="20000"/>
+                <a:lumOff val="80000"/>
+              </a:schemeClr>
+            </a:solidFill>
+            <a:prstDash val="solid"/>
+          </a:ln>
+          <a:effectLst>
+            <a:glow rad="101600">
+              <a:schemeClr val="accent3">
+                <a:satMod val="175000"/>
+                <a:alpha val="40000"/>
+              </a:schemeClr>
+            </a:glow>
+          </a:effectLst>
+          <a:scene3d>
+            <a:camera prst="orthographicFront"/>
+            <a:lightRig rig="threePt" dir="t"/>
+          </a:scene3d>
+          <a:sp3d>
+            <a:bevelT w="114300" prst="artDeco"/>
+          </a:sp3d>
+        </p:spPr>
+        <p:style>
+          <a:lnRef idx="2">
+            <a:schemeClr val="accent1">
+              <a:shade val="50000"/>
+            </a:schemeClr>
+          </a:lnRef>
+          <a:fillRef idx="1">
+            <a:schemeClr val="accent1"/>
+          </a:fillRef>
+          <a:effectRef idx="0">
+            <a:schemeClr val="accent1"/>
+          </a:effectRef>
+          <a:fontRef idx="minor">
+            <a:schemeClr val="lt1"/>
+          </a:fontRef>
+        </p:style>
+        <p:txBody>
+          <a:bodyPr rtlCol="0" anchor="ctr"/>
+          <a:lstStyle/>
+          <a:p>
+            <a:pPr algn="ctr"/>
+            <a:r>
+              <a:rPr lang="ko-KR" altLang="en-US" sz="1200" b="1" spc="50" dirty="0" smtClean="0">
+                <a:ln w="13500">
+                  <a:solidFill>
+                    <a:schemeClr val="accent1">
+                      <a:shade val="2500"/>
+                      <a:alpha val="6500"/>
+                    </a:schemeClr>
+                  </a:solidFill>
+                  <a:prstDash val="solid"/>
+                </a:ln>
+                <a:solidFill>
+                  <a:schemeClr val="accent1">
+                    <a:lumMod val="50000"/>
+                  </a:schemeClr>
+                </a:solidFill>
+                <a:effectLst>
+                  <a:innerShdw blurRad="50900" dist="38500" dir="13500000">
+                    <a:srgbClr val="000000">
+                      <a:alpha val="60000"/>
+                    </a:srgbClr>
+                  </a:innerShdw>
+                </a:effectLst>
+              </a:rPr>
+              <a:t>팀 직원</a:t>
+            </a:r>
+          </a:p>
+        </p:txBody>
+      </p:sp>
+      <p:sp>
+        <p:nvSpPr>
+          <p:cNvPr id="56" name="모서리가 둥근 직사각형 55"/>
+          <p:cNvSpPr/>
+          <p:nvPr/>
+        </p:nvSpPr>
+        <p:spPr>
+          <a:xfrm>
+            <a:off x="611560" y="4941168"/>
+            <a:ext cx="1152128" cy="396000"/>
+          </a:xfrm>
+          <a:prstGeom prst="roundRect">
+            <a:avLst/>
+          </a:prstGeom>
+          <a:solidFill>
+            <a:schemeClr val="accent5">
+              <a:lumMod val="60000"/>
+              <a:lumOff val="40000"/>
+            </a:schemeClr>
+          </a:solidFill>
+          <a:ln>
+            <a:solidFill>
+              <a:schemeClr val="accent1">
+                <a:lumMod val="20000"/>
+                <a:lumOff val="80000"/>
+              </a:schemeClr>
+            </a:solidFill>
+            <a:prstDash val="solid"/>
+          </a:ln>
+          <a:effectLst>
+            <a:glow rad="101600">
+              <a:schemeClr val="accent3">
+                <a:satMod val="175000"/>
+                <a:alpha val="40000"/>
+              </a:schemeClr>
+            </a:glow>
+          </a:effectLst>
+          <a:scene3d>
+            <a:camera prst="orthographicFront"/>
+            <a:lightRig rig="threePt" dir="t"/>
+          </a:scene3d>
+          <a:sp3d>
+            <a:bevelT w="114300" prst="artDeco"/>
+          </a:sp3d>
+        </p:spPr>
+        <p:style>
+          <a:lnRef idx="2">
+            <a:schemeClr val="accent1">
+              <a:shade val="50000"/>
+            </a:schemeClr>
+          </a:lnRef>
+          <a:fillRef idx="1">
+            <a:schemeClr val="accent1"/>
+          </a:fillRef>
+          <a:effectRef idx="0">
+            <a:schemeClr val="accent1"/>
+          </a:effectRef>
+          <a:fontRef idx="minor">
+            <a:schemeClr val="lt1"/>
+          </a:fontRef>
+        </p:style>
+        <p:txBody>
+          <a:bodyPr rtlCol="0" anchor="ctr"/>
+          <a:lstStyle/>
+          <a:p>
+            <a:pPr algn="ctr"/>
+            <a:r>
+              <a:rPr lang="ko-KR" altLang="en-US" sz="1200" b="1" spc="50" dirty="0" smtClean="0">
+                <a:ln w="13500">
+                  <a:solidFill>
+                    <a:schemeClr val="accent1">
+                      <a:shade val="2500"/>
+                      <a:alpha val="6500"/>
+                    </a:schemeClr>
+                  </a:solidFill>
+                  <a:prstDash val="solid"/>
+                </a:ln>
+                <a:solidFill>
+                  <a:schemeClr val="accent1">
+                    <a:lumMod val="50000"/>
+                  </a:schemeClr>
+                </a:solidFill>
+                <a:effectLst>
+                  <a:innerShdw blurRad="50900" dist="38500" dir="13500000">
+                    <a:srgbClr val="000000">
+                      <a:alpha val="60000"/>
+                    </a:srgbClr>
+                  </a:innerShdw>
+                </a:effectLst>
+              </a:rPr>
+              <a:t>스폰서</a:t>
+            </a:r>
+          </a:p>
+        </p:txBody>
+      </p:sp>
+      <p:sp>
+        <p:nvSpPr>
+          <p:cNvPr id="57" name="모서리가 둥근 직사각형 56"/>
+          <p:cNvSpPr/>
+          <p:nvPr/>
+        </p:nvSpPr>
+        <p:spPr>
+          <a:xfrm>
+            <a:off x="611560" y="5445224"/>
+            <a:ext cx="1152128" cy="396000"/>
+          </a:xfrm>
+          <a:prstGeom prst="roundRect">
+            <a:avLst/>
+          </a:prstGeom>
+          <a:solidFill>
+            <a:schemeClr val="accent5">
+              <a:lumMod val="60000"/>
+              <a:lumOff val="40000"/>
+            </a:schemeClr>
+          </a:solidFill>
+          <a:ln>
+            <a:solidFill>
+              <a:schemeClr val="accent1">
+                <a:lumMod val="20000"/>
+                <a:lumOff val="80000"/>
+              </a:schemeClr>
+            </a:solidFill>
+            <a:prstDash val="solid"/>
+          </a:ln>
+          <a:effectLst>
+            <a:glow rad="101600">
+              <a:schemeClr val="accent3">
+                <a:satMod val="175000"/>
+                <a:alpha val="40000"/>
+              </a:schemeClr>
+            </a:glow>
+          </a:effectLst>
+          <a:scene3d>
+            <a:camera prst="orthographicFront"/>
+            <a:lightRig rig="threePt" dir="t"/>
+          </a:scene3d>
+          <a:sp3d>
+            <a:bevelT w="114300" prst="artDeco"/>
+          </a:sp3d>
+        </p:spPr>
+        <p:style>
+          <a:lnRef idx="2">
+            <a:schemeClr val="accent1">
+              <a:shade val="50000"/>
+            </a:schemeClr>
+          </a:lnRef>
+          <a:fillRef idx="1">
+            <a:schemeClr val="accent1"/>
+          </a:fillRef>
+          <a:effectRef idx="0">
+            <a:schemeClr val="accent1"/>
+          </a:effectRef>
+          <a:fontRef idx="minor">
+            <a:schemeClr val="lt1"/>
+          </a:fontRef>
+        </p:style>
+        <p:txBody>
+          <a:bodyPr rtlCol="0" anchor="ctr"/>
+          <a:lstStyle/>
+          <a:p>
+            <a:pPr algn="ctr"/>
+            <a:r>
+              <a:rPr lang="ko-KR" altLang="en-US" sz="1200" b="1" spc="50" dirty="0" smtClean="0">
+                <a:ln w="13500">
+                  <a:solidFill>
+                    <a:schemeClr val="accent1">
+                      <a:shade val="2500"/>
+                      <a:alpha val="6500"/>
+                    </a:schemeClr>
+                  </a:solidFill>
+                  <a:prstDash val="solid"/>
+                </a:ln>
+                <a:solidFill>
+                  <a:schemeClr val="accent1">
+                    <a:lumMod val="50000"/>
+                  </a:schemeClr>
+                </a:solidFill>
+                <a:effectLst>
+                  <a:innerShdw blurRad="50900" dist="38500" dir="13500000">
+                    <a:srgbClr val="000000">
+                      <a:alpha val="60000"/>
+                    </a:srgbClr>
+                  </a:innerShdw>
+                </a:effectLst>
+              </a:rPr>
+              <a:t>행동하기</a:t>
+            </a:r>
+          </a:p>
+        </p:txBody>
+      </p:sp>
+      <p:grpSp>
+        <p:nvGrpSpPr>
+          <p:cNvPr id="10" name="그룹 28"/>
+          <p:cNvGrpSpPr/>
+          <p:nvPr/>
+        </p:nvGrpSpPr>
+        <p:grpSpPr>
+          <a:xfrm>
+            <a:off x="8172400" y="620688"/>
+            <a:ext cx="648072" cy="648072"/>
+            <a:chOff x="-972616" y="1916832"/>
+            <a:chExt cx="504000" cy="504000"/>
+          </a:xfrm>
+        </p:grpSpPr>
+        <p:sp>
+          <p:nvSpPr>
+            <p:cNvPr id="27" name="직사각형 26"/>
+            <p:cNvSpPr/>
+            <p:nvPr/>
+          </p:nvSpPr>
+          <p:spPr>
+            <a:xfrm>
+              <a:off x="-972616" y="1916832"/>
+              <a:ext cx="504000" cy="504000"/>
+            </a:xfrm>
+            <a:prstGeom prst="rect">
+              <a:avLst/>
+            </a:prstGeom>
+            <a:solidFill>
+              <a:schemeClr val="accent4">
+                <a:lumMod val="60000"/>
+                <a:lumOff val="40000"/>
+              </a:schemeClr>
+            </a:solidFill>
+            <a:ln>
+              <a:solidFill>
+                <a:schemeClr val="accent1">
+                  <a:lumMod val="20000"/>
+                  <a:lumOff val="80000"/>
+                </a:schemeClr>
+              </a:solidFill>
+              <a:prstDash val="solid"/>
+            </a:ln>
+            <a:effectLst>
+              <a:outerShdw blurRad="63500" sx="102000" sy="102000" algn="ctr" rotWithShape="0">
+                <a:prstClr val="black">
+                  <a:alpha val="40000"/>
+                </a:prstClr>
+              </a:outerShdw>
+            </a:effectLst>
+            <a:scene3d>
+              <a:camera prst="orthographicFront"/>
+              <a:lightRig rig="threePt" dir="t"/>
+            </a:scene3d>
+            <a:sp3d>
+              <a:bevelT prst="slope"/>
+            </a:sp3d>
+          </p:spPr>
+          <p:style>
+            <a:lnRef idx="2">
+              <a:schemeClr val="accent1">
+                <a:shade val="50000"/>
+              </a:schemeClr>
+            </a:lnRef>
+            <a:fillRef idx="1">
+              <a:schemeClr val="accent1"/>
+            </a:fillRef>
+            <a:effectRef idx="0">
+              <a:schemeClr val="accent1"/>
+            </a:effectRef>
+            <a:fontRef idx="minor">
+              <a:schemeClr val="lt1"/>
+            </a:fontRef>
+          </p:style>
+          <p:txBody>
+            <a:bodyPr rtlCol="0" anchor="ctr">
+              <a:scene3d>
+                <a:camera prst="orthographicFront"/>
+                <a:lightRig rig="soft" dir="tl">
+                  <a:rot lat="0" lon="0" rev="0"/>
+                </a:lightRig>
+              </a:scene3d>
+              <a:sp3d contourW="25400" prstMaterial="matte">
+                <a:contourClr>
+                  <a:schemeClr val="accent2">
+                    <a:tint val="20000"/>
+                  </a:schemeClr>
+                </a:contourClr>
+              </a:sp3d>
+            </a:bodyPr>
+            <a:lstStyle/>
+            <a:p>
+              <a:pPr algn="ctr"/>
+              <a:endParaRPr lang="ko-KR" altLang="en-US" b="1" spc="50" dirty="0" smtClean="0">
+                <a:ln w="11430">
+                  <a:solidFill>
+                    <a:srgbClr val="00B050"/>
+                  </a:solidFill>
+                </a:ln>
+                <a:solidFill>
+                  <a:srgbClr val="00B050"/>
+                </a:solidFill>
+                <a:effectLst>
+                  <a:glow rad="228600">
+                    <a:schemeClr val="accent6">
+                      <a:satMod val="175000"/>
+                      <a:alpha val="40000"/>
+                    </a:schemeClr>
+                  </a:glow>
+                  <a:outerShdw blurRad="50800" dist="38100" dir="2700000" algn="tl" rotWithShape="0">
+                    <a:prstClr val="black">
+                      <a:alpha val="40000"/>
+                    </a:prstClr>
+                  </a:outerShdw>
+                </a:effectLst>
+              </a:endParaRPr>
+            </a:p>
+          </p:txBody>
+        </p:sp>
+        <p:pic>
+          <p:nvPicPr>
+            <p:cNvPr id="1026" name="Picture 2" descr="C:\Users\ediso\AppData\Local\Microsoft\Windows\INetCache\IE\Y7GHTHUT\arrow-1314470_640[1].png"/>
+            <p:cNvPicPr>
+              <a:picLocks noChangeAspect="1" noChangeArrowheads="1"/>
+            </p:cNvPicPr>
+            <p:nvPr/>
+          </p:nvPicPr>
+          <p:blipFill>
+            <a:blip r:embed="rId5" cstate="print"/>
+            <a:srcRect/>
+            <a:stretch>
+              <a:fillRect/>
+            </a:stretch>
+          </p:blipFill>
+          <p:spPr bwMode="auto">
+            <a:xfrm>
+              <a:off x="-900568" y="1988880"/>
+              <a:ext cx="360000" cy="360000"/>
+            </a:xfrm>
+            <a:prstGeom prst="rect">
+              <a:avLst/>
+            </a:prstGeom>
+            <a:noFill/>
+          </p:spPr>
+        </p:pic>
+      </p:grpSp>
+      <p:sp>
+        <p:nvSpPr>
+          <p:cNvPr id="28" name="직사각형 27"/>
+          <p:cNvSpPr/>
+          <p:nvPr/>
+        </p:nvSpPr>
+        <p:spPr>
+          <a:xfrm>
+            <a:off x="1907704" y="692696"/>
+            <a:ext cx="6048672" cy="504056"/>
+          </a:xfrm>
+          <a:prstGeom prst="rect">
+            <a:avLst/>
+          </a:prstGeom>
+          <a:solidFill>
+            <a:schemeClr val="accent1">
+              <a:lumMod val="40000"/>
+              <a:lumOff val="60000"/>
+            </a:schemeClr>
+          </a:solidFill>
+          <a:ln>
+            <a:solidFill>
+              <a:schemeClr val="accent3">
+                <a:lumMod val="60000"/>
+                <a:lumOff val="40000"/>
+              </a:schemeClr>
+            </a:solidFill>
+            <a:prstDash val="solid"/>
+          </a:ln>
+          <a:effectLst/>
+          <a:scene3d>
+            <a:camera prst="orthographicFront"/>
+            <a:lightRig rig="threePt" dir="t"/>
+          </a:scene3d>
+          <a:sp3d>
+            <a:bevelT/>
+          </a:sp3d>
+        </p:spPr>
+        <p:style>
+          <a:lnRef idx="2">
+            <a:schemeClr val="accent1">
+              <a:shade val="50000"/>
+            </a:schemeClr>
+          </a:lnRef>
+          <a:fillRef idx="1">
+            <a:schemeClr val="accent1"/>
+          </a:fillRef>
+          <a:effectRef idx="0">
+            <a:schemeClr val="accent1"/>
+          </a:effectRef>
+          <a:fontRef idx="minor">
+            <a:schemeClr val="lt1"/>
+          </a:fontRef>
+        </p:style>
+        <p:txBody>
+          <a:bodyPr rtlCol="0" anchor="ctr">
+            <a:scene3d>
+              <a:camera prst="orthographicFront"/>
+              <a:lightRig rig="flat" dir="tl">
+                <a:rot lat="0" lon="0" rev="6600000"/>
+              </a:lightRig>
+            </a:scene3d>
+            <a:sp3d extrusionH="25400" contourW="8890">
+              <a:bevelT w="38100" h="31750"/>
+              <a:contourClr>
+                <a:schemeClr val="accent2">
+                  <a:shade val="75000"/>
+                </a:schemeClr>
+              </a:contourClr>
+            </a:sp3d>
+          </a:bodyPr>
+          <a:lstStyle/>
+          <a:p>
+            <a:pPr algn="ctr"/>
+            <a:r>
+              <a:rPr lang="ko-KR" altLang="en-US" b="1" dirty="0" smtClean="0">
+                <a:ln w="11430"/>
+                <a:solidFill>
+                  <a:schemeClr val="accent6">
+                    <a:lumMod val="40000"/>
+                    <a:lumOff val="60000"/>
+                  </a:schemeClr>
+                </a:solidFill>
+                <a:effectLst>
+                  <a:glow rad="139700">
+                    <a:schemeClr val="accent5">
+                      <a:satMod val="175000"/>
+                      <a:alpha val="40000"/>
+                    </a:schemeClr>
+                  </a:glow>
+                  <a:outerShdw blurRad="50800" dist="39000" dir="5460000" algn="tl">
+                    <a:srgbClr val="000000">
+                      <a:alpha val="38000"/>
+                    </a:srgbClr>
+                  </a:outerShdw>
+                </a:effectLst>
+              </a:rPr>
+              <a:t>메시지 박스</a:t>
+            </a:r>
+            <a:endParaRPr lang="ko-KR" altLang="en-US" b="1" dirty="0" smtClean="0">
+              <a:ln w="11430"/>
+              <a:solidFill>
+                <a:schemeClr val="accent6">
+                  <a:lumMod val="40000"/>
+                  <a:lumOff val="60000"/>
+                </a:schemeClr>
+              </a:solidFill>
+              <a:effectLst>
+                <a:glow rad="139700">
+                  <a:schemeClr val="accent5">
+                    <a:satMod val="175000"/>
+                    <a:alpha val="40000"/>
+                  </a:schemeClr>
+                </a:glow>
+                <a:outerShdw blurRad="50800" dist="39000" dir="5460000" algn="tl">
+                  <a:srgbClr val="000000">
+                    <a:alpha val="38000"/>
+                  </a:srgbClr>
+                </a:outerShdw>
+              </a:effectLst>
+            </a:endParaRPr>
+          </a:p>
+        </p:txBody>
+      </p:sp>
+      <p:sp>
+        <p:nvSpPr>
+          <p:cNvPr id="41" name="직사각형 40"/>
+          <p:cNvSpPr/>
+          <p:nvPr/>
+        </p:nvSpPr>
+        <p:spPr>
+          <a:xfrm>
+            <a:off x="1907704" y="1412776"/>
+            <a:ext cx="1512168" cy="792088"/>
+          </a:xfrm>
+          <a:prstGeom prst="rect">
+            <a:avLst/>
+          </a:prstGeom>
+          <a:solidFill>
+            <a:schemeClr val="bg2">
+              <a:lumMod val="75000"/>
+            </a:schemeClr>
+          </a:solidFill>
+          <a:ln>
+            <a:solidFill>
+              <a:schemeClr val="bg1">
+                <a:lumMod val="50000"/>
+              </a:schemeClr>
+            </a:solidFill>
+            <a:prstDash val="solid"/>
+          </a:ln>
+          <a:effectLst/>
+          <a:scene3d>
+            <a:camera prst="orthographicFront"/>
+            <a:lightRig rig="threePt" dir="t"/>
+          </a:scene3d>
+          <a:sp3d>
+            <a:bevelT/>
+          </a:sp3d>
+        </p:spPr>
+        <p:style>
+          <a:lnRef idx="2">
+            <a:schemeClr val="accent1">
+              <a:shade val="50000"/>
+            </a:schemeClr>
+          </a:lnRef>
+          <a:fillRef idx="1">
+            <a:schemeClr val="accent1"/>
+          </a:fillRef>
+          <a:effectRef idx="0">
+            <a:schemeClr val="accent1"/>
+          </a:effectRef>
+          <a:fontRef idx="minor">
+            <a:schemeClr val="lt1"/>
+          </a:fontRef>
+        </p:style>
+        <p:txBody>
+          <a:bodyPr rtlCol="0" anchor="ctr">
+            <a:scene3d>
+              <a:camera prst="orthographicFront"/>
+              <a:lightRig rig="flat" dir="tl">
+                <a:rot lat="0" lon="0" rev="6600000"/>
+              </a:lightRig>
+            </a:scene3d>
+            <a:sp3d extrusionH="25400" contourW="8890">
+              <a:contourClr>
+                <a:schemeClr val="accent2">
+                  <a:shade val="75000"/>
+                </a:schemeClr>
+              </a:contourClr>
+            </a:sp3d>
+          </a:bodyPr>
+          <a:lstStyle/>
+          <a:p>
+            <a:pPr algn="ctr"/>
+            <a:endParaRPr lang="ko-KR" altLang="en-US" b="1" dirty="0" smtClean="0">
+              <a:ln w="11430"/>
+              <a:solidFill>
+                <a:schemeClr val="accent6">
+                  <a:lumMod val="40000"/>
+                  <a:lumOff val="60000"/>
+                </a:schemeClr>
+              </a:solidFill>
+              <a:effectLst>
+                <a:glow rad="228600">
+                  <a:schemeClr val="accent1">
+                    <a:satMod val="175000"/>
+                    <a:alpha val="40000"/>
+                  </a:schemeClr>
+                </a:glow>
+                <a:outerShdw blurRad="50800" dist="39000" dir="5460000" algn="tl">
+                  <a:srgbClr val="000000">
+                    <a:alpha val="38000"/>
+                  </a:srgbClr>
+                </a:outerShdw>
+              </a:effectLst>
+            </a:endParaRPr>
+          </a:p>
+        </p:txBody>
+      </p:sp>
+      <p:sp>
+        <p:nvSpPr>
+          <p:cNvPr id="43" name="직사각형 42"/>
+          <p:cNvSpPr/>
+          <p:nvPr/>
+        </p:nvSpPr>
+        <p:spPr>
+          <a:xfrm>
+            <a:off x="1907704" y="2348880"/>
+            <a:ext cx="1512168" cy="792088"/>
+          </a:xfrm>
+          <a:prstGeom prst="rect">
+            <a:avLst/>
+          </a:prstGeom>
+          <a:solidFill>
+            <a:schemeClr val="bg2">
+              <a:lumMod val="75000"/>
+            </a:schemeClr>
+          </a:solidFill>
+          <a:ln>
+            <a:solidFill>
+              <a:schemeClr val="bg1">
+                <a:lumMod val="50000"/>
+              </a:schemeClr>
+            </a:solidFill>
+            <a:prstDash val="solid"/>
+          </a:ln>
+          <a:effectLst/>
+          <a:scene3d>
+            <a:camera prst="orthographicFront"/>
+            <a:lightRig rig="threePt" dir="t"/>
+          </a:scene3d>
+          <a:sp3d>
+            <a:bevelT/>
+          </a:sp3d>
+        </p:spPr>
+        <p:style>
+          <a:lnRef idx="2">
+            <a:schemeClr val="accent1">
+              <a:shade val="50000"/>
+            </a:schemeClr>
+          </a:lnRef>
+          <a:fillRef idx="1">
+            <a:schemeClr val="accent1"/>
+          </a:fillRef>
+          <a:effectRef idx="0">
+            <a:schemeClr val="accent1"/>
+          </a:effectRef>
+          <a:fontRef idx="minor">
+            <a:schemeClr val="lt1"/>
+          </a:fontRef>
+        </p:style>
+        <p:txBody>
+          <a:bodyPr rtlCol="0" anchor="ctr">
+            <a:scene3d>
+              <a:camera prst="orthographicFront"/>
+              <a:lightRig rig="flat" dir="tl">
+                <a:rot lat="0" lon="0" rev="6600000"/>
+              </a:lightRig>
+            </a:scene3d>
+            <a:sp3d extrusionH="25400" contourW="8890">
+              <a:contourClr>
+                <a:schemeClr val="accent2">
+                  <a:shade val="75000"/>
+                </a:schemeClr>
+              </a:contourClr>
+            </a:sp3d>
+          </a:bodyPr>
+          <a:lstStyle/>
+          <a:p>
+            <a:pPr algn="ctr"/>
+            <a:endParaRPr lang="ko-KR" altLang="en-US" b="1" dirty="0" smtClean="0">
+              <a:ln w="11430"/>
+              <a:solidFill>
+                <a:schemeClr val="accent6">
+                  <a:lumMod val="40000"/>
+                  <a:lumOff val="60000"/>
+                </a:schemeClr>
+              </a:solidFill>
+              <a:effectLst>
+                <a:glow rad="228600">
+                  <a:schemeClr val="accent1">
+                    <a:satMod val="175000"/>
+                    <a:alpha val="40000"/>
+                  </a:schemeClr>
+                </a:glow>
+                <a:outerShdw blurRad="50800" dist="39000" dir="5460000" algn="tl">
+                  <a:srgbClr val="000000">
+                    <a:alpha val="38000"/>
+                  </a:srgbClr>
+                </a:outerShdw>
+              </a:effectLst>
+            </a:endParaRPr>
+          </a:p>
+        </p:txBody>
+      </p:sp>
+      <p:sp>
+        <p:nvSpPr>
+          <p:cNvPr id="44" name="직사각형 43"/>
+          <p:cNvSpPr/>
+          <p:nvPr/>
+        </p:nvSpPr>
+        <p:spPr>
+          <a:xfrm>
+            <a:off x="1907704" y="3284984"/>
+            <a:ext cx="1512168" cy="792088"/>
+          </a:xfrm>
+          <a:prstGeom prst="rect">
+            <a:avLst/>
+          </a:prstGeom>
+          <a:solidFill>
+            <a:schemeClr val="bg2">
+              <a:lumMod val="75000"/>
+            </a:schemeClr>
+          </a:solidFill>
+          <a:ln>
+            <a:solidFill>
+              <a:schemeClr val="bg1">
+                <a:lumMod val="50000"/>
+              </a:schemeClr>
+            </a:solidFill>
+            <a:prstDash val="solid"/>
+          </a:ln>
+          <a:effectLst/>
+          <a:scene3d>
+            <a:camera prst="orthographicFront"/>
+            <a:lightRig rig="threePt" dir="t"/>
+          </a:scene3d>
+          <a:sp3d>
+            <a:bevelT/>
+          </a:sp3d>
+        </p:spPr>
+        <p:style>
+          <a:lnRef idx="2">
+            <a:schemeClr val="accent1">
+              <a:shade val="50000"/>
+            </a:schemeClr>
+          </a:lnRef>
+          <a:fillRef idx="1">
+            <a:schemeClr val="accent1"/>
+          </a:fillRef>
+          <a:effectRef idx="0">
+            <a:schemeClr val="accent1"/>
+          </a:effectRef>
+          <a:fontRef idx="minor">
+            <a:schemeClr val="lt1"/>
+          </a:fontRef>
+        </p:style>
+        <p:txBody>
+          <a:bodyPr rtlCol="0" anchor="ctr">
+            <a:scene3d>
+              <a:camera prst="orthographicFront"/>
+              <a:lightRig rig="flat" dir="tl">
+                <a:rot lat="0" lon="0" rev="6600000"/>
+              </a:lightRig>
+            </a:scene3d>
+            <a:sp3d extrusionH="25400" contourW="8890">
+              <a:contourClr>
+                <a:schemeClr val="accent2">
+                  <a:shade val="75000"/>
+                </a:schemeClr>
+              </a:contourClr>
+            </a:sp3d>
+          </a:bodyPr>
+          <a:lstStyle/>
+          <a:p>
+            <a:pPr algn="ctr"/>
+            <a:endParaRPr lang="ko-KR" altLang="en-US" b="1" dirty="0" smtClean="0">
+              <a:ln w="11430"/>
+              <a:solidFill>
+                <a:schemeClr val="accent6">
+                  <a:lumMod val="40000"/>
+                  <a:lumOff val="60000"/>
+                </a:schemeClr>
+              </a:solidFill>
+              <a:effectLst>
+                <a:glow rad="228600">
+                  <a:schemeClr val="accent1">
+                    <a:satMod val="175000"/>
+                    <a:alpha val="40000"/>
+                  </a:schemeClr>
+                </a:glow>
+                <a:outerShdw blurRad="50800" dist="39000" dir="5460000" algn="tl">
+                  <a:srgbClr val="000000">
+                    <a:alpha val="38000"/>
+                  </a:srgbClr>
+                </a:outerShdw>
+              </a:effectLst>
+            </a:endParaRPr>
+          </a:p>
+        </p:txBody>
+      </p:sp>
+      <p:sp>
+        <p:nvSpPr>
+          <p:cNvPr id="45" name="직사각형 44"/>
+          <p:cNvSpPr/>
+          <p:nvPr/>
+        </p:nvSpPr>
+        <p:spPr>
+          <a:xfrm>
+            <a:off x="1907704" y="4221088"/>
+            <a:ext cx="1512168" cy="792088"/>
+          </a:xfrm>
+          <a:prstGeom prst="rect">
+            <a:avLst/>
+          </a:prstGeom>
+          <a:solidFill>
+            <a:schemeClr val="bg2">
+              <a:lumMod val="75000"/>
+            </a:schemeClr>
+          </a:solidFill>
+          <a:ln>
+            <a:solidFill>
+              <a:schemeClr val="bg1">
+                <a:lumMod val="50000"/>
+              </a:schemeClr>
+            </a:solidFill>
+            <a:prstDash val="solid"/>
+          </a:ln>
+          <a:effectLst/>
+          <a:scene3d>
+            <a:camera prst="orthographicFront"/>
+            <a:lightRig rig="threePt" dir="t"/>
+          </a:scene3d>
+          <a:sp3d>
+            <a:bevelT/>
+          </a:sp3d>
+        </p:spPr>
+        <p:style>
+          <a:lnRef idx="2">
+            <a:schemeClr val="accent1">
+              <a:shade val="50000"/>
+            </a:schemeClr>
+          </a:lnRef>
+          <a:fillRef idx="1">
+            <a:schemeClr val="accent1"/>
+          </a:fillRef>
+          <a:effectRef idx="0">
+            <a:schemeClr val="accent1"/>
+          </a:effectRef>
+          <a:fontRef idx="minor">
+            <a:schemeClr val="lt1"/>
+          </a:fontRef>
+        </p:style>
+        <p:txBody>
+          <a:bodyPr rtlCol="0" anchor="ctr">
+            <a:scene3d>
+              <a:camera prst="orthographicFront"/>
+              <a:lightRig rig="flat" dir="tl">
+                <a:rot lat="0" lon="0" rev="6600000"/>
+              </a:lightRig>
+            </a:scene3d>
+            <a:sp3d extrusionH="25400" contourW="8890">
+              <a:contourClr>
+                <a:schemeClr val="accent2">
+                  <a:shade val="75000"/>
+                </a:schemeClr>
+              </a:contourClr>
+            </a:sp3d>
+          </a:bodyPr>
+          <a:lstStyle/>
+          <a:p>
+            <a:pPr algn="ctr"/>
+            <a:endParaRPr lang="ko-KR" altLang="en-US" b="1" dirty="0" smtClean="0">
+              <a:ln w="11430"/>
+              <a:solidFill>
+                <a:schemeClr val="accent6">
+                  <a:lumMod val="40000"/>
+                  <a:lumOff val="60000"/>
+                </a:schemeClr>
+              </a:solidFill>
+              <a:effectLst>
+                <a:glow rad="228600">
+                  <a:schemeClr val="accent1">
+                    <a:satMod val="175000"/>
+                    <a:alpha val="40000"/>
+                  </a:schemeClr>
+                </a:glow>
+                <a:outerShdw blurRad="50800" dist="39000" dir="5460000" algn="tl">
+                  <a:srgbClr val="000000">
+                    <a:alpha val="38000"/>
+                  </a:srgbClr>
+                </a:outerShdw>
+              </a:effectLst>
+            </a:endParaRPr>
+          </a:p>
+        </p:txBody>
+      </p:sp>
+      <p:sp>
+        <p:nvSpPr>
+          <p:cNvPr id="46" name="직사각형 45"/>
+          <p:cNvSpPr/>
+          <p:nvPr/>
+        </p:nvSpPr>
+        <p:spPr>
+          <a:xfrm>
+            <a:off x="1907704" y="5157192"/>
+            <a:ext cx="1512168" cy="792088"/>
+          </a:xfrm>
+          <a:prstGeom prst="rect">
+            <a:avLst/>
+          </a:prstGeom>
+          <a:solidFill>
+            <a:schemeClr val="bg2">
+              <a:lumMod val="75000"/>
+            </a:schemeClr>
+          </a:solidFill>
+          <a:ln>
+            <a:solidFill>
+              <a:schemeClr val="bg1">
+                <a:lumMod val="50000"/>
+              </a:schemeClr>
+            </a:solidFill>
+            <a:prstDash val="solid"/>
+          </a:ln>
+          <a:effectLst/>
+          <a:scene3d>
+            <a:camera prst="orthographicFront"/>
+            <a:lightRig rig="threePt" dir="t"/>
+          </a:scene3d>
+          <a:sp3d>
+            <a:bevelT/>
+          </a:sp3d>
+        </p:spPr>
+        <p:style>
+          <a:lnRef idx="2">
+            <a:schemeClr val="accent1">
+              <a:shade val="50000"/>
+            </a:schemeClr>
+          </a:lnRef>
+          <a:fillRef idx="1">
+            <a:schemeClr val="accent1"/>
+          </a:fillRef>
+          <a:effectRef idx="0">
+            <a:schemeClr val="accent1"/>
+          </a:effectRef>
+          <a:fontRef idx="minor">
+            <a:schemeClr val="lt1"/>
+          </a:fontRef>
+        </p:style>
+        <p:txBody>
+          <a:bodyPr rtlCol="0" anchor="ctr">
+            <a:scene3d>
+              <a:camera prst="orthographicFront"/>
+              <a:lightRig rig="flat" dir="tl">
+                <a:rot lat="0" lon="0" rev="6600000"/>
+              </a:lightRig>
+            </a:scene3d>
+            <a:sp3d extrusionH="25400" contourW="8890">
+              <a:contourClr>
+                <a:schemeClr val="accent2">
+                  <a:shade val="75000"/>
+                </a:schemeClr>
+              </a:contourClr>
+            </a:sp3d>
+          </a:bodyPr>
+          <a:lstStyle/>
+          <a:p>
+            <a:pPr algn="ctr"/>
+            <a:endParaRPr lang="ko-KR" altLang="en-US" b="1" dirty="0" smtClean="0">
+              <a:ln w="11430"/>
+              <a:solidFill>
+                <a:schemeClr val="accent6">
+                  <a:lumMod val="40000"/>
+                  <a:lumOff val="60000"/>
+                </a:schemeClr>
+              </a:solidFill>
+              <a:effectLst>
+                <a:glow rad="228600">
+                  <a:schemeClr val="accent1">
+                    <a:satMod val="175000"/>
+                    <a:alpha val="40000"/>
+                  </a:schemeClr>
+                </a:glow>
+                <a:outerShdw blurRad="50800" dist="39000" dir="5460000" algn="tl">
+                  <a:srgbClr val="000000">
+                    <a:alpha val="38000"/>
+                  </a:srgbClr>
+                </a:outerShdw>
+              </a:effectLst>
+            </a:endParaRPr>
+          </a:p>
+        </p:txBody>
+      </p:sp>
+    </p:spTree>
+  </p:cSld>
+  <p:clrMapOvr>
+    <a:masterClrMapping/>
+  </p:clrMapOvr>
+</p:sld>
+</file>
+
+<file path=ppt/slides/slide8.xml><?xml version="1.0" encoding="utf-8"?>
+<p:sld xmlns:a="http://schemas.openxmlformats.org/drawingml/2006/main" xmlns:r="http://schemas.openxmlformats.org/officeDocument/2006/relationships" xmlns:p="http://schemas.openxmlformats.org/presentationml/2006/main">
+  <p:cSld>
+    <p:spTree>
+      <p:nvGrpSpPr>
+        <p:cNvPr id="1" name=""/>
+        <p:cNvGrpSpPr/>
+        <p:nvPr/>
+      </p:nvGrpSpPr>
+      <p:grpSpPr>
+        <a:xfrm>
+          <a:off x="0" y="0"/>
+          <a:ext cx="0" cy="0"/>
+          <a:chOff x="0" y="0"/>
+          <a:chExt cx="0" cy="0"/>
+        </a:xfrm>
+      </p:grpSpPr>
+      <p:grpSp>
+        <p:nvGrpSpPr>
+          <p:cNvPr id="6" name="그룹 58"/>
+          <p:cNvGrpSpPr/>
+          <p:nvPr/>
+        </p:nvGrpSpPr>
+        <p:grpSpPr>
+          <a:xfrm>
+            <a:off x="323528" y="404664"/>
+            <a:ext cx="8640000" cy="5760000"/>
+            <a:chOff x="323528" y="404664"/>
+            <a:chExt cx="8640000" cy="5760000"/>
+          </a:xfrm>
+        </p:grpSpPr>
+        <p:grpSp>
+          <p:nvGrpSpPr>
+            <p:cNvPr id="7" name="그룹 48"/>
+            <p:cNvGrpSpPr/>
+            <p:nvPr/>
+          </p:nvGrpSpPr>
+          <p:grpSpPr>
+            <a:xfrm>
+              <a:off x="323528" y="404664"/>
+              <a:ext cx="8640000" cy="5760000"/>
+              <a:chOff x="323528" y="404664"/>
+              <a:chExt cx="8640000" cy="5760000"/>
+            </a:xfrm>
+          </p:grpSpPr>
+          <p:grpSp>
+            <p:nvGrpSpPr>
+              <p:cNvPr id="8" name="그룹 46"/>
+              <p:cNvGrpSpPr/>
+              <p:nvPr/>
+            </p:nvGrpSpPr>
+            <p:grpSpPr>
+              <a:xfrm>
+                <a:off x="323528" y="404664"/>
+                <a:ext cx="8640000" cy="5760000"/>
+                <a:chOff x="323528" y="404664"/>
+                <a:chExt cx="8640000" cy="5760000"/>
+              </a:xfrm>
+            </p:grpSpPr>
+            <p:pic>
+              <p:nvPicPr>
+                <p:cNvPr id="2" name="그림 1" descr="crop-athlete-kicking-soccer-ball_23-2147817301.jpg"/>
+                <p:cNvPicPr preferRelativeResize="0">
+                  <a:picLocks/>
+                </p:cNvPicPr>
+                <p:nvPr/>
+              </p:nvPicPr>
+              <p:blipFill>
+                <a:blip r:embed="rId2" cstate="print"/>
+                <a:stretch>
+                  <a:fillRect/>
+                </a:stretch>
+              </p:blipFill>
+              <p:spPr>
+                <a:xfrm>
+                  <a:off x="323528" y="404664"/>
+                  <a:ext cx="8640000" cy="5760000"/>
+                </a:xfrm>
+                <a:prstGeom prst="rect">
+                  <a:avLst/>
+                </a:prstGeom>
+                <a:effectLst/>
+              </p:spPr>
+            </p:pic>
+            <p:sp>
+              <p:nvSpPr>
+                <p:cNvPr id="3" name="직사각형 2"/>
+                <p:cNvSpPr/>
+                <p:nvPr/>
+              </p:nvSpPr>
+              <p:spPr>
+                <a:xfrm>
+                  <a:off x="1835696" y="1268760"/>
+                  <a:ext cx="6984776" cy="4752528"/>
+                </a:xfrm>
+                <a:prstGeom prst="rect">
+                  <a:avLst/>
+                </a:prstGeom>
+                <a:solidFill>
+                  <a:srgbClr val="92D050">
+                    <a:alpha val="70000"/>
+                  </a:srgbClr>
+                </a:solidFill>
+                <a:ln>
+                  <a:solidFill>
+                    <a:schemeClr val="accent3">
+                      <a:lumMod val="60000"/>
+                      <a:lumOff val="40000"/>
+                    </a:schemeClr>
+                  </a:solidFill>
+                  <a:prstDash val="solid"/>
+                </a:ln>
+                <a:effectLst/>
+                <a:scene3d>
+                  <a:camera prst="orthographicFront"/>
+                  <a:lightRig rig="threePt" dir="t"/>
+                </a:scene3d>
+                <a:sp3d/>
+              </p:spPr>
+              <p:style>
+                <a:lnRef idx="2">
+                  <a:schemeClr val="accent1">
+                    <a:shade val="50000"/>
+                  </a:schemeClr>
+                </a:lnRef>
+                <a:fillRef idx="1">
+                  <a:schemeClr val="accent1"/>
+                </a:fillRef>
+                <a:effectRef idx="0">
+                  <a:schemeClr val="accent1"/>
+                </a:effectRef>
+                <a:fontRef idx="minor">
+                  <a:schemeClr val="lt1"/>
+                </a:fontRef>
+              </p:style>
+              <p:txBody>
+                <a:bodyPr rtlCol="0" anchor="ctr">
+                  <a:scene3d>
+                    <a:camera prst="orthographicFront"/>
+                    <a:lightRig rig="soft" dir="tl">
+                      <a:rot lat="0" lon="0" rev="0"/>
+                    </a:lightRig>
+                  </a:scene3d>
+                  <a:sp3d contourW="25400" prstMaterial="matte">
+                    <a:bevelT w="25400" h="55880" prst="artDeco"/>
+                    <a:contourClr>
+                      <a:schemeClr val="accent2">
+                        <a:tint val="20000"/>
+                      </a:schemeClr>
+                    </a:contourClr>
+                  </a:sp3d>
+                </a:bodyPr>
+                <a:lstStyle/>
+                <a:p>
+                  <a:pPr algn="ctr"/>
+                  <a:endParaRPr lang="ko-KR" altLang="en-US" b="1" spc="50" dirty="0" smtClean="0">
+                    <a:ln w="11430">
+                      <a:solidFill>
+                        <a:srgbClr val="00B050"/>
+                      </a:solidFill>
+                    </a:ln>
+                    <a:solidFill>
+                      <a:srgbClr val="00B050"/>
+                    </a:solidFill>
+                    <a:effectLst>
+                      <a:glow rad="228600">
+                        <a:schemeClr val="accent6">
+                          <a:satMod val="175000"/>
+                          <a:alpha val="40000"/>
+                        </a:schemeClr>
+                      </a:glow>
+                      <a:outerShdw blurRad="50800" dist="38100" dir="2700000" algn="tl" rotWithShape="0">
+                        <a:prstClr val="black">
+                          <a:alpha val="40000"/>
+                        </a:prstClr>
+                      </a:outerShdw>
+                    </a:effectLst>
+                  </a:endParaRPr>
+                </a:p>
+              </p:txBody>
+            </p:sp>
+            <p:sp>
+              <p:nvSpPr>
+                <p:cNvPr id="4" name="직사각형 3"/>
+                <p:cNvSpPr/>
+                <p:nvPr/>
+              </p:nvSpPr>
+              <p:spPr>
+                <a:xfrm>
+                  <a:off x="539552" y="1268760"/>
+                  <a:ext cx="1296144" cy="4752528"/>
+                </a:xfrm>
+                <a:prstGeom prst="rect">
+                  <a:avLst/>
+                </a:prstGeom>
+                <a:solidFill>
+                  <a:srgbClr val="92D050">
+                    <a:alpha val="70000"/>
+                  </a:srgbClr>
+                </a:solidFill>
+                <a:ln>
+                  <a:solidFill>
+                    <a:schemeClr val="accent3">
+                      <a:lumMod val="60000"/>
+                      <a:lumOff val="40000"/>
+                    </a:schemeClr>
+                  </a:solidFill>
+                  <a:prstDash val="solid"/>
+                </a:ln>
+                <a:effectLst/>
+                <a:scene3d>
+                  <a:camera prst="orthographicFront"/>
+                  <a:lightRig rig="threePt" dir="t"/>
+                </a:scene3d>
+                <a:sp3d/>
+              </p:spPr>
+              <p:style>
+                <a:lnRef idx="2">
+                  <a:schemeClr val="accent1">
+                    <a:shade val="50000"/>
+                  </a:schemeClr>
+                </a:lnRef>
+                <a:fillRef idx="1">
+                  <a:schemeClr val="accent1"/>
+                </a:fillRef>
+                <a:effectRef idx="0">
+                  <a:schemeClr val="accent1"/>
+                </a:effectRef>
+                <a:fontRef idx="minor">
+                  <a:schemeClr val="lt1"/>
+                </a:fontRef>
+              </p:style>
+              <p:txBody>
+                <a:bodyPr rtlCol="0" anchor="ctr">
+                  <a:scene3d>
+                    <a:camera prst="orthographicFront"/>
+                    <a:lightRig rig="soft" dir="tl">
+                      <a:rot lat="0" lon="0" rev="0"/>
+                    </a:lightRig>
+                  </a:scene3d>
+                  <a:sp3d contourW="25400" prstMaterial="matte">
+                    <a:bevelT w="25400" h="55880" prst="artDeco"/>
+                    <a:contourClr>
+                      <a:schemeClr val="accent2">
+                        <a:tint val="20000"/>
+                      </a:schemeClr>
+                    </a:contourClr>
+                  </a:sp3d>
+                </a:bodyPr>
+                <a:lstStyle/>
+                <a:p>
+                  <a:pPr algn="ctr"/>
+                  <a:endParaRPr lang="ko-KR" altLang="en-US" b="1" spc="50" dirty="0" smtClean="0">
+                    <a:ln w="11430">
+                      <a:solidFill>
+                        <a:srgbClr val="00B050"/>
+                      </a:solidFill>
+                    </a:ln>
+                    <a:solidFill>
+                      <a:srgbClr val="00B050"/>
+                    </a:solidFill>
+                    <a:effectLst>
+                      <a:glow rad="228600">
+                        <a:schemeClr val="accent6">
+                          <a:satMod val="175000"/>
+                          <a:alpha val="40000"/>
+                        </a:schemeClr>
+                      </a:glow>
+                      <a:outerShdw blurRad="50800" dist="38100" dir="2700000" algn="tl" rotWithShape="0">
+                        <a:prstClr val="black">
+                          <a:alpha val="40000"/>
+                        </a:prstClr>
+                      </a:outerShdw>
+                    </a:effectLst>
+                  </a:endParaRPr>
+                </a:p>
+              </p:txBody>
+            </p:sp>
+            <p:sp>
+              <p:nvSpPr>
+                <p:cNvPr id="5" name="직사각형 4"/>
+                <p:cNvSpPr/>
+                <p:nvPr/>
+              </p:nvSpPr>
+              <p:spPr>
+                <a:xfrm>
+                  <a:off x="1835696" y="620688"/>
+                  <a:ext cx="6984776" cy="648072"/>
+                </a:xfrm>
+                <a:prstGeom prst="rect">
+                  <a:avLst/>
+                </a:prstGeom>
+                <a:solidFill>
+                  <a:srgbClr val="92D050">
+                    <a:alpha val="70000"/>
+                  </a:srgbClr>
+                </a:solidFill>
+                <a:ln>
+                  <a:solidFill>
+                    <a:schemeClr val="accent3">
+                      <a:lumMod val="60000"/>
+                      <a:lumOff val="40000"/>
+                    </a:schemeClr>
+                  </a:solidFill>
+                  <a:prstDash val="solid"/>
+                </a:ln>
+                <a:effectLst/>
+                <a:scene3d>
+                  <a:camera prst="orthographicFront"/>
+                  <a:lightRig rig="threePt" dir="t"/>
+                </a:scene3d>
+                <a:sp3d/>
+              </p:spPr>
+              <p:style>
+                <a:lnRef idx="2">
+                  <a:schemeClr val="accent1">
+                    <a:shade val="50000"/>
+                  </a:schemeClr>
+                </a:lnRef>
+                <a:fillRef idx="1">
+                  <a:schemeClr val="accent1"/>
+                </a:fillRef>
+                <a:effectRef idx="0">
+                  <a:schemeClr val="accent1"/>
+                </a:effectRef>
+                <a:fontRef idx="minor">
+                  <a:schemeClr val="lt1"/>
+                </a:fontRef>
+              </p:style>
+              <p:txBody>
+                <a:bodyPr rtlCol="0" anchor="ctr">
+                  <a:scene3d>
+                    <a:camera prst="orthographicFront"/>
+                    <a:lightRig rig="soft" dir="tl">
+                      <a:rot lat="0" lon="0" rev="0"/>
+                    </a:lightRig>
+                  </a:scene3d>
+                  <a:sp3d contourW="25400" prstMaterial="matte">
+                    <a:bevelT w="25400" h="55880" prst="artDeco"/>
+                    <a:contourClr>
+                      <a:schemeClr val="accent2">
+                        <a:tint val="20000"/>
+                      </a:schemeClr>
+                    </a:contourClr>
+                  </a:sp3d>
+                </a:bodyPr>
+                <a:lstStyle/>
+                <a:p>
+                  <a:pPr algn="ctr"/>
+                  <a:endParaRPr lang="ko-KR" altLang="en-US" b="1" spc="50" dirty="0" smtClean="0">
+                    <a:ln w="11430">
+                      <a:solidFill>
+                        <a:srgbClr val="00B050"/>
+                      </a:solidFill>
+                    </a:ln>
+                    <a:solidFill>
+                      <a:srgbClr val="00B050"/>
+                    </a:solidFill>
+                    <a:effectLst>
+                      <a:glow rad="228600">
+                        <a:schemeClr val="accent6">
+                          <a:satMod val="175000"/>
+                          <a:alpha val="40000"/>
+                        </a:schemeClr>
+                      </a:glow>
+                      <a:outerShdw blurRad="50800" dist="38100" dir="2700000" algn="tl" rotWithShape="0">
+                        <a:prstClr val="black">
+                          <a:alpha val="40000"/>
+                        </a:prstClr>
+                      </a:outerShdw>
+                    </a:effectLst>
+                  </a:endParaRPr>
+                </a:p>
+              </p:txBody>
+            </p:sp>
+            <p:sp>
+              <p:nvSpPr>
+                <p:cNvPr id="38" name="직사각형 37"/>
+                <p:cNvSpPr/>
+                <p:nvPr/>
+              </p:nvSpPr>
+              <p:spPr>
+                <a:xfrm>
+                  <a:off x="1187624" y="620688"/>
+                  <a:ext cx="648072" cy="648072"/>
+                </a:xfrm>
+                <a:prstGeom prst="rect">
+                  <a:avLst/>
+                </a:prstGeom>
+                <a:solidFill>
+                  <a:srgbClr val="92D050">
+                    <a:alpha val="70000"/>
+                  </a:srgbClr>
+                </a:solidFill>
+                <a:ln>
+                  <a:solidFill>
+                    <a:schemeClr val="accent3">
+                      <a:lumMod val="60000"/>
+                      <a:lumOff val="40000"/>
+                    </a:schemeClr>
+                  </a:solidFill>
+                  <a:prstDash val="solid"/>
+                </a:ln>
+                <a:effectLst/>
+                <a:scene3d>
+                  <a:camera prst="orthographicFront"/>
+                  <a:lightRig rig="threePt" dir="t"/>
+                </a:scene3d>
+                <a:sp3d/>
+              </p:spPr>
+              <p:style>
+                <a:lnRef idx="2">
+                  <a:schemeClr val="accent1">
+                    <a:shade val="50000"/>
+                  </a:schemeClr>
+                </a:lnRef>
+                <a:fillRef idx="1">
+                  <a:schemeClr val="accent1"/>
+                </a:fillRef>
+                <a:effectRef idx="0">
+                  <a:schemeClr val="accent1"/>
+                </a:effectRef>
+                <a:fontRef idx="minor">
+                  <a:schemeClr val="lt1"/>
+                </a:fontRef>
+              </p:style>
+              <p:txBody>
+                <a:bodyPr rtlCol="0" anchor="ctr">
+                  <a:scene3d>
+                    <a:camera prst="orthographicFront"/>
+                    <a:lightRig rig="soft" dir="tl">
+                      <a:rot lat="0" lon="0" rev="0"/>
+                    </a:lightRig>
+                  </a:scene3d>
+                  <a:sp3d contourW="25400" prstMaterial="matte">
+                    <a:bevelT w="25400" h="55880" prst="artDeco"/>
+                    <a:contourClr>
+                      <a:schemeClr val="accent2">
+                        <a:tint val="20000"/>
+                      </a:schemeClr>
+                    </a:contourClr>
+                  </a:sp3d>
+                </a:bodyPr>
+                <a:lstStyle/>
+                <a:p>
+                  <a:pPr algn="ctr"/>
+                  <a:endParaRPr lang="ko-KR" altLang="en-US" b="1" spc="50" dirty="0" smtClean="0">
+                    <a:ln w="11430">
+                      <a:solidFill>
+                        <a:srgbClr val="00B050"/>
+                      </a:solidFill>
+                    </a:ln>
+                    <a:solidFill>
+                      <a:srgbClr val="00B050"/>
+                    </a:solidFill>
+                    <a:effectLst>
+                      <a:glow rad="228600">
+                        <a:schemeClr val="accent6">
+                          <a:satMod val="175000"/>
+                          <a:alpha val="40000"/>
+                        </a:schemeClr>
+                      </a:glow>
+                      <a:outerShdw blurRad="50800" dist="38100" dir="2700000" algn="tl" rotWithShape="0">
+                        <a:prstClr val="black">
+                          <a:alpha val="40000"/>
+                        </a:prstClr>
+                      </a:outerShdw>
+                    </a:effectLst>
+                  </a:endParaRPr>
+                </a:p>
+              </p:txBody>
+            </p:sp>
+          </p:grpSp>
+          <p:sp>
+            <p:nvSpPr>
+              <p:cNvPr id="48" name="직사각형 47"/>
+              <p:cNvSpPr/>
+              <p:nvPr/>
+            </p:nvSpPr>
+            <p:spPr>
+              <a:xfrm>
+                <a:off x="539552" y="620688"/>
+                <a:ext cx="648072" cy="648072"/>
+              </a:xfrm>
+              <a:prstGeom prst="rect">
+                <a:avLst/>
+              </a:prstGeom>
+              <a:solidFill>
+                <a:srgbClr val="92D050">
+                  <a:alpha val="70000"/>
+                </a:srgbClr>
+              </a:solidFill>
+              <a:ln>
+                <a:solidFill>
+                  <a:schemeClr val="accent3">
+                    <a:lumMod val="60000"/>
+                    <a:lumOff val="40000"/>
+                  </a:schemeClr>
+                </a:solidFill>
+                <a:prstDash val="solid"/>
+              </a:ln>
+              <a:effectLst/>
+              <a:scene3d>
+                <a:camera prst="orthographicFront"/>
+                <a:lightRig rig="threePt" dir="t"/>
+              </a:scene3d>
+              <a:sp3d/>
+            </p:spPr>
+            <p:style>
+              <a:lnRef idx="2">
+                <a:schemeClr val="accent1">
+                  <a:shade val="50000"/>
+                </a:schemeClr>
+              </a:lnRef>
+              <a:fillRef idx="1">
+                <a:schemeClr val="accent1"/>
+              </a:fillRef>
+              <a:effectRef idx="0">
+                <a:schemeClr val="accent1"/>
+              </a:effectRef>
+              <a:fontRef idx="minor">
+                <a:schemeClr val="lt1"/>
+              </a:fontRef>
+            </p:style>
+            <p:txBody>
+              <a:bodyPr rtlCol="0" anchor="ctr">
+                <a:scene3d>
+                  <a:camera prst="orthographicFront"/>
+                  <a:lightRig rig="soft" dir="tl">
+                    <a:rot lat="0" lon="0" rev="0"/>
+                  </a:lightRig>
+                </a:scene3d>
+                <a:sp3d contourW="25400" prstMaterial="matte">
+                  <a:bevelT w="25400" h="55880" prst="artDeco"/>
+                  <a:contourClr>
+                    <a:schemeClr val="accent2">
+                      <a:tint val="20000"/>
+                    </a:schemeClr>
+                  </a:contourClr>
+                </a:sp3d>
+              </a:bodyPr>
+              <a:lstStyle/>
+              <a:p>
+                <a:pPr algn="ctr"/>
+                <a:endParaRPr lang="ko-KR" altLang="en-US" b="1" spc="50" dirty="0" smtClean="0">
+                  <a:ln w="11430">
+                    <a:solidFill>
+                      <a:srgbClr val="00B050"/>
+                    </a:solidFill>
+                  </a:ln>
+                  <a:solidFill>
+                    <a:srgbClr val="00B050"/>
+                  </a:solidFill>
+                  <a:effectLst>
+                    <a:glow rad="228600">
+                      <a:schemeClr val="accent6">
+                        <a:satMod val="175000"/>
+                        <a:alpha val="40000"/>
+                      </a:schemeClr>
+                    </a:glow>
+                    <a:outerShdw blurRad="50800" dist="38100" dir="2700000" algn="tl" rotWithShape="0">
+                      <a:prstClr val="black">
+                        <a:alpha val="40000"/>
+                      </a:prstClr>
+                    </a:outerShdw>
+                  </a:effectLst>
+                </a:endParaRPr>
+              </a:p>
+            </p:txBody>
+          </p:sp>
+        </p:grpSp>
+        <p:sp>
+          <p:nvSpPr>
+            <p:cNvPr id="49" name="직사각형 48"/>
+            <p:cNvSpPr/>
+            <p:nvPr/>
+          </p:nvSpPr>
+          <p:spPr>
+            <a:xfrm>
+              <a:off x="1835696" y="4437112"/>
+              <a:ext cx="6984776" cy="1584176"/>
+            </a:xfrm>
+            <a:prstGeom prst="rect">
+              <a:avLst/>
+            </a:prstGeom>
+            <a:solidFill>
+              <a:schemeClr val="accent3">
+                <a:lumMod val="40000"/>
+                <a:lumOff val="60000"/>
+                <a:alpha val="30000"/>
+              </a:schemeClr>
+            </a:solidFill>
+            <a:ln>
+              <a:solidFill>
+                <a:schemeClr val="accent3">
+                  <a:lumMod val="60000"/>
+                  <a:lumOff val="40000"/>
+                </a:schemeClr>
+              </a:solidFill>
+              <a:prstDash val="solid"/>
+            </a:ln>
+            <a:effectLst/>
+            <a:scene3d>
+              <a:camera prst="orthographicFront"/>
+              <a:lightRig rig="threePt" dir="t"/>
+            </a:scene3d>
+            <a:sp3d/>
+          </p:spPr>
+          <p:style>
+            <a:lnRef idx="2">
+              <a:schemeClr val="accent1">
+                <a:shade val="50000"/>
+              </a:schemeClr>
+            </a:lnRef>
+            <a:fillRef idx="1">
+              <a:schemeClr val="accent1"/>
+            </a:fillRef>
+            <a:effectRef idx="0">
+              <a:schemeClr val="accent1"/>
+            </a:effectRef>
+            <a:fontRef idx="minor">
+              <a:schemeClr val="lt1"/>
+            </a:fontRef>
+          </p:style>
+          <p:txBody>
+            <a:bodyPr rtlCol="0" anchor="ctr">
+              <a:scene3d>
+                <a:camera prst="orthographicFront"/>
+                <a:lightRig rig="soft" dir="tl">
+                  <a:rot lat="0" lon="0" rev="0"/>
+                </a:lightRig>
+              </a:scene3d>
+              <a:sp3d contourW="25400" prstMaterial="matte">
+                <a:bevelT w="25400" h="55880" prst="artDeco"/>
+                <a:contourClr>
+                  <a:schemeClr val="accent2">
+                    <a:tint val="20000"/>
+                  </a:schemeClr>
+                </a:contourClr>
+              </a:sp3d>
+            </a:bodyPr>
+            <a:lstStyle/>
+            <a:p>
+              <a:pPr algn="ctr"/>
+              <a:endParaRPr lang="ko-KR" altLang="en-US" b="1" spc="50" dirty="0" smtClean="0">
+                <a:ln w="11430">
+                  <a:solidFill>
+                    <a:srgbClr val="00B050"/>
+                  </a:solidFill>
+                </a:ln>
+                <a:solidFill>
+                  <a:srgbClr val="00B050"/>
+                </a:solidFill>
+                <a:effectLst>
+                  <a:glow rad="228600">
+                    <a:schemeClr val="accent6">
+                      <a:satMod val="175000"/>
+                      <a:alpha val="40000"/>
+                    </a:schemeClr>
+                  </a:glow>
+                  <a:outerShdw blurRad="50800" dist="38100" dir="2700000" algn="tl" rotWithShape="0">
+                    <a:prstClr val="black">
+                      <a:alpha val="40000"/>
+                    </a:prstClr>
+                  </a:outerShdw>
+                </a:effectLst>
+              </a:endParaRPr>
+            </a:p>
+          </p:txBody>
+        </p:sp>
+      </p:grpSp>
+      <p:grpSp>
+        <p:nvGrpSpPr>
+          <p:cNvPr id="9" name="그룹 44"/>
+          <p:cNvGrpSpPr/>
+          <p:nvPr/>
+        </p:nvGrpSpPr>
+        <p:grpSpPr>
+          <a:xfrm>
+            <a:off x="539552" y="620688"/>
+            <a:ext cx="648072" cy="648072"/>
+            <a:chOff x="-1116632" y="1412776"/>
+            <a:chExt cx="648072" cy="648072"/>
+          </a:xfrm>
+        </p:grpSpPr>
+        <p:sp>
+          <p:nvSpPr>
+            <p:cNvPr id="13" name="직사각형 12"/>
+            <p:cNvSpPr/>
+            <p:nvPr/>
+          </p:nvSpPr>
+          <p:spPr>
+            <a:xfrm>
+              <a:off x="-1116632" y="1412776"/>
+              <a:ext cx="648072" cy="648072"/>
+            </a:xfrm>
+            <a:prstGeom prst="rect">
+              <a:avLst/>
+            </a:prstGeom>
+            <a:solidFill>
+              <a:srgbClr val="92D050"/>
+            </a:solidFill>
+            <a:ln>
+              <a:solidFill>
+                <a:schemeClr val="accent3">
+                  <a:lumMod val="60000"/>
+                  <a:lumOff val="40000"/>
+                </a:schemeClr>
+              </a:solidFill>
+              <a:prstDash val="solid"/>
+            </a:ln>
+            <a:effectLst>
+              <a:outerShdw blurRad="63500" sx="102000" sy="102000" algn="ctr" rotWithShape="0">
+                <a:prstClr val="black">
+                  <a:alpha val="40000"/>
+                </a:prstClr>
+              </a:outerShdw>
+            </a:effectLst>
+            <a:scene3d>
+              <a:camera prst="orthographicFront"/>
+              <a:lightRig rig="threePt" dir="t"/>
+            </a:scene3d>
+            <a:sp3d/>
+          </p:spPr>
+          <p:style>
+            <a:lnRef idx="2">
+              <a:schemeClr val="accent1">
+                <a:shade val="50000"/>
+              </a:schemeClr>
+            </a:lnRef>
+            <a:fillRef idx="1">
+              <a:schemeClr val="accent1"/>
+            </a:fillRef>
+            <a:effectRef idx="0">
+              <a:schemeClr val="accent1"/>
+            </a:effectRef>
+            <a:fontRef idx="minor">
+              <a:schemeClr val="lt1"/>
+            </a:fontRef>
+          </p:style>
+          <p:txBody>
+            <a:bodyPr rtlCol="0" anchor="ctr">
+              <a:scene3d>
+                <a:camera prst="orthographicFront"/>
+                <a:lightRig rig="soft" dir="tl">
+                  <a:rot lat="0" lon="0" rev="0"/>
+                </a:lightRig>
+              </a:scene3d>
+              <a:sp3d contourW="25400" prstMaterial="matte">
+                <a:bevelT w="25400" h="55880" prst="artDeco"/>
+                <a:contourClr>
+                  <a:schemeClr val="accent2">
+                    <a:tint val="20000"/>
+                  </a:schemeClr>
+                </a:contourClr>
+              </a:sp3d>
+            </a:bodyPr>
+            <a:lstStyle/>
+            <a:p>
+              <a:pPr algn="ctr"/>
+              <a:endParaRPr lang="ko-KR" altLang="en-US" b="1" spc="50" dirty="0" smtClean="0">
+                <a:ln w="11430">
+                  <a:solidFill>
+                    <a:srgbClr val="00B050"/>
+                  </a:solidFill>
+                </a:ln>
+                <a:solidFill>
+                  <a:srgbClr val="00B050"/>
+                </a:solidFill>
+                <a:effectLst>
+                  <a:glow rad="228600">
+                    <a:schemeClr val="accent6">
+                      <a:satMod val="175000"/>
+                      <a:alpha val="40000"/>
+                    </a:schemeClr>
+                  </a:glow>
+                  <a:outerShdw blurRad="50800" dist="38100" dir="2700000" algn="tl" rotWithShape="0">
+                    <a:prstClr val="black">
+                      <a:alpha val="40000"/>
+                    </a:prstClr>
+                  </a:outerShdw>
+                </a:effectLst>
+              </a:endParaRPr>
+            </a:p>
+          </p:txBody>
+        </p:sp>
+        <p:pic>
+          <p:nvPicPr>
+            <p:cNvPr id="14" name="그림 13" descr="11225.png"/>
+            <p:cNvPicPr preferRelativeResize="0">
+              <a:picLocks/>
+            </p:cNvPicPr>
+            <p:nvPr/>
+          </p:nvPicPr>
+          <p:blipFill>
+            <a:blip r:embed="rId3" cstate="print"/>
+            <a:srcRect l="28172" t="27420" r="19241" b="10886"/>
+            <a:stretch>
+              <a:fillRect/>
+            </a:stretch>
+          </p:blipFill>
+          <p:spPr>
+            <a:xfrm>
+              <a:off x="-1116632" y="1412776"/>
+              <a:ext cx="648072" cy="648000"/>
+            </a:xfrm>
+            <a:prstGeom prst="rect">
+              <a:avLst/>
+            </a:prstGeom>
+            <a:effectLst/>
+          </p:spPr>
+        </p:pic>
+      </p:grpSp>
+      <p:sp>
+        <p:nvSpPr>
+          <p:cNvPr id="19" name="모서리가 둥근 직사각형 18"/>
+          <p:cNvSpPr/>
+          <p:nvPr/>
+        </p:nvSpPr>
+        <p:spPr>
+          <a:xfrm>
+            <a:off x="611560" y="1412776"/>
+            <a:ext cx="1152128" cy="396000"/>
+          </a:xfrm>
+          <a:prstGeom prst="roundRect">
+            <a:avLst/>
+          </a:prstGeom>
+          <a:solidFill>
+            <a:schemeClr val="accent5">
+              <a:lumMod val="60000"/>
+              <a:lumOff val="40000"/>
+            </a:schemeClr>
+          </a:solidFill>
+          <a:ln>
+            <a:solidFill>
+              <a:schemeClr val="accent1">
+                <a:lumMod val="20000"/>
+                <a:lumOff val="80000"/>
+              </a:schemeClr>
+            </a:solidFill>
+            <a:prstDash val="solid"/>
+          </a:ln>
+          <a:effectLst>
+            <a:glow rad="101600">
+              <a:schemeClr val="accent3">
+                <a:satMod val="175000"/>
+                <a:alpha val="40000"/>
+              </a:schemeClr>
+            </a:glow>
+          </a:effectLst>
+          <a:scene3d>
+            <a:camera prst="orthographicFront"/>
+            <a:lightRig rig="threePt" dir="t"/>
+          </a:scene3d>
+          <a:sp3d>
+            <a:bevelT w="114300" prst="artDeco"/>
+          </a:sp3d>
+        </p:spPr>
+        <p:style>
+          <a:lnRef idx="2">
+            <a:schemeClr val="accent1">
+              <a:shade val="50000"/>
+            </a:schemeClr>
+          </a:lnRef>
+          <a:fillRef idx="1">
+            <a:schemeClr val="accent1"/>
+          </a:fillRef>
+          <a:effectRef idx="0">
+            <a:schemeClr val="accent1"/>
+          </a:effectRef>
+          <a:fontRef idx="minor">
+            <a:schemeClr val="lt1"/>
+          </a:fontRef>
+        </p:style>
+        <p:txBody>
+          <a:bodyPr rtlCol="0" anchor="ctr"/>
+          <a:lstStyle/>
+          <a:p>
+            <a:pPr algn="ctr"/>
+            <a:r>
+              <a:rPr lang="ko-KR" altLang="en-US" sz="1200" b="1" spc="50" dirty="0" smtClean="0">
+                <a:ln w="13500">
+                  <a:solidFill>
+                    <a:schemeClr val="accent1">
+                      <a:shade val="2500"/>
+                      <a:alpha val="6500"/>
+                    </a:schemeClr>
+                  </a:solidFill>
+                  <a:prstDash val="solid"/>
+                </a:ln>
+                <a:solidFill>
+                  <a:schemeClr val="accent1">
+                    <a:lumMod val="50000"/>
+                  </a:schemeClr>
+                </a:solidFill>
+                <a:effectLst>
+                  <a:innerShdw blurRad="50900" dist="38500" dir="13500000">
+                    <a:srgbClr val="000000">
+                      <a:alpha val="60000"/>
+                    </a:srgbClr>
+                  </a:innerShdw>
+                </a:effectLst>
+              </a:rPr>
+              <a:t>메시지 박스</a:t>
+            </a:r>
+          </a:p>
+        </p:txBody>
+      </p:sp>
+      <p:grpSp>
+        <p:nvGrpSpPr>
+          <p:cNvPr id="10" name="그룹 43"/>
+          <p:cNvGrpSpPr/>
+          <p:nvPr/>
+        </p:nvGrpSpPr>
+        <p:grpSpPr>
+          <a:xfrm>
+            <a:off x="1259632" y="692696"/>
+            <a:ext cx="504000" cy="504000"/>
+            <a:chOff x="-972616" y="692696"/>
+            <a:chExt cx="648000" cy="648000"/>
+          </a:xfrm>
+        </p:grpSpPr>
+        <p:sp>
+          <p:nvSpPr>
+            <p:cNvPr id="42" name="직사각형 41"/>
+            <p:cNvSpPr/>
+            <p:nvPr/>
+          </p:nvSpPr>
+          <p:spPr>
+            <a:xfrm>
+              <a:off x="-972616" y="692696"/>
+              <a:ext cx="648000" cy="648000"/>
+            </a:xfrm>
+            <a:prstGeom prst="rect">
+              <a:avLst/>
+            </a:prstGeom>
+            <a:solidFill>
+              <a:schemeClr val="accent4">
+                <a:lumMod val="60000"/>
+                <a:lumOff val="40000"/>
+              </a:schemeClr>
+            </a:solidFill>
+            <a:ln>
+              <a:solidFill>
+                <a:schemeClr val="accent1">
+                  <a:lumMod val="20000"/>
+                  <a:lumOff val="80000"/>
+                </a:schemeClr>
+              </a:solidFill>
+              <a:prstDash val="solid"/>
+            </a:ln>
+            <a:effectLst>
+              <a:outerShdw blurRad="63500" sx="102000" sy="102000" algn="ctr" rotWithShape="0">
+                <a:prstClr val="black">
+                  <a:alpha val="40000"/>
+                </a:prstClr>
+              </a:outerShdw>
+            </a:effectLst>
+            <a:scene3d>
+              <a:camera prst="orthographicFront"/>
+              <a:lightRig rig="threePt" dir="t"/>
+            </a:scene3d>
+            <a:sp3d>
+              <a:bevelT prst="slope"/>
+            </a:sp3d>
+          </p:spPr>
+          <p:style>
+            <a:lnRef idx="2">
+              <a:schemeClr val="accent1">
+                <a:shade val="50000"/>
+              </a:schemeClr>
+            </a:lnRef>
+            <a:fillRef idx="1">
+              <a:schemeClr val="accent1"/>
+            </a:fillRef>
+            <a:effectRef idx="0">
+              <a:schemeClr val="accent1"/>
+            </a:effectRef>
+            <a:fontRef idx="minor">
+              <a:schemeClr val="lt1"/>
+            </a:fontRef>
+          </p:style>
+          <p:txBody>
+            <a:bodyPr rtlCol="0" anchor="ctr">
+              <a:scene3d>
+                <a:camera prst="orthographicFront"/>
+                <a:lightRig rig="soft" dir="tl">
+                  <a:rot lat="0" lon="0" rev="0"/>
+                </a:lightRig>
+              </a:scene3d>
+              <a:sp3d contourW="25400" prstMaterial="matte">
+                <a:contourClr>
+                  <a:schemeClr val="accent2">
+                    <a:tint val="20000"/>
+                  </a:schemeClr>
+                </a:contourClr>
+              </a:sp3d>
+            </a:bodyPr>
+            <a:lstStyle/>
+            <a:p>
+              <a:pPr algn="ctr"/>
+              <a:endParaRPr lang="ko-KR" altLang="en-US" b="1" spc="50" dirty="0" smtClean="0">
+                <a:ln w="11430">
+                  <a:solidFill>
+                    <a:srgbClr val="00B050"/>
+                  </a:solidFill>
+                </a:ln>
+                <a:solidFill>
+                  <a:srgbClr val="00B050"/>
+                </a:solidFill>
+                <a:effectLst>
+                  <a:glow rad="228600">
+                    <a:schemeClr val="accent6">
+                      <a:satMod val="175000"/>
+                      <a:alpha val="40000"/>
+                    </a:schemeClr>
+                  </a:glow>
+                  <a:outerShdw blurRad="50800" dist="38100" dir="2700000" algn="tl" rotWithShape="0">
+                    <a:prstClr val="black">
+                      <a:alpha val="40000"/>
+                    </a:prstClr>
+                  </a:outerShdw>
+                </a:effectLst>
+              </a:endParaRPr>
+            </a:p>
+          </p:txBody>
+        </p:sp>
+        <p:pic>
+          <p:nvPicPr>
+            <p:cNvPr id="1029" name="Picture 5" descr="C:\Users\ediso\AppData\Local\Microsoft\Windows\INetCache\IE\8SOMCZ2D\save-icon-1257065_960_720[1].png"/>
+            <p:cNvPicPr preferRelativeResize="0">
+              <a:picLocks noChangeArrowheads="1"/>
+            </p:cNvPicPr>
+            <p:nvPr/>
+          </p:nvPicPr>
+          <p:blipFill>
+            <a:blip r:embed="rId4" cstate="print">
+              <a:clrChange>
+                <a:clrFrom>
+                  <a:srgbClr val="3771C8"/>
+                </a:clrFrom>
+                <a:clrTo>
+                  <a:srgbClr val="3771C8">
+                    <a:alpha val="0"/>
+                  </a:srgbClr>
+                </a:clrTo>
+              </a:clrChange>
+            </a:blip>
+            <a:srcRect/>
+            <a:stretch>
+              <a:fillRect/>
+            </a:stretch>
+          </p:blipFill>
+          <p:spPr bwMode="auto">
+            <a:xfrm>
+              <a:off x="-900608" y="764704"/>
+              <a:ext cx="504000" cy="504000"/>
+            </a:xfrm>
+            <a:prstGeom prst="rect">
+              <a:avLst/>
+            </a:prstGeom>
+            <a:noFill/>
+          </p:spPr>
+        </p:pic>
+      </p:grpSp>
+      <p:sp>
+        <p:nvSpPr>
+          <p:cNvPr id="50" name="모서리가 둥근 직사각형 49"/>
+          <p:cNvSpPr/>
+          <p:nvPr/>
+        </p:nvSpPr>
+        <p:spPr>
+          <a:xfrm>
+            <a:off x="611560" y="1916832"/>
+            <a:ext cx="1152128" cy="396000"/>
+          </a:xfrm>
+          <a:prstGeom prst="roundRect">
+            <a:avLst/>
+          </a:prstGeom>
+          <a:solidFill>
+            <a:schemeClr val="accent5">
+              <a:lumMod val="60000"/>
+              <a:lumOff val="40000"/>
+            </a:schemeClr>
+          </a:solidFill>
+          <a:ln>
+            <a:solidFill>
+              <a:schemeClr val="accent1">
+                <a:lumMod val="20000"/>
+                <a:lumOff val="80000"/>
+              </a:schemeClr>
+            </a:solidFill>
+            <a:prstDash val="solid"/>
+          </a:ln>
+          <a:effectLst>
+            <a:glow rad="101600">
+              <a:schemeClr val="accent3">
+                <a:satMod val="175000"/>
+                <a:alpha val="40000"/>
+              </a:schemeClr>
+            </a:glow>
+          </a:effectLst>
+          <a:scene3d>
+            <a:camera prst="orthographicFront"/>
+            <a:lightRig rig="threePt" dir="t"/>
+          </a:scene3d>
+          <a:sp3d>
+            <a:bevelT w="114300" prst="artDeco"/>
+          </a:sp3d>
+        </p:spPr>
+        <p:style>
+          <a:lnRef idx="2">
+            <a:schemeClr val="accent1">
+              <a:shade val="50000"/>
+            </a:schemeClr>
+          </a:lnRef>
+          <a:fillRef idx="1">
+            <a:schemeClr val="accent1"/>
+          </a:fillRef>
+          <a:effectRef idx="0">
+            <a:schemeClr val="accent1"/>
+          </a:effectRef>
+          <a:fontRef idx="minor">
+            <a:schemeClr val="lt1"/>
+          </a:fontRef>
+        </p:style>
+        <p:txBody>
+          <a:bodyPr rtlCol="0" anchor="ctr"/>
+          <a:lstStyle/>
+          <a:p>
+            <a:pPr algn="ctr"/>
+            <a:r>
+              <a:rPr lang="ko-KR" altLang="en-US" sz="1200" b="1" spc="50" dirty="0" smtClean="0">
+                <a:ln w="13500">
+                  <a:solidFill>
+                    <a:schemeClr val="accent1">
+                      <a:shade val="2500"/>
+                      <a:alpha val="6500"/>
+                    </a:schemeClr>
+                  </a:solidFill>
+                  <a:prstDash val="solid"/>
+                </a:ln>
+                <a:solidFill>
+                  <a:schemeClr val="accent1">
+                    <a:lumMod val="50000"/>
+                  </a:schemeClr>
+                </a:solidFill>
+                <a:effectLst>
+                  <a:innerShdw blurRad="50900" dist="38500" dir="13500000">
+                    <a:srgbClr val="000000">
+                      <a:alpha val="60000"/>
+                    </a:srgbClr>
+                  </a:innerShdw>
+                </a:effectLst>
+              </a:rPr>
+              <a:t>현재상황</a:t>
+            </a:r>
+          </a:p>
+        </p:txBody>
+      </p:sp>
+      <p:sp>
+        <p:nvSpPr>
+          <p:cNvPr id="51" name="모서리가 둥근 직사각형 50"/>
+          <p:cNvSpPr/>
+          <p:nvPr/>
+        </p:nvSpPr>
+        <p:spPr>
+          <a:xfrm>
+            <a:off x="611560" y="2420888"/>
+            <a:ext cx="1152128" cy="396000"/>
+          </a:xfrm>
+          <a:prstGeom prst="roundRect">
+            <a:avLst/>
+          </a:prstGeom>
+          <a:solidFill>
+            <a:schemeClr val="accent5">
+              <a:lumMod val="60000"/>
+              <a:lumOff val="40000"/>
+            </a:schemeClr>
+          </a:solidFill>
+          <a:ln>
+            <a:solidFill>
+              <a:schemeClr val="accent1">
+                <a:lumMod val="20000"/>
+                <a:lumOff val="80000"/>
+              </a:schemeClr>
+            </a:solidFill>
+            <a:prstDash val="solid"/>
+          </a:ln>
+          <a:effectLst>
+            <a:glow rad="101600">
+              <a:schemeClr val="accent3">
+                <a:satMod val="175000"/>
+                <a:alpha val="40000"/>
+              </a:schemeClr>
+            </a:glow>
+          </a:effectLst>
+          <a:scene3d>
+            <a:camera prst="orthographicFront"/>
+            <a:lightRig rig="threePt" dir="t"/>
+          </a:scene3d>
+          <a:sp3d>
+            <a:bevelT w="114300" prst="artDeco"/>
+          </a:sp3d>
+        </p:spPr>
+        <p:style>
+          <a:lnRef idx="2">
+            <a:schemeClr val="accent1">
+              <a:shade val="50000"/>
+            </a:schemeClr>
+          </a:lnRef>
+          <a:fillRef idx="1">
+            <a:schemeClr val="accent1"/>
+          </a:fillRef>
+          <a:effectRef idx="0">
+            <a:schemeClr val="accent1"/>
+          </a:effectRef>
+          <a:fontRef idx="minor">
+            <a:schemeClr val="lt1"/>
+          </a:fontRef>
+        </p:style>
+        <p:txBody>
+          <a:bodyPr rtlCol="0" anchor="ctr"/>
+          <a:lstStyle/>
+          <a:p>
+            <a:pPr algn="ctr"/>
+            <a:r>
+              <a:rPr lang="ko-KR" altLang="en-US" sz="1200" b="1" spc="50" dirty="0" smtClean="0">
+                <a:ln w="13500">
+                  <a:solidFill>
+                    <a:schemeClr val="accent1">
+                      <a:shade val="2500"/>
+                      <a:alpha val="6500"/>
+                    </a:schemeClr>
+                  </a:solidFill>
+                  <a:prstDash val="solid"/>
+                </a:ln>
+                <a:solidFill>
+                  <a:schemeClr val="accent1">
+                    <a:lumMod val="50000"/>
+                  </a:schemeClr>
+                </a:solidFill>
+                <a:effectLst>
+                  <a:innerShdw blurRad="50900" dist="38500" dir="13500000">
+                    <a:srgbClr val="000000">
+                      <a:alpha val="60000"/>
+                    </a:srgbClr>
+                  </a:innerShdw>
+                </a:effectLst>
+              </a:rPr>
+              <a:t>인수 </a:t>
+            </a:r>
+            <a:r>
+              <a:rPr lang="en-US" altLang="ko-KR" sz="1200" b="1" spc="50" dirty="0" smtClean="0">
+                <a:ln w="13500">
+                  <a:solidFill>
+                    <a:schemeClr val="accent1">
+                      <a:shade val="2500"/>
+                      <a:alpha val="6500"/>
+                    </a:schemeClr>
+                  </a:solidFill>
+                  <a:prstDash val="solid"/>
+                </a:ln>
+                <a:solidFill>
+                  <a:schemeClr val="accent1">
+                    <a:lumMod val="50000"/>
+                  </a:schemeClr>
+                </a:solidFill>
+                <a:effectLst>
+                  <a:innerShdw blurRad="50900" dist="38500" dir="13500000">
+                    <a:srgbClr val="000000">
+                      <a:alpha val="60000"/>
+                    </a:srgbClr>
+                  </a:innerShdw>
+                </a:effectLst>
+              </a:rPr>
+              <a:t>/ </a:t>
+            </a:r>
+            <a:r>
+              <a:rPr lang="ko-KR" altLang="en-US" sz="1200" b="1" spc="50" dirty="0" smtClean="0">
+                <a:ln w="13500">
+                  <a:solidFill>
+                    <a:schemeClr val="accent1">
+                      <a:shade val="2500"/>
+                      <a:alpha val="6500"/>
+                    </a:schemeClr>
+                  </a:solidFill>
+                  <a:prstDash val="solid"/>
+                </a:ln>
+                <a:solidFill>
+                  <a:schemeClr val="accent1">
+                    <a:lumMod val="50000"/>
+                  </a:schemeClr>
+                </a:solidFill>
+                <a:effectLst>
+                  <a:innerShdw blurRad="50900" dist="38500" dir="13500000">
+                    <a:srgbClr val="000000">
+                      <a:alpha val="60000"/>
+                    </a:srgbClr>
+                  </a:innerShdw>
+                </a:effectLst>
+              </a:rPr>
+              <a:t>매각</a:t>
+            </a:r>
+          </a:p>
+        </p:txBody>
+      </p:sp>
+      <p:sp>
+        <p:nvSpPr>
+          <p:cNvPr id="52" name="모서리가 둥근 직사각형 51"/>
+          <p:cNvSpPr/>
+          <p:nvPr/>
+        </p:nvSpPr>
+        <p:spPr>
+          <a:xfrm>
+            <a:off x="611560" y="2924944"/>
+            <a:ext cx="1152128" cy="396000"/>
+          </a:xfrm>
+          <a:prstGeom prst="roundRect">
+            <a:avLst/>
+          </a:prstGeom>
+          <a:solidFill>
+            <a:schemeClr val="accent5">
+              <a:lumMod val="60000"/>
+              <a:lumOff val="40000"/>
+            </a:schemeClr>
+          </a:solidFill>
+          <a:ln>
+            <a:solidFill>
+              <a:schemeClr val="accent1">
+                <a:lumMod val="20000"/>
+                <a:lumOff val="80000"/>
+              </a:schemeClr>
+            </a:solidFill>
+            <a:prstDash val="solid"/>
+          </a:ln>
+          <a:effectLst>
+            <a:glow rad="101600">
+              <a:schemeClr val="accent3">
+                <a:satMod val="175000"/>
+                <a:alpha val="40000"/>
+              </a:schemeClr>
+            </a:glow>
+          </a:effectLst>
+          <a:scene3d>
+            <a:camera prst="orthographicFront"/>
+            <a:lightRig rig="threePt" dir="t"/>
+          </a:scene3d>
+          <a:sp3d>
+            <a:bevelT w="114300" prst="artDeco"/>
+          </a:sp3d>
+        </p:spPr>
+        <p:style>
+          <a:lnRef idx="2">
+            <a:schemeClr val="accent1">
+              <a:shade val="50000"/>
+            </a:schemeClr>
+          </a:lnRef>
+          <a:fillRef idx="1">
+            <a:schemeClr val="accent1"/>
+          </a:fillRef>
+          <a:effectRef idx="0">
+            <a:schemeClr val="accent1"/>
+          </a:effectRef>
+          <a:fontRef idx="minor">
+            <a:schemeClr val="lt1"/>
+          </a:fontRef>
+        </p:style>
+        <p:txBody>
+          <a:bodyPr rtlCol="0" anchor="ctr"/>
+          <a:lstStyle/>
+          <a:p>
+            <a:pPr algn="ctr"/>
+            <a:r>
+              <a:rPr lang="ko-KR" altLang="en-US" sz="1200" b="1" spc="50" dirty="0" smtClean="0">
+                <a:ln w="13500">
+                  <a:solidFill>
+                    <a:schemeClr val="accent1">
+                      <a:shade val="2500"/>
+                      <a:alpha val="6500"/>
+                    </a:schemeClr>
+                  </a:solidFill>
+                  <a:prstDash val="solid"/>
+                </a:ln>
+                <a:solidFill>
+                  <a:schemeClr val="accent1">
+                    <a:lumMod val="50000"/>
+                  </a:schemeClr>
+                </a:solidFill>
+                <a:effectLst>
+                  <a:innerShdw blurRad="50900" dist="38500" dir="13500000">
+                    <a:srgbClr val="000000">
+                      <a:alpha val="60000"/>
+                    </a:srgbClr>
+                  </a:innerShdw>
+                </a:effectLst>
+              </a:rPr>
+              <a:t>재정 관리</a:t>
+            </a:r>
+          </a:p>
+        </p:txBody>
+      </p:sp>
+      <p:sp>
+        <p:nvSpPr>
+          <p:cNvPr id="53" name="모서리가 둥근 직사각형 52"/>
+          <p:cNvSpPr/>
+          <p:nvPr/>
+        </p:nvSpPr>
+        <p:spPr>
+          <a:xfrm>
+            <a:off x="611560" y="3429000"/>
+            <a:ext cx="1152128" cy="396000"/>
+          </a:xfrm>
+          <a:prstGeom prst="roundRect">
+            <a:avLst/>
+          </a:prstGeom>
+          <a:solidFill>
+            <a:schemeClr val="accent5">
+              <a:lumMod val="60000"/>
+              <a:lumOff val="40000"/>
+            </a:schemeClr>
+          </a:solidFill>
+          <a:ln>
+            <a:solidFill>
+              <a:schemeClr val="accent1">
+                <a:lumMod val="20000"/>
+                <a:lumOff val="80000"/>
+              </a:schemeClr>
+            </a:solidFill>
+            <a:prstDash val="solid"/>
+          </a:ln>
+          <a:effectLst>
+            <a:glow rad="101600">
+              <a:schemeClr val="accent3">
+                <a:satMod val="175000"/>
+                <a:alpha val="40000"/>
+              </a:schemeClr>
+            </a:glow>
+          </a:effectLst>
+          <a:scene3d>
+            <a:camera prst="orthographicFront"/>
+            <a:lightRig rig="threePt" dir="t"/>
+          </a:scene3d>
+          <a:sp3d>
+            <a:bevelT w="114300" prst="artDeco"/>
+          </a:sp3d>
+        </p:spPr>
+        <p:style>
+          <a:lnRef idx="2">
+            <a:schemeClr val="accent1">
+              <a:shade val="50000"/>
+            </a:schemeClr>
+          </a:lnRef>
+          <a:fillRef idx="1">
+            <a:schemeClr val="accent1"/>
+          </a:fillRef>
+          <a:effectRef idx="0">
+            <a:schemeClr val="accent1"/>
+          </a:effectRef>
+          <a:fontRef idx="minor">
+            <a:schemeClr val="lt1"/>
+          </a:fontRef>
+        </p:style>
+        <p:txBody>
+          <a:bodyPr rtlCol="0" anchor="ctr"/>
+          <a:lstStyle/>
+          <a:p>
+            <a:pPr algn="ctr"/>
+            <a:r>
+              <a:rPr lang="ko-KR" altLang="en-US" sz="1200" b="1" spc="50" dirty="0" smtClean="0">
+                <a:ln w="13500">
+                  <a:solidFill>
+                    <a:schemeClr val="accent1">
+                      <a:shade val="2500"/>
+                      <a:alpha val="6500"/>
+                    </a:schemeClr>
+                  </a:solidFill>
+                  <a:prstDash val="solid"/>
+                </a:ln>
+                <a:solidFill>
+                  <a:schemeClr val="accent1">
+                    <a:lumMod val="50000"/>
+                  </a:schemeClr>
+                </a:solidFill>
+                <a:effectLst>
+                  <a:innerShdw blurRad="50900" dist="38500" dir="13500000">
+                    <a:srgbClr val="000000">
+                      <a:alpha val="60000"/>
+                    </a:srgbClr>
+                  </a:innerShdw>
+                </a:effectLst>
+              </a:rPr>
+              <a:t>팀 선수단 </a:t>
+            </a:r>
+          </a:p>
+        </p:txBody>
+      </p:sp>
+      <p:sp>
+        <p:nvSpPr>
+          <p:cNvPr id="54" name="모서리가 둥근 직사각형 53"/>
+          <p:cNvSpPr/>
+          <p:nvPr/>
+        </p:nvSpPr>
+        <p:spPr>
+          <a:xfrm>
+            <a:off x="611560" y="3933056"/>
+            <a:ext cx="1152128" cy="396000"/>
+          </a:xfrm>
+          <a:prstGeom prst="roundRect">
+            <a:avLst/>
+          </a:prstGeom>
+          <a:solidFill>
+            <a:schemeClr val="accent5">
+              <a:lumMod val="60000"/>
+              <a:lumOff val="40000"/>
+            </a:schemeClr>
+          </a:solidFill>
+          <a:ln>
+            <a:solidFill>
+              <a:schemeClr val="accent1">
+                <a:lumMod val="20000"/>
+                <a:lumOff val="80000"/>
+              </a:schemeClr>
+            </a:solidFill>
+            <a:prstDash val="solid"/>
+          </a:ln>
+          <a:effectLst>
+            <a:glow rad="101600">
+              <a:schemeClr val="accent3">
+                <a:satMod val="175000"/>
+                <a:alpha val="40000"/>
+              </a:schemeClr>
+            </a:glow>
+          </a:effectLst>
+          <a:scene3d>
+            <a:camera prst="orthographicFront"/>
+            <a:lightRig rig="threePt" dir="t"/>
+          </a:scene3d>
+          <a:sp3d>
+            <a:bevelT w="114300" prst="artDeco"/>
+          </a:sp3d>
+        </p:spPr>
+        <p:style>
+          <a:lnRef idx="2">
+            <a:schemeClr val="accent1">
+              <a:shade val="50000"/>
+            </a:schemeClr>
+          </a:lnRef>
+          <a:fillRef idx="1">
+            <a:schemeClr val="accent1"/>
+          </a:fillRef>
+          <a:effectRef idx="0">
+            <a:schemeClr val="accent1"/>
+          </a:effectRef>
+          <a:fontRef idx="minor">
+            <a:schemeClr val="lt1"/>
+          </a:fontRef>
+        </p:style>
+        <p:txBody>
+          <a:bodyPr rtlCol="0" anchor="ctr"/>
+          <a:lstStyle/>
+          <a:p>
+            <a:pPr algn="ctr"/>
+            <a:r>
+              <a:rPr lang="ko-KR" altLang="en-US" sz="1200" b="1" spc="50" dirty="0" smtClean="0">
+                <a:ln w="13500">
+                  <a:solidFill>
+                    <a:schemeClr val="accent1">
+                      <a:shade val="2500"/>
+                      <a:alpha val="6500"/>
+                    </a:schemeClr>
+                  </a:solidFill>
+                  <a:prstDash val="solid"/>
+                </a:ln>
+                <a:solidFill>
+                  <a:schemeClr val="accent1">
+                    <a:lumMod val="50000"/>
+                  </a:schemeClr>
+                </a:solidFill>
+                <a:effectLst>
+                  <a:innerShdw blurRad="50900" dist="38500" dir="13500000">
+                    <a:srgbClr val="000000">
+                      <a:alpha val="60000"/>
+                    </a:srgbClr>
+                  </a:innerShdw>
+                </a:effectLst>
+              </a:rPr>
+              <a:t>팀 </a:t>
+            </a:r>
+            <a:r>
+              <a:rPr lang="ko-KR" altLang="en-US" sz="1200" b="1" spc="50" dirty="0" err="1" smtClean="0">
+                <a:ln w="13500">
+                  <a:solidFill>
+                    <a:schemeClr val="accent1">
+                      <a:shade val="2500"/>
+                      <a:alpha val="6500"/>
+                    </a:schemeClr>
+                  </a:solidFill>
+                  <a:prstDash val="solid"/>
+                </a:ln>
+                <a:solidFill>
+                  <a:schemeClr val="accent1">
+                    <a:lumMod val="50000"/>
+                  </a:schemeClr>
+                </a:solidFill>
+                <a:effectLst>
+                  <a:innerShdw blurRad="50900" dist="38500" dir="13500000">
+                    <a:srgbClr val="000000">
+                      <a:alpha val="60000"/>
+                    </a:srgbClr>
+                  </a:innerShdw>
+                </a:effectLst>
+              </a:rPr>
+              <a:t>코치단</a:t>
+            </a:r>
+            <a:endParaRPr lang="ko-KR" altLang="en-US" sz="1200" b="1" spc="50" dirty="0" smtClean="0">
+              <a:ln w="13500">
+                <a:solidFill>
+                  <a:schemeClr val="accent1">
+                    <a:shade val="2500"/>
+                    <a:alpha val="6500"/>
+                  </a:schemeClr>
+                </a:solidFill>
+                <a:prstDash val="solid"/>
+              </a:ln>
+              <a:solidFill>
+                <a:schemeClr val="accent1">
+                  <a:lumMod val="50000"/>
+                </a:schemeClr>
+              </a:solidFill>
+              <a:effectLst>
+                <a:innerShdw blurRad="50900" dist="38500" dir="13500000">
+                  <a:srgbClr val="000000">
+                    <a:alpha val="60000"/>
+                  </a:srgbClr>
+                </a:innerShdw>
+              </a:effectLst>
+            </a:endParaRPr>
+          </a:p>
+        </p:txBody>
+      </p:sp>
+      <p:sp>
+        <p:nvSpPr>
+          <p:cNvPr id="55" name="모서리가 둥근 직사각형 54"/>
+          <p:cNvSpPr/>
+          <p:nvPr/>
+        </p:nvSpPr>
+        <p:spPr>
+          <a:xfrm>
+            <a:off x="611560" y="4437112"/>
+            <a:ext cx="1152128" cy="396000"/>
+          </a:xfrm>
+          <a:prstGeom prst="roundRect">
+            <a:avLst/>
+          </a:prstGeom>
+          <a:solidFill>
+            <a:schemeClr val="accent5">
+              <a:lumMod val="60000"/>
+              <a:lumOff val="40000"/>
+            </a:schemeClr>
+          </a:solidFill>
+          <a:ln>
+            <a:solidFill>
+              <a:schemeClr val="accent1">
+                <a:lumMod val="20000"/>
+                <a:lumOff val="80000"/>
+              </a:schemeClr>
+            </a:solidFill>
+            <a:prstDash val="solid"/>
+          </a:ln>
+          <a:effectLst>
+            <a:glow rad="101600">
+              <a:schemeClr val="accent3">
+                <a:satMod val="175000"/>
+                <a:alpha val="40000"/>
+              </a:schemeClr>
+            </a:glow>
+          </a:effectLst>
+          <a:scene3d>
+            <a:camera prst="orthographicFront"/>
+            <a:lightRig rig="threePt" dir="t"/>
+          </a:scene3d>
+          <a:sp3d>
+            <a:bevelT w="114300" prst="artDeco"/>
+          </a:sp3d>
+        </p:spPr>
+        <p:style>
+          <a:lnRef idx="2">
+            <a:schemeClr val="accent1">
+              <a:shade val="50000"/>
+            </a:schemeClr>
+          </a:lnRef>
+          <a:fillRef idx="1">
+            <a:schemeClr val="accent1"/>
+          </a:fillRef>
+          <a:effectRef idx="0">
+            <a:schemeClr val="accent1"/>
+          </a:effectRef>
+          <a:fontRef idx="minor">
+            <a:schemeClr val="lt1"/>
+          </a:fontRef>
+        </p:style>
+        <p:txBody>
+          <a:bodyPr rtlCol="0" anchor="ctr"/>
+          <a:lstStyle/>
+          <a:p>
+            <a:pPr algn="ctr"/>
+            <a:r>
+              <a:rPr lang="ko-KR" altLang="en-US" sz="1200" b="1" spc="50" dirty="0" smtClean="0">
+                <a:ln w="13500">
+                  <a:solidFill>
+                    <a:schemeClr val="accent1">
+                      <a:shade val="2500"/>
+                      <a:alpha val="6500"/>
+                    </a:schemeClr>
+                  </a:solidFill>
+                  <a:prstDash val="solid"/>
+                </a:ln>
+                <a:solidFill>
+                  <a:schemeClr val="accent1">
+                    <a:lumMod val="50000"/>
+                  </a:schemeClr>
+                </a:solidFill>
+                <a:effectLst>
+                  <a:innerShdw blurRad="50900" dist="38500" dir="13500000">
+                    <a:srgbClr val="000000">
+                      <a:alpha val="60000"/>
+                    </a:srgbClr>
+                  </a:innerShdw>
+                </a:effectLst>
+              </a:rPr>
+              <a:t>팀 직원</a:t>
+            </a:r>
+          </a:p>
+        </p:txBody>
+      </p:sp>
+      <p:sp>
+        <p:nvSpPr>
+          <p:cNvPr id="56" name="모서리가 둥근 직사각형 55"/>
+          <p:cNvSpPr/>
+          <p:nvPr/>
+        </p:nvSpPr>
+        <p:spPr>
+          <a:xfrm>
+            <a:off x="611560" y="4941168"/>
+            <a:ext cx="1152128" cy="396000"/>
+          </a:xfrm>
+          <a:prstGeom prst="roundRect">
+            <a:avLst/>
+          </a:prstGeom>
+          <a:solidFill>
+            <a:schemeClr val="accent5">
+              <a:lumMod val="60000"/>
+              <a:lumOff val="40000"/>
+            </a:schemeClr>
+          </a:solidFill>
+          <a:ln>
+            <a:solidFill>
+              <a:schemeClr val="accent1">
+                <a:lumMod val="20000"/>
+                <a:lumOff val="80000"/>
+              </a:schemeClr>
+            </a:solidFill>
+            <a:prstDash val="solid"/>
+          </a:ln>
+          <a:effectLst>
+            <a:glow rad="101600">
+              <a:schemeClr val="accent3">
+                <a:satMod val="175000"/>
+                <a:alpha val="40000"/>
+              </a:schemeClr>
+            </a:glow>
+          </a:effectLst>
+          <a:scene3d>
+            <a:camera prst="orthographicFront"/>
+            <a:lightRig rig="threePt" dir="t"/>
+          </a:scene3d>
+          <a:sp3d>
+            <a:bevelT w="114300" prst="artDeco"/>
+          </a:sp3d>
+        </p:spPr>
+        <p:style>
+          <a:lnRef idx="2">
+            <a:schemeClr val="accent1">
+              <a:shade val="50000"/>
+            </a:schemeClr>
+          </a:lnRef>
+          <a:fillRef idx="1">
+            <a:schemeClr val="accent1"/>
+          </a:fillRef>
+          <a:effectRef idx="0">
+            <a:schemeClr val="accent1"/>
+          </a:effectRef>
+          <a:fontRef idx="minor">
+            <a:schemeClr val="lt1"/>
+          </a:fontRef>
+        </p:style>
+        <p:txBody>
+          <a:bodyPr rtlCol="0" anchor="ctr"/>
+          <a:lstStyle/>
+          <a:p>
+            <a:pPr algn="ctr"/>
+            <a:r>
+              <a:rPr lang="ko-KR" altLang="en-US" sz="1200" b="1" spc="50" dirty="0" smtClean="0">
+                <a:ln w="13500">
+                  <a:solidFill>
+                    <a:schemeClr val="accent1">
+                      <a:shade val="2500"/>
+                      <a:alpha val="6500"/>
+                    </a:schemeClr>
+                  </a:solidFill>
+                  <a:prstDash val="solid"/>
+                </a:ln>
+                <a:solidFill>
+                  <a:schemeClr val="accent1">
+                    <a:lumMod val="50000"/>
+                  </a:schemeClr>
+                </a:solidFill>
+                <a:effectLst>
+                  <a:innerShdw blurRad="50900" dist="38500" dir="13500000">
+                    <a:srgbClr val="000000">
+                      <a:alpha val="60000"/>
+                    </a:srgbClr>
+                  </a:innerShdw>
+                </a:effectLst>
+              </a:rPr>
+              <a:t>스폰서</a:t>
+            </a:r>
+          </a:p>
+        </p:txBody>
+      </p:sp>
+      <p:sp>
+        <p:nvSpPr>
+          <p:cNvPr id="57" name="모서리가 둥근 직사각형 56"/>
+          <p:cNvSpPr/>
+          <p:nvPr/>
+        </p:nvSpPr>
+        <p:spPr>
+          <a:xfrm>
+            <a:off x="611560" y="5445224"/>
+            <a:ext cx="1152128" cy="396000"/>
+          </a:xfrm>
+          <a:prstGeom prst="roundRect">
+            <a:avLst/>
+          </a:prstGeom>
+          <a:solidFill>
+            <a:schemeClr val="accent5">
+              <a:lumMod val="60000"/>
+              <a:lumOff val="40000"/>
+            </a:schemeClr>
+          </a:solidFill>
+          <a:ln>
+            <a:solidFill>
+              <a:schemeClr val="accent1">
+                <a:lumMod val="20000"/>
+                <a:lumOff val="80000"/>
+              </a:schemeClr>
+            </a:solidFill>
+            <a:prstDash val="solid"/>
+          </a:ln>
+          <a:effectLst>
+            <a:glow rad="101600">
+              <a:schemeClr val="accent3">
+                <a:satMod val="175000"/>
+                <a:alpha val="40000"/>
+              </a:schemeClr>
+            </a:glow>
+          </a:effectLst>
+          <a:scene3d>
+            <a:camera prst="orthographicFront"/>
+            <a:lightRig rig="threePt" dir="t"/>
+          </a:scene3d>
+          <a:sp3d>
+            <a:bevelT w="114300" prst="artDeco"/>
+          </a:sp3d>
+        </p:spPr>
+        <p:style>
+          <a:lnRef idx="2">
+            <a:schemeClr val="accent1">
+              <a:shade val="50000"/>
+            </a:schemeClr>
+          </a:lnRef>
+          <a:fillRef idx="1">
+            <a:schemeClr val="accent1"/>
+          </a:fillRef>
+          <a:effectRef idx="0">
+            <a:schemeClr val="accent1"/>
+          </a:effectRef>
+          <a:fontRef idx="minor">
+            <a:schemeClr val="lt1"/>
+          </a:fontRef>
+        </p:style>
+        <p:txBody>
+          <a:bodyPr rtlCol="0" anchor="ctr"/>
+          <a:lstStyle/>
+          <a:p>
+            <a:pPr algn="ctr"/>
+            <a:r>
+              <a:rPr lang="ko-KR" altLang="en-US" sz="1200" b="1" spc="50" dirty="0" smtClean="0">
+                <a:ln w="13500">
+                  <a:solidFill>
+                    <a:schemeClr val="accent1">
+                      <a:shade val="2500"/>
+                      <a:alpha val="6500"/>
+                    </a:schemeClr>
+                  </a:solidFill>
+                  <a:prstDash val="solid"/>
+                </a:ln>
+                <a:solidFill>
+                  <a:schemeClr val="accent1">
+                    <a:lumMod val="50000"/>
+                  </a:schemeClr>
+                </a:solidFill>
+                <a:effectLst>
+                  <a:innerShdw blurRad="50900" dist="38500" dir="13500000">
+                    <a:srgbClr val="000000">
+                      <a:alpha val="60000"/>
+                    </a:srgbClr>
+                  </a:innerShdw>
+                </a:effectLst>
+              </a:rPr>
+              <a:t>행동하기</a:t>
+            </a:r>
+          </a:p>
+        </p:txBody>
+      </p:sp>
+      <p:grpSp>
+        <p:nvGrpSpPr>
+          <p:cNvPr id="11" name="그룹 28"/>
+          <p:cNvGrpSpPr/>
+          <p:nvPr/>
+        </p:nvGrpSpPr>
+        <p:grpSpPr>
+          <a:xfrm>
+            <a:off x="8172400" y="620688"/>
+            <a:ext cx="648072" cy="648072"/>
+            <a:chOff x="-972616" y="1916832"/>
+            <a:chExt cx="504000" cy="504000"/>
+          </a:xfrm>
+        </p:grpSpPr>
+        <p:sp>
+          <p:nvSpPr>
+            <p:cNvPr id="27" name="직사각형 26"/>
+            <p:cNvSpPr/>
+            <p:nvPr/>
+          </p:nvSpPr>
+          <p:spPr>
+            <a:xfrm>
+              <a:off x="-972616" y="1916832"/>
+              <a:ext cx="504000" cy="504000"/>
+            </a:xfrm>
+            <a:prstGeom prst="rect">
+              <a:avLst/>
+            </a:prstGeom>
+            <a:solidFill>
+              <a:schemeClr val="accent4">
+                <a:lumMod val="60000"/>
+                <a:lumOff val="40000"/>
+              </a:schemeClr>
+            </a:solidFill>
+            <a:ln>
+              <a:solidFill>
+                <a:schemeClr val="accent1">
+                  <a:lumMod val="20000"/>
+                  <a:lumOff val="80000"/>
+                </a:schemeClr>
+              </a:solidFill>
+              <a:prstDash val="solid"/>
+            </a:ln>
+            <a:effectLst>
+              <a:outerShdw blurRad="63500" sx="102000" sy="102000" algn="ctr" rotWithShape="0">
+                <a:prstClr val="black">
+                  <a:alpha val="40000"/>
+                </a:prstClr>
+              </a:outerShdw>
+            </a:effectLst>
+            <a:scene3d>
+              <a:camera prst="orthographicFront"/>
+              <a:lightRig rig="threePt" dir="t"/>
+            </a:scene3d>
+            <a:sp3d>
+              <a:bevelT prst="slope"/>
+            </a:sp3d>
+          </p:spPr>
+          <p:style>
+            <a:lnRef idx="2">
+              <a:schemeClr val="accent1">
+                <a:shade val="50000"/>
+              </a:schemeClr>
+            </a:lnRef>
+            <a:fillRef idx="1">
+              <a:schemeClr val="accent1"/>
+            </a:fillRef>
+            <a:effectRef idx="0">
+              <a:schemeClr val="accent1"/>
+            </a:effectRef>
+            <a:fontRef idx="minor">
+              <a:schemeClr val="lt1"/>
+            </a:fontRef>
+          </p:style>
+          <p:txBody>
+            <a:bodyPr rtlCol="0" anchor="ctr">
+              <a:scene3d>
+                <a:camera prst="orthographicFront"/>
+                <a:lightRig rig="soft" dir="tl">
+                  <a:rot lat="0" lon="0" rev="0"/>
+                </a:lightRig>
+              </a:scene3d>
+              <a:sp3d contourW="25400" prstMaterial="matte">
+                <a:contourClr>
+                  <a:schemeClr val="accent2">
+                    <a:tint val="20000"/>
+                  </a:schemeClr>
+                </a:contourClr>
+              </a:sp3d>
+            </a:bodyPr>
+            <a:lstStyle/>
+            <a:p>
+              <a:pPr algn="ctr"/>
+              <a:endParaRPr lang="ko-KR" altLang="en-US" b="1" spc="50" dirty="0" smtClean="0">
+                <a:ln w="11430">
+                  <a:solidFill>
+                    <a:srgbClr val="00B050"/>
+                  </a:solidFill>
+                </a:ln>
+                <a:solidFill>
+                  <a:srgbClr val="00B050"/>
+                </a:solidFill>
+                <a:effectLst>
+                  <a:glow rad="228600">
+                    <a:schemeClr val="accent6">
+                      <a:satMod val="175000"/>
+                      <a:alpha val="40000"/>
+                    </a:schemeClr>
+                  </a:glow>
+                  <a:outerShdw blurRad="50800" dist="38100" dir="2700000" algn="tl" rotWithShape="0">
+                    <a:prstClr val="black">
+                      <a:alpha val="40000"/>
+                    </a:prstClr>
+                  </a:outerShdw>
+                </a:effectLst>
+              </a:endParaRPr>
+            </a:p>
+          </p:txBody>
+        </p:sp>
+        <p:pic>
+          <p:nvPicPr>
+            <p:cNvPr id="1026" name="Picture 2" descr="C:\Users\ediso\AppData\Local\Microsoft\Windows\INetCache\IE\Y7GHTHUT\arrow-1314470_640[1].png"/>
+            <p:cNvPicPr>
+              <a:picLocks noChangeAspect="1" noChangeArrowheads="1"/>
+            </p:cNvPicPr>
+            <p:nvPr/>
+          </p:nvPicPr>
+          <p:blipFill>
+            <a:blip r:embed="rId5" cstate="print"/>
+            <a:srcRect/>
+            <a:stretch>
+              <a:fillRect/>
+            </a:stretch>
+          </p:blipFill>
+          <p:spPr bwMode="auto">
+            <a:xfrm>
+              <a:off x="-900568" y="1988880"/>
+              <a:ext cx="360000" cy="360000"/>
+            </a:xfrm>
+            <a:prstGeom prst="rect">
+              <a:avLst/>
+            </a:prstGeom>
+            <a:noFill/>
+          </p:spPr>
+        </p:pic>
+      </p:grpSp>
+      <p:sp>
+        <p:nvSpPr>
+          <p:cNvPr id="28" name="직사각형 27"/>
+          <p:cNvSpPr/>
+          <p:nvPr/>
+        </p:nvSpPr>
+        <p:spPr>
+          <a:xfrm>
+            <a:off x="1907704" y="692696"/>
+            <a:ext cx="6048672" cy="504056"/>
+          </a:xfrm>
+          <a:prstGeom prst="rect">
+            <a:avLst/>
+          </a:prstGeom>
+          <a:solidFill>
+            <a:schemeClr val="accent1">
+              <a:lumMod val="40000"/>
+              <a:lumOff val="60000"/>
+            </a:schemeClr>
+          </a:solidFill>
+          <a:ln>
+            <a:solidFill>
+              <a:schemeClr val="accent3">
+                <a:lumMod val="60000"/>
+                <a:lumOff val="40000"/>
+              </a:schemeClr>
+            </a:solidFill>
+            <a:prstDash val="solid"/>
+          </a:ln>
+          <a:effectLst/>
+          <a:scene3d>
+            <a:camera prst="orthographicFront"/>
+            <a:lightRig rig="threePt" dir="t"/>
+          </a:scene3d>
+          <a:sp3d>
+            <a:bevelT/>
+          </a:sp3d>
+        </p:spPr>
+        <p:style>
+          <a:lnRef idx="2">
+            <a:schemeClr val="accent1">
+              <a:shade val="50000"/>
+            </a:schemeClr>
+          </a:lnRef>
+          <a:fillRef idx="1">
+            <a:schemeClr val="accent1"/>
+          </a:fillRef>
+          <a:effectRef idx="0">
+            <a:schemeClr val="accent1"/>
+          </a:effectRef>
+          <a:fontRef idx="minor">
+            <a:schemeClr val="lt1"/>
+          </a:fontRef>
+        </p:style>
+        <p:txBody>
+          <a:bodyPr rtlCol="0" anchor="ctr">
+            <a:scene3d>
+              <a:camera prst="orthographicFront"/>
+              <a:lightRig rig="flat" dir="tl">
+                <a:rot lat="0" lon="0" rev="6600000"/>
+              </a:lightRig>
+            </a:scene3d>
+            <a:sp3d extrusionH="25400" contourW="8890">
+              <a:bevelT w="38100" h="31750"/>
+              <a:contourClr>
+                <a:schemeClr val="accent2">
+                  <a:shade val="75000"/>
+                </a:schemeClr>
+              </a:contourClr>
+            </a:sp3d>
+          </a:bodyPr>
+          <a:lstStyle/>
+          <a:p>
+            <a:pPr algn="ctr"/>
+            <a:r>
+              <a:rPr lang="ko-KR" altLang="en-US" b="1" dirty="0" smtClean="0">
+                <a:ln w="11430"/>
+                <a:solidFill>
+                  <a:schemeClr val="accent6">
+                    <a:lumMod val="40000"/>
+                    <a:lumOff val="60000"/>
+                  </a:schemeClr>
+                </a:solidFill>
+                <a:effectLst>
+                  <a:glow rad="139700">
+                    <a:schemeClr val="accent5">
+                      <a:satMod val="175000"/>
+                      <a:alpha val="40000"/>
+                    </a:schemeClr>
+                  </a:glow>
+                  <a:outerShdw blurRad="50800" dist="39000" dir="5460000" algn="tl">
+                    <a:srgbClr val="000000">
+                      <a:alpha val="38000"/>
+                    </a:srgbClr>
+                  </a:outerShdw>
+                </a:effectLst>
+              </a:rPr>
+              <a:t>인수 </a:t>
+            </a:r>
+            <a:r>
+              <a:rPr lang="en-US" altLang="ko-KR" b="1" dirty="0" smtClean="0">
+                <a:ln w="11430"/>
+                <a:solidFill>
+                  <a:schemeClr val="accent6">
+                    <a:lumMod val="40000"/>
+                    <a:lumOff val="60000"/>
+                  </a:schemeClr>
+                </a:solidFill>
+                <a:effectLst>
+                  <a:glow rad="139700">
+                    <a:schemeClr val="accent5">
+                      <a:satMod val="175000"/>
+                      <a:alpha val="40000"/>
+                    </a:schemeClr>
+                  </a:glow>
+                  <a:outerShdw blurRad="50800" dist="39000" dir="5460000" algn="tl">
+                    <a:srgbClr val="000000">
+                      <a:alpha val="38000"/>
+                    </a:srgbClr>
+                  </a:outerShdw>
+                </a:effectLst>
+              </a:rPr>
+              <a:t>/ </a:t>
+            </a:r>
+            <a:r>
+              <a:rPr lang="ko-KR" altLang="en-US" b="1" dirty="0" smtClean="0">
+                <a:ln w="11430"/>
+                <a:solidFill>
+                  <a:schemeClr val="accent6">
+                    <a:lumMod val="40000"/>
+                    <a:lumOff val="60000"/>
+                  </a:schemeClr>
+                </a:solidFill>
+                <a:effectLst>
+                  <a:glow rad="139700">
+                    <a:schemeClr val="accent5">
+                      <a:satMod val="175000"/>
+                      <a:alpha val="40000"/>
+                    </a:schemeClr>
+                  </a:glow>
+                  <a:outerShdw blurRad="50800" dist="39000" dir="5460000" algn="tl">
+                    <a:srgbClr val="000000">
+                      <a:alpha val="38000"/>
+                    </a:srgbClr>
+                  </a:outerShdw>
+                </a:effectLst>
+              </a:rPr>
+              <a:t>매</a:t>
+            </a:r>
+            <a:r>
+              <a:rPr lang="ko-KR" altLang="en-US" b="1" dirty="0" smtClean="0">
+                <a:ln w="11430"/>
+                <a:solidFill>
+                  <a:schemeClr val="accent6">
+                    <a:lumMod val="40000"/>
+                    <a:lumOff val="60000"/>
+                  </a:schemeClr>
+                </a:solidFill>
+                <a:effectLst>
+                  <a:glow rad="139700">
+                    <a:schemeClr val="accent5">
+                      <a:satMod val="175000"/>
+                      <a:alpha val="40000"/>
+                    </a:schemeClr>
+                  </a:glow>
+                  <a:outerShdw blurRad="50800" dist="39000" dir="5460000" algn="tl">
+                    <a:srgbClr val="000000">
+                      <a:alpha val="38000"/>
+                    </a:srgbClr>
+                  </a:outerShdw>
+                </a:effectLst>
+              </a:rPr>
+              <a:t>각</a:t>
+            </a:r>
+            <a:endParaRPr lang="ko-KR" altLang="en-US" b="1" dirty="0" smtClean="0">
+              <a:ln w="11430"/>
+              <a:solidFill>
+                <a:schemeClr val="accent6">
+                  <a:lumMod val="40000"/>
+                  <a:lumOff val="60000"/>
+                </a:schemeClr>
+              </a:solidFill>
+              <a:effectLst>
+                <a:glow rad="139700">
+                  <a:schemeClr val="accent5">
+                    <a:satMod val="175000"/>
+                    <a:alpha val="40000"/>
+                  </a:schemeClr>
+                </a:glow>
+                <a:outerShdw blurRad="50800" dist="39000" dir="5460000" algn="tl">
+                  <a:srgbClr val="000000">
+                    <a:alpha val="38000"/>
+                  </a:srgbClr>
+                </a:outerShdw>
+              </a:effectLst>
+            </a:endParaRPr>
+          </a:p>
+        </p:txBody>
+      </p:sp>
+    </p:spTree>
+  </p:cSld>
+  <p:clrMapOvr>
+    <a:masterClrMapping/>
+  </p:clrMapOvr>
+</p:sld>
+</file>
+
+<file path=ppt/slides/slide9.xml><?xml version="1.0" encoding="utf-8"?>
 <p:sld xmlns:a="http://schemas.openxmlformats.org/drawingml/2006/main" xmlns:r="http://schemas.openxmlformats.org/officeDocument/2006/relationships" xmlns:p="http://schemas.openxmlformats.org/presentationml/2006/main">
   <p:cSld>
     <p:spTree>

--- a/그림 만들기.pptx
+++ b/그림 만들기.pptx
@@ -11859,28 +11859,6 @@
               </a:rPr>
               <a:t>메시지 박스</a:t>
             </a:r>
-            <a:endParaRPr lang="ko-KR" altLang="en-US" b="1" dirty="0" smtClean="0">
-              <a:ln w="11430"/>
-              <a:solidFill>
-                <a:schemeClr val="accent6">
-                  <a:lumMod val="40000"/>
-                  <a:lumOff val="60000"/>
-                </a:schemeClr>
-              </a:solidFill>
-              <a:effectLst>
-                <a:glow rad="139700">
-                  <a:schemeClr val="accent5">
-                    <a:satMod val="175000"/>
-                    <a:alpha val="40000"/>
-                  </a:schemeClr>
-                </a:glow>
-                <a:outerShdw blurRad="50800" dist="39000" dir="5460000" algn="tl">
-                  <a:srgbClr val="000000">
-                    <a:alpha val="38000"/>
-                  </a:srgbClr>
-                </a:outerShdw>
-              </a:effectLst>
-            </a:endParaRPr>
           </a:p>
         </p:txBody>
       </p:sp>
@@ -14591,53 +14569,1348 @@
                   </a:outerShdw>
                 </a:effectLst>
               </a:rPr>
-              <a:t>매</a:t>
+              <a:t>매각</a:t>
             </a:r>
+          </a:p>
+        </p:txBody>
+      </p:sp>
+      <p:pic>
+        <p:nvPicPr>
+          <p:cNvPr id="31" name="그림 30" descr="8b00748b6a8a28804a5c95bb678fcf77_t.jpeg"/>
+          <p:cNvPicPr preferRelativeResize="0">
+            <a:picLocks/>
+          </p:cNvPicPr>
+          <p:nvPr/>
+        </p:nvPicPr>
+        <p:blipFill>
+          <a:blip r:embed="rId6" cstate="print"/>
+          <a:stretch>
+            <a:fillRect/>
+          </a:stretch>
+        </p:blipFill>
+        <p:spPr>
+          <a:xfrm>
+            <a:off x="1835696" y="1268760"/>
+            <a:ext cx="6984776" cy="3240360"/>
+          </a:xfrm>
+          <a:prstGeom prst="rect">
+            <a:avLst/>
+          </a:prstGeom>
+          <a:scene3d>
+            <a:camera prst="orthographicFront"/>
+            <a:lightRig rig="threePt" dir="t"/>
+          </a:scene3d>
+          <a:sp3d>
+            <a:bevelT/>
+          </a:sp3d>
+        </p:spPr>
+      </p:pic>
+      <p:pic>
+        <p:nvPicPr>
+          <p:cNvPr id="32" name="그림 31" descr="8b00748b6a8a28804a5c95bb678fcf77_t.jpeg"/>
+          <p:cNvPicPr preferRelativeResize="0">
+            <a:picLocks/>
+          </p:cNvPicPr>
+          <p:nvPr/>
+        </p:nvPicPr>
+        <p:blipFill>
+          <a:blip r:embed="rId6" cstate="print">
+            <a:duotone>
+              <a:prstClr val="black"/>
+              <a:schemeClr val="accent5">
+                <a:tint val="45000"/>
+                <a:satMod val="400000"/>
+              </a:schemeClr>
+            </a:duotone>
+          </a:blip>
+          <a:stretch>
+            <a:fillRect/>
+          </a:stretch>
+        </p:blipFill>
+        <p:spPr>
+          <a:xfrm>
+            <a:off x="1835696" y="4509120"/>
+            <a:ext cx="6984776" cy="1512168"/>
+          </a:xfrm>
+          <a:prstGeom prst="rect">
+            <a:avLst/>
+          </a:prstGeom>
+          <a:scene3d>
+            <a:camera prst="orthographicFront"/>
+            <a:lightRig rig="threePt" dir="t"/>
+          </a:scene3d>
+          <a:sp3d>
+            <a:bevelT/>
+          </a:sp3d>
+        </p:spPr>
+      </p:pic>
+      <p:sp>
+        <p:nvSpPr>
+          <p:cNvPr id="36" name="직사각형 35"/>
+          <p:cNvSpPr/>
+          <p:nvPr/>
+        </p:nvSpPr>
+        <p:spPr>
+          <a:xfrm>
+            <a:off x="8028384" y="2708976"/>
+            <a:ext cx="648072" cy="359984"/>
+          </a:xfrm>
+          <a:prstGeom prst="rect">
+            <a:avLst/>
+          </a:prstGeom>
+          <a:solidFill>
+            <a:srgbClr val="00B050"/>
+          </a:solidFill>
+          <a:ln>
+            <a:noFill/>
+          </a:ln>
+          <a:effectLst>
+            <a:outerShdw blurRad="63500" sx="102000" sy="102000" algn="ctr" rotWithShape="0">
+              <a:prstClr val="black">
+                <a:alpha val="40000"/>
+              </a:prstClr>
+            </a:outerShdw>
+          </a:effectLst>
+          <a:scene3d>
+            <a:camera prst="orthographicFront"/>
+            <a:lightRig rig="threePt" dir="t"/>
+          </a:scene3d>
+          <a:sp3d>
+            <a:bevelT w="114300" prst="artDeco"/>
+          </a:sp3d>
+        </p:spPr>
+        <p:style>
+          <a:lnRef idx="2">
+            <a:schemeClr val="accent1">
+              <a:shade val="50000"/>
+            </a:schemeClr>
+          </a:lnRef>
+          <a:fillRef idx="1">
+            <a:schemeClr val="accent1"/>
+          </a:fillRef>
+          <a:effectRef idx="0">
+            <a:schemeClr val="accent1"/>
+          </a:effectRef>
+          <a:fontRef idx="minor">
+            <a:schemeClr val="lt1"/>
+          </a:fontRef>
+        </p:style>
+        <p:txBody>
+          <a:bodyPr rtlCol="0" anchor="ctr">
+            <a:scene3d>
+              <a:camera prst="orthographicFront"/>
+              <a:lightRig rig="brightRoom" dir="t"/>
+            </a:scene3d>
+            <a:sp3d extrusionH="57150" contourW="6350" prstMaterial="plastic">
+              <a:bevelT w="38100" h="38100" prst="angle"/>
+              <a:contourClr>
+                <a:schemeClr val="accent1">
+                  <a:tint val="100000"/>
+                  <a:shade val="100000"/>
+                  <a:hueMod val="100000"/>
+                  <a:satMod val="100000"/>
+                </a:schemeClr>
+              </a:contourClr>
+            </a:sp3d>
+          </a:bodyPr>
+          <a:lstStyle/>
+          <a:p>
+            <a:pPr algn="ctr"/>
             <a:r>
-              <a:rPr lang="ko-KR" altLang="en-US" b="1" dirty="0" smtClean="0">
-                <a:ln w="11430"/>
+              <a:rPr lang="ko-KR" altLang="en-US" sz="1300" b="1" cap="all" dirty="0" smtClean="0">
+                <a:ln/>
                 <a:solidFill>
-                  <a:schemeClr val="accent6">
-                    <a:lumMod val="40000"/>
-                    <a:lumOff val="60000"/>
-                  </a:schemeClr>
+                  <a:schemeClr val="accent1"/>
                 </a:solidFill>
                 <a:effectLst>
-                  <a:glow rad="139700">
-                    <a:schemeClr val="accent5">
+                  <a:glow rad="228600">
+                    <a:schemeClr val="accent3">
                       <a:satMod val="175000"/>
                       <a:alpha val="40000"/>
                     </a:schemeClr>
                   </a:glow>
-                  <a:outerShdw blurRad="50800" dist="39000" dir="5460000" algn="tl">
-                    <a:srgbClr val="000000">
-                      <a:alpha val="38000"/>
-                    </a:srgbClr>
+                  <a:outerShdw blurRad="19685" dist="12700" dir="5400000" algn="tl" rotWithShape="0">
+                    <a:schemeClr val="accent1">
+                      <a:satMod val="130000"/>
+                      <a:alpha val="60000"/>
+                    </a:schemeClr>
                   </a:outerShdw>
+                  <a:reflection blurRad="10000" stA="55000" endPos="48000" dist="500" dir="5400000" sy="-100000" algn="bl" rotWithShape="0"/>
+                </a:effectLst>
+              </a:rPr>
+              <a:t>인수</a:t>
+            </a:r>
+            <a:endParaRPr lang="ko-KR" altLang="en-US" sz="1300" b="1" cap="all" dirty="0">
+              <a:ln/>
+              <a:solidFill>
+                <a:schemeClr val="accent1"/>
+              </a:solidFill>
+              <a:effectLst>
+                <a:glow rad="228600">
+                  <a:schemeClr val="accent3">
+                    <a:satMod val="175000"/>
+                    <a:alpha val="40000"/>
+                  </a:schemeClr>
+                </a:glow>
+                <a:outerShdw blurRad="19685" dist="12700" dir="5400000" algn="tl" rotWithShape="0">
+                  <a:schemeClr val="accent1">
+                    <a:satMod val="130000"/>
+                    <a:alpha val="60000"/>
+                  </a:schemeClr>
+                </a:outerShdw>
+                <a:reflection blurRad="10000" stA="55000" endPos="48000" dist="500" dir="5400000" sy="-100000" algn="bl" rotWithShape="0"/>
+              </a:effectLst>
+            </a:endParaRPr>
+          </a:p>
+        </p:txBody>
+      </p:sp>
+      <p:sp>
+        <p:nvSpPr>
+          <p:cNvPr id="37" name="직사각형 36"/>
+          <p:cNvSpPr/>
+          <p:nvPr/>
+        </p:nvSpPr>
+        <p:spPr>
+          <a:xfrm>
+            <a:off x="8028384" y="5517288"/>
+            <a:ext cx="648072" cy="359984"/>
+          </a:xfrm>
+          <a:prstGeom prst="rect">
+            <a:avLst/>
+          </a:prstGeom>
+          <a:solidFill>
+            <a:srgbClr val="FF0000"/>
+          </a:solidFill>
+          <a:ln>
+            <a:noFill/>
+          </a:ln>
+          <a:effectLst>
+            <a:outerShdw blurRad="63500" sx="102000" sy="102000" algn="ctr" rotWithShape="0">
+              <a:prstClr val="black">
+                <a:alpha val="40000"/>
+              </a:prstClr>
+            </a:outerShdw>
+          </a:effectLst>
+          <a:scene3d>
+            <a:camera prst="orthographicFront"/>
+            <a:lightRig rig="threePt" dir="t"/>
+          </a:scene3d>
+          <a:sp3d>
+            <a:bevelT w="114300" prst="artDeco"/>
+          </a:sp3d>
+        </p:spPr>
+        <p:style>
+          <a:lnRef idx="2">
+            <a:schemeClr val="accent1">
+              <a:shade val="50000"/>
+            </a:schemeClr>
+          </a:lnRef>
+          <a:fillRef idx="1">
+            <a:schemeClr val="accent1"/>
+          </a:fillRef>
+          <a:effectRef idx="0">
+            <a:schemeClr val="accent1"/>
+          </a:effectRef>
+          <a:fontRef idx="minor">
+            <a:schemeClr val="lt1"/>
+          </a:fontRef>
+        </p:style>
+        <p:txBody>
+          <a:bodyPr rtlCol="0" anchor="ctr">
+            <a:scene3d>
+              <a:camera prst="orthographicFront"/>
+              <a:lightRig rig="brightRoom" dir="t"/>
+            </a:scene3d>
+            <a:sp3d extrusionH="57150" contourW="6350" prstMaterial="plastic">
+              <a:bevelT w="38100" h="38100" prst="angle"/>
+              <a:contourClr>
+                <a:schemeClr val="accent1">
+                  <a:tint val="100000"/>
+                  <a:shade val="100000"/>
+                  <a:hueMod val="100000"/>
+                  <a:satMod val="100000"/>
+                </a:schemeClr>
+              </a:contourClr>
+            </a:sp3d>
+          </a:bodyPr>
+          <a:lstStyle/>
+          <a:p>
+            <a:pPr algn="ctr"/>
+            <a:r>
+              <a:rPr lang="ko-KR" altLang="en-US" sz="1300" b="1" cap="all" dirty="0" smtClean="0">
+                <a:ln/>
+                <a:solidFill>
+                  <a:schemeClr val="accent1"/>
+                </a:solidFill>
+                <a:effectLst>
+                  <a:glow rad="228600">
+                    <a:schemeClr val="accent3">
+                      <a:satMod val="175000"/>
+                      <a:alpha val="40000"/>
+                    </a:schemeClr>
+                  </a:glow>
+                  <a:outerShdw blurRad="19685" dist="12700" dir="5400000" algn="tl" rotWithShape="0">
+                    <a:schemeClr val="accent1">
+                      <a:satMod val="130000"/>
+                      <a:alpha val="60000"/>
+                    </a:schemeClr>
+                  </a:outerShdw>
+                  <a:reflection blurRad="10000" stA="55000" endPos="48000" dist="500" dir="5400000" sy="-100000" algn="bl" rotWithShape="0"/>
+                </a:effectLst>
+              </a:rPr>
+              <a:t>매</a:t>
+            </a:r>
+            <a:r>
+              <a:rPr lang="ko-KR" altLang="en-US" sz="1300" b="1" cap="all" dirty="0" smtClean="0">
+                <a:ln/>
+                <a:solidFill>
+                  <a:schemeClr val="accent1"/>
+                </a:solidFill>
+                <a:effectLst>
+                  <a:glow rad="228600">
+                    <a:schemeClr val="accent3">
+                      <a:satMod val="175000"/>
+                      <a:alpha val="40000"/>
+                    </a:schemeClr>
+                  </a:glow>
+                  <a:outerShdw blurRad="19685" dist="12700" dir="5400000" algn="tl" rotWithShape="0">
+                    <a:schemeClr val="accent1">
+                      <a:satMod val="130000"/>
+                      <a:alpha val="60000"/>
+                    </a:schemeClr>
+                  </a:outerShdw>
+                  <a:reflection blurRad="10000" stA="55000" endPos="48000" dist="500" dir="5400000" sy="-100000" algn="bl" rotWithShape="0"/>
                 </a:effectLst>
               </a:rPr>
               <a:t>각</a:t>
             </a:r>
-            <a:endParaRPr lang="ko-KR" altLang="en-US" b="1" dirty="0" smtClean="0">
-              <a:ln w="11430"/>
+            <a:endParaRPr lang="ko-KR" altLang="en-US" sz="1300" b="1" cap="all" dirty="0">
+              <a:ln/>
               <a:solidFill>
-                <a:schemeClr val="accent6">
-                  <a:lumMod val="40000"/>
-                  <a:lumOff val="60000"/>
-                </a:schemeClr>
+                <a:schemeClr val="accent1"/>
               </a:solidFill>
               <a:effectLst>
-                <a:glow rad="139700">
-                  <a:schemeClr val="accent5">
+                <a:glow rad="228600">
+                  <a:schemeClr val="accent3">
                     <a:satMod val="175000"/>
                     <a:alpha val="40000"/>
                   </a:schemeClr>
                 </a:glow>
-                <a:outerShdw blurRad="50800" dist="39000" dir="5460000" algn="tl">
-                  <a:srgbClr val="000000">
-                    <a:alpha val="38000"/>
-                  </a:srgbClr>
+                <a:outerShdw blurRad="19685" dist="12700" dir="5400000" algn="tl" rotWithShape="0">
+                  <a:schemeClr val="accent1">
+                    <a:satMod val="130000"/>
+                    <a:alpha val="60000"/>
+                  </a:schemeClr>
                 </a:outerShdw>
+                <a:reflection blurRad="10000" stA="55000" endPos="48000" dist="500" dir="5400000" sy="-100000" algn="bl" rotWithShape="0"/>
+              </a:effectLst>
+            </a:endParaRPr>
+          </a:p>
+        </p:txBody>
+      </p:sp>
+      <p:sp>
+        <p:nvSpPr>
+          <p:cNvPr id="39" name="직사각형 38"/>
+          <p:cNvSpPr/>
+          <p:nvPr/>
+        </p:nvSpPr>
+        <p:spPr>
+          <a:xfrm>
+            <a:off x="8028384" y="5085240"/>
+            <a:ext cx="648072" cy="359984"/>
+          </a:xfrm>
+          <a:prstGeom prst="rect">
+            <a:avLst/>
+          </a:prstGeom>
+          <a:solidFill>
+            <a:srgbClr val="FF0000"/>
+          </a:solidFill>
+          <a:ln>
+            <a:noFill/>
+          </a:ln>
+          <a:effectLst>
+            <a:outerShdw blurRad="63500" sx="102000" sy="102000" algn="ctr" rotWithShape="0">
+              <a:prstClr val="black">
+                <a:alpha val="40000"/>
+              </a:prstClr>
+            </a:outerShdw>
+          </a:effectLst>
+          <a:scene3d>
+            <a:camera prst="orthographicFront"/>
+            <a:lightRig rig="threePt" dir="t"/>
+          </a:scene3d>
+          <a:sp3d>
+            <a:bevelT w="114300" prst="artDeco"/>
+          </a:sp3d>
+        </p:spPr>
+        <p:style>
+          <a:lnRef idx="2">
+            <a:schemeClr val="accent1">
+              <a:shade val="50000"/>
+            </a:schemeClr>
+          </a:lnRef>
+          <a:fillRef idx="1">
+            <a:schemeClr val="accent1"/>
+          </a:fillRef>
+          <a:effectRef idx="0">
+            <a:schemeClr val="accent1"/>
+          </a:effectRef>
+          <a:fontRef idx="minor">
+            <a:schemeClr val="lt1"/>
+          </a:fontRef>
+        </p:style>
+        <p:txBody>
+          <a:bodyPr rtlCol="0" anchor="ctr">
+            <a:scene3d>
+              <a:camera prst="orthographicFront"/>
+              <a:lightRig rig="brightRoom" dir="t"/>
+            </a:scene3d>
+            <a:sp3d extrusionH="57150" contourW="6350" prstMaterial="plastic">
+              <a:bevelT w="38100" h="38100" prst="angle"/>
+              <a:contourClr>
+                <a:schemeClr val="accent1">
+                  <a:tint val="100000"/>
+                  <a:shade val="100000"/>
+                  <a:hueMod val="100000"/>
+                  <a:satMod val="100000"/>
+                </a:schemeClr>
+              </a:contourClr>
+            </a:sp3d>
+          </a:bodyPr>
+          <a:lstStyle/>
+          <a:p>
+            <a:pPr algn="ctr"/>
+            <a:r>
+              <a:rPr lang="ko-KR" altLang="en-US" sz="1300" b="1" cap="all" dirty="0" smtClean="0">
+                <a:ln/>
+                <a:solidFill>
+                  <a:schemeClr val="accent1"/>
+                </a:solidFill>
+                <a:effectLst>
+                  <a:glow rad="228600">
+                    <a:schemeClr val="accent3">
+                      <a:satMod val="175000"/>
+                      <a:alpha val="40000"/>
+                    </a:schemeClr>
+                  </a:glow>
+                  <a:outerShdw blurRad="19685" dist="12700" dir="5400000" algn="tl" rotWithShape="0">
+                    <a:schemeClr val="accent1">
+                      <a:satMod val="130000"/>
+                      <a:alpha val="60000"/>
+                    </a:schemeClr>
+                  </a:outerShdw>
+                  <a:reflection blurRad="10000" stA="55000" endPos="48000" dist="500" dir="5400000" sy="-100000" algn="bl" rotWithShape="0"/>
+                </a:effectLst>
+              </a:rPr>
+              <a:t>매</a:t>
+            </a:r>
+            <a:r>
+              <a:rPr lang="ko-KR" altLang="en-US" sz="1300" b="1" cap="all" dirty="0" smtClean="0">
+                <a:ln/>
+                <a:solidFill>
+                  <a:schemeClr val="accent1"/>
+                </a:solidFill>
+                <a:effectLst>
+                  <a:glow rad="228600">
+                    <a:schemeClr val="accent3">
+                      <a:satMod val="175000"/>
+                      <a:alpha val="40000"/>
+                    </a:schemeClr>
+                  </a:glow>
+                  <a:outerShdw blurRad="19685" dist="12700" dir="5400000" algn="tl" rotWithShape="0">
+                    <a:schemeClr val="accent1">
+                      <a:satMod val="130000"/>
+                      <a:alpha val="60000"/>
+                    </a:schemeClr>
+                  </a:outerShdw>
+                  <a:reflection blurRad="10000" stA="55000" endPos="48000" dist="500" dir="5400000" sy="-100000" algn="bl" rotWithShape="0"/>
+                </a:effectLst>
+              </a:rPr>
+              <a:t>각</a:t>
+            </a:r>
+            <a:endParaRPr lang="ko-KR" altLang="en-US" sz="1300" b="1" cap="all" dirty="0">
+              <a:ln/>
+              <a:solidFill>
+                <a:schemeClr val="accent1"/>
+              </a:solidFill>
+              <a:effectLst>
+                <a:glow rad="228600">
+                  <a:schemeClr val="accent3">
+                    <a:satMod val="175000"/>
+                    <a:alpha val="40000"/>
+                  </a:schemeClr>
+                </a:glow>
+                <a:outerShdw blurRad="19685" dist="12700" dir="5400000" algn="tl" rotWithShape="0">
+                  <a:schemeClr val="accent1">
+                    <a:satMod val="130000"/>
+                    <a:alpha val="60000"/>
+                  </a:schemeClr>
+                </a:outerShdw>
+                <a:reflection blurRad="10000" stA="55000" endPos="48000" dist="500" dir="5400000" sy="-100000" algn="bl" rotWithShape="0"/>
+              </a:effectLst>
+            </a:endParaRPr>
+          </a:p>
+        </p:txBody>
+      </p:sp>
+      <p:sp>
+        <p:nvSpPr>
+          <p:cNvPr id="40" name="직사각형 39"/>
+          <p:cNvSpPr/>
+          <p:nvPr/>
+        </p:nvSpPr>
+        <p:spPr>
+          <a:xfrm>
+            <a:off x="8028384" y="4653192"/>
+            <a:ext cx="648072" cy="359984"/>
+          </a:xfrm>
+          <a:prstGeom prst="rect">
+            <a:avLst/>
+          </a:prstGeom>
+          <a:solidFill>
+            <a:srgbClr val="FF0000"/>
+          </a:solidFill>
+          <a:ln>
+            <a:noFill/>
+          </a:ln>
+          <a:effectLst>
+            <a:outerShdw blurRad="63500" sx="102000" sy="102000" algn="ctr" rotWithShape="0">
+              <a:prstClr val="black">
+                <a:alpha val="40000"/>
+              </a:prstClr>
+            </a:outerShdw>
+          </a:effectLst>
+          <a:scene3d>
+            <a:camera prst="orthographicFront"/>
+            <a:lightRig rig="threePt" dir="t"/>
+          </a:scene3d>
+          <a:sp3d>
+            <a:bevelT w="114300" prst="artDeco"/>
+          </a:sp3d>
+        </p:spPr>
+        <p:style>
+          <a:lnRef idx="2">
+            <a:schemeClr val="accent1">
+              <a:shade val="50000"/>
+            </a:schemeClr>
+          </a:lnRef>
+          <a:fillRef idx="1">
+            <a:schemeClr val="accent1"/>
+          </a:fillRef>
+          <a:effectRef idx="0">
+            <a:schemeClr val="accent1"/>
+          </a:effectRef>
+          <a:fontRef idx="minor">
+            <a:schemeClr val="lt1"/>
+          </a:fontRef>
+        </p:style>
+        <p:txBody>
+          <a:bodyPr rtlCol="0" anchor="ctr">
+            <a:scene3d>
+              <a:camera prst="orthographicFront"/>
+              <a:lightRig rig="brightRoom" dir="t"/>
+            </a:scene3d>
+            <a:sp3d extrusionH="57150" contourW="6350" prstMaterial="plastic">
+              <a:bevelT w="38100" h="38100" prst="angle"/>
+              <a:contourClr>
+                <a:schemeClr val="accent1">
+                  <a:tint val="100000"/>
+                  <a:shade val="100000"/>
+                  <a:hueMod val="100000"/>
+                  <a:satMod val="100000"/>
+                </a:schemeClr>
+              </a:contourClr>
+            </a:sp3d>
+          </a:bodyPr>
+          <a:lstStyle/>
+          <a:p>
+            <a:pPr algn="ctr"/>
+            <a:r>
+              <a:rPr lang="ko-KR" altLang="en-US" sz="1300" b="1" cap="all" dirty="0" smtClean="0">
+                <a:ln/>
+                <a:solidFill>
+                  <a:schemeClr val="accent1"/>
+                </a:solidFill>
+                <a:effectLst>
+                  <a:glow rad="228600">
+                    <a:schemeClr val="accent3">
+                      <a:satMod val="175000"/>
+                      <a:alpha val="40000"/>
+                    </a:schemeClr>
+                  </a:glow>
+                  <a:outerShdw blurRad="19685" dist="12700" dir="5400000" algn="tl" rotWithShape="0">
+                    <a:schemeClr val="accent1">
+                      <a:satMod val="130000"/>
+                      <a:alpha val="60000"/>
+                    </a:schemeClr>
+                  </a:outerShdw>
+                  <a:reflection blurRad="10000" stA="55000" endPos="48000" dist="500" dir="5400000" sy="-100000" algn="bl" rotWithShape="0"/>
+                </a:effectLst>
+              </a:rPr>
+              <a:t>매</a:t>
+            </a:r>
+            <a:r>
+              <a:rPr lang="ko-KR" altLang="en-US" sz="1300" b="1" cap="all" dirty="0" smtClean="0">
+                <a:ln/>
+                <a:solidFill>
+                  <a:schemeClr val="accent1"/>
+                </a:solidFill>
+                <a:effectLst>
+                  <a:glow rad="228600">
+                    <a:schemeClr val="accent3">
+                      <a:satMod val="175000"/>
+                      <a:alpha val="40000"/>
+                    </a:schemeClr>
+                  </a:glow>
+                  <a:outerShdw blurRad="19685" dist="12700" dir="5400000" algn="tl" rotWithShape="0">
+                    <a:schemeClr val="accent1">
+                      <a:satMod val="130000"/>
+                      <a:alpha val="60000"/>
+                    </a:schemeClr>
+                  </a:outerShdw>
+                  <a:reflection blurRad="10000" stA="55000" endPos="48000" dist="500" dir="5400000" sy="-100000" algn="bl" rotWithShape="0"/>
+                </a:effectLst>
+              </a:rPr>
+              <a:t>각</a:t>
+            </a:r>
+            <a:endParaRPr lang="ko-KR" altLang="en-US" sz="1300" b="1" cap="all" dirty="0">
+              <a:ln/>
+              <a:solidFill>
+                <a:schemeClr val="accent1"/>
+              </a:solidFill>
+              <a:effectLst>
+                <a:glow rad="228600">
+                  <a:schemeClr val="accent3">
+                    <a:satMod val="175000"/>
+                    <a:alpha val="40000"/>
+                  </a:schemeClr>
+                </a:glow>
+                <a:outerShdw blurRad="19685" dist="12700" dir="5400000" algn="tl" rotWithShape="0">
+                  <a:schemeClr val="accent1">
+                    <a:satMod val="130000"/>
+                    <a:alpha val="60000"/>
+                  </a:schemeClr>
+                </a:outerShdw>
+                <a:reflection blurRad="10000" stA="55000" endPos="48000" dist="500" dir="5400000" sy="-100000" algn="bl" rotWithShape="0"/>
+              </a:effectLst>
+            </a:endParaRPr>
+          </a:p>
+        </p:txBody>
+      </p:sp>
+      <p:sp>
+        <p:nvSpPr>
+          <p:cNvPr id="41" name="직사각형 40"/>
+          <p:cNvSpPr/>
+          <p:nvPr/>
+        </p:nvSpPr>
+        <p:spPr>
+          <a:xfrm>
+            <a:off x="8028384" y="1412832"/>
+            <a:ext cx="648072" cy="359984"/>
+          </a:xfrm>
+          <a:prstGeom prst="rect">
+            <a:avLst/>
+          </a:prstGeom>
+          <a:solidFill>
+            <a:srgbClr val="00B050"/>
+          </a:solidFill>
+          <a:ln>
+            <a:noFill/>
+          </a:ln>
+          <a:effectLst>
+            <a:outerShdw blurRad="63500" sx="102000" sy="102000" algn="ctr" rotWithShape="0">
+              <a:prstClr val="black">
+                <a:alpha val="40000"/>
+              </a:prstClr>
+            </a:outerShdw>
+          </a:effectLst>
+          <a:scene3d>
+            <a:camera prst="orthographicFront"/>
+            <a:lightRig rig="threePt" dir="t"/>
+          </a:scene3d>
+          <a:sp3d>
+            <a:bevelT w="114300" prst="artDeco"/>
+          </a:sp3d>
+        </p:spPr>
+        <p:style>
+          <a:lnRef idx="2">
+            <a:schemeClr val="accent1">
+              <a:shade val="50000"/>
+            </a:schemeClr>
+          </a:lnRef>
+          <a:fillRef idx="1">
+            <a:schemeClr val="accent1"/>
+          </a:fillRef>
+          <a:effectRef idx="0">
+            <a:schemeClr val="accent1"/>
+          </a:effectRef>
+          <a:fontRef idx="minor">
+            <a:schemeClr val="lt1"/>
+          </a:fontRef>
+        </p:style>
+        <p:txBody>
+          <a:bodyPr rtlCol="0" anchor="ctr">
+            <a:scene3d>
+              <a:camera prst="orthographicFront"/>
+              <a:lightRig rig="brightRoom" dir="t"/>
+            </a:scene3d>
+            <a:sp3d extrusionH="57150" contourW="6350" prstMaterial="plastic">
+              <a:bevelT w="38100" h="38100" prst="angle"/>
+              <a:contourClr>
+                <a:schemeClr val="accent1">
+                  <a:tint val="100000"/>
+                  <a:shade val="100000"/>
+                  <a:hueMod val="100000"/>
+                  <a:satMod val="100000"/>
+                </a:schemeClr>
+              </a:contourClr>
+            </a:sp3d>
+          </a:bodyPr>
+          <a:lstStyle/>
+          <a:p>
+            <a:pPr algn="ctr"/>
+            <a:r>
+              <a:rPr lang="ko-KR" altLang="en-US" sz="1300" b="1" cap="all" dirty="0" smtClean="0">
+                <a:ln/>
+                <a:solidFill>
+                  <a:schemeClr val="accent1"/>
+                </a:solidFill>
+                <a:effectLst>
+                  <a:glow rad="228600">
+                    <a:schemeClr val="accent3">
+                      <a:satMod val="175000"/>
+                      <a:alpha val="40000"/>
+                    </a:schemeClr>
+                  </a:glow>
+                  <a:outerShdw blurRad="19685" dist="12700" dir="5400000" algn="tl" rotWithShape="0">
+                    <a:schemeClr val="accent1">
+                      <a:satMod val="130000"/>
+                      <a:alpha val="60000"/>
+                    </a:schemeClr>
+                  </a:outerShdw>
+                  <a:reflection blurRad="10000" stA="55000" endPos="48000" dist="500" dir="5400000" sy="-100000" algn="bl" rotWithShape="0"/>
+                </a:effectLst>
+              </a:rPr>
+              <a:t>인수</a:t>
+            </a:r>
+            <a:endParaRPr lang="ko-KR" altLang="en-US" sz="1300" b="1" cap="all" dirty="0">
+              <a:ln/>
+              <a:solidFill>
+                <a:schemeClr val="accent1"/>
+              </a:solidFill>
+              <a:effectLst>
+                <a:glow rad="228600">
+                  <a:schemeClr val="accent3">
+                    <a:satMod val="175000"/>
+                    <a:alpha val="40000"/>
+                  </a:schemeClr>
+                </a:glow>
+                <a:outerShdw blurRad="19685" dist="12700" dir="5400000" algn="tl" rotWithShape="0">
+                  <a:schemeClr val="accent1">
+                    <a:satMod val="130000"/>
+                    <a:alpha val="60000"/>
+                  </a:schemeClr>
+                </a:outerShdw>
+                <a:reflection blurRad="10000" stA="55000" endPos="48000" dist="500" dir="5400000" sy="-100000" algn="bl" rotWithShape="0"/>
+              </a:effectLst>
+            </a:endParaRPr>
+          </a:p>
+        </p:txBody>
+      </p:sp>
+      <p:sp>
+        <p:nvSpPr>
+          <p:cNvPr id="43" name="직사각형 42"/>
+          <p:cNvSpPr/>
+          <p:nvPr/>
+        </p:nvSpPr>
+        <p:spPr>
+          <a:xfrm>
+            <a:off x="8028384" y="1844880"/>
+            <a:ext cx="648072" cy="359984"/>
+          </a:xfrm>
+          <a:prstGeom prst="rect">
+            <a:avLst/>
+          </a:prstGeom>
+          <a:solidFill>
+            <a:srgbClr val="00B050"/>
+          </a:solidFill>
+          <a:ln>
+            <a:noFill/>
+          </a:ln>
+          <a:effectLst>
+            <a:outerShdw blurRad="63500" sx="102000" sy="102000" algn="ctr" rotWithShape="0">
+              <a:prstClr val="black">
+                <a:alpha val="40000"/>
+              </a:prstClr>
+            </a:outerShdw>
+          </a:effectLst>
+          <a:scene3d>
+            <a:camera prst="orthographicFront"/>
+            <a:lightRig rig="threePt" dir="t"/>
+          </a:scene3d>
+          <a:sp3d>
+            <a:bevelT w="114300" prst="artDeco"/>
+          </a:sp3d>
+        </p:spPr>
+        <p:style>
+          <a:lnRef idx="2">
+            <a:schemeClr val="accent1">
+              <a:shade val="50000"/>
+            </a:schemeClr>
+          </a:lnRef>
+          <a:fillRef idx="1">
+            <a:schemeClr val="accent1"/>
+          </a:fillRef>
+          <a:effectRef idx="0">
+            <a:schemeClr val="accent1"/>
+          </a:effectRef>
+          <a:fontRef idx="minor">
+            <a:schemeClr val="lt1"/>
+          </a:fontRef>
+        </p:style>
+        <p:txBody>
+          <a:bodyPr rtlCol="0" anchor="ctr">
+            <a:scene3d>
+              <a:camera prst="orthographicFront"/>
+              <a:lightRig rig="brightRoom" dir="t"/>
+            </a:scene3d>
+            <a:sp3d extrusionH="57150" contourW="6350" prstMaterial="plastic">
+              <a:bevelT w="38100" h="38100" prst="angle"/>
+              <a:contourClr>
+                <a:schemeClr val="accent1">
+                  <a:tint val="100000"/>
+                  <a:shade val="100000"/>
+                  <a:hueMod val="100000"/>
+                  <a:satMod val="100000"/>
+                </a:schemeClr>
+              </a:contourClr>
+            </a:sp3d>
+          </a:bodyPr>
+          <a:lstStyle/>
+          <a:p>
+            <a:pPr algn="ctr"/>
+            <a:r>
+              <a:rPr lang="ko-KR" altLang="en-US" sz="1300" b="1" cap="all" dirty="0" smtClean="0">
+                <a:ln/>
+                <a:solidFill>
+                  <a:schemeClr val="accent1"/>
+                </a:solidFill>
+                <a:effectLst>
+                  <a:glow rad="228600">
+                    <a:schemeClr val="accent3">
+                      <a:satMod val="175000"/>
+                      <a:alpha val="40000"/>
+                    </a:schemeClr>
+                  </a:glow>
+                  <a:outerShdw blurRad="19685" dist="12700" dir="5400000" algn="tl" rotWithShape="0">
+                    <a:schemeClr val="accent1">
+                      <a:satMod val="130000"/>
+                      <a:alpha val="60000"/>
+                    </a:schemeClr>
+                  </a:outerShdw>
+                  <a:reflection blurRad="10000" stA="55000" endPos="48000" dist="500" dir="5400000" sy="-100000" algn="bl" rotWithShape="0"/>
+                </a:effectLst>
+              </a:rPr>
+              <a:t>인수</a:t>
+            </a:r>
+            <a:endParaRPr lang="ko-KR" altLang="en-US" sz="1300" b="1" cap="all" dirty="0">
+              <a:ln/>
+              <a:solidFill>
+                <a:schemeClr val="accent1"/>
+              </a:solidFill>
+              <a:effectLst>
+                <a:glow rad="228600">
+                  <a:schemeClr val="accent3">
+                    <a:satMod val="175000"/>
+                    <a:alpha val="40000"/>
+                  </a:schemeClr>
+                </a:glow>
+                <a:outerShdw blurRad="19685" dist="12700" dir="5400000" algn="tl" rotWithShape="0">
+                  <a:schemeClr val="accent1">
+                    <a:satMod val="130000"/>
+                    <a:alpha val="60000"/>
+                  </a:schemeClr>
+                </a:outerShdw>
+                <a:reflection blurRad="10000" stA="55000" endPos="48000" dist="500" dir="5400000" sy="-100000" algn="bl" rotWithShape="0"/>
+              </a:effectLst>
+            </a:endParaRPr>
+          </a:p>
+        </p:txBody>
+      </p:sp>
+      <p:sp>
+        <p:nvSpPr>
+          <p:cNvPr id="44" name="직사각형 43"/>
+          <p:cNvSpPr/>
+          <p:nvPr/>
+        </p:nvSpPr>
+        <p:spPr>
+          <a:xfrm>
+            <a:off x="8028384" y="2276928"/>
+            <a:ext cx="648072" cy="359984"/>
+          </a:xfrm>
+          <a:prstGeom prst="rect">
+            <a:avLst/>
+          </a:prstGeom>
+          <a:solidFill>
+            <a:srgbClr val="00B050"/>
+          </a:solidFill>
+          <a:ln>
+            <a:noFill/>
+          </a:ln>
+          <a:effectLst>
+            <a:outerShdw blurRad="63500" sx="102000" sy="102000" algn="ctr" rotWithShape="0">
+              <a:prstClr val="black">
+                <a:alpha val="40000"/>
+              </a:prstClr>
+            </a:outerShdw>
+          </a:effectLst>
+          <a:scene3d>
+            <a:camera prst="orthographicFront"/>
+            <a:lightRig rig="threePt" dir="t"/>
+          </a:scene3d>
+          <a:sp3d>
+            <a:bevelT w="114300" prst="artDeco"/>
+          </a:sp3d>
+        </p:spPr>
+        <p:style>
+          <a:lnRef idx="2">
+            <a:schemeClr val="accent1">
+              <a:shade val="50000"/>
+            </a:schemeClr>
+          </a:lnRef>
+          <a:fillRef idx="1">
+            <a:schemeClr val="accent1"/>
+          </a:fillRef>
+          <a:effectRef idx="0">
+            <a:schemeClr val="accent1"/>
+          </a:effectRef>
+          <a:fontRef idx="minor">
+            <a:schemeClr val="lt1"/>
+          </a:fontRef>
+        </p:style>
+        <p:txBody>
+          <a:bodyPr rtlCol="0" anchor="ctr">
+            <a:scene3d>
+              <a:camera prst="orthographicFront"/>
+              <a:lightRig rig="brightRoom" dir="t"/>
+            </a:scene3d>
+            <a:sp3d extrusionH="57150" contourW="6350" prstMaterial="plastic">
+              <a:bevelT w="38100" h="38100" prst="angle"/>
+              <a:contourClr>
+                <a:schemeClr val="accent1">
+                  <a:tint val="100000"/>
+                  <a:shade val="100000"/>
+                  <a:hueMod val="100000"/>
+                  <a:satMod val="100000"/>
+                </a:schemeClr>
+              </a:contourClr>
+            </a:sp3d>
+          </a:bodyPr>
+          <a:lstStyle/>
+          <a:p>
+            <a:pPr algn="ctr"/>
+            <a:r>
+              <a:rPr lang="ko-KR" altLang="en-US" sz="1300" b="1" cap="all" dirty="0" smtClean="0">
+                <a:ln/>
+                <a:solidFill>
+                  <a:schemeClr val="accent1"/>
+                </a:solidFill>
+                <a:effectLst>
+                  <a:glow rad="228600">
+                    <a:schemeClr val="accent3">
+                      <a:satMod val="175000"/>
+                      <a:alpha val="40000"/>
+                    </a:schemeClr>
+                  </a:glow>
+                  <a:outerShdw blurRad="19685" dist="12700" dir="5400000" algn="tl" rotWithShape="0">
+                    <a:schemeClr val="accent1">
+                      <a:satMod val="130000"/>
+                      <a:alpha val="60000"/>
+                    </a:schemeClr>
+                  </a:outerShdw>
+                  <a:reflection blurRad="10000" stA="55000" endPos="48000" dist="500" dir="5400000" sy="-100000" algn="bl" rotWithShape="0"/>
+                </a:effectLst>
+              </a:rPr>
+              <a:t>인수</a:t>
+            </a:r>
+            <a:endParaRPr lang="ko-KR" altLang="en-US" sz="1300" b="1" cap="all" dirty="0">
+              <a:ln/>
+              <a:solidFill>
+                <a:schemeClr val="accent1"/>
+              </a:solidFill>
+              <a:effectLst>
+                <a:glow rad="228600">
+                  <a:schemeClr val="accent3">
+                    <a:satMod val="175000"/>
+                    <a:alpha val="40000"/>
+                  </a:schemeClr>
+                </a:glow>
+                <a:outerShdw blurRad="19685" dist="12700" dir="5400000" algn="tl" rotWithShape="0">
+                  <a:schemeClr val="accent1">
+                    <a:satMod val="130000"/>
+                    <a:alpha val="60000"/>
+                  </a:schemeClr>
+                </a:outerShdw>
+                <a:reflection blurRad="10000" stA="55000" endPos="48000" dist="500" dir="5400000" sy="-100000" algn="bl" rotWithShape="0"/>
+              </a:effectLst>
+            </a:endParaRPr>
+          </a:p>
+        </p:txBody>
+      </p:sp>
+      <p:sp>
+        <p:nvSpPr>
+          <p:cNvPr id="45" name="직사각형 44"/>
+          <p:cNvSpPr/>
+          <p:nvPr/>
+        </p:nvSpPr>
+        <p:spPr>
+          <a:xfrm>
+            <a:off x="8028384" y="3141024"/>
+            <a:ext cx="648072" cy="359984"/>
+          </a:xfrm>
+          <a:prstGeom prst="rect">
+            <a:avLst/>
+          </a:prstGeom>
+          <a:solidFill>
+            <a:srgbClr val="00B050"/>
+          </a:solidFill>
+          <a:ln>
+            <a:noFill/>
+          </a:ln>
+          <a:effectLst>
+            <a:outerShdw blurRad="63500" sx="102000" sy="102000" algn="ctr" rotWithShape="0">
+              <a:prstClr val="black">
+                <a:alpha val="40000"/>
+              </a:prstClr>
+            </a:outerShdw>
+          </a:effectLst>
+          <a:scene3d>
+            <a:camera prst="orthographicFront"/>
+            <a:lightRig rig="threePt" dir="t"/>
+          </a:scene3d>
+          <a:sp3d>
+            <a:bevelT w="114300" prst="artDeco"/>
+          </a:sp3d>
+        </p:spPr>
+        <p:style>
+          <a:lnRef idx="2">
+            <a:schemeClr val="accent1">
+              <a:shade val="50000"/>
+            </a:schemeClr>
+          </a:lnRef>
+          <a:fillRef idx="1">
+            <a:schemeClr val="accent1"/>
+          </a:fillRef>
+          <a:effectRef idx="0">
+            <a:schemeClr val="accent1"/>
+          </a:effectRef>
+          <a:fontRef idx="minor">
+            <a:schemeClr val="lt1"/>
+          </a:fontRef>
+        </p:style>
+        <p:txBody>
+          <a:bodyPr rtlCol="0" anchor="ctr">
+            <a:scene3d>
+              <a:camera prst="orthographicFront"/>
+              <a:lightRig rig="brightRoom" dir="t"/>
+            </a:scene3d>
+            <a:sp3d extrusionH="57150" contourW="6350" prstMaterial="plastic">
+              <a:bevelT w="38100" h="38100" prst="angle"/>
+              <a:contourClr>
+                <a:schemeClr val="accent1">
+                  <a:tint val="100000"/>
+                  <a:shade val="100000"/>
+                  <a:hueMod val="100000"/>
+                  <a:satMod val="100000"/>
+                </a:schemeClr>
+              </a:contourClr>
+            </a:sp3d>
+          </a:bodyPr>
+          <a:lstStyle/>
+          <a:p>
+            <a:pPr algn="ctr"/>
+            <a:r>
+              <a:rPr lang="ko-KR" altLang="en-US" sz="1300" b="1" cap="all" dirty="0" smtClean="0">
+                <a:ln/>
+                <a:solidFill>
+                  <a:schemeClr val="accent1"/>
+                </a:solidFill>
+                <a:effectLst>
+                  <a:glow rad="228600">
+                    <a:schemeClr val="accent3">
+                      <a:satMod val="175000"/>
+                      <a:alpha val="40000"/>
+                    </a:schemeClr>
+                  </a:glow>
+                  <a:outerShdw blurRad="19685" dist="12700" dir="5400000" algn="tl" rotWithShape="0">
+                    <a:schemeClr val="accent1">
+                      <a:satMod val="130000"/>
+                      <a:alpha val="60000"/>
+                    </a:schemeClr>
+                  </a:outerShdw>
+                  <a:reflection blurRad="10000" stA="55000" endPos="48000" dist="500" dir="5400000" sy="-100000" algn="bl" rotWithShape="0"/>
+                </a:effectLst>
+              </a:rPr>
+              <a:t>인수</a:t>
+            </a:r>
+            <a:endParaRPr lang="ko-KR" altLang="en-US" sz="1300" b="1" cap="all" dirty="0">
+              <a:ln/>
+              <a:solidFill>
+                <a:schemeClr val="accent1"/>
+              </a:solidFill>
+              <a:effectLst>
+                <a:glow rad="228600">
+                  <a:schemeClr val="accent3">
+                    <a:satMod val="175000"/>
+                    <a:alpha val="40000"/>
+                  </a:schemeClr>
+                </a:glow>
+                <a:outerShdw blurRad="19685" dist="12700" dir="5400000" algn="tl" rotWithShape="0">
+                  <a:schemeClr val="accent1">
+                    <a:satMod val="130000"/>
+                    <a:alpha val="60000"/>
+                  </a:schemeClr>
+                </a:outerShdw>
+                <a:reflection blurRad="10000" stA="55000" endPos="48000" dist="500" dir="5400000" sy="-100000" algn="bl" rotWithShape="0"/>
+              </a:effectLst>
+            </a:endParaRPr>
+          </a:p>
+        </p:txBody>
+      </p:sp>
+      <p:sp>
+        <p:nvSpPr>
+          <p:cNvPr id="46" name="직사각형 45"/>
+          <p:cNvSpPr/>
+          <p:nvPr/>
+        </p:nvSpPr>
+        <p:spPr>
+          <a:xfrm>
+            <a:off x="8028384" y="3573072"/>
+            <a:ext cx="648072" cy="359984"/>
+          </a:xfrm>
+          <a:prstGeom prst="rect">
+            <a:avLst/>
+          </a:prstGeom>
+          <a:solidFill>
+            <a:srgbClr val="00B050"/>
+          </a:solidFill>
+          <a:ln>
+            <a:noFill/>
+          </a:ln>
+          <a:effectLst>
+            <a:outerShdw blurRad="63500" sx="102000" sy="102000" algn="ctr" rotWithShape="0">
+              <a:prstClr val="black">
+                <a:alpha val="40000"/>
+              </a:prstClr>
+            </a:outerShdw>
+          </a:effectLst>
+          <a:scene3d>
+            <a:camera prst="orthographicFront"/>
+            <a:lightRig rig="threePt" dir="t"/>
+          </a:scene3d>
+          <a:sp3d>
+            <a:bevelT w="114300" prst="artDeco"/>
+          </a:sp3d>
+        </p:spPr>
+        <p:style>
+          <a:lnRef idx="2">
+            <a:schemeClr val="accent1">
+              <a:shade val="50000"/>
+            </a:schemeClr>
+          </a:lnRef>
+          <a:fillRef idx="1">
+            <a:schemeClr val="accent1"/>
+          </a:fillRef>
+          <a:effectRef idx="0">
+            <a:schemeClr val="accent1"/>
+          </a:effectRef>
+          <a:fontRef idx="minor">
+            <a:schemeClr val="lt1"/>
+          </a:fontRef>
+        </p:style>
+        <p:txBody>
+          <a:bodyPr rtlCol="0" anchor="ctr">
+            <a:scene3d>
+              <a:camera prst="orthographicFront"/>
+              <a:lightRig rig="brightRoom" dir="t"/>
+            </a:scene3d>
+            <a:sp3d extrusionH="57150" contourW="6350" prstMaterial="plastic">
+              <a:bevelT w="38100" h="38100" prst="angle"/>
+              <a:contourClr>
+                <a:schemeClr val="accent1">
+                  <a:tint val="100000"/>
+                  <a:shade val="100000"/>
+                  <a:hueMod val="100000"/>
+                  <a:satMod val="100000"/>
+                </a:schemeClr>
+              </a:contourClr>
+            </a:sp3d>
+          </a:bodyPr>
+          <a:lstStyle/>
+          <a:p>
+            <a:pPr algn="ctr"/>
+            <a:r>
+              <a:rPr lang="ko-KR" altLang="en-US" sz="1300" b="1" cap="all" dirty="0" smtClean="0">
+                <a:ln/>
+                <a:solidFill>
+                  <a:schemeClr val="accent1"/>
+                </a:solidFill>
+                <a:effectLst>
+                  <a:glow rad="228600">
+                    <a:schemeClr val="accent3">
+                      <a:satMod val="175000"/>
+                      <a:alpha val="40000"/>
+                    </a:schemeClr>
+                  </a:glow>
+                  <a:outerShdw blurRad="19685" dist="12700" dir="5400000" algn="tl" rotWithShape="0">
+                    <a:schemeClr val="accent1">
+                      <a:satMod val="130000"/>
+                      <a:alpha val="60000"/>
+                    </a:schemeClr>
+                  </a:outerShdw>
+                  <a:reflection blurRad="10000" stA="55000" endPos="48000" dist="500" dir="5400000" sy="-100000" algn="bl" rotWithShape="0"/>
+                </a:effectLst>
+              </a:rPr>
+              <a:t>인수</a:t>
+            </a:r>
+            <a:endParaRPr lang="ko-KR" altLang="en-US" sz="1300" b="1" cap="all" dirty="0">
+              <a:ln/>
+              <a:solidFill>
+                <a:schemeClr val="accent1"/>
+              </a:solidFill>
+              <a:effectLst>
+                <a:glow rad="228600">
+                  <a:schemeClr val="accent3">
+                    <a:satMod val="175000"/>
+                    <a:alpha val="40000"/>
+                  </a:schemeClr>
+                </a:glow>
+                <a:outerShdw blurRad="19685" dist="12700" dir="5400000" algn="tl" rotWithShape="0">
+                  <a:schemeClr val="accent1">
+                    <a:satMod val="130000"/>
+                    <a:alpha val="60000"/>
+                  </a:schemeClr>
+                </a:outerShdw>
+                <a:reflection blurRad="10000" stA="55000" endPos="48000" dist="500" dir="5400000" sy="-100000" algn="bl" rotWithShape="0"/>
+              </a:effectLst>
+            </a:endParaRPr>
+          </a:p>
+        </p:txBody>
+      </p:sp>
+      <p:sp>
+        <p:nvSpPr>
+          <p:cNvPr id="47" name="직사각형 46"/>
+          <p:cNvSpPr/>
+          <p:nvPr/>
+        </p:nvSpPr>
+        <p:spPr>
+          <a:xfrm>
+            <a:off x="8028384" y="4005120"/>
+            <a:ext cx="648072" cy="359984"/>
+          </a:xfrm>
+          <a:prstGeom prst="rect">
+            <a:avLst/>
+          </a:prstGeom>
+          <a:solidFill>
+            <a:srgbClr val="00B050"/>
+          </a:solidFill>
+          <a:ln>
+            <a:noFill/>
+          </a:ln>
+          <a:effectLst>
+            <a:outerShdw blurRad="63500" sx="102000" sy="102000" algn="ctr" rotWithShape="0">
+              <a:prstClr val="black">
+                <a:alpha val="40000"/>
+              </a:prstClr>
+            </a:outerShdw>
+          </a:effectLst>
+          <a:scene3d>
+            <a:camera prst="orthographicFront"/>
+            <a:lightRig rig="threePt" dir="t"/>
+          </a:scene3d>
+          <a:sp3d>
+            <a:bevelT w="114300" prst="artDeco"/>
+          </a:sp3d>
+        </p:spPr>
+        <p:style>
+          <a:lnRef idx="2">
+            <a:schemeClr val="accent1">
+              <a:shade val="50000"/>
+            </a:schemeClr>
+          </a:lnRef>
+          <a:fillRef idx="1">
+            <a:schemeClr val="accent1"/>
+          </a:fillRef>
+          <a:effectRef idx="0">
+            <a:schemeClr val="accent1"/>
+          </a:effectRef>
+          <a:fontRef idx="minor">
+            <a:schemeClr val="lt1"/>
+          </a:fontRef>
+        </p:style>
+        <p:txBody>
+          <a:bodyPr rtlCol="0" anchor="ctr">
+            <a:scene3d>
+              <a:camera prst="orthographicFront"/>
+              <a:lightRig rig="brightRoom" dir="t"/>
+            </a:scene3d>
+            <a:sp3d extrusionH="57150" contourW="6350" prstMaterial="plastic">
+              <a:bevelT w="38100" h="38100" prst="angle"/>
+              <a:contourClr>
+                <a:schemeClr val="accent1">
+                  <a:tint val="100000"/>
+                  <a:shade val="100000"/>
+                  <a:hueMod val="100000"/>
+                  <a:satMod val="100000"/>
+                </a:schemeClr>
+              </a:contourClr>
+            </a:sp3d>
+          </a:bodyPr>
+          <a:lstStyle/>
+          <a:p>
+            <a:pPr algn="ctr"/>
+            <a:r>
+              <a:rPr lang="ko-KR" altLang="en-US" sz="1300" b="1" cap="all" dirty="0" smtClean="0">
+                <a:ln/>
+                <a:solidFill>
+                  <a:schemeClr val="accent1"/>
+                </a:solidFill>
+                <a:effectLst>
+                  <a:glow rad="228600">
+                    <a:schemeClr val="accent3">
+                      <a:satMod val="175000"/>
+                      <a:alpha val="40000"/>
+                    </a:schemeClr>
+                  </a:glow>
+                  <a:outerShdw blurRad="19685" dist="12700" dir="5400000" algn="tl" rotWithShape="0">
+                    <a:schemeClr val="accent1">
+                      <a:satMod val="130000"/>
+                      <a:alpha val="60000"/>
+                    </a:schemeClr>
+                  </a:outerShdw>
+                  <a:reflection blurRad="10000" stA="55000" endPos="48000" dist="500" dir="5400000" sy="-100000" algn="bl" rotWithShape="0"/>
+                </a:effectLst>
+              </a:rPr>
+              <a:t>인수</a:t>
+            </a:r>
+            <a:endParaRPr lang="ko-KR" altLang="en-US" sz="1300" b="1" cap="all" dirty="0">
+              <a:ln/>
+              <a:solidFill>
+                <a:schemeClr val="accent1"/>
+              </a:solidFill>
+              <a:effectLst>
+                <a:glow rad="228600">
+                  <a:schemeClr val="accent3">
+                    <a:satMod val="175000"/>
+                    <a:alpha val="40000"/>
+                  </a:schemeClr>
+                </a:glow>
+                <a:outerShdw blurRad="19685" dist="12700" dir="5400000" algn="tl" rotWithShape="0">
+                  <a:schemeClr val="accent1">
+                    <a:satMod val="130000"/>
+                    <a:alpha val="60000"/>
+                  </a:schemeClr>
+                </a:outerShdw>
+                <a:reflection blurRad="10000" stA="55000" endPos="48000" dist="500" dir="5400000" sy="-100000" algn="bl" rotWithShape="0"/>
               </a:effectLst>
             </a:endParaRPr>
           </a:p>

--- a/그림 만들기.pptx
+++ b/그림 만들기.pptx
@@ -201,7 +201,7 @@
             <a:fld id="{B478B745-BF05-4AEA-A995-7E994C8F897E}" type="datetimeFigureOut">
               <a:rPr lang="ko-KR" altLang="en-US" smtClean="0"/>
               <a:pPr/>
-              <a:t>2020-07-24</a:t>
+              <a:t>2020-07-25</a:t>
             </a:fld>
             <a:endParaRPr lang="ko-KR" altLang="en-US"/>
           </a:p>
@@ -813,7 +813,7 @@
             <a:fld id="{823895E5-2D2B-4236-AC77-BC0599642604}" type="datetimeFigureOut">
               <a:rPr lang="ko-KR" altLang="en-US" smtClean="0"/>
               <a:pPr/>
-              <a:t>2020-07-24</a:t>
+              <a:t>2020-07-25</a:t>
             </a:fld>
             <a:endParaRPr lang="ko-KR" altLang="en-US"/>
           </a:p>
@@ -980,7 +980,7 @@
             <a:fld id="{823895E5-2D2B-4236-AC77-BC0599642604}" type="datetimeFigureOut">
               <a:rPr lang="ko-KR" altLang="en-US" smtClean="0"/>
               <a:pPr/>
-              <a:t>2020-07-24</a:t>
+              <a:t>2020-07-25</a:t>
             </a:fld>
             <a:endParaRPr lang="ko-KR" altLang="en-US"/>
           </a:p>
@@ -1157,7 +1157,7 @@
             <a:fld id="{823895E5-2D2B-4236-AC77-BC0599642604}" type="datetimeFigureOut">
               <a:rPr lang="ko-KR" altLang="en-US" smtClean="0"/>
               <a:pPr/>
-              <a:t>2020-07-24</a:t>
+              <a:t>2020-07-25</a:t>
             </a:fld>
             <a:endParaRPr lang="ko-KR" altLang="en-US"/>
           </a:p>
@@ -1324,7 +1324,7 @@
             <a:fld id="{823895E5-2D2B-4236-AC77-BC0599642604}" type="datetimeFigureOut">
               <a:rPr lang="ko-KR" altLang="en-US" smtClean="0"/>
               <a:pPr/>
-              <a:t>2020-07-24</a:t>
+              <a:t>2020-07-25</a:t>
             </a:fld>
             <a:endParaRPr lang="ko-KR" altLang="en-US"/>
           </a:p>
@@ -1567,7 +1567,7 @@
             <a:fld id="{823895E5-2D2B-4236-AC77-BC0599642604}" type="datetimeFigureOut">
               <a:rPr lang="ko-KR" altLang="en-US" smtClean="0"/>
               <a:pPr/>
-              <a:t>2020-07-24</a:t>
+              <a:t>2020-07-25</a:t>
             </a:fld>
             <a:endParaRPr lang="ko-KR" altLang="en-US"/>
           </a:p>
@@ -1852,7 +1852,7 @@
             <a:fld id="{823895E5-2D2B-4236-AC77-BC0599642604}" type="datetimeFigureOut">
               <a:rPr lang="ko-KR" altLang="en-US" smtClean="0"/>
               <a:pPr/>
-              <a:t>2020-07-24</a:t>
+              <a:t>2020-07-25</a:t>
             </a:fld>
             <a:endParaRPr lang="ko-KR" altLang="en-US"/>
           </a:p>
@@ -2271,7 +2271,7 @@
             <a:fld id="{823895E5-2D2B-4236-AC77-BC0599642604}" type="datetimeFigureOut">
               <a:rPr lang="ko-KR" altLang="en-US" smtClean="0"/>
               <a:pPr/>
-              <a:t>2020-07-24</a:t>
+              <a:t>2020-07-25</a:t>
             </a:fld>
             <a:endParaRPr lang="ko-KR" altLang="en-US"/>
           </a:p>
@@ -2386,7 +2386,7 @@
             <a:fld id="{823895E5-2D2B-4236-AC77-BC0599642604}" type="datetimeFigureOut">
               <a:rPr lang="ko-KR" altLang="en-US" smtClean="0"/>
               <a:pPr/>
-              <a:t>2020-07-24</a:t>
+              <a:t>2020-07-25</a:t>
             </a:fld>
             <a:endParaRPr lang="ko-KR" altLang="en-US"/>
           </a:p>
@@ -2478,7 +2478,7 @@
             <a:fld id="{823895E5-2D2B-4236-AC77-BC0599642604}" type="datetimeFigureOut">
               <a:rPr lang="ko-KR" altLang="en-US" smtClean="0"/>
               <a:pPr/>
-              <a:t>2020-07-24</a:t>
+              <a:t>2020-07-25</a:t>
             </a:fld>
             <a:endParaRPr lang="ko-KR" altLang="en-US"/>
           </a:p>
@@ -2752,7 +2752,7 @@
             <a:fld id="{823895E5-2D2B-4236-AC77-BC0599642604}" type="datetimeFigureOut">
               <a:rPr lang="ko-KR" altLang="en-US" smtClean="0"/>
               <a:pPr/>
-              <a:t>2020-07-24</a:t>
+              <a:t>2020-07-25</a:t>
             </a:fld>
             <a:endParaRPr lang="ko-KR" altLang="en-US"/>
           </a:p>
@@ -3002,7 +3002,7 @@
             <a:fld id="{823895E5-2D2B-4236-AC77-BC0599642604}" type="datetimeFigureOut">
               <a:rPr lang="ko-KR" altLang="en-US" smtClean="0"/>
               <a:pPr/>
-              <a:t>2020-07-24</a:t>
+              <a:t>2020-07-25</a:t>
             </a:fld>
             <a:endParaRPr lang="ko-KR" altLang="en-US"/>
           </a:p>
@@ -3212,7 +3212,7 @@
             <a:fld id="{823895E5-2D2B-4236-AC77-BC0599642604}" type="datetimeFigureOut">
               <a:rPr lang="ko-KR" altLang="en-US" smtClean="0"/>
               <a:pPr/>
-              <a:t>2020-07-24</a:t>
+              <a:t>2020-07-25</a:t>
             </a:fld>
             <a:endParaRPr lang="ko-KR" altLang="en-US"/>
           </a:p>
@@ -14858,31 +14858,7 @@
                   <a:reflection blurRad="10000" stA="55000" endPos="48000" dist="500" dir="5400000" sy="-100000" algn="bl" rotWithShape="0"/>
                 </a:effectLst>
               </a:rPr>
-              <a:t>매</a:t>
-            </a:r>
-            <a:r>
-              <a:rPr lang="ko-KR" altLang="en-US" sz="1300" b="1" cap="all" dirty="0" smtClean="0">
-                <a:ln/>
-                <a:solidFill>
-                  <a:schemeClr val="accent1"/>
-                </a:solidFill>
-                <a:effectLst>
-                  <a:glow rad="228600">
-                    <a:schemeClr val="accent3">
-                      <a:satMod val="175000"/>
-                      <a:alpha val="40000"/>
-                    </a:schemeClr>
-                  </a:glow>
-                  <a:outerShdw blurRad="19685" dist="12700" dir="5400000" algn="tl" rotWithShape="0">
-                    <a:schemeClr val="accent1">
-                      <a:satMod val="130000"/>
-                      <a:alpha val="60000"/>
-                    </a:schemeClr>
-                  </a:outerShdw>
-                  <a:reflection blurRad="10000" stA="55000" endPos="48000" dist="500" dir="5400000" sy="-100000" algn="bl" rotWithShape="0"/>
-                </a:effectLst>
-              </a:rPr>
-              <a:t>각</a:t>
+              <a:t>매각</a:t>
             </a:r>
             <a:endParaRPr lang="ko-KR" altLang="en-US" sz="1300" b="1" cap="all" dirty="0">
               <a:ln/>
@@ -15002,31 +14978,7 @@
                   <a:reflection blurRad="10000" stA="55000" endPos="48000" dist="500" dir="5400000" sy="-100000" algn="bl" rotWithShape="0"/>
                 </a:effectLst>
               </a:rPr>
-              <a:t>매</a:t>
-            </a:r>
-            <a:r>
-              <a:rPr lang="ko-KR" altLang="en-US" sz="1300" b="1" cap="all" dirty="0" smtClean="0">
-                <a:ln/>
-                <a:solidFill>
-                  <a:schemeClr val="accent1"/>
-                </a:solidFill>
-                <a:effectLst>
-                  <a:glow rad="228600">
-                    <a:schemeClr val="accent3">
-                      <a:satMod val="175000"/>
-                      <a:alpha val="40000"/>
-                    </a:schemeClr>
-                  </a:glow>
-                  <a:outerShdw blurRad="19685" dist="12700" dir="5400000" algn="tl" rotWithShape="0">
-                    <a:schemeClr val="accent1">
-                      <a:satMod val="130000"/>
-                      <a:alpha val="60000"/>
-                    </a:schemeClr>
-                  </a:outerShdw>
-                  <a:reflection blurRad="10000" stA="55000" endPos="48000" dist="500" dir="5400000" sy="-100000" algn="bl" rotWithShape="0"/>
-                </a:effectLst>
-              </a:rPr>
-              <a:t>각</a:t>
+              <a:t>매각</a:t>
             </a:r>
             <a:endParaRPr lang="ko-KR" altLang="en-US" sz="1300" b="1" cap="all" dirty="0">
               <a:ln/>
@@ -15146,31 +15098,7 @@
                   <a:reflection blurRad="10000" stA="55000" endPos="48000" dist="500" dir="5400000" sy="-100000" algn="bl" rotWithShape="0"/>
                 </a:effectLst>
               </a:rPr>
-              <a:t>매</a:t>
-            </a:r>
-            <a:r>
-              <a:rPr lang="ko-KR" altLang="en-US" sz="1300" b="1" cap="all" dirty="0" smtClean="0">
-                <a:ln/>
-                <a:solidFill>
-                  <a:schemeClr val="accent1"/>
-                </a:solidFill>
-                <a:effectLst>
-                  <a:glow rad="228600">
-                    <a:schemeClr val="accent3">
-                      <a:satMod val="175000"/>
-                      <a:alpha val="40000"/>
-                    </a:schemeClr>
-                  </a:glow>
-                  <a:outerShdw blurRad="19685" dist="12700" dir="5400000" algn="tl" rotWithShape="0">
-                    <a:schemeClr val="accent1">
-                      <a:satMod val="130000"/>
-                      <a:alpha val="60000"/>
-                    </a:schemeClr>
-                  </a:outerShdw>
-                  <a:reflection blurRad="10000" stA="55000" endPos="48000" dist="500" dir="5400000" sy="-100000" algn="bl" rotWithShape="0"/>
-                </a:effectLst>
-              </a:rPr>
-              <a:t>각</a:t>
+              <a:t>매각</a:t>
             </a:r>
             <a:endParaRPr lang="ko-KR" altLang="en-US" sz="1300" b="1" cap="all" dirty="0">
               <a:ln/>
@@ -15204,7 +15132,7 @@
         </p:nvSpPr>
         <p:spPr>
           <a:xfrm>
-            <a:off x="8028384" y="1412832"/>
+            <a:off x="8028384" y="1412776"/>
             <a:ext cx="648072" cy="359984"/>
           </a:xfrm>
           <a:prstGeom prst="rect">
